--- a/presentation.pptx
+++ b/presentation.pptx
@@ -5,7 +5,7 @@
     <p:sldMasterId id="2147483708" r:id="rId1"/>
   </p:sldMasterIdLst>
   <p:notesMasterIdLst>
-    <p:notesMasterId r:id="rId16"/>
+    <p:notesMasterId r:id="rId18"/>
   </p:notesMasterIdLst>
   <p:sldIdLst>
     <p:sldId id="256" r:id="rId2"/>
@@ -14,14 +14,16 @@
     <p:sldId id="265" r:id="rId5"/>
     <p:sldId id="257" r:id="rId6"/>
     <p:sldId id="258" r:id="rId7"/>
-    <p:sldId id="268" r:id="rId8"/>
-    <p:sldId id="260" r:id="rId9"/>
-    <p:sldId id="267" r:id="rId10"/>
-    <p:sldId id="261" r:id="rId11"/>
-    <p:sldId id="262" r:id="rId12"/>
-    <p:sldId id="266" r:id="rId13"/>
-    <p:sldId id="269" r:id="rId14"/>
-    <p:sldId id="270" r:id="rId15"/>
+    <p:sldId id="269" r:id="rId8"/>
+    <p:sldId id="270" r:id="rId9"/>
+    <p:sldId id="271" r:id="rId10"/>
+    <p:sldId id="272" r:id="rId11"/>
+    <p:sldId id="266" r:id="rId12"/>
+    <p:sldId id="273" r:id="rId13"/>
+    <p:sldId id="260" r:id="rId14"/>
+    <p:sldId id="267" r:id="rId15"/>
+    <p:sldId id="261" r:id="rId16"/>
+    <p:sldId id="262" r:id="rId17"/>
   </p:sldIdLst>
   <p:sldSz cx="12192000" cy="6858000"/>
   <p:notesSz cx="6858000" cy="9144000"/>
@@ -140,815 +142,6 @@
 </p:cmAuthorLst>
 </file>
 
-<file path=ppt/charts/chart1.xml><?xml version="1.0" encoding="utf-8"?>
-<c:chartSpace xmlns:c="http://schemas.openxmlformats.org/drawingml/2006/chart" xmlns:a="http://schemas.openxmlformats.org/drawingml/2006/main" xmlns:r="http://schemas.openxmlformats.org/officeDocument/2006/relationships" xmlns:c16r2="http://schemas.microsoft.com/office/drawing/2015/06/chart">
-  <c:date1904 val="0"/>
-  <c:lang val="ru-RU"/>
-  <c:roundedCorners val="0"/>
-  <mc:AlternateContent xmlns:mc="http://schemas.openxmlformats.org/markup-compatibility/2006">
-    <mc:Choice xmlns:c14="http://schemas.microsoft.com/office/drawing/2007/8/2/chart" Requires="c14">
-      <c14:style val="102"/>
-    </mc:Choice>
-    <mc:Fallback>
-      <c:style val="2"/>
-    </mc:Fallback>
-  </mc:AlternateContent>
-  <c:chart>
-    <c:autoTitleDeleted val="1"/>
-    <c:plotArea>
-      <c:layout>
-        <c:manualLayout>
-          <c:layoutTarget val="inner"/>
-          <c:xMode val="edge"/>
-          <c:yMode val="edge"/>
-          <c:x val="0.29458870630301653"/>
-          <c:y val="8.7559274871315436E-3"/>
-          <c:w val="0.35526703183841152"/>
-          <c:h val="0.85855109393938145"/>
-        </c:manualLayout>
-      </c:layout>
-      <c:doughnutChart>
-        <c:varyColors val="1"/>
-        <c:ser>
-          <c:idx val="0"/>
-          <c:order val="0"/>
-          <c:tx>
-            <c:strRef>
-              <c:f>Лист1!$B$1</c:f>
-              <c:strCache>
-                <c:ptCount val="1"/>
-                <c:pt idx="0">
-                  <c:v> 2</c:v>
-                </c:pt>
-              </c:strCache>
-            </c:strRef>
-          </c:tx>
-          <c:dPt>
-            <c:idx val="0"/>
-            <c:bubble3D val="0"/>
-            <c:spPr>
-              <a:solidFill>
-                <a:schemeClr val="accent1"/>
-              </a:solidFill>
-              <a:ln w="19050">
-                <a:solidFill>
-                  <a:schemeClr val="lt1"/>
-                </a:solidFill>
-              </a:ln>
-              <a:effectLst/>
-            </c:spPr>
-            <c:extLst>
-              <c:ext xmlns:c16="http://schemas.microsoft.com/office/drawing/2014/chart" uri="{C3380CC4-5D6E-409C-BE32-E72D297353CC}">
-                <c16:uniqueId val="{00000001-1935-4298-993E-4377A8131380}"/>
-              </c:ext>
-            </c:extLst>
-          </c:dPt>
-          <c:dPt>
-            <c:idx val="1"/>
-            <c:bubble3D val="0"/>
-            <c:spPr>
-              <a:solidFill>
-                <a:schemeClr val="accent2"/>
-              </a:solidFill>
-              <a:ln w="19050">
-                <a:solidFill>
-                  <a:schemeClr val="lt1"/>
-                </a:solidFill>
-              </a:ln>
-              <a:effectLst/>
-            </c:spPr>
-            <c:extLst>
-              <c:ext xmlns:c16="http://schemas.microsoft.com/office/drawing/2014/chart" uri="{C3380CC4-5D6E-409C-BE32-E72D297353CC}">
-                <c16:uniqueId val="{00000003-1935-4298-993E-4377A8131380}"/>
-              </c:ext>
-            </c:extLst>
-          </c:dPt>
-          <c:dPt>
-            <c:idx val="2"/>
-            <c:bubble3D val="0"/>
-            <c:spPr>
-              <a:solidFill>
-                <a:schemeClr val="accent3"/>
-              </a:solidFill>
-              <a:ln w="19050">
-                <a:solidFill>
-                  <a:schemeClr val="lt1"/>
-                </a:solidFill>
-              </a:ln>
-              <a:effectLst/>
-            </c:spPr>
-            <c:extLst>
-              <c:ext xmlns:c16="http://schemas.microsoft.com/office/drawing/2014/chart" uri="{C3380CC4-5D6E-409C-BE32-E72D297353CC}">
-                <c16:uniqueId val="{00000005-1935-4298-993E-4377A8131380}"/>
-              </c:ext>
-            </c:extLst>
-          </c:dPt>
-          <c:dPt>
-            <c:idx val="3"/>
-            <c:bubble3D val="0"/>
-            <c:spPr>
-              <a:solidFill>
-                <a:schemeClr val="accent4"/>
-              </a:solidFill>
-              <a:ln w="19050">
-                <a:solidFill>
-                  <a:schemeClr val="lt1"/>
-                </a:solidFill>
-              </a:ln>
-              <a:effectLst/>
-            </c:spPr>
-            <c:extLst>
-              <c:ext xmlns:c16="http://schemas.microsoft.com/office/drawing/2014/chart" uri="{C3380CC4-5D6E-409C-BE32-E72D297353CC}">
-                <c16:uniqueId val="{00000007-1935-4298-993E-4377A8131380}"/>
-              </c:ext>
-            </c:extLst>
-          </c:dPt>
-          <c:cat>
-            <c:strRef>
-              <c:f>Лист1!$A$2:$A$5</c:f>
-              <c:strCache>
-                <c:ptCount val="4"/>
-                <c:pt idx="0">
-                  <c:v>курю и хочу бросить 60%</c:v>
-                </c:pt>
-                <c:pt idx="1">
-                  <c:v>курю и пока что не хочу бросать 20%</c:v>
-                </c:pt>
-                <c:pt idx="2">
-                  <c:v>не курю, никто не мешает 10%</c:v>
-                </c:pt>
-                <c:pt idx="3">
-                  <c:v>не курю, но мешают курильщики 10%</c:v>
-                </c:pt>
-              </c:strCache>
-            </c:strRef>
-          </c:cat>
-          <c:val>
-            <c:numRef>
-              <c:f>Лист1!$B$2:$B$5</c:f>
-              <c:numCache>
-                <c:formatCode>General</c:formatCode>
-                <c:ptCount val="4"/>
-                <c:pt idx="0">
-                  <c:v>8.1999999999999993</c:v>
-                </c:pt>
-                <c:pt idx="1">
-                  <c:v>3.2</c:v>
-                </c:pt>
-                <c:pt idx="2">
-                  <c:v>1.4</c:v>
-                </c:pt>
-                <c:pt idx="3">
-                  <c:v>1.4</c:v>
-                </c:pt>
-              </c:numCache>
-            </c:numRef>
-          </c:val>
-          <c:extLst>
-            <c:ext xmlns:c16="http://schemas.microsoft.com/office/drawing/2014/chart" uri="{C3380CC4-5D6E-409C-BE32-E72D297353CC}">
-              <c16:uniqueId val="{00000000-D995-4B63-9EEE-870BA5983C1F}"/>
-            </c:ext>
-          </c:extLst>
-        </c:ser>
-        <c:dLbls>
-          <c:showLegendKey val="0"/>
-          <c:showVal val="0"/>
-          <c:showCatName val="0"/>
-          <c:showSerName val="0"/>
-          <c:showPercent val="0"/>
-          <c:showBubbleSize val="0"/>
-          <c:showLeaderLines val="1"/>
-        </c:dLbls>
-        <c:firstSliceAng val="0"/>
-        <c:holeSize val="75"/>
-      </c:doughnutChart>
-      <c:spPr>
-        <a:noFill/>
-        <a:ln>
-          <a:noFill/>
-        </a:ln>
-        <a:effectLst/>
-      </c:spPr>
-    </c:plotArea>
-    <c:legend>
-      <c:legendPos val="b"/>
-      <c:layout/>
-      <c:overlay val="0"/>
-      <c:spPr>
-        <a:noFill/>
-        <a:ln>
-          <a:noFill/>
-        </a:ln>
-        <a:effectLst/>
-      </c:spPr>
-      <c:txPr>
-        <a:bodyPr rot="0" spcFirstLastPara="1" vertOverflow="ellipsis" vert="horz" wrap="square" anchor="ctr" anchorCtr="1"/>
-        <a:lstStyle/>
-        <a:p>
-          <a:pPr>
-            <a:defRPr sz="1197" b="0" i="0" u="none" strike="noStrike" kern="1200" baseline="0">
-              <a:solidFill>
-                <a:schemeClr val="tx1">
-                  <a:lumMod val="65000"/>
-                  <a:lumOff val="35000"/>
-                </a:schemeClr>
-              </a:solidFill>
-              <a:latin typeface="+mn-lt"/>
-              <a:ea typeface="+mn-ea"/>
-              <a:cs typeface="+mn-cs"/>
-            </a:defRPr>
-          </a:pPr>
-          <a:endParaRPr lang="ru-RU"/>
-        </a:p>
-      </c:txPr>
-    </c:legend>
-    <c:plotVisOnly val="1"/>
-    <c:dispBlanksAs val="gap"/>
-    <c:showDLblsOverMax val="0"/>
-  </c:chart>
-  <c:spPr>
-    <a:noFill/>
-    <a:ln>
-      <a:noFill/>
-    </a:ln>
-    <a:effectLst/>
-  </c:spPr>
-  <c:txPr>
-    <a:bodyPr/>
-    <a:lstStyle/>
-    <a:p>
-      <a:pPr>
-        <a:defRPr/>
-      </a:pPr>
-      <a:endParaRPr lang="ru-RU"/>
-    </a:p>
-  </c:txPr>
-  <c:externalData r:id="rId3">
-    <c:autoUpdate val="0"/>
-  </c:externalData>
-  <c:userShapes r:id="rId4"/>
-</c:chartSpace>
-</file>
-
-<file path=ppt/charts/colors1.xml><?xml version="1.0" encoding="utf-8"?>
-<cs:colorStyle xmlns:cs="http://schemas.microsoft.com/office/drawing/2012/chartStyle" xmlns:a="http://schemas.openxmlformats.org/drawingml/2006/main" meth="cycle" id="10">
-  <a:schemeClr val="accent1"/>
-  <a:schemeClr val="accent2"/>
-  <a:schemeClr val="accent3"/>
-  <a:schemeClr val="accent4"/>
-  <a:schemeClr val="accent5"/>
-  <a:schemeClr val="accent6"/>
-  <cs:variation/>
-  <cs:variation>
-    <a:lumMod val="60000"/>
-  </cs:variation>
-  <cs:variation>
-    <a:lumMod val="80000"/>
-    <a:lumOff val="20000"/>
-  </cs:variation>
-  <cs:variation>
-    <a:lumMod val="80000"/>
-  </cs:variation>
-  <cs:variation>
-    <a:lumMod val="60000"/>
-    <a:lumOff val="40000"/>
-  </cs:variation>
-  <cs:variation>
-    <a:lumMod val="50000"/>
-  </cs:variation>
-  <cs:variation>
-    <a:lumMod val="70000"/>
-    <a:lumOff val="30000"/>
-  </cs:variation>
-  <cs:variation>
-    <a:lumMod val="70000"/>
-  </cs:variation>
-  <cs:variation>
-    <a:lumMod val="50000"/>
-    <a:lumOff val="50000"/>
-  </cs:variation>
-</cs:colorStyle>
-</file>
-
-<file path=ppt/charts/style1.xml><?xml version="1.0" encoding="utf-8"?>
-<cs:chartStyle xmlns:cs="http://schemas.microsoft.com/office/drawing/2012/chartStyle" xmlns:a="http://schemas.openxmlformats.org/drawingml/2006/main" id="251">
-  <cs:axisTitle>
-    <cs:lnRef idx="0"/>
-    <cs:fillRef idx="0"/>
-    <cs:effectRef idx="0"/>
-    <cs:fontRef idx="minor">
-      <a:schemeClr val="tx1">
-        <a:lumMod val="65000"/>
-        <a:lumOff val="35000"/>
-      </a:schemeClr>
-    </cs:fontRef>
-    <cs:defRPr sz="1330" kern="1200"/>
-  </cs:axisTitle>
-  <cs:categoryAxis>
-    <cs:lnRef idx="0"/>
-    <cs:fillRef idx="0"/>
-    <cs:effectRef idx="0"/>
-    <cs:fontRef idx="minor">
-      <a:schemeClr val="tx1">
-        <a:lumMod val="65000"/>
-        <a:lumOff val="35000"/>
-      </a:schemeClr>
-    </cs:fontRef>
-    <cs:spPr>
-      <a:ln w="9525" cap="flat" cmpd="sng" algn="ctr">
-        <a:solidFill>
-          <a:schemeClr val="tx1">
-            <a:lumMod val="15000"/>
-            <a:lumOff val="85000"/>
-          </a:schemeClr>
-        </a:solidFill>
-        <a:round/>
-      </a:ln>
-    </cs:spPr>
-    <cs:defRPr sz="1197" kern="1200"/>
-  </cs:categoryAxis>
-  <cs:chartArea mods="allowNoFillOverride allowNoLineOverride">
-    <cs:lnRef idx="0"/>
-    <cs:fillRef idx="0"/>
-    <cs:effectRef idx="0"/>
-    <cs:fontRef idx="minor">
-      <a:schemeClr val="tx1"/>
-    </cs:fontRef>
-    <cs:spPr>
-      <a:solidFill>
-        <a:schemeClr val="bg1"/>
-      </a:solidFill>
-      <a:ln w="9525" cap="flat" cmpd="sng" algn="ctr">
-        <a:solidFill>
-          <a:schemeClr val="tx1">
-            <a:lumMod val="15000"/>
-            <a:lumOff val="85000"/>
-          </a:schemeClr>
-        </a:solidFill>
-        <a:round/>
-      </a:ln>
-    </cs:spPr>
-    <cs:defRPr sz="1197" kern="1200"/>
-  </cs:chartArea>
-  <cs:dataLabel>
-    <cs:lnRef idx="0"/>
-    <cs:fillRef idx="0"/>
-    <cs:effectRef idx="0"/>
-    <cs:fontRef idx="minor">
-      <a:schemeClr val="tx1">
-        <a:lumMod val="75000"/>
-        <a:lumOff val="25000"/>
-      </a:schemeClr>
-    </cs:fontRef>
-    <cs:defRPr sz="1197" kern="1200"/>
-  </cs:dataLabel>
-  <cs:dataLabelCallout>
-    <cs:lnRef idx="0"/>
-    <cs:fillRef idx="0"/>
-    <cs:effectRef idx="0"/>
-    <cs:fontRef idx="minor">
-      <a:schemeClr val="dk1">
-        <a:lumMod val="65000"/>
-        <a:lumOff val="35000"/>
-      </a:schemeClr>
-    </cs:fontRef>
-    <cs:spPr>
-      <a:solidFill>
-        <a:schemeClr val="lt1"/>
-      </a:solidFill>
-      <a:ln>
-        <a:solidFill>
-          <a:schemeClr val="dk1">
-            <a:lumMod val="25000"/>
-            <a:lumOff val="75000"/>
-          </a:schemeClr>
-        </a:solidFill>
-      </a:ln>
-    </cs:spPr>
-    <cs:defRPr sz="1197" kern="1200"/>
-    <cs:bodyPr rot="0" spcFirstLastPara="1" vertOverflow="clip" horzOverflow="clip" vert="horz" wrap="square" lIns="36576" tIns="18288" rIns="36576" bIns="18288" anchor="ctr" anchorCtr="1">
-      <a:spAutoFit/>
-    </cs:bodyPr>
-  </cs:dataLabelCallout>
-  <cs:dataPoint>
-    <cs:lnRef idx="0"/>
-    <cs:fillRef idx="1">
-      <cs:styleClr val="auto"/>
-    </cs:fillRef>
-    <cs:effectRef idx="0"/>
-    <cs:fontRef idx="minor">
-      <a:schemeClr val="tx1"/>
-    </cs:fontRef>
-    <cs:spPr>
-      <a:ln w="19050">
-        <a:solidFill>
-          <a:schemeClr val="lt1"/>
-        </a:solidFill>
-      </a:ln>
-    </cs:spPr>
-  </cs:dataPoint>
-  <cs:dataPoint3D>
-    <cs:lnRef idx="0"/>
-    <cs:fillRef idx="1">
-      <cs:styleClr val="auto"/>
-    </cs:fillRef>
-    <cs:effectRef idx="0"/>
-    <cs:fontRef idx="minor">
-      <a:schemeClr val="tx1"/>
-    </cs:fontRef>
-    <cs:spPr>
-      <a:ln w="25400">
-        <a:solidFill>
-          <a:schemeClr val="lt1"/>
-        </a:solidFill>
-      </a:ln>
-    </cs:spPr>
-  </cs:dataPoint3D>
-  <cs:dataPointLine>
-    <cs:lnRef idx="0">
-      <cs:styleClr val="auto"/>
-    </cs:lnRef>
-    <cs:fillRef idx="0"/>
-    <cs:effectRef idx="0"/>
-    <cs:fontRef idx="minor">
-      <a:schemeClr val="tx1"/>
-    </cs:fontRef>
-    <cs:spPr>
-      <a:ln w="28575" cap="rnd">
-        <a:solidFill>
-          <a:schemeClr val="phClr"/>
-        </a:solidFill>
-        <a:round/>
-      </a:ln>
-    </cs:spPr>
-  </cs:dataPointLine>
-  <cs:dataPointMarker>
-    <cs:lnRef idx="0">
-      <cs:styleClr val="auto"/>
-    </cs:lnRef>
-    <cs:fillRef idx="1">
-      <cs:styleClr val="auto"/>
-    </cs:fillRef>
-    <cs:effectRef idx="0"/>
-    <cs:fontRef idx="minor">
-      <a:schemeClr val="tx1"/>
-    </cs:fontRef>
-    <cs:spPr>
-      <a:ln w="9525">
-        <a:solidFill>
-          <a:schemeClr val="phClr"/>
-        </a:solidFill>
-      </a:ln>
-    </cs:spPr>
-  </cs:dataPointMarker>
-  <cs:dataPointMarkerLayout symbol="circle" size="5"/>
-  <cs:dataPointWireframe>
-    <cs:lnRef idx="0">
-      <cs:styleClr val="auto"/>
-    </cs:lnRef>
-    <cs:fillRef idx="0"/>
-    <cs:effectRef idx="0"/>
-    <cs:fontRef idx="minor">
-      <a:schemeClr val="tx1"/>
-    </cs:fontRef>
-    <cs:spPr>
-      <a:ln w="9525" cap="rnd">
-        <a:solidFill>
-          <a:schemeClr val="phClr"/>
-        </a:solidFill>
-        <a:round/>
-      </a:ln>
-    </cs:spPr>
-  </cs:dataPointWireframe>
-  <cs:dataTable>
-    <cs:lnRef idx="0"/>
-    <cs:fillRef idx="0"/>
-    <cs:effectRef idx="0"/>
-    <cs:fontRef idx="minor">
-      <a:schemeClr val="tx1">
-        <a:lumMod val="65000"/>
-        <a:lumOff val="35000"/>
-      </a:schemeClr>
-    </cs:fontRef>
-    <cs:spPr>
-      <a:noFill/>
-      <a:ln w="9525" cap="flat" cmpd="sng" algn="ctr">
-        <a:solidFill>
-          <a:schemeClr val="tx1">
-            <a:lumMod val="15000"/>
-            <a:lumOff val="85000"/>
-          </a:schemeClr>
-        </a:solidFill>
-        <a:round/>
-      </a:ln>
-    </cs:spPr>
-    <cs:defRPr sz="1197" kern="1200"/>
-  </cs:dataTable>
-  <cs:downBar>
-    <cs:lnRef idx="0"/>
-    <cs:fillRef idx="0"/>
-    <cs:effectRef idx="0"/>
-    <cs:fontRef idx="minor">
-      <a:schemeClr val="tx1"/>
-    </cs:fontRef>
-    <cs:spPr>
-      <a:solidFill>
-        <a:schemeClr val="dk1">
-          <a:lumMod val="75000"/>
-          <a:lumOff val="25000"/>
-        </a:schemeClr>
-      </a:solidFill>
-      <a:ln w="9525" cap="flat" cmpd="sng" algn="ctr">
-        <a:solidFill>
-          <a:schemeClr val="tx1">
-            <a:lumMod val="65000"/>
-            <a:lumOff val="35000"/>
-          </a:schemeClr>
-        </a:solidFill>
-        <a:round/>
-      </a:ln>
-    </cs:spPr>
-  </cs:downBar>
-  <cs:dropLine>
-    <cs:lnRef idx="0"/>
-    <cs:fillRef idx="0"/>
-    <cs:effectRef idx="0"/>
-    <cs:fontRef idx="minor">
-      <a:schemeClr val="tx1"/>
-    </cs:fontRef>
-    <cs:spPr>
-      <a:ln w="9525" cap="flat" cmpd="sng" algn="ctr">
-        <a:solidFill>
-          <a:schemeClr val="tx1">
-            <a:lumMod val="35000"/>
-            <a:lumOff val="65000"/>
-          </a:schemeClr>
-        </a:solidFill>
-        <a:round/>
-      </a:ln>
-    </cs:spPr>
-  </cs:dropLine>
-  <cs:errorBar>
-    <cs:lnRef idx="0"/>
-    <cs:fillRef idx="0"/>
-    <cs:effectRef idx="0"/>
-    <cs:fontRef idx="minor">
-      <a:schemeClr val="tx1"/>
-    </cs:fontRef>
-    <cs:spPr>
-      <a:ln w="9525" cap="flat" cmpd="sng" algn="ctr">
-        <a:solidFill>
-          <a:schemeClr val="tx1">
-            <a:lumMod val="65000"/>
-            <a:lumOff val="35000"/>
-          </a:schemeClr>
-        </a:solidFill>
-        <a:round/>
-      </a:ln>
-    </cs:spPr>
-  </cs:errorBar>
-  <cs:floor>
-    <cs:lnRef idx="0"/>
-    <cs:fillRef idx="0"/>
-    <cs:effectRef idx="0"/>
-    <cs:fontRef idx="minor">
-      <a:schemeClr val="tx1"/>
-    </cs:fontRef>
-    <cs:spPr>
-      <a:noFill/>
-      <a:ln>
-        <a:noFill/>
-      </a:ln>
-    </cs:spPr>
-  </cs:floor>
-  <cs:gridlineMajor>
-    <cs:lnRef idx="0"/>
-    <cs:fillRef idx="0"/>
-    <cs:effectRef idx="0"/>
-    <cs:fontRef idx="minor">
-      <a:schemeClr val="tx1"/>
-    </cs:fontRef>
-    <cs:spPr>
-      <a:ln w="9525" cap="flat" cmpd="sng" algn="ctr">
-        <a:solidFill>
-          <a:schemeClr val="tx1">
-            <a:lumMod val="15000"/>
-            <a:lumOff val="85000"/>
-          </a:schemeClr>
-        </a:solidFill>
-        <a:round/>
-      </a:ln>
-    </cs:spPr>
-  </cs:gridlineMajor>
-  <cs:gridlineMinor>
-    <cs:lnRef idx="0"/>
-    <cs:fillRef idx="0"/>
-    <cs:effectRef idx="0"/>
-    <cs:fontRef idx="minor">
-      <a:schemeClr val="tx1"/>
-    </cs:fontRef>
-    <cs:spPr>
-      <a:ln w="9525" cap="flat" cmpd="sng" algn="ctr">
-        <a:solidFill>
-          <a:schemeClr val="tx1">
-            <a:lumMod val="5000"/>
-            <a:lumOff val="95000"/>
-          </a:schemeClr>
-        </a:solidFill>
-        <a:round/>
-      </a:ln>
-    </cs:spPr>
-  </cs:gridlineMinor>
-  <cs:hiLoLine>
-    <cs:lnRef idx="0"/>
-    <cs:fillRef idx="0"/>
-    <cs:effectRef idx="0"/>
-    <cs:fontRef idx="minor">
-      <a:schemeClr val="tx1"/>
-    </cs:fontRef>
-    <cs:spPr>
-      <a:ln w="9525" cap="flat" cmpd="sng" algn="ctr">
-        <a:solidFill>
-          <a:schemeClr val="tx1">
-            <a:lumMod val="50000"/>
-            <a:lumOff val="50000"/>
-          </a:schemeClr>
-        </a:solidFill>
-        <a:round/>
-      </a:ln>
-    </cs:spPr>
-  </cs:hiLoLine>
-  <cs:leaderLine>
-    <cs:lnRef idx="0"/>
-    <cs:fillRef idx="0"/>
-    <cs:effectRef idx="0"/>
-    <cs:fontRef idx="minor">
-      <a:schemeClr val="tx1"/>
-    </cs:fontRef>
-    <cs:spPr>
-      <a:ln w="9525" cap="flat" cmpd="sng" algn="ctr">
-        <a:solidFill>
-          <a:schemeClr val="tx1">
-            <a:lumMod val="35000"/>
-            <a:lumOff val="65000"/>
-          </a:schemeClr>
-        </a:solidFill>
-        <a:round/>
-      </a:ln>
-    </cs:spPr>
-  </cs:leaderLine>
-  <cs:legend>
-    <cs:lnRef idx="0"/>
-    <cs:fillRef idx="0"/>
-    <cs:effectRef idx="0"/>
-    <cs:fontRef idx="minor">
-      <a:schemeClr val="tx1">
-        <a:lumMod val="65000"/>
-        <a:lumOff val="35000"/>
-      </a:schemeClr>
-    </cs:fontRef>
-    <cs:defRPr sz="1197" kern="1200"/>
-  </cs:legend>
-  <cs:plotArea mods="allowNoFillOverride allowNoLineOverride">
-    <cs:lnRef idx="0"/>
-    <cs:fillRef idx="0"/>
-    <cs:effectRef idx="0"/>
-    <cs:fontRef idx="minor">
-      <a:schemeClr val="tx1"/>
-    </cs:fontRef>
-  </cs:plotArea>
-  <cs:plotArea3D mods="allowNoFillOverride allowNoLineOverride">
-    <cs:lnRef idx="0"/>
-    <cs:fillRef idx="0"/>
-    <cs:effectRef idx="0"/>
-    <cs:fontRef idx="minor">
-      <a:schemeClr val="tx1"/>
-    </cs:fontRef>
-  </cs:plotArea3D>
-  <cs:seriesAxis>
-    <cs:lnRef idx="0"/>
-    <cs:fillRef idx="0"/>
-    <cs:effectRef idx="0"/>
-    <cs:fontRef idx="minor">
-      <a:schemeClr val="tx1">
-        <a:lumMod val="65000"/>
-        <a:lumOff val="35000"/>
-      </a:schemeClr>
-    </cs:fontRef>
-    <cs:defRPr sz="1197" kern="1200"/>
-  </cs:seriesAxis>
-  <cs:seriesLine>
-    <cs:lnRef idx="0"/>
-    <cs:fillRef idx="0"/>
-    <cs:effectRef idx="0"/>
-    <cs:fontRef idx="minor">
-      <a:schemeClr val="tx1"/>
-    </cs:fontRef>
-    <cs:spPr>
-      <a:ln w="9525" cap="flat" cmpd="sng" algn="ctr">
-        <a:solidFill>
-          <a:schemeClr val="tx1">
-            <a:lumMod val="35000"/>
-            <a:lumOff val="65000"/>
-          </a:schemeClr>
-        </a:solidFill>
-        <a:round/>
-      </a:ln>
-    </cs:spPr>
-  </cs:seriesLine>
-  <cs:title>
-    <cs:lnRef idx="0"/>
-    <cs:fillRef idx="0"/>
-    <cs:effectRef idx="0"/>
-    <cs:fontRef idx="minor">
-      <a:schemeClr val="tx1">
-        <a:lumMod val="65000"/>
-        <a:lumOff val="35000"/>
-      </a:schemeClr>
-    </cs:fontRef>
-    <cs:defRPr sz="1862" b="0" kern="1200" spc="0" baseline="0"/>
-  </cs:title>
-  <cs:trendline>
-    <cs:lnRef idx="0">
-      <cs:styleClr val="auto"/>
-    </cs:lnRef>
-    <cs:fillRef idx="0"/>
-    <cs:effectRef idx="0"/>
-    <cs:fontRef idx="minor">
-      <a:schemeClr val="tx1"/>
-    </cs:fontRef>
-    <cs:spPr>
-      <a:ln w="19050" cap="rnd">
-        <a:solidFill>
-          <a:schemeClr val="phClr"/>
-        </a:solidFill>
-        <a:prstDash val="sysDot"/>
-      </a:ln>
-    </cs:spPr>
-  </cs:trendline>
-  <cs:trendlineLabel>
-    <cs:lnRef idx="0"/>
-    <cs:fillRef idx="0"/>
-    <cs:effectRef idx="0"/>
-    <cs:fontRef idx="minor">
-      <a:schemeClr val="tx1">
-        <a:lumMod val="65000"/>
-        <a:lumOff val="35000"/>
-      </a:schemeClr>
-    </cs:fontRef>
-    <cs:defRPr sz="1197" kern="1200"/>
-  </cs:trendlineLabel>
-  <cs:upBar>
-    <cs:lnRef idx="0"/>
-    <cs:fillRef idx="0"/>
-    <cs:effectRef idx="0"/>
-    <cs:fontRef idx="minor">
-      <a:schemeClr val="tx1"/>
-    </cs:fontRef>
-    <cs:spPr>
-      <a:solidFill>
-        <a:schemeClr val="lt1"/>
-      </a:solidFill>
-      <a:ln w="9525" cap="flat" cmpd="sng" algn="ctr">
-        <a:solidFill>
-          <a:schemeClr val="tx1">
-            <a:lumMod val="65000"/>
-            <a:lumOff val="35000"/>
-          </a:schemeClr>
-        </a:solidFill>
-        <a:round/>
-      </a:ln>
-    </cs:spPr>
-  </cs:upBar>
-  <cs:valueAxis>
-    <cs:lnRef idx="0"/>
-    <cs:fillRef idx="0"/>
-    <cs:effectRef idx="0"/>
-    <cs:fontRef idx="minor">
-      <a:schemeClr val="tx1">
-        <a:lumMod val="65000"/>
-        <a:lumOff val="35000"/>
-      </a:schemeClr>
-    </cs:fontRef>
-    <cs:defRPr sz="1197" kern="1200"/>
-  </cs:valueAxis>
-  <cs:wall>
-    <cs:lnRef idx="0"/>
-    <cs:fillRef idx="0"/>
-    <cs:effectRef idx="0"/>
-    <cs:fontRef idx="minor">
-      <a:schemeClr val="tx1"/>
-    </cs:fontRef>
-    <cs:spPr>
-      <a:noFill/>
-      <a:ln>
-        <a:noFill/>
-      </a:ln>
-    </cs:spPr>
-  </cs:wall>
-</cs:chartStyle>
-</file>
-
 <file path=ppt/comments/comment1.xml><?xml version="1.0" encoding="utf-8"?>
 <p:cmLst xmlns:a="http://schemas.openxmlformats.org/drawingml/2006/main" xmlns:r="http://schemas.openxmlformats.org/officeDocument/2006/relationships" xmlns:p="http://schemas.openxmlformats.org/presentationml/2006/main">
   <p:cm authorId="1" dt="2022-02-26T16:24:26.903" idx="1">
@@ -961,43 +154,6 @@
     </p:extLst>
   </p:cm>
 </p:cmLst>
-</file>
-
-<file path=ppt/drawings/drawing1.xml><?xml version="1.0" encoding="utf-8"?>
-<c:userShapes xmlns:c="http://schemas.openxmlformats.org/drawingml/2006/chart">
-  <cdr:relSizeAnchor xmlns:cdr="http://schemas.openxmlformats.org/drawingml/2006/chartDrawing">
-    <cdr:from>
-      <cdr:x>0.03068</cdr:x>
-      <cdr:y>0.10726</cdr:y>
-    </cdr:from>
-    <cdr:to>
-      <cdr:x>0.21498</cdr:x>
-      <cdr:y>0.29697</cdr:y>
-    </cdr:to>
-    <cdr:sp macro="" textlink="">
-      <cdr:nvSpPr>
-        <cdr:cNvPr id="2" name="TextBox 1"/>
-        <cdr:cNvSpPr txBox="1"/>
-      </cdr:nvSpPr>
-      <cdr:spPr>
-        <a:xfrm xmlns:a="http://schemas.openxmlformats.org/drawingml/2006/main">
-          <a:off x="322581" y="466725"/>
-          <a:ext cx="1938019" cy="825500"/>
-        </a:xfrm>
-        <a:prstGeom xmlns:a="http://schemas.openxmlformats.org/drawingml/2006/main" prst="rect">
-          <a:avLst/>
-        </a:prstGeom>
-      </cdr:spPr>
-      <cdr:txBody>
-        <a:bodyPr xmlns:a="http://schemas.openxmlformats.org/drawingml/2006/main" vertOverflow="clip" wrap="square" rtlCol="0"/>
-        <a:lstStyle xmlns:a="http://schemas.openxmlformats.org/drawingml/2006/main"/>
-        <a:p xmlns:a="http://schemas.openxmlformats.org/drawingml/2006/main">
-          <a:endParaRPr lang="ru-RU" sz="1100" dirty="0"/>
-        </a:p>
-      </cdr:txBody>
-    </cdr:sp>
-  </cdr:relSizeAnchor>
-</c:userShapes>
 </file>
 
 <file path=ppt/notesMasters/notesMaster1.xml><?xml version="1.0" encoding="utf-8"?>
@@ -1380,7 +536,7 @@
           <a:p>
             <a:fld id="{BDD16418-436B-48A9-AE2A-B17C35EEC8BC}" type="datetimeFigureOut">
               <a:rPr lang="ru-RU" smtClean="0"/>
-              <a:t>25.04.2022</a:t>
+              <a:t>29.05.2022</a:t>
             </a:fld>
             <a:endParaRPr lang="ru-RU"/>
           </a:p>
@@ -1550,7 +706,7 @@
           <a:p>
             <a:fld id="{BDD16418-436B-48A9-AE2A-B17C35EEC8BC}" type="datetimeFigureOut">
               <a:rPr lang="ru-RU" smtClean="0"/>
-              <a:t>25.04.2022</a:t>
+              <a:t>29.05.2022</a:t>
             </a:fld>
             <a:endParaRPr lang="ru-RU"/>
           </a:p>
@@ -1730,7 +886,7 @@
           <a:p>
             <a:fld id="{BDD16418-436B-48A9-AE2A-B17C35EEC8BC}" type="datetimeFigureOut">
               <a:rPr lang="ru-RU" smtClean="0"/>
-              <a:t>25.04.2022</a:t>
+              <a:t>29.05.2022</a:t>
             </a:fld>
             <a:endParaRPr lang="ru-RU"/>
           </a:p>
@@ -1900,7 +1056,7 @@
           <a:p>
             <a:fld id="{BDD16418-436B-48A9-AE2A-B17C35EEC8BC}" type="datetimeFigureOut">
               <a:rPr lang="ru-RU" smtClean="0"/>
-              <a:t>25.04.2022</a:t>
+              <a:t>29.05.2022</a:t>
             </a:fld>
             <a:endParaRPr lang="ru-RU"/>
           </a:p>
@@ -2146,7 +1302,7 @@
           <a:p>
             <a:fld id="{BDD16418-436B-48A9-AE2A-B17C35EEC8BC}" type="datetimeFigureOut">
               <a:rPr lang="ru-RU" smtClean="0"/>
-              <a:t>25.04.2022</a:t>
+              <a:t>29.05.2022</a:t>
             </a:fld>
             <a:endParaRPr lang="ru-RU"/>
           </a:p>
@@ -2378,7 +1534,7 @@
           <a:p>
             <a:fld id="{BDD16418-436B-48A9-AE2A-B17C35EEC8BC}" type="datetimeFigureOut">
               <a:rPr lang="ru-RU" smtClean="0"/>
-              <a:t>25.04.2022</a:t>
+              <a:t>29.05.2022</a:t>
             </a:fld>
             <a:endParaRPr lang="ru-RU"/>
           </a:p>
@@ -2745,7 +1901,7 @@
           <a:p>
             <a:fld id="{BDD16418-436B-48A9-AE2A-B17C35EEC8BC}" type="datetimeFigureOut">
               <a:rPr lang="ru-RU" smtClean="0"/>
-              <a:t>25.04.2022</a:t>
+              <a:t>29.05.2022</a:t>
             </a:fld>
             <a:endParaRPr lang="ru-RU"/>
           </a:p>
@@ -2863,7 +2019,7 @@
           <a:p>
             <a:fld id="{BDD16418-436B-48A9-AE2A-B17C35EEC8BC}" type="datetimeFigureOut">
               <a:rPr lang="ru-RU" smtClean="0"/>
-              <a:t>25.04.2022</a:t>
+              <a:t>29.05.2022</a:t>
             </a:fld>
             <a:endParaRPr lang="ru-RU"/>
           </a:p>
@@ -2958,7 +2114,7 @@
           <a:p>
             <a:fld id="{BDD16418-436B-48A9-AE2A-B17C35EEC8BC}" type="datetimeFigureOut">
               <a:rPr lang="ru-RU" smtClean="0"/>
-              <a:t>25.04.2022</a:t>
+              <a:t>29.05.2022</a:t>
             </a:fld>
             <a:endParaRPr lang="ru-RU"/>
           </a:p>
@@ -3235,7 +2391,7 @@
           <a:p>
             <a:fld id="{BDD16418-436B-48A9-AE2A-B17C35EEC8BC}" type="datetimeFigureOut">
               <a:rPr lang="ru-RU" smtClean="0"/>
-              <a:t>25.04.2022</a:t>
+              <a:t>29.05.2022</a:t>
             </a:fld>
             <a:endParaRPr lang="ru-RU"/>
           </a:p>
@@ -3488,7 +2644,7 @@
           <a:p>
             <a:fld id="{BDD16418-436B-48A9-AE2A-B17C35EEC8BC}" type="datetimeFigureOut">
               <a:rPr lang="ru-RU" smtClean="0"/>
-              <a:t>25.04.2022</a:t>
+              <a:t>29.05.2022</a:t>
             </a:fld>
             <a:endParaRPr lang="ru-RU"/>
           </a:p>
@@ -3701,7 +2857,7 @@
           <a:p>
             <a:fld id="{BDD16418-436B-48A9-AE2A-B17C35EEC8BC}" type="datetimeFigureOut">
               <a:rPr lang="ru-RU" smtClean="0"/>
-              <a:t>25.04.2022</a:t>
+              <a:t>29.05.2022</a:t>
             </a:fld>
             <a:endParaRPr lang="ru-RU"/>
           </a:p>
@@ -4422,24 +3578,7 @@
                 <a:cs typeface="Times New Roman"/>
                 <a:sym typeface="Times New Roman"/>
               </a:rPr>
-              <a:t>Воронин</a:t>
-            </a:r>
-            <a:r>
-              <a:rPr lang="ru-RU" dirty="0" smtClean="0">
-                <a:ln w="0"/>
-                <a:effectLst>
-                  <a:outerShdw blurRad="38100" dist="19050" dir="2700000" algn="tl" rotWithShape="0">
-                    <a:schemeClr val="dk1">
-                      <a:alpha val="40000"/>
-                    </a:schemeClr>
-                  </a:outerShdw>
-                </a:effectLst>
-                <a:latin typeface="ubuntu" panose="020B0504030602030204" pitchFamily="34" charset="0"/>
-                <a:ea typeface="Times New Roman"/>
-                <a:cs typeface="Times New Roman"/>
-                <a:sym typeface="Times New Roman"/>
-              </a:rPr>
-              <a:t> </a:t>
+              <a:t>Воронин </a:t>
             </a:r>
             <a:r>
               <a:rPr lang="ru-RU" dirty="0">
@@ -4585,46 +3724,486 @@
       </p:grpSpPr>
       <p:sp>
         <p:nvSpPr>
-          <p:cNvPr id="212" name="Заголовок 1"/>
-          <p:cNvSpPr txBox="1">
+          <p:cNvPr id="2" name="Заголовок 1"/>
+          <p:cNvSpPr>
             <a:spLocks noGrp="1"/>
           </p:cNvSpPr>
           <p:nvPr>
             <p:ph type="title"/>
           </p:nvPr>
         </p:nvSpPr>
-        <p:spPr>
-          <a:xfrm>
-            <a:off x="1701800" y="154773"/>
-            <a:ext cx="8426599" cy="1293028"/>
-          </a:xfrm>
-          <a:prstGeom prst="rect">
-            <a:avLst/>
-          </a:prstGeom>
-        </p:spPr>
+        <p:spPr/>
         <p:txBody>
           <a:bodyPr/>
           <a:lstStyle/>
           <a:p>
-            <a:pPr algn="ctr"/>
             <a:r>
               <a:rPr lang="ru-RU" dirty="0" smtClean="0"/>
-              <a:t>Выводы</a:t>
-            </a:r>
-            <a:endParaRPr dirty="0"/>
+              <a:t>Модель Машинного Обучения</a:t>
+            </a:r>
+            <a:endParaRPr lang="ru-RU" dirty="0"/>
           </a:p>
         </p:txBody>
       </p:sp>
+      <p:graphicFrame>
+        <p:nvGraphicFramePr>
+          <p:cNvPr id="4" name="Объект 3"/>
+          <p:cNvGraphicFramePr>
+            <a:graphicFrameLocks noGrp="1"/>
+          </p:cNvGraphicFramePr>
+          <p:nvPr>
+            <p:ph idx="1"/>
+            <p:extLst>
+              <p:ext uri="{D42A27DB-BD31-4B8C-83A1-F6EECF244321}">
+                <p14:modId xmlns:p14="http://schemas.microsoft.com/office/powerpoint/2010/main" val="3482839297"/>
+              </p:ext>
+            </p:extLst>
+          </p:nvPr>
+        </p:nvGraphicFramePr>
+        <p:xfrm>
+          <a:off x="1339850" y="2052639"/>
+          <a:ext cx="8566150" cy="4298155"/>
+        </p:xfrm>
+        <a:graphic>
+          <a:graphicData uri="http://schemas.openxmlformats.org/drawingml/2006/table">
+            <a:tbl>
+              <a:tblPr firstRow="1" firstCol="1" bandRow="1">
+                <a:tableStyleId>{5940675A-B579-460E-94D1-54222C63F5DA}</a:tableStyleId>
+              </a:tblPr>
+              <a:tblGrid>
+                <a:gridCol w="4076826">
+                  <a:extLst>
+                    <a:ext uri="{9D8B030D-6E8A-4147-A177-3AD203B41FA5}">
+                      <a16:colId xmlns:a16="http://schemas.microsoft.com/office/drawing/2014/main" val="3791235886"/>
+                    </a:ext>
+                  </a:extLst>
+                </a:gridCol>
+                <a:gridCol w="4489324">
+                  <a:extLst>
+                    <a:ext uri="{9D8B030D-6E8A-4147-A177-3AD203B41FA5}">
+                      <a16:colId xmlns:a16="http://schemas.microsoft.com/office/drawing/2014/main" val="908998734"/>
+                    </a:ext>
+                  </a:extLst>
+                </a:gridCol>
+              </a:tblGrid>
+              <a:tr h="435308">
+                <a:tc>
+                  <a:txBody>
+                    <a:bodyPr/>
+                    <a:lstStyle/>
+                    <a:p>
+                      <a:pPr indent="450215" algn="l">
+                        <a:lnSpc>
+                          <a:spcPct val="150000"/>
+                        </a:lnSpc>
+                        <a:spcAft>
+                          <a:spcPts val="0"/>
+                        </a:spcAft>
+                      </a:pPr>
+                      <a:r>
+                        <a:rPr lang="ru-RU" sz="1100" dirty="0">
+                          <a:effectLst/>
+                        </a:rPr>
+                        <a:t>Название </a:t>
+                      </a:r>
+                      <a:endParaRPr lang="ru-RU" sz="1400" dirty="0">
+                        <a:effectLst/>
+                        <a:latin typeface="Times New Roman" panose="02020603050405020304" pitchFamily="18" charset="0"/>
+                        <a:ea typeface="Times New Roman" panose="02020603050405020304" pitchFamily="18" charset="0"/>
+                        <a:cs typeface="Times New Roman" panose="02020603050405020304" pitchFamily="18" charset="0"/>
+                      </a:endParaRPr>
+                    </a:p>
+                  </a:txBody>
+                  <a:tcPr marL="68580" marR="68580" marT="0" marB="0"/>
+                </a:tc>
+                <a:tc>
+                  <a:txBody>
+                    <a:bodyPr/>
+                    <a:lstStyle/>
+                    <a:p>
+                      <a:pPr indent="450215" algn="l">
+                        <a:lnSpc>
+                          <a:spcPct val="150000"/>
+                        </a:lnSpc>
+                        <a:spcAft>
+                          <a:spcPts val="0"/>
+                        </a:spcAft>
+                      </a:pPr>
+                      <a:r>
+                        <a:rPr lang="ru-RU" sz="1100">
+                          <a:effectLst/>
+                        </a:rPr>
+                        <a:t>Аккуратность</a:t>
+                      </a:r>
+                      <a:endParaRPr lang="ru-RU" sz="1400">
+                        <a:effectLst/>
+                        <a:latin typeface="Times New Roman" panose="02020603050405020304" pitchFamily="18" charset="0"/>
+                        <a:ea typeface="Times New Roman" panose="02020603050405020304" pitchFamily="18" charset="0"/>
+                        <a:cs typeface="Times New Roman" panose="02020603050405020304" pitchFamily="18" charset="0"/>
+                      </a:endParaRPr>
+                    </a:p>
+                  </a:txBody>
+                  <a:tcPr marL="68580" marR="68580" marT="0" marB="0"/>
+                </a:tc>
+                <a:extLst>
+                  <a:ext uri="{0D108BD9-81ED-4DB2-BD59-A6C34878D82A}">
+                    <a16:rowId xmlns:a16="http://schemas.microsoft.com/office/drawing/2014/main" val="28910420"/>
+                  </a:ext>
+                </a:extLst>
+              </a:tr>
+              <a:tr h="843839">
+                <a:tc>
+                  <a:txBody>
+                    <a:bodyPr/>
+                    <a:lstStyle/>
+                    <a:p>
+                      <a:pPr indent="450215" algn="l">
+                        <a:lnSpc>
+                          <a:spcPct val="150000"/>
+                        </a:lnSpc>
+                        <a:spcAft>
+                          <a:spcPts val="0"/>
+                        </a:spcAft>
+                      </a:pPr>
+                      <a:r>
+                        <a:rPr lang="ru-RU" sz="1100">
+                          <a:effectLst/>
+                        </a:rPr>
+                        <a:t>Логистическая регрессия</a:t>
+                      </a:r>
+                      <a:endParaRPr lang="ru-RU" sz="1400">
+                        <a:effectLst/>
+                        <a:latin typeface="Times New Roman" panose="02020603050405020304" pitchFamily="18" charset="0"/>
+                        <a:ea typeface="Times New Roman" panose="02020603050405020304" pitchFamily="18" charset="0"/>
+                        <a:cs typeface="Times New Roman" panose="02020603050405020304" pitchFamily="18" charset="0"/>
+                      </a:endParaRPr>
+                    </a:p>
+                  </a:txBody>
+                  <a:tcPr marL="68580" marR="68580" marT="0" marB="0"/>
+                </a:tc>
+                <a:tc>
+                  <a:txBody>
+                    <a:bodyPr/>
+                    <a:lstStyle/>
+                    <a:p>
+                      <a:pPr indent="450215" algn="l">
+                        <a:lnSpc>
+                          <a:spcPct val="150000"/>
+                        </a:lnSpc>
+                        <a:spcAft>
+                          <a:spcPts val="0"/>
+                        </a:spcAft>
+                      </a:pPr>
+                      <a:r>
+                        <a:rPr lang="ru-RU" sz="1100">
+                          <a:effectLst/>
+                        </a:rPr>
+                        <a:t>0.7692307692307693</a:t>
+                      </a:r>
+                      <a:endParaRPr lang="ru-RU" sz="1400">
+                        <a:effectLst/>
+                        <a:latin typeface="Times New Roman" panose="02020603050405020304" pitchFamily="18" charset="0"/>
+                        <a:ea typeface="Times New Roman" panose="02020603050405020304" pitchFamily="18" charset="0"/>
+                        <a:cs typeface="Times New Roman" panose="02020603050405020304" pitchFamily="18" charset="0"/>
+                      </a:endParaRPr>
+                    </a:p>
+                  </a:txBody>
+                  <a:tcPr marL="68580" marR="68580" marT="0" marB="0"/>
+                </a:tc>
+                <a:extLst>
+                  <a:ext uri="{0D108BD9-81ED-4DB2-BD59-A6C34878D82A}">
+                    <a16:rowId xmlns:a16="http://schemas.microsoft.com/office/drawing/2014/main" val="799364615"/>
+                  </a:ext>
+                </a:extLst>
+              </a:tr>
+              <a:tr h="1304552">
+                <a:tc>
+                  <a:txBody>
+                    <a:bodyPr/>
+                    <a:lstStyle/>
+                    <a:p>
+                      <a:pPr indent="450215" algn="l">
+                        <a:lnSpc>
+                          <a:spcPct val="150000"/>
+                        </a:lnSpc>
+                        <a:spcAft>
+                          <a:spcPts val="0"/>
+                        </a:spcAft>
+                      </a:pPr>
+                      <a:r>
+                        <a:rPr lang="ru-RU" sz="1100">
+                          <a:effectLst/>
+                        </a:rPr>
+                        <a:t>Линейный дискриминантный анализ</a:t>
+                      </a:r>
+                      <a:endParaRPr lang="ru-RU" sz="1400">
+                        <a:effectLst/>
+                        <a:latin typeface="Times New Roman" panose="02020603050405020304" pitchFamily="18" charset="0"/>
+                        <a:ea typeface="Times New Roman" panose="02020603050405020304" pitchFamily="18" charset="0"/>
+                        <a:cs typeface="Times New Roman" panose="02020603050405020304" pitchFamily="18" charset="0"/>
+                      </a:endParaRPr>
+                    </a:p>
+                  </a:txBody>
+                  <a:tcPr marL="68580" marR="68580" marT="0" marB="0"/>
+                </a:tc>
+                <a:tc>
+                  <a:txBody>
+                    <a:bodyPr/>
+                    <a:lstStyle/>
+                    <a:p>
+                      <a:pPr indent="450215" algn="l">
+                        <a:lnSpc>
+                          <a:spcPct val="150000"/>
+                        </a:lnSpc>
+                        <a:spcAft>
+                          <a:spcPts val="0"/>
+                        </a:spcAft>
+                      </a:pPr>
+                      <a:r>
+                        <a:rPr lang="ru-RU" sz="1100">
+                          <a:effectLst/>
+                        </a:rPr>
+                        <a:t>0.7307692307692307</a:t>
+                      </a:r>
+                      <a:endParaRPr lang="ru-RU" sz="1400">
+                        <a:effectLst/>
+                        <a:latin typeface="Times New Roman" panose="02020603050405020304" pitchFamily="18" charset="0"/>
+                        <a:ea typeface="Times New Roman" panose="02020603050405020304" pitchFamily="18" charset="0"/>
+                        <a:cs typeface="Times New Roman" panose="02020603050405020304" pitchFamily="18" charset="0"/>
+                      </a:endParaRPr>
+                    </a:p>
+                  </a:txBody>
+                  <a:tcPr marL="68580" marR="68580" marT="0" marB="0"/>
+                </a:tc>
+                <a:extLst>
+                  <a:ext uri="{0D108BD9-81ED-4DB2-BD59-A6C34878D82A}">
+                    <a16:rowId xmlns:a16="http://schemas.microsoft.com/office/drawing/2014/main" val="79665121"/>
+                  </a:ext>
+                </a:extLst>
+              </a:tr>
+              <a:tr h="869244">
+                <a:tc>
+                  <a:txBody>
+                    <a:bodyPr/>
+                    <a:lstStyle/>
+                    <a:p>
+                      <a:pPr indent="450215" algn="l">
+                        <a:lnSpc>
+                          <a:spcPct val="150000"/>
+                        </a:lnSpc>
+                        <a:spcAft>
+                          <a:spcPts val="0"/>
+                        </a:spcAft>
+                      </a:pPr>
+                      <a:r>
+                        <a:rPr lang="ru-RU" sz="1100">
+                          <a:effectLst/>
+                        </a:rPr>
+                        <a:t>K-Ближайшие Соседи</a:t>
+                      </a:r>
+                      <a:endParaRPr lang="ru-RU" sz="1400">
+                        <a:effectLst/>
+                        <a:latin typeface="Times New Roman" panose="02020603050405020304" pitchFamily="18" charset="0"/>
+                        <a:ea typeface="Times New Roman" panose="02020603050405020304" pitchFamily="18" charset="0"/>
+                        <a:cs typeface="Times New Roman" panose="02020603050405020304" pitchFamily="18" charset="0"/>
+                      </a:endParaRPr>
+                    </a:p>
+                  </a:txBody>
+                  <a:tcPr marL="68580" marR="68580" marT="0" marB="0"/>
+                </a:tc>
+                <a:tc>
+                  <a:txBody>
+                    <a:bodyPr/>
+                    <a:lstStyle/>
+                    <a:p>
+                      <a:pPr indent="450215" algn="l">
+                        <a:lnSpc>
+                          <a:spcPct val="150000"/>
+                        </a:lnSpc>
+                        <a:spcAft>
+                          <a:spcPts val="0"/>
+                        </a:spcAft>
+                      </a:pPr>
+                      <a:r>
+                        <a:rPr lang="ru-RU" sz="1100">
+                          <a:effectLst/>
+                        </a:rPr>
+                        <a:t>0.5</a:t>
+                      </a:r>
+                      <a:endParaRPr lang="ru-RU" sz="1400">
+                        <a:effectLst/>
+                        <a:latin typeface="Times New Roman" panose="02020603050405020304" pitchFamily="18" charset="0"/>
+                        <a:ea typeface="Times New Roman" panose="02020603050405020304" pitchFamily="18" charset="0"/>
+                        <a:cs typeface="Times New Roman" panose="02020603050405020304" pitchFamily="18" charset="0"/>
+                      </a:endParaRPr>
+                    </a:p>
+                  </a:txBody>
+                  <a:tcPr marL="68580" marR="68580" marT="0" marB="0"/>
+                </a:tc>
+                <a:extLst>
+                  <a:ext uri="{0D108BD9-81ED-4DB2-BD59-A6C34878D82A}">
+                    <a16:rowId xmlns:a16="http://schemas.microsoft.com/office/drawing/2014/main" val="3944572136"/>
+                  </a:ext>
+                </a:extLst>
+              </a:tr>
+              <a:tr h="409904">
+                <a:tc>
+                  <a:txBody>
+                    <a:bodyPr/>
+                    <a:lstStyle/>
+                    <a:p>
+                      <a:pPr indent="450215" algn="l">
+                        <a:lnSpc>
+                          <a:spcPct val="150000"/>
+                        </a:lnSpc>
+                        <a:spcAft>
+                          <a:spcPts val="0"/>
+                        </a:spcAft>
+                      </a:pPr>
+                      <a:r>
+                        <a:rPr lang="ru-RU" sz="1100">
+                          <a:effectLst/>
+                        </a:rPr>
+                        <a:t>Наивный Байес</a:t>
+                      </a:r>
+                      <a:endParaRPr lang="ru-RU" sz="1400">
+                        <a:effectLst/>
+                        <a:latin typeface="Times New Roman" panose="02020603050405020304" pitchFamily="18" charset="0"/>
+                        <a:ea typeface="Times New Roman" panose="02020603050405020304" pitchFamily="18" charset="0"/>
+                        <a:cs typeface="Times New Roman" panose="02020603050405020304" pitchFamily="18" charset="0"/>
+                      </a:endParaRPr>
+                    </a:p>
+                  </a:txBody>
+                  <a:tcPr marL="68580" marR="68580" marT="0" marB="0">
+                    <a:solidFill>
+                      <a:schemeClr val="accent1">
+                        <a:lumMod val="40000"/>
+                        <a:lumOff val="60000"/>
+                      </a:schemeClr>
+                    </a:solidFill>
+                  </a:tcPr>
+                </a:tc>
+                <a:tc>
+                  <a:txBody>
+                    <a:bodyPr/>
+                    <a:lstStyle/>
+                    <a:p>
+                      <a:pPr indent="450215" algn="l">
+                        <a:lnSpc>
+                          <a:spcPct val="150000"/>
+                        </a:lnSpc>
+                        <a:spcAft>
+                          <a:spcPts val="0"/>
+                        </a:spcAft>
+                      </a:pPr>
+                      <a:r>
+                        <a:rPr lang="ru-RU" sz="1100" dirty="0">
+                          <a:effectLst/>
+                        </a:rPr>
+                        <a:t>0.9615384615384616</a:t>
+                      </a:r>
+                      <a:endParaRPr lang="ru-RU" sz="1400" dirty="0">
+                        <a:effectLst/>
+                        <a:latin typeface="Times New Roman" panose="02020603050405020304" pitchFamily="18" charset="0"/>
+                        <a:ea typeface="Times New Roman" panose="02020603050405020304" pitchFamily="18" charset="0"/>
+                        <a:cs typeface="Times New Roman" panose="02020603050405020304" pitchFamily="18" charset="0"/>
+                      </a:endParaRPr>
+                    </a:p>
+                  </a:txBody>
+                  <a:tcPr marL="68580" marR="68580" marT="0" marB="0">
+                    <a:solidFill>
+                      <a:schemeClr val="accent1">
+                        <a:lumMod val="40000"/>
+                        <a:lumOff val="60000"/>
+                      </a:schemeClr>
+                    </a:solidFill>
+                  </a:tcPr>
+                </a:tc>
+                <a:extLst>
+                  <a:ext uri="{0D108BD9-81ED-4DB2-BD59-A6C34878D82A}">
+                    <a16:rowId xmlns:a16="http://schemas.microsoft.com/office/drawing/2014/main" val="1866983683"/>
+                  </a:ext>
+                </a:extLst>
+              </a:tr>
+              <a:tr h="435308">
+                <a:tc>
+                  <a:txBody>
+                    <a:bodyPr/>
+                    <a:lstStyle/>
+                    <a:p>
+                      <a:pPr indent="450215" algn="l">
+                        <a:lnSpc>
+                          <a:spcPct val="150000"/>
+                        </a:lnSpc>
+                        <a:spcAft>
+                          <a:spcPts val="0"/>
+                        </a:spcAft>
+                      </a:pPr>
+                      <a:r>
+                        <a:rPr lang="ru-RU" sz="1100">
+                          <a:effectLst/>
+                        </a:rPr>
+                        <a:t>Деревья решений</a:t>
+                      </a:r>
+                      <a:endParaRPr lang="ru-RU" sz="1400">
+                        <a:effectLst/>
+                        <a:latin typeface="Times New Roman" panose="02020603050405020304" pitchFamily="18" charset="0"/>
+                        <a:ea typeface="Times New Roman" panose="02020603050405020304" pitchFamily="18" charset="0"/>
+                        <a:cs typeface="Times New Roman" panose="02020603050405020304" pitchFamily="18" charset="0"/>
+                      </a:endParaRPr>
+                    </a:p>
+                  </a:txBody>
+                  <a:tcPr marL="68580" marR="68580" marT="0" marB="0"/>
+                </a:tc>
+                <a:tc>
+                  <a:txBody>
+                    <a:bodyPr/>
+                    <a:lstStyle/>
+                    <a:p>
+                      <a:pPr indent="450215" algn="l">
+                        <a:lnSpc>
+                          <a:spcPct val="150000"/>
+                        </a:lnSpc>
+                        <a:spcAft>
+                          <a:spcPts val="0"/>
+                        </a:spcAft>
+                      </a:pPr>
+                      <a:r>
+                        <a:rPr lang="ru-RU" sz="1100" dirty="0">
+                          <a:effectLst/>
+                        </a:rPr>
+                        <a:t>0.7692307692307693</a:t>
+                      </a:r>
+                      <a:endParaRPr lang="ru-RU" sz="1400" dirty="0">
+                        <a:effectLst/>
+                        <a:latin typeface="Times New Roman" panose="02020603050405020304" pitchFamily="18" charset="0"/>
+                        <a:ea typeface="Times New Roman" panose="02020603050405020304" pitchFamily="18" charset="0"/>
+                        <a:cs typeface="Times New Roman" panose="02020603050405020304" pitchFamily="18" charset="0"/>
+                      </a:endParaRPr>
+                    </a:p>
+                  </a:txBody>
+                  <a:tcPr marL="68580" marR="68580" marT="0" marB="0"/>
+                </a:tc>
+                <a:extLst>
+                  <a:ext uri="{0D108BD9-81ED-4DB2-BD59-A6C34878D82A}">
+                    <a16:rowId xmlns:a16="http://schemas.microsoft.com/office/drawing/2014/main" val="2531290851"/>
+                  </a:ext>
+                </a:extLst>
+              </a:tr>
+            </a:tbl>
+          </a:graphicData>
+        </a:graphic>
+      </p:graphicFrame>
       <p:sp>
         <p:nvSpPr>
-          <p:cNvPr id="2" name="TextBox 1"/>
+          <p:cNvPr id="6" name="TextBox 5"/>
           <p:cNvSpPr txBox="1"/>
           <p:nvPr/>
         </p:nvSpPr>
         <p:spPr>
           <a:xfrm>
-            <a:off x="1098550" y="1924050"/>
-            <a:ext cx="7465505" cy="1477328"/>
+            <a:off x="1248583" y="1683307"/>
+            <a:ext cx="4847417" cy="369332"/>
           </a:xfrm>
           <a:prstGeom prst="rect">
             <a:avLst/>
@@ -4639,190 +4218,26 @@
           <a:p>
             <a:r>
               <a:rPr lang="ru-RU" dirty="0" smtClean="0"/>
-              <a:t>Поставить более ёмкий аккумулятор для более продолжительной работы</a:t>
-            </a:r>
-          </a:p>
-          <a:p>
+              <a:t>Таблица сравнения алгоритмов классификации</a:t>
+            </a:r>
             <a:endParaRPr lang="ru-RU" dirty="0"/>
-          </a:p>
-          <a:p>
-            <a:r>
-              <a:rPr lang="ru-RU" dirty="0" smtClean="0"/>
-              <a:t>Поставить более точный </a:t>
-            </a:r>
-            <a:r>
-              <a:rPr lang="en-US" dirty="0" err="1" smtClean="0"/>
-              <a:t>mio</a:t>
-            </a:r>
-            <a:r>
-              <a:rPr lang="en-US" dirty="0" smtClean="0"/>
-              <a:t> </a:t>
-            </a:r>
-            <a:r>
-              <a:rPr lang="ru-RU" dirty="0" smtClean="0"/>
-              <a:t>датчик</a:t>
-            </a:r>
-          </a:p>
-          <a:p>
-            <a:endParaRPr lang="ru-RU" dirty="0"/>
-          </a:p>
-          <a:p>
-            <a:r>
-              <a:rPr lang="ru-RU" dirty="0" smtClean="0"/>
-              <a:t>Возможность настройки силы тока на </a:t>
-            </a:r>
-            <a:r>
-              <a:rPr lang="ru-RU" dirty="0" err="1" smtClean="0"/>
-              <a:t>электрошокере</a:t>
-            </a:r>
-            <a:endParaRPr lang="ru-RU" dirty="0" smtClean="0"/>
           </a:p>
         </p:txBody>
       </p:sp>
     </p:spTree>
+    <p:extLst>
+      <p:ext uri="{BB962C8B-B14F-4D97-AF65-F5344CB8AC3E}">
+        <p14:creationId xmlns:p14="http://schemas.microsoft.com/office/powerpoint/2010/main" val="3881417917"/>
+      </p:ext>
+    </p:extLst>
   </p:cSld>
   <p:clrMapOvr>
     <a:masterClrMapping/>
   </p:clrMapOvr>
-  <mc:AlternateContent xmlns:mc="http://schemas.openxmlformats.org/markup-compatibility/2006" xmlns:p14="http://schemas.microsoft.com/office/powerpoint/2010/main">
-    <mc:Choice Requires="p14">
-      <p:transition spd="slow" p14:dur="2000"/>
-    </mc:Choice>
-    <mc:Fallback xmlns="">
-      <p:transition spd="slow"/>
-    </mc:Fallback>
-  </mc:AlternateContent>
-  <p:timing>
-    <p:tnLst>
-      <p:par>
-        <p:cTn id="1" dur="indefinite" restart="never" nodeType="tmRoot"/>
-      </p:par>
-    </p:tnLst>
-  </p:timing>
 </p:sld>
 </file>
 
 <file path=ppt/slides/slide11.xml><?xml version="1.0" encoding="utf-8"?>
-<p:sld xmlns:a="http://schemas.openxmlformats.org/drawingml/2006/main" xmlns:r="http://schemas.openxmlformats.org/officeDocument/2006/relationships" xmlns:p="http://schemas.openxmlformats.org/presentationml/2006/main">
-  <p:cSld>
-    <p:spTree>
-      <p:nvGrpSpPr>
-        <p:cNvPr id="1" name=""/>
-        <p:cNvGrpSpPr/>
-        <p:nvPr/>
-      </p:nvGrpSpPr>
-      <p:grpSpPr>
-        <a:xfrm>
-          <a:off x="0" y="0"/>
-          <a:ext cx="0" cy="0"/>
-          <a:chOff x="0" y="0"/>
-          <a:chExt cx="0" cy="0"/>
-        </a:xfrm>
-      </p:grpSpPr>
-      <p:sp>
-        <p:nvSpPr>
-          <p:cNvPr id="218" name="СПАСИБО ЗА ВНИМАНИЕ"/>
-          <p:cNvSpPr txBox="1"/>
-          <p:nvPr/>
-        </p:nvSpPr>
-        <p:spPr>
-          <a:xfrm>
-            <a:off x="1817787" y="2468880"/>
-            <a:ext cx="8556426" cy="1945641"/>
-          </a:xfrm>
-          <a:prstGeom prst="rect">
-            <a:avLst/>
-          </a:prstGeom>
-          <a:ln w="12700">
-            <a:miter lim="400000"/>
-          </a:ln>
-          <a:extLst>
-            <a:ext uri="{C572A759-6A51-4108-AA02-DFA0A04FC94B}">
-              <ma14:wrappingTextBoxFlag xmlns="" xmlns:m="http://schemas.openxmlformats.org/officeDocument/2006/math" xmlns:a14="http://schemas.microsoft.com/office/drawing/2010/main" xmlns:ma14="http://schemas.microsoft.com/office/mac/drawingml/2011/main" val="1"/>
-            </a:ext>
-          </a:extLst>
-        </p:spPr>
-        <p:txBody>
-          <a:bodyPr lIns="45719" rIns="45719">
-            <a:spAutoFit/>
-          </a:bodyPr>
-          <a:lstStyle/>
-          <a:p>
-            <a:pPr>
-              <a:defRPr sz="3200">
-                <a:solidFill>
-                  <a:srgbClr val="FFFFFF"/>
-                </a:solidFill>
-              </a:defRPr>
-            </a:pPr>
-            <a:r>
-              <a:rPr sz="6000"/>
-              <a:t>СПАСИБО</a:t>
-            </a:r>
-            <a:r>
-              <a:t> ЗА </a:t>
-            </a:r>
-            <a:r>
-              <a:rPr sz="6000"/>
-              <a:t>ВНИМАНИЕ</a:t>
-            </a:r>
-          </a:p>
-        </p:txBody>
-      </p:sp>
-      <p:sp>
-        <p:nvSpPr>
-          <p:cNvPr id="2" name="TextBox 1"/>
-          <p:cNvSpPr txBox="1"/>
-          <p:nvPr/>
-        </p:nvSpPr>
-        <p:spPr>
-          <a:xfrm>
-            <a:off x="2979996" y="3056979"/>
-            <a:ext cx="6232008" cy="769441"/>
-          </a:xfrm>
-          <a:prstGeom prst="rect">
-            <a:avLst/>
-          </a:prstGeom>
-          <a:noFill/>
-        </p:spPr>
-        <p:txBody>
-          <a:bodyPr wrap="square" rtlCol="0">
-            <a:spAutoFit/>
-          </a:bodyPr>
-          <a:lstStyle/>
-          <a:p>
-            <a:r>
-              <a:rPr lang="ru-RU" sz="4400" dirty="0" smtClean="0"/>
-              <a:t>Спасибо за внимание</a:t>
-            </a:r>
-            <a:endParaRPr lang="ru-RU" sz="4400" dirty="0"/>
-          </a:p>
-        </p:txBody>
-      </p:sp>
-    </p:spTree>
-  </p:cSld>
-  <p:clrMapOvr>
-    <a:masterClrMapping/>
-  </p:clrMapOvr>
-  <mc:AlternateContent xmlns:mc="http://schemas.openxmlformats.org/markup-compatibility/2006" xmlns:p14="http://schemas.microsoft.com/office/powerpoint/2010/main">
-    <mc:Choice Requires="p14">
-      <p:transition spd="slow" p14:dur="2000"/>
-    </mc:Choice>
-    <mc:Fallback xmlns="">
-      <p:transition spd="slow"/>
-    </mc:Fallback>
-  </mc:AlternateContent>
-  <p:timing>
-    <p:tnLst>
-      <p:par>
-        <p:cTn id="1" dur="indefinite" restart="never" nodeType="tmRoot"/>
-      </p:par>
-    </p:tnLst>
-  </p:timing>
-</p:sld>
-</file>
-
-<file path=ppt/slides/slide12.xml><?xml version="1.0" encoding="utf-8"?>
 <p:sld xmlns:a="http://schemas.openxmlformats.org/drawingml/2006/main" xmlns:r="http://schemas.openxmlformats.org/officeDocument/2006/relationships" xmlns:p="http://schemas.openxmlformats.org/presentationml/2006/main">
   <p:cSld>
     <p:spTree>
@@ -4856,7 +4271,7 @@
           <a:p>
             <a:r>
               <a:rPr lang="ru-RU" dirty="0" smtClean="0"/>
-              <a:t>Программный код </a:t>
+              <a:t>Выбор сред разработки</a:t>
             </a:r>
             <a:endParaRPr lang="ru-RU" dirty="0"/>
           </a:p>
@@ -5005,7 +4420,7 @@
 </p:sld>
 </file>
 
-<file path=ppt/slides/slide13.xml><?xml version="1.0" encoding="utf-8"?>
+<file path=ppt/slides/slide12.xml><?xml version="1.0" encoding="utf-8"?>
 <p:sld xmlns:a="http://schemas.openxmlformats.org/drawingml/2006/main" xmlns:r="http://schemas.openxmlformats.org/officeDocument/2006/relationships" xmlns:p="http://schemas.openxmlformats.org/presentationml/2006/main">
   <p:cSld>
     <p:spTree>
@@ -5034,7 +4449,7 @@
         </p:nvSpPr>
         <p:spPr>
           <a:xfrm>
-            <a:off x="742950" y="0"/>
+            <a:off x="539750" y="39687"/>
             <a:ext cx="10515600" cy="1325563"/>
           </a:xfrm>
         </p:spPr>
@@ -5044,911 +4459,542 @@
           <a:p>
             <a:r>
               <a:rPr lang="ru-RU" dirty="0" smtClean="0"/>
-              <a:t>Выбор </a:t>
-            </a:r>
-            <a:r>
-              <a:rPr lang="en-US" dirty="0" err="1" smtClean="0"/>
-              <a:t>mio</a:t>
-            </a:r>
-            <a:r>
-              <a:rPr lang="en-US" dirty="0" smtClean="0"/>
-              <a:t> </a:t>
-            </a:r>
-            <a:r>
-              <a:rPr lang="ru-RU" dirty="0" smtClean="0"/>
-              <a:t>датчика</a:t>
+              <a:t>Программирование серверной части</a:t>
             </a:r>
             <a:endParaRPr lang="ru-RU" dirty="0"/>
+          </a:p>
+        </p:txBody>
+      </p:sp>
+      <p:pic>
+        <p:nvPicPr>
+          <p:cNvPr id="4" name="Объект 3"/>
+          <p:cNvPicPr>
+            <a:picLocks noGrp="1" noChangeAspect="1"/>
+          </p:cNvPicPr>
+          <p:nvPr>
+            <p:ph idx="1"/>
+          </p:nvPr>
+        </p:nvPicPr>
+        <p:blipFill>
+          <a:blip r:embed="rId2" cstate="print">
+            <a:extLst>
+              <a:ext uri="{28A0092B-C50C-407E-A947-70E740481C1C}">
+                <a14:useLocalDpi xmlns:a14="http://schemas.microsoft.com/office/drawing/2010/main" val="0"/>
+              </a:ext>
+            </a:extLst>
+          </a:blip>
+          <a:stretch>
+            <a:fillRect/>
+          </a:stretch>
+        </p:blipFill>
+        <p:spPr>
+          <a:xfrm>
+            <a:off x="1524000" y="1250950"/>
+            <a:ext cx="9169400" cy="5403850"/>
+          </a:xfrm>
+        </p:spPr>
+      </p:pic>
+    </p:spTree>
+    <p:extLst>
+      <p:ext uri="{BB962C8B-B14F-4D97-AF65-F5344CB8AC3E}">
+        <p14:creationId xmlns:p14="http://schemas.microsoft.com/office/powerpoint/2010/main" val="1343397124"/>
+      </p:ext>
+    </p:extLst>
+  </p:cSld>
+  <p:clrMapOvr>
+    <a:masterClrMapping/>
+  </p:clrMapOvr>
+</p:sld>
+</file>
+
+<file path=ppt/slides/slide13.xml><?xml version="1.0" encoding="utf-8"?>
+<p:sld xmlns:a="http://schemas.openxmlformats.org/drawingml/2006/main" xmlns:r="http://schemas.openxmlformats.org/officeDocument/2006/relationships" xmlns:p="http://schemas.openxmlformats.org/presentationml/2006/main">
+  <p:cSld>
+    <p:spTree>
+      <p:nvGrpSpPr>
+        <p:cNvPr id="1" name=""/>
+        <p:cNvGrpSpPr/>
+        <p:nvPr/>
+      </p:nvGrpSpPr>
+      <p:grpSpPr>
+        <a:xfrm>
+          <a:off x="0" y="0"/>
+          <a:ext cx="0" cy="0"/>
+          <a:chOff x="0" y="0"/>
+          <a:chExt cx="0" cy="0"/>
+        </a:xfrm>
+      </p:grpSpPr>
+      <p:sp>
+        <p:nvSpPr>
+          <p:cNvPr id="208" name="Заголовок 1"/>
+          <p:cNvSpPr txBox="1">
+            <a:spLocks noGrp="1"/>
+          </p:cNvSpPr>
+          <p:nvPr>
+            <p:ph type="title"/>
+          </p:nvPr>
+        </p:nvSpPr>
+        <p:spPr>
+          <a:prstGeom prst="rect">
+            <a:avLst/>
+          </a:prstGeom>
+        </p:spPr>
+        <p:txBody>
+          <a:bodyPr/>
+          <a:lstStyle/>
+          <a:p>
+            <a:r>
+              <a:t>Конкуренты </a:t>
+            </a:r>
           </a:p>
         </p:txBody>
       </p:sp>
       <p:graphicFrame>
         <p:nvGraphicFramePr>
-          <p:cNvPr id="4" name="Объект 3"/>
+          <p:cNvPr id="3" name="Таблица 2"/>
           <p:cNvGraphicFramePr>
             <a:graphicFrameLocks noGrp="1"/>
           </p:cNvGraphicFramePr>
           <p:nvPr>
-            <p:ph idx="1"/>
             <p:extLst>
               <p:ext uri="{D42A27DB-BD31-4B8C-83A1-F6EECF244321}">
-                <p14:modId xmlns:p14="http://schemas.microsoft.com/office/powerpoint/2010/main" val="315323457"/>
+                <p14:modId xmlns:p14="http://schemas.microsoft.com/office/powerpoint/2010/main" val="2831089561"/>
               </p:ext>
             </p:extLst>
           </p:nvPr>
         </p:nvGraphicFramePr>
         <p:xfrm>
-          <a:off x="838200" y="1098550"/>
-          <a:ext cx="10661650" cy="5619315"/>
+          <a:off x="1943100" y="1631950"/>
+          <a:ext cx="8127999" cy="3733074"/>
         </p:xfrm>
         <a:graphic>
           <a:graphicData uri="http://schemas.openxmlformats.org/drawingml/2006/table">
             <a:tbl>
-              <a:tblPr firstRow="1" firstCol="1" bandRow="1">
+              <a:tblPr firstRow="1" bandRow="1">
                 <a:tableStyleId>{5940675A-B579-460E-94D1-54222C63F5DA}</a:tableStyleId>
               </a:tblPr>
               <a:tblGrid>
-                <a:gridCol w="1498600">
+                <a:gridCol w="2709333">
                   <a:extLst>
                     <a:ext uri="{9D8B030D-6E8A-4147-A177-3AD203B41FA5}">
-                      <a16:colId xmlns:a16="http://schemas.microsoft.com/office/drawing/2014/main" val="1861406424"/>
+                      <a16:colId xmlns:a16="http://schemas.microsoft.com/office/drawing/2014/main" val="3714863407"/>
                     </a:ext>
                   </a:extLst>
                 </a:gridCol>
-                <a:gridCol w="2056749">
+                <a:gridCol w="2709333">
                   <a:extLst>
                     <a:ext uri="{9D8B030D-6E8A-4147-A177-3AD203B41FA5}">
-                      <a16:colId xmlns:a16="http://schemas.microsoft.com/office/drawing/2014/main" val="1024974043"/>
+                      <a16:colId xmlns:a16="http://schemas.microsoft.com/office/drawing/2014/main" val="2262138312"/>
                     </a:ext>
                   </a:extLst>
                 </a:gridCol>
-                <a:gridCol w="1713257">
+                <a:gridCol w="2709333">
                   <a:extLst>
                     <a:ext uri="{9D8B030D-6E8A-4147-A177-3AD203B41FA5}">
-                      <a16:colId xmlns:a16="http://schemas.microsoft.com/office/drawing/2014/main" val="2243883847"/>
-                    </a:ext>
-                  </a:extLst>
-                </a:gridCol>
-                <a:gridCol w="1837933">
-                  <a:extLst>
-                    <a:ext uri="{9D8B030D-6E8A-4147-A177-3AD203B41FA5}">
-                      <a16:colId xmlns:a16="http://schemas.microsoft.com/office/drawing/2014/main" val="301088478"/>
-                    </a:ext>
-                  </a:extLst>
-                </a:gridCol>
-                <a:gridCol w="1758970">
-                  <a:extLst>
-                    <a:ext uri="{9D8B030D-6E8A-4147-A177-3AD203B41FA5}">
-                      <a16:colId xmlns:a16="http://schemas.microsoft.com/office/drawing/2014/main" val="4131636633"/>
-                    </a:ext>
-                  </a:extLst>
-                </a:gridCol>
-                <a:gridCol w="1796141">
-                  <a:extLst>
-                    <a:ext uri="{9D8B030D-6E8A-4147-A177-3AD203B41FA5}">
-                      <a16:colId xmlns:a16="http://schemas.microsoft.com/office/drawing/2014/main" val="1820867874"/>
+                      <a16:colId xmlns:a16="http://schemas.microsoft.com/office/drawing/2014/main" val="564948018"/>
                     </a:ext>
                   </a:extLst>
                 </a:gridCol>
               </a:tblGrid>
-              <a:tr h="396739">
+              <a:tr h="604278">
                 <a:tc>
                   <a:txBody>
                     <a:bodyPr/>
                     <a:lstStyle/>
                     <a:p>
-                      <a:pPr indent="450215" algn="l">
-                        <a:lnSpc>
-                          <a:spcPct val="150000"/>
-                        </a:lnSpc>
-                        <a:spcAft>
-                          <a:spcPts val="0"/>
-                        </a:spcAft>
-                      </a:pPr>
-                      <a:r>
-                        <a:rPr lang="ru-RU" sz="1400" dirty="0">
-                          <a:effectLst/>
-                        </a:rPr>
-                        <a:t>название</a:t>
-                      </a:r>
-                      <a:endParaRPr lang="ru-RU" sz="1400" dirty="0">
-                        <a:effectLst/>
-                        <a:latin typeface="Times New Roman" panose="02020603050405020304" pitchFamily="18" charset="0"/>
-                        <a:ea typeface="Times New Roman" panose="02020603050405020304" pitchFamily="18" charset="0"/>
-                        <a:cs typeface="Times New Roman" panose="02020603050405020304" pitchFamily="18" charset="0"/>
-                      </a:endParaRPr>
-                    </a:p>
-                  </a:txBody>
-                  <a:tcPr marL="36261" marR="36261" marT="0" marB="0"/>
+                      <a:r>
+                        <a:rPr lang="ru-RU" dirty="0" smtClean="0"/>
+                        <a:t>Наименование</a:t>
+                      </a:r>
+                      <a:endParaRPr lang="ru-RU" dirty="0"/>
+                    </a:p>
+                  </a:txBody>
+                  <a:tcPr/>
                 </a:tc>
                 <a:tc>
                   <a:txBody>
                     <a:bodyPr/>
                     <a:lstStyle/>
                     <a:p>
-                      <a:pPr indent="450215" algn="l">
-                        <a:lnSpc>
-                          <a:spcPct val="150000"/>
-                        </a:lnSpc>
-                        <a:spcAft>
-                          <a:spcPts val="0"/>
-                        </a:spcAft>
-                      </a:pPr>
-                      <a:r>
-                        <a:rPr lang="ru-RU" sz="1400" dirty="0">
-                          <a:effectLst/>
-                        </a:rPr>
-                        <a:t>Усиление</a:t>
-                      </a:r>
-                      <a:endParaRPr lang="ru-RU" sz="1400" dirty="0">
-                        <a:effectLst/>
-                        <a:latin typeface="Times New Roman" panose="02020603050405020304" pitchFamily="18" charset="0"/>
-                        <a:ea typeface="Times New Roman" panose="02020603050405020304" pitchFamily="18" charset="0"/>
-                        <a:cs typeface="Times New Roman" panose="02020603050405020304" pitchFamily="18" charset="0"/>
-                      </a:endParaRPr>
-                    </a:p>
-                  </a:txBody>
-                  <a:tcPr marL="36261" marR="36261" marT="0" marB="0"/>
+                      <a:r>
+                        <a:rPr lang="ru-RU" dirty="0" smtClean="0"/>
+                        <a:t>Браслет для борьбы с курением </a:t>
+                      </a:r>
+                      <a:endParaRPr lang="ru-RU" dirty="0"/>
+                    </a:p>
+                  </a:txBody>
+                  <a:tcPr/>
                 </a:tc>
                 <a:tc>
                   <a:txBody>
                     <a:bodyPr/>
                     <a:lstStyle/>
                     <a:p>
-                      <a:pPr indent="450215" algn="l">
-                        <a:lnSpc>
-                          <a:spcPct val="150000"/>
-                        </a:lnSpc>
-                        <a:spcAft>
-                          <a:spcPts val="0"/>
-                        </a:spcAft>
-                      </a:pPr>
-                      <a:r>
-                        <a:rPr lang="ru-RU" sz="1400">
-                          <a:effectLst/>
-                        </a:rPr>
-                        <a:t>Диапазон напряжения питания</a:t>
-                      </a:r>
-                      <a:endParaRPr lang="ru-RU" sz="1400">
-                        <a:effectLst/>
-                        <a:latin typeface="Times New Roman" panose="02020603050405020304" pitchFamily="18" charset="0"/>
-                        <a:ea typeface="Times New Roman" panose="02020603050405020304" pitchFamily="18" charset="0"/>
-                        <a:cs typeface="Times New Roman" panose="02020603050405020304" pitchFamily="18" charset="0"/>
-                      </a:endParaRPr>
-                    </a:p>
-                  </a:txBody>
-                  <a:tcPr marL="36261" marR="36261" marT="0" marB="0"/>
-                </a:tc>
-                <a:tc>
-                  <a:txBody>
-                    <a:bodyPr/>
-                    <a:lstStyle/>
-                    <a:p>
-                      <a:pPr indent="450215" algn="l">
-                        <a:lnSpc>
-                          <a:spcPct val="150000"/>
-                        </a:lnSpc>
-                        <a:spcAft>
-                          <a:spcPts val="0"/>
-                        </a:spcAft>
-                      </a:pPr>
-                      <a:r>
-                        <a:rPr lang="ru-RU" sz="1400">
-                          <a:effectLst/>
-                        </a:rPr>
-                        <a:t>размер</a:t>
-                      </a:r>
-                      <a:endParaRPr lang="ru-RU" sz="1400">
-                        <a:effectLst/>
-                        <a:latin typeface="Times New Roman" panose="02020603050405020304" pitchFamily="18" charset="0"/>
-                        <a:ea typeface="Times New Roman" panose="02020603050405020304" pitchFamily="18" charset="0"/>
-                        <a:cs typeface="Times New Roman" panose="02020603050405020304" pitchFamily="18" charset="0"/>
-                      </a:endParaRPr>
-                    </a:p>
-                  </a:txBody>
-                  <a:tcPr marL="36261" marR="36261" marT="0" marB="0"/>
-                </a:tc>
-                <a:tc>
-                  <a:txBody>
-                    <a:bodyPr/>
-                    <a:lstStyle/>
-                    <a:p>
-                      <a:pPr indent="450215" algn="l">
-                        <a:lnSpc>
-                          <a:spcPct val="150000"/>
-                        </a:lnSpc>
-                        <a:spcAft>
-                          <a:spcPts val="0"/>
-                        </a:spcAft>
-                      </a:pPr>
-                      <a:r>
-                        <a:rPr lang="ru-RU" sz="1400">
-                          <a:effectLst/>
-                        </a:rPr>
-                        <a:t>Диапазон пропускаемых частот</a:t>
-                      </a:r>
-                      <a:endParaRPr lang="ru-RU" sz="1400">
-                        <a:effectLst/>
-                        <a:latin typeface="Times New Roman" panose="02020603050405020304" pitchFamily="18" charset="0"/>
-                        <a:ea typeface="Times New Roman" panose="02020603050405020304" pitchFamily="18" charset="0"/>
-                        <a:cs typeface="Times New Roman" panose="02020603050405020304" pitchFamily="18" charset="0"/>
-                      </a:endParaRPr>
-                    </a:p>
-                  </a:txBody>
-                  <a:tcPr marL="36261" marR="36261" marT="0" marB="0"/>
-                </a:tc>
-                <a:tc>
-                  <a:txBody>
-                    <a:bodyPr/>
-                    <a:lstStyle/>
-                    <a:p>
-                      <a:pPr indent="450215" algn="l">
-                        <a:lnSpc>
-                          <a:spcPct val="150000"/>
-                        </a:lnSpc>
-                        <a:spcAft>
-                          <a:spcPts val="0"/>
-                        </a:spcAft>
-                      </a:pPr>
-                      <a:r>
-                        <a:rPr lang="ru-RU" sz="1400">
-                          <a:effectLst/>
-                        </a:rPr>
-                        <a:t>цена</a:t>
-                      </a:r>
-                      <a:endParaRPr lang="ru-RU" sz="1400">
-                        <a:effectLst/>
-                        <a:latin typeface="Times New Roman" panose="02020603050405020304" pitchFamily="18" charset="0"/>
-                        <a:ea typeface="Times New Roman" panose="02020603050405020304" pitchFamily="18" charset="0"/>
-                        <a:cs typeface="Times New Roman" panose="02020603050405020304" pitchFamily="18" charset="0"/>
-                      </a:endParaRPr>
-                    </a:p>
-                  </a:txBody>
-                  <a:tcPr marL="36261" marR="36261" marT="0" marB="0"/>
+                      <a:r>
+                        <a:rPr lang="ru-RU" dirty="0" smtClean="0"/>
+                        <a:t>Браслет</a:t>
+                      </a:r>
+                      <a:r>
+                        <a:rPr lang="ru-RU" baseline="0" dirty="0" smtClean="0"/>
+                        <a:t> </a:t>
+                      </a:r>
+                      <a:r>
+                        <a:rPr lang="en-US" baseline="0" dirty="0" smtClean="0"/>
+                        <a:t>PAVLOK</a:t>
+                      </a:r>
+                      <a:endParaRPr lang="ru-RU" dirty="0"/>
+                    </a:p>
+                  </a:txBody>
+                  <a:tcPr/>
                 </a:tc>
                 <a:extLst>
                   <a:ext uri="{0D108BD9-81ED-4DB2-BD59-A6C34878D82A}">
-                    <a16:rowId xmlns:a16="http://schemas.microsoft.com/office/drawing/2014/main" val="2623018025"/>
+                    <a16:rowId xmlns:a16="http://schemas.microsoft.com/office/drawing/2014/main" val="359725220"/>
                   </a:ext>
                 </a:extLst>
               </a:tr>
-              <a:tr h="1018165">
+              <a:tr h="604278">
                 <a:tc>
                   <a:txBody>
                     <a:bodyPr/>
                     <a:lstStyle/>
                     <a:p>
-                      <a:pPr indent="450215" algn="l" fontAlgn="base">
-                        <a:lnSpc>
-                          <a:spcPts val="1500"/>
-                        </a:lnSpc>
-                        <a:spcBef>
-                          <a:spcPts val="1200"/>
-                        </a:spcBef>
-                        <a:spcAft>
-                          <a:spcPts val="0"/>
-                        </a:spcAft>
-                      </a:pPr>
-                      <a:r>
-                        <a:rPr lang="ru-RU" sz="1400" kern="0" spc="-10" dirty="0">
-                          <a:effectLst/>
-                        </a:rPr>
-                        <a:t>датчик EMG</a:t>
-                      </a:r>
-                      <a:endParaRPr lang="ru-RU" sz="1400" kern="0" dirty="0">
-                        <a:effectLst/>
-                      </a:endParaRPr>
-                    </a:p>
-                    <a:p>
-                      <a:pPr indent="450215" algn="l">
-                        <a:lnSpc>
-                          <a:spcPct val="150000"/>
-                        </a:lnSpc>
-                        <a:spcAft>
-                          <a:spcPts val="0"/>
-                        </a:spcAft>
-                      </a:pPr>
-                      <a:r>
-                        <a:rPr lang="ru-RU" sz="1400" dirty="0">
-                          <a:effectLst/>
-                        </a:rPr>
-                        <a:t> </a:t>
-                      </a:r>
-                      <a:endParaRPr lang="ru-RU" sz="1400" dirty="0">
-                        <a:effectLst/>
-                        <a:latin typeface="Times New Roman" panose="02020603050405020304" pitchFamily="18" charset="0"/>
-                        <a:ea typeface="Times New Roman" panose="02020603050405020304" pitchFamily="18" charset="0"/>
-                        <a:cs typeface="Times New Roman" panose="02020603050405020304" pitchFamily="18" charset="0"/>
-                      </a:endParaRPr>
-                    </a:p>
-                  </a:txBody>
-                  <a:tcPr marL="36261" marR="36261" marT="0" marB="0"/>
+                      <a:r>
+                        <a:rPr lang="ru-RU" dirty="0" smtClean="0"/>
+                        <a:t>Автоматическое детектирование</a:t>
+                      </a:r>
+                      <a:endParaRPr lang="ru-RU" dirty="0"/>
+                    </a:p>
+                  </a:txBody>
+                  <a:tcPr/>
                 </a:tc>
                 <a:tc>
                   <a:txBody>
                     <a:bodyPr/>
                     <a:lstStyle/>
                     <a:p>
-                      <a:pPr indent="450215" algn="l">
-                        <a:lnSpc>
-                          <a:spcPct val="150000"/>
-                        </a:lnSpc>
-                        <a:spcAft>
-                          <a:spcPts val="0"/>
-                        </a:spcAft>
-                      </a:pPr>
-                      <a:r>
-                        <a:rPr lang="ru-RU" sz="1400" dirty="0">
-                          <a:effectLst/>
-                        </a:rPr>
-                        <a:t>-</a:t>
-                      </a:r>
-                      <a:endParaRPr lang="ru-RU" sz="1400" dirty="0">
-                        <a:effectLst/>
-                        <a:latin typeface="Times New Roman" panose="02020603050405020304" pitchFamily="18" charset="0"/>
-                        <a:ea typeface="Times New Roman" panose="02020603050405020304" pitchFamily="18" charset="0"/>
-                        <a:cs typeface="Times New Roman" panose="02020603050405020304" pitchFamily="18" charset="0"/>
-                      </a:endParaRPr>
-                    </a:p>
-                  </a:txBody>
-                  <a:tcPr marL="36261" marR="36261" marT="0" marB="0"/>
+                      <a:r>
+                        <a:rPr lang="ru-RU" dirty="0" smtClean="0"/>
+                        <a:t>да</a:t>
+                      </a:r>
+                      <a:endParaRPr lang="ru-RU" dirty="0"/>
+                    </a:p>
+                  </a:txBody>
+                  <a:tcPr>
+                    <a:solidFill>
+                      <a:srgbClr val="00B050"/>
+                    </a:solidFill>
+                  </a:tcPr>
                 </a:tc>
                 <a:tc>
                   <a:txBody>
                     <a:bodyPr/>
                     <a:lstStyle/>
                     <a:p>
-                      <a:pPr indent="450215" algn="l">
-                        <a:lnSpc>
-                          <a:spcPct val="150000"/>
-                        </a:lnSpc>
-                        <a:spcAft>
-                          <a:spcPts val="0"/>
-                        </a:spcAft>
-                      </a:pPr>
-                      <a:r>
-                        <a:rPr lang="ru-RU" sz="1400" dirty="0">
-                          <a:effectLst/>
-                        </a:rPr>
-                        <a:t>+ -9 в Двойной источник питания, минимальный +-3,5 в</a:t>
-                      </a:r>
-                      <a:endParaRPr lang="ru-RU" sz="1400" dirty="0">
-                        <a:effectLst/>
-                        <a:latin typeface="Times New Roman" panose="02020603050405020304" pitchFamily="18" charset="0"/>
-                        <a:ea typeface="Times New Roman" panose="02020603050405020304" pitchFamily="18" charset="0"/>
-                        <a:cs typeface="Times New Roman" panose="02020603050405020304" pitchFamily="18" charset="0"/>
-                      </a:endParaRPr>
-                    </a:p>
-                  </a:txBody>
-                  <a:tcPr marL="36261" marR="36261" marT="0" marB="0"/>
-                </a:tc>
-                <a:tc>
-                  <a:txBody>
-                    <a:bodyPr/>
-                    <a:lstStyle/>
-                    <a:p>
-                      <a:pPr indent="450215" algn="l">
-                        <a:lnSpc>
-                          <a:spcPct val="150000"/>
-                        </a:lnSpc>
-                        <a:spcAft>
-                          <a:spcPts val="0"/>
-                        </a:spcAft>
-                      </a:pPr>
-                      <a:r>
-                        <a:rPr lang="ru-RU" sz="1400">
-                          <a:effectLst/>
-                        </a:rPr>
-                        <a:t>25x26x10 мм</a:t>
-                      </a:r>
-                      <a:endParaRPr lang="ru-RU" sz="1400">
-                        <a:effectLst/>
-                        <a:latin typeface="Times New Roman" panose="02020603050405020304" pitchFamily="18" charset="0"/>
-                        <a:ea typeface="Times New Roman" panose="02020603050405020304" pitchFamily="18" charset="0"/>
-                        <a:cs typeface="Times New Roman" panose="02020603050405020304" pitchFamily="18" charset="0"/>
-                      </a:endParaRPr>
-                    </a:p>
-                  </a:txBody>
-                  <a:tcPr marL="36261" marR="36261" marT="0" marB="0"/>
-                </a:tc>
-                <a:tc>
-                  <a:txBody>
-                    <a:bodyPr/>
-                    <a:lstStyle/>
-                    <a:p>
-                      <a:pPr indent="450215" algn="l">
-                        <a:lnSpc>
-                          <a:spcPct val="150000"/>
-                        </a:lnSpc>
-                        <a:spcAft>
-                          <a:spcPts val="0"/>
-                        </a:spcAft>
-                      </a:pPr>
-                      <a:r>
-                        <a:rPr lang="en-US" sz="1400">
-                          <a:effectLst/>
-                        </a:rPr>
-                        <a:t>-</a:t>
-                      </a:r>
-                      <a:endParaRPr lang="ru-RU" sz="1400">
-                        <a:effectLst/>
-                        <a:latin typeface="Times New Roman" panose="02020603050405020304" pitchFamily="18" charset="0"/>
-                        <a:ea typeface="Times New Roman" panose="02020603050405020304" pitchFamily="18" charset="0"/>
-                        <a:cs typeface="Times New Roman" panose="02020603050405020304" pitchFamily="18" charset="0"/>
-                      </a:endParaRPr>
-                    </a:p>
-                  </a:txBody>
-                  <a:tcPr marL="36261" marR="36261" marT="0" marB="0"/>
-                </a:tc>
-                <a:tc>
-                  <a:txBody>
-                    <a:bodyPr/>
-                    <a:lstStyle/>
-                    <a:p>
-                      <a:pPr indent="450215" algn="l">
-                        <a:lnSpc>
-                          <a:spcPct val="150000"/>
-                        </a:lnSpc>
-                        <a:spcAft>
-                          <a:spcPts val="0"/>
-                        </a:spcAft>
-                      </a:pPr>
-                      <a:r>
-                        <a:rPr lang="en-US" sz="1400" dirty="0">
-                          <a:effectLst/>
-                        </a:rPr>
-                        <a:t>1981</a:t>
-                      </a:r>
-                      <a:r>
-                        <a:rPr lang="ru-RU" sz="1400" dirty="0">
-                          <a:effectLst/>
-                        </a:rPr>
-                        <a:t>р</a:t>
-                      </a:r>
-                      <a:endParaRPr lang="ru-RU" sz="1400" dirty="0">
-                        <a:effectLst/>
-                        <a:latin typeface="Times New Roman" panose="02020603050405020304" pitchFamily="18" charset="0"/>
-                        <a:ea typeface="Times New Roman" panose="02020603050405020304" pitchFamily="18" charset="0"/>
-                        <a:cs typeface="Times New Roman" panose="02020603050405020304" pitchFamily="18" charset="0"/>
-                      </a:endParaRPr>
-                    </a:p>
-                  </a:txBody>
-                  <a:tcPr marL="36261" marR="36261" marT="0" marB="0"/>
+                      <a:r>
+                        <a:rPr lang="ru-RU" dirty="0" smtClean="0"/>
+                        <a:t>нет</a:t>
+                      </a:r>
+                      <a:endParaRPr lang="ru-RU" dirty="0"/>
+                    </a:p>
+                  </a:txBody>
+                  <a:tcPr>
+                    <a:solidFill>
+                      <a:srgbClr val="FF0000"/>
+                    </a:solidFill>
+                  </a:tcPr>
                 </a:tc>
                 <a:extLst>
                   <a:ext uri="{0D108BD9-81ED-4DB2-BD59-A6C34878D82A}">
-                    <a16:rowId xmlns:a16="http://schemas.microsoft.com/office/drawing/2014/main" val="2200322966"/>
+                    <a16:rowId xmlns:a16="http://schemas.microsoft.com/office/drawing/2014/main" val="3069708926"/>
                   </a:ext>
                 </a:extLst>
               </a:tr>
-              <a:tr h="509082">
+              <a:tr h="604278">
                 <a:tc>
                   <a:txBody>
                     <a:bodyPr/>
                     <a:lstStyle/>
                     <a:p>
-                      <a:pPr indent="450215" algn="l">
-                        <a:lnSpc>
-                          <a:spcPct val="150000"/>
-                        </a:lnSpc>
-                        <a:spcAft>
-                          <a:spcPts val="0"/>
-                        </a:spcAft>
-                      </a:pPr>
-                      <a:r>
-                        <a:rPr lang="en-US" sz="1400" dirty="0">
-                          <a:effectLst/>
-                        </a:rPr>
-                        <a:t>MH</a:t>
-                      </a:r>
-                      <a:r>
-                        <a:rPr lang="ru-RU" sz="1400" dirty="0">
-                          <a:effectLst/>
-                        </a:rPr>
-                        <a:t>-</a:t>
-                      </a:r>
-                      <a:r>
-                        <a:rPr lang="en-US" sz="1400" dirty="0">
-                          <a:effectLst/>
-                        </a:rPr>
-                        <a:t>BPS</a:t>
-                      </a:r>
-                      <a:r>
-                        <a:rPr lang="ru-RU" sz="1400" dirty="0">
-                          <a:effectLst/>
-                        </a:rPr>
-                        <a:t>101</a:t>
-                      </a:r>
-                      <a:endParaRPr lang="ru-RU" sz="1400" dirty="0">
-                        <a:effectLst/>
-                        <a:latin typeface="Times New Roman" panose="02020603050405020304" pitchFamily="18" charset="0"/>
-                        <a:ea typeface="Times New Roman" panose="02020603050405020304" pitchFamily="18" charset="0"/>
-                        <a:cs typeface="Times New Roman" panose="02020603050405020304" pitchFamily="18" charset="0"/>
-                      </a:endParaRPr>
-                    </a:p>
-                  </a:txBody>
-                  <a:tcPr marL="36261" marR="36261" marT="0" marB="0"/>
+                      <a:r>
+                        <a:rPr lang="ru-RU" dirty="0" smtClean="0"/>
+                        <a:t>Имеет</a:t>
+                      </a:r>
+                      <a:r>
+                        <a:rPr lang="ru-RU" baseline="0" dirty="0" smtClean="0"/>
+                        <a:t> социальное воздействие</a:t>
+                      </a:r>
+                      <a:endParaRPr lang="ru-RU" dirty="0"/>
+                    </a:p>
+                  </a:txBody>
+                  <a:tcPr/>
                 </a:tc>
                 <a:tc>
                   <a:txBody>
                     <a:bodyPr/>
                     <a:lstStyle/>
                     <a:p>
-                      <a:pPr indent="450215" algn="l">
-                        <a:lnSpc>
-                          <a:spcPct val="150000"/>
-                        </a:lnSpc>
-                        <a:spcAft>
-                          <a:spcPts val="0"/>
-                        </a:spcAft>
-                      </a:pPr>
-                      <a:r>
-                        <a:rPr lang="ru-RU" sz="1400" dirty="0">
-                          <a:effectLst/>
-                        </a:rPr>
-                        <a:t>-</a:t>
-                      </a:r>
-                      <a:endParaRPr lang="ru-RU" sz="1400" dirty="0">
-                        <a:effectLst/>
-                        <a:latin typeface="Times New Roman" panose="02020603050405020304" pitchFamily="18" charset="0"/>
-                        <a:ea typeface="Times New Roman" panose="02020603050405020304" pitchFamily="18" charset="0"/>
-                        <a:cs typeface="Times New Roman" panose="02020603050405020304" pitchFamily="18" charset="0"/>
-                      </a:endParaRPr>
-                    </a:p>
-                  </a:txBody>
-                  <a:tcPr marL="36261" marR="36261" marT="0" marB="0"/>
+                      <a:r>
+                        <a:rPr lang="ru-RU" dirty="0" smtClean="0"/>
+                        <a:t>да</a:t>
+                      </a:r>
+                      <a:endParaRPr lang="ru-RU" dirty="0"/>
+                    </a:p>
+                  </a:txBody>
+                  <a:tcPr>
+                    <a:solidFill>
+                      <a:srgbClr val="00B050"/>
+                    </a:solidFill>
+                  </a:tcPr>
                 </a:tc>
                 <a:tc>
                   <a:txBody>
                     <a:bodyPr/>
                     <a:lstStyle/>
                     <a:p>
-                      <a:pPr indent="450215" algn="l">
-                        <a:lnSpc>
-                          <a:spcPct val="150000"/>
-                        </a:lnSpc>
-                        <a:spcAft>
-                          <a:spcPts val="0"/>
-                        </a:spcAft>
-                      </a:pPr>
-                      <a:r>
-                        <a:rPr lang="ru-RU" sz="1400">
-                          <a:effectLst/>
-                        </a:rPr>
-                        <a:t>3.3 – 5.5 V.</a:t>
-                      </a:r>
-                      <a:endParaRPr lang="ru-RU" sz="1400">
-                        <a:effectLst/>
-                        <a:latin typeface="Times New Roman" panose="02020603050405020304" pitchFamily="18" charset="0"/>
-                        <a:ea typeface="Times New Roman" panose="02020603050405020304" pitchFamily="18" charset="0"/>
-                        <a:cs typeface="Times New Roman" panose="02020603050405020304" pitchFamily="18" charset="0"/>
-                      </a:endParaRPr>
-                    </a:p>
-                  </a:txBody>
-                  <a:tcPr marL="36261" marR="36261" marT="0" marB="0"/>
-                </a:tc>
-                <a:tc>
-                  <a:txBody>
-                    <a:bodyPr/>
-                    <a:lstStyle/>
-                    <a:p>
-                      <a:pPr indent="450215" algn="l">
-                        <a:lnSpc>
-                          <a:spcPct val="150000"/>
-                        </a:lnSpc>
-                        <a:spcAft>
-                          <a:spcPts val="0"/>
-                        </a:spcAft>
-                      </a:pPr>
-                      <a:r>
-                        <a:rPr lang="ru-RU" sz="1400">
-                          <a:effectLst/>
-                        </a:rPr>
-                        <a:t>6.8х32.1х3.0мм</a:t>
-                      </a:r>
-                      <a:endParaRPr lang="ru-RU" sz="1400">
-                        <a:effectLst/>
-                        <a:latin typeface="Times New Roman" panose="02020603050405020304" pitchFamily="18" charset="0"/>
-                        <a:ea typeface="Times New Roman" panose="02020603050405020304" pitchFamily="18" charset="0"/>
-                        <a:cs typeface="Times New Roman" panose="02020603050405020304" pitchFamily="18" charset="0"/>
-                      </a:endParaRPr>
-                    </a:p>
-                  </a:txBody>
-                  <a:tcPr marL="36261" marR="36261" marT="0" marB="0"/>
-                </a:tc>
-                <a:tc>
-                  <a:txBody>
-                    <a:bodyPr/>
-                    <a:lstStyle/>
-                    <a:p>
-                      <a:pPr indent="450215" algn="l">
-                        <a:lnSpc>
-                          <a:spcPct val="150000"/>
-                        </a:lnSpc>
-                        <a:spcAft>
-                          <a:spcPts val="0"/>
-                        </a:spcAft>
-                      </a:pPr>
-                      <a:r>
-                        <a:rPr lang="ru-RU" sz="1400">
-                          <a:effectLst/>
-                        </a:rPr>
-                        <a:t> 8 – 200 Гц.</a:t>
-                      </a:r>
-                      <a:endParaRPr lang="ru-RU" sz="1400">
-                        <a:effectLst/>
-                        <a:latin typeface="Times New Roman" panose="02020603050405020304" pitchFamily="18" charset="0"/>
-                        <a:ea typeface="Times New Roman" panose="02020603050405020304" pitchFamily="18" charset="0"/>
-                        <a:cs typeface="Times New Roman" panose="02020603050405020304" pitchFamily="18" charset="0"/>
-                      </a:endParaRPr>
-                    </a:p>
-                  </a:txBody>
-                  <a:tcPr marL="36261" marR="36261" marT="0" marB="0"/>
-                </a:tc>
-                <a:tc>
-                  <a:txBody>
-                    <a:bodyPr/>
-                    <a:lstStyle/>
-                    <a:p>
-                      <a:pPr indent="450215" algn="l">
-                        <a:lnSpc>
-                          <a:spcPct val="150000"/>
-                        </a:lnSpc>
-                        <a:spcAft>
-                          <a:spcPts val="0"/>
-                        </a:spcAft>
-                      </a:pPr>
-                      <a:r>
-                        <a:rPr lang="ru-RU" sz="1400">
-                          <a:effectLst/>
-                        </a:rPr>
-                        <a:t>1600р</a:t>
-                      </a:r>
-                      <a:endParaRPr lang="ru-RU" sz="1400">
-                        <a:effectLst/>
-                        <a:latin typeface="Times New Roman" panose="02020603050405020304" pitchFamily="18" charset="0"/>
-                        <a:ea typeface="Times New Roman" panose="02020603050405020304" pitchFamily="18" charset="0"/>
-                        <a:cs typeface="Times New Roman" panose="02020603050405020304" pitchFamily="18" charset="0"/>
-                      </a:endParaRPr>
-                    </a:p>
-                  </a:txBody>
-                  <a:tcPr marL="36261" marR="36261" marT="0" marB="0"/>
+                      <a:r>
+                        <a:rPr lang="ru-RU" dirty="0" smtClean="0"/>
+                        <a:t>нет</a:t>
+                      </a:r>
+                      <a:endParaRPr lang="ru-RU" dirty="0"/>
+                    </a:p>
+                  </a:txBody>
+                  <a:tcPr>
+                    <a:solidFill>
+                      <a:srgbClr val="FF0000"/>
+                    </a:solidFill>
+                  </a:tcPr>
                 </a:tc>
                 <a:extLst>
                   <a:ext uri="{0D108BD9-81ED-4DB2-BD59-A6C34878D82A}">
-                    <a16:rowId xmlns:a16="http://schemas.microsoft.com/office/drawing/2014/main" val="1665083673"/>
+                    <a16:rowId xmlns:a16="http://schemas.microsoft.com/office/drawing/2014/main" val="3341337650"/>
                   </a:ext>
                 </a:extLst>
               </a:tr>
-              <a:tr h="3197827">
+              <a:tr h="604278">
                 <a:tc>
                   <a:txBody>
                     <a:bodyPr/>
                     <a:lstStyle/>
                     <a:p>
-                      <a:pPr indent="450215" algn="l">
-                        <a:lnSpc>
-                          <a:spcPct val="150000"/>
-                        </a:lnSpc>
-                        <a:spcAft>
-                          <a:spcPts val="0"/>
-                        </a:spcAft>
-                      </a:pPr>
-                      <a:r>
-                        <a:rPr lang="en-US" sz="1400" dirty="0">
-                          <a:effectLst/>
-                        </a:rPr>
-                        <a:t>MH</a:t>
-                      </a:r>
-                      <a:r>
-                        <a:rPr lang="ru-RU" sz="1400" dirty="0">
-                          <a:effectLst/>
-                        </a:rPr>
-                        <a:t>-</a:t>
-                      </a:r>
-                      <a:r>
-                        <a:rPr lang="en-US" sz="1400" dirty="0">
-                          <a:effectLst/>
-                        </a:rPr>
-                        <a:t>BPS</a:t>
-                      </a:r>
-                      <a:r>
-                        <a:rPr lang="ru-RU" sz="1400" dirty="0">
-                          <a:effectLst/>
-                        </a:rPr>
-                        <a:t>102</a:t>
-                      </a:r>
-                      <a:endParaRPr lang="ru-RU" sz="1400" dirty="0">
-                        <a:effectLst/>
-                        <a:latin typeface="Times New Roman" panose="02020603050405020304" pitchFamily="18" charset="0"/>
-                        <a:ea typeface="Times New Roman" panose="02020603050405020304" pitchFamily="18" charset="0"/>
-                        <a:cs typeface="Times New Roman" panose="02020603050405020304" pitchFamily="18" charset="0"/>
-                      </a:endParaRPr>
-                    </a:p>
-                  </a:txBody>
-                  <a:tcPr marL="36261" marR="36261" marT="0" marB="0"/>
+                      <a:r>
+                        <a:rPr lang="ru-RU" dirty="0" smtClean="0"/>
+                        <a:t>Удобно</a:t>
+                      </a:r>
+                      <a:r>
+                        <a:rPr lang="ru-RU" baseline="0" dirty="0" smtClean="0"/>
+                        <a:t> носить с собой</a:t>
+                      </a:r>
+                      <a:endParaRPr lang="ru-RU" dirty="0"/>
+                    </a:p>
+                  </a:txBody>
+                  <a:tcPr/>
                 </a:tc>
                 <a:tc>
                   <a:txBody>
                     <a:bodyPr/>
                     <a:lstStyle/>
                     <a:p>
-                      <a:pPr marL="457200" indent="450215" algn="l">
-                        <a:lnSpc>
-                          <a:spcPct val="150000"/>
-                        </a:lnSpc>
-                        <a:spcAft>
-                          <a:spcPts val="0"/>
-                        </a:spcAft>
-                      </a:pPr>
-                      <a:r>
-                        <a:rPr lang="ru-RU" sz="1400" dirty="0">
-                          <a:effectLst/>
-                        </a:rPr>
-                        <a:t>Базовый коэффициент усиления равен 500 V/V, может быть увеличен в ⨯1, ⨯2, ⨯4, ⨯5, ⨯8, ⨯10, ⨯16 или ⨯32 раз.</a:t>
-                      </a:r>
-                      <a:br>
-                        <a:rPr lang="ru-RU" sz="1400" dirty="0">
-                          <a:effectLst/>
-                        </a:rPr>
-                      </a:br>
-                      <a:r>
-                        <a:rPr lang="ru-RU" sz="1400" dirty="0">
-                          <a:effectLst/>
-                        </a:rPr>
-                        <a:t>Регулируется посредством SPI интерфейса.</a:t>
-                      </a:r>
-                    </a:p>
-                    <a:p>
-                      <a:pPr marL="457200" indent="450215" algn="l">
-                        <a:lnSpc>
-                          <a:spcPct val="150000"/>
-                        </a:lnSpc>
-                        <a:spcAft>
-                          <a:spcPts val="0"/>
-                        </a:spcAft>
-                      </a:pPr>
-                      <a:r>
-                        <a:rPr lang="ru-RU" sz="1400" dirty="0">
-                          <a:effectLst/>
-                        </a:rPr>
-                        <a:t> </a:t>
-                      </a:r>
-                      <a:endParaRPr lang="ru-RU" sz="1400" dirty="0">
-                        <a:effectLst/>
-                        <a:latin typeface="Times New Roman" panose="02020603050405020304" pitchFamily="18" charset="0"/>
-                        <a:ea typeface="Times New Roman" panose="02020603050405020304" pitchFamily="18" charset="0"/>
-                        <a:cs typeface="Times New Roman" panose="02020603050405020304" pitchFamily="18" charset="0"/>
-                      </a:endParaRPr>
-                    </a:p>
-                  </a:txBody>
-                  <a:tcPr marL="36261" marR="36261" marT="0" marB="0"/>
+                      <a:r>
+                        <a:rPr lang="ru-RU" dirty="0" smtClean="0"/>
+                        <a:t>Да</a:t>
+                      </a:r>
+                      <a:r>
+                        <a:rPr lang="en-US" dirty="0" smtClean="0"/>
+                        <a:t>, </a:t>
+                      </a:r>
+                      <a:r>
+                        <a:rPr lang="ru-RU" dirty="0" smtClean="0"/>
+                        <a:t>браслет</a:t>
+                      </a:r>
+                      <a:r>
+                        <a:rPr lang="ru-RU" baseline="0" dirty="0" smtClean="0"/>
+                        <a:t> </a:t>
+                      </a:r>
+                      <a:endParaRPr lang="ru-RU" dirty="0"/>
+                    </a:p>
+                  </a:txBody>
+                  <a:tcPr>
+                    <a:solidFill>
+                      <a:srgbClr val="00B050"/>
+                    </a:solidFill>
+                  </a:tcPr>
                 </a:tc>
                 <a:tc>
                   <a:txBody>
                     <a:bodyPr/>
                     <a:lstStyle/>
                     <a:p>
-                      <a:pPr indent="450215" algn="l">
-                        <a:lnSpc>
-                          <a:spcPct val="150000"/>
-                        </a:lnSpc>
-                        <a:spcAft>
-                          <a:spcPts val="0"/>
-                        </a:spcAft>
-                      </a:pPr>
-                      <a:r>
-                        <a:rPr lang="ru-RU" sz="1400" dirty="0">
-                          <a:effectLst/>
-                        </a:rPr>
-                        <a:t>3.3 – 5.5 V.</a:t>
-                      </a:r>
-                      <a:endParaRPr lang="ru-RU" sz="1400" dirty="0">
-                        <a:effectLst/>
-                        <a:latin typeface="Times New Roman" panose="02020603050405020304" pitchFamily="18" charset="0"/>
-                        <a:ea typeface="Times New Roman" panose="02020603050405020304" pitchFamily="18" charset="0"/>
-                        <a:cs typeface="Times New Roman" panose="02020603050405020304" pitchFamily="18" charset="0"/>
-                      </a:endParaRPr>
-                    </a:p>
-                  </a:txBody>
-                  <a:tcPr marL="36261" marR="36261" marT="0" marB="0"/>
-                </a:tc>
-                <a:tc>
-                  <a:txBody>
-                    <a:bodyPr/>
-                    <a:lstStyle/>
-                    <a:p>
-                      <a:pPr indent="450215" algn="l">
-                        <a:lnSpc>
-                          <a:spcPct val="150000"/>
-                        </a:lnSpc>
-                        <a:spcAft>
-                          <a:spcPts val="0"/>
-                        </a:spcAft>
-                      </a:pPr>
-                      <a:r>
-                        <a:rPr lang="ru-RU" sz="1400" dirty="0">
-                          <a:effectLst/>
-                        </a:rPr>
-                        <a:t>19.1х14.9х3.0 ± 0.2 мм</a:t>
-                      </a:r>
-                      <a:endParaRPr lang="ru-RU" sz="1400" dirty="0">
-                        <a:effectLst/>
-                        <a:latin typeface="Times New Roman" panose="02020603050405020304" pitchFamily="18" charset="0"/>
-                        <a:ea typeface="Times New Roman" panose="02020603050405020304" pitchFamily="18" charset="0"/>
-                        <a:cs typeface="Times New Roman" panose="02020603050405020304" pitchFamily="18" charset="0"/>
-                      </a:endParaRPr>
-                    </a:p>
-                  </a:txBody>
-                  <a:tcPr marL="36261" marR="36261" marT="0" marB="0"/>
-                </a:tc>
-                <a:tc>
-                  <a:txBody>
-                    <a:bodyPr/>
-                    <a:lstStyle/>
-                    <a:p>
-                      <a:pPr indent="450215" algn="l">
-                        <a:lnSpc>
-                          <a:spcPct val="150000"/>
-                        </a:lnSpc>
-                        <a:spcAft>
-                          <a:spcPts val="0"/>
-                        </a:spcAft>
-                      </a:pPr>
-                      <a:r>
-                        <a:rPr lang="ru-RU" sz="1400" dirty="0">
-                          <a:effectLst/>
-                        </a:rPr>
-                        <a:t>8 – 200 Гц</a:t>
-                      </a:r>
-                      <a:endParaRPr lang="ru-RU" sz="1400" dirty="0">
-                        <a:effectLst/>
-                        <a:latin typeface="Times New Roman" panose="02020603050405020304" pitchFamily="18" charset="0"/>
-                        <a:ea typeface="Times New Roman" panose="02020603050405020304" pitchFamily="18" charset="0"/>
-                        <a:cs typeface="Times New Roman" panose="02020603050405020304" pitchFamily="18" charset="0"/>
-                      </a:endParaRPr>
-                    </a:p>
-                  </a:txBody>
-                  <a:tcPr marL="36261" marR="36261" marT="0" marB="0"/>
-                </a:tc>
-                <a:tc>
-                  <a:txBody>
-                    <a:bodyPr/>
-                    <a:lstStyle/>
-                    <a:p>
-                      <a:pPr indent="450215" algn="l">
-                        <a:lnSpc>
-                          <a:spcPct val="150000"/>
-                        </a:lnSpc>
-                        <a:spcAft>
-                          <a:spcPts val="0"/>
-                        </a:spcAft>
-                      </a:pPr>
-                      <a:r>
-                        <a:rPr lang="en-US" sz="1400" dirty="0" smtClean="0">
-                          <a:effectLst/>
-                        </a:rPr>
-                        <a:t>1900</a:t>
-                      </a:r>
-                      <a:r>
-                        <a:rPr lang="ru-RU" sz="1400" dirty="0">
-                          <a:effectLst/>
-                        </a:rPr>
-                        <a:t>р</a:t>
-                      </a:r>
-                      <a:endParaRPr lang="ru-RU" sz="1400" dirty="0">
-                        <a:effectLst/>
-                        <a:latin typeface="Times New Roman" panose="02020603050405020304" pitchFamily="18" charset="0"/>
-                        <a:ea typeface="Times New Roman" panose="02020603050405020304" pitchFamily="18" charset="0"/>
-                        <a:cs typeface="Times New Roman" panose="02020603050405020304" pitchFamily="18" charset="0"/>
-                      </a:endParaRPr>
-                    </a:p>
-                  </a:txBody>
-                  <a:tcPr marL="36261" marR="36261" marT="0" marB="0"/>
+                      <a:r>
+                        <a:rPr lang="ru-RU" dirty="0" smtClean="0"/>
+                        <a:t>Да</a:t>
+                      </a:r>
+                      <a:r>
+                        <a:rPr lang="en-US" dirty="0" smtClean="0"/>
+                        <a:t>, </a:t>
+                      </a:r>
+                      <a:r>
+                        <a:rPr lang="ru-RU" dirty="0" smtClean="0"/>
+                        <a:t>браслет</a:t>
+                      </a:r>
+                      <a:endParaRPr lang="ru-RU" dirty="0"/>
+                    </a:p>
+                  </a:txBody>
+                  <a:tcPr>
+                    <a:solidFill>
+                      <a:srgbClr val="00B050"/>
+                    </a:solidFill>
+                  </a:tcPr>
                 </a:tc>
                 <a:extLst>
                   <a:ext uri="{0D108BD9-81ED-4DB2-BD59-A6C34878D82A}">
-                    <a16:rowId xmlns:a16="http://schemas.microsoft.com/office/drawing/2014/main" val="1420263831"/>
+                    <a16:rowId xmlns:a16="http://schemas.microsoft.com/office/drawing/2014/main" val="2891335131"/>
+                  </a:ext>
+                </a:extLst>
+              </a:tr>
+              <a:tr h="604278">
+                <a:tc>
+                  <a:txBody>
+                    <a:bodyPr/>
+                    <a:lstStyle/>
+                    <a:p>
+                      <a:r>
+                        <a:rPr lang="ru-RU" dirty="0" smtClean="0"/>
+                        <a:t>Заряд</a:t>
+                      </a:r>
+                      <a:endParaRPr lang="ru-RU" dirty="0"/>
+                    </a:p>
+                  </a:txBody>
+                  <a:tcPr/>
+                </a:tc>
+                <a:tc>
+                  <a:txBody>
+                    <a:bodyPr/>
+                    <a:lstStyle/>
+                    <a:p>
+                      <a:r>
+                        <a:rPr lang="ru-RU" dirty="0" smtClean="0"/>
+                        <a:t>Да</a:t>
+                      </a:r>
+                      <a:r>
+                        <a:rPr lang="en-US" dirty="0" smtClean="0"/>
+                        <a:t>, </a:t>
+                      </a:r>
+                      <a:r>
+                        <a:rPr lang="ru-RU" dirty="0" smtClean="0"/>
+                        <a:t>на целый день</a:t>
+                      </a:r>
+                      <a:endParaRPr lang="ru-RU" dirty="0"/>
+                    </a:p>
+                  </a:txBody>
+                  <a:tcPr>
+                    <a:solidFill>
+                      <a:srgbClr val="00B050"/>
+                    </a:solidFill>
+                  </a:tcPr>
+                </a:tc>
+                <a:tc>
+                  <a:txBody>
+                    <a:bodyPr/>
+                    <a:lstStyle/>
+                    <a:p>
+                      <a:r>
+                        <a:rPr lang="ru-RU" dirty="0" smtClean="0"/>
+                        <a:t>Да</a:t>
+                      </a:r>
+                      <a:r>
+                        <a:rPr lang="en-US" dirty="0" smtClean="0"/>
+                        <a:t>,</a:t>
+                      </a:r>
+                      <a:r>
+                        <a:rPr lang="en-US" baseline="0" dirty="0" smtClean="0"/>
+                        <a:t> </a:t>
+                      </a:r>
+                      <a:r>
+                        <a:rPr lang="ru-RU" baseline="0" dirty="0" smtClean="0"/>
+                        <a:t>на целый день</a:t>
+                      </a:r>
+                      <a:endParaRPr lang="ru-RU" dirty="0"/>
+                    </a:p>
+                  </a:txBody>
+                  <a:tcPr>
+                    <a:solidFill>
+                      <a:srgbClr val="00B050"/>
+                    </a:solidFill>
+                  </a:tcPr>
+                </a:tc>
+                <a:extLst>
+                  <a:ext uri="{0D108BD9-81ED-4DB2-BD59-A6C34878D82A}">
+                    <a16:rowId xmlns:a16="http://schemas.microsoft.com/office/drawing/2014/main" val="428967053"/>
+                  </a:ext>
+                </a:extLst>
+              </a:tr>
+              <a:tr h="604278">
+                <a:tc>
+                  <a:txBody>
+                    <a:bodyPr/>
+                    <a:lstStyle/>
+                    <a:p>
+                      <a:r>
+                        <a:rPr lang="ru-RU" dirty="0" smtClean="0"/>
+                        <a:t>Высокие технологии</a:t>
+                      </a:r>
+                      <a:endParaRPr lang="ru-RU" dirty="0"/>
+                    </a:p>
+                  </a:txBody>
+                  <a:tcPr/>
+                </a:tc>
+                <a:tc>
+                  <a:txBody>
+                    <a:bodyPr/>
+                    <a:lstStyle/>
+                    <a:p>
+                      <a:r>
+                        <a:rPr lang="ru-RU" dirty="0" smtClean="0"/>
+                        <a:t>Да</a:t>
+                      </a:r>
+                      <a:r>
+                        <a:rPr lang="en-US" dirty="0" smtClean="0"/>
+                        <a:t>,</a:t>
+                      </a:r>
+                      <a:r>
+                        <a:rPr lang="en-US" baseline="0" dirty="0" smtClean="0"/>
+                        <a:t> </a:t>
+                      </a:r>
+                      <a:r>
+                        <a:rPr lang="ru-RU" baseline="0" dirty="0" smtClean="0"/>
+                        <a:t>нейронная сеть</a:t>
+                      </a:r>
+                      <a:endParaRPr lang="ru-RU" dirty="0"/>
+                    </a:p>
+                  </a:txBody>
+                  <a:tcPr>
+                    <a:solidFill>
+                      <a:srgbClr val="00B050"/>
+                    </a:solidFill>
+                  </a:tcPr>
+                </a:tc>
+                <a:tc>
+                  <a:txBody>
+                    <a:bodyPr/>
+                    <a:lstStyle/>
+                    <a:p>
+                      <a:r>
+                        <a:rPr lang="ru-RU" dirty="0" smtClean="0"/>
+                        <a:t>Нет </a:t>
+                      </a:r>
+                      <a:endParaRPr lang="ru-RU" dirty="0"/>
+                    </a:p>
+                  </a:txBody>
+                  <a:tcPr>
+                    <a:solidFill>
+                      <a:srgbClr val="FF0000"/>
+                    </a:solidFill>
+                  </a:tcPr>
+                </a:tc>
+                <a:extLst>
+                  <a:ext uri="{0D108BD9-81ED-4DB2-BD59-A6C34878D82A}">
+                    <a16:rowId xmlns:a16="http://schemas.microsoft.com/office/drawing/2014/main" val="3091233829"/>
                   </a:ext>
                 </a:extLst>
               </a:tr>
@@ -5957,15 +5003,25 @@
         </a:graphic>
       </p:graphicFrame>
     </p:spTree>
-    <p:extLst>
-      <p:ext uri="{BB962C8B-B14F-4D97-AF65-F5344CB8AC3E}">
-        <p14:creationId xmlns:p14="http://schemas.microsoft.com/office/powerpoint/2010/main" val="138475452"/>
-      </p:ext>
-    </p:extLst>
   </p:cSld>
   <p:clrMapOvr>
     <a:masterClrMapping/>
   </p:clrMapOvr>
+  <mc:AlternateContent xmlns:mc="http://schemas.openxmlformats.org/markup-compatibility/2006" xmlns:p14="http://schemas.microsoft.com/office/powerpoint/2010/main">
+    <mc:Choice Requires="p14">
+      <p:transition spd="slow" p14:dur="2000"/>
+    </mc:Choice>
+    <mc:Fallback xmlns="">
+      <p:transition spd="slow"/>
+    </mc:Fallback>
+  </mc:AlternateContent>
+  <p:timing>
+    <p:tnLst>
+      <p:par>
+        <p:cTn id="1" dur="indefinite" restart="never" nodeType="tmRoot"/>
+      </p:par>
+    </p:tnLst>
+  </p:timing>
 </p:sld>
 </file>
 
@@ -6003,7 +5059,7 @@
           <a:p>
             <a:r>
               <a:rPr lang="ru-RU" dirty="0" smtClean="0"/>
-              <a:t>Выбор микроконтроллера</a:t>
+              <a:t>Экономическое обоснование</a:t>
             </a:r>
             <a:endParaRPr lang="ru-RU" dirty="0"/>
           </a:p>
@@ -6019,58 +5075,65 @@
             <p:ph idx="1"/>
             <p:extLst>
               <p:ext uri="{D42A27DB-BD31-4B8C-83A1-F6EECF244321}">
-                <p14:modId xmlns:p14="http://schemas.microsoft.com/office/powerpoint/2010/main" val="1318775763"/>
+                <p14:modId xmlns:p14="http://schemas.microsoft.com/office/powerpoint/2010/main" val="387002505"/>
               </p:ext>
             </p:extLst>
           </p:nvPr>
         </p:nvGraphicFramePr>
         <p:xfrm>
-          <a:off x="895350" y="1454150"/>
-          <a:ext cx="9175749" cy="5264788"/>
+          <a:off x="1079500" y="1771648"/>
+          <a:ext cx="9404351" cy="4502152"/>
         </p:xfrm>
         <a:graphic>
           <a:graphicData uri="http://schemas.openxmlformats.org/drawingml/2006/table">
             <a:tbl>
-              <a:tblPr firstRow="1" firstCol="1" bandRow="1">
+              <a:tblPr>
                 <a:tableStyleId>{5940675A-B579-460E-94D1-54222C63F5DA}</a:tableStyleId>
               </a:tblPr>
               <a:tblGrid>
-                <a:gridCol w="1951041">
+                <a:gridCol w="3687621">
                   <a:extLst>
                     <a:ext uri="{9D8B030D-6E8A-4147-A177-3AD203B41FA5}">
-                      <a16:colId xmlns:a16="http://schemas.microsoft.com/office/drawing/2014/main" val="697996849"/>
+                      <a16:colId xmlns:a16="http://schemas.microsoft.com/office/drawing/2014/main" val="479815511"/>
                     </a:ext>
                   </a:extLst>
                 </a:gridCol>
-                <a:gridCol w="2773425">
+                <a:gridCol w="1455908">
                   <a:extLst>
                     <a:ext uri="{9D8B030D-6E8A-4147-A177-3AD203B41FA5}">
-                      <a16:colId xmlns:a16="http://schemas.microsoft.com/office/drawing/2014/main" val="793052723"/>
+                      <a16:colId xmlns:a16="http://schemas.microsoft.com/office/drawing/2014/main" val="1491687464"/>
                     </a:ext>
                   </a:extLst>
                 </a:gridCol>
-                <a:gridCol w="2636363">
+                <a:gridCol w="1117893">
                   <a:extLst>
                     <a:ext uri="{9D8B030D-6E8A-4147-A177-3AD203B41FA5}">
-                      <a16:colId xmlns:a16="http://schemas.microsoft.com/office/drawing/2014/main" val="213932417"/>
+                      <a16:colId xmlns:a16="http://schemas.microsoft.com/office/drawing/2014/main" val="1494230875"/>
                     </a:ext>
                   </a:extLst>
                 </a:gridCol>
-                <a:gridCol w="1814920">
+                <a:gridCol w="2061688">
                   <a:extLst>
                     <a:ext uri="{9D8B030D-6E8A-4147-A177-3AD203B41FA5}">
-                      <a16:colId xmlns:a16="http://schemas.microsoft.com/office/drawing/2014/main" val="3142080127"/>
+                      <a16:colId xmlns:a16="http://schemas.microsoft.com/office/drawing/2014/main" val="3580502951"/>
+                    </a:ext>
+                  </a:extLst>
+                </a:gridCol>
+                <a:gridCol w="1081241">
+                  <a:extLst>
+                    <a:ext uri="{9D8B030D-6E8A-4147-A177-3AD203B41FA5}">
+                      <a16:colId xmlns:a16="http://schemas.microsoft.com/office/drawing/2014/main" val="3971268869"/>
                     </a:ext>
                   </a:extLst>
                 </a:gridCol>
               </a:tblGrid>
-              <a:tr h="916147">
+              <a:tr h="849025">
                 <a:tc>
                   <a:txBody>
                     <a:bodyPr/>
                     <a:lstStyle/>
                     <a:p>
-                      <a:pPr indent="450215" algn="l">
+                      <a:pPr indent="-1270" algn="just">
                         <a:lnSpc>
                           <a:spcPct val="150000"/>
                         </a:lnSpc>
@@ -6079,27 +5142,26 @@
                         </a:spcAft>
                       </a:pPr>
                       <a:r>
-                        <a:rPr lang="ru-RU" sz="1400" dirty="0">
+                        <a:rPr lang="ru-RU" sz="1200">
                           <a:effectLst/>
                         </a:rPr>
-                        <a:t>название</a:t>
-                      </a:r>
-                      <a:endParaRPr lang="ru-RU" sz="1400" dirty="0">
+                        <a:t>Наименование материала</a:t>
+                      </a:r>
+                      <a:endParaRPr lang="ru-RU" sz="1400">
                         <a:effectLst/>
                         <a:latin typeface="Times New Roman" panose="02020603050405020304" pitchFamily="18" charset="0"/>
                         <a:ea typeface="Times New Roman" panose="02020603050405020304" pitchFamily="18" charset="0"/>
-                        <a:cs typeface="Times New Roman" panose="02020603050405020304" pitchFamily="18" charset="0"/>
                       </a:endParaRPr>
                     </a:p>
                   </a:txBody>
-                  <a:tcPr marL="40625" marR="40625" marT="0" marB="0"/>
+                  <a:tcPr marL="68580" marR="68580" marT="0" marB="0"/>
                 </a:tc>
                 <a:tc>
                   <a:txBody>
                     <a:bodyPr/>
                     <a:lstStyle/>
                     <a:p>
-                      <a:pPr indent="450215" algn="l">
+                      <a:pPr indent="-1270" algn="just">
                         <a:lnSpc>
                           <a:spcPct val="150000"/>
                         </a:lnSpc>
@@ -6108,27 +5170,26 @@
                         </a:spcAft>
                       </a:pPr>
                       <a:r>
-                        <a:rPr lang="ru-RU" sz="1400" dirty="0">
+                        <a:rPr lang="ru-RU" sz="1200">
                           <a:effectLst/>
                         </a:rPr>
-                        <a:t>производительность</a:t>
-                      </a:r>
-                      <a:endParaRPr lang="ru-RU" sz="1400" dirty="0">
+                        <a:t>Единица измерения</a:t>
+                      </a:r>
+                      <a:endParaRPr lang="ru-RU" sz="1400">
                         <a:effectLst/>
                         <a:latin typeface="Times New Roman" panose="02020603050405020304" pitchFamily="18" charset="0"/>
                         <a:ea typeface="Times New Roman" panose="02020603050405020304" pitchFamily="18" charset="0"/>
-                        <a:cs typeface="Times New Roman" panose="02020603050405020304" pitchFamily="18" charset="0"/>
                       </a:endParaRPr>
                     </a:p>
                   </a:txBody>
-                  <a:tcPr marL="40625" marR="40625" marT="0" marB="0"/>
+                  <a:tcPr marL="68580" marR="68580" marT="0" marB="0"/>
                 </a:tc>
                 <a:tc>
                   <a:txBody>
                     <a:bodyPr/>
                     <a:lstStyle/>
                     <a:p>
-                      <a:pPr indent="450215" algn="l">
+                      <a:pPr indent="-1270" algn="just">
                         <a:lnSpc>
                           <a:spcPct val="150000"/>
                         </a:lnSpc>
@@ -6137,27 +5198,26 @@
                         </a:spcAft>
                       </a:pPr>
                       <a:r>
-                        <a:rPr lang="ru-RU" sz="1400">
+                        <a:rPr lang="ru-RU" sz="1200">
                           <a:effectLst/>
                         </a:rPr>
-                        <a:t>энергопотребление</a:t>
+                        <a:t>Норма расхода</a:t>
                       </a:r>
                       <a:endParaRPr lang="ru-RU" sz="1400">
                         <a:effectLst/>
                         <a:latin typeface="Times New Roman" panose="02020603050405020304" pitchFamily="18" charset="0"/>
                         <a:ea typeface="Times New Roman" panose="02020603050405020304" pitchFamily="18" charset="0"/>
-                        <a:cs typeface="Times New Roman" panose="02020603050405020304" pitchFamily="18" charset="0"/>
                       </a:endParaRPr>
                     </a:p>
                   </a:txBody>
-                  <a:tcPr marL="40625" marR="40625" marT="0" marB="0"/>
+                  <a:tcPr marL="68580" marR="68580" marT="0" marB="0"/>
                 </a:tc>
                 <a:tc>
                   <a:txBody>
                     <a:bodyPr/>
                     <a:lstStyle/>
                     <a:p>
-                      <a:pPr indent="450215" algn="l">
+                      <a:pPr indent="-1270" algn="l">
                         <a:lnSpc>
                           <a:spcPct val="150000"/>
                         </a:lnSpc>
@@ -6166,34 +5226,26 @@
                         </a:spcAft>
                       </a:pPr>
                       <a:r>
-                        <a:rPr lang="ru-RU" sz="1400">
+                        <a:rPr lang="ru-RU" sz="1200">
                           <a:effectLst/>
                         </a:rPr>
-                        <a:t>цена</a:t>
+                        <a:t>Цена за единицу измерения</a:t>
                       </a:r>
                       <a:endParaRPr lang="ru-RU" sz="1400">
                         <a:effectLst/>
                         <a:latin typeface="Times New Roman" panose="02020603050405020304" pitchFamily="18" charset="0"/>
                         <a:ea typeface="Times New Roman" panose="02020603050405020304" pitchFamily="18" charset="0"/>
-                        <a:cs typeface="Times New Roman" panose="02020603050405020304" pitchFamily="18" charset="0"/>
                       </a:endParaRPr>
                     </a:p>
                   </a:txBody>
-                  <a:tcPr marL="40625" marR="40625" marT="0" marB="0"/>
-                </a:tc>
-                <a:extLst>
-                  <a:ext uri="{0D108BD9-81ED-4DB2-BD59-A6C34878D82A}">
-                    <a16:rowId xmlns:a16="http://schemas.microsoft.com/office/drawing/2014/main" val="1218601162"/>
-                  </a:ext>
-                </a:extLst>
-              </a:tr>
-              <a:tr h="916147">
+                  <a:tcPr marL="68580" marR="68580" marT="0" marB="0"/>
+                </a:tc>
                 <a:tc>
                   <a:txBody>
                     <a:bodyPr/>
                     <a:lstStyle/>
                     <a:p>
-                      <a:pPr indent="450215" algn="l">
+                      <a:pPr indent="-1270" algn="l">
                         <a:lnSpc>
                           <a:spcPct val="150000"/>
                         </a:lnSpc>
@@ -6202,27 +5254,33 @@
                         </a:spcAft>
                       </a:pPr>
                       <a:r>
-                        <a:rPr lang="en-US" sz="1400">
+                        <a:rPr lang="ru-RU" sz="1200">
                           <a:effectLst/>
                         </a:rPr>
-                        <a:t>Arduino nano</a:t>
+                        <a:t>Сумма</a:t>
                       </a:r>
                       <a:endParaRPr lang="ru-RU" sz="1400">
                         <a:effectLst/>
                         <a:latin typeface="Times New Roman" panose="02020603050405020304" pitchFamily="18" charset="0"/>
                         <a:ea typeface="Times New Roman" panose="02020603050405020304" pitchFamily="18" charset="0"/>
-                        <a:cs typeface="Times New Roman" panose="02020603050405020304" pitchFamily="18" charset="0"/>
                       </a:endParaRPr>
                     </a:p>
                   </a:txBody>
-                  <a:tcPr marL="40625" marR="40625" marT="0" marB="0"/>
-                </a:tc>
+                  <a:tcPr marL="68580" marR="68580" marT="0" marB="0"/>
+                </a:tc>
+                <a:extLst>
+                  <a:ext uri="{0D108BD9-81ED-4DB2-BD59-A6C34878D82A}">
+                    <a16:rowId xmlns:a16="http://schemas.microsoft.com/office/drawing/2014/main" val="3492750714"/>
+                  </a:ext>
+                </a:extLst>
+              </a:tr>
+              <a:tr h="400586">
                 <a:tc>
                   <a:txBody>
                     <a:bodyPr/>
                     <a:lstStyle/>
                     <a:p>
-                      <a:pPr indent="450215" algn="l">
+                      <a:pPr indent="-1270" algn="just">
                         <a:lnSpc>
                           <a:spcPct val="150000"/>
                         </a:lnSpc>
@@ -6231,27 +5289,26 @@
                         </a:spcAft>
                       </a:pPr>
                       <a:r>
-                        <a:rPr lang="ru-RU" sz="1400" dirty="0">
+                        <a:rPr lang="ru-RU" sz="1200">
                           <a:effectLst/>
                         </a:rPr>
-                        <a:t>Частота: 16 МГц</a:t>
-                      </a:r>
-                      <a:endParaRPr lang="ru-RU" sz="1400" dirty="0">
+                        <a:t>Микроконтроллер ESP32 dev kit</a:t>
+                      </a:r>
+                      <a:endParaRPr lang="ru-RU" sz="1400">
                         <a:effectLst/>
                         <a:latin typeface="Times New Roman" panose="02020603050405020304" pitchFamily="18" charset="0"/>
                         <a:ea typeface="Times New Roman" panose="02020603050405020304" pitchFamily="18" charset="0"/>
-                        <a:cs typeface="Times New Roman" panose="02020603050405020304" pitchFamily="18" charset="0"/>
                       </a:endParaRPr>
                     </a:p>
                   </a:txBody>
-                  <a:tcPr marL="40625" marR="40625" marT="0" marB="0"/>
+                  <a:tcPr marL="68580" marR="68580" marT="0" marB="0"/>
                 </a:tc>
                 <a:tc>
                   <a:txBody>
                     <a:bodyPr/>
                     <a:lstStyle/>
                     <a:p>
-                      <a:pPr indent="450215" algn="l">
+                      <a:pPr indent="-1270" algn="just">
                         <a:lnSpc>
                           <a:spcPct val="150000"/>
                         </a:lnSpc>
@@ -6260,27 +5317,26 @@
                         </a:spcAft>
                       </a:pPr>
                       <a:r>
-                        <a:rPr lang="ru-RU" sz="1400">
+                        <a:rPr lang="ru-RU" sz="1200">
                           <a:effectLst/>
                         </a:rPr>
-                        <a:t>24 мА в полном сне 5 мА</a:t>
+                        <a:t>шт.</a:t>
                       </a:r>
                       <a:endParaRPr lang="ru-RU" sz="1400">
                         <a:effectLst/>
                         <a:latin typeface="Times New Roman" panose="02020603050405020304" pitchFamily="18" charset="0"/>
                         <a:ea typeface="Times New Roman" panose="02020603050405020304" pitchFamily="18" charset="0"/>
-                        <a:cs typeface="Times New Roman" panose="02020603050405020304" pitchFamily="18" charset="0"/>
                       </a:endParaRPr>
                     </a:p>
                   </a:txBody>
-                  <a:tcPr marL="40625" marR="40625" marT="0" marB="0"/>
+                  <a:tcPr marL="68580" marR="68580" marT="0" marB="0"/>
                 </a:tc>
                 <a:tc>
                   <a:txBody>
                     <a:bodyPr/>
                     <a:lstStyle/>
                     <a:p>
-                      <a:pPr indent="450215" algn="l">
+                      <a:pPr indent="-1270" algn="just">
                         <a:lnSpc>
                           <a:spcPct val="150000"/>
                         </a:lnSpc>
@@ -6289,34 +5345,26 @@
                         </a:spcAft>
                       </a:pPr>
                       <a:r>
-                        <a:rPr lang="ru-RU" sz="1400">
+                        <a:rPr lang="en-US" sz="1200">
                           <a:effectLst/>
                         </a:rPr>
-                        <a:t>250р</a:t>
+                        <a:t>1</a:t>
                       </a:r>
                       <a:endParaRPr lang="ru-RU" sz="1400">
                         <a:effectLst/>
                         <a:latin typeface="Times New Roman" panose="02020603050405020304" pitchFamily="18" charset="0"/>
                         <a:ea typeface="Times New Roman" panose="02020603050405020304" pitchFamily="18" charset="0"/>
-                        <a:cs typeface="Times New Roman" panose="02020603050405020304" pitchFamily="18" charset="0"/>
                       </a:endParaRPr>
                     </a:p>
                   </a:txBody>
-                  <a:tcPr marL="40625" marR="40625" marT="0" marB="0"/>
-                </a:tc>
-                <a:extLst>
-                  <a:ext uri="{0D108BD9-81ED-4DB2-BD59-A6C34878D82A}">
-                    <a16:rowId xmlns:a16="http://schemas.microsoft.com/office/drawing/2014/main" val="2881790107"/>
-                  </a:ext>
-                </a:extLst>
-              </a:tr>
-              <a:tr h="1058225">
+                  <a:tcPr marL="68580" marR="68580" marT="0" marB="0"/>
+                </a:tc>
                 <a:tc>
                   <a:txBody>
                     <a:bodyPr/>
                     <a:lstStyle/>
                     <a:p>
-                      <a:pPr indent="450215" algn="l">
+                      <a:pPr indent="-1270" algn="just">
                         <a:lnSpc>
                           <a:spcPct val="150000"/>
                         </a:lnSpc>
@@ -6325,27 +5373,26 @@
                         </a:spcAft>
                       </a:pPr>
                       <a:r>
-                        <a:rPr lang="en-US" sz="1400">
+                        <a:rPr lang="en-US" sz="1200">
                           <a:effectLst/>
                         </a:rPr>
-                        <a:t>Stm32F1</a:t>
+                        <a:t>300 ₽</a:t>
                       </a:r>
                       <a:endParaRPr lang="ru-RU" sz="1400">
                         <a:effectLst/>
                         <a:latin typeface="Times New Roman" panose="02020603050405020304" pitchFamily="18" charset="0"/>
                         <a:ea typeface="Times New Roman" panose="02020603050405020304" pitchFamily="18" charset="0"/>
-                        <a:cs typeface="Times New Roman" panose="02020603050405020304" pitchFamily="18" charset="0"/>
                       </a:endParaRPr>
                     </a:p>
                   </a:txBody>
-                  <a:tcPr marL="40625" marR="40625" marT="0" marB="0"/>
+                  <a:tcPr marL="68580" marR="68580" marT="0" marB="0"/>
                 </a:tc>
                 <a:tc>
                   <a:txBody>
                     <a:bodyPr/>
                     <a:lstStyle/>
                     <a:p>
-                      <a:pPr indent="450215" algn="l">
+                      <a:pPr indent="-1270" algn="just">
                         <a:lnSpc>
                           <a:spcPct val="150000"/>
                         </a:lnSpc>
@@ -6354,27 +5401,33 @@
                         </a:spcAft>
                       </a:pPr>
                       <a:r>
-                        <a:rPr lang="ru-RU" sz="1400">
+                        <a:rPr lang="en-US" sz="1200">
                           <a:effectLst/>
                         </a:rPr>
-                        <a:t>72 MHz</a:t>
+                        <a:t>300₽</a:t>
                       </a:r>
                       <a:endParaRPr lang="ru-RU" sz="1400">
                         <a:effectLst/>
                         <a:latin typeface="Times New Roman" panose="02020603050405020304" pitchFamily="18" charset="0"/>
                         <a:ea typeface="Times New Roman" panose="02020603050405020304" pitchFamily="18" charset="0"/>
-                        <a:cs typeface="Times New Roman" panose="02020603050405020304" pitchFamily="18" charset="0"/>
                       </a:endParaRPr>
                     </a:p>
                   </a:txBody>
-                  <a:tcPr marL="40625" marR="40625" marT="0" marB="0"/>
-                </a:tc>
+                  <a:tcPr marL="68580" marR="68580" marT="0" marB="0"/>
+                </a:tc>
+                <a:extLst>
+                  <a:ext uri="{0D108BD9-81ED-4DB2-BD59-A6C34878D82A}">
+                    <a16:rowId xmlns:a16="http://schemas.microsoft.com/office/drawing/2014/main" val="1655779599"/>
+                  </a:ext>
+                </a:extLst>
+              </a:tr>
+              <a:tr h="400586">
                 <a:tc>
                   <a:txBody>
                     <a:bodyPr/>
                     <a:lstStyle/>
                     <a:p>
-                      <a:pPr indent="450215" algn="l">
+                      <a:pPr indent="-1270" algn="just">
                         <a:lnSpc>
                           <a:spcPct val="150000"/>
                         </a:lnSpc>
@@ -6383,27 +5436,26 @@
                         </a:spcAft>
                       </a:pPr>
                       <a:r>
-                        <a:rPr lang="ru-RU" sz="1400" dirty="0">
+                        <a:rPr lang="ru-RU" sz="1200">
                           <a:effectLst/>
                         </a:rPr>
-                        <a:t>29.5 6.4 при всей включенной/ выключенной периферии, есть режимы пониженного энергопотребления</a:t>
-                      </a:r>
-                      <a:endParaRPr lang="ru-RU" sz="1400" dirty="0">
+                        <a:t>Провода</a:t>
+                      </a:r>
+                      <a:endParaRPr lang="ru-RU" sz="1400">
                         <a:effectLst/>
                         <a:latin typeface="Times New Roman" panose="02020603050405020304" pitchFamily="18" charset="0"/>
                         <a:ea typeface="Times New Roman" panose="02020603050405020304" pitchFamily="18" charset="0"/>
-                        <a:cs typeface="Times New Roman" panose="02020603050405020304" pitchFamily="18" charset="0"/>
                       </a:endParaRPr>
                     </a:p>
                   </a:txBody>
-                  <a:tcPr marL="40625" marR="40625" marT="0" marB="0"/>
+                  <a:tcPr marL="68580" marR="68580" marT="0" marB="0"/>
                 </a:tc>
                 <a:tc>
                   <a:txBody>
                     <a:bodyPr/>
                     <a:lstStyle/>
                     <a:p>
-                      <a:pPr indent="450215" algn="l">
+                      <a:pPr indent="-1270" algn="just">
                         <a:lnSpc>
                           <a:spcPct val="150000"/>
                         </a:lnSpc>
@@ -6412,40 +5464,26 @@
                         </a:spcAft>
                       </a:pPr>
                       <a:r>
-                        <a:rPr lang="en-US" sz="1400" dirty="0">
+                        <a:rPr lang="ru-RU" sz="1200">
                           <a:effectLst/>
                         </a:rPr>
-                        <a:t>200</a:t>
-                      </a:r>
-                      <a:r>
-                        <a:rPr lang="ru-RU" sz="1400" dirty="0">
-                          <a:effectLst/>
-                        </a:rPr>
-                        <a:t>р</a:t>
-                      </a:r>
-                      <a:endParaRPr lang="ru-RU" sz="1400" dirty="0">
+                        <a:t>см</a:t>
+                      </a:r>
+                      <a:endParaRPr lang="ru-RU" sz="1400">
                         <a:effectLst/>
                         <a:latin typeface="Times New Roman" panose="02020603050405020304" pitchFamily="18" charset="0"/>
                         <a:ea typeface="Times New Roman" panose="02020603050405020304" pitchFamily="18" charset="0"/>
-                        <a:cs typeface="Times New Roman" panose="02020603050405020304" pitchFamily="18" charset="0"/>
                       </a:endParaRPr>
                     </a:p>
                   </a:txBody>
-                  <a:tcPr marL="40625" marR="40625" marT="0" marB="0"/>
-                </a:tc>
-                <a:extLst>
-                  <a:ext uri="{0D108BD9-81ED-4DB2-BD59-A6C34878D82A}">
-                    <a16:rowId xmlns:a16="http://schemas.microsoft.com/office/drawing/2014/main" val="2092229250"/>
-                  </a:ext>
-                </a:extLst>
-              </a:tr>
-              <a:tr h="916147">
+                  <a:tcPr marL="68580" marR="68580" marT="0" marB="0"/>
+                </a:tc>
                 <a:tc>
                   <a:txBody>
                     <a:bodyPr/>
                     <a:lstStyle/>
                     <a:p>
-                      <a:pPr indent="450215" algn="l">
+                      <a:pPr indent="-1270" algn="just">
                         <a:lnSpc>
                           <a:spcPct val="150000"/>
                         </a:lnSpc>
@@ -6454,39 +5492,26 @@
                         </a:spcAft>
                       </a:pPr>
                       <a:r>
-                        <a:rPr lang="en-US" sz="1400">
+                        <a:rPr lang="en-US" sz="1200">
                           <a:effectLst/>
                         </a:rPr>
-                        <a:t>ESP</a:t>
-                      </a:r>
-                      <a:r>
-                        <a:rPr lang="ru-RU" sz="1400">
-                          <a:effectLst/>
-                        </a:rPr>
-                        <a:t> 32</a:t>
-                      </a:r>
-                      <a:r>
-                        <a:rPr lang="en-US" sz="1400">
-                          <a:effectLst/>
-                        </a:rPr>
-                        <a:t> micro</a:t>
+                        <a:t>10</a:t>
                       </a:r>
                       <a:endParaRPr lang="ru-RU" sz="1400">
                         <a:effectLst/>
                         <a:latin typeface="Times New Roman" panose="02020603050405020304" pitchFamily="18" charset="0"/>
                         <a:ea typeface="Times New Roman" panose="02020603050405020304" pitchFamily="18" charset="0"/>
-                        <a:cs typeface="Times New Roman" panose="02020603050405020304" pitchFamily="18" charset="0"/>
                       </a:endParaRPr>
                     </a:p>
                   </a:txBody>
-                  <a:tcPr marL="40625" marR="40625" marT="0" marB="0"/>
+                  <a:tcPr marL="68580" marR="68580" marT="0" marB="0"/>
                 </a:tc>
                 <a:tc>
                   <a:txBody>
                     <a:bodyPr/>
                     <a:lstStyle/>
                     <a:p>
-                      <a:pPr indent="450215" algn="l">
+                      <a:pPr indent="-1270" algn="just">
                         <a:lnSpc>
                           <a:spcPct val="150000"/>
                         </a:lnSpc>
@@ -6495,27 +5520,26 @@
                         </a:spcAft>
                       </a:pPr>
                       <a:r>
-                        <a:rPr lang="ru-RU" sz="1400">
+                        <a:rPr lang="en-US" sz="1200">
                           <a:effectLst/>
                         </a:rPr>
-                        <a:t>160 или 240 МГц</a:t>
+                        <a:t>4 ₽</a:t>
                       </a:r>
                       <a:endParaRPr lang="ru-RU" sz="1400">
                         <a:effectLst/>
                         <a:latin typeface="Times New Roman" panose="02020603050405020304" pitchFamily="18" charset="0"/>
                         <a:ea typeface="Times New Roman" panose="02020603050405020304" pitchFamily="18" charset="0"/>
-                        <a:cs typeface="Times New Roman" panose="02020603050405020304" pitchFamily="18" charset="0"/>
                       </a:endParaRPr>
                     </a:p>
                   </a:txBody>
-                  <a:tcPr marL="40625" marR="40625" marT="0" marB="0"/>
+                  <a:tcPr marL="68580" marR="68580" marT="0" marB="0"/>
                 </a:tc>
                 <a:tc>
                   <a:txBody>
                     <a:bodyPr/>
                     <a:lstStyle/>
                     <a:p>
-                      <a:pPr indent="450215" algn="l">
+                      <a:pPr indent="-1270" algn="just">
                         <a:lnSpc>
                           <a:spcPct val="150000"/>
                         </a:lnSpc>
@@ -6524,27 +5548,33 @@
                         </a:spcAft>
                       </a:pPr>
                       <a:r>
-                        <a:rPr lang="ru-RU" sz="1400" dirty="0">
+                        <a:rPr lang="en-US" sz="1200">
                           <a:effectLst/>
                         </a:rPr>
-                        <a:t>260 мА, в спящем режиме – 10 мА</a:t>
-                      </a:r>
-                      <a:endParaRPr lang="ru-RU" sz="1400" dirty="0">
+                        <a:t>40 ₽</a:t>
+                      </a:r>
+                      <a:endParaRPr lang="ru-RU" sz="1400">
                         <a:effectLst/>
                         <a:latin typeface="Times New Roman" panose="02020603050405020304" pitchFamily="18" charset="0"/>
                         <a:ea typeface="Times New Roman" panose="02020603050405020304" pitchFamily="18" charset="0"/>
-                        <a:cs typeface="Times New Roman" panose="02020603050405020304" pitchFamily="18" charset="0"/>
                       </a:endParaRPr>
                     </a:p>
                   </a:txBody>
-                  <a:tcPr marL="40625" marR="40625" marT="0" marB="0"/>
-                </a:tc>
+                  <a:tcPr marL="68580" marR="68580" marT="0" marB="0"/>
+                </a:tc>
+                <a:extLst>
+                  <a:ext uri="{0D108BD9-81ED-4DB2-BD59-A6C34878D82A}">
+                    <a16:rowId xmlns:a16="http://schemas.microsoft.com/office/drawing/2014/main" val="1600772349"/>
+                  </a:ext>
+                </a:extLst>
+              </a:tr>
+              <a:tr h="400586">
                 <a:tc>
                   <a:txBody>
                     <a:bodyPr/>
                     <a:lstStyle/>
                     <a:p>
-                      <a:pPr indent="450215" algn="l">
+                      <a:pPr indent="-1270" algn="just">
                         <a:lnSpc>
                           <a:spcPct val="150000"/>
                         </a:lnSpc>
@@ -6553,34 +5583,26 @@
                         </a:spcAft>
                       </a:pPr>
                       <a:r>
-                        <a:rPr lang="ru-RU" sz="1400">
+                        <a:rPr lang="ru-RU" sz="1200">
                           <a:effectLst/>
                         </a:rPr>
-                        <a:t>650р</a:t>
+                        <a:t>Переключатель движковый</a:t>
                       </a:r>
                       <a:endParaRPr lang="ru-RU" sz="1400">
                         <a:effectLst/>
                         <a:latin typeface="Times New Roman" panose="02020603050405020304" pitchFamily="18" charset="0"/>
                         <a:ea typeface="Times New Roman" panose="02020603050405020304" pitchFamily="18" charset="0"/>
-                        <a:cs typeface="Times New Roman" panose="02020603050405020304" pitchFamily="18" charset="0"/>
                       </a:endParaRPr>
                     </a:p>
                   </a:txBody>
-                  <a:tcPr marL="40625" marR="40625" marT="0" marB="0"/>
-                </a:tc>
-                <a:extLst>
-                  <a:ext uri="{0D108BD9-81ED-4DB2-BD59-A6C34878D82A}">
-                    <a16:rowId xmlns:a16="http://schemas.microsoft.com/office/drawing/2014/main" val="1178177201"/>
-                  </a:ext>
-                </a:extLst>
-              </a:tr>
-              <a:tr h="916147">
+                  <a:tcPr marL="68580" marR="68580" marT="0" marB="0"/>
+                </a:tc>
                 <a:tc>
                   <a:txBody>
                     <a:bodyPr/>
                     <a:lstStyle/>
                     <a:p>
-                      <a:pPr indent="450215" algn="l">
+                      <a:pPr indent="-1270" algn="just">
                         <a:lnSpc>
                           <a:spcPct val="150000"/>
                         </a:lnSpc>
@@ -6589,45 +5611,26 @@
                         </a:spcAft>
                       </a:pPr>
                       <a:r>
-                        <a:rPr lang="en-US" sz="1400">
+                        <a:rPr lang="ru-RU" sz="1200">
                           <a:effectLst/>
                         </a:rPr>
-                        <a:t>Stm</a:t>
-                      </a:r>
-                      <a:r>
-                        <a:rPr lang="ru-RU" sz="1400">
-                          <a:effectLst/>
-                        </a:rPr>
-                        <a:t>32</a:t>
-                      </a:r>
-                      <a:r>
-                        <a:rPr lang="en-US" sz="1400">
-                          <a:effectLst/>
-                        </a:rPr>
-                        <a:t>F</a:t>
-                      </a:r>
-                      <a:r>
-                        <a:rPr lang="ru-RU" sz="1400">
-                          <a:effectLst/>
-                        </a:rPr>
-                        <a:t>4</a:t>
+                        <a:t>шт.</a:t>
                       </a:r>
                       <a:endParaRPr lang="ru-RU" sz="1400">
                         <a:effectLst/>
                         <a:latin typeface="Times New Roman" panose="02020603050405020304" pitchFamily="18" charset="0"/>
                         <a:ea typeface="Times New Roman" panose="02020603050405020304" pitchFamily="18" charset="0"/>
-                        <a:cs typeface="Times New Roman" panose="02020603050405020304" pitchFamily="18" charset="0"/>
                       </a:endParaRPr>
                     </a:p>
                   </a:txBody>
-                  <a:tcPr marL="40625" marR="40625" marT="0" marB="0"/>
+                  <a:tcPr marL="68580" marR="68580" marT="0" marB="0"/>
                 </a:tc>
                 <a:tc>
                   <a:txBody>
                     <a:bodyPr/>
                     <a:lstStyle/>
                     <a:p>
-                      <a:pPr indent="450215" algn="l">
+                      <a:pPr indent="-1270" algn="just">
                         <a:lnSpc>
                           <a:spcPct val="150000"/>
                         </a:lnSpc>
@@ -6636,14 +5639,26 @@
                         </a:spcAft>
                       </a:pPr>
                       <a:r>
-                        <a:rPr lang="ru-RU" sz="1400">
+                        <a:rPr lang="en-US" sz="1200">
                           <a:effectLst/>
                         </a:rPr>
-                        <a:t>168 МГц</a:t>
-                      </a:r>
-                    </a:p>
-                    <a:p>
-                      <a:pPr indent="450215" algn="l">
+                        <a:t>1</a:t>
+                      </a:r>
+                      <a:endParaRPr lang="ru-RU" sz="1400">
+                        <a:effectLst/>
+                        <a:latin typeface="Times New Roman" panose="02020603050405020304" pitchFamily="18" charset="0"/>
+                        <a:ea typeface="Times New Roman" panose="02020603050405020304" pitchFamily="18" charset="0"/>
+                      </a:endParaRPr>
+                    </a:p>
+                  </a:txBody>
+                  <a:tcPr marL="68580" marR="68580" marT="0" marB="0"/>
+                </a:tc>
+                <a:tc>
+                  <a:txBody>
+                    <a:bodyPr/>
+                    <a:lstStyle/>
+                    <a:p>
+                      <a:pPr indent="-1270" algn="just">
                         <a:lnSpc>
                           <a:spcPct val="150000"/>
                         </a:lnSpc>
@@ -6652,27 +5667,26 @@
                         </a:spcAft>
                       </a:pPr>
                       <a:r>
-                        <a:rPr lang="ru-RU" sz="1400">
+                        <a:rPr lang="en-US" sz="1200">
                           <a:effectLst/>
                         </a:rPr>
-                        <a:t>Низкоскоростной 42 МГц</a:t>
+                        <a:t>10 ₽</a:t>
                       </a:r>
                       <a:endParaRPr lang="ru-RU" sz="1400">
                         <a:effectLst/>
                         <a:latin typeface="Times New Roman" panose="02020603050405020304" pitchFamily="18" charset="0"/>
                         <a:ea typeface="Times New Roman" panose="02020603050405020304" pitchFamily="18" charset="0"/>
-                        <a:cs typeface="Times New Roman" panose="02020603050405020304" pitchFamily="18" charset="0"/>
                       </a:endParaRPr>
                     </a:p>
                   </a:txBody>
-                  <a:tcPr marL="40625" marR="40625" marT="0" marB="0"/>
+                  <a:tcPr marL="68580" marR="68580" marT="0" marB="0"/>
                 </a:tc>
                 <a:tc>
                   <a:txBody>
                     <a:bodyPr/>
                     <a:lstStyle/>
                     <a:p>
-                      <a:pPr indent="450215" algn="l">
+                      <a:pPr indent="-1270" algn="just">
                         <a:lnSpc>
                           <a:spcPct val="150000"/>
                         </a:lnSpc>
@@ -6681,27 +5695,33 @@
                         </a:spcAft>
                       </a:pPr>
                       <a:r>
-                        <a:rPr lang="ru-RU" sz="1400" dirty="0">
+                        <a:rPr lang="en-US" sz="1200">
                           <a:effectLst/>
                         </a:rPr>
-                        <a:t>44мА при 180</a:t>
-                      </a:r>
-                      <a:endParaRPr lang="ru-RU" sz="1400" dirty="0">
+                        <a:t>10 ₽</a:t>
+                      </a:r>
+                      <a:endParaRPr lang="ru-RU" sz="1400">
                         <a:effectLst/>
                         <a:latin typeface="Times New Roman" panose="02020603050405020304" pitchFamily="18" charset="0"/>
                         <a:ea typeface="Times New Roman" panose="02020603050405020304" pitchFamily="18" charset="0"/>
-                        <a:cs typeface="Times New Roman" panose="02020603050405020304" pitchFamily="18" charset="0"/>
                       </a:endParaRPr>
                     </a:p>
                   </a:txBody>
-                  <a:tcPr marL="40625" marR="40625" marT="0" marB="0"/>
-                </a:tc>
+                  <a:tcPr marL="68580" marR="68580" marT="0" marB="0"/>
+                </a:tc>
+                <a:extLst>
+                  <a:ext uri="{0D108BD9-81ED-4DB2-BD59-A6C34878D82A}">
+                    <a16:rowId xmlns:a16="http://schemas.microsoft.com/office/drawing/2014/main" val="261046144"/>
+                  </a:ext>
+                </a:extLst>
+              </a:tr>
+              <a:tr h="849025">
                 <a:tc>
                   <a:txBody>
                     <a:bodyPr/>
                     <a:lstStyle/>
                     <a:p>
-                      <a:pPr indent="450215" algn="l">
+                      <a:pPr indent="-1270" algn="just">
                         <a:lnSpc>
                           <a:spcPct val="150000"/>
                         </a:lnSpc>
@@ -6710,24 +5730,627 @@
                         </a:spcAft>
                       </a:pPr>
                       <a:r>
-                        <a:rPr lang="ru-RU" sz="1400" dirty="0">
+                        <a:rPr lang="ru-RU" sz="1200" dirty="0">
                           <a:effectLst/>
                         </a:rPr>
-                        <a:t>5000р</a:t>
+                        <a:t>Электромиографический датчик </a:t>
+                      </a:r>
+                      <a:r>
+                        <a:rPr lang="en-US" sz="1200" dirty="0">
+                          <a:effectLst/>
+                        </a:rPr>
+                        <a:t>MH-BPS102</a:t>
                       </a:r>
                       <a:endParaRPr lang="ru-RU" sz="1400" dirty="0">
                         <a:effectLst/>
                         <a:latin typeface="Times New Roman" panose="02020603050405020304" pitchFamily="18" charset="0"/>
                         <a:ea typeface="Times New Roman" panose="02020603050405020304" pitchFamily="18" charset="0"/>
-                        <a:cs typeface="Times New Roman" panose="02020603050405020304" pitchFamily="18" charset="0"/>
                       </a:endParaRPr>
                     </a:p>
                   </a:txBody>
-                  <a:tcPr marL="40625" marR="40625" marT="0" marB="0"/>
+                  <a:tcPr marL="68580" marR="68580" marT="0" marB="0"/>
+                </a:tc>
+                <a:tc>
+                  <a:txBody>
+                    <a:bodyPr/>
+                    <a:lstStyle/>
+                    <a:p>
+                      <a:pPr indent="-1270" algn="just">
+                        <a:lnSpc>
+                          <a:spcPct val="150000"/>
+                        </a:lnSpc>
+                        <a:spcAft>
+                          <a:spcPts val="0"/>
+                        </a:spcAft>
+                      </a:pPr>
+                      <a:r>
+                        <a:rPr lang="ru-RU" sz="1200">
+                          <a:effectLst/>
+                        </a:rPr>
+                        <a:t>шт.</a:t>
+                      </a:r>
+                      <a:endParaRPr lang="ru-RU" sz="1400">
+                        <a:effectLst/>
+                        <a:latin typeface="Times New Roman" panose="02020603050405020304" pitchFamily="18" charset="0"/>
+                        <a:ea typeface="Times New Roman" panose="02020603050405020304" pitchFamily="18" charset="0"/>
+                      </a:endParaRPr>
+                    </a:p>
+                  </a:txBody>
+                  <a:tcPr marL="68580" marR="68580" marT="0" marB="0"/>
+                </a:tc>
+                <a:tc>
+                  <a:txBody>
+                    <a:bodyPr/>
+                    <a:lstStyle/>
+                    <a:p>
+                      <a:pPr indent="-1270" algn="just">
+                        <a:lnSpc>
+                          <a:spcPct val="150000"/>
+                        </a:lnSpc>
+                        <a:spcAft>
+                          <a:spcPts val="0"/>
+                        </a:spcAft>
+                      </a:pPr>
+                      <a:r>
+                        <a:rPr lang="en-US" sz="1200">
+                          <a:effectLst/>
+                        </a:rPr>
+                        <a:t>1</a:t>
+                      </a:r>
+                      <a:endParaRPr lang="ru-RU" sz="1400">
+                        <a:effectLst/>
+                        <a:latin typeface="Times New Roman" panose="02020603050405020304" pitchFamily="18" charset="0"/>
+                        <a:ea typeface="Times New Roman" panose="02020603050405020304" pitchFamily="18" charset="0"/>
+                      </a:endParaRPr>
+                    </a:p>
+                  </a:txBody>
+                  <a:tcPr marL="68580" marR="68580" marT="0" marB="0"/>
+                </a:tc>
+                <a:tc>
+                  <a:txBody>
+                    <a:bodyPr/>
+                    <a:lstStyle/>
+                    <a:p>
+                      <a:pPr indent="-1270" algn="just">
+                        <a:lnSpc>
+                          <a:spcPct val="150000"/>
+                        </a:lnSpc>
+                        <a:spcAft>
+                          <a:spcPts val="0"/>
+                        </a:spcAft>
+                      </a:pPr>
+                      <a:r>
+                        <a:rPr lang="en-US" sz="1200">
+                          <a:effectLst/>
+                        </a:rPr>
+                        <a:t>1900 ₽</a:t>
+                      </a:r>
+                      <a:endParaRPr lang="ru-RU" sz="1400">
+                        <a:effectLst/>
+                        <a:latin typeface="Times New Roman" panose="02020603050405020304" pitchFamily="18" charset="0"/>
+                        <a:ea typeface="Times New Roman" panose="02020603050405020304" pitchFamily="18" charset="0"/>
+                      </a:endParaRPr>
+                    </a:p>
+                  </a:txBody>
+                  <a:tcPr marL="68580" marR="68580" marT="0" marB="0"/>
+                </a:tc>
+                <a:tc>
+                  <a:txBody>
+                    <a:bodyPr/>
+                    <a:lstStyle/>
+                    <a:p>
+                      <a:pPr indent="-1270" algn="just">
+                        <a:lnSpc>
+                          <a:spcPct val="150000"/>
+                        </a:lnSpc>
+                        <a:spcAft>
+                          <a:spcPts val="0"/>
+                        </a:spcAft>
+                      </a:pPr>
+                      <a:r>
+                        <a:rPr lang="en-US" sz="1200">
+                          <a:effectLst/>
+                        </a:rPr>
+                        <a:t>1900 ₽</a:t>
+                      </a:r>
+                      <a:endParaRPr lang="ru-RU" sz="1400">
+                        <a:effectLst/>
+                        <a:latin typeface="Times New Roman" panose="02020603050405020304" pitchFamily="18" charset="0"/>
+                        <a:ea typeface="Times New Roman" panose="02020603050405020304" pitchFamily="18" charset="0"/>
+                      </a:endParaRPr>
+                    </a:p>
+                  </a:txBody>
+                  <a:tcPr marL="68580" marR="68580" marT="0" marB="0"/>
                 </a:tc>
                 <a:extLst>
                   <a:ext uri="{0D108BD9-81ED-4DB2-BD59-A6C34878D82A}">
-                    <a16:rowId xmlns:a16="http://schemas.microsoft.com/office/drawing/2014/main" val="3017245029"/>
+                    <a16:rowId xmlns:a16="http://schemas.microsoft.com/office/drawing/2014/main" val="1183047136"/>
+                  </a:ext>
+                </a:extLst>
+              </a:tr>
+              <a:tr h="400586">
+                <a:tc>
+                  <a:txBody>
+                    <a:bodyPr/>
+                    <a:lstStyle/>
+                    <a:p>
+                      <a:pPr indent="-1270" algn="just">
+                        <a:lnSpc>
+                          <a:spcPct val="150000"/>
+                        </a:lnSpc>
+                        <a:spcAft>
+                          <a:spcPts val="0"/>
+                        </a:spcAft>
+                      </a:pPr>
+                      <a:r>
+                        <a:rPr lang="ru-RU" sz="1200">
+                          <a:effectLst/>
+                        </a:rPr>
+                        <a:t>Датчик дыма </a:t>
+                      </a:r>
+                      <a:r>
+                        <a:rPr lang="en-US" sz="1200">
+                          <a:effectLst/>
+                        </a:rPr>
+                        <a:t>mq-2</a:t>
+                      </a:r>
+                      <a:endParaRPr lang="ru-RU" sz="1400">
+                        <a:effectLst/>
+                        <a:latin typeface="Times New Roman" panose="02020603050405020304" pitchFamily="18" charset="0"/>
+                        <a:ea typeface="Times New Roman" panose="02020603050405020304" pitchFamily="18" charset="0"/>
+                      </a:endParaRPr>
+                    </a:p>
+                  </a:txBody>
+                  <a:tcPr marL="68580" marR="68580" marT="0" marB="0"/>
+                </a:tc>
+                <a:tc>
+                  <a:txBody>
+                    <a:bodyPr/>
+                    <a:lstStyle/>
+                    <a:p>
+                      <a:pPr indent="-1270" algn="just">
+                        <a:lnSpc>
+                          <a:spcPct val="150000"/>
+                        </a:lnSpc>
+                        <a:spcAft>
+                          <a:spcPts val="0"/>
+                        </a:spcAft>
+                      </a:pPr>
+                      <a:r>
+                        <a:rPr lang="ru-RU" sz="1200">
+                          <a:effectLst/>
+                        </a:rPr>
+                        <a:t>шт.</a:t>
+                      </a:r>
+                      <a:endParaRPr lang="ru-RU" sz="1400">
+                        <a:effectLst/>
+                        <a:latin typeface="Times New Roman" panose="02020603050405020304" pitchFamily="18" charset="0"/>
+                        <a:ea typeface="Times New Roman" panose="02020603050405020304" pitchFamily="18" charset="0"/>
+                      </a:endParaRPr>
+                    </a:p>
+                  </a:txBody>
+                  <a:tcPr marL="68580" marR="68580" marT="0" marB="0"/>
+                </a:tc>
+                <a:tc>
+                  <a:txBody>
+                    <a:bodyPr/>
+                    <a:lstStyle/>
+                    <a:p>
+                      <a:pPr indent="-1270" algn="just">
+                        <a:lnSpc>
+                          <a:spcPct val="150000"/>
+                        </a:lnSpc>
+                        <a:spcAft>
+                          <a:spcPts val="0"/>
+                        </a:spcAft>
+                      </a:pPr>
+                      <a:r>
+                        <a:rPr lang="en-US" sz="1200">
+                          <a:effectLst/>
+                        </a:rPr>
+                        <a:t>1</a:t>
+                      </a:r>
+                      <a:endParaRPr lang="ru-RU" sz="1400">
+                        <a:effectLst/>
+                        <a:latin typeface="Times New Roman" panose="02020603050405020304" pitchFamily="18" charset="0"/>
+                        <a:ea typeface="Times New Roman" panose="02020603050405020304" pitchFamily="18" charset="0"/>
+                      </a:endParaRPr>
+                    </a:p>
+                  </a:txBody>
+                  <a:tcPr marL="68580" marR="68580" marT="0" marB="0"/>
+                </a:tc>
+                <a:tc>
+                  <a:txBody>
+                    <a:bodyPr/>
+                    <a:lstStyle/>
+                    <a:p>
+                      <a:pPr indent="-1270" algn="just">
+                        <a:lnSpc>
+                          <a:spcPct val="150000"/>
+                        </a:lnSpc>
+                        <a:spcAft>
+                          <a:spcPts val="0"/>
+                        </a:spcAft>
+                      </a:pPr>
+                      <a:r>
+                        <a:rPr lang="en-US" sz="1200">
+                          <a:effectLst/>
+                        </a:rPr>
+                        <a:t>380 ₽</a:t>
+                      </a:r>
+                      <a:endParaRPr lang="ru-RU" sz="1400">
+                        <a:effectLst/>
+                        <a:latin typeface="Times New Roman" panose="02020603050405020304" pitchFamily="18" charset="0"/>
+                        <a:ea typeface="Times New Roman" panose="02020603050405020304" pitchFamily="18" charset="0"/>
+                      </a:endParaRPr>
+                    </a:p>
+                  </a:txBody>
+                  <a:tcPr marL="68580" marR="68580" marT="0" marB="0"/>
+                </a:tc>
+                <a:tc>
+                  <a:txBody>
+                    <a:bodyPr/>
+                    <a:lstStyle/>
+                    <a:p>
+                      <a:pPr indent="-1270" algn="just">
+                        <a:lnSpc>
+                          <a:spcPct val="150000"/>
+                        </a:lnSpc>
+                        <a:spcAft>
+                          <a:spcPts val="0"/>
+                        </a:spcAft>
+                      </a:pPr>
+                      <a:r>
+                        <a:rPr lang="en-US" sz="1200">
+                          <a:effectLst/>
+                        </a:rPr>
+                        <a:t>380 ₽</a:t>
+                      </a:r>
+                      <a:endParaRPr lang="ru-RU" sz="1400">
+                        <a:effectLst/>
+                        <a:latin typeface="Times New Roman" panose="02020603050405020304" pitchFamily="18" charset="0"/>
+                        <a:ea typeface="Times New Roman" panose="02020603050405020304" pitchFamily="18" charset="0"/>
+                      </a:endParaRPr>
+                    </a:p>
+                  </a:txBody>
+                  <a:tcPr marL="68580" marR="68580" marT="0" marB="0"/>
+                </a:tc>
+                <a:extLst>
+                  <a:ext uri="{0D108BD9-81ED-4DB2-BD59-A6C34878D82A}">
+                    <a16:rowId xmlns:a16="http://schemas.microsoft.com/office/drawing/2014/main" val="1639979707"/>
+                  </a:ext>
+                </a:extLst>
+              </a:tr>
+              <a:tr h="400586">
+                <a:tc>
+                  <a:txBody>
+                    <a:bodyPr/>
+                    <a:lstStyle/>
+                    <a:p>
+                      <a:pPr indent="-1270" algn="just">
+                        <a:lnSpc>
+                          <a:spcPct val="150000"/>
+                        </a:lnSpc>
+                        <a:spcAft>
+                          <a:spcPts val="0"/>
+                        </a:spcAft>
+                      </a:pPr>
+                      <a:r>
+                        <a:rPr lang="ru-RU" sz="1200">
+                          <a:effectLst/>
+                        </a:rPr>
+                        <a:t>Аккумулятор Li-On</a:t>
+                      </a:r>
+                      <a:endParaRPr lang="ru-RU" sz="1400">
+                        <a:effectLst/>
+                        <a:latin typeface="Times New Roman" panose="02020603050405020304" pitchFamily="18" charset="0"/>
+                        <a:ea typeface="Times New Roman" panose="02020603050405020304" pitchFamily="18" charset="0"/>
+                      </a:endParaRPr>
+                    </a:p>
+                  </a:txBody>
+                  <a:tcPr marL="68580" marR="68580" marT="0" marB="0"/>
+                </a:tc>
+                <a:tc>
+                  <a:txBody>
+                    <a:bodyPr/>
+                    <a:lstStyle/>
+                    <a:p>
+                      <a:pPr indent="-1270" algn="just">
+                        <a:lnSpc>
+                          <a:spcPct val="150000"/>
+                        </a:lnSpc>
+                        <a:spcAft>
+                          <a:spcPts val="0"/>
+                        </a:spcAft>
+                      </a:pPr>
+                      <a:r>
+                        <a:rPr lang="ru-RU" sz="1200">
+                          <a:effectLst/>
+                        </a:rPr>
+                        <a:t>шт.</a:t>
+                      </a:r>
+                      <a:endParaRPr lang="ru-RU" sz="1400">
+                        <a:effectLst/>
+                        <a:latin typeface="Times New Roman" panose="02020603050405020304" pitchFamily="18" charset="0"/>
+                        <a:ea typeface="Times New Roman" panose="02020603050405020304" pitchFamily="18" charset="0"/>
+                      </a:endParaRPr>
+                    </a:p>
+                  </a:txBody>
+                  <a:tcPr marL="68580" marR="68580" marT="0" marB="0"/>
+                </a:tc>
+                <a:tc>
+                  <a:txBody>
+                    <a:bodyPr/>
+                    <a:lstStyle/>
+                    <a:p>
+                      <a:pPr indent="-1270" algn="just">
+                        <a:lnSpc>
+                          <a:spcPct val="150000"/>
+                        </a:lnSpc>
+                        <a:spcAft>
+                          <a:spcPts val="0"/>
+                        </a:spcAft>
+                      </a:pPr>
+                      <a:r>
+                        <a:rPr lang="en-US" sz="1200">
+                          <a:effectLst/>
+                        </a:rPr>
+                        <a:t>1</a:t>
+                      </a:r>
+                      <a:endParaRPr lang="ru-RU" sz="1400">
+                        <a:effectLst/>
+                        <a:latin typeface="Times New Roman" panose="02020603050405020304" pitchFamily="18" charset="0"/>
+                        <a:ea typeface="Times New Roman" panose="02020603050405020304" pitchFamily="18" charset="0"/>
+                      </a:endParaRPr>
+                    </a:p>
+                  </a:txBody>
+                  <a:tcPr marL="68580" marR="68580" marT="0" marB="0"/>
+                </a:tc>
+                <a:tc>
+                  <a:txBody>
+                    <a:bodyPr/>
+                    <a:lstStyle/>
+                    <a:p>
+                      <a:pPr indent="-1270" algn="just">
+                        <a:lnSpc>
+                          <a:spcPct val="150000"/>
+                        </a:lnSpc>
+                        <a:spcAft>
+                          <a:spcPts val="0"/>
+                        </a:spcAft>
+                      </a:pPr>
+                      <a:r>
+                        <a:rPr lang="en-US" sz="1200">
+                          <a:effectLst/>
+                        </a:rPr>
+                        <a:t>300 ₽</a:t>
+                      </a:r>
+                      <a:endParaRPr lang="ru-RU" sz="1400">
+                        <a:effectLst/>
+                        <a:latin typeface="Times New Roman" panose="02020603050405020304" pitchFamily="18" charset="0"/>
+                        <a:ea typeface="Times New Roman" panose="02020603050405020304" pitchFamily="18" charset="0"/>
+                      </a:endParaRPr>
+                    </a:p>
+                  </a:txBody>
+                  <a:tcPr marL="68580" marR="68580" marT="0" marB="0"/>
+                </a:tc>
+                <a:tc>
+                  <a:txBody>
+                    <a:bodyPr/>
+                    <a:lstStyle/>
+                    <a:p>
+                      <a:pPr indent="-1270" algn="just">
+                        <a:lnSpc>
+                          <a:spcPct val="150000"/>
+                        </a:lnSpc>
+                        <a:spcAft>
+                          <a:spcPts val="0"/>
+                        </a:spcAft>
+                      </a:pPr>
+                      <a:r>
+                        <a:rPr lang="en-US" sz="1200">
+                          <a:effectLst/>
+                        </a:rPr>
+                        <a:t>300 ₽</a:t>
+                      </a:r>
+                      <a:endParaRPr lang="ru-RU" sz="1400">
+                        <a:effectLst/>
+                        <a:latin typeface="Times New Roman" panose="02020603050405020304" pitchFamily="18" charset="0"/>
+                        <a:ea typeface="Times New Roman" panose="02020603050405020304" pitchFamily="18" charset="0"/>
+                      </a:endParaRPr>
+                    </a:p>
+                  </a:txBody>
+                  <a:tcPr marL="68580" marR="68580" marT="0" marB="0"/>
+                </a:tc>
+                <a:extLst>
+                  <a:ext uri="{0D108BD9-81ED-4DB2-BD59-A6C34878D82A}">
+                    <a16:rowId xmlns:a16="http://schemas.microsoft.com/office/drawing/2014/main" val="1242947028"/>
+                  </a:ext>
+                </a:extLst>
+              </a:tr>
+              <a:tr h="400586">
+                <a:tc gridSpan="4">
+                  <a:txBody>
+                    <a:bodyPr/>
+                    <a:lstStyle/>
+                    <a:p>
+                      <a:pPr indent="-1270" algn="r">
+                        <a:lnSpc>
+                          <a:spcPct val="150000"/>
+                        </a:lnSpc>
+                        <a:spcAft>
+                          <a:spcPts val="0"/>
+                        </a:spcAft>
+                      </a:pPr>
+                      <a:r>
+                        <a:rPr lang="ru-RU" sz="1200">
+                          <a:effectLst/>
+                        </a:rPr>
+                        <a:t>Всего</a:t>
+                      </a:r>
+                      <a:endParaRPr lang="ru-RU" sz="1400">
+                        <a:effectLst/>
+                        <a:latin typeface="Times New Roman" panose="02020603050405020304" pitchFamily="18" charset="0"/>
+                        <a:ea typeface="Times New Roman" panose="02020603050405020304" pitchFamily="18" charset="0"/>
+                      </a:endParaRPr>
+                    </a:p>
+                  </a:txBody>
+                  <a:tcPr marL="68580" marR="68580" marT="0" marB="0"/>
+                </a:tc>
+                <a:tc hMerge="1">
+                  <a:txBody>
+                    <a:bodyPr/>
+                    <a:lstStyle/>
+                    <a:p>
+                      <a:endParaRPr lang="ru-RU"/>
+                    </a:p>
+                  </a:txBody>
+                  <a:tcPr/>
+                </a:tc>
+                <a:tc hMerge="1">
+                  <a:txBody>
+                    <a:bodyPr/>
+                    <a:lstStyle/>
+                    <a:p>
+                      <a:endParaRPr lang="ru-RU"/>
+                    </a:p>
+                  </a:txBody>
+                  <a:tcPr/>
+                </a:tc>
+                <a:tc hMerge="1">
+                  <a:txBody>
+                    <a:bodyPr/>
+                    <a:lstStyle/>
+                    <a:p>
+                      <a:endParaRPr lang="ru-RU"/>
+                    </a:p>
+                  </a:txBody>
+                  <a:tcPr/>
+                </a:tc>
+                <a:tc>
+                  <a:txBody>
+                    <a:bodyPr/>
+                    <a:lstStyle/>
+                    <a:p>
+                      <a:pPr indent="-1270" algn="just">
+                        <a:lnSpc>
+                          <a:spcPct val="150000"/>
+                        </a:lnSpc>
+                        <a:spcAft>
+                          <a:spcPts val="0"/>
+                        </a:spcAft>
+                      </a:pPr>
+                      <a:r>
+                        <a:rPr lang="en-US" sz="1200">
+                          <a:effectLst/>
+                        </a:rPr>
+                        <a:t>2930₽</a:t>
+                      </a:r>
+                      <a:endParaRPr lang="ru-RU" sz="1400">
+                        <a:effectLst/>
+                        <a:latin typeface="Times New Roman" panose="02020603050405020304" pitchFamily="18" charset="0"/>
+                        <a:ea typeface="Times New Roman" panose="02020603050405020304" pitchFamily="18" charset="0"/>
+                      </a:endParaRPr>
+                    </a:p>
+                  </a:txBody>
+                  <a:tcPr marL="68580" marR="68580" marT="0" marB="0"/>
+                </a:tc>
+                <a:extLst>
+                  <a:ext uri="{0D108BD9-81ED-4DB2-BD59-A6C34878D82A}">
+                    <a16:rowId xmlns:a16="http://schemas.microsoft.com/office/drawing/2014/main" val="1930392103"/>
+                  </a:ext>
+                </a:extLst>
+              </a:tr>
+              <a:tr h="400586">
+                <a:tc gridSpan="4">
+                  <a:txBody>
+                    <a:bodyPr/>
+                    <a:lstStyle/>
+                    <a:p>
+                      <a:pPr indent="-1270" algn="r">
+                        <a:lnSpc>
+                          <a:spcPct val="150000"/>
+                        </a:lnSpc>
+                        <a:spcAft>
+                          <a:spcPts val="0"/>
+                        </a:spcAft>
+                      </a:pPr>
+                      <a:r>
+                        <a:rPr lang="ru-RU" sz="1200">
+                          <a:effectLst/>
+                        </a:rPr>
+                        <a:t>Всего с учетом транспортных расходов</a:t>
+                      </a:r>
+                      <a:endParaRPr lang="ru-RU" sz="1400">
+                        <a:effectLst/>
+                        <a:latin typeface="Times New Roman" panose="02020603050405020304" pitchFamily="18" charset="0"/>
+                        <a:ea typeface="Times New Roman" panose="02020603050405020304" pitchFamily="18" charset="0"/>
+                      </a:endParaRPr>
+                    </a:p>
+                  </a:txBody>
+                  <a:tcPr marL="68580" marR="68580" marT="0" marB="0"/>
+                </a:tc>
+                <a:tc hMerge="1">
+                  <a:txBody>
+                    <a:bodyPr/>
+                    <a:lstStyle/>
+                    <a:p>
+                      <a:endParaRPr lang="ru-RU"/>
+                    </a:p>
+                  </a:txBody>
+                  <a:tcPr/>
+                </a:tc>
+                <a:tc hMerge="1">
+                  <a:txBody>
+                    <a:bodyPr/>
+                    <a:lstStyle/>
+                    <a:p>
+                      <a:endParaRPr lang="ru-RU"/>
+                    </a:p>
+                  </a:txBody>
+                  <a:tcPr/>
+                </a:tc>
+                <a:tc hMerge="1">
+                  <a:txBody>
+                    <a:bodyPr/>
+                    <a:lstStyle/>
+                    <a:p>
+                      <a:endParaRPr lang="ru-RU"/>
+                    </a:p>
+                  </a:txBody>
+                  <a:tcPr/>
+                </a:tc>
+                <a:tc>
+                  <a:txBody>
+                    <a:bodyPr/>
+                    <a:lstStyle/>
+                    <a:p>
+                      <a:pPr indent="-1270" algn="just">
+                        <a:lnSpc>
+                          <a:spcPct val="150000"/>
+                        </a:lnSpc>
+                        <a:spcAft>
+                          <a:spcPts val="0"/>
+                        </a:spcAft>
+                      </a:pPr>
+                      <a:r>
+                        <a:rPr lang="en-US" sz="1200" dirty="0">
+                          <a:effectLst/>
+                        </a:rPr>
+                        <a:t>3100₽</a:t>
+                      </a:r>
+                      <a:endParaRPr lang="ru-RU" sz="1400" dirty="0">
+                        <a:effectLst/>
+                        <a:latin typeface="Times New Roman" panose="02020603050405020304" pitchFamily="18" charset="0"/>
+                        <a:ea typeface="Times New Roman" panose="02020603050405020304" pitchFamily="18" charset="0"/>
+                      </a:endParaRPr>
+                    </a:p>
+                  </a:txBody>
+                  <a:tcPr marL="68580" marR="68580" marT="0" marB="0"/>
+                </a:tc>
+                <a:extLst>
+                  <a:ext uri="{0D108BD9-81ED-4DB2-BD59-A6C34878D82A}">
+                    <a16:rowId xmlns:a16="http://schemas.microsoft.com/office/drawing/2014/main" val="3079072910"/>
                   </a:ext>
                 </a:extLst>
               </a:tr>
@@ -6738,13 +6361,281 @@
     </p:spTree>
     <p:extLst>
       <p:ext uri="{BB962C8B-B14F-4D97-AF65-F5344CB8AC3E}">
-        <p14:creationId xmlns:p14="http://schemas.microsoft.com/office/powerpoint/2010/main" val="3943902256"/>
+        <p14:creationId xmlns:p14="http://schemas.microsoft.com/office/powerpoint/2010/main" val="3205969866"/>
       </p:ext>
     </p:extLst>
   </p:cSld>
   <p:clrMapOvr>
     <a:masterClrMapping/>
   </p:clrMapOvr>
+</p:sld>
+</file>
+
+<file path=ppt/slides/slide15.xml><?xml version="1.0" encoding="utf-8"?>
+<p:sld xmlns:a="http://schemas.openxmlformats.org/drawingml/2006/main" xmlns:r="http://schemas.openxmlformats.org/officeDocument/2006/relationships" xmlns:p="http://schemas.openxmlformats.org/presentationml/2006/main">
+  <p:cSld>
+    <p:spTree>
+      <p:nvGrpSpPr>
+        <p:cNvPr id="1" name=""/>
+        <p:cNvGrpSpPr/>
+        <p:nvPr/>
+      </p:nvGrpSpPr>
+      <p:grpSpPr>
+        <a:xfrm>
+          <a:off x="0" y="0"/>
+          <a:ext cx="0" cy="0"/>
+          <a:chOff x="0" y="0"/>
+          <a:chExt cx="0" cy="0"/>
+        </a:xfrm>
+      </p:grpSpPr>
+      <p:sp>
+        <p:nvSpPr>
+          <p:cNvPr id="212" name="Заголовок 1"/>
+          <p:cNvSpPr txBox="1">
+            <a:spLocks noGrp="1"/>
+          </p:cNvSpPr>
+          <p:nvPr>
+            <p:ph type="title"/>
+          </p:nvPr>
+        </p:nvSpPr>
+        <p:spPr>
+          <a:xfrm>
+            <a:off x="1701800" y="154773"/>
+            <a:ext cx="8426599" cy="1293028"/>
+          </a:xfrm>
+          <a:prstGeom prst="rect">
+            <a:avLst/>
+          </a:prstGeom>
+        </p:spPr>
+        <p:txBody>
+          <a:bodyPr/>
+          <a:lstStyle/>
+          <a:p>
+            <a:pPr algn="ctr"/>
+            <a:r>
+              <a:rPr lang="ru-RU" dirty="0" smtClean="0"/>
+              <a:t>Выводы</a:t>
+            </a:r>
+            <a:endParaRPr dirty="0"/>
+          </a:p>
+        </p:txBody>
+      </p:sp>
+      <p:sp>
+        <p:nvSpPr>
+          <p:cNvPr id="2" name="TextBox 1"/>
+          <p:cNvSpPr txBox="1"/>
+          <p:nvPr/>
+        </p:nvSpPr>
+        <p:spPr>
+          <a:xfrm>
+            <a:off x="1098550" y="1924050"/>
+            <a:ext cx="10306050" cy="2215991"/>
+          </a:xfrm>
+          <a:prstGeom prst="rect">
+            <a:avLst/>
+          </a:prstGeom>
+          <a:noFill/>
+        </p:spPr>
+        <p:txBody>
+          <a:bodyPr wrap="square" rtlCol="0">
+            <a:spAutoFit/>
+          </a:bodyPr>
+          <a:lstStyle/>
+          <a:p>
+            <a:pPr marL="285750" indent="-285750">
+              <a:buFont typeface="Arial" panose="020B0604020202020204" pitchFamily="34" charset="0"/>
+              <a:buChar char="•"/>
+            </a:pPr>
+            <a:r>
+              <a:rPr lang="ru-RU" sz="2400" dirty="0" smtClean="0"/>
+              <a:t>Увеличить продолжительность работы устройства</a:t>
+            </a:r>
+          </a:p>
+          <a:p>
+            <a:pPr marL="285750" indent="-285750">
+              <a:buFont typeface="Arial" panose="020B0604020202020204" pitchFamily="34" charset="0"/>
+              <a:buChar char="•"/>
+            </a:pPr>
+            <a:r>
+              <a:rPr lang="ru-RU" sz="2400" dirty="0" smtClean="0"/>
+              <a:t>Реализовать ежемесячную подписку на использование устройства</a:t>
+            </a:r>
+          </a:p>
+          <a:p>
+            <a:pPr marL="285750" indent="-285750">
+              <a:buFont typeface="Arial" panose="020B0604020202020204" pitchFamily="34" charset="0"/>
+              <a:buChar char="•"/>
+            </a:pPr>
+            <a:r>
+              <a:rPr lang="ru-RU" sz="2400" dirty="0" smtClean="0"/>
+              <a:t>Уменьшить размер устройства</a:t>
+            </a:r>
+          </a:p>
+          <a:p>
+            <a:pPr marL="285750" indent="-285750">
+              <a:buFont typeface="Arial" panose="020B0604020202020204" pitchFamily="34" charset="0"/>
+              <a:buChar char="•"/>
+            </a:pPr>
+            <a:r>
+              <a:rPr lang="ru-RU" sz="2400" dirty="0" smtClean="0"/>
+              <a:t>Разработать эргономичный корпус для устройства </a:t>
+            </a:r>
+          </a:p>
+          <a:p>
+            <a:pPr marL="285750" indent="-285750">
+              <a:buFont typeface="Arial" panose="020B0604020202020204" pitchFamily="34" charset="0"/>
+              <a:buChar char="•"/>
+            </a:pPr>
+            <a:r>
+              <a:rPr lang="ru-RU" sz="2400" dirty="0" smtClean="0"/>
+              <a:t>Внедрить визуальную составляющую в устройство</a:t>
+            </a:r>
+          </a:p>
+          <a:p>
+            <a:endParaRPr lang="ru-RU" dirty="0" smtClean="0"/>
+          </a:p>
+        </p:txBody>
+      </p:sp>
+    </p:spTree>
+  </p:cSld>
+  <p:clrMapOvr>
+    <a:masterClrMapping/>
+  </p:clrMapOvr>
+  <mc:AlternateContent xmlns:mc="http://schemas.openxmlformats.org/markup-compatibility/2006" xmlns:p14="http://schemas.microsoft.com/office/powerpoint/2010/main">
+    <mc:Choice Requires="p14">
+      <p:transition spd="slow" p14:dur="2000"/>
+    </mc:Choice>
+    <mc:Fallback xmlns="">
+      <p:transition spd="slow"/>
+    </mc:Fallback>
+  </mc:AlternateContent>
+  <p:timing>
+    <p:tnLst>
+      <p:par>
+        <p:cTn id="1" dur="indefinite" restart="never" nodeType="tmRoot"/>
+      </p:par>
+    </p:tnLst>
+  </p:timing>
+</p:sld>
+</file>
+
+<file path=ppt/slides/slide16.xml><?xml version="1.0" encoding="utf-8"?>
+<p:sld xmlns:a="http://schemas.openxmlformats.org/drawingml/2006/main" xmlns:r="http://schemas.openxmlformats.org/officeDocument/2006/relationships" xmlns:p="http://schemas.openxmlformats.org/presentationml/2006/main">
+  <p:cSld>
+    <p:spTree>
+      <p:nvGrpSpPr>
+        <p:cNvPr id="1" name=""/>
+        <p:cNvGrpSpPr/>
+        <p:nvPr/>
+      </p:nvGrpSpPr>
+      <p:grpSpPr>
+        <a:xfrm>
+          <a:off x="0" y="0"/>
+          <a:ext cx="0" cy="0"/>
+          <a:chOff x="0" y="0"/>
+          <a:chExt cx="0" cy="0"/>
+        </a:xfrm>
+      </p:grpSpPr>
+      <p:sp>
+        <p:nvSpPr>
+          <p:cNvPr id="218" name="СПАСИБО ЗА ВНИМАНИЕ"/>
+          <p:cNvSpPr txBox="1"/>
+          <p:nvPr/>
+        </p:nvSpPr>
+        <p:spPr>
+          <a:xfrm>
+            <a:off x="1817787" y="2468880"/>
+            <a:ext cx="8556426" cy="1945641"/>
+          </a:xfrm>
+          <a:prstGeom prst="rect">
+            <a:avLst/>
+          </a:prstGeom>
+          <a:ln w="12700">
+            <a:miter lim="400000"/>
+          </a:ln>
+          <a:extLst>
+            <a:ext uri="{C572A759-6A51-4108-AA02-DFA0A04FC94B}">
+              <ma14:wrappingTextBoxFlag xmlns:ma14="http://schemas.microsoft.com/office/mac/drawingml/2011/main" xmlns:a14="http://schemas.microsoft.com/office/drawing/2010/main" xmlns:m="http://schemas.openxmlformats.org/officeDocument/2006/math" xmlns="" val="1"/>
+            </a:ext>
+          </a:extLst>
+        </p:spPr>
+        <p:txBody>
+          <a:bodyPr lIns="45719" rIns="45719">
+            <a:spAutoFit/>
+          </a:bodyPr>
+          <a:lstStyle/>
+          <a:p>
+            <a:pPr>
+              <a:defRPr sz="3200">
+                <a:solidFill>
+                  <a:srgbClr val="FFFFFF"/>
+                </a:solidFill>
+              </a:defRPr>
+            </a:pPr>
+            <a:r>
+              <a:rPr sz="6000"/>
+              <a:t>СПАСИБО</a:t>
+            </a:r>
+            <a:r>
+              <a:t> ЗА </a:t>
+            </a:r>
+            <a:r>
+              <a:rPr sz="6000"/>
+              <a:t>ВНИМАНИЕ</a:t>
+            </a:r>
+          </a:p>
+        </p:txBody>
+      </p:sp>
+      <p:sp>
+        <p:nvSpPr>
+          <p:cNvPr id="2" name="TextBox 1"/>
+          <p:cNvSpPr txBox="1"/>
+          <p:nvPr/>
+        </p:nvSpPr>
+        <p:spPr>
+          <a:xfrm>
+            <a:off x="2979996" y="3056979"/>
+            <a:ext cx="6232008" cy="769441"/>
+          </a:xfrm>
+          <a:prstGeom prst="rect">
+            <a:avLst/>
+          </a:prstGeom>
+          <a:noFill/>
+        </p:spPr>
+        <p:txBody>
+          <a:bodyPr wrap="square" rtlCol="0">
+            <a:spAutoFit/>
+          </a:bodyPr>
+          <a:lstStyle/>
+          <a:p>
+            <a:r>
+              <a:rPr lang="ru-RU" sz="4400" dirty="0" smtClean="0"/>
+              <a:t>Спасибо за внимание</a:t>
+            </a:r>
+            <a:endParaRPr lang="ru-RU" sz="4400" dirty="0"/>
+          </a:p>
+        </p:txBody>
+      </p:sp>
+    </p:spTree>
+  </p:cSld>
+  <p:clrMapOvr>
+    <a:masterClrMapping/>
+  </p:clrMapOvr>
+  <mc:AlternateContent xmlns:mc="http://schemas.openxmlformats.org/markup-compatibility/2006" xmlns:p14="http://schemas.microsoft.com/office/powerpoint/2010/main">
+    <mc:Choice Requires="p14">
+      <p:transition spd="slow" p14:dur="2000"/>
+    </mc:Choice>
+    <mc:Fallback xmlns="">
+      <p:transition spd="slow"/>
+    </mc:Fallback>
+  </mc:AlternateContent>
+  <p:timing>
+    <p:tnLst>
+      <p:par>
+        <p:cTn id="1" dur="indefinite" restart="never" nodeType="tmRoot"/>
+      </p:par>
+    </p:tnLst>
+  </p:timing>
 </p:sld>
 </file>
 
@@ -6924,63 +6815,102 @@
           </a:p>
         </p:txBody>
       </p:sp>
-      <p:graphicFrame>
-        <p:nvGraphicFramePr>
-          <p:cNvPr id="6" name="Объект 5"/>
-          <p:cNvGraphicFramePr>
-            <a:graphicFrameLocks noGrp="1"/>
-          </p:cNvGraphicFramePr>
+      <p:sp>
+        <p:nvSpPr>
+          <p:cNvPr id="3" name="Объект 2"/>
+          <p:cNvSpPr>
+            <a:spLocks noGrp="1"/>
+          </p:cNvSpPr>
           <p:nvPr>
             <p:ph idx="1"/>
-            <p:extLst>
-              <p:ext uri="{D42A27DB-BD31-4B8C-83A1-F6EECF244321}">
-                <p14:modId xmlns:p14="http://schemas.microsoft.com/office/powerpoint/2010/main" val="3623958341"/>
-              </p:ext>
-            </p:extLst>
           </p:nvPr>
-        </p:nvGraphicFramePr>
-        <p:xfrm>
-          <a:off x="838200" y="1844675"/>
-          <a:ext cx="10515600" cy="4351338"/>
-        </p:xfrm>
-        <a:graphic>
-          <a:graphicData uri="http://schemas.openxmlformats.org/drawingml/2006/chart">
-            <c:chart xmlns:c="http://schemas.openxmlformats.org/drawingml/2006/chart" xmlns:r="http://schemas.openxmlformats.org/officeDocument/2006/relationships" r:id="rId2"/>
-          </a:graphicData>
-        </a:graphic>
-      </p:graphicFrame>
-      <p:sp>
-        <p:nvSpPr>
-          <p:cNvPr id="7" name="TextBox 6"/>
-          <p:cNvSpPr txBox="1"/>
-          <p:nvPr/>
         </p:nvSpPr>
         <p:spPr>
           <a:xfrm>
-            <a:off x="1193800" y="2197100"/>
-            <a:ext cx="2203450" cy="1477328"/>
+            <a:off x="838200" y="1524001"/>
+            <a:ext cx="10515600" cy="4652962"/>
+          </a:xfrm>
+        </p:spPr>
+        <p:txBody>
+          <a:bodyPr/>
+          <a:lstStyle/>
+          <a:p>
+            <a:pPr marL="0" indent="0">
+              <a:buNone/>
+            </a:pPr>
+            <a:r>
+              <a:rPr lang="ru-RU" dirty="0"/>
+              <a:t>Целью дипломной работы является исследование нового способа помощи курящим в борьбе с их привычкой на основе сокращений мышц и реализации устройства </a:t>
+            </a:r>
+            <a:r>
+              <a:rPr lang="en-US" dirty="0" smtClean="0"/>
+              <a:t>“</a:t>
+            </a:r>
+            <a:r>
+              <a:rPr lang="ru-RU" dirty="0" smtClean="0"/>
+              <a:t>умный </a:t>
+            </a:r>
+            <a:r>
+              <a:rPr lang="ru-RU" dirty="0"/>
+              <a:t>браслет от </a:t>
+            </a:r>
+            <a:r>
+              <a:rPr lang="ru-RU" dirty="0" smtClean="0"/>
+              <a:t>курения</a:t>
+            </a:r>
+            <a:r>
+              <a:rPr lang="en-US" dirty="0" smtClean="0"/>
+              <a:t>”</a:t>
+            </a:r>
+            <a:r>
+              <a:rPr lang="ru-RU" dirty="0" smtClean="0"/>
+              <a:t>. </a:t>
+            </a:r>
+            <a:endParaRPr lang="ru-RU" dirty="0"/>
+          </a:p>
+        </p:txBody>
+      </p:sp>
+      <p:pic>
+        <p:nvPicPr>
+          <p:cNvPr id="3074" name="Picture 2" descr="Купить Pavlok Obsidian Black Deluxe Mindfulness Coach Shock Clock (Браслеты)  заказать с доставкой лот № 393875007150"/>
+          <p:cNvPicPr>
+            <a:picLocks noChangeAspect="1" noChangeArrowheads="1"/>
+          </p:cNvPicPr>
+          <p:nvPr/>
+        </p:nvPicPr>
+        <p:blipFill>
+          <a:blip r:embed="rId2">
+            <a:extLst>
+              <a:ext uri="{28A0092B-C50C-407E-A947-70E740481C1C}">
+                <a14:useLocalDpi xmlns:a14="http://schemas.microsoft.com/office/drawing/2010/main" val="0"/>
+              </a:ext>
+            </a:extLst>
+          </a:blip>
+          <a:srcRect/>
+          <a:stretch>
+            <a:fillRect/>
+          </a:stretch>
+        </p:blipFill>
+        <p:spPr bwMode="auto">
+          <a:xfrm>
+            <a:off x="4756151" y="2961815"/>
+            <a:ext cx="2298700" cy="3032585"/>
           </a:xfrm>
           <a:prstGeom prst="rect">
             <a:avLst/>
           </a:prstGeom>
           <a:noFill/>
+          <a:extLst>
+            <a:ext uri="{909E8E84-426E-40DD-AFC4-6F175D3DCCD1}">
+              <a14:hiddenFill xmlns:a14="http://schemas.microsoft.com/office/drawing/2010/main">
+                <a:solidFill>
+                  <a:srgbClr val="FFFFFF"/>
+                </a:solidFill>
+              </a14:hiddenFill>
+            </a:ext>
+          </a:extLst>
         </p:spPr>
-        <p:txBody>
-          <a:bodyPr wrap="square" rtlCol="0">
-            <a:spAutoFit/>
-          </a:bodyPr>
-          <a:lstStyle/>
-          <a:p>
-            <a:r>
-              <a:rPr lang="ru-RU" dirty="0" smtClean="0"/>
-              <a:t>Разработка универсального способа для борьбы с курением</a:t>
-            </a:r>
-          </a:p>
-          <a:p>
-            <a:endParaRPr lang="ru-RU" dirty="0"/>
-          </a:p>
-        </p:txBody>
-      </p:sp>
+      </p:pic>
     </p:spTree>
     <p:extLst>
       <p:ext uri="{BB962C8B-B14F-4D97-AF65-F5344CB8AC3E}">
@@ -7246,54 +7176,535 @@
           <a:p>
             <a:r>
               <a:rPr lang="ru-RU" dirty="0" smtClean="0"/>
-              <a:t>Алгоритм работы устройства </a:t>
-            </a:r>
-            <a:r>
-              <a:rPr dirty="0" smtClean="0"/>
-              <a:t>   </a:t>
+              <a:t>Описание проекта устройства</a:t>
             </a:r>
             <a:endParaRPr dirty="0"/>
+          </a:p>
+        </p:txBody>
+      </p:sp>
+      <p:sp>
+        <p:nvSpPr>
+          <p:cNvPr id="3" name="Прямоугольник 2"/>
+          <p:cNvSpPr/>
+          <p:nvPr/>
+        </p:nvSpPr>
+        <p:spPr>
+          <a:xfrm>
+            <a:off x="787400" y="1570038"/>
+            <a:ext cx="4102100" cy="5021262"/>
+          </a:xfrm>
+          <a:prstGeom prst="rect">
+            <a:avLst/>
+          </a:prstGeom>
+          <a:solidFill>
+            <a:schemeClr val="bg1"/>
+          </a:solidFill>
+          <a:ln>
+            <a:solidFill>
+              <a:schemeClr val="tx1"/>
+            </a:solidFill>
+          </a:ln>
+        </p:spPr>
+        <p:style>
+          <a:lnRef idx="2">
+            <a:schemeClr val="accent1">
+              <a:shade val="50000"/>
+            </a:schemeClr>
+          </a:lnRef>
+          <a:fillRef idx="1">
+            <a:schemeClr val="accent1"/>
+          </a:fillRef>
+          <a:effectRef idx="0">
+            <a:schemeClr val="accent1"/>
+          </a:effectRef>
+          <a:fontRef idx="minor">
+            <a:schemeClr val="lt1"/>
+          </a:fontRef>
+        </p:style>
+        <p:txBody>
+          <a:bodyPr rtlCol="0" anchor="ctr"/>
+          <a:lstStyle/>
+          <a:p>
+            <a:pPr algn="ctr"/>
+            <a:endParaRPr lang="ru-RU"/>
           </a:p>
         </p:txBody>
       </p:sp>
       <p:pic>
         <p:nvPicPr>
-          <p:cNvPr id="195" name="Снимок экрана 2022-02-25 в 13.22.37.png" descr="Снимок экрана 2022-02-25 в 13.22.37.png"/>
+          <p:cNvPr id="2050" name="Picture 2" descr="О том, что такое сервер простыми словами. Серверный компьютер и серверное  приложение | IT-блог о веб-технологиях, серверах, протоколах, базах данных,  СУБД, SQL, компьютерных сетях, языках программирования и создание сайтов."/>
           <p:cNvPicPr>
-            <a:picLocks noChangeAspect="1"/>
+            <a:picLocks noChangeAspect="1" noChangeArrowheads="1"/>
+          </p:cNvPicPr>
+          <p:nvPr/>
+        </p:nvPicPr>
+        <p:blipFill>
+          <a:blip r:embed="rId3">
+            <a:extLst>
+              <a:ext uri="{28A0092B-C50C-407E-A947-70E740481C1C}">
+                <a14:useLocalDpi xmlns:a14="http://schemas.microsoft.com/office/drawing/2010/main" val="0"/>
+              </a:ext>
+            </a:extLst>
+          </a:blip>
+          <a:srcRect/>
+          <a:stretch>
+            <a:fillRect/>
+          </a:stretch>
+        </p:blipFill>
+        <p:spPr bwMode="auto">
+          <a:xfrm>
+            <a:off x="1844675" y="1604963"/>
+            <a:ext cx="1987550" cy="1646210"/>
+          </a:xfrm>
+          <a:prstGeom prst="rect">
+            <a:avLst/>
+          </a:prstGeom>
+          <a:noFill/>
+          <a:extLst>
+            <a:ext uri="{909E8E84-426E-40DD-AFC4-6F175D3DCCD1}">
+              <a14:hiddenFill xmlns:a14="http://schemas.microsoft.com/office/drawing/2010/main">
+                <a:solidFill>
+                  <a:srgbClr val="FFFFFF"/>
+                </a:solidFill>
+              </a14:hiddenFill>
+            </a:ext>
+          </a:extLst>
+        </p:spPr>
+      </p:pic>
+      <p:sp>
+        <p:nvSpPr>
+          <p:cNvPr id="4" name="Прямоугольник 3"/>
+          <p:cNvSpPr/>
+          <p:nvPr/>
+        </p:nvSpPr>
+        <p:spPr>
+          <a:xfrm>
+            <a:off x="787400" y="3286098"/>
+            <a:ext cx="4102100" cy="3305202"/>
+          </a:xfrm>
+          <a:prstGeom prst="rect">
+            <a:avLst/>
+          </a:prstGeom>
+          <a:solidFill>
+            <a:schemeClr val="bg1"/>
+          </a:solidFill>
+          <a:ln>
+            <a:solidFill>
+              <a:schemeClr val="tx1"/>
+            </a:solidFill>
+          </a:ln>
+        </p:spPr>
+        <p:style>
+          <a:lnRef idx="2">
+            <a:schemeClr val="accent1">
+              <a:shade val="50000"/>
+            </a:schemeClr>
+          </a:lnRef>
+          <a:fillRef idx="1">
+            <a:schemeClr val="accent1"/>
+          </a:fillRef>
+          <a:effectRef idx="0">
+            <a:schemeClr val="accent1"/>
+          </a:effectRef>
+          <a:fontRef idx="minor">
+            <a:schemeClr val="lt1"/>
+          </a:fontRef>
+        </p:style>
+        <p:txBody>
+          <a:bodyPr rtlCol="0" anchor="ctr"/>
+          <a:lstStyle/>
+          <a:p>
+            <a:pPr algn="ctr"/>
+            <a:endParaRPr lang="ru-RU"/>
+          </a:p>
+        </p:txBody>
+      </p:sp>
+      <p:pic>
+        <p:nvPicPr>
+          <p:cNvPr id="2052" name="Picture 4" descr="REST API: что это такое простыми словами: расшифровка, примеры запросов"/>
+          <p:cNvPicPr>
+            <a:picLocks noChangeAspect="1" noChangeArrowheads="1"/>
           </p:cNvPicPr>
           <p:nvPr/>
         </p:nvPicPr>
         <p:blipFill rotWithShape="1">
-          <a:blip r:embed="rId3">
-            <a:extLst/>
+          <a:blip r:embed="rId4">
+            <a:extLst>
+              <a:ext uri="{28A0092B-C50C-407E-A947-70E740481C1C}">
+                <a14:useLocalDpi xmlns:a14="http://schemas.microsoft.com/office/drawing/2010/main" val="0"/>
+              </a:ext>
+            </a:extLst>
           </a:blip>
-          <a:srcRect l="25399" t="32685" r="36901" b="24697"/>
+          <a:srcRect l="49441" t="25743" r="36315" b="25165"/>
           <a:stretch/>
         </p:blipFill>
-        <p:spPr>
+        <p:spPr bwMode="auto">
           <a:xfrm>
-            <a:off x="1803400" y="1418680"/>
-            <a:ext cx="7138307" cy="5034633"/>
+            <a:off x="2292350" y="3442453"/>
+            <a:ext cx="1092200" cy="1212850"/>
           </a:xfrm>
           <a:prstGeom prst="rect">
             <a:avLst/>
           </a:prstGeom>
-          <a:ln w="12700">
-            <a:miter lim="400000"/>
-          </a:ln>
+          <a:noFill/>
+          <a:extLst>
+            <a:ext uri="{909E8E84-426E-40DD-AFC4-6F175D3DCCD1}">
+              <a14:hiddenFill xmlns:a14="http://schemas.microsoft.com/office/drawing/2010/main">
+                <a:solidFill>
+                  <a:srgbClr val="FFFFFF"/>
+                </a:solidFill>
+              </a14:hiddenFill>
+            </a:ext>
+          </a:extLst>
         </p:spPr>
       </p:pic>
       <p:sp>
         <p:nvSpPr>
-          <p:cNvPr id="2" name="TextBox 1"/>
+          <p:cNvPr id="5" name="Прямоугольник 4"/>
+          <p:cNvSpPr/>
+          <p:nvPr/>
+        </p:nvSpPr>
+        <p:spPr>
+          <a:xfrm>
+            <a:off x="787400" y="4811658"/>
+            <a:ext cx="4102100" cy="1779642"/>
+          </a:xfrm>
+          <a:prstGeom prst="rect">
+            <a:avLst/>
+          </a:prstGeom>
+          <a:solidFill>
+            <a:schemeClr val="bg1"/>
+          </a:solidFill>
+          <a:ln>
+            <a:solidFill>
+              <a:schemeClr val="tx1"/>
+            </a:solidFill>
+          </a:ln>
+        </p:spPr>
+        <p:style>
+          <a:lnRef idx="2">
+            <a:schemeClr val="accent1">
+              <a:shade val="50000"/>
+            </a:schemeClr>
+          </a:lnRef>
+          <a:fillRef idx="1">
+            <a:schemeClr val="accent1"/>
+          </a:fillRef>
+          <a:effectRef idx="0">
+            <a:schemeClr val="accent1"/>
+          </a:effectRef>
+          <a:fontRef idx="minor">
+            <a:schemeClr val="lt1"/>
+          </a:fontRef>
+        </p:style>
+        <p:txBody>
+          <a:bodyPr rtlCol="0" anchor="ctr"/>
+          <a:lstStyle/>
+          <a:p>
+            <a:pPr algn="ctr"/>
+            <a:endParaRPr lang="ru-RU"/>
+          </a:p>
+        </p:txBody>
+      </p:sp>
+      <p:pic>
+        <p:nvPicPr>
+          <p:cNvPr id="2054" name="Picture 6" descr="Специализация: машинное обучение — Новости — Образовательная программа  «Прикладная математика и информатика» — Национальный исследовательский  университет «Высшая школа экономики»"/>
+          <p:cNvPicPr>
+            <a:picLocks noChangeAspect="1" noChangeArrowheads="1"/>
+          </p:cNvPicPr>
+          <p:nvPr/>
+        </p:nvPicPr>
+        <p:blipFill>
+          <a:blip r:embed="rId5" cstate="print">
+            <a:extLst>
+              <a:ext uri="{28A0092B-C50C-407E-A947-70E740481C1C}">
+                <a14:useLocalDpi xmlns:a14="http://schemas.microsoft.com/office/drawing/2010/main" val="0"/>
+              </a:ext>
+            </a:extLst>
+          </a:blip>
+          <a:srcRect/>
+          <a:stretch>
+            <a:fillRect/>
+          </a:stretch>
+        </p:blipFill>
+        <p:spPr bwMode="auto">
+          <a:xfrm>
+            <a:off x="1482380" y="4938699"/>
+            <a:ext cx="2483540" cy="1468760"/>
+          </a:xfrm>
+          <a:prstGeom prst="rect">
+            <a:avLst/>
+          </a:prstGeom>
+          <a:noFill/>
+          <a:extLst>
+            <a:ext uri="{909E8E84-426E-40DD-AFC4-6F175D3DCCD1}">
+              <a14:hiddenFill xmlns:a14="http://schemas.microsoft.com/office/drawing/2010/main">
+                <a:solidFill>
+                  <a:srgbClr val="FFFFFF"/>
+                </a:solidFill>
+              </a14:hiddenFill>
+            </a:ext>
+          </a:extLst>
+        </p:spPr>
+      </p:pic>
+      <p:sp>
+        <p:nvSpPr>
+          <p:cNvPr id="6" name="Улыбающееся лицо 5"/>
+          <p:cNvSpPr/>
+          <p:nvPr/>
+        </p:nvSpPr>
+        <p:spPr>
+          <a:xfrm>
+            <a:off x="6578600" y="4869938"/>
+            <a:ext cx="1504950" cy="1536700"/>
+          </a:xfrm>
+          <a:prstGeom prst="smileyFace">
+            <a:avLst/>
+          </a:prstGeom>
+          <a:solidFill>
+            <a:schemeClr val="bg1"/>
+          </a:solidFill>
+          <a:ln>
+            <a:solidFill>
+              <a:schemeClr val="tx1"/>
+            </a:solidFill>
+          </a:ln>
+        </p:spPr>
+        <p:style>
+          <a:lnRef idx="2">
+            <a:schemeClr val="accent1">
+              <a:shade val="50000"/>
+            </a:schemeClr>
+          </a:lnRef>
+          <a:fillRef idx="1">
+            <a:schemeClr val="accent1"/>
+          </a:fillRef>
+          <a:effectRef idx="0">
+            <a:schemeClr val="accent1"/>
+          </a:effectRef>
+          <a:fontRef idx="minor">
+            <a:schemeClr val="lt1"/>
+          </a:fontRef>
+        </p:style>
+        <p:txBody>
+          <a:bodyPr rtlCol="0" anchor="ctr"/>
+          <a:lstStyle/>
+          <a:p>
+            <a:pPr algn="ctr"/>
+            <a:endParaRPr lang="ru-RU"/>
+          </a:p>
+        </p:txBody>
+      </p:sp>
+      <p:sp>
+        <p:nvSpPr>
+          <p:cNvPr id="7" name="Прямоугольник 6"/>
+          <p:cNvSpPr/>
+          <p:nvPr/>
+        </p:nvSpPr>
+        <p:spPr>
+          <a:xfrm>
+            <a:off x="7844553" y="1789870"/>
+            <a:ext cx="4114800" cy="1984448"/>
+          </a:xfrm>
+          <a:prstGeom prst="rect">
+            <a:avLst/>
+          </a:prstGeom>
+          <a:solidFill>
+            <a:schemeClr val="bg1"/>
+          </a:solidFill>
+          <a:ln>
+            <a:solidFill>
+              <a:schemeClr val="tx1"/>
+            </a:solidFill>
+          </a:ln>
+        </p:spPr>
+        <p:style>
+          <a:lnRef idx="2">
+            <a:schemeClr val="accent1">
+              <a:shade val="50000"/>
+            </a:schemeClr>
+          </a:lnRef>
+          <a:fillRef idx="1">
+            <a:schemeClr val="accent1"/>
+          </a:fillRef>
+          <a:effectRef idx="0">
+            <a:schemeClr val="accent1"/>
+          </a:effectRef>
+          <a:fontRef idx="minor">
+            <a:schemeClr val="lt1"/>
+          </a:fontRef>
+        </p:style>
+        <p:txBody>
+          <a:bodyPr rtlCol="0" anchor="ctr"/>
+          <a:lstStyle/>
+          <a:p>
+            <a:pPr algn="ctr"/>
+            <a:endParaRPr lang="ru-RU"/>
+          </a:p>
+        </p:txBody>
+      </p:sp>
+      <p:sp>
+        <p:nvSpPr>
+          <p:cNvPr id="8" name="Облако 7"/>
+          <p:cNvSpPr/>
+          <p:nvPr/>
+        </p:nvSpPr>
+        <p:spPr>
+          <a:xfrm>
+            <a:off x="9772650" y="4242832"/>
+            <a:ext cx="1581150" cy="920750"/>
+          </a:xfrm>
+          <a:prstGeom prst="cloud">
+            <a:avLst/>
+          </a:prstGeom>
+          <a:solidFill>
+            <a:schemeClr val="bg2">
+              <a:lumMod val="75000"/>
+            </a:schemeClr>
+          </a:solidFill>
+          <a:ln>
+            <a:solidFill>
+              <a:schemeClr val="tx1"/>
+            </a:solidFill>
+          </a:ln>
+        </p:spPr>
+        <p:style>
+          <a:lnRef idx="2">
+            <a:schemeClr val="accent1">
+              <a:shade val="50000"/>
+            </a:schemeClr>
+          </a:lnRef>
+          <a:fillRef idx="1">
+            <a:schemeClr val="accent1"/>
+          </a:fillRef>
+          <a:effectRef idx="0">
+            <a:schemeClr val="accent1"/>
+          </a:effectRef>
+          <a:fontRef idx="minor">
+            <a:schemeClr val="lt1"/>
+          </a:fontRef>
+        </p:style>
+        <p:txBody>
+          <a:bodyPr rtlCol="0" anchor="ctr"/>
+          <a:lstStyle/>
+          <a:p>
+            <a:pPr algn="ctr"/>
+            <a:endParaRPr lang="ru-RU"/>
+          </a:p>
+        </p:txBody>
+      </p:sp>
+      <p:cxnSp>
+        <p:nvCxnSpPr>
+          <p:cNvPr id="10" name="Прямая со стрелкой 9"/>
+          <p:cNvCxnSpPr/>
+          <p:nvPr/>
+        </p:nvCxnSpPr>
+        <p:spPr>
+          <a:xfrm flipV="1">
+            <a:off x="8153400" y="4811658"/>
+            <a:ext cx="1517650" cy="554092"/>
+          </a:xfrm>
+          <a:prstGeom prst="straightConnector1">
+            <a:avLst/>
+          </a:prstGeom>
+          <a:ln>
+            <a:solidFill>
+              <a:schemeClr val="tx1"/>
+            </a:solidFill>
+            <a:tailEnd type="triangle"/>
+          </a:ln>
+        </p:spPr>
+        <p:style>
+          <a:lnRef idx="1">
+            <a:schemeClr val="accent1"/>
+          </a:lnRef>
+          <a:fillRef idx="0">
+            <a:schemeClr val="accent1"/>
+          </a:fillRef>
+          <a:effectRef idx="0">
+            <a:schemeClr val="accent1"/>
+          </a:effectRef>
+          <a:fontRef idx="minor">
+            <a:schemeClr val="tx1"/>
+          </a:fontRef>
+        </p:style>
+      </p:cxnSp>
+      <p:cxnSp>
+        <p:nvCxnSpPr>
+          <p:cNvPr id="12" name="Прямая со стрелкой 11"/>
+          <p:cNvCxnSpPr/>
+          <p:nvPr/>
+        </p:nvCxnSpPr>
+        <p:spPr>
+          <a:xfrm flipH="1">
+            <a:off x="5067301" y="2477294"/>
+            <a:ext cx="2673349" cy="1396206"/>
+          </a:xfrm>
+          <a:prstGeom prst="straightConnector1">
+            <a:avLst/>
+          </a:prstGeom>
+          <a:ln>
+            <a:tailEnd type="triangle"/>
+          </a:ln>
+        </p:spPr>
+        <p:style>
+          <a:lnRef idx="1">
+            <a:schemeClr val="dk1"/>
+          </a:lnRef>
+          <a:fillRef idx="0">
+            <a:schemeClr val="dk1"/>
+          </a:fillRef>
+          <a:effectRef idx="0">
+            <a:schemeClr val="dk1"/>
+          </a:effectRef>
+          <a:fontRef idx="minor">
+            <a:schemeClr val="tx1"/>
+          </a:fontRef>
+        </p:style>
+      </p:cxnSp>
+      <p:cxnSp>
+        <p:nvCxnSpPr>
+          <p:cNvPr id="14" name="Прямая со стрелкой 13"/>
+          <p:cNvCxnSpPr/>
+          <p:nvPr/>
+        </p:nvCxnSpPr>
+        <p:spPr>
+          <a:xfrm flipV="1">
+            <a:off x="5067301" y="2914650"/>
+            <a:ext cx="2673349" cy="1435100"/>
+          </a:xfrm>
+          <a:prstGeom prst="straightConnector1">
+            <a:avLst/>
+          </a:prstGeom>
+          <a:ln>
+            <a:tailEnd type="triangle"/>
+          </a:ln>
+        </p:spPr>
+        <p:style>
+          <a:lnRef idx="1">
+            <a:schemeClr val="dk1"/>
+          </a:lnRef>
+          <a:fillRef idx="0">
+            <a:schemeClr val="dk1"/>
+          </a:fillRef>
+          <a:effectRef idx="0">
+            <a:schemeClr val="dk1"/>
+          </a:effectRef>
+          <a:fontRef idx="minor">
+            <a:schemeClr val="tx1"/>
+          </a:fontRef>
+        </p:style>
+      </p:cxnSp>
+      <p:sp>
+        <p:nvSpPr>
+          <p:cNvPr id="22" name="TextBox 21"/>
           <p:cNvSpPr txBox="1"/>
           <p:nvPr/>
         </p:nvSpPr>
         <p:spPr>
           <a:xfrm>
-            <a:off x="1803400" y="6527800"/>
-            <a:ext cx="1689565" cy="276999"/>
+            <a:off x="7844553" y="1303894"/>
+            <a:ext cx="959622" cy="369332"/>
           </a:xfrm>
           <a:prstGeom prst="rect">
             <a:avLst/>
@@ -7307,10 +7718,206 @@
           <a:lstStyle/>
           <a:p>
             <a:r>
-              <a:rPr lang="ru-RU" sz="1200" dirty="0" smtClean="0"/>
-              <a:t>Схема работы системы</a:t>
-            </a:r>
-            <a:endParaRPr lang="ru-RU" sz="1200" dirty="0"/>
+              <a:rPr lang="ru-RU" dirty="0" smtClean="0"/>
+              <a:t>браслет</a:t>
+            </a:r>
+            <a:endParaRPr lang="ru-RU" dirty="0"/>
+          </a:p>
+        </p:txBody>
+      </p:sp>
+      <p:sp>
+        <p:nvSpPr>
+          <p:cNvPr id="23" name="TextBox 22"/>
+          <p:cNvSpPr txBox="1"/>
+          <p:nvPr/>
+        </p:nvSpPr>
+        <p:spPr>
+          <a:xfrm>
+            <a:off x="10833114" y="5088704"/>
+            <a:ext cx="622286" cy="369332"/>
+          </a:xfrm>
+          <a:prstGeom prst="rect">
+            <a:avLst/>
+          </a:prstGeom>
+          <a:noFill/>
+        </p:spPr>
+        <p:txBody>
+          <a:bodyPr wrap="none" rtlCol="0">
+            <a:spAutoFit/>
+          </a:bodyPr>
+          <a:lstStyle/>
+          <a:p>
+            <a:r>
+              <a:rPr lang="ru-RU" dirty="0" smtClean="0"/>
+              <a:t>дым</a:t>
+            </a:r>
+            <a:endParaRPr lang="ru-RU" dirty="0"/>
+          </a:p>
+        </p:txBody>
+      </p:sp>
+      <p:sp>
+        <p:nvSpPr>
+          <p:cNvPr id="26" name="Прямоугольник 25"/>
+          <p:cNvSpPr/>
+          <p:nvPr/>
+        </p:nvSpPr>
+        <p:spPr>
+          <a:xfrm>
+            <a:off x="10031413" y="2060020"/>
+            <a:ext cx="1670050" cy="1461254"/>
+          </a:xfrm>
+          <a:prstGeom prst="rect">
+            <a:avLst/>
+          </a:prstGeom>
+          <a:solidFill>
+            <a:schemeClr val="bg1"/>
+          </a:solidFill>
+          <a:ln>
+            <a:solidFill>
+              <a:schemeClr val="tx1"/>
+            </a:solidFill>
+          </a:ln>
+        </p:spPr>
+        <p:style>
+          <a:lnRef idx="2">
+            <a:schemeClr val="accent1">
+              <a:shade val="50000"/>
+            </a:schemeClr>
+          </a:lnRef>
+          <a:fillRef idx="1">
+            <a:schemeClr val="accent1"/>
+          </a:fillRef>
+          <a:effectRef idx="0">
+            <a:schemeClr val="accent1"/>
+          </a:effectRef>
+          <a:fontRef idx="minor">
+            <a:schemeClr val="lt1"/>
+          </a:fontRef>
+        </p:style>
+        <p:txBody>
+          <a:bodyPr rtlCol="0" anchor="ctr"/>
+          <a:lstStyle/>
+          <a:p>
+            <a:pPr algn="ctr"/>
+            <a:endParaRPr lang="ru-RU" dirty="0"/>
+          </a:p>
+        </p:txBody>
+      </p:sp>
+      <p:sp>
+        <p:nvSpPr>
+          <p:cNvPr id="27" name="Прямоугольник 26"/>
+          <p:cNvSpPr/>
+          <p:nvPr/>
+        </p:nvSpPr>
+        <p:spPr>
+          <a:xfrm>
+            <a:off x="8144233" y="2051467"/>
+            <a:ext cx="1587500" cy="1461253"/>
+          </a:xfrm>
+          <a:prstGeom prst="rect">
+            <a:avLst/>
+          </a:prstGeom>
+          <a:solidFill>
+            <a:schemeClr val="bg1">
+              <a:lumMod val="95000"/>
+            </a:schemeClr>
+          </a:solidFill>
+          <a:ln>
+            <a:solidFill>
+              <a:schemeClr val="tx1"/>
+            </a:solidFill>
+          </a:ln>
+        </p:spPr>
+        <p:style>
+          <a:lnRef idx="2">
+            <a:schemeClr val="accent1">
+              <a:shade val="50000"/>
+            </a:schemeClr>
+          </a:lnRef>
+          <a:fillRef idx="1">
+            <a:schemeClr val="accent1"/>
+          </a:fillRef>
+          <a:effectRef idx="0">
+            <a:schemeClr val="accent1"/>
+          </a:effectRef>
+          <a:fontRef idx="minor">
+            <a:schemeClr val="lt1"/>
+          </a:fontRef>
+        </p:style>
+        <p:txBody>
+          <a:bodyPr rtlCol="0" anchor="ctr"/>
+          <a:lstStyle/>
+          <a:p>
+            <a:pPr algn="ctr"/>
+            <a:r>
+              <a:rPr lang="ru-RU" dirty="0" smtClean="0"/>
+              <a:t>эл</a:t>
+            </a:r>
+            <a:endParaRPr lang="ru-RU" dirty="0"/>
+          </a:p>
+        </p:txBody>
+      </p:sp>
+      <p:sp>
+        <p:nvSpPr>
+          <p:cNvPr id="28" name="TextBox 27"/>
+          <p:cNvSpPr txBox="1"/>
+          <p:nvPr/>
+        </p:nvSpPr>
+        <p:spPr>
+          <a:xfrm>
+            <a:off x="8206939" y="2460850"/>
+            <a:ext cx="1524794" cy="369332"/>
+          </a:xfrm>
+          <a:prstGeom prst="rect">
+            <a:avLst/>
+          </a:prstGeom>
+          <a:noFill/>
+        </p:spPr>
+        <p:txBody>
+          <a:bodyPr wrap="square" rtlCol="0">
+            <a:spAutoFit/>
+          </a:bodyPr>
+          <a:lstStyle/>
+          <a:p>
+            <a:r>
+              <a:rPr lang="en-US" dirty="0" smtClean="0"/>
+              <a:t>MIO </a:t>
+            </a:r>
+            <a:r>
+              <a:rPr lang="ru-RU" dirty="0" smtClean="0"/>
+              <a:t>датчик</a:t>
+            </a:r>
+            <a:endParaRPr lang="ru-RU" dirty="0"/>
+          </a:p>
+        </p:txBody>
+      </p:sp>
+      <p:sp>
+        <p:nvSpPr>
+          <p:cNvPr id="29" name="TextBox 28"/>
+          <p:cNvSpPr txBox="1"/>
+          <p:nvPr/>
+        </p:nvSpPr>
+        <p:spPr>
+          <a:xfrm>
+            <a:off x="10107552" y="2460850"/>
+            <a:ext cx="1475981" cy="369332"/>
+          </a:xfrm>
+          <a:prstGeom prst="rect">
+            <a:avLst/>
+          </a:prstGeom>
+          <a:noFill/>
+        </p:spPr>
+        <p:txBody>
+          <a:bodyPr wrap="none" rtlCol="0">
+            <a:spAutoFit/>
+          </a:bodyPr>
+          <a:lstStyle/>
+          <a:p>
+            <a:r>
+              <a:rPr lang="ru-RU" dirty="0" smtClean="0"/>
+              <a:t>Датчик дыма</a:t>
+            </a:r>
+            <a:endParaRPr lang="ru-RU" dirty="0"/>
           </a:p>
         </p:txBody>
       </p:sp>
@@ -7766,7 +8373,7 @@
         </p:nvSpPr>
         <p:spPr>
           <a:xfrm>
-            <a:off x="558800" y="53975"/>
+            <a:off x="742950" y="0"/>
             <a:ext cx="10515600" cy="1325563"/>
           </a:xfrm>
         </p:spPr>
@@ -7776,38 +8383,922 @@
           <a:p>
             <a:r>
               <a:rPr lang="ru-RU" dirty="0" smtClean="0"/>
-              <a:t>Алгоритм программной части</a:t>
+              <a:t>Выбор </a:t>
+            </a:r>
+            <a:r>
+              <a:rPr lang="en-US" dirty="0" err="1" smtClean="0"/>
+              <a:t>mio</a:t>
+            </a:r>
+            <a:r>
+              <a:rPr lang="en-US" dirty="0" smtClean="0"/>
+              <a:t> </a:t>
+            </a:r>
+            <a:r>
+              <a:rPr lang="ru-RU" dirty="0" smtClean="0"/>
+              <a:t>датчика</a:t>
             </a:r>
             <a:endParaRPr lang="ru-RU" dirty="0"/>
           </a:p>
         </p:txBody>
       </p:sp>
-      <p:pic>
-        <p:nvPicPr>
-          <p:cNvPr id="4" name="Рисунок 3"/>
-          <p:cNvPicPr/>
-          <p:nvPr/>
-        </p:nvPicPr>
-        <p:blipFill>
-          <a:blip r:embed="rId2"/>
-          <a:stretch>
-            <a:fillRect/>
-          </a:stretch>
-        </p:blipFill>
-        <p:spPr>
-          <a:xfrm>
-            <a:off x="1403350" y="939800"/>
-            <a:ext cx="7599680" cy="5410201"/>
-          </a:xfrm>
-          <a:prstGeom prst="rect">
-            <a:avLst/>
-          </a:prstGeom>
-        </p:spPr>
-      </p:pic>
+      <p:graphicFrame>
+        <p:nvGraphicFramePr>
+          <p:cNvPr id="4" name="Объект 3"/>
+          <p:cNvGraphicFramePr>
+            <a:graphicFrameLocks noGrp="1"/>
+          </p:cNvGraphicFramePr>
+          <p:nvPr>
+            <p:ph idx="1"/>
+            <p:extLst>
+              <p:ext uri="{D42A27DB-BD31-4B8C-83A1-F6EECF244321}">
+                <p14:modId xmlns:p14="http://schemas.microsoft.com/office/powerpoint/2010/main" val="315323457"/>
+              </p:ext>
+            </p:extLst>
+          </p:nvPr>
+        </p:nvGraphicFramePr>
+        <p:xfrm>
+          <a:off x="838200" y="1098550"/>
+          <a:ext cx="10661650" cy="5687767"/>
+        </p:xfrm>
+        <a:graphic>
+          <a:graphicData uri="http://schemas.openxmlformats.org/drawingml/2006/table">
+            <a:tbl>
+              <a:tblPr firstRow="1" firstCol="1" bandRow="1">
+                <a:tableStyleId>{5940675A-B579-460E-94D1-54222C63F5DA}</a:tableStyleId>
+              </a:tblPr>
+              <a:tblGrid>
+                <a:gridCol w="1498600">
+                  <a:extLst>
+                    <a:ext uri="{9D8B030D-6E8A-4147-A177-3AD203B41FA5}">
+                      <a16:colId xmlns:a16="http://schemas.microsoft.com/office/drawing/2014/main" val="1861406424"/>
+                    </a:ext>
+                  </a:extLst>
+                </a:gridCol>
+                <a:gridCol w="2056749">
+                  <a:extLst>
+                    <a:ext uri="{9D8B030D-6E8A-4147-A177-3AD203B41FA5}">
+                      <a16:colId xmlns:a16="http://schemas.microsoft.com/office/drawing/2014/main" val="1024974043"/>
+                    </a:ext>
+                  </a:extLst>
+                </a:gridCol>
+                <a:gridCol w="1713257">
+                  <a:extLst>
+                    <a:ext uri="{9D8B030D-6E8A-4147-A177-3AD203B41FA5}">
+                      <a16:colId xmlns:a16="http://schemas.microsoft.com/office/drawing/2014/main" val="2243883847"/>
+                    </a:ext>
+                  </a:extLst>
+                </a:gridCol>
+                <a:gridCol w="1837933">
+                  <a:extLst>
+                    <a:ext uri="{9D8B030D-6E8A-4147-A177-3AD203B41FA5}">
+                      <a16:colId xmlns:a16="http://schemas.microsoft.com/office/drawing/2014/main" val="301088478"/>
+                    </a:ext>
+                  </a:extLst>
+                </a:gridCol>
+                <a:gridCol w="1758970">
+                  <a:extLst>
+                    <a:ext uri="{9D8B030D-6E8A-4147-A177-3AD203B41FA5}">
+                      <a16:colId xmlns:a16="http://schemas.microsoft.com/office/drawing/2014/main" val="4131636633"/>
+                    </a:ext>
+                  </a:extLst>
+                </a:gridCol>
+                <a:gridCol w="1796141">
+                  <a:extLst>
+                    <a:ext uri="{9D8B030D-6E8A-4147-A177-3AD203B41FA5}">
+                      <a16:colId xmlns:a16="http://schemas.microsoft.com/office/drawing/2014/main" val="1820867874"/>
+                    </a:ext>
+                  </a:extLst>
+                </a:gridCol>
+              </a:tblGrid>
+              <a:tr h="396739">
+                <a:tc>
+                  <a:txBody>
+                    <a:bodyPr/>
+                    <a:lstStyle/>
+                    <a:p>
+                      <a:pPr indent="450215" algn="l">
+                        <a:lnSpc>
+                          <a:spcPct val="150000"/>
+                        </a:lnSpc>
+                        <a:spcAft>
+                          <a:spcPts val="0"/>
+                        </a:spcAft>
+                      </a:pPr>
+                      <a:r>
+                        <a:rPr lang="ru-RU" sz="1400" dirty="0">
+                          <a:effectLst/>
+                        </a:rPr>
+                        <a:t>название</a:t>
+                      </a:r>
+                      <a:endParaRPr lang="ru-RU" sz="1400" dirty="0">
+                        <a:effectLst/>
+                        <a:latin typeface="Times New Roman" panose="02020603050405020304" pitchFamily="18" charset="0"/>
+                        <a:ea typeface="Times New Roman" panose="02020603050405020304" pitchFamily="18" charset="0"/>
+                        <a:cs typeface="Times New Roman" panose="02020603050405020304" pitchFamily="18" charset="0"/>
+                      </a:endParaRPr>
+                    </a:p>
+                  </a:txBody>
+                  <a:tcPr marL="36261" marR="36261" marT="0" marB="0"/>
+                </a:tc>
+                <a:tc>
+                  <a:txBody>
+                    <a:bodyPr/>
+                    <a:lstStyle/>
+                    <a:p>
+                      <a:pPr indent="450215" algn="l">
+                        <a:lnSpc>
+                          <a:spcPct val="150000"/>
+                        </a:lnSpc>
+                        <a:spcAft>
+                          <a:spcPts val="0"/>
+                        </a:spcAft>
+                      </a:pPr>
+                      <a:r>
+                        <a:rPr lang="ru-RU" sz="1400" dirty="0">
+                          <a:effectLst/>
+                        </a:rPr>
+                        <a:t>Усиление</a:t>
+                      </a:r>
+                      <a:endParaRPr lang="ru-RU" sz="1400" dirty="0">
+                        <a:effectLst/>
+                        <a:latin typeface="Times New Roman" panose="02020603050405020304" pitchFamily="18" charset="0"/>
+                        <a:ea typeface="Times New Roman" panose="02020603050405020304" pitchFamily="18" charset="0"/>
+                        <a:cs typeface="Times New Roman" panose="02020603050405020304" pitchFamily="18" charset="0"/>
+                      </a:endParaRPr>
+                    </a:p>
+                  </a:txBody>
+                  <a:tcPr marL="36261" marR="36261" marT="0" marB="0"/>
+                </a:tc>
+                <a:tc>
+                  <a:txBody>
+                    <a:bodyPr/>
+                    <a:lstStyle/>
+                    <a:p>
+                      <a:pPr indent="450215" algn="l">
+                        <a:lnSpc>
+                          <a:spcPct val="150000"/>
+                        </a:lnSpc>
+                        <a:spcAft>
+                          <a:spcPts val="0"/>
+                        </a:spcAft>
+                      </a:pPr>
+                      <a:r>
+                        <a:rPr lang="ru-RU" sz="1400">
+                          <a:effectLst/>
+                        </a:rPr>
+                        <a:t>Диапазон напряжения питания</a:t>
+                      </a:r>
+                      <a:endParaRPr lang="ru-RU" sz="1400">
+                        <a:effectLst/>
+                        <a:latin typeface="Times New Roman" panose="02020603050405020304" pitchFamily="18" charset="0"/>
+                        <a:ea typeface="Times New Roman" panose="02020603050405020304" pitchFamily="18" charset="0"/>
+                        <a:cs typeface="Times New Roman" panose="02020603050405020304" pitchFamily="18" charset="0"/>
+                      </a:endParaRPr>
+                    </a:p>
+                  </a:txBody>
+                  <a:tcPr marL="36261" marR="36261" marT="0" marB="0"/>
+                </a:tc>
+                <a:tc>
+                  <a:txBody>
+                    <a:bodyPr/>
+                    <a:lstStyle/>
+                    <a:p>
+                      <a:pPr indent="450215" algn="l">
+                        <a:lnSpc>
+                          <a:spcPct val="150000"/>
+                        </a:lnSpc>
+                        <a:spcAft>
+                          <a:spcPts val="0"/>
+                        </a:spcAft>
+                      </a:pPr>
+                      <a:r>
+                        <a:rPr lang="ru-RU" sz="1400">
+                          <a:effectLst/>
+                        </a:rPr>
+                        <a:t>размер</a:t>
+                      </a:r>
+                      <a:endParaRPr lang="ru-RU" sz="1400">
+                        <a:effectLst/>
+                        <a:latin typeface="Times New Roman" panose="02020603050405020304" pitchFamily="18" charset="0"/>
+                        <a:ea typeface="Times New Roman" panose="02020603050405020304" pitchFamily="18" charset="0"/>
+                        <a:cs typeface="Times New Roman" panose="02020603050405020304" pitchFamily="18" charset="0"/>
+                      </a:endParaRPr>
+                    </a:p>
+                  </a:txBody>
+                  <a:tcPr marL="36261" marR="36261" marT="0" marB="0"/>
+                </a:tc>
+                <a:tc>
+                  <a:txBody>
+                    <a:bodyPr/>
+                    <a:lstStyle/>
+                    <a:p>
+                      <a:pPr indent="450215" algn="l">
+                        <a:lnSpc>
+                          <a:spcPct val="150000"/>
+                        </a:lnSpc>
+                        <a:spcAft>
+                          <a:spcPts val="0"/>
+                        </a:spcAft>
+                      </a:pPr>
+                      <a:r>
+                        <a:rPr lang="ru-RU" sz="1400">
+                          <a:effectLst/>
+                        </a:rPr>
+                        <a:t>Диапазон пропускаемых частот</a:t>
+                      </a:r>
+                      <a:endParaRPr lang="ru-RU" sz="1400">
+                        <a:effectLst/>
+                        <a:latin typeface="Times New Roman" panose="02020603050405020304" pitchFamily="18" charset="0"/>
+                        <a:ea typeface="Times New Roman" panose="02020603050405020304" pitchFamily="18" charset="0"/>
+                        <a:cs typeface="Times New Roman" panose="02020603050405020304" pitchFamily="18" charset="0"/>
+                      </a:endParaRPr>
+                    </a:p>
+                  </a:txBody>
+                  <a:tcPr marL="36261" marR="36261" marT="0" marB="0"/>
+                </a:tc>
+                <a:tc>
+                  <a:txBody>
+                    <a:bodyPr/>
+                    <a:lstStyle/>
+                    <a:p>
+                      <a:pPr indent="450215" algn="l">
+                        <a:lnSpc>
+                          <a:spcPct val="150000"/>
+                        </a:lnSpc>
+                        <a:spcAft>
+                          <a:spcPts val="0"/>
+                        </a:spcAft>
+                      </a:pPr>
+                      <a:r>
+                        <a:rPr lang="ru-RU" sz="1400">
+                          <a:effectLst/>
+                        </a:rPr>
+                        <a:t>цена</a:t>
+                      </a:r>
+                      <a:endParaRPr lang="ru-RU" sz="1400">
+                        <a:effectLst/>
+                        <a:latin typeface="Times New Roman" panose="02020603050405020304" pitchFamily="18" charset="0"/>
+                        <a:ea typeface="Times New Roman" panose="02020603050405020304" pitchFamily="18" charset="0"/>
+                        <a:cs typeface="Times New Roman" panose="02020603050405020304" pitchFamily="18" charset="0"/>
+                      </a:endParaRPr>
+                    </a:p>
+                  </a:txBody>
+                  <a:tcPr marL="36261" marR="36261" marT="0" marB="0"/>
+                </a:tc>
+                <a:extLst>
+                  <a:ext uri="{0D108BD9-81ED-4DB2-BD59-A6C34878D82A}">
+                    <a16:rowId xmlns:a16="http://schemas.microsoft.com/office/drawing/2014/main" val="2623018025"/>
+                  </a:ext>
+                </a:extLst>
+              </a:tr>
+              <a:tr h="1018165">
+                <a:tc>
+                  <a:txBody>
+                    <a:bodyPr/>
+                    <a:lstStyle/>
+                    <a:p>
+                      <a:pPr indent="450215" algn="l" fontAlgn="base">
+                        <a:lnSpc>
+                          <a:spcPts val="1500"/>
+                        </a:lnSpc>
+                        <a:spcBef>
+                          <a:spcPts val="1200"/>
+                        </a:spcBef>
+                        <a:spcAft>
+                          <a:spcPts val="0"/>
+                        </a:spcAft>
+                      </a:pPr>
+                      <a:r>
+                        <a:rPr lang="ru-RU" sz="1400" kern="0" spc="-10" dirty="0">
+                          <a:effectLst/>
+                        </a:rPr>
+                        <a:t>датчик EMG</a:t>
+                      </a:r>
+                      <a:endParaRPr lang="ru-RU" sz="1400" kern="0" dirty="0">
+                        <a:effectLst/>
+                      </a:endParaRPr>
+                    </a:p>
+                    <a:p>
+                      <a:pPr indent="450215" algn="l">
+                        <a:lnSpc>
+                          <a:spcPct val="150000"/>
+                        </a:lnSpc>
+                        <a:spcAft>
+                          <a:spcPts val="0"/>
+                        </a:spcAft>
+                      </a:pPr>
+                      <a:r>
+                        <a:rPr lang="ru-RU" sz="1400" dirty="0">
+                          <a:effectLst/>
+                        </a:rPr>
+                        <a:t> </a:t>
+                      </a:r>
+                      <a:endParaRPr lang="ru-RU" sz="1400" dirty="0">
+                        <a:effectLst/>
+                        <a:latin typeface="Times New Roman" panose="02020603050405020304" pitchFamily="18" charset="0"/>
+                        <a:ea typeface="Times New Roman" panose="02020603050405020304" pitchFamily="18" charset="0"/>
+                        <a:cs typeface="Times New Roman" panose="02020603050405020304" pitchFamily="18" charset="0"/>
+                      </a:endParaRPr>
+                    </a:p>
+                  </a:txBody>
+                  <a:tcPr marL="36261" marR="36261" marT="0" marB="0"/>
+                </a:tc>
+                <a:tc>
+                  <a:txBody>
+                    <a:bodyPr/>
+                    <a:lstStyle/>
+                    <a:p>
+                      <a:pPr indent="450215" algn="l">
+                        <a:lnSpc>
+                          <a:spcPct val="150000"/>
+                        </a:lnSpc>
+                        <a:spcAft>
+                          <a:spcPts val="0"/>
+                        </a:spcAft>
+                      </a:pPr>
+                      <a:r>
+                        <a:rPr lang="ru-RU" sz="1400" dirty="0">
+                          <a:effectLst/>
+                        </a:rPr>
+                        <a:t>-</a:t>
+                      </a:r>
+                      <a:endParaRPr lang="ru-RU" sz="1400" dirty="0">
+                        <a:effectLst/>
+                        <a:latin typeface="Times New Roman" panose="02020603050405020304" pitchFamily="18" charset="0"/>
+                        <a:ea typeface="Times New Roman" panose="02020603050405020304" pitchFamily="18" charset="0"/>
+                        <a:cs typeface="Times New Roman" panose="02020603050405020304" pitchFamily="18" charset="0"/>
+                      </a:endParaRPr>
+                    </a:p>
+                  </a:txBody>
+                  <a:tcPr marL="36261" marR="36261" marT="0" marB="0"/>
+                </a:tc>
+                <a:tc>
+                  <a:txBody>
+                    <a:bodyPr/>
+                    <a:lstStyle/>
+                    <a:p>
+                      <a:pPr indent="450215" algn="l">
+                        <a:lnSpc>
+                          <a:spcPct val="150000"/>
+                        </a:lnSpc>
+                        <a:spcAft>
+                          <a:spcPts val="0"/>
+                        </a:spcAft>
+                      </a:pPr>
+                      <a:r>
+                        <a:rPr lang="ru-RU" sz="1400" dirty="0">
+                          <a:effectLst/>
+                        </a:rPr>
+                        <a:t>+ -9 в Двойной источник питания, минимальный +-3,5 в</a:t>
+                      </a:r>
+                      <a:endParaRPr lang="ru-RU" sz="1400" dirty="0">
+                        <a:effectLst/>
+                        <a:latin typeface="Times New Roman" panose="02020603050405020304" pitchFamily="18" charset="0"/>
+                        <a:ea typeface="Times New Roman" panose="02020603050405020304" pitchFamily="18" charset="0"/>
+                        <a:cs typeface="Times New Roman" panose="02020603050405020304" pitchFamily="18" charset="0"/>
+                      </a:endParaRPr>
+                    </a:p>
+                  </a:txBody>
+                  <a:tcPr marL="36261" marR="36261" marT="0" marB="0"/>
+                </a:tc>
+                <a:tc>
+                  <a:txBody>
+                    <a:bodyPr/>
+                    <a:lstStyle/>
+                    <a:p>
+                      <a:pPr indent="450215" algn="l">
+                        <a:lnSpc>
+                          <a:spcPct val="150000"/>
+                        </a:lnSpc>
+                        <a:spcAft>
+                          <a:spcPts val="0"/>
+                        </a:spcAft>
+                      </a:pPr>
+                      <a:r>
+                        <a:rPr lang="ru-RU" sz="1400">
+                          <a:effectLst/>
+                        </a:rPr>
+                        <a:t>25x26x10 мм</a:t>
+                      </a:r>
+                      <a:endParaRPr lang="ru-RU" sz="1400">
+                        <a:effectLst/>
+                        <a:latin typeface="Times New Roman" panose="02020603050405020304" pitchFamily="18" charset="0"/>
+                        <a:ea typeface="Times New Roman" panose="02020603050405020304" pitchFamily="18" charset="0"/>
+                        <a:cs typeface="Times New Roman" panose="02020603050405020304" pitchFamily="18" charset="0"/>
+                      </a:endParaRPr>
+                    </a:p>
+                  </a:txBody>
+                  <a:tcPr marL="36261" marR="36261" marT="0" marB="0"/>
+                </a:tc>
+                <a:tc>
+                  <a:txBody>
+                    <a:bodyPr/>
+                    <a:lstStyle/>
+                    <a:p>
+                      <a:pPr indent="450215" algn="l">
+                        <a:lnSpc>
+                          <a:spcPct val="150000"/>
+                        </a:lnSpc>
+                        <a:spcAft>
+                          <a:spcPts val="0"/>
+                        </a:spcAft>
+                      </a:pPr>
+                      <a:r>
+                        <a:rPr lang="en-US" sz="1400">
+                          <a:effectLst/>
+                        </a:rPr>
+                        <a:t>-</a:t>
+                      </a:r>
+                      <a:endParaRPr lang="ru-RU" sz="1400">
+                        <a:effectLst/>
+                        <a:latin typeface="Times New Roman" panose="02020603050405020304" pitchFamily="18" charset="0"/>
+                        <a:ea typeface="Times New Roman" panose="02020603050405020304" pitchFamily="18" charset="0"/>
+                        <a:cs typeface="Times New Roman" panose="02020603050405020304" pitchFamily="18" charset="0"/>
+                      </a:endParaRPr>
+                    </a:p>
+                  </a:txBody>
+                  <a:tcPr marL="36261" marR="36261" marT="0" marB="0"/>
+                </a:tc>
+                <a:tc>
+                  <a:txBody>
+                    <a:bodyPr/>
+                    <a:lstStyle/>
+                    <a:p>
+                      <a:pPr indent="450215" algn="l">
+                        <a:lnSpc>
+                          <a:spcPct val="150000"/>
+                        </a:lnSpc>
+                        <a:spcAft>
+                          <a:spcPts val="0"/>
+                        </a:spcAft>
+                      </a:pPr>
+                      <a:r>
+                        <a:rPr lang="en-US" sz="1400" dirty="0">
+                          <a:effectLst/>
+                        </a:rPr>
+                        <a:t>1981</a:t>
+                      </a:r>
+                      <a:r>
+                        <a:rPr lang="ru-RU" sz="1400" dirty="0">
+                          <a:effectLst/>
+                        </a:rPr>
+                        <a:t>р</a:t>
+                      </a:r>
+                      <a:endParaRPr lang="ru-RU" sz="1400" dirty="0">
+                        <a:effectLst/>
+                        <a:latin typeface="Times New Roman" panose="02020603050405020304" pitchFamily="18" charset="0"/>
+                        <a:ea typeface="Times New Roman" panose="02020603050405020304" pitchFamily="18" charset="0"/>
+                        <a:cs typeface="Times New Roman" panose="02020603050405020304" pitchFamily="18" charset="0"/>
+                      </a:endParaRPr>
+                    </a:p>
+                  </a:txBody>
+                  <a:tcPr marL="36261" marR="36261" marT="0" marB="0"/>
+                </a:tc>
+                <a:extLst>
+                  <a:ext uri="{0D108BD9-81ED-4DB2-BD59-A6C34878D82A}">
+                    <a16:rowId xmlns:a16="http://schemas.microsoft.com/office/drawing/2014/main" val="2200322966"/>
+                  </a:ext>
+                </a:extLst>
+              </a:tr>
+              <a:tr h="509082">
+                <a:tc>
+                  <a:txBody>
+                    <a:bodyPr/>
+                    <a:lstStyle/>
+                    <a:p>
+                      <a:pPr indent="450215" algn="l">
+                        <a:lnSpc>
+                          <a:spcPct val="150000"/>
+                        </a:lnSpc>
+                        <a:spcAft>
+                          <a:spcPts val="0"/>
+                        </a:spcAft>
+                      </a:pPr>
+                      <a:r>
+                        <a:rPr lang="en-US" sz="1400" dirty="0">
+                          <a:effectLst/>
+                        </a:rPr>
+                        <a:t>MH</a:t>
+                      </a:r>
+                      <a:r>
+                        <a:rPr lang="ru-RU" sz="1400" dirty="0">
+                          <a:effectLst/>
+                        </a:rPr>
+                        <a:t>-</a:t>
+                      </a:r>
+                      <a:r>
+                        <a:rPr lang="en-US" sz="1400" dirty="0">
+                          <a:effectLst/>
+                        </a:rPr>
+                        <a:t>BPS</a:t>
+                      </a:r>
+                      <a:r>
+                        <a:rPr lang="ru-RU" sz="1400" dirty="0">
+                          <a:effectLst/>
+                        </a:rPr>
+                        <a:t>101</a:t>
+                      </a:r>
+                      <a:endParaRPr lang="ru-RU" sz="1400" dirty="0">
+                        <a:effectLst/>
+                        <a:latin typeface="Times New Roman" panose="02020603050405020304" pitchFamily="18" charset="0"/>
+                        <a:ea typeface="Times New Roman" panose="02020603050405020304" pitchFamily="18" charset="0"/>
+                        <a:cs typeface="Times New Roman" panose="02020603050405020304" pitchFamily="18" charset="0"/>
+                      </a:endParaRPr>
+                    </a:p>
+                  </a:txBody>
+                  <a:tcPr marL="36261" marR="36261" marT="0" marB="0"/>
+                </a:tc>
+                <a:tc>
+                  <a:txBody>
+                    <a:bodyPr/>
+                    <a:lstStyle/>
+                    <a:p>
+                      <a:pPr indent="450215" algn="l">
+                        <a:lnSpc>
+                          <a:spcPct val="150000"/>
+                        </a:lnSpc>
+                        <a:spcAft>
+                          <a:spcPts val="0"/>
+                        </a:spcAft>
+                      </a:pPr>
+                      <a:r>
+                        <a:rPr lang="ru-RU" sz="1400" dirty="0">
+                          <a:effectLst/>
+                        </a:rPr>
+                        <a:t>-</a:t>
+                      </a:r>
+                      <a:endParaRPr lang="ru-RU" sz="1400" dirty="0">
+                        <a:effectLst/>
+                        <a:latin typeface="Times New Roman" panose="02020603050405020304" pitchFamily="18" charset="0"/>
+                        <a:ea typeface="Times New Roman" panose="02020603050405020304" pitchFamily="18" charset="0"/>
+                        <a:cs typeface="Times New Roman" panose="02020603050405020304" pitchFamily="18" charset="0"/>
+                      </a:endParaRPr>
+                    </a:p>
+                  </a:txBody>
+                  <a:tcPr marL="36261" marR="36261" marT="0" marB="0"/>
+                </a:tc>
+                <a:tc>
+                  <a:txBody>
+                    <a:bodyPr/>
+                    <a:lstStyle/>
+                    <a:p>
+                      <a:pPr indent="450215" algn="l">
+                        <a:lnSpc>
+                          <a:spcPct val="150000"/>
+                        </a:lnSpc>
+                        <a:spcAft>
+                          <a:spcPts val="0"/>
+                        </a:spcAft>
+                      </a:pPr>
+                      <a:r>
+                        <a:rPr lang="ru-RU" sz="1400">
+                          <a:effectLst/>
+                        </a:rPr>
+                        <a:t>3.3 – 5.5 V.</a:t>
+                      </a:r>
+                      <a:endParaRPr lang="ru-RU" sz="1400">
+                        <a:effectLst/>
+                        <a:latin typeface="Times New Roman" panose="02020603050405020304" pitchFamily="18" charset="0"/>
+                        <a:ea typeface="Times New Roman" panose="02020603050405020304" pitchFamily="18" charset="0"/>
+                        <a:cs typeface="Times New Roman" panose="02020603050405020304" pitchFamily="18" charset="0"/>
+                      </a:endParaRPr>
+                    </a:p>
+                  </a:txBody>
+                  <a:tcPr marL="36261" marR="36261" marT="0" marB="0"/>
+                </a:tc>
+                <a:tc>
+                  <a:txBody>
+                    <a:bodyPr/>
+                    <a:lstStyle/>
+                    <a:p>
+                      <a:pPr indent="450215" algn="l">
+                        <a:lnSpc>
+                          <a:spcPct val="150000"/>
+                        </a:lnSpc>
+                        <a:spcAft>
+                          <a:spcPts val="0"/>
+                        </a:spcAft>
+                      </a:pPr>
+                      <a:r>
+                        <a:rPr lang="ru-RU" sz="1400">
+                          <a:effectLst/>
+                        </a:rPr>
+                        <a:t>6.8х32.1х3.0мм</a:t>
+                      </a:r>
+                      <a:endParaRPr lang="ru-RU" sz="1400">
+                        <a:effectLst/>
+                        <a:latin typeface="Times New Roman" panose="02020603050405020304" pitchFamily="18" charset="0"/>
+                        <a:ea typeface="Times New Roman" panose="02020603050405020304" pitchFamily="18" charset="0"/>
+                        <a:cs typeface="Times New Roman" panose="02020603050405020304" pitchFamily="18" charset="0"/>
+                      </a:endParaRPr>
+                    </a:p>
+                  </a:txBody>
+                  <a:tcPr marL="36261" marR="36261" marT="0" marB="0"/>
+                </a:tc>
+                <a:tc>
+                  <a:txBody>
+                    <a:bodyPr/>
+                    <a:lstStyle/>
+                    <a:p>
+                      <a:pPr indent="450215" algn="l">
+                        <a:lnSpc>
+                          <a:spcPct val="150000"/>
+                        </a:lnSpc>
+                        <a:spcAft>
+                          <a:spcPts val="0"/>
+                        </a:spcAft>
+                      </a:pPr>
+                      <a:r>
+                        <a:rPr lang="ru-RU" sz="1400">
+                          <a:effectLst/>
+                        </a:rPr>
+                        <a:t> 8 – 200 Гц.</a:t>
+                      </a:r>
+                      <a:endParaRPr lang="ru-RU" sz="1400">
+                        <a:effectLst/>
+                        <a:latin typeface="Times New Roman" panose="02020603050405020304" pitchFamily="18" charset="0"/>
+                        <a:ea typeface="Times New Roman" panose="02020603050405020304" pitchFamily="18" charset="0"/>
+                        <a:cs typeface="Times New Roman" panose="02020603050405020304" pitchFamily="18" charset="0"/>
+                      </a:endParaRPr>
+                    </a:p>
+                  </a:txBody>
+                  <a:tcPr marL="36261" marR="36261" marT="0" marB="0"/>
+                </a:tc>
+                <a:tc>
+                  <a:txBody>
+                    <a:bodyPr/>
+                    <a:lstStyle/>
+                    <a:p>
+                      <a:pPr indent="450215" algn="l">
+                        <a:lnSpc>
+                          <a:spcPct val="150000"/>
+                        </a:lnSpc>
+                        <a:spcAft>
+                          <a:spcPts val="0"/>
+                        </a:spcAft>
+                      </a:pPr>
+                      <a:r>
+                        <a:rPr lang="ru-RU" sz="1400">
+                          <a:effectLst/>
+                        </a:rPr>
+                        <a:t>1600р</a:t>
+                      </a:r>
+                      <a:endParaRPr lang="ru-RU" sz="1400">
+                        <a:effectLst/>
+                        <a:latin typeface="Times New Roman" panose="02020603050405020304" pitchFamily="18" charset="0"/>
+                        <a:ea typeface="Times New Roman" panose="02020603050405020304" pitchFamily="18" charset="0"/>
+                        <a:cs typeface="Times New Roman" panose="02020603050405020304" pitchFamily="18" charset="0"/>
+                      </a:endParaRPr>
+                    </a:p>
+                  </a:txBody>
+                  <a:tcPr marL="36261" marR="36261" marT="0" marB="0"/>
+                </a:tc>
+                <a:extLst>
+                  <a:ext uri="{0D108BD9-81ED-4DB2-BD59-A6C34878D82A}">
+                    <a16:rowId xmlns:a16="http://schemas.microsoft.com/office/drawing/2014/main" val="1665083673"/>
+                  </a:ext>
+                </a:extLst>
+              </a:tr>
+              <a:tr h="3197827">
+                <a:tc>
+                  <a:txBody>
+                    <a:bodyPr/>
+                    <a:lstStyle/>
+                    <a:p>
+                      <a:pPr indent="450215" algn="l">
+                        <a:lnSpc>
+                          <a:spcPct val="150000"/>
+                        </a:lnSpc>
+                        <a:spcAft>
+                          <a:spcPts val="0"/>
+                        </a:spcAft>
+                      </a:pPr>
+                      <a:r>
+                        <a:rPr lang="en-US" sz="1400" dirty="0">
+                          <a:effectLst/>
+                        </a:rPr>
+                        <a:t>MH</a:t>
+                      </a:r>
+                      <a:r>
+                        <a:rPr lang="ru-RU" sz="1400" dirty="0">
+                          <a:effectLst/>
+                        </a:rPr>
+                        <a:t>-</a:t>
+                      </a:r>
+                      <a:r>
+                        <a:rPr lang="en-US" sz="1400" dirty="0">
+                          <a:effectLst/>
+                        </a:rPr>
+                        <a:t>BPS</a:t>
+                      </a:r>
+                      <a:r>
+                        <a:rPr lang="ru-RU" sz="1400" dirty="0">
+                          <a:effectLst/>
+                        </a:rPr>
+                        <a:t>102</a:t>
+                      </a:r>
+                      <a:endParaRPr lang="ru-RU" sz="1400" dirty="0">
+                        <a:effectLst/>
+                        <a:latin typeface="Times New Roman" panose="02020603050405020304" pitchFamily="18" charset="0"/>
+                        <a:ea typeface="Times New Roman" panose="02020603050405020304" pitchFamily="18" charset="0"/>
+                        <a:cs typeface="Times New Roman" panose="02020603050405020304" pitchFamily="18" charset="0"/>
+                      </a:endParaRPr>
+                    </a:p>
+                  </a:txBody>
+                  <a:tcPr marL="36261" marR="36261" marT="0" marB="0"/>
+                </a:tc>
+                <a:tc>
+                  <a:txBody>
+                    <a:bodyPr/>
+                    <a:lstStyle/>
+                    <a:p>
+                      <a:pPr marL="457200" indent="450215" algn="l">
+                        <a:lnSpc>
+                          <a:spcPct val="150000"/>
+                        </a:lnSpc>
+                        <a:spcAft>
+                          <a:spcPts val="0"/>
+                        </a:spcAft>
+                      </a:pPr>
+                      <a:r>
+                        <a:rPr lang="ru-RU" sz="1400" dirty="0">
+                          <a:effectLst/>
+                        </a:rPr>
+                        <a:t>Базовый коэффициент усиления равен 500 V/V, может быть увеличен в ⨯1, ⨯2, ⨯4, ⨯5, ⨯8, ⨯10, ⨯16 или ⨯32 раз.</a:t>
+                      </a:r>
+                      <a:br>
+                        <a:rPr lang="ru-RU" sz="1400" dirty="0">
+                          <a:effectLst/>
+                        </a:rPr>
+                      </a:br>
+                      <a:r>
+                        <a:rPr lang="ru-RU" sz="1400" dirty="0">
+                          <a:effectLst/>
+                        </a:rPr>
+                        <a:t>Регулируется посредством SPI интерфейса.</a:t>
+                      </a:r>
+                    </a:p>
+                    <a:p>
+                      <a:pPr marL="457200" indent="450215" algn="l">
+                        <a:lnSpc>
+                          <a:spcPct val="150000"/>
+                        </a:lnSpc>
+                        <a:spcAft>
+                          <a:spcPts val="0"/>
+                        </a:spcAft>
+                      </a:pPr>
+                      <a:r>
+                        <a:rPr lang="ru-RU" sz="1400" dirty="0">
+                          <a:effectLst/>
+                        </a:rPr>
+                        <a:t> </a:t>
+                      </a:r>
+                      <a:endParaRPr lang="ru-RU" sz="1400" dirty="0">
+                        <a:effectLst/>
+                        <a:latin typeface="Times New Roman" panose="02020603050405020304" pitchFamily="18" charset="0"/>
+                        <a:ea typeface="Times New Roman" panose="02020603050405020304" pitchFamily="18" charset="0"/>
+                        <a:cs typeface="Times New Roman" panose="02020603050405020304" pitchFamily="18" charset="0"/>
+                      </a:endParaRPr>
+                    </a:p>
+                  </a:txBody>
+                  <a:tcPr marL="36261" marR="36261" marT="0" marB="0"/>
+                </a:tc>
+                <a:tc>
+                  <a:txBody>
+                    <a:bodyPr/>
+                    <a:lstStyle/>
+                    <a:p>
+                      <a:pPr indent="450215" algn="l">
+                        <a:lnSpc>
+                          <a:spcPct val="150000"/>
+                        </a:lnSpc>
+                        <a:spcAft>
+                          <a:spcPts val="0"/>
+                        </a:spcAft>
+                      </a:pPr>
+                      <a:r>
+                        <a:rPr lang="ru-RU" sz="1400" dirty="0">
+                          <a:effectLst/>
+                        </a:rPr>
+                        <a:t>3.3 – 5.5 V.</a:t>
+                      </a:r>
+                      <a:endParaRPr lang="ru-RU" sz="1400" dirty="0">
+                        <a:effectLst/>
+                        <a:latin typeface="Times New Roman" panose="02020603050405020304" pitchFamily="18" charset="0"/>
+                        <a:ea typeface="Times New Roman" panose="02020603050405020304" pitchFamily="18" charset="0"/>
+                        <a:cs typeface="Times New Roman" panose="02020603050405020304" pitchFamily="18" charset="0"/>
+                      </a:endParaRPr>
+                    </a:p>
+                  </a:txBody>
+                  <a:tcPr marL="36261" marR="36261" marT="0" marB="0"/>
+                </a:tc>
+                <a:tc>
+                  <a:txBody>
+                    <a:bodyPr/>
+                    <a:lstStyle/>
+                    <a:p>
+                      <a:pPr indent="450215" algn="l">
+                        <a:lnSpc>
+                          <a:spcPct val="150000"/>
+                        </a:lnSpc>
+                        <a:spcAft>
+                          <a:spcPts val="0"/>
+                        </a:spcAft>
+                      </a:pPr>
+                      <a:r>
+                        <a:rPr lang="ru-RU" sz="1400" dirty="0">
+                          <a:effectLst/>
+                        </a:rPr>
+                        <a:t>19.1х14.9х3.0 ± 0.2 мм</a:t>
+                      </a:r>
+                      <a:endParaRPr lang="ru-RU" sz="1400" dirty="0">
+                        <a:effectLst/>
+                        <a:latin typeface="Times New Roman" panose="02020603050405020304" pitchFamily="18" charset="0"/>
+                        <a:ea typeface="Times New Roman" panose="02020603050405020304" pitchFamily="18" charset="0"/>
+                        <a:cs typeface="Times New Roman" panose="02020603050405020304" pitchFamily="18" charset="0"/>
+                      </a:endParaRPr>
+                    </a:p>
+                  </a:txBody>
+                  <a:tcPr marL="36261" marR="36261" marT="0" marB="0"/>
+                </a:tc>
+                <a:tc>
+                  <a:txBody>
+                    <a:bodyPr/>
+                    <a:lstStyle/>
+                    <a:p>
+                      <a:pPr indent="450215" algn="l">
+                        <a:lnSpc>
+                          <a:spcPct val="150000"/>
+                        </a:lnSpc>
+                        <a:spcAft>
+                          <a:spcPts val="0"/>
+                        </a:spcAft>
+                      </a:pPr>
+                      <a:r>
+                        <a:rPr lang="ru-RU" sz="1400" dirty="0">
+                          <a:effectLst/>
+                        </a:rPr>
+                        <a:t>8 – 200 Гц</a:t>
+                      </a:r>
+                      <a:endParaRPr lang="ru-RU" sz="1400" dirty="0">
+                        <a:effectLst/>
+                        <a:latin typeface="Times New Roman" panose="02020603050405020304" pitchFamily="18" charset="0"/>
+                        <a:ea typeface="Times New Roman" panose="02020603050405020304" pitchFamily="18" charset="0"/>
+                        <a:cs typeface="Times New Roman" panose="02020603050405020304" pitchFamily="18" charset="0"/>
+                      </a:endParaRPr>
+                    </a:p>
+                  </a:txBody>
+                  <a:tcPr marL="36261" marR="36261" marT="0" marB="0"/>
+                </a:tc>
+                <a:tc>
+                  <a:txBody>
+                    <a:bodyPr/>
+                    <a:lstStyle/>
+                    <a:p>
+                      <a:pPr indent="450215" algn="l">
+                        <a:lnSpc>
+                          <a:spcPct val="150000"/>
+                        </a:lnSpc>
+                        <a:spcAft>
+                          <a:spcPts val="0"/>
+                        </a:spcAft>
+                      </a:pPr>
+                      <a:r>
+                        <a:rPr lang="en-US" sz="1400" dirty="0" smtClean="0">
+                          <a:effectLst/>
+                        </a:rPr>
+                        <a:t>1900</a:t>
+                      </a:r>
+                      <a:r>
+                        <a:rPr lang="ru-RU" sz="1400" dirty="0">
+                          <a:effectLst/>
+                        </a:rPr>
+                        <a:t>р</a:t>
+                      </a:r>
+                      <a:endParaRPr lang="ru-RU" sz="1400" dirty="0">
+                        <a:effectLst/>
+                        <a:latin typeface="Times New Roman" panose="02020603050405020304" pitchFamily="18" charset="0"/>
+                        <a:ea typeface="Times New Roman" panose="02020603050405020304" pitchFamily="18" charset="0"/>
+                        <a:cs typeface="Times New Roman" panose="02020603050405020304" pitchFamily="18" charset="0"/>
+                      </a:endParaRPr>
+                    </a:p>
+                  </a:txBody>
+                  <a:tcPr marL="36261" marR="36261" marT="0" marB="0"/>
+                </a:tc>
+                <a:extLst>
+                  <a:ext uri="{0D108BD9-81ED-4DB2-BD59-A6C34878D82A}">
+                    <a16:rowId xmlns:a16="http://schemas.microsoft.com/office/drawing/2014/main" val="1420263831"/>
+                  </a:ext>
+                </a:extLst>
+              </a:tr>
+            </a:tbl>
+          </a:graphicData>
+        </a:graphic>
+      </p:graphicFrame>
     </p:spTree>
     <p:extLst>
       <p:ext uri="{BB962C8B-B14F-4D97-AF65-F5344CB8AC3E}">
-        <p14:creationId xmlns:p14="http://schemas.microsoft.com/office/powerpoint/2010/main" val="2293688949"/>
+        <p14:creationId xmlns:p14="http://schemas.microsoft.com/office/powerpoint/2010/main" val="138475452"/>
       </p:ext>
     </p:extLst>
   </p:cSld>
@@ -7836,471 +9327,746 @@
       </p:grpSpPr>
       <p:sp>
         <p:nvSpPr>
-          <p:cNvPr id="208" name="Заголовок 1"/>
-          <p:cNvSpPr txBox="1">
+          <p:cNvPr id="2" name="Заголовок 1"/>
+          <p:cNvSpPr>
             <a:spLocks noGrp="1"/>
           </p:cNvSpPr>
           <p:nvPr>
             <p:ph type="title"/>
           </p:nvPr>
         </p:nvSpPr>
-        <p:spPr>
-          <a:prstGeom prst="rect">
-            <a:avLst/>
-          </a:prstGeom>
-        </p:spPr>
+        <p:spPr/>
         <p:txBody>
           <a:bodyPr/>
           <a:lstStyle/>
           <a:p>
             <a:r>
-              <a:t>Конкуренты </a:t>
-            </a:r>
+              <a:rPr lang="ru-RU" dirty="0" smtClean="0"/>
+              <a:t>Выбор микроконтроллера</a:t>
+            </a:r>
+            <a:endParaRPr lang="ru-RU" dirty="0"/>
           </a:p>
         </p:txBody>
       </p:sp>
       <p:graphicFrame>
         <p:nvGraphicFramePr>
-          <p:cNvPr id="3" name="Таблица 2"/>
+          <p:cNvPr id="4" name="Объект 3"/>
           <p:cNvGraphicFramePr>
             <a:graphicFrameLocks noGrp="1"/>
           </p:cNvGraphicFramePr>
           <p:nvPr>
+            <p:ph idx="1"/>
             <p:extLst>
               <p:ext uri="{D42A27DB-BD31-4B8C-83A1-F6EECF244321}">
-                <p14:modId xmlns:p14="http://schemas.microsoft.com/office/powerpoint/2010/main" val="2470546070"/>
+                <p14:modId xmlns:p14="http://schemas.microsoft.com/office/powerpoint/2010/main" val="1318775763"/>
               </p:ext>
             </p:extLst>
           </p:nvPr>
         </p:nvGraphicFramePr>
         <p:xfrm>
-          <a:off x="1943100" y="1631950"/>
-          <a:ext cx="8127999" cy="3697272"/>
+          <a:off x="895350" y="1454150"/>
+          <a:ext cx="9175749" cy="5264788"/>
         </p:xfrm>
         <a:graphic>
           <a:graphicData uri="http://schemas.openxmlformats.org/drawingml/2006/table">
             <a:tbl>
-              <a:tblPr firstRow="1" bandRow="1">
+              <a:tblPr firstRow="1" firstCol="1" bandRow="1">
                 <a:tableStyleId>{5940675A-B579-460E-94D1-54222C63F5DA}</a:tableStyleId>
               </a:tblPr>
               <a:tblGrid>
-                <a:gridCol w="2709333">
+                <a:gridCol w="1951041">
                   <a:extLst>
                     <a:ext uri="{9D8B030D-6E8A-4147-A177-3AD203B41FA5}">
-                      <a16:colId xmlns:a16="http://schemas.microsoft.com/office/drawing/2014/main" val="3714863407"/>
+                      <a16:colId xmlns:a16="http://schemas.microsoft.com/office/drawing/2014/main" val="697996849"/>
                     </a:ext>
                   </a:extLst>
                 </a:gridCol>
-                <a:gridCol w="2709333">
+                <a:gridCol w="2773425">
                   <a:extLst>
                     <a:ext uri="{9D8B030D-6E8A-4147-A177-3AD203B41FA5}">
-                      <a16:colId xmlns:a16="http://schemas.microsoft.com/office/drawing/2014/main" val="2262138312"/>
+                      <a16:colId xmlns:a16="http://schemas.microsoft.com/office/drawing/2014/main" val="793052723"/>
                     </a:ext>
                   </a:extLst>
                 </a:gridCol>
-                <a:gridCol w="2709333">
+                <a:gridCol w="2636363">
                   <a:extLst>
                     <a:ext uri="{9D8B030D-6E8A-4147-A177-3AD203B41FA5}">
-                      <a16:colId xmlns:a16="http://schemas.microsoft.com/office/drawing/2014/main" val="564948018"/>
+                      <a16:colId xmlns:a16="http://schemas.microsoft.com/office/drawing/2014/main" val="213932417"/>
+                    </a:ext>
+                  </a:extLst>
+                </a:gridCol>
+                <a:gridCol w="1814920">
+                  <a:extLst>
+                    <a:ext uri="{9D8B030D-6E8A-4147-A177-3AD203B41FA5}">
+                      <a16:colId xmlns:a16="http://schemas.microsoft.com/office/drawing/2014/main" val="3142080127"/>
                     </a:ext>
                   </a:extLst>
                 </a:gridCol>
               </a:tblGrid>
-              <a:tr h="604278">
+              <a:tr h="916147">
                 <a:tc>
                   <a:txBody>
                     <a:bodyPr/>
                     <a:lstStyle/>
                     <a:p>
-                      <a:r>
-                        <a:rPr lang="ru-RU" dirty="0" smtClean="0"/>
-                        <a:t>Наименование</a:t>
-                      </a:r>
-                      <a:endParaRPr lang="ru-RU" dirty="0"/>
-                    </a:p>
-                  </a:txBody>
-                  <a:tcPr/>
+                      <a:pPr indent="450215" algn="l">
+                        <a:lnSpc>
+                          <a:spcPct val="150000"/>
+                        </a:lnSpc>
+                        <a:spcAft>
+                          <a:spcPts val="0"/>
+                        </a:spcAft>
+                      </a:pPr>
+                      <a:r>
+                        <a:rPr lang="ru-RU" sz="1400" dirty="0">
+                          <a:effectLst/>
+                        </a:rPr>
+                        <a:t>название</a:t>
+                      </a:r>
+                      <a:endParaRPr lang="ru-RU" sz="1400" dirty="0">
+                        <a:effectLst/>
+                        <a:latin typeface="Times New Roman" panose="02020603050405020304" pitchFamily="18" charset="0"/>
+                        <a:ea typeface="Times New Roman" panose="02020603050405020304" pitchFamily="18" charset="0"/>
+                        <a:cs typeface="Times New Roman" panose="02020603050405020304" pitchFamily="18" charset="0"/>
+                      </a:endParaRPr>
+                    </a:p>
+                  </a:txBody>
+                  <a:tcPr marL="40625" marR="40625" marT="0" marB="0"/>
                 </a:tc>
                 <a:tc>
                   <a:txBody>
                     <a:bodyPr/>
                     <a:lstStyle/>
                     <a:p>
-                      <a:r>
-                        <a:rPr lang="ru-RU" dirty="0" smtClean="0"/>
-                        <a:t>Браслет для борьбы с курением </a:t>
-                      </a:r>
-                      <a:endParaRPr lang="ru-RU" dirty="0"/>
-                    </a:p>
-                  </a:txBody>
-                  <a:tcPr/>
+                      <a:pPr indent="450215" algn="l">
+                        <a:lnSpc>
+                          <a:spcPct val="150000"/>
+                        </a:lnSpc>
+                        <a:spcAft>
+                          <a:spcPts val="0"/>
+                        </a:spcAft>
+                      </a:pPr>
+                      <a:r>
+                        <a:rPr lang="ru-RU" sz="1400" dirty="0">
+                          <a:effectLst/>
+                        </a:rPr>
+                        <a:t>производительность</a:t>
+                      </a:r>
+                      <a:endParaRPr lang="ru-RU" sz="1400" dirty="0">
+                        <a:effectLst/>
+                        <a:latin typeface="Times New Roman" panose="02020603050405020304" pitchFamily="18" charset="0"/>
+                        <a:ea typeface="Times New Roman" panose="02020603050405020304" pitchFamily="18" charset="0"/>
+                        <a:cs typeface="Times New Roman" panose="02020603050405020304" pitchFamily="18" charset="0"/>
+                      </a:endParaRPr>
+                    </a:p>
+                  </a:txBody>
+                  <a:tcPr marL="40625" marR="40625" marT="0" marB="0"/>
                 </a:tc>
                 <a:tc>
                   <a:txBody>
                     <a:bodyPr/>
                     <a:lstStyle/>
                     <a:p>
-                      <a:r>
-                        <a:rPr lang="ru-RU" dirty="0" smtClean="0"/>
-                        <a:t>Браслет</a:t>
-                      </a:r>
-                      <a:r>
-                        <a:rPr lang="ru-RU" baseline="0" dirty="0" smtClean="0"/>
-                        <a:t> </a:t>
-                      </a:r>
-                      <a:r>
-                        <a:rPr lang="en-US" baseline="0" dirty="0" smtClean="0"/>
-                        <a:t>PAVLOK</a:t>
-                      </a:r>
-                      <a:endParaRPr lang="ru-RU" dirty="0"/>
-                    </a:p>
-                  </a:txBody>
-                  <a:tcPr/>
+                      <a:pPr indent="450215" algn="l">
+                        <a:lnSpc>
+                          <a:spcPct val="150000"/>
+                        </a:lnSpc>
+                        <a:spcAft>
+                          <a:spcPts val="0"/>
+                        </a:spcAft>
+                      </a:pPr>
+                      <a:r>
+                        <a:rPr lang="ru-RU" sz="1400">
+                          <a:effectLst/>
+                        </a:rPr>
+                        <a:t>энергопотребление</a:t>
+                      </a:r>
+                      <a:endParaRPr lang="ru-RU" sz="1400">
+                        <a:effectLst/>
+                        <a:latin typeface="Times New Roman" panose="02020603050405020304" pitchFamily="18" charset="0"/>
+                        <a:ea typeface="Times New Roman" panose="02020603050405020304" pitchFamily="18" charset="0"/>
+                        <a:cs typeface="Times New Roman" panose="02020603050405020304" pitchFamily="18" charset="0"/>
+                      </a:endParaRPr>
+                    </a:p>
+                  </a:txBody>
+                  <a:tcPr marL="40625" marR="40625" marT="0" marB="0"/>
+                </a:tc>
+                <a:tc>
+                  <a:txBody>
+                    <a:bodyPr/>
+                    <a:lstStyle/>
+                    <a:p>
+                      <a:pPr indent="450215" algn="l">
+                        <a:lnSpc>
+                          <a:spcPct val="150000"/>
+                        </a:lnSpc>
+                        <a:spcAft>
+                          <a:spcPts val="0"/>
+                        </a:spcAft>
+                      </a:pPr>
+                      <a:r>
+                        <a:rPr lang="ru-RU" sz="1400">
+                          <a:effectLst/>
+                        </a:rPr>
+                        <a:t>цена</a:t>
+                      </a:r>
+                      <a:endParaRPr lang="ru-RU" sz="1400">
+                        <a:effectLst/>
+                        <a:latin typeface="Times New Roman" panose="02020603050405020304" pitchFamily="18" charset="0"/>
+                        <a:ea typeface="Times New Roman" panose="02020603050405020304" pitchFamily="18" charset="0"/>
+                        <a:cs typeface="Times New Roman" panose="02020603050405020304" pitchFamily="18" charset="0"/>
+                      </a:endParaRPr>
+                    </a:p>
+                  </a:txBody>
+                  <a:tcPr marL="40625" marR="40625" marT="0" marB="0"/>
                 </a:tc>
                 <a:extLst>
                   <a:ext uri="{0D108BD9-81ED-4DB2-BD59-A6C34878D82A}">
-                    <a16:rowId xmlns:a16="http://schemas.microsoft.com/office/drawing/2014/main" val="359725220"/>
+                    <a16:rowId xmlns:a16="http://schemas.microsoft.com/office/drawing/2014/main" val="1218601162"/>
                   </a:ext>
                 </a:extLst>
               </a:tr>
-              <a:tr h="604278">
+              <a:tr h="916147">
                 <a:tc>
                   <a:txBody>
                     <a:bodyPr/>
                     <a:lstStyle/>
                     <a:p>
-                      <a:r>
-                        <a:rPr lang="ru-RU" dirty="0" smtClean="0"/>
-                        <a:t>Автоматическое детектирование</a:t>
-                      </a:r>
-                      <a:endParaRPr lang="ru-RU" dirty="0"/>
-                    </a:p>
-                  </a:txBody>
-                  <a:tcPr/>
+                      <a:pPr indent="450215" algn="l">
+                        <a:lnSpc>
+                          <a:spcPct val="150000"/>
+                        </a:lnSpc>
+                        <a:spcAft>
+                          <a:spcPts val="0"/>
+                        </a:spcAft>
+                      </a:pPr>
+                      <a:r>
+                        <a:rPr lang="en-US" sz="1400">
+                          <a:effectLst/>
+                        </a:rPr>
+                        <a:t>Arduino nano</a:t>
+                      </a:r>
+                      <a:endParaRPr lang="ru-RU" sz="1400">
+                        <a:effectLst/>
+                        <a:latin typeface="Times New Roman" panose="02020603050405020304" pitchFamily="18" charset="0"/>
+                        <a:ea typeface="Times New Roman" panose="02020603050405020304" pitchFamily="18" charset="0"/>
+                        <a:cs typeface="Times New Roman" panose="02020603050405020304" pitchFamily="18" charset="0"/>
+                      </a:endParaRPr>
+                    </a:p>
+                  </a:txBody>
+                  <a:tcPr marL="40625" marR="40625" marT="0" marB="0"/>
                 </a:tc>
                 <a:tc>
                   <a:txBody>
                     <a:bodyPr/>
                     <a:lstStyle/>
                     <a:p>
-                      <a:r>
-                        <a:rPr lang="ru-RU" dirty="0" smtClean="0"/>
-                        <a:t>да</a:t>
-                      </a:r>
-                      <a:endParaRPr lang="ru-RU" dirty="0"/>
-                    </a:p>
-                  </a:txBody>
-                  <a:tcPr>
-                    <a:solidFill>
-                      <a:srgbClr val="00B050"/>
-                    </a:solidFill>
-                  </a:tcPr>
+                      <a:pPr indent="450215" algn="l">
+                        <a:lnSpc>
+                          <a:spcPct val="150000"/>
+                        </a:lnSpc>
+                        <a:spcAft>
+                          <a:spcPts val="0"/>
+                        </a:spcAft>
+                      </a:pPr>
+                      <a:r>
+                        <a:rPr lang="ru-RU" sz="1400" dirty="0">
+                          <a:effectLst/>
+                        </a:rPr>
+                        <a:t>Частота: 16 МГц</a:t>
+                      </a:r>
+                      <a:endParaRPr lang="ru-RU" sz="1400" dirty="0">
+                        <a:effectLst/>
+                        <a:latin typeface="Times New Roman" panose="02020603050405020304" pitchFamily="18" charset="0"/>
+                        <a:ea typeface="Times New Roman" panose="02020603050405020304" pitchFamily="18" charset="0"/>
+                        <a:cs typeface="Times New Roman" panose="02020603050405020304" pitchFamily="18" charset="0"/>
+                      </a:endParaRPr>
+                    </a:p>
+                  </a:txBody>
+                  <a:tcPr marL="40625" marR="40625" marT="0" marB="0"/>
                 </a:tc>
                 <a:tc>
                   <a:txBody>
                     <a:bodyPr/>
                     <a:lstStyle/>
                     <a:p>
-                      <a:r>
-                        <a:rPr lang="ru-RU" dirty="0" smtClean="0"/>
-                        <a:t>нет</a:t>
-                      </a:r>
-                      <a:endParaRPr lang="ru-RU" dirty="0"/>
-                    </a:p>
-                  </a:txBody>
-                  <a:tcPr>
-                    <a:solidFill>
-                      <a:srgbClr val="FF0000"/>
-                    </a:solidFill>
-                  </a:tcPr>
+                      <a:pPr indent="450215" algn="l">
+                        <a:lnSpc>
+                          <a:spcPct val="150000"/>
+                        </a:lnSpc>
+                        <a:spcAft>
+                          <a:spcPts val="0"/>
+                        </a:spcAft>
+                      </a:pPr>
+                      <a:r>
+                        <a:rPr lang="ru-RU" sz="1400">
+                          <a:effectLst/>
+                        </a:rPr>
+                        <a:t>24 мА в полном сне 5 мА</a:t>
+                      </a:r>
+                      <a:endParaRPr lang="ru-RU" sz="1400">
+                        <a:effectLst/>
+                        <a:latin typeface="Times New Roman" panose="02020603050405020304" pitchFamily="18" charset="0"/>
+                        <a:ea typeface="Times New Roman" panose="02020603050405020304" pitchFamily="18" charset="0"/>
+                        <a:cs typeface="Times New Roman" panose="02020603050405020304" pitchFamily="18" charset="0"/>
+                      </a:endParaRPr>
+                    </a:p>
+                  </a:txBody>
+                  <a:tcPr marL="40625" marR="40625" marT="0" marB="0"/>
+                </a:tc>
+                <a:tc>
+                  <a:txBody>
+                    <a:bodyPr/>
+                    <a:lstStyle/>
+                    <a:p>
+                      <a:pPr indent="450215" algn="l">
+                        <a:lnSpc>
+                          <a:spcPct val="150000"/>
+                        </a:lnSpc>
+                        <a:spcAft>
+                          <a:spcPts val="0"/>
+                        </a:spcAft>
+                      </a:pPr>
+                      <a:r>
+                        <a:rPr lang="ru-RU" sz="1400">
+                          <a:effectLst/>
+                        </a:rPr>
+                        <a:t>250р</a:t>
+                      </a:r>
+                      <a:endParaRPr lang="ru-RU" sz="1400">
+                        <a:effectLst/>
+                        <a:latin typeface="Times New Roman" panose="02020603050405020304" pitchFamily="18" charset="0"/>
+                        <a:ea typeface="Times New Roman" panose="02020603050405020304" pitchFamily="18" charset="0"/>
+                        <a:cs typeface="Times New Roman" panose="02020603050405020304" pitchFamily="18" charset="0"/>
+                      </a:endParaRPr>
+                    </a:p>
+                  </a:txBody>
+                  <a:tcPr marL="40625" marR="40625" marT="0" marB="0"/>
                 </a:tc>
                 <a:extLst>
                   <a:ext uri="{0D108BD9-81ED-4DB2-BD59-A6C34878D82A}">
-                    <a16:rowId xmlns:a16="http://schemas.microsoft.com/office/drawing/2014/main" val="3069708926"/>
+                    <a16:rowId xmlns:a16="http://schemas.microsoft.com/office/drawing/2014/main" val="2881790107"/>
                   </a:ext>
                 </a:extLst>
               </a:tr>
-              <a:tr h="604278">
+              <a:tr h="1058225">
                 <a:tc>
                   <a:txBody>
                     <a:bodyPr/>
                     <a:lstStyle/>
                     <a:p>
-                      <a:r>
-                        <a:rPr lang="ru-RU" dirty="0" smtClean="0"/>
-                        <a:t>Бьет током</a:t>
-                      </a:r>
-                      <a:endParaRPr lang="ru-RU" dirty="0"/>
-                    </a:p>
-                  </a:txBody>
-                  <a:tcPr/>
+                      <a:pPr indent="450215" algn="l">
+                        <a:lnSpc>
+                          <a:spcPct val="150000"/>
+                        </a:lnSpc>
+                        <a:spcAft>
+                          <a:spcPts val="0"/>
+                        </a:spcAft>
+                      </a:pPr>
+                      <a:r>
+                        <a:rPr lang="en-US" sz="1400">
+                          <a:effectLst/>
+                        </a:rPr>
+                        <a:t>Stm32F1</a:t>
+                      </a:r>
+                      <a:endParaRPr lang="ru-RU" sz="1400">
+                        <a:effectLst/>
+                        <a:latin typeface="Times New Roman" panose="02020603050405020304" pitchFamily="18" charset="0"/>
+                        <a:ea typeface="Times New Roman" panose="02020603050405020304" pitchFamily="18" charset="0"/>
+                        <a:cs typeface="Times New Roman" panose="02020603050405020304" pitchFamily="18" charset="0"/>
+                      </a:endParaRPr>
+                    </a:p>
+                  </a:txBody>
+                  <a:tcPr marL="40625" marR="40625" marT="0" marB="0"/>
                 </a:tc>
                 <a:tc>
                   <a:txBody>
                     <a:bodyPr/>
                     <a:lstStyle/>
                     <a:p>
-                      <a:r>
-                        <a:rPr lang="ru-RU" dirty="0" smtClean="0"/>
-                        <a:t>да</a:t>
-                      </a:r>
-                      <a:endParaRPr lang="ru-RU" dirty="0"/>
-                    </a:p>
-                  </a:txBody>
-                  <a:tcPr>
-                    <a:solidFill>
-                      <a:srgbClr val="00B050"/>
-                    </a:solidFill>
-                  </a:tcPr>
+                      <a:pPr indent="450215" algn="l">
+                        <a:lnSpc>
+                          <a:spcPct val="150000"/>
+                        </a:lnSpc>
+                        <a:spcAft>
+                          <a:spcPts val="0"/>
+                        </a:spcAft>
+                      </a:pPr>
+                      <a:r>
+                        <a:rPr lang="ru-RU" sz="1400">
+                          <a:effectLst/>
+                        </a:rPr>
+                        <a:t>72 MHz</a:t>
+                      </a:r>
+                      <a:endParaRPr lang="ru-RU" sz="1400">
+                        <a:effectLst/>
+                        <a:latin typeface="Times New Roman" panose="02020603050405020304" pitchFamily="18" charset="0"/>
+                        <a:ea typeface="Times New Roman" panose="02020603050405020304" pitchFamily="18" charset="0"/>
+                        <a:cs typeface="Times New Roman" panose="02020603050405020304" pitchFamily="18" charset="0"/>
+                      </a:endParaRPr>
+                    </a:p>
+                  </a:txBody>
+                  <a:tcPr marL="40625" marR="40625" marT="0" marB="0"/>
                 </a:tc>
                 <a:tc>
                   <a:txBody>
                     <a:bodyPr/>
                     <a:lstStyle/>
                     <a:p>
-                      <a:r>
-                        <a:rPr lang="ru-RU" dirty="0" smtClean="0"/>
-                        <a:t>да</a:t>
-                      </a:r>
-                      <a:endParaRPr lang="ru-RU" dirty="0"/>
-                    </a:p>
-                  </a:txBody>
-                  <a:tcPr>
-                    <a:solidFill>
-                      <a:srgbClr val="00B050"/>
-                    </a:solidFill>
-                  </a:tcPr>
+                      <a:pPr indent="450215" algn="l">
+                        <a:lnSpc>
+                          <a:spcPct val="150000"/>
+                        </a:lnSpc>
+                        <a:spcAft>
+                          <a:spcPts val="0"/>
+                        </a:spcAft>
+                      </a:pPr>
+                      <a:r>
+                        <a:rPr lang="ru-RU" sz="1400" dirty="0">
+                          <a:effectLst/>
+                        </a:rPr>
+                        <a:t>29.5 6.4 при всей включенной/ выключенной периферии, есть режимы пониженного энергопотребления</a:t>
+                      </a:r>
+                      <a:endParaRPr lang="ru-RU" sz="1400" dirty="0">
+                        <a:effectLst/>
+                        <a:latin typeface="Times New Roman" panose="02020603050405020304" pitchFamily="18" charset="0"/>
+                        <a:ea typeface="Times New Roman" panose="02020603050405020304" pitchFamily="18" charset="0"/>
+                        <a:cs typeface="Times New Roman" panose="02020603050405020304" pitchFamily="18" charset="0"/>
+                      </a:endParaRPr>
+                    </a:p>
+                  </a:txBody>
+                  <a:tcPr marL="40625" marR="40625" marT="0" marB="0"/>
+                </a:tc>
+                <a:tc>
+                  <a:txBody>
+                    <a:bodyPr/>
+                    <a:lstStyle/>
+                    <a:p>
+                      <a:pPr indent="450215" algn="l">
+                        <a:lnSpc>
+                          <a:spcPct val="150000"/>
+                        </a:lnSpc>
+                        <a:spcAft>
+                          <a:spcPts val="0"/>
+                        </a:spcAft>
+                      </a:pPr>
+                      <a:r>
+                        <a:rPr lang="en-US" sz="1400" dirty="0">
+                          <a:effectLst/>
+                        </a:rPr>
+                        <a:t>200</a:t>
+                      </a:r>
+                      <a:r>
+                        <a:rPr lang="ru-RU" sz="1400" dirty="0">
+                          <a:effectLst/>
+                        </a:rPr>
+                        <a:t>р</a:t>
+                      </a:r>
+                      <a:endParaRPr lang="ru-RU" sz="1400" dirty="0">
+                        <a:effectLst/>
+                        <a:latin typeface="Times New Roman" panose="02020603050405020304" pitchFamily="18" charset="0"/>
+                        <a:ea typeface="Times New Roman" panose="02020603050405020304" pitchFamily="18" charset="0"/>
+                        <a:cs typeface="Times New Roman" panose="02020603050405020304" pitchFamily="18" charset="0"/>
+                      </a:endParaRPr>
+                    </a:p>
+                  </a:txBody>
+                  <a:tcPr marL="40625" marR="40625" marT="0" marB="0"/>
                 </a:tc>
                 <a:extLst>
                   <a:ext uri="{0D108BD9-81ED-4DB2-BD59-A6C34878D82A}">
-                    <a16:rowId xmlns:a16="http://schemas.microsoft.com/office/drawing/2014/main" val="3341337650"/>
+                    <a16:rowId xmlns:a16="http://schemas.microsoft.com/office/drawing/2014/main" val="2092229250"/>
                   </a:ext>
                 </a:extLst>
               </a:tr>
-              <a:tr h="604278">
+              <a:tr h="916147">
                 <a:tc>
                   <a:txBody>
                     <a:bodyPr/>
                     <a:lstStyle/>
                     <a:p>
-                      <a:r>
-                        <a:rPr lang="ru-RU" dirty="0" smtClean="0"/>
-                        <a:t>Удобно</a:t>
-                      </a:r>
-                      <a:r>
-                        <a:rPr lang="ru-RU" baseline="0" dirty="0" smtClean="0"/>
-                        <a:t> носить с собой</a:t>
-                      </a:r>
-                      <a:endParaRPr lang="ru-RU" dirty="0"/>
-                    </a:p>
-                  </a:txBody>
-                  <a:tcPr/>
+                      <a:pPr indent="450215" algn="l">
+                        <a:lnSpc>
+                          <a:spcPct val="150000"/>
+                        </a:lnSpc>
+                        <a:spcAft>
+                          <a:spcPts val="0"/>
+                        </a:spcAft>
+                      </a:pPr>
+                      <a:r>
+                        <a:rPr lang="en-US" sz="1400">
+                          <a:effectLst/>
+                        </a:rPr>
+                        <a:t>ESP</a:t>
+                      </a:r>
+                      <a:r>
+                        <a:rPr lang="ru-RU" sz="1400">
+                          <a:effectLst/>
+                        </a:rPr>
+                        <a:t> 32</a:t>
+                      </a:r>
+                      <a:r>
+                        <a:rPr lang="en-US" sz="1400">
+                          <a:effectLst/>
+                        </a:rPr>
+                        <a:t> micro</a:t>
+                      </a:r>
+                      <a:endParaRPr lang="ru-RU" sz="1400">
+                        <a:effectLst/>
+                        <a:latin typeface="Times New Roman" panose="02020603050405020304" pitchFamily="18" charset="0"/>
+                        <a:ea typeface="Times New Roman" panose="02020603050405020304" pitchFamily="18" charset="0"/>
+                        <a:cs typeface="Times New Roman" panose="02020603050405020304" pitchFamily="18" charset="0"/>
+                      </a:endParaRPr>
+                    </a:p>
+                  </a:txBody>
+                  <a:tcPr marL="40625" marR="40625" marT="0" marB="0"/>
                 </a:tc>
                 <a:tc>
                   <a:txBody>
                     <a:bodyPr/>
                     <a:lstStyle/>
                     <a:p>
-                      <a:r>
-                        <a:rPr lang="ru-RU" dirty="0" smtClean="0"/>
-                        <a:t>Да</a:t>
-                      </a:r>
-                      <a:r>
-                        <a:rPr lang="en-US" dirty="0" smtClean="0"/>
-                        <a:t>, </a:t>
-                      </a:r>
-                      <a:r>
-                        <a:rPr lang="ru-RU" dirty="0" smtClean="0"/>
-                        <a:t>браслет</a:t>
-                      </a:r>
-                      <a:r>
-                        <a:rPr lang="ru-RU" baseline="0" dirty="0" smtClean="0"/>
-                        <a:t> </a:t>
-                      </a:r>
-                      <a:endParaRPr lang="ru-RU" dirty="0"/>
-                    </a:p>
-                  </a:txBody>
-                  <a:tcPr>
-                    <a:solidFill>
-                      <a:srgbClr val="00B050"/>
-                    </a:solidFill>
-                  </a:tcPr>
+                      <a:pPr indent="450215" algn="l">
+                        <a:lnSpc>
+                          <a:spcPct val="150000"/>
+                        </a:lnSpc>
+                        <a:spcAft>
+                          <a:spcPts val="0"/>
+                        </a:spcAft>
+                      </a:pPr>
+                      <a:r>
+                        <a:rPr lang="ru-RU" sz="1400">
+                          <a:effectLst/>
+                        </a:rPr>
+                        <a:t>160 или 240 МГц</a:t>
+                      </a:r>
+                      <a:endParaRPr lang="ru-RU" sz="1400">
+                        <a:effectLst/>
+                        <a:latin typeface="Times New Roman" panose="02020603050405020304" pitchFamily="18" charset="0"/>
+                        <a:ea typeface="Times New Roman" panose="02020603050405020304" pitchFamily="18" charset="0"/>
+                        <a:cs typeface="Times New Roman" panose="02020603050405020304" pitchFamily="18" charset="0"/>
+                      </a:endParaRPr>
+                    </a:p>
+                  </a:txBody>
+                  <a:tcPr marL="40625" marR="40625" marT="0" marB="0"/>
                 </a:tc>
                 <a:tc>
                   <a:txBody>
                     <a:bodyPr/>
                     <a:lstStyle/>
                     <a:p>
-                      <a:r>
-                        <a:rPr lang="ru-RU" dirty="0" smtClean="0"/>
-                        <a:t>Да</a:t>
-                      </a:r>
-                      <a:r>
-                        <a:rPr lang="en-US" dirty="0" smtClean="0"/>
-                        <a:t>, </a:t>
-                      </a:r>
-                      <a:r>
-                        <a:rPr lang="ru-RU" dirty="0" smtClean="0"/>
-                        <a:t>браслет</a:t>
-                      </a:r>
-                      <a:endParaRPr lang="ru-RU" dirty="0"/>
-                    </a:p>
-                  </a:txBody>
-                  <a:tcPr>
-                    <a:solidFill>
-                      <a:srgbClr val="00B050"/>
-                    </a:solidFill>
-                  </a:tcPr>
+                      <a:pPr indent="450215" algn="l">
+                        <a:lnSpc>
+                          <a:spcPct val="150000"/>
+                        </a:lnSpc>
+                        <a:spcAft>
+                          <a:spcPts val="0"/>
+                        </a:spcAft>
+                      </a:pPr>
+                      <a:r>
+                        <a:rPr lang="ru-RU" sz="1400" dirty="0">
+                          <a:effectLst/>
+                        </a:rPr>
+                        <a:t>260 мА, в спящем режиме – 10 мА</a:t>
+                      </a:r>
+                      <a:endParaRPr lang="ru-RU" sz="1400" dirty="0">
+                        <a:effectLst/>
+                        <a:latin typeface="Times New Roman" panose="02020603050405020304" pitchFamily="18" charset="0"/>
+                        <a:ea typeface="Times New Roman" panose="02020603050405020304" pitchFamily="18" charset="0"/>
+                        <a:cs typeface="Times New Roman" panose="02020603050405020304" pitchFamily="18" charset="0"/>
+                      </a:endParaRPr>
+                    </a:p>
+                  </a:txBody>
+                  <a:tcPr marL="40625" marR="40625" marT="0" marB="0"/>
+                </a:tc>
+                <a:tc>
+                  <a:txBody>
+                    <a:bodyPr/>
+                    <a:lstStyle/>
+                    <a:p>
+                      <a:pPr indent="450215" algn="l">
+                        <a:lnSpc>
+                          <a:spcPct val="150000"/>
+                        </a:lnSpc>
+                        <a:spcAft>
+                          <a:spcPts val="0"/>
+                        </a:spcAft>
+                      </a:pPr>
+                      <a:r>
+                        <a:rPr lang="ru-RU" sz="1400">
+                          <a:effectLst/>
+                        </a:rPr>
+                        <a:t>650р</a:t>
+                      </a:r>
+                      <a:endParaRPr lang="ru-RU" sz="1400">
+                        <a:effectLst/>
+                        <a:latin typeface="Times New Roman" panose="02020603050405020304" pitchFamily="18" charset="0"/>
+                        <a:ea typeface="Times New Roman" panose="02020603050405020304" pitchFamily="18" charset="0"/>
+                        <a:cs typeface="Times New Roman" panose="02020603050405020304" pitchFamily="18" charset="0"/>
+                      </a:endParaRPr>
+                    </a:p>
+                  </a:txBody>
+                  <a:tcPr marL="40625" marR="40625" marT="0" marB="0"/>
                 </a:tc>
                 <a:extLst>
                   <a:ext uri="{0D108BD9-81ED-4DB2-BD59-A6C34878D82A}">
-                    <a16:rowId xmlns:a16="http://schemas.microsoft.com/office/drawing/2014/main" val="2891335131"/>
+                    <a16:rowId xmlns:a16="http://schemas.microsoft.com/office/drawing/2014/main" val="1178177201"/>
                   </a:ext>
                 </a:extLst>
               </a:tr>
-              <a:tr h="604278">
+              <a:tr h="916147">
                 <a:tc>
                   <a:txBody>
                     <a:bodyPr/>
                     <a:lstStyle/>
                     <a:p>
-                      <a:r>
-                        <a:rPr lang="ru-RU" dirty="0" smtClean="0"/>
-                        <a:t>Заряд</a:t>
-                      </a:r>
-                      <a:endParaRPr lang="ru-RU" dirty="0"/>
-                    </a:p>
-                  </a:txBody>
-                  <a:tcPr/>
+                      <a:pPr indent="450215" algn="l">
+                        <a:lnSpc>
+                          <a:spcPct val="150000"/>
+                        </a:lnSpc>
+                        <a:spcAft>
+                          <a:spcPts val="0"/>
+                        </a:spcAft>
+                      </a:pPr>
+                      <a:r>
+                        <a:rPr lang="en-US" sz="1400">
+                          <a:effectLst/>
+                        </a:rPr>
+                        <a:t>Stm</a:t>
+                      </a:r>
+                      <a:r>
+                        <a:rPr lang="ru-RU" sz="1400">
+                          <a:effectLst/>
+                        </a:rPr>
+                        <a:t>32</a:t>
+                      </a:r>
+                      <a:r>
+                        <a:rPr lang="en-US" sz="1400">
+                          <a:effectLst/>
+                        </a:rPr>
+                        <a:t>F</a:t>
+                      </a:r>
+                      <a:r>
+                        <a:rPr lang="ru-RU" sz="1400">
+                          <a:effectLst/>
+                        </a:rPr>
+                        <a:t>4</a:t>
+                      </a:r>
+                      <a:endParaRPr lang="ru-RU" sz="1400">
+                        <a:effectLst/>
+                        <a:latin typeface="Times New Roman" panose="02020603050405020304" pitchFamily="18" charset="0"/>
+                        <a:ea typeface="Times New Roman" panose="02020603050405020304" pitchFamily="18" charset="0"/>
+                        <a:cs typeface="Times New Roman" panose="02020603050405020304" pitchFamily="18" charset="0"/>
+                      </a:endParaRPr>
+                    </a:p>
+                  </a:txBody>
+                  <a:tcPr marL="40625" marR="40625" marT="0" marB="0"/>
                 </a:tc>
                 <a:tc>
                   <a:txBody>
                     <a:bodyPr/>
                     <a:lstStyle/>
                     <a:p>
-                      <a:r>
-                        <a:rPr lang="ru-RU" dirty="0" smtClean="0"/>
-                        <a:t>Да</a:t>
-                      </a:r>
-                      <a:r>
-                        <a:rPr lang="en-US" dirty="0" smtClean="0"/>
-                        <a:t>, </a:t>
-                      </a:r>
-                      <a:r>
-                        <a:rPr lang="ru-RU" dirty="0" smtClean="0"/>
-                        <a:t>на целый день</a:t>
-                      </a:r>
-                      <a:endParaRPr lang="ru-RU" dirty="0"/>
-                    </a:p>
-                  </a:txBody>
-                  <a:tcPr>
-                    <a:solidFill>
-                      <a:srgbClr val="00B050"/>
-                    </a:solidFill>
-                  </a:tcPr>
+                      <a:pPr indent="450215" algn="l">
+                        <a:lnSpc>
+                          <a:spcPct val="150000"/>
+                        </a:lnSpc>
+                        <a:spcAft>
+                          <a:spcPts val="0"/>
+                        </a:spcAft>
+                      </a:pPr>
+                      <a:r>
+                        <a:rPr lang="ru-RU" sz="1400">
+                          <a:effectLst/>
+                        </a:rPr>
+                        <a:t>168 МГц</a:t>
+                      </a:r>
+                    </a:p>
+                    <a:p>
+                      <a:pPr indent="450215" algn="l">
+                        <a:lnSpc>
+                          <a:spcPct val="150000"/>
+                        </a:lnSpc>
+                        <a:spcAft>
+                          <a:spcPts val="0"/>
+                        </a:spcAft>
+                      </a:pPr>
+                      <a:r>
+                        <a:rPr lang="ru-RU" sz="1400">
+                          <a:effectLst/>
+                        </a:rPr>
+                        <a:t>Низкоскоростной 42 МГц</a:t>
+                      </a:r>
+                      <a:endParaRPr lang="ru-RU" sz="1400">
+                        <a:effectLst/>
+                        <a:latin typeface="Times New Roman" panose="02020603050405020304" pitchFamily="18" charset="0"/>
+                        <a:ea typeface="Times New Roman" panose="02020603050405020304" pitchFamily="18" charset="0"/>
+                        <a:cs typeface="Times New Roman" panose="02020603050405020304" pitchFamily="18" charset="0"/>
+                      </a:endParaRPr>
+                    </a:p>
+                  </a:txBody>
+                  <a:tcPr marL="40625" marR="40625" marT="0" marB="0"/>
                 </a:tc>
                 <a:tc>
                   <a:txBody>
                     <a:bodyPr/>
                     <a:lstStyle/>
                     <a:p>
-                      <a:r>
-                        <a:rPr lang="ru-RU" dirty="0" smtClean="0"/>
-                        <a:t>Да</a:t>
-                      </a:r>
-                      <a:r>
-                        <a:rPr lang="en-US" dirty="0" smtClean="0"/>
-                        <a:t>,</a:t>
-                      </a:r>
-                      <a:r>
-                        <a:rPr lang="en-US" baseline="0" dirty="0" smtClean="0"/>
-                        <a:t> </a:t>
-                      </a:r>
-                      <a:r>
-                        <a:rPr lang="ru-RU" baseline="0" dirty="0" smtClean="0"/>
-                        <a:t>на целый день</a:t>
-                      </a:r>
-                      <a:endParaRPr lang="ru-RU" dirty="0"/>
-                    </a:p>
-                  </a:txBody>
-                  <a:tcPr>
-                    <a:solidFill>
-                      <a:srgbClr val="00B050"/>
-                    </a:solidFill>
-                  </a:tcPr>
+                      <a:pPr indent="450215" algn="l">
+                        <a:lnSpc>
+                          <a:spcPct val="150000"/>
+                        </a:lnSpc>
+                        <a:spcAft>
+                          <a:spcPts val="0"/>
+                        </a:spcAft>
+                      </a:pPr>
+                      <a:r>
+                        <a:rPr lang="ru-RU" sz="1400" dirty="0">
+                          <a:effectLst/>
+                        </a:rPr>
+                        <a:t>44мА при 180</a:t>
+                      </a:r>
+                      <a:endParaRPr lang="ru-RU" sz="1400" dirty="0">
+                        <a:effectLst/>
+                        <a:latin typeface="Times New Roman" panose="02020603050405020304" pitchFamily="18" charset="0"/>
+                        <a:ea typeface="Times New Roman" panose="02020603050405020304" pitchFamily="18" charset="0"/>
+                        <a:cs typeface="Times New Roman" panose="02020603050405020304" pitchFamily="18" charset="0"/>
+                      </a:endParaRPr>
+                    </a:p>
+                  </a:txBody>
+                  <a:tcPr marL="40625" marR="40625" marT="0" marB="0"/>
+                </a:tc>
+                <a:tc>
+                  <a:txBody>
+                    <a:bodyPr/>
+                    <a:lstStyle/>
+                    <a:p>
+                      <a:pPr indent="450215" algn="l">
+                        <a:lnSpc>
+                          <a:spcPct val="150000"/>
+                        </a:lnSpc>
+                        <a:spcAft>
+                          <a:spcPts val="0"/>
+                        </a:spcAft>
+                      </a:pPr>
+                      <a:r>
+                        <a:rPr lang="ru-RU" sz="1400" dirty="0">
+                          <a:effectLst/>
+                        </a:rPr>
+                        <a:t>5000р</a:t>
+                      </a:r>
+                      <a:endParaRPr lang="ru-RU" sz="1400" dirty="0">
+                        <a:effectLst/>
+                        <a:latin typeface="Times New Roman" panose="02020603050405020304" pitchFamily="18" charset="0"/>
+                        <a:ea typeface="Times New Roman" panose="02020603050405020304" pitchFamily="18" charset="0"/>
+                        <a:cs typeface="Times New Roman" panose="02020603050405020304" pitchFamily="18" charset="0"/>
+                      </a:endParaRPr>
+                    </a:p>
+                  </a:txBody>
+                  <a:tcPr marL="40625" marR="40625" marT="0" marB="0"/>
                 </a:tc>
                 <a:extLst>
                   <a:ext uri="{0D108BD9-81ED-4DB2-BD59-A6C34878D82A}">
-                    <a16:rowId xmlns:a16="http://schemas.microsoft.com/office/drawing/2014/main" val="428967053"/>
-                  </a:ext>
-                </a:extLst>
-              </a:tr>
-              <a:tr h="604278">
-                <a:tc>
-                  <a:txBody>
-                    <a:bodyPr/>
-                    <a:lstStyle/>
-                    <a:p>
-                      <a:r>
-                        <a:rPr lang="ru-RU" dirty="0" smtClean="0"/>
-                        <a:t>Высокие технологии</a:t>
-                      </a:r>
-                      <a:endParaRPr lang="ru-RU" dirty="0"/>
-                    </a:p>
-                  </a:txBody>
-                  <a:tcPr/>
-                </a:tc>
-                <a:tc>
-                  <a:txBody>
-                    <a:bodyPr/>
-                    <a:lstStyle/>
-                    <a:p>
-                      <a:r>
-                        <a:rPr lang="ru-RU" dirty="0" smtClean="0"/>
-                        <a:t>Да</a:t>
-                      </a:r>
-                      <a:r>
-                        <a:rPr lang="en-US" dirty="0" smtClean="0"/>
-                        <a:t>,</a:t>
-                      </a:r>
-                      <a:r>
-                        <a:rPr lang="en-US" baseline="0" dirty="0" smtClean="0"/>
-                        <a:t> </a:t>
-                      </a:r>
-                      <a:r>
-                        <a:rPr lang="ru-RU" baseline="0" dirty="0" smtClean="0"/>
-                        <a:t>нейронная сеть</a:t>
-                      </a:r>
-                      <a:endParaRPr lang="ru-RU" dirty="0"/>
-                    </a:p>
-                  </a:txBody>
-                  <a:tcPr>
-                    <a:solidFill>
-                      <a:srgbClr val="00B050"/>
-                    </a:solidFill>
-                  </a:tcPr>
-                </a:tc>
-                <a:tc>
-                  <a:txBody>
-                    <a:bodyPr/>
-                    <a:lstStyle/>
-                    <a:p>
-                      <a:r>
-                        <a:rPr lang="ru-RU" dirty="0" smtClean="0"/>
-                        <a:t>Нет </a:t>
-                      </a:r>
-                      <a:endParaRPr lang="ru-RU" dirty="0"/>
-                    </a:p>
-                  </a:txBody>
-                  <a:tcPr>
-                    <a:solidFill>
-                      <a:srgbClr val="FF0000"/>
-                    </a:solidFill>
-                  </a:tcPr>
-                </a:tc>
-                <a:extLst>
-                  <a:ext uri="{0D108BD9-81ED-4DB2-BD59-A6C34878D82A}">
-                    <a16:rowId xmlns:a16="http://schemas.microsoft.com/office/drawing/2014/main" val="3091233829"/>
+                    <a16:rowId xmlns:a16="http://schemas.microsoft.com/office/drawing/2014/main" val="3017245029"/>
                   </a:ext>
                 </a:extLst>
               </a:tr>
@@ -8309,25 +10075,15 @@
         </a:graphic>
       </p:graphicFrame>
     </p:spTree>
+    <p:extLst>
+      <p:ext uri="{BB962C8B-B14F-4D97-AF65-F5344CB8AC3E}">
+        <p14:creationId xmlns:p14="http://schemas.microsoft.com/office/powerpoint/2010/main" val="3943902256"/>
+      </p:ext>
+    </p:extLst>
   </p:cSld>
   <p:clrMapOvr>
     <a:masterClrMapping/>
   </p:clrMapOvr>
-  <mc:AlternateContent xmlns:mc="http://schemas.openxmlformats.org/markup-compatibility/2006" xmlns:p14="http://schemas.microsoft.com/office/powerpoint/2010/main">
-    <mc:Choice Requires="p14">
-      <p:transition spd="slow" p14:dur="2000"/>
-    </mc:Choice>
-    <mc:Fallback xmlns="">
-      <p:transition spd="slow"/>
-    </mc:Fallback>
-  </mc:AlternateContent>
-  <p:timing>
-    <p:tnLst>
-      <p:par>
-        <p:cTn id="1" dur="indefinite" restart="never" nodeType="tmRoot"/>
-      </p:par>
-    </p:tnLst>
-  </p:timing>
 </p:sld>
 </file>
 
@@ -8364,1310 +10120,151 @@
           <a:lstStyle/>
           <a:p>
             <a:r>
-              <a:rPr lang="ru-RU" dirty="0" smtClean="0"/>
-              <a:t>Экономическое обоснование</a:t>
+              <a:rPr lang="ru-RU" dirty="0" err="1" smtClean="0"/>
+              <a:t>Электромиограмма</a:t>
             </a:r>
             <a:endParaRPr lang="ru-RU" dirty="0"/>
           </a:p>
         </p:txBody>
       </p:sp>
-      <p:graphicFrame>
-        <p:nvGraphicFramePr>
-          <p:cNvPr id="4" name="Объект 3"/>
-          <p:cNvGraphicFramePr>
-            <a:graphicFrameLocks noGrp="1"/>
-          </p:cNvGraphicFramePr>
+      <p:pic>
+        <p:nvPicPr>
+          <p:cNvPr id="4" name="Объект 3" descr="https://lh5.googleusercontent.com/syODP4pleoe_uIGuFISZIx3iyNgjox-juBLPgxN3oX7shTbayFP3GKv9tvvj-EtZTU6NkdTElJbxCRTng3pc-QCs5xSpBHZzcCtGIWfCODeJi6kLBYoByJOmFZXY6OVdhSnp3m9O"/>
+          <p:cNvPicPr>
+            <a:picLocks noGrp="1"/>
+          </p:cNvPicPr>
           <p:nvPr>
             <p:ph idx="1"/>
-            <p:extLst>
-              <p:ext uri="{D42A27DB-BD31-4B8C-83A1-F6EECF244321}">
-                <p14:modId xmlns:p14="http://schemas.microsoft.com/office/powerpoint/2010/main" val="387002505"/>
-              </p:ext>
-            </p:extLst>
           </p:nvPr>
-        </p:nvGraphicFramePr>
-        <p:xfrm>
-          <a:off x="1079500" y="1771648"/>
-          <a:ext cx="9404351" cy="4502152"/>
-        </p:xfrm>
-        <a:graphic>
-          <a:graphicData uri="http://schemas.openxmlformats.org/drawingml/2006/table">
-            <a:tbl>
-              <a:tblPr>
-                <a:tableStyleId>{5940675A-B579-460E-94D1-54222C63F5DA}</a:tableStyleId>
-              </a:tblPr>
-              <a:tblGrid>
-                <a:gridCol w="3687621">
-                  <a:extLst>
-                    <a:ext uri="{9D8B030D-6E8A-4147-A177-3AD203B41FA5}">
-                      <a16:colId xmlns:a16="http://schemas.microsoft.com/office/drawing/2014/main" val="479815511"/>
-                    </a:ext>
-                  </a:extLst>
-                </a:gridCol>
-                <a:gridCol w="1455908">
-                  <a:extLst>
-                    <a:ext uri="{9D8B030D-6E8A-4147-A177-3AD203B41FA5}">
-                      <a16:colId xmlns:a16="http://schemas.microsoft.com/office/drawing/2014/main" val="1491687464"/>
-                    </a:ext>
-                  </a:extLst>
-                </a:gridCol>
-                <a:gridCol w="1117893">
-                  <a:extLst>
-                    <a:ext uri="{9D8B030D-6E8A-4147-A177-3AD203B41FA5}">
-                      <a16:colId xmlns:a16="http://schemas.microsoft.com/office/drawing/2014/main" val="1494230875"/>
-                    </a:ext>
-                  </a:extLst>
-                </a:gridCol>
-                <a:gridCol w="2061688">
-                  <a:extLst>
-                    <a:ext uri="{9D8B030D-6E8A-4147-A177-3AD203B41FA5}">
-                      <a16:colId xmlns:a16="http://schemas.microsoft.com/office/drawing/2014/main" val="3580502951"/>
-                    </a:ext>
-                  </a:extLst>
-                </a:gridCol>
-                <a:gridCol w="1081241">
-                  <a:extLst>
-                    <a:ext uri="{9D8B030D-6E8A-4147-A177-3AD203B41FA5}">
-                      <a16:colId xmlns:a16="http://schemas.microsoft.com/office/drawing/2014/main" val="3971268869"/>
-                    </a:ext>
-                  </a:extLst>
-                </a:gridCol>
-              </a:tblGrid>
-              <a:tr h="849025">
-                <a:tc>
-                  <a:txBody>
-                    <a:bodyPr/>
-                    <a:lstStyle/>
-                    <a:p>
-                      <a:pPr indent="-1270" algn="just">
-                        <a:lnSpc>
-                          <a:spcPct val="150000"/>
-                        </a:lnSpc>
-                        <a:spcAft>
-                          <a:spcPts val="0"/>
-                        </a:spcAft>
-                      </a:pPr>
-                      <a:r>
-                        <a:rPr lang="ru-RU" sz="1200">
-                          <a:effectLst/>
-                        </a:rPr>
-                        <a:t>Наименование материала</a:t>
-                      </a:r>
-                      <a:endParaRPr lang="ru-RU" sz="1400">
-                        <a:effectLst/>
-                        <a:latin typeface="Times New Roman" panose="02020603050405020304" pitchFamily="18" charset="0"/>
-                        <a:ea typeface="Times New Roman" panose="02020603050405020304" pitchFamily="18" charset="0"/>
-                      </a:endParaRPr>
-                    </a:p>
-                  </a:txBody>
-                  <a:tcPr marL="68580" marR="68580" marT="0" marB="0"/>
-                </a:tc>
-                <a:tc>
-                  <a:txBody>
-                    <a:bodyPr/>
-                    <a:lstStyle/>
-                    <a:p>
-                      <a:pPr indent="-1270" algn="just">
-                        <a:lnSpc>
-                          <a:spcPct val="150000"/>
-                        </a:lnSpc>
-                        <a:spcAft>
-                          <a:spcPts val="0"/>
-                        </a:spcAft>
-                      </a:pPr>
-                      <a:r>
-                        <a:rPr lang="ru-RU" sz="1200">
-                          <a:effectLst/>
-                        </a:rPr>
-                        <a:t>Единица измерения</a:t>
-                      </a:r>
-                      <a:endParaRPr lang="ru-RU" sz="1400">
-                        <a:effectLst/>
-                        <a:latin typeface="Times New Roman" panose="02020603050405020304" pitchFamily="18" charset="0"/>
-                        <a:ea typeface="Times New Roman" panose="02020603050405020304" pitchFamily="18" charset="0"/>
-                      </a:endParaRPr>
-                    </a:p>
-                  </a:txBody>
-                  <a:tcPr marL="68580" marR="68580" marT="0" marB="0"/>
-                </a:tc>
-                <a:tc>
-                  <a:txBody>
-                    <a:bodyPr/>
-                    <a:lstStyle/>
-                    <a:p>
-                      <a:pPr indent="-1270" algn="just">
-                        <a:lnSpc>
-                          <a:spcPct val="150000"/>
-                        </a:lnSpc>
-                        <a:spcAft>
-                          <a:spcPts val="0"/>
-                        </a:spcAft>
-                      </a:pPr>
-                      <a:r>
-                        <a:rPr lang="ru-RU" sz="1200">
-                          <a:effectLst/>
-                        </a:rPr>
-                        <a:t>Норма расхода</a:t>
-                      </a:r>
-                      <a:endParaRPr lang="ru-RU" sz="1400">
-                        <a:effectLst/>
-                        <a:latin typeface="Times New Roman" panose="02020603050405020304" pitchFamily="18" charset="0"/>
-                        <a:ea typeface="Times New Roman" panose="02020603050405020304" pitchFamily="18" charset="0"/>
-                      </a:endParaRPr>
-                    </a:p>
-                  </a:txBody>
-                  <a:tcPr marL="68580" marR="68580" marT="0" marB="0"/>
-                </a:tc>
-                <a:tc>
-                  <a:txBody>
-                    <a:bodyPr/>
-                    <a:lstStyle/>
-                    <a:p>
-                      <a:pPr indent="-1270" algn="l">
-                        <a:lnSpc>
-                          <a:spcPct val="150000"/>
-                        </a:lnSpc>
-                        <a:spcAft>
-                          <a:spcPts val="0"/>
-                        </a:spcAft>
-                      </a:pPr>
-                      <a:r>
-                        <a:rPr lang="ru-RU" sz="1200">
-                          <a:effectLst/>
-                        </a:rPr>
-                        <a:t>Цена за единицу измерения</a:t>
-                      </a:r>
-                      <a:endParaRPr lang="ru-RU" sz="1400">
-                        <a:effectLst/>
-                        <a:latin typeface="Times New Roman" panose="02020603050405020304" pitchFamily="18" charset="0"/>
-                        <a:ea typeface="Times New Roman" panose="02020603050405020304" pitchFamily="18" charset="0"/>
-                      </a:endParaRPr>
-                    </a:p>
-                  </a:txBody>
-                  <a:tcPr marL="68580" marR="68580" marT="0" marB="0"/>
-                </a:tc>
-                <a:tc>
-                  <a:txBody>
-                    <a:bodyPr/>
-                    <a:lstStyle/>
-                    <a:p>
-                      <a:pPr indent="-1270" algn="l">
-                        <a:lnSpc>
-                          <a:spcPct val="150000"/>
-                        </a:lnSpc>
-                        <a:spcAft>
-                          <a:spcPts val="0"/>
-                        </a:spcAft>
-                      </a:pPr>
-                      <a:r>
-                        <a:rPr lang="ru-RU" sz="1200">
-                          <a:effectLst/>
-                        </a:rPr>
-                        <a:t>Сумма</a:t>
-                      </a:r>
-                      <a:endParaRPr lang="ru-RU" sz="1400">
-                        <a:effectLst/>
-                        <a:latin typeface="Times New Roman" panose="02020603050405020304" pitchFamily="18" charset="0"/>
-                        <a:ea typeface="Times New Roman" panose="02020603050405020304" pitchFamily="18" charset="0"/>
-                      </a:endParaRPr>
-                    </a:p>
-                  </a:txBody>
-                  <a:tcPr marL="68580" marR="68580" marT="0" marB="0"/>
-                </a:tc>
-                <a:extLst>
-                  <a:ext uri="{0D108BD9-81ED-4DB2-BD59-A6C34878D82A}">
-                    <a16:rowId xmlns:a16="http://schemas.microsoft.com/office/drawing/2014/main" val="3492750714"/>
-                  </a:ext>
-                </a:extLst>
-              </a:tr>
-              <a:tr h="400586">
-                <a:tc>
-                  <a:txBody>
-                    <a:bodyPr/>
-                    <a:lstStyle/>
-                    <a:p>
-                      <a:pPr indent="-1270" algn="just">
-                        <a:lnSpc>
-                          <a:spcPct val="150000"/>
-                        </a:lnSpc>
-                        <a:spcAft>
-                          <a:spcPts val="0"/>
-                        </a:spcAft>
-                      </a:pPr>
-                      <a:r>
-                        <a:rPr lang="ru-RU" sz="1200">
-                          <a:effectLst/>
-                        </a:rPr>
-                        <a:t>Микроконтроллер ESP32 dev kit</a:t>
-                      </a:r>
-                      <a:endParaRPr lang="ru-RU" sz="1400">
-                        <a:effectLst/>
-                        <a:latin typeface="Times New Roman" panose="02020603050405020304" pitchFamily="18" charset="0"/>
-                        <a:ea typeface="Times New Roman" panose="02020603050405020304" pitchFamily="18" charset="0"/>
-                      </a:endParaRPr>
-                    </a:p>
-                  </a:txBody>
-                  <a:tcPr marL="68580" marR="68580" marT="0" marB="0"/>
-                </a:tc>
-                <a:tc>
-                  <a:txBody>
-                    <a:bodyPr/>
-                    <a:lstStyle/>
-                    <a:p>
-                      <a:pPr indent="-1270" algn="just">
-                        <a:lnSpc>
-                          <a:spcPct val="150000"/>
-                        </a:lnSpc>
-                        <a:spcAft>
-                          <a:spcPts val="0"/>
-                        </a:spcAft>
-                      </a:pPr>
-                      <a:r>
-                        <a:rPr lang="ru-RU" sz="1200">
-                          <a:effectLst/>
-                        </a:rPr>
-                        <a:t>шт.</a:t>
-                      </a:r>
-                      <a:endParaRPr lang="ru-RU" sz="1400">
-                        <a:effectLst/>
-                        <a:latin typeface="Times New Roman" panose="02020603050405020304" pitchFamily="18" charset="0"/>
-                        <a:ea typeface="Times New Roman" panose="02020603050405020304" pitchFamily="18" charset="0"/>
-                      </a:endParaRPr>
-                    </a:p>
-                  </a:txBody>
-                  <a:tcPr marL="68580" marR="68580" marT="0" marB="0"/>
-                </a:tc>
-                <a:tc>
-                  <a:txBody>
-                    <a:bodyPr/>
-                    <a:lstStyle/>
-                    <a:p>
-                      <a:pPr indent="-1270" algn="just">
-                        <a:lnSpc>
-                          <a:spcPct val="150000"/>
-                        </a:lnSpc>
-                        <a:spcAft>
-                          <a:spcPts val="0"/>
-                        </a:spcAft>
-                      </a:pPr>
-                      <a:r>
-                        <a:rPr lang="en-US" sz="1200">
-                          <a:effectLst/>
-                        </a:rPr>
-                        <a:t>1</a:t>
-                      </a:r>
-                      <a:endParaRPr lang="ru-RU" sz="1400">
-                        <a:effectLst/>
-                        <a:latin typeface="Times New Roman" panose="02020603050405020304" pitchFamily="18" charset="0"/>
-                        <a:ea typeface="Times New Roman" panose="02020603050405020304" pitchFamily="18" charset="0"/>
-                      </a:endParaRPr>
-                    </a:p>
-                  </a:txBody>
-                  <a:tcPr marL="68580" marR="68580" marT="0" marB="0"/>
-                </a:tc>
-                <a:tc>
-                  <a:txBody>
-                    <a:bodyPr/>
-                    <a:lstStyle/>
-                    <a:p>
-                      <a:pPr indent="-1270" algn="just">
-                        <a:lnSpc>
-                          <a:spcPct val="150000"/>
-                        </a:lnSpc>
-                        <a:spcAft>
-                          <a:spcPts val="0"/>
-                        </a:spcAft>
-                      </a:pPr>
-                      <a:r>
-                        <a:rPr lang="en-US" sz="1200">
-                          <a:effectLst/>
-                        </a:rPr>
-                        <a:t>300 ₽</a:t>
-                      </a:r>
-                      <a:endParaRPr lang="ru-RU" sz="1400">
-                        <a:effectLst/>
-                        <a:latin typeface="Times New Roman" panose="02020603050405020304" pitchFamily="18" charset="0"/>
-                        <a:ea typeface="Times New Roman" panose="02020603050405020304" pitchFamily="18" charset="0"/>
-                      </a:endParaRPr>
-                    </a:p>
-                  </a:txBody>
-                  <a:tcPr marL="68580" marR="68580" marT="0" marB="0"/>
-                </a:tc>
-                <a:tc>
-                  <a:txBody>
-                    <a:bodyPr/>
-                    <a:lstStyle/>
-                    <a:p>
-                      <a:pPr indent="-1270" algn="just">
-                        <a:lnSpc>
-                          <a:spcPct val="150000"/>
-                        </a:lnSpc>
-                        <a:spcAft>
-                          <a:spcPts val="0"/>
-                        </a:spcAft>
-                      </a:pPr>
-                      <a:r>
-                        <a:rPr lang="en-US" sz="1200">
-                          <a:effectLst/>
-                        </a:rPr>
-                        <a:t>300₽</a:t>
-                      </a:r>
-                      <a:endParaRPr lang="ru-RU" sz="1400">
-                        <a:effectLst/>
-                        <a:latin typeface="Times New Roman" panose="02020603050405020304" pitchFamily="18" charset="0"/>
-                        <a:ea typeface="Times New Roman" panose="02020603050405020304" pitchFamily="18" charset="0"/>
-                      </a:endParaRPr>
-                    </a:p>
-                  </a:txBody>
-                  <a:tcPr marL="68580" marR="68580" marT="0" marB="0"/>
-                </a:tc>
-                <a:extLst>
-                  <a:ext uri="{0D108BD9-81ED-4DB2-BD59-A6C34878D82A}">
-                    <a16:rowId xmlns:a16="http://schemas.microsoft.com/office/drawing/2014/main" val="1655779599"/>
-                  </a:ext>
-                </a:extLst>
-              </a:tr>
-              <a:tr h="400586">
-                <a:tc>
-                  <a:txBody>
-                    <a:bodyPr/>
-                    <a:lstStyle/>
-                    <a:p>
-                      <a:pPr indent="-1270" algn="just">
-                        <a:lnSpc>
-                          <a:spcPct val="150000"/>
-                        </a:lnSpc>
-                        <a:spcAft>
-                          <a:spcPts val="0"/>
-                        </a:spcAft>
-                      </a:pPr>
-                      <a:r>
-                        <a:rPr lang="ru-RU" sz="1200">
-                          <a:effectLst/>
-                        </a:rPr>
-                        <a:t>Провода</a:t>
-                      </a:r>
-                      <a:endParaRPr lang="ru-RU" sz="1400">
-                        <a:effectLst/>
-                        <a:latin typeface="Times New Roman" panose="02020603050405020304" pitchFamily="18" charset="0"/>
-                        <a:ea typeface="Times New Roman" panose="02020603050405020304" pitchFamily="18" charset="0"/>
-                      </a:endParaRPr>
-                    </a:p>
-                  </a:txBody>
-                  <a:tcPr marL="68580" marR="68580" marT="0" marB="0"/>
-                </a:tc>
-                <a:tc>
-                  <a:txBody>
-                    <a:bodyPr/>
-                    <a:lstStyle/>
-                    <a:p>
-                      <a:pPr indent="-1270" algn="just">
-                        <a:lnSpc>
-                          <a:spcPct val="150000"/>
-                        </a:lnSpc>
-                        <a:spcAft>
-                          <a:spcPts val="0"/>
-                        </a:spcAft>
-                      </a:pPr>
-                      <a:r>
-                        <a:rPr lang="ru-RU" sz="1200">
-                          <a:effectLst/>
-                        </a:rPr>
-                        <a:t>см</a:t>
-                      </a:r>
-                      <a:endParaRPr lang="ru-RU" sz="1400">
-                        <a:effectLst/>
-                        <a:latin typeface="Times New Roman" panose="02020603050405020304" pitchFamily="18" charset="0"/>
-                        <a:ea typeface="Times New Roman" panose="02020603050405020304" pitchFamily="18" charset="0"/>
-                      </a:endParaRPr>
-                    </a:p>
-                  </a:txBody>
-                  <a:tcPr marL="68580" marR="68580" marT="0" marB="0"/>
-                </a:tc>
-                <a:tc>
-                  <a:txBody>
-                    <a:bodyPr/>
-                    <a:lstStyle/>
-                    <a:p>
-                      <a:pPr indent="-1270" algn="just">
-                        <a:lnSpc>
-                          <a:spcPct val="150000"/>
-                        </a:lnSpc>
-                        <a:spcAft>
-                          <a:spcPts val="0"/>
-                        </a:spcAft>
-                      </a:pPr>
-                      <a:r>
-                        <a:rPr lang="en-US" sz="1200">
-                          <a:effectLst/>
-                        </a:rPr>
-                        <a:t>10</a:t>
-                      </a:r>
-                      <a:endParaRPr lang="ru-RU" sz="1400">
-                        <a:effectLst/>
-                        <a:latin typeface="Times New Roman" panose="02020603050405020304" pitchFamily="18" charset="0"/>
-                        <a:ea typeface="Times New Roman" panose="02020603050405020304" pitchFamily="18" charset="0"/>
-                      </a:endParaRPr>
-                    </a:p>
-                  </a:txBody>
-                  <a:tcPr marL="68580" marR="68580" marT="0" marB="0"/>
-                </a:tc>
-                <a:tc>
-                  <a:txBody>
-                    <a:bodyPr/>
-                    <a:lstStyle/>
-                    <a:p>
-                      <a:pPr indent="-1270" algn="just">
-                        <a:lnSpc>
-                          <a:spcPct val="150000"/>
-                        </a:lnSpc>
-                        <a:spcAft>
-                          <a:spcPts val="0"/>
-                        </a:spcAft>
-                      </a:pPr>
-                      <a:r>
-                        <a:rPr lang="en-US" sz="1200">
-                          <a:effectLst/>
-                        </a:rPr>
-                        <a:t>4 ₽</a:t>
-                      </a:r>
-                      <a:endParaRPr lang="ru-RU" sz="1400">
-                        <a:effectLst/>
-                        <a:latin typeface="Times New Roman" panose="02020603050405020304" pitchFamily="18" charset="0"/>
-                        <a:ea typeface="Times New Roman" panose="02020603050405020304" pitchFamily="18" charset="0"/>
-                      </a:endParaRPr>
-                    </a:p>
-                  </a:txBody>
-                  <a:tcPr marL="68580" marR="68580" marT="0" marB="0"/>
-                </a:tc>
-                <a:tc>
-                  <a:txBody>
-                    <a:bodyPr/>
-                    <a:lstStyle/>
-                    <a:p>
-                      <a:pPr indent="-1270" algn="just">
-                        <a:lnSpc>
-                          <a:spcPct val="150000"/>
-                        </a:lnSpc>
-                        <a:spcAft>
-                          <a:spcPts val="0"/>
-                        </a:spcAft>
-                      </a:pPr>
-                      <a:r>
-                        <a:rPr lang="en-US" sz="1200">
-                          <a:effectLst/>
-                        </a:rPr>
-                        <a:t>40 ₽</a:t>
-                      </a:r>
-                      <a:endParaRPr lang="ru-RU" sz="1400">
-                        <a:effectLst/>
-                        <a:latin typeface="Times New Roman" panose="02020603050405020304" pitchFamily="18" charset="0"/>
-                        <a:ea typeface="Times New Roman" panose="02020603050405020304" pitchFamily="18" charset="0"/>
-                      </a:endParaRPr>
-                    </a:p>
-                  </a:txBody>
-                  <a:tcPr marL="68580" marR="68580" marT="0" marB="0"/>
-                </a:tc>
-                <a:extLst>
-                  <a:ext uri="{0D108BD9-81ED-4DB2-BD59-A6C34878D82A}">
-                    <a16:rowId xmlns:a16="http://schemas.microsoft.com/office/drawing/2014/main" val="1600772349"/>
-                  </a:ext>
-                </a:extLst>
-              </a:tr>
-              <a:tr h="400586">
-                <a:tc>
-                  <a:txBody>
-                    <a:bodyPr/>
-                    <a:lstStyle/>
-                    <a:p>
-                      <a:pPr indent="-1270" algn="just">
-                        <a:lnSpc>
-                          <a:spcPct val="150000"/>
-                        </a:lnSpc>
-                        <a:spcAft>
-                          <a:spcPts val="0"/>
-                        </a:spcAft>
-                      </a:pPr>
-                      <a:r>
-                        <a:rPr lang="ru-RU" sz="1200">
-                          <a:effectLst/>
-                        </a:rPr>
-                        <a:t>Переключатель движковый</a:t>
-                      </a:r>
-                      <a:endParaRPr lang="ru-RU" sz="1400">
-                        <a:effectLst/>
-                        <a:latin typeface="Times New Roman" panose="02020603050405020304" pitchFamily="18" charset="0"/>
-                        <a:ea typeface="Times New Roman" panose="02020603050405020304" pitchFamily="18" charset="0"/>
-                      </a:endParaRPr>
-                    </a:p>
-                  </a:txBody>
-                  <a:tcPr marL="68580" marR="68580" marT="0" marB="0"/>
-                </a:tc>
-                <a:tc>
-                  <a:txBody>
-                    <a:bodyPr/>
-                    <a:lstStyle/>
-                    <a:p>
-                      <a:pPr indent="-1270" algn="just">
-                        <a:lnSpc>
-                          <a:spcPct val="150000"/>
-                        </a:lnSpc>
-                        <a:spcAft>
-                          <a:spcPts val="0"/>
-                        </a:spcAft>
-                      </a:pPr>
-                      <a:r>
-                        <a:rPr lang="ru-RU" sz="1200">
-                          <a:effectLst/>
-                        </a:rPr>
-                        <a:t>шт.</a:t>
-                      </a:r>
-                      <a:endParaRPr lang="ru-RU" sz="1400">
-                        <a:effectLst/>
-                        <a:latin typeface="Times New Roman" panose="02020603050405020304" pitchFamily="18" charset="0"/>
-                        <a:ea typeface="Times New Roman" panose="02020603050405020304" pitchFamily="18" charset="0"/>
-                      </a:endParaRPr>
-                    </a:p>
-                  </a:txBody>
-                  <a:tcPr marL="68580" marR="68580" marT="0" marB="0"/>
-                </a:tc>
-                <a:tc>
-                  <a:txBody>
-                    <a:bodyPr/>
-                    <a:lstStyle/>
-                    <a:p>
-                      <a:pPr indent="-1270" algn="just">
-                        <a:lnSpc>
-                          <a:spcPct val="150000"/>
-                        </a:lnSpc>
-                        <a:spcAft>
-                          <a:spcPts val="0"/>
-                        </a:spcAft>
-                      </a:pPr>
-                      <a:r>
-                        <a:rPr lang="en-US" sz="1200">
-                          <a:effectLst/>
-                        </a:rPr>
-                        <a:t>1</a:t>
-                      </a:r>
-                      <a:endParaRPr lang="ru-RU" sz="1400">
-                        <a:effectLst/>
-                        <a:latin typeface="Times New Roman" panose="02020603050405020304" pitchFamily="18" charset="0"/>
-                        <a:ea typeface="Times New Roman" panose="02020603050405020304" pitchFamily="18" charset="0"/>
-                      </a:endParaRPr>
-                    </a:p>
-                  </a:txBody>
-                  <a:tcPr marL="68580" marR="68580" marT="0" marB="0"/>
-                </a:tc>
-                <a:tc>
-                  <a:txBody>
-                    <a:bodyPr/>
-                    <a:lstStyle/>
-                    <a:p>
-                      <a:pPr indent="-1270" algn="just">
-                        <a:lnSpc>
-                          <a:spcPct val="150000"/>
-                        </a:lnSpc>
-                        <a:spcAft>
-                          <a:spcPts val="0"/>
-                        </a:spcAft>
-                      </a:pPr>
-                      <a:r>
-                        <a:rPr lang="en-US" sz="1200">
-                          <a:effectLst/>
-                        </a:rPr>
-                        <a:t>10 ₽</a:t>
-                      </a:r>
-                      <a:endParaRPr lang="ru-RU" sz="1400">
-                        <a:effectLst/>
-                        <a:latin typeface="Times New Roman" panose="02020603050405020304" pitchFamily="18" charset="0"/>
-                        <a:ea typeface="Times New Roman" panose="02020603050405020304" pitchFamily="18" charset="0"/>
-                      </a:endParaRPr>
-                    </a:p>
-                  </a:txBody>
-                  <a:tcPr marL="68580" marR="68580" marT="0" marB="0"/>
-                </a:tc>
-                <a:tc>
-                  <a:txBody>
-                    <a:bodyPr/>
-                    <a:lstStyle/>
-                    <a:p>
-                      <a:pPr indent="-1270" algn="just">
-                        <a:lnSpc>
-                          <a:spcPct val="150000"/>
-                        </a:lnSpc>
-                        <a:spcAft>
-                          <a:spcPts val="0"/>
-                        </a:spcAft>
-                      </a:pPr>
-                      <a:r>
-                        <a:rPr lang="en-US" sz="1200">
-                          <a:effectLst/>
-                        </a:rPr>
-                        <a:t>10 ₽</a:t>
-                      </a:r>
-                      <a:endParaRPr lang="ru-RU" sz="1400">
-                        <a:effectLst/>
-                        <a:latin typeface="Times New Roman" panose="02020603050405020304" pitchFamily="18" charset="0"/>
-                        <a:ea typeface="Times New Roman" panose="02020603050405020304" pitchFamily="18" charset="0"/>
-                      </a:endParaRPr>
-                    </a:p>
-                  </a:txBody>
-                  <a:tcPr marL="68580" marR="68580" marT="0" marB="0"/>
-                </a:tc>
-                <a:extLst>
-                  <a:ext uri="{0D108BD9-81ED-4DB2-BD59-A6C34878D82A}">
-                    <a16:rowId xmlns:a16="http://schemas.microsoft.com/office/drawing/2014/main" val="261046144"/>
-                  </a:ext>
-                </a:extLst>
-              </a:tr>
-              <a:tr h="849025">
-                <a:tc>
-                  <a:txBody>
-                    <a:bodyPr/>
-                    <a:lstStyle/>
-                    <a:p>
-                      <a:pPr indent="-1270" algn="just">
-                        <a:lnSpc>
-                          <a:spcPct val="150000"/>
-                        </a:lnSpc>
-                        <a:spcAft>
-                          <a:spcPts val="0"/>
-                        </a:spcAft>
-                      </a:pPr>
-                      <a:r>
-                        <a:rPr lang="ru-RU" sz="1200">
-                          <a:effectLst/>
-                        </a:rPr>
-                        <a:t>Электромиографический датчик </a:t>
-                      </a:r>
-                      <a:r>
-                        <a:rPr lang="en-US" sz="1200">
-                          <a:effectLst/>
-                        </a:rPr>
-                        <a:t>MH-BPS102</a:t>
-                      </a:r>
-                      <a:endParaRPr lang="ru-RU" sz="1400">
-                        <a:effectLst/>
-                        <a:latin typeface="Times New Roman" panose="02020603050405020304" pitchFamily="18" charset="0"/>
-                        <a:ea typeface="Times New Roman" panose="02020603050405020304" pitchFamily="18" charset="0"/>
-                      </a:endParaRPr>
-                    </a:p>
-                  </a:txBody>
-                  <a:tcPr marL="68580" marR="68580" marT="0" marB="0"/>
-                </a:tc>
-                <a:tc>
-                  <a:txBody>
-                    <a:bodyPr/>
-                    <a:lstStyle/>
-                    <a:p>
-                      <a:pPr indent="-1270" algn="just">
-                        <a:lnSpc>
-                          <a:spcPct val="150000"/>
-                        </a:lnSpc>
-                        <a:spcAft>
-                          <a:spcPts val="0"/>
-                        </a:spcAft>
-                      </a:pPr>
-                      <a:r>
-                        <a:rPr lang="ru-RU" sz="1200">
-                          <a:effectLst/>
-                        </a:rPr>
-                        <a:t>шт.</a:t>
-                      </a:r>
-                      <a:endParaRPr lang="ru-RU" sz="1400">
-                        <a:effectLst/>
-                        <a:latin typeface="Times New Roman" panose="02020603050405020304" pitchFamily="18" charset="0"/>
-                        <a:ea typeface="Times New Roman" panose="02020603050405020304" pitchFamily="18" charset="0"/>
-                      </a:endParaRPr>
-                    </a:p>
-                  </a:txBody>
-                  <a:tcPr marL="68580" marR="68580" marT="0" marB="0"/>
-                </a:tc>
-                <a:tc>
-                  <a:txBody>
-                    <a:bodyPr/>
-                    <a:lstStyle/>
-                    <a:p>
-                      <a:pPr indent="-1270" algn="just">
-                        <a:lnSpc>
-                          <a:spcPct val="150000"/>
-                        </a:lnSpc>
-                        <a:spcAft>
-                          <a:spcPts val="0"/>
-                        </a:spcAft>
-                      </a:pPr>
-                      <a:r>
-                        <a:rPr lang="en-US" sz="1200">
-                          <a:effectLst/>
-                        </a:rPr>
-                        <a:t>1</a:t>
-                      </a:r>
-                      <a:endParaRPr lang="ru-RU" sz="1400">
-                        <a:effectLst/>
-                        <a:latin typeface="Times New Roman" panose="02020603050405020304" pitchFamily="18" charset="0"/>
-                        <a:ea typeface="Times New Roman" panose="02020603050405020304" pitchFamily="18" charset="0"/>
-                      </a:endParaRPr>
-                    </a:p>
-                  </a:txBody>
-                  <a:tcPr marL="68580" marR="68580" marT="0" marB="0"/>
-                </a:tc>
-                <a:tc>
-                  <a:txBody>
-                    <a:bodyPr/>
-                    <a:lstStyle/>
-                    <a:p>
-                      <a:pPr indent="-1270" algn="just">
-                        <a:lnSpc>
-                          <a:spcPct val="150000"/>
-                        </a:lnSpc>
-                        <a:spcAft>
-                          <a:spcPts val="0"/>
-                        </a:spcAft>
-                      </a:pPr>
-                      <a:r>
-                        <a:rPr lang="en-US" sz="1200">
-                          <a:effectLst/>
-                        </a:rPr>
-                        <a:t>1900 ₽</a:t>
-                      </a:r>
-                      <a:endParaRPr lang="ru-RU" sz="1400">
-                        <a:effectLst/>
-                        <a:latin typeface="Times New Roman" panose="02020603050405020304" pitchFamily="18" charset="0"/>
-                        <a:ea typeface="Times New Roman" panose="02020603050405020304" pitchFamily="18" charset="0"/>
-                      </a:endParaRPr>
-                    </a:p>
-                  </a:txBody>
-                  <a:tcPr marL="68580" marR="68580" marT="0" marB="0"/>
-                </a:tc>
-                <a:tc>
-                  <a:txBody>
-                    <a:bodyPr/>
-                    <a:lstStyle/>
-                    <a:p>
-                      <a:pPr indent="-1270" algn="just">
-                        <a:lnSpc>
-                          <a:spcPct val="150000"/>
-                        </a:lnSpc>
-                        <a:spcAft>
-                          <a:spcPts val="0"/>
-                        </a:spcAft>
-                      </a:pPr>
-                      <a:r>
-                        <a:rPr lang="en-US" sz="1200">
-                          <a:effectLst/>
-                        </a:rPr>
-                        <a:t>1900 ₽</a:t>
-                      </a:r>
-                      <a:endParaRPr lang="ru-RU" sz="1400">
-                        <a:effectLst/>
-                        <a:latin typeface="Times New Roman" panose="02020603050405020304" pitchFamily="18" charset="0"/>
-                        <a:ea typeface="Times New Roman" panose="02020603050405020304" pitchFamily="18" charset="0"/>
-                      </a:endParaRPr>
-                    </a:p>
-                  </a:txBody>
-                  <a:tcPr marL="68580" marR="68580" marT="0" marB="0"/>
-                </a:tc>
-                <a:extLst>
-                  <a:ext uri="{0D108BD9-81ED-4DB2-BD59-A6C34878D82A}">
-                    <a16:rowId xmlns:a16="http://schemas.microsoft.com/office/drawing/2014/main" val="1183047136"/>
-                  </a:ext>
-                </a:extLst>
-              </a:tr>
-              <a:tr h="400586">
-                <a:tc>
-                  <a:txBody>
-                    <a:bodyPr/>
-                    <a:lstStyle/>
-                    <a:p>
-                      <a:pPr indent="-1270" algn="just">
-                        <a:lnSpc>
-                          <a:spcPct val="150000"/>
-                        </a:lnSpc>
-                        <a:spcAft>
-                          <a:spcPts val="0"/>
-                        </a:spcAft>
-                      </a:pPr>
-                      <a:r>
-                        <a:rPr lang="ru-RU" sz="1200">
-                          <a:effectLst/>
-                        </a:rPr>
-                        <a:t>Датчик дыма </a:t>
-                      </a:r>
-                      <a:r>
-                        <a:rPr lang="en-US" sz="1200">
-                          <a:effectLst/>
-                        </a:rPr>
-                        <a:t>mq-2</a:t>
-                      </a:r>
-                      <a:endParaRPr lang="ru-RU" sz="1400">
-                        <a:effectLst/>
-                        <a:latin typeface="Times New Roman" panose="02020603050405020304" pitchFamily="18" charset="0"/>
-                        <a:ea typeface="Times New Roman" panose="02020603050405020304" pitchFamily="18" charset="0"/>
-                      </a:endParaRPr>
-                    </a:p>
-                  </a:txBody>
-                  <a:tcPr marL="68580" marR="68580" marT="0" marB="0"/>
-                </a:tc>
-                <a:tc>
-                  <a:txBody>
-                    <a:bodyPr/>
-                    <a:lstStyle/>
-                    <a:p>
-                      <a:pPr indent="-1270" algn="just">
-                        <a:lnSpc>
-                          <a:spcPct val="150000"/>
-                        </a:lnSpc>
-                        <a:spcAft>
-                          <a:spcPts val="0"/>
-                        </a:spcAft>
-                      </a:pPr>
-                      <a:r>
-                        <a:rPr lang="ru-RU" sz="1200">
-                          <a:effectLst/>
-                        </a:rPr>
-                        <a:t>шт.</a:t>
-                      </a:r>
-                      <a:endParaRPr lang="ru-RU" sz="1400">
-                        <a:effectLst/>
-                        <a:latin typeface="Times New Roman" panose="02020603050405020304" pitchFamily="18" charset="0"/>
-                        <a:ea typeface="Times New Roman" panose="02020603050405020304" pitchFamily="18" charset="0"/>
-                      </a:endParaRPr>
-                    </a:p>
-                  </a:txBody>
-                  <a:tcPr marL="68580" marR="68580" marT="0" marB="0"/>
-                </a:tc>
-                <a:tc>
-                  <a:txBody>
-                    <a:bodyPr/>
-                    <a:lstStyle/>
-                    <a:p>
-                      <a:pPr indent="-1270" algn="just">
-                        <a:lnSpc>
-                          <a:spcPct val="150000"/>
-                        </a:lnSpc>
-                        <a:spcAft>
-                          <a:spcPts val="0"/>
-                        </a:spcAft>
-                      </a:pPr>
-                      <a:r>
-                        <a:rPr lang="en-US" sz="1200">
-                          <a:effectLst/>
-                        </a:rPr>
-                        <a:t>1</a:t>
-                      </a:r>
-                      <a:endParaRPr lang="ru-RU" sz="1400">
-                        <a:effectLst/>
-                        <a:latin typeface="Times New Roman" panose="02020603050405020304" pitchFamily="18" charset="0"/>
-                        <a:ea typeface="Times New Roman" panose="02020603050405020304" pitchFamily="18" charset="0"/>
-                      </a:endParaRPr>
-                    </a:p>
-                  </a:txBody>
-                  <a:tcPr marL="68580" marR="68580" marT="0" marB="0"/>
-                </a:tc>
-                <a:tc>
-                  <a:txBody>
-                    <a:bodyPr/>
-                    <a:lstStyle/>
-                    <a:p>
-                      <a:pPr indent="-1270" algn="just">
-                        <a:lnSpc>
-                          <a:spcPct val="150000"/>
-                        </a:lnSpc>
-                        <a:spcAft>
-                          <a:spcPts val="0"/>
-                        </a:spcAft>
-                      </a:pPr>
-                      <a:r>
-                        <a:rPr lang="en-US" sz="1200">
-                          <a:effectLst/>
-                        </a:rPr>
-                        <a:t>380 ₽</a:t>
-                      </a:r>
-                      <a:endParaRPr lang="ru-RU" sz="1400">
-                        <a:effectLst/>
-                        <a:latin typeface="Times New Roman" panose="02020603050405020304" pitchFamily="18" charset="0"/>
-                        <a:ea typeface="Times New Roman" panose="02020603050405020304" pitchFamily="18" charset="0"/>
-                      </a:endParaRPr>
-                    </a:p>
-                  </a:txBody>
-                  <a:tcPr marL="68580" marR="68580" marT="0" marB="0"/>
-                </a:tc>
-                <a:tc>
-                  <a:txBody>
-                    <a:bodyPr/>
-                    <a:lstStyle/>
-                    <a:p>
-                      <a:pPr indent="-1270" algn="just">
-                        <a:lnSpc>
-                          <a:spcPct val="150000"/>
-                        </a:lnSpc>
-                        <a:spcAft>
-                          <a:spcPts val="0"/>
-                        </a:spcAft>
-                      </a:pPr>
-                      <a:r>
-                        <a:rPr lang="en-US" sz="1200">
-                          <a:effectLst/>
-                        </a:rPr>
-                        <a:t>380 ₽</a:t>
-                      </a:r>
-                      <a:endParaRPr lang="ru-RU" sz="1400">
-                        <a:effectLst/>
-                        <a:latin typeface="Times New Roman" panose="02020603050405020304" pitchFamily="18" charset="0"/>
-                        <a:ea typeface="Times New Roman" panose="02020603050405020304" pitchFamily="18" charset="0"/>
-                      </a:endParaRPr>
-                    </a:p>
-                  </a:txBody>
-                  <a:tcPr marL="68580" marR="68580" marT="0" marB="0"/>
-                </a:tc>
-                <a:extLst>
-                  <a:ext uri="{0D108BD9-81ED-4DB2-BD59-A6C34878D82A}">
-                    <a16:rowId xmlns:a16="http://schemas.microsoft.com/office/drawing/2014/main" val="1639979707"/>
-                  </a:ext>
-                </a:extLst>
-              </a:tr>
-              <a:tr h="400586">
-                <a:tc>
-                  <a:txBody>
-                    <a:bodyPr/>
-                    <a:lstStyle/>
-                    <a:p>
-                      <a:pPr indent="-1270" algn="just">
-                        <a:lnSpc>
-                          <a:spcPct val="150000"/>
-                        </a:lnSpc>
-                        <a:spcAft>
-                          <a:spcPts val="0"/>
-                        </a:spcAft>
-                      </a:pPr>
-                      <a:r>
-                        <a:rPr lang="ru-RU" sz="1200">
-                          <a:effectLst/>
-                        </a:rPr>
-                        <a:t>Аккумулятор Li-On</a:t>
-                      </a:r>
-                      <a:endParaRPr lang="ru-RU" sz="1400">
-                        <a:effectLst/>
-                        <a:latin typeface="Times New Roman" panose="02020603050405020304" pitchFamily="18" charset="0"/>
-                        <a:ea typeface="Times New Roman" panose="02020603050405020304" pitchFamily="18" charset="0"/>
-                      </a:endParaRPr>
-                    </a:p>
-                  </a:txBody>
-                  <a:tcPr marL="68580" marR="68580" marT="0" marB="0"/>
-                </a:tc>
-                <a:tc>
-                  <a:txBody>
-                    <a:bodyPr/>
-                    <a:lstStyle/>
-                    <a:p>
-                      <a:pPr indent="-1270" algn="just">
-                        <a:lnSpc>
-                          <a:spcPct val="150000"/>
-                        </a:lnSpc>
-                        <a:spcAft>
-                          <a:spcPts val="0"/>
-                        </a:spcAft>
-                      </a:pPr>
-                      <a:r>
-                        <a:rPr lang="ru-RU" sz="1200">
-                          <a:effectLst/>
-                        </a:rPr>
-                        <a:t>шт.</a:t>
-                      </a:r>
-                      <a:endParaRPr lang="ru-RU" sz="1400">
-                        <a:effectLst/>
-                        <a:latin typeface="Times New Roman" panose="02020603050405020304" pitchFamily="18" charset="0"/>
-                        <a:ea typeface="Times New Roman" panose="02020603050405020304" pitchFamily="18" charset="0"/>
-                      </a:endParaRPr>
-                    </a:p>
-                  </a:txBody>
-                  <a:tcPr marL="68580" marR="68580" marT="0" marB="0"/>
-                </a:tc>
-                <a:tc>
-                  <a:txBody>
-                    <a:bodyPr/>
-                    <a:lstStyle/>
-                    <a:p>
-                      <a:pPr indent="-1270" algn="just">
-                        <a:lnSpc>
-                          <a:spcPct val="150000"/>
-                        </a:lnSpc>
-                        <a:spcAft>
-                          <a:spcPts val="0"/>
-                        </a:spcAft>
-                      </a:pPr>
-                      <a:r>
-                        <a:rPr lang="en-US" sz="1200">
-                          <a:effectLst/>
-                        </a:rPr>
-                        <a:t>1</a:t>
-                      </a:r>
-                      <a:endParaRPr lang="ru-RU" sz="1400">
-                        <a:effectLst/>
-                        <a:latin typeface="Times New Roman" panose="02020603050405020304" pitchFamily="18" charset="0"/>
-                        <a:ea typeface="Times New Roman" panose="02020603050405020304" pitchFamily="18" charset="0"/>
-                      </a:endParaRPr>
-                    </a:p>
-                  </a:txBody>
-                  <a:tcPr marL="68580" marR="68580" marT="0" marB="0"/>
-                </a:tc>
-                <a:tc>
-                  <a:txBody>
-                    <a:bodyPr/>
-                    <a:lstStyle/>
-                    <a:p>
-                      <a:pPr indent="-1270" algn="just">
-                        <a:lnSpc>
-                          <a:spcPct val="150000"/>
-                        </a:lnSpc>
-                        <a:spcAft>
-                          <a:spcPts val="0"/>
-                        </a:spcAft>
-                      </a:pPr>
-                      <a:r>
-                        <a:rPr lang="en-US" sz="1200">
-                          <a:effectLst/>
-                        </a:rPr>
-                        <a:t>300 ₽</a:t>
-                      </a:r>
-                      <a:endParaRPr lang="ru-RU" sz="1400">
-                        <a:effectLst/>
-                        <a:latin typeface="Times New Roman" panose="02020603050405020304" pitchFamily="18" charset="0"/>
-                        <a:ea typeface="Times New Roman" panose="02020603050405020304" pitchFamily="18" charset="0"/>
-                      </a:endParaRPr>
-                    </a:p>
-                  </a:txBody>
-                  <a:tcPr marL="68580" marR="68580" marT="0" marB="0"/>
-                </a:tc>
-                <a:tc>
-                  <a:txBody>
-                    <a:bodyPr/>
-                    <a:lstStyle/>
-                    <a:p>
-                      <a:pPr indent="-1270" algn="just">
-                        <a:lnSpc>
-                          <a:spcPct val="150000"/>
-                        </a:lnSpc>
-                        <a:spcAft>
-                          <a:spcPts val="0"/>
-                        </a:spcAft>
-                      </a:pPr>
-                      <a:r>
-                        <a:rPr lang="en-US" sz="1200">
-                          <a:effectLst/>
-                        </a:rPr>
-                        <a:t>300 ₽</a:t>
-                      </a:r>
-                      <a:endParaRPr lang="ru-RU" sz="1400">
-                        <a:effectLst/>
-                        <a:latin typeface="Times New Roman" panose="02020603050405020304" pitchFamily="18" charset="0"/>
-                        <a:ea typeface="Times New Roman" panose="02020603050405020304" pitchFamily="18" charset="0"/>
-                      </a:endParaRPr>
-                    </a:p>
-                  </a:txBody>
-                  <a:tcPr marL="68580" marR="68580" marT="0" marB="0"/>
-                </a:tc>
-                <a:extLst>
-                  <a:ext uri="{0D108BD9-81ED-4DB2-BD59-A6C34878D82A}">
-                    <a16:rowId xmlns:a16="http://schemas.microsoft.com/office/drawing/2014/main" val="1242947028"/>
-                  </a:ext>
-                </a:extLst>
-              </a:tr>
-              <a:tr h="400586">
-                <a:tc gridSpan="4">
-                  <a:txBody>
-                    <a:bodyPr/>
-                    <a:lstStyle/>
-                    <a:p>
-                      <a:pPr indent="-1270" algn="r">
-                        <a:lnSpc>
-                          <a:spcPct val="150000"/>
-                        </a:lnSpc>
-                        <a:spcAft>
-                          <a:spcPts val="0"/>
-                        </a:spcAft>
-                      </a:pPr>
-                      <a:r>
-                        <a:rPr lang="ru-RU" sz="1200">
-                          <a:effectLst/>
-                        </a:rPr>
-                        <a:t>Всего</a:t>
-                      </a:r>
-                      <a:endParaRPr lang="ru-RU" sz="1400">
-                        <a:effectLst/>
-                        <a:latin typeface="Times New Roman" panose="02020603050405020304" pitchFamily="18" charset="0"/>
-                        <a:ea typeface="Times New Roman" panose="02020603050405020304" pitchFamily="18" charset="0"/>
-                      </a:endParaRPr>
-                    </a:p>
-                  </a:txBody>
-                  <a:tcPr marL="68580" marR="68580" marT="0" marB="0"/>
-                </a:tc>
-                <a:tc hMerge="1">
-                  <a:txBody>
-                    <a:bodyPr/>
-                    <a:lstStyle/>
-                    <a:p>
-                      <a:endParaRPr lang="ru-RU"/>
-                    </a:p>
-                  </a:txBody>
-                  <a:tcPr/>
-                </a:tc>
-                <a:tc hMerge="1">
-                  <a:txBody>
-                    <a:bodyPr/>
-                    <a:lstStyle/>
-                    <a:p>
-                      <a:endParaRPr lang="ru-RU"/>
-                    </a:p>
-                  </a:txBody>
-                  <a:tcPr/>
-                </a:tc>
-                <a:tc hMerge="1">
-                  <a:txBody>
-                    <a:bodyPr/>
-                    <a:lstStyle/>
-                    <a:p>
-                      <a:endParaRPr lang="ru-RU"/>
-                    </a:p>
-                  </a:txBody>
-                  <a:tcPr/>
-                </a:tc>
-                <a:tc>
-                  <a:txBody>
-                    <a:bodyPr/>
-                    <a:lstStyle/>
-                    <a:p>
-                      <a:pPr indent="-1270" algn="just">
-                        <a:lnSpc>
-                          <a:spcPct val="150000"/>
-                        </a:lnSpc>
-                        <a:spcAft>
-                          <a:spcPts val="0"/>
-                        </a:spcAft>
-                      </a:pPr>
-                      <a:r>
-                        <a:rPr lang="en-US" sz="1200">
-                          <a:effectLst/>
-                        </a:rPr>
-                        <a:t>2930₽</a:t>
-                      </a:r>
-                      <a:endParaRPr lang="ru-RU" sz="1400">
-                        <a:effectLst/>
-                        <a:latin typeface="Times New Roman" panose="02020603050405020304" pitchFamily="18" charset="0"/>
-                        <a:ea typeface="Times New Roman" panose="02020603050405020304" pitchFamily="18" charset="0"/>
-                      </a:endParaRPr>
-                    </a:p>
-                  </a:txBody>
-                  <a:tcPr marL="68580" marR="68580" marT="0" marB="0"/>
-                </a:tc>
-                <a:extLst>
-                  <a:ext uri="{0D108BD9-81ED-4DB2-BD59-A6C34878D82A}">
-                    <a16:rowId xmlns:a16="http://schemas.microsoft.com/office/drawing/2014/main" val="1930392103"/>
-                  </a:ext>
-                </a:extLst>
-              </a:tr>
-              <a:tr h="400586">
-                <a:tc gridSpan="4">
-                  <a:txBody>
-                    <a:bodyPr/>
-                    <a:lstStyle/>
-                    <a:p>
-                      <a:pPr indent="-1270" algn="r">
-                        <a:lnSpc>
-                          <a:spcPct val="150000"/>
-                        </a:lnSpc>
-                        <a:spcAft>
-                          <a:spcPts val="0"/>
-                        </a:spcAft>
-                      </a:pPr>
-                      <a:r>
-                        <a:rPr lang="ru-RU" sz="1200">
-                          <a:effectLst/>
-                        </a:rPr>
-                        <a:t>Всего с учетом транспортных расходов</a:t>
-                      </a:r>
-                      <a:endParaRPr lang="ru-RU" sz="1400">
-                        <a:effectLst/>
-                        <a:latin typeface="Times New Roman" panose="02020603050405020304" pitchFamily="18" charset="0"/>
-                        <a:ea typeface="Times New Roman" panose="02020603050405020304" pitchFamily="18" charset="0"/>
-                      </a:endParaRPr>
-                    </a:p>
-                  </a:txBody>
-                  <a:tcPr marL="68580" marR="68580" marT="0" marB="0"/>
-                </a:tc>
-                <a:tc hMerge="1">
-                  <a:txBody>
-                    <a:bodyPr/>
-                    <a:lstStyle/>
-                    <a:p>
-                      <a:endParaRPr lang="ru-RU"/>
-                    </a:p>
-                  </a:txBody>
-                  <a:tcPr/>
-                </a:tc>
-                <a:tc hMerge="1">
-                  <a:txBody>
-                    <a:bodyPr/>
-                    <a:lstStyle/>
-                    <a:p>
-                      <a:endParaRPr lang="ru-RU"/>
-                    </a:p>
-                  </a:txBody>
-                  <a:tcPr/>
-                </a:tc>
-                <a:tc hMerge="1">
-                  <a:txBody>
-                    <a:bodyPr/>
-                    <a:lstStyle/>
-                    <a:p>
-                      <a:endParaRPr lang="ru-RU"/>
-                    </a:p>
-                  </a:txBody>
-                  <a:tcPr/>
-                </a:tc>
-                <a:tc>
-                  <a:txBody>
-                    <a:bodyPr/>
-                    <a:lstStyle/>
-                    <a:p>
-                      <a:pPr indent="-1270" algn="just">
-                        <a:lnSpc>
-                          <a:spcPct val="150000"/>
-                        </a:lnSpc>
-                        <a:spcAft>
-                          <a:spcPts val="0"/>
-                        </a:spcAft>
-                      </a:pPr>
-                      <a:r>
-                        <a:rPr lang="en-US" sz="1200" dirty="0">
-                          <a:effectLst/>
-                        </a:rPr>
-                        <a:t>3100₽</a:t>
-                      </a:r>
-                      <a:endParaRPr lang="ru-RU" sz="1400" dirty="0">
-                        <a:effectLst/>
-                        <a:latin typeface="Times New Roman" panose="02020603050405020304" pitchFamily="18" charset="0"/>
-                        <a:ea typeface="Times New Roman" panose="02020603050405020304" pitchFamily="18" charset="0"/>
-                      </a:endParaRPr>
-                    </a:p>
-                  </a:txBody>
-                  <a:tcPr marL="68580" marR="68580" marT="0" marB="0"/>
-                </a:tc>
-                <a:extLst>
-                  <a:ext uri="{0D108BD9-81ED-4DB2-BD59-A6C34878D82A}">
-                    <a16:rowId xmlns:a16="http://schemas.microsoft.com/office/drawing/2014/main" val="3079072910"/>
-                  </a:ext>
-                </a:extLst>
-              </a:tr>
-            </a:tbl>
-          </a:graphicData>
-        </a:graphic>
-      </p:graphicFrame>
+        </p:nvPicPr>
+        <p:blipFill rotWithShape="1">
+          <a:blip r:embed="rId2">
+            <a:extLst>
+              <a:ext uri="{28A0092B-C50C-407E-A947-70E740481C1C}">
+                <a14:useLocalDpi xmlns:a14="http://schemas.microsoft.com/office/drawing/2010/main" val="0"/>
+              </a:ext>
+            </a:extLst>
+          </a:blip>
+          <a:srcRect r="54661"/>
+          <a:stretch/>
+        </p:blipFill>
+        <p:spPr bwMode="auto">
+          <a:xfrm>
+            <a:off x="838200" y="2044818"/>
+            <a:ext cx="5340350" cy="3359032"/>
+          </a:xfrm>
+          <a:prstGeom prst="rect">
+            <a:avLst/>
+          </a:prstGeom>
+          <a:noFill/>
+          <a:ln>
+            <a:noFill/>
+          </a:ln>
+        </p:spPr>
+      </p:pic>
+      <p:sp>
+        <p:nvSpPr>
+          <p:cNvPr id="5" name="TextBox 4"/>
+          <p:cNvSpPr txBox="1"/>
+          <p:nvPr/>
+        </p:nvSpPr>
+        <p:spPr>
+          <a:xfrm>
+            <a:off x="1003300" y="5454650"/>
+            <a:ext cx="4841390" cy="369332"/>
+          </a:xfrm>
+          <a:prstGeom prst="rect">
+            <a:avLst/>
+          </a:prstGeom>
+          <a:noFill/>
+        </p:spPr>
+        <p:txBody>
+          <a:bodyPr wrap="none" rtlCol="0">
+            <a:spAutoFit/>
+          </a:bodyPr>
+          <a:lstStyle/>
+          <a:p>
+            <a:r>
+              <a:rPr lang="ru-RU" dirty="0" err="1"/>
+              <a:t>Электромиограмма</a:t>
+            </a:r>
+            <a:r>
+              <a:rPr lang="ru-RU" dirty="0"/>
+              <a:t> обычного положения руки </a:t>
+            </a:r>
+            <a:endParaRPr lang="ru-RU" dirty="0"/>
+          </a:p>
+        </p:txBody>
+      </p:sp>
+      <p:pic>
+        <p:nvPicPr>
+          <p:cNvPr id="6" name="Рисунок 5" descr="https://lh3.googleusercontent.com/tlK2R9xElxxlfOe0RizpVbtGEJ0mXJHxbtkmTyfylKfKdn5WRt3S-4AxIja8Lm2cN0IafkzIyXjHmarN9u_qqoFjZL-i_JPl26W6_fxZ9hOIt2WhKxhM98LL6rhKzHxa1lsnozSB"/>
+          <p:cNvPicPr/>
+          <p:nvPr/>
+        </p:nvPicPr>
+        <p:blipFill rotWithShape="1">
+          <a:blip r:embed="rId3">
+            <a:extLst>
+              <a:ext uri="{28A0092B-C50C-407E-A947-70E740481C1C}">
+                <a14:useLocalDpi xmlns:a14="http://schemas.microsoft.com/office/drawing/2010/main" val="0"/>
+              </a:ext>
+            </a:extLst>
+          </a:blip>
+          <a:srcRect r="54661"/>
+          <a:stretch/>
+        </p:blipFill>
+        <p:spPr bwMode="auto">
+          <a:xfrm>
+            <a:off x="6280150" y="2044818"/>
+            <a:ext cx="5638800" cy="3359032"/>
+          </a:xfrm>
+          <a:prstGeom prst="rect">
+            <a:avLst/>
+          </a:prstGeom>
+          <a:noFill/>
+          <a:ln>
+            <a:noFill/>
+          </a:ln>
+        </p:spPr>
+      </p:pic>
+      <p:sp>
+        <p:nvSpPr>
+          <p:cNvPr id="8" name="TextBox 7"/>
+          <p:cNvSpPr txBox="1"/>
+          <p:nvPr/>
+        </p:nvSpPr>
+        <p:spPr>
+          <a:xfrm>
+            <a:off x="6426200" y="5459530"/>
+            <a:ext cx="4700582" cy="369332"/>
+          </a:xfrm>
+          <a:prstGeom prst="rect">
+            <a:avLst/>
+          </a:prstGeom>
+          <a:noFill/>
+        </p:spPr>
+        <p:txBody>
+          <a:bodyPr wrap="none" rtlCol="0">
+            <a:spAutoFit/>
+          </a:bodyPr>
+          <a:lstStyle/>
+          <a:p>
+            <a:r>
+              <a:rPr lang="ru-RU" dirty="0" err="1" smtClean="0"/>
+              <a:t>Элекромиограмма</a:t>
+            </a:r>
+            <a:r>
+              <a:rPr lang="ru-RU" dirty="0" smtClean="0"/>
+              <a:t> при напряженных пальцах</a:t>
+            </a:r>
+            <a:endParaRPr lang="ru-RU" dirty="0"/>
+          </a:p>
+        </p:txBody>
+      </p:sp>
     </p:spTree>
     <p:extLst>
       <p:ext uri="{BB962C8B-B14F-4D97-AF65-F5344CB8AC3E}">
-        <p14:creationId xmlns:p14="http://schemas.microsoft.com/office/powerpoint/2010/main" val="3205969866"/>
+        <p14:creationId xmlns:p14="http://schemas.microsoft.com/office/powerpoint/2010/main" val="2495582341"/>
       </p:ext>
     </p:extLst>
   </p:cSld>

--- a/presentation.pptx
+++ b/presentation.pptx
@@ -5,7 +5,7 @@
     <p:sldMasterId id="2147483708" r:id="rId1"/>
   </p:sldMasterIdLst>
   <p:notesMasterIdLst>
-    <p:notesMasterId r:id="rId18"/>
+    <p:notesMasterId r:id="rId17"/>
   </p:notesMasterIdLst>
   <p:sldIdLst>
     <p:sldId id="256" r:id="rId2"/>
@@ -14,16 +14,15 @@
     <p:sldId id="265" r:id="rId5"/>
     <p:sldId id="257" r:id="rId6"/>
     <p:sldId id="258" r:id="rId7"/>
-    <p:sldId id="269" r:id="rId8"/>
-    <p:sldId id="270" r:id="rId9"/>
+    <p:sldId id="276" r:id="rId8"/>
+    <p:sldId id="275" r:id="rId9"/>
     <p:sldId id="271" r:id="rId10"/>
-    <p:sldId id="272" r:id="rId11"/>
-    <p:sldId id="266" r:id="rId12"/>
-    <p:sldId id="273" r:id="rId13"/>
-    <p:sldId id="260" r:id="rId14"/>
-    <p:sldId id="267" r:id="rId15"/>
-    <p:sldId id="261" r:id="rId16"/>
-    <p:sldId id="262" r:id="rId17"/>
+    <p:sldId id="274" r:id="rId11"/>
+    <p:sldId id="273" r:id="rId12"/>
+    <p:sldId id="260" r:id="rId13"/>
+    <p:sldId id="267" r:id="rId14"/>
+    <p:sldId id="261" r:id="rId15"/>
+    <p:sldId id="262" r:id="rId16"/>
   </p:sldIdLst>
   <p:sldSz cx="12192000" cy="6858000"/>
   <p:notesSz cx="6858000" cy="9144000"/>
@@ -140,20 +139,6 @@
     </p:extLst>
   </p:cmAuthor>
 </p:cmAuthorLst>
-</file>
-
-<file path=ppt/comments/comment1.xml><?xml version="1.0" encoding="utf-8"?>
-<p:cmLst xmlns:a="http://schemas.openxmlformats.org/drawingml/2006/main" xmlns:r="http://schemas.openxmlformats.org/officeDocument/2006/relationships" xmlns:p="http://schemas.openxmlformats.org/presentationml/2006/main">
-  <p:cm authorId="1" dt="2022-02-26T16:24:26.903" idx="1">
-    <p:pos x="10" y="10"/>
-    <p:text/>
-    <p:extLst>
-      <p:ext uri="{C676402C-5697-4E1C-873F-D02D1690AC5C}">
-        <p15:threadingInfo xmlns:p15="http://schemas.microsoft.com/office/powerpoint/2012/main" timeZoneBias="-180"/>
-      </p:ext>
-    </p:extLst>
-  </p:cm>
-</p:cmLst>
 </file>
 
 <file path=ppt/notesMasters/notesMaster1.xml><?xml version="1.0" encoding="utf-8"?>
@@ -536,7 +521,7 @@
           <a:p>
             <a:fld id="{BDD16418-436B-48A9-AE2A-B17C35EEC8BC}" type="datetimeFigureOut">
               <a:rPr lang="ru-RU" smtClean="0"/>
-              <a:t>29.05.2022</a:t>
+              <a:t>02.06.2022</a:t>
             </a:fld>
             <a:endParaRPr lang="ru-RU"/>
           </a:p>
@@ -706,7 +691,7 @@
           <a:p>
             <a:fld id="{BDD16418-436B-48A9-AE2A-B17C35EEC8BC}" type="datetimeFigureOut">
               <a:rPr lang="ru-RU" smtClean="0"/>
-              <a:t>29.05.2022</a:t>
+              <a:t>02.06.2022</a:t>
             </a:fld>
             <a:endParaRPr lang="ru-RU"/>
           </a:p>
@@ -886,7 +871,7 @@
           <a:p>
             <a:fld id="{BDD16418-436B-48A9-AE2A-B17C35EEC8BC}" type="datetimeFigureOut">
               <a:rPr lang="ru-RU" smtClean="0"/>
-              <a:t>29.05.2022</a:t>
+              <a:t>02.06.2022</a:t>
             </a:fld>
             <a:endParaRPr lang="ru-RU"/>
           </a:p>
@@ -1056,7 +1041,7 @@
           <a:p>
             <a:fld id="{BDD16418-436B-48A9-AE2A-B17C35EEC8BC}" type="datetimeFigureOut">
               <a:rPr lang="ru-RU" smtClean="0"/>
-              <a:t>29.05.2022</a:t>
+              <a:t>02.06.2022</a:t>
             </a:fld>
             <a:endParaRPr lang="ru-RU"/>
           </a:p>
@@ -1302,7 +1287,7 @@
           <a:p>
             <a:fld id="{BDD16418-436B-48A9-AE2A-B17C35EEC8BC}" type="datetimeFigureOut">
               <a:rPr lang="ru-RU" smtClean="0"/>
-              <a:t>29.05.2022</a:t>
+              <a:t>02.06.2022</a:t>
             </a:fld>
             <a:endParaRPr lang="ru-RU"/>
           </a:p>
@@ -1534,7 +1519,7 @@
           <a:p>
             <a:fld id="{BDD16418-436B-48A9-AE2A-B17C35EEC8BC}" type="datetimeFigureOut">
               <a:rPr lang="ru-RU" smtClean="0"/>
-              <a:t>29.05.2022</a:t>
+              <a:t>02.06.2022</a:t>
             </a:fld>
             <a:endParaRPr lang="ru-RU"/>
           </a:p>
@@ -1901,7 +1886,7 @@
           <a:p>
             <a:fld id="{BDD16418-436B-48A9-AE2A-B17C35EEC8BC}" type="datetimeFigureOut">
               <a:rPr lang="ru-RU" smtClean="0"/>
-              <a:t>29.05.2022</a:t>
+              <a:t>02.06.2022</a:t>
             </a:fld>
             <a:endParaRPr lang="ru-RU"/>
           </a:p>
@@ -2019,7 +2004,7 @@
           <a:p>
             <a:fld id="{BDD16418-436B-48A9-AE2A-B17C35EEC8BC}" type="datetimeFigureOut">
               <a:rPr lang="ru-RU" smtClean="0"/>
-              <a:t>29.05.2022</a:t>
+              <a:t>02.06.2022</a:t>
             </a:fld>
             <a:endParaRPr lang="ru-RU"/>
           </a:p>
@@ -2114,7 +2099,7 @@
           <a:p>
             <a:fld id="{BDD16418-436B-48A9-AE2A-B17C35EEC8BC}" type="datetimeFigureOut">
               <a:rPr lang="ru-RU" smtClean="0"/>
-              <a:t>29.05.2022</a:t>
+              <a:t>02.06.2022</a:t>
             </a:fld>
             <a:endParaRPr lang="ru-RU"/>
           </a:p>
@@ -2391,7 +2376,7 @@
           <a:p>
             <a:fld id="{BDD16418-436B-48A9-AE2A-B17C35EEC8BC}" type="datetimeFigureOut">
               <a:rPr lang="ru-RU" smtClean="0"/>
-              <a:t>29.05.2022</a:t>
+              <a:t>02.06.2022</a:t>
             </a:fld>
             <a:endParaRPr lang="ru-RU"/>
           </a:p>
@@ -2644,7 +2629,7 @@
           <a:p>
             <a:fld id="{BDD16418-436B-48A9-AE2A-B17C35EEC8BC}" type="datetimeFigureOut">
               <a:rPr lang="ru-RU" smtClean="0"/>
-              <a:t>29.05.2022</a:t>
+              <a:t>02.06.2022</a:t>
             </a:fld>
             <a:endParaRPr lang="ru-RU"/>
           </a:p>
@@ -2857,7 +2842,7 @@
           <a:p>
             <a:fld id="{BDD16418-436B-48A9-AE2A-B17C35EEC8BC}" type="datetimeFigureOut">
               <a:rPr lang="ru-RU" smtClean="0"/>
-              <a:t>29.05.2022</a:t>
+              <a:t>02.06.2022</a:t>
             </a:fld>
             <a:endParaRPr lang="ru-RU"/>
           </a:p>
@@ -3738,10 +3723,9 @@
           <a:lstStyle/>
           <a:p>
             <a:r>
-              <a:rPr lang="ru-RU" dirty="0" smtClean="0"/>
+              <a:rPr lang="ru-RU" dirty="0"/>
               <a:t>Модель Машинного Обучения</a:t>
             </a:r>
-            <a:endParaRPr lang="ru-RU" dirty="0"/>
           </a:p>
         </p:txBody>
       </p:sp>
@@ -3755,326 +3739,380 @@
             <p:ph idx="1"/>
             <p:extLst>
               <p:ext uri="{D42A27DB-BD31-4B8C-83A1-F6EECF244321}">
-                <p14:modId xmlns:p14="http://schemas.microsoft.com/office/powerpoint/2010/main" val="3482839297"/>
+                <p14:modId xmlns:p14="http://schemas.microsoft.com/office/powerpoint/2010/main" val="690121987"/>
               </p:ext>
             </p:extLst>
           </p:nvPr>
         </p:nvGraphicFramePr>
         <p:xfrm>
-          <a:off x="1339850" y="2052639"/>
-          <a:ext cx="8566150" cy="4298155"/>
+          <a:off x="838200" y="1789430"/>
+          <a:ext cx="10610850" cy="3900170"/>
         </p:xfrm>
         <a:graphic>
           <a:graphicData uri="http://schemas.openxmlformats.org/drawingml/2006/table">
             <a:tbl>
-              <a:tblPr firstRow="1" firstCol="1" bandRow="1">
+              <a:tblPr firstRow="1" bandRow="1">
                 <a:tableStyleId>{5940675A-B579-460E-94D1-54222C63F5DA}</a:tableStyleId>
               </a:tblPr>
               <a:tblGrid>
-                <a:gridCol w="4076826">
+                <a:gridCol w="5305425">
                   <a:extLst>
                     <a:ext uri="{9D8B030D-6E8A-4147-A177-3AD203B41FA5}">
-                      <a16:colId xmlns:a16="http://schemas.microsoft.com/office/drawing/2014/main" val="3791235886"/>
+                      <a16:colId xmlns:a16="http://schemas.microsoft.com/office/drawing/2014/main" val="262645028"/>
                     </a:ext>
                   </a:extLst>
                 </a:gridCol>
-                <a:gridCol w="4489324">
+                <a:gridCol w="5305425">
                   <a:extLst>
                     <a:ext uri="{9D8B030D-6E8A-4147-A177-3AD203B41FA5}">
-                      <a16:colId xmlns:a16="http://schemas.microsoft.com/office/drawing/2014/main" val="908998734"/>
+                      <a16:colId xmlns:a16="http://schemas.microsoft.com/office/drawing/2014/main" val="1360885054"/>
                     </a:ext>
                   </a:extLst>
                 </a:gridCol>
               </a:tblGrid>
-              <a:tr h="435308">
+              <a:tr h="429680">
                 <a:tc>
                   <a:txBody>
                     <a:bodyPr/>
                     <a:lstStyle/>
                     <a:p>
-                      <a:pPr indent="450215" algn="l">
+                      <a:r>
+                        <a:rPr lang="ru-RU" sz="2000" dirty="0" smtClean="0"/>
+                        <a:t>Название</a:t>
+                      </a:r>
+                      <a:endParaRPr lang="ru-RU" sz="2000" dirty="0"/>
+                    </a:p>
+                  </a:txBody>
+                  <a:tcPr/>
+                </a:tc>
+                <a:tc>
+                  <a:txBody>
+                    <a:bodyPr/>
+                    <a:lstStyle/>
+                    <a:p>
+                      <a:r>
+                        <a:rPr lang="ru-RU" dirty="0" smtClean="0"/>
+                        <a:t>Аккуратность</a:t>
+                      </a:r>
+                      <a:endParaRPr lang="ru-RU" dirty="0"/>
+                    </a:p>
+                  </a:txBody>
+                  <a:tcPr/>
+                </a:tc>
+                <a:extLst>
+                  <a:ext uri="{0D108BD9-81ED-4DB2-BD59-A6C34878D82A}">
+                    <a16:rowId xmlns:a16="http://schemas.microsoft.com/office/drawing/2014/main" val="3501656329"/>
+                  </a:ext>
+                </a:extLst>
+              </a:tr>
+              <a:tr h="694098">
+                <a:tc>
+                  <a:txBody>
+                    <a:bodyPr/>
+                    <a:lstStyle/>
+                    <a:p>
+                      <a:pPr marL="0" marR="0" indent="0" algn="l" defTabSz="914400" rtl="0" eaLnBrk="1" fontAlgn="auto" latinLnBrk="0" hangingPunct="1">
                         <a:lnSpc>
-                          <a:spcPct val="150000"/>
+                          <a:spcPct val="100000"/>
                         </a:lnSpc>
+                        <a:spcBef>
+                          <a:spcPts val="0"/>
+                        </a:spcBef>
                         <a:spcAft>
                           <a:spcPts val="0"/>
                         </a:spcAft>
+                        <a:buClrTx/>
+                        <a:buSzTx/>
+                        <a:buFontTx/>
+                        <a:buNone/>
+                        <a:tabLst/>
+                        <a:defRPr/>
                       </a:pPr>
                       <a:r>
-                        <a:rPr lang="ru-RU" sz="1100" dirty="0">
+                        <a:rPr lang="ru-RU" sz="1800" dirty="0" smtClean="0">
                           <a:effectLst/>
                         </a:rPr>
-                        <a:t>Название </a:t>
-                      </a:r>
-                      <a:endParaRPr lang="ru-RU" sz="1400" dirty="0">
+                        <a:t>Логистическая регрессия</a:t>
+                      </a:r>
+                      <a:endParaRPr lang="ru-RU" sz="1800" dirty="0" smtClean="0">
                         <a:effectLst/>
                         <a:latin typeface="Times New Roman" panose="02020603050405020304" pitchFamily="18" charset="0"/>
                         <a:ea typeface="Times New Roman" panose="02020603050405020304" pitchFamily="18" charset="0"/>
                         <a:cs typeface="Times New Roman" panose="02020603050405020304" pitchFamily="18" charset="0"/>
                       </a:endParaRPr>
                     </a:p>
+                    <a:p>
+                      <a:endParaRPr lang="ru-RU" dirty="0"/>
+                    </a:p>
                   </a:txBody>
-                  <a:tcPr marL="68580" marR="68580" marT="0" marB="0"/>
+                  <a:tcPr/>
                 </a:tc>
                 <a:tc>
                   <a:txBody>
                     <a:bodyPr/>
                     <a:lstStyle/>
                     <a:p>
-                      <a:pPr indent="450215" algn="l">
+                      <a:pPr marL="0" marR="0" indent="0" algn="l" defTabSz="914400" rtl="0" eaLnBrk="1" fontAlgn="auto" latinLnBrk="0" hangingPunct="1">
                         <a:lnSpc>
-                          <a:spcPct val="150000"/>
+                          <a:spcPct val="100000"/>
                         </a:lnSpc>
+                        <a:spcBef>
+                          <a:spcPts val="0"/>
+                        </a:spcBef>
                         <a:spcAft>
                           <a:spcPts val="0"/>
                         </a:spcAft>
+                        <a:buClrTx/>
+                        <a:buSzTx/>
+                        <a:buFontTx/>
+                        <a:buNone/>
+                        <a:tabLst/>
+                        <a:defRPr/>
                       </a:pPr>
                       <a:r>
-                        <a:rPr lang="ru-RU" sz="1100">
+                        <a:rPr lang="ru-RU" sz="1800" dirty="0" smtClean="0">
                           <a:effectLst/>
                         </a:rPr>
-                        <a:t>Аккуратность</a:t>
-                      </a:r>
-                      <a:endParaRPr lang="ru-RU" sz="1400">
+                        <a:t>0.7692307692307693</a:t>
+                      </a:r>
+                      <a:endParaRPr lang="ru-RU" sz="1800" dirty="0" smtClean="0">
                         <a:effectLst/>
                         <a:latin typeface="Times New Roman" panose="02020603050405020304" pitchFamily="18" charset="0"/>
                         <a:ea typeface="Times New Roman" panose="02020603050405020304" pitchFamily="18" charset="0"/>
                         <a:cs typeface="Times New Roman" panose="02020603050405020304" pitchFamily="18" charset="0"/>
                       </a:endParaRPr>
                     </a:p>
+                    <a:p>
+                      <a:endParaRPr lang="ru-RU" dirty="0"/>
+                    </a:p>
                   </a:txBody>
-                  <a:tcPr marL="68580" marR="68580" marT="0" marB="0"/>
+                  <a:tcPr/>
                 </a:tc>
                 <a:extLst>
                   <a:ext uri="{0D108BD9-81ED-4DB2-BD59-A6C34878D82A}">
-                    <a16:rowId xmlns:a16="http://schemas.microsoft.com/office/drawing/2014/main" val="28910420"/>
+                    <a16:rowId xmlns:a16="http://schemas.microsoft.com/office/drawing/2014/main" val="2877316315"/>
                   </a:ext>
                 </a:extLst>
               </a:tr>
-              <a:tr h="843839">
+              <a:tr h="694098">
                 <a:tc>
                   <a:txBody>
                     <a:bodyPr/>
                     <a:lstStyle/>
                     <a:p>
-                      <a:pPr indent="450215" algn="l">
+                      <a:pPr marL="0" marR="0" indent="0" algn="l" defTabSz="914400" rtl="0" eaLnBrk="1" fontAlgn="auto" latinLnBrk="0" hangingPunct="1">
                         <a:lnSpc>
-                          <a:spcPct val="150000"/>
+                          <a:spcPct val="100000"/>
                         </a:lnSpc>
+                        <a:spcBef>
+                          <a:spcPts val="0"/>
+                        </a:spcBef>
                         <a:spcAft>
                           <a:spcPts val="0"/>
                         </a:spcAft>
+                        <a:buClrTx/>
+                        <a:buSzTx/>
+                        <a:buFontTx/>
+                        <a:buNone/>
+                        <a:tabLst/>
+                        <a:defRPr/>
                       </a:pPr>
                       <a:r>
-                        <a:rPr lang="ru-RU" sz="1100">
+                        <a:rPr lang="ru-RU" sz="1800" dirty="0" smtClean="0">
                           <a:effectLst/>
                         </a:rPr>
-                        <a:t>Логистическая регрессия</a:t>
-                      </a:r>
-                      <a:endParaRPr lang="ru-RU" sz="1400">
+                        <a:t>Линейный дискриминантный анализ</a:t>
+                      </a:r>
+                      <a:endParaRPr lang="ru-RU" sz="1800" dirty="0" smtClean="0">
                         <a:effectLst/>
                         <a:latin typeface="Times New Roman" panose="02020603050405020304" pitchFamily="18" charset="0"/>
                         <a:ea typeface="Times New Roman" panose="02020603050405020304" pitchFamily="18" charset="0"/>
                         <a:cs typeface="Times New Roman" panose="02020603050405020304" pitchFamily="18" charset="0"/>
                       </a:endParaRPr>
                     </a:p>
+                    <a:p>
+                      <a:endParaRPr lang="ru-RU" dirty="0"/>
+                    </a:p>
                   </a:txBody>
-                  <a:tcPr marL="68580" marR="68580" marT="0" marB="0"/>
+                  <a:tcPr/>
                 </a:tc>
                 <a:tc>
                   <a:txBody>
                     <a:bodyPr/>
                     <a:lstStyle/>
                     <a:p>
-                      <a:pPr indent="450215" algn="l">
+                      <a:pPr marL="0" marR="0" indent="0" algn="l" defTabSz="914400" rtl="0" eaLnBrk="1" fontAlgn="auto" latinLnBrk="0" hangingPunct="1">
                         <a:lnSpc>
-                          <a:spcPct val="150000"/>
+                          <a:spcPct val="100000"/>
                         </a:lnSpc>
+                        <a:spcBef>
+                          <a:spcPts val="0"/>
+                        </a:spcBef>
                         <a:spcAft>
                           <a:spcPts val="0"/>
                         </a:spcAft>
+                        <a:buClrTx/>
+                        <a:buSzTx/>
+                        <a:buFontTx/>
+                        <a:buNone/>
+                        <a:tabLst/>
+                        <a:defRPr/>
                       </a:pPr>
                       <a:r>
-                        <a:rPr lang="ru-RU" sz="1100">
+                        <a:rPr lang="ru-RU" sz="1800" dirty="0" smtClean="0">
                           <a:effectLst/>
                         </a:rPr>
-                        <a:t>0.7692307692307693</a:t>
-                      </a:r>
-                      <a:endParaRPr lang="ru-RU" sz="1400">
+                        <a:t>0.7307692307692307</a:t>
+                      </a:r>
+                      <a:endParaRPr lang="ru-RU" sz="1800" dirty="0" smtClean="0">
                         <a:effectLst/>
                         <a:latin typeface="Times New Roman" panose="02020603050405020304" pitchFamily="18" charset="0"/>
                         <a:ea typeface="Times New Roman" panose="02020603050405020304" pitchFamily="18" charset="0"/>
                         <a:cs typeface="Times New Roman" panose="02020603050405020304" pitchFamily="18" charset="0"/>
                       </a:endParaRPr>
                     </a:p>
+                    <a:p>
+                      <a:endParaRPr lang="ru-RU" dirty="0"/>
+                    </a:p>
                   </a:txBody>
-                  <a:tcPr marL="68580" marR="68580" marT="0" marB="0"/>
+                  <a:tcPr/>
                 </a:tc>
                 <a:extLst>
                   <a:ext uri="{0D108BD9-81ED-4DB2-BD59-A6C34878D82A}">
-                    <a16:rowId xmlns:a16="http://schemas.microsoft.com/office/drawing/2014/main" val="799364615"/>
+                    <a16:rowId xmlns:a16="http://schemas.microsoft.com/office/drawing/2014/main" val="2144386933"/>
                   </a:ext>
                 </a:extLst>
               </a:tr>
-              <a:tr h="1304552">
+              <a:tr h="694098">
                 <a:tc>
                   <a:txBody>
                     <a:bodyPr/>
                     <a:lstStyle/>
                     <a:p>
-                      <a:pPr indent="450215" algn="l">
+                      <a:pPr marL="0" marR="0" indent="0" algn="l" defTabSz="914400" rtl="0" eaLnBrk="1" fontAlgn="auto" latinLnBrk="0" hangingPunct="1">
                         <a:lnSpc>
-                          <a:spcPct val="150000"/>
+                          <a:spcPct val="100000"/>
                         </a:lnSpc>
+                        <a:spcBef>
+                          <a:spcPts val="0"/>
+                        </a:spcBef>
                         <a:spcAft>
                           <a:spcPts val="0"/>
                         </a:spcAft>
+                        <a:buClrTx/>
+                        <a:buSzTx/>
+                        <a:buFontTx/>
+                        <a:buNone/>
+                        <a:tabLst/>
+                        <a:defRPr/>
                       </a:pPr>
                       <a:r>
-                        <a:rPr lang="ru-RU" sz="1100">
+                        <a:rPr lang="ru-RU" sz="1800" dirty="0" smtClean="0">
                           <a:effectLst/>
                         </a:rPr>
-                        <a:t>Линейный дискриминантный анализ</a:t>
-                      </a:r>
-                      <a:endParaRPr lang="ru-RU" sz="1400">
+                        <a:t>K-Ближайшие Соседи</a:t>
+                      </a:r>
+                      <a:endParaRPr lang="ru-RU" sz="1800" dirty="0" smtClean="0">
                         <a:effectLst/>
                         <a:latin typeface="Times New Roman" panose="02020603050405020304" pitchFamily="18" charset="0"/>
                         <a:ea typeface="Times New Roman" panose="02020603050405020304" pitchFamily="18" charset="0"/>
                         <a:cs typeface="Times New Roman" panose="02020603050405020304" pitchFamily="18" charset="0"/>
                       </a:endParaRPr>
                     </a:p>
+                    <a:p>
+                      <a:endParaRPr lang="ru-RU" dirty="0"/>
+                    </a:p>
                   </a:txBody>
-                  <a:tcPr marL="68580" marR="68580" marT="0" marB="0"/>
+                  <a:tcPr/>
                 </a:tc>
                 <a:tc>
                   <a:txBody>
                     <a:bodyPr/>
                     <a:lstStyle/>
                     <a:p>
-                      <a:pPr indent="450215" algn="l">
+                      <a:pPr marL="0" marR="0" indent="0" algn="l" defTabSz="914400" rtl="0" eaLnBrk="1" fontAlgn="auto" latinLnBrk="0" hangingPunct="1">
                         <a:lnSpc>
-                          <a:spcPct val="150000"/>
+                          <a:spcPct val="100000"/>
                         </a:lnSpc>
+                        <a:spcBef>
+                          <a:spcPts val="0"/>
+                        </a:spcBef>
                         <a:spcAft>
                           <a:spcPts val="0"/>
                         </a:spcAft>
+                        <a:buClrTx/>
+                        <a:buSzTx/>
+                        <a:buFontTx/>
+                        <a:buNone/>
+                        <a:tabLst/>
+                        <a:defRPr/>
                       </a:pPr>
                       <a:r>
-                        <a:rPr lang="ru-RU" sz="1100">
+                        <a:rPr lang="ru-RU" sz="1800" dirty="0" smtClean="0">
                           <a:effectLst/>
                         </a:rPr>
-                        <a:t>0.7307692307692307</a:t>
-                      </a:r>
-                      <a:endParaRPr lang="ru-RU" sz="1400">
+                        <a:t>0.5</a:t>
+                      </a:r>
+                      <a:endParaRPr lang="ru-RU" sz="1800" dirty="0" smtClean="0">
                         <a:effectLst/>
                         <a:latin typeface="Times New Roman" panose="02020603050405020304" pitchFamily="18" charset="0"/>
                         <a:ea typeface="Times New Roman" panose="02020603050405020304" pitchFamily="18" charset="0"/>
                         <a:cs typeface="Times New Roman" panose="02020603050405020304" pitchFamily="18" charset="0"/>
                       </a:endParaRPr>
                     </a:p>
+                    <a:p>
+                      <a:endParaRPr lang="ru-RU" dirty="0"/>
+                    </a:p>
                   </a:txBody>
-                  <a:tcPr marL="68580" marR="68580" marT="0" marB="0"/>
+                  <a:tcPr/>
                 </a:tc>
                 <a:extLst>
                   <a:ext uri="{0D108BD9-81ED-4DB2-BD59-A6C34878D82A}">
-                    <a16:rowId xmlns:a16="http://schemas.microsoft.com/office/drawing/2014/main" val="79665121"/>
+                    <a16:rowId xmlns:a16="http://schemas.microsoft.com/office/drawing/2014/main" val="3636548760"/>
                   </a:ext>
                 </a:extLst>
               </a:tr>
-              <a:tr h="869244">
+              <a:tr h="694098">
                 <a:tc>
                   <a:txBody>
                     <a:bodyPr/>
                     <a:lstStyle/>
                     <a:p>
-                      <a:pPr indent="450215" algn="l">
+                      <a:pPr marL="0" marR="0" indent="0" algn="l" defTabSz="914400" rtl="0" eaLnBrk="1" fontAlgn="auto" latinLnBrk="0" hangingPunct="1">
                         <a:lnSpc>
-                          <a:spcPct val="150000"/>
+                          <a:spcPct val="100000"/>
                         </a:lnSpc>
+                        <a:spcBef>
+                          <a:spcPts val="0"/>
+                        </a:spcBef>
                         <a:spcAft>
                           <a:spcPts val="0"/>
                         </a:spcAft>
+                        <a:buClrTx/>
+                        <a:buSzTx/>
+                        <a:buFontTx/>
+                        <a:buNone/>
+                        <a:tabLst/>
+                        <a:defRPr/>
                       </a:pPr>
                       <a:r>
-                        <a:rPr lang="ru-RU" sz="1100">
+                        <a:rPr lang="ru-RU" sz="1800" dirty="0" smtClean="0">
                           <a:effectLst/>
                         </a:rPr>
-                        <a:t>K-Ближайшие Соседи</a:t>
-                      </a:r>
-                      <a:endParaRPr lang="ru-RU" sz="1400">
+                        <a:t>Наивный Байес</a:t>
+                      </a:r>
+                      <a:endParaRPr lang="ru-RU" sz="1800" dirty="0" smtClean="0">
                         <a:effectLst/>
                         <a:latin typeface="Times New Roman" panose="02020603050405020304" pitchFamily="18" charset="0"/>
                         <a:ea typeface="Times New Roman" panose="02020603050405020304" pitchFamily="18" charset="0"/>
                         <a:cs typeface="Times New Roman" panose="02020603050405020304" pitchFamily="18" charset="0"/>
                       </a:endParaRPr>
                     </a:p>
+                    <a:p>
+                      <a:endParaRPr lang="ru-RU" dirty="0"/>
+                    </a:p>
                   </a:txBody>
-                  <a:tcPr marL="68580" marR="68580" marT="0" marB="0"/>
-                </a:tc>
-                <a:tc>
-                  <a:txBody>
-                    <a:bodyPr/>
-                    <a:lstStyle/>
-                    <a:p>
-                      <a:pPr indent="450215" algn="l">
-                        <a:lnSpc>
-                          <a:spcPct val="150000"/>
-                        </a:lnSpc>
-                        <a:spcAft>
-                          <a:spcPts val="0"/>
-                        </a:spcAft>
-                      </a:pPr>
-                      <a:r>
-                        <a:rPr lang="ru-RU" sz="1100">
-                          <a:effectLst/>
-                        </a:rPr>
-                        <a:t>0.5</a:t>
-                      </a:r>
-                      <a:endParaRPr lang="ru-RU" sz="1400">
-                        <a:effectLst/>
-                        <a:latin typeface="Times New Roman" panose="02020603050405020304" pitchFamily="18" charset="0"/>
-                        <a:ea typeface="Times New Roman" panose="02020603050405020304" pitchFamily="18" charset="0"/>
-                        <a:cs typeface="Times New Roman" panose="02020603050405020304" pitchFamily="18" charset="0"/>
-                      </a:endParaRPr>
-                    </a:p>
-                  </a:txBody>
-                  <a:tcPr marL="68580" marR="68580" marT="0" marB="0"/>
-                </a:tc>
-                <a:extLst>
-                  <a:ext uri="{0D108BD9-81ED-4DB2-BD59-A6C34878D82A}">
-                    <a16:rowId xmlns:a16="http://schemas.microsoft.com/office/drawing/2014/main" val="3944572136"/>
-                  </a:ext>
-                </a:extLst>
-              </a:tr>
-              <a:tr h="409904">
-                <a:tc>
-                  <a:txBody>
-                    <a:bodyPr/>
-                    <a:lstStyle/>
-                    <a:p>
-                      <a:pPr indent="450215" algn="l">
-                        <a:lnSpc>
-                          <a:spcPct val="150000"/>
-                        </a:lnSpc>
-                        <a:spcAft>
-                          <a:spcPts val="0"/>
-                        </a:spcAft>
-                      </a:pPr>
-                      <a:r>
-                        <a:rPr lang="ru-RU" sz="1100">
-                          <a:effectLst/>
-                        </a:rPr>
-                        <a:t>Наивный Байес</a:t>
-                      </a:r>
-                      <a:endParaRPr lang="ru-RU" sz="1400">
-                        <a:effectLst/>
-                        <a:latin typeface="Times New Roman" panose="02020603050405020304" pitchFamily="18" charset="0"/>
-                        <a:ea typeface="Times New Roman" panose="02020603050405020304" pitchFamily="18" charset="0"/>
-                        <a:cs typeface="Times New Roman" panose="02020603050405020304" pitchFamily="18" charset="0"/>
-                      </a:endParaRPr>
-                    </a:p>
-                  </a:txBody>
-                  <a:tcPr marL="68580" marR="68580" marT="0" marB="0">
+                  <a:tcPr>
                     <a:solidFill>
                       <a:schemeClr val="accent1">
                         <a:lumMod val="40000"/>
@@ -4088,29 +4126,41 @@
                     <a:bodyPr/>
                     <a:lstStyle/>
                     <a:p>
-                      <a:pPr indent="450215" algn="l">
+                      <a:pPr marL="0" marR="0" indent="0" algn="l" defTabSz="914400" rtl="0" eaLnBrk="1" fontAlgn="auto" latinLnBrk="0" hangingPunct="1">
                         <a:lnSpc>
-                          <a:spcPct val="150000"/>
+                          <a:spcPct val="100000"/>
                         </a:lnSpc>
+                        <a:spcBef>
+                          <a:spcPts val="0"/>
+                        </a:spcBef>
                         <a:spcAft>
                           <a:spcPts val="0"/>
                         </a:spcAft>
+                        <a:buClrTx/>
+                        <a:buSzTx/>
+                        <a:buFontTx/>
+                        <a:buNone/>
+                        <a:tabLst/>
+                        <a:defRPr/>
                       </a:pPr>
                       <a:r>
-                        <a:rPr lang="ru-RU" sz="1100" dirty="0">
+                        <a:rPr lang="ru-RU" sz="1800" dirty="0" smtClean="0">
                           <a:effectLst/>
                         </a:rPr>
                         <a:t>0.9615384615384616</a:t>
                       </a:r>
-                      <a:endParaRPr lang="ru-RU" sz="1400" dirty="0">
+                      <a:endParaRPr lang="ru-RU" sz="1800" dirty="0" smtClean="0">
                         <a:effectLst/>
                         <a:latin typeface="Times New Roman" panose="02020603050405020304" pitchFamily="18" charset="0"/>
                         <a:ea typeface="Times New Roman" panose="02020603050405020304" pitchFamily="18" charset="0"/>
                         <a:cs typeface="Times New Roman" panose="02020603050405020304" pitchFamily="18" charset="0"/>
                       </a:endParaRPr>
                     </a:p>
+                    <a:p>
+                      <a:endParaRPr lang="ru-RU" dirty="0"/>
+                    </a:p>
                   </a:txBody>
-                  <a:tcPr marL="68580" marR="68580" marT="0" marB="0">
+                  <a:tcPr>
                     <a:solidFill>
                       <a:schemeClr val="accent1">
                         <a:lumMod val="40000"/>
@@ -4121,72 +4171,96 @@
                 </a:tc>
                 <a:extLst>
                   <a:ext uri="{0D108BD9-81ED-4DB2-BD59-A6C34878D82A}">
-                    <a16:rowId xmlns:a16="http://schemas.microsoft.com/office/drawing/2014/main" val="1866983683"/>
+                    <a16:rowId xmlns:a16="http://schemas.microsoft.com/office/drawing/2014/main" val="3254687376"/>
                   </a:ext>
                 </a:extLst>
               </a:tr>
-              <a:tr h="435308">
+              <a:tr h="694098">
                 <a:tc>
                   <a:txBody>
                     <a:bodyPr/>
                     <a:lstStyle/>
                     <a:p>
-                      <a:pPr indent="450215" algn="l">
+                      <a:pPr marL="0" marR="0" indent="0" algn="l" defTabSz="914400" rtl="0" eaLnBrk="1" fontAlgn="auto" latinLnBrk="0" hangingPunct="1">
                         <a:lnSpc>
-                          <a:spcPct val="150000"/>
+                          <a:spcPct val="100000"/>
                         </a:lnSpc>
+                        <a:spcBef>
+                          <a:spcPts val="0"/>
+                        </a:spcBef>
                         <a:spcAft>
                           <a:spcPts val="0"/>
                         </a:spcAft>
+                        <a:buClrTx/>
+                        <a:buSzTx/>
+                        <a:buFontTx/>
+                        <a:buNone/>
+                        <a:tabLst/>
+                        <a:defRPr/>
                       </a:pPr>
                       <a:r>
-                        <a:rPr lang="ru-RU" sz="1100">
+                        <a:rPr lang="ru-RU" sz="1800" dirty="0" smtClean="0">
                           <a:effectLst/>
                         </a:rPr>
                         <a:t>Деревья решений</a:t>
                       </a:r>
-                      <a:endParaRPr lang="ru-RU" sz="1400">
+                      <a:endParaRPr lang="ru-RU" sz="1800" dirty="0" smtClean="0">
                         <a:effectLst/>
                         <a:latin typeface="Times New Roman" panose="02020603050405020304" pitchFamily="18" charset="0"/>
                         <a:ea typeface="Times New Roman" panose="02020603050405020304" pitchFamily="18" charset="0"/>
                         <a:cs typeface="Times New Roman" panose="02020603050405020304" pitchFamily="18" charset="0"/>
                       </a:endParaRPr>
                     </a:p>
+                    <a:p>
+                      <a:endParaRPr lang="ru-RU" dirty="0"/>
+                    </a:p>
                   </a:txBody>
-                  <a:tcPr marL="68580" marR="68580" marT="0" marB="0"/>
+                  <a:tcPr/>
                 </a:tc>
                 <a:tc>
                   <a:txBody>
                     <a:bodyPr/>
                     <a:lstStyle/>
                     <a:p>
-                      <a:pPr indent="450215" algn="l">
+                      <a:pPr marL="0" marR="0" indent="0" algn="l" defTabSz="914400" rtl="0" eaLnBrk="1" fontAlgn="auto" latinLnBrk="0" hangingPunct="1">
                         <a:lnSpc>
-                          <a:spcPct val="150000"/>
+                          <a:spcPct val="100000"/>
                         </a:lnSpc>
+                        <a:spcBef>
+                          <a:spcPts val="0"/>
+                        </a:spcBef>
                         <a:spcAft>
                           <a:spcPts val="0"/>
                         </a:spcAft>
+                        <a:buClrTx/>
+                        <a:buSzTx/>
+                        <a:buFontTx/>
+                        <a:buNone/>
+                        <a:tabLst/>
+                        <a:defRPr/>
                       </a:pPr>
                       <a:r>
-                        <a:rPr lang="ru-RU" sz="1100" dirty="0">
+                        <a:rPr lang="ru-RU" sz="1800" dirty="0" smtClean="0">
                           <a:effectLst/>
                         </a:rPr>
                         <a:t>0.7692307692307693</a:t>
                       </a:r>
-                      <a:endParaRPr lang="ru-RU" sz="1400" dirty="0">
+                      <a:endParaRPr lang="ru-RU" sz="1800" dirty="0" smtClean="0">
                         <a:effectLst/>
                         <a:latin typeface="Times New Roman" panose="02020603050405020304" pitchFamily="18" charset="0"/>
                         <a:ea typeface="Times New Roman" panose="02020603050405020304" pitchFamily="18" charset="0"/>
                         <a:cs typeface="Times New Roman" panose="02020603050405020304" pitchFamily="18" charset="0"/>
                       </a:endParaRPr>
                     </a:p>
+                    <a:p>
+                      <a:endParaRPr lang="ru-RU" dirty="0"/>
+                    </a:p>
                   </a:txBody>
-                  <a:tcPr marL="68580" marR="68580" marT="0" marB="0"/>
+                  <a:tcPr/>
                 </a:tc>
                 <a:extLst>
                   <a:ext uri="{0D108BD9-81ED-4DB2-BD59-A6C34878D82A}">
-                    <a16:rowId xmlns:a16="http://schemas.microsoft.com/office/drawing/2014/main" val="2531290851"/>
+                    <a16:rowId xmlns:a16="http://schemas.microsoft.com/office/drawing/2014/main" val="4192359867"/>
                   </a:ext>
                 </a:extLst>
               </a:tr>
@@ -4196,14 +4270,14 @@
       </p:graphicFrame>
       <p:sp>
         <p:nvSpPr>
-          <p:cNvPr id="6" name="TextBox 5"/>
+          <p:cNvPr id="5" name="TextBox 4"/>
           <p:cNvSpPr txBox="1"/>
           <p:nvPr/>
         </p:nvSpPr>
         <p:spPr>
           <a:xfrm>
-            <a:off x="1248583" y="1683307"/>
-            <a:ext cx="4847417" cy="369332"/>
+            <a:off x="838200" y="6102350"/>
+            <a:ext cx="5152116" cy="369332"/>
           </a:xfrm>
           <a:prstGeom prst="rect">
             <a:avLst/>
@@ -4218,7 +4292,7 @@
           <a:p>
             <a:r>
               <a:rPr lang="ru-RU" dirty="0" smtClean="0"/>
-              <a:t>Таблица сравнения алгоритмов классификации</a:t>
+              <a:t>Аккуратность это точность предсказания, 1 = 100%</a:t>
             </a:r>
             <a:endParaRPr lang="ru-RU" dirty="0"/>
           </a:p>
@@ -4227,7 +4301,7 @@
     </p:spTree>
     <p:extLst>
       <p:ext uri="{BB962C8B-B14F-4D97-AF65-F5344CB8AC3E}">
-        <p14:creationId xmlns:p14="http://schemas.microsoft.com/office/powerpoint/2010/main" val="3881417917"/>
+        <p14:creationId xmlns:p14="http://schemas.microsoft.com/office/powerpoint/2010/main" val="2862411447"/>
       </p:ext>
     </p:extLst>
   </p:cSld>
@@ -4264,159 +4338,643 @@
             <p:ph type="title"/>
           </p:nvPr>
         </p:nvSpPr>
-        <p:spPr/>
+        <p:spPr>
+          <a:xfrm>
+            <a:off x="635000" y="-6887"/>
+            <a:ext cx="10515600" cy="1325563"/>
+          </a:xfrm>
+        </p:spPr>
         <p:txBody>
           <a:bodyPr/>
           <a:lstStyle/>
           <a:p>
             <a:r>
               <a:rPr lang="ru-RU" dirty="0" smtClean="0"/>
-              <a:t>Выбор сред разработки</a:t>
+              <a:t>Обзор серверной части</a:t>
             </a:r>
             <a:endParaRPr lang="ru-RU" dirty="0"/>
           </a:p>
         </p:txBody>
       </p:sp>
-      <p:pic>
-        <p:nvPicPr>
-          <p:cNvPr id="1046" name="Picture 22" descr="File:ArduinoLogo ®.svg - Wikimedia Commons"/>
-          <p:cNvPicPr>
-            <a:picLocks noChangeAspect="1" noChangeArrowheads="1"/>
-          </p:cNvPicPr>
+      <p:sp>
+        <p:nvSpPr>
+          <p:cNvPr id="7" name="Блок-схема: магнитный диск 6"/>
+          <p:cNvSpPr/>
           <p:nvPr/>
-        </p:nvPicPr>
-        <p:blipFill>
-          <a:blip r:embed="rId2" cstate="print">
-            <a:extLst>
-              <a:ext uri="{28A0092B-C50C-407E-A947-70E740481C1C}">
-                <a14:useLocalDpi xmlns:a14="http://schemas.microsoft.com/office/drawing/2010/main" val="0"/>
-              </a:ext>
-            </a:extLst>
-          </a:blip>
-          <a:srcRect/>
-          <a:stretch>
-            <a:fillRect/>
-          </a:stretch>
-        </p:blipFill>
-        <p:spPr bwMode="auto">
+        </p:nvSpPr>
+        <p:spPr>
           <a:xfrm>
-            <a:off x="5821680" y="2123411"/>
-            <a:ext cx="5532120" cy="4222563"/>
+            <a:off x="8407399" y="1493301"/>
+            <a:ext cx="1841500" cy="1466850"/>
+          </a:xfrm>
+          <a:prstGeom prst="flowChartMagneticDisk">
+            <a:avLst/>
+          </a:prstGeom>
+          <a:solidFill>
+            <a:schemeClr val="bg1"/>
+          </a:solidFill>
+          <a:ln>
+            <a:solidFill>
+              <a:schemeClr val="tx1"/>
+            </a:solidFill>
+          </a:ln>
+        </p:spPr>
+        <p:style>
+          <a:lnRef idx="2">
+            <a:schemeClr val="accent1">
+              <a:shade val="50000"/>
+            </a:schemeClr>
+          </a:lnRef>
+          <a:fillRef idx="1">
+            <a:schemeClr val="accent1"/>
+          </a:fillRef>
+          <a:effectRef idx="0">
+            <a:schemeClr val="accent1"/>
+          </a:effectRef>
+          <a:fontRef idx="minor">
+            <a:schemeClr val="lt1"/>
+          </a:fontRef>
+        </p:style>
+        <p:txBody>
+          <a:bodyPr rtlCol="0" anchor="ctr"/>
+          <a:lstStyle/>
+          <a:p>
+            <a:pPr algn="ctr"/>
+            <a:endParaRPr lang="ru-RU" dirty="0"/>
+          </a:p>
+        </p:txBody>
+      </p:sp>
+      <p:sp>
+        <p:nvSpPr>
+          <p:cNvPr id="10" name="Блок-схема: процесс 9"/>
+          <p:cNvSpPr/>
+          <p:nvPr/>
+        </p:nvSpPr>
+        <p:spPr>
+          <a:xfrm>
+            <a:off x="7307703" y="3905250"/>
+            <a:ext cx="4573147" cy="2415659"/>
+          </a:xfrm>
+          <a:prstGeom prst="flowChartProcess">
+            <a:avLst/>
+          </a:prstGeom>
+          <a:solidFill>
+            <a:schemeClr val="bg1"/>
+          </a:solidFill>
+          <a:ln>
+            <a:solidFill>
+              <a:schemeClr val="tx1"/>
+            </a:solidFill>
+          </a:ln>
+        </p:spPr>
+        <p:style>
+          <a:lnRef idx="2">
+            <a:schemeClr val="accent1">
+              <a:shade val="50000"/>
+            </a:schemeClr>
+          </a:lnRef>
+          <a:fillRef idx="1">
+            <a:schemeClr val="accent1"/>
+          </a:fillRef>
+          <a:effectRef idx="0">
+            <a:schemeClr val="accent1"/>
+          </a:effectRef>
+          <a:fontRef idx="minor">
+            <a:schemeClr val="lt1"/>
+          </a:fontRef>
+        </p:style>
+        <p:txBody>
+          <a:bodyPr rtlCol="0" anchor="ctr"/>
+          <a:lstStyle/>
+          <a:p>
+            <a:pPr algn="ctr"/>
+            <a:endParaRPr lang="ru-RU"/>
+          </a:p>
+        </p:txBody>
+      </p:sp>
+      <p:sp>
+        <p:nvSpPr>
+          <p:cNvPr id="11" name="Блок-схема: процесс 10"/>
+          <p:cNvSpPr/>
+          <p:nvPr/>
+        </p:nvSpPr>
+        <p:spPr>
+          <a:xfrm>
+            <a:off x="635000" y="1836201"/>
+            <a:ext cx="3656147" cy="1955799"/>
+          </a:xfrm>
+          <a:prstGeom prst="flowChartProcess">
+            <a:avLst/>
+          </a:prstGeom>
+          <a:solidFill>
+            <a:schemeClr val="bg1"/>
+          </a:solidFill>
+          <a:ln>
+            <a:solidFill>
+              <a:schemeClr val="tx1"/>
+            </a:solidFill>
+          </a:ln>
+        </p:spPr>
+        <p:style>
+          <a:lnRef idx="2">
+            <a:schemeClr val="accent1">
+              <a:shade val="50000"/>
+            </a:schemeClr>
+          </a:lnRef>
+          <a:fillRef idx="1">
+            <a:schemeClr val="accent1"/>
+          </a:fillRef>
+          <a:effectRef idx="0">
+            <a:schemeClr val="accent1"/>
+          </a:effectRef>
+          <a:fontRef idx="minor">
+            <a:schemeClr val="lt1"/>
+          </a:fontRef>
+        </p:style>
+        <p:txBody>
+          <a:bodyPr rtlCol="0" anchor="ctr"/>
+          <a:lstStyle/>
+          <a:p>
+            <a:pPr algn="ctr"/>
+            <a:endParaRPr lang="ru-RU" dirty="0"/>
+          </a:p>
+        </p:txBody>
+      </p:sp>
+      <p:sp>
+        <p:nvSpPr>
+          <p:cNvPr id="12" name="Блок-схема: процесс 11"/>
+          <p:cNvSpPr/>
+          <p:nvPr/>
+        </p:nvSpPr>
+        <p:spPr>
+          <a:xfrm>
+            <a:off x="634999" y="4140196"/>
+            <a:ext cx="3656149" cy="2148963"/>
+          </a:xfrm>
+          <a:prstGeom prst="flowChartProcess">
+            <a:avLst/>
+          </a:prstGeom>
+          <a:solidFill>
+            <a:schemeClr val="bg1"/>
+          </a:solidFill>
+          <a:ln>
+            <a:solidFill>
+              <a:schemeClr val="tx1"/>
+            </a:solidFill>
+          </a:ln>
+        </p:spPr>
+        <p:style>
+          <a:lnRef idx="2">
+            <a:schemeClr val="accent1">
+              <a:shade val="50000"/>
+            </a:schemeClr>
+          </a:lnRef>
+          <a:fillRef idx="1">
+            <a:schemeClr val="accent1"/>
+          </a:fillRef>
+          <a:effectRef idx="0">
+            <a:schemeClr val="accent1"/>
+          </a:effectRef>
+          <a:fontRef idx="minor">
+            <a:schemeClr val="lt1"/>
+          </a:fontRef>
+        </p:style>
+        <p:txBody>
+          <a:bodyPr rtlCol="0" anchor="ctr"/>
+          <a:lstStyle/>
+          <a:p>
+            <a:pPr algn="ctr"/>
+            <a:endParaRPr lang="ru-RU"/>
+          </a:p>
+        </p:txBody>
+      </p:sp>
+      <p:sp>
+        <p:nvSpPr>
+          <p:cNvPr id="13" name="Блок-схема: процесс 12"/>
+          <p:cNvSpPr/>
+          <p:nvPr/>
+        </p:nvSpPr>
+        <p:spPr>
+          <a:xfrm>
+            <a:off x="7542653" y="4574102"/>
+            <a:ext cx="4338196" cy="679450"/>
+          </a:xfrm>
+          <a:prstGeom prst="flowChartProcess">
+            <a:avLst/>
+          </a:prstGeom>
+          <a:solidFill>
+            <a:schemeClr val="bg1"/>
+          </a:solidFill>
+          <a:ln>
+            <a:solidFill>
+              <a:schemeClr val="tx1"/>
+            </a:solidFill>
+          </a:ln>
+        </p:spPr>
+        <p:style>
+          <a:lnRef idx="2">
+            <a:schemeClr val="accent1">
+              <a:shade val="50000"/>
+            </a:schemeClr>
+          </a:lnRef>
+          <a:fillRef idx="1">
+            <a:schemeClr val="accent1"/>
+          </a:fillRef>
+          <a:effectRef idx="0">
+            <a:schemeClr val="accent1"/>
+          </a:effectRef>
+          <a:fontRef idx="minor">
+            <a:schemeClr val="lt1"/>
+          </a:fontRef>
+        </p:style>
+        <p:txBody>
+          <a:bodyPr rtlCol="0" anchor="ctr"/>
+          <a:lstStyle/>
+          <a:p>
+            <a:pPr algn="ctr"/>
+            <a:endParaRPr lang="ru-RU" dirty="0"/>
+          </a:p>
+        </p:txBody>
+      </p:sp>
+      <p:sp>
+        <p:nvSpPr>
+          <p:cNvPr id="14" name="TextBox 13"/>
+          <p:cNvSpPr txBox="1"/>
+          <p:nvPr/>
+        </p:nvSpPr>
+        <p:spPr>
+          <a:xfrm>
+            <a:off x="8618660" y="2166401"/>
+            <a:ext cx="1418978" cy="369332"/>
           </a:xfrm>
           <a:prstGeom prst="rect">
             <a:avLst/>
           </a:prstGeom>
           <a:noFill/>
-          <a:extLst>
-            <a:ext uri="{909E8E84-426E-40DD-AFC4-6F175D3DCCD1}">
-              <a14:hiddenFill xmlns:a14="http://schemas.microsoft.com/office/drawing/2010/main">
-                <a:solidFill>
-                  <a:srgbClr val="FFFFFF"/>
-                </a:solidFill>
-              </a14:hiddenFill>
-            </a:ext>
-          </a:extLst>
         </p:spPr>
-      </p:pic>
-      <p:pic>
-        <p:nvPicPr>
-          <p:cNvPr id="1048" name="Picture 24" descr="Comment utiliser Visual Studio Code afin de créer une application ? -"/>
-          <p:cNvPicPr>
-            <a:picLocks noChangeAspect="1" noChangeArrowheads="1"/>
-          </p:cNvPicPr>
+        <p:txBody>
+          <a:bodyPr wrap="none" rtlCol="0">
+            <a:spAutoFit/>
+          </a:bodyPr>
+          <a:lstStyle/>
+          <a:p>
+            <a:r>
+              <a:rPr lang="ru-RU" dirty="0" smtClean="0"/>
+              <a:t>База данных</a:t>
+            </a:r>
+            <a:endParaRPr lang="ru-RU" dirty="0"/>
+          </a:p>
+        </p:txBody>
+      </p:sp>
+      <p:sp>
+        <p:nvSpPr>
+          <p:cNvPr id="15" name="TextBox 14"/>
+          <p:cNvSpPr txBox="1"/>
           <p:nvPr/>
-        </p:nvPicPr>
-        <p:blipFill>
-          <a:blip r:embed="rId3">
-            <a:extLst>
-              <a:ext uri="{28A0092B-C50C-407E-A947-70E740481C1C}">
-                <a14:useLocalDpi xmlns:a14="http://schemas.microsoft.com/office/drawing/2010/main" val="0"/>
-              </a:ext>
-            </a:extLst>
-          </a:blip>
-          <a:srcRect/>
-          <a:stretch>
-            <a:fillRect/>
-          </a:stretch>
-        </p:blipFill>
-        <p:spPr bwMode="auto">
+        </p:nvSpPr>
+        <p:spPr>
           <a:xfrm>
-            <a:off x="379617" y="3959475"/>
-            <a:ext cx="4275817" cy="2402939"/>
+            <a:off x="7307703" y="3905250"/>
+            <a:ext cx="2173993" cy="369332"/>
           </a:xfrm>
           <a:prstGeom prst="rect">
             <a:avLst/>
           </a:prstGeom>
           <a:noFill/>
-          <a:extLst>
-            <a:ext uri="{909E8E84-426E-40DD-AFC4-6F175D3DCCD1}">
-              <a14:hiddenFill xmlns:a14="http://schemas.microsoft.com/office/drawing/2010/main">
-                <a:solidFill>
-                  <a:srgbClr val="FFFFFF"/>
-                </a:solidFill>
-              </a14:hiddenFill>
-            </a:ext>
-          </a:extLst>
         </p:spPr>
-      </p:pic>
-      <p:pic>
-        <p:nvPicPr>
-          <p:cNvPr id="1052" name="Picture 28" descr="Ресурсы для изучения функционала PyCharm (Python IDE)"/>
-          <p:cNvPicPr>
-            <a:picLocks noChangeAspect="1" noChangeArrowheads="1"/>
-          </p:cNvPicPr>
+        <p:txBody>
+          <a:bodyPr wrap="none" rtlCol="0">
+            <a:spAutoFit/>
+          </a:bodyPr>
+          <a:lstStyle/>
+          <a:p>
+            <a:r>
+              <a:rPr lang="ru-RU" dirty="0" smtClean="0"/>
+              <a:t>Планировщик задач</a:t>
+            </a:r>
+            <a:endParaRPr lang="ru-RU" dirty="0"/>
+          </a:p>
+        </p:txBody>
+      </p:sp>
+      <p:sp>
+        <p:nvSpPr>
+          <p:cNvPr id="16" name="Стрелка вправо 15"/>
+          <p:cNvSpPr/>
           <p:nvPr/>
-        </p:nvPicPr>
-        <p:blipFill>
-          <a:blip r:embed="rId4">
-            <a:extLst>
-              <a:ext uri="{28A0092B-C50C-407E-A947-70E740481C1C}">
-                <a14:useLocalDpi xmlns:a14="http://schemas.microsoft.com/office/drawing/2010/main" val="0"/>
-              </a:ext>
-            </a:extLst>
-          </a:blip>
-          <a:srcRect/>
-          <a:stretch>
-            <a:fillRect/>
-          </a:stretch>
-        </p:blipFill>
-        <p:spPr bwMode="auto">
+        </p:nvSpPr>
+        <p:spPr>
           <a:xfrm>
-            <a:off x="838200" y="2123411"/>
-            <a:ext cx="3358652" cy="1836064"/>
+            <a:off x="7307703" y="4626491"/>
+            <a:ext cx="234950" cy="244475"/>
+          </a:xfrm>
+          <a:prstGeom prst="rightArrow">
+            <a:avLst/>
+          </a:prstGeom>
+          <a:solidFill>
+            <a:schemeClr val="bg1"/>
+          </a:solidFill>
+          <a:ln>
+            <a:solidFill>
+              <a:schemeClr val="tx1"/>
+            </a:solidFill>
+          </a:ln>
+        </p:spPr>
+        <p:style>
+          <a:lnRef idx="2">
+            <a:schemeClr val="accent1">
+              <a:shade val="50000"/>
+            </a:schemeClr>
+          </a:lnRef>
+          <a:fillRef idx="1">
+            <a:schemeClr val="accent1"/>
+          </a:fillRef>
+          <a:effectRef idx="0">
+            <a:schemeClr val="accent1"/>
+          </a:effectRef>
+          <a:fontRef idx="minor">
+            <a:schemeClr val="lt1"/>
+          </a:fontRef>
+        </p:style>
+        <p:txBody>
+          <a:bodyPr rtlCol="0" anchor="ctr"/>
+          <a:lstStyle/>
+          <a:p>
+            <a:pPr algn="ctr"/>
+            <a:endParaRPr lang="ru-RU"/>
+          </a:p>
+        </p:txBody>
+      </p:sp>
+      <p:sp>
+        <p:nvSpPr>
+          <p:cNvPr id="17" name="TextBox 16"/>
+          <p:cNvSpPr txBox="1"/>
+          <p:nvPr/>
+        </p:nvSpPr>
+        <p:spPr>
+          <a:xfrm>
+            <a:off x="7542653" y="4574102"/>
+            <a:ext cx="3964932" cy="646331"/>
           </a:xfrm>
           <a:prstGeom prst="rect">
             <a:avLst/>
           </a:prstGeom>
           <a:noFill/>
-          <a:extLst>
-            <a:ext uri="{909E8E84-426E-40DD-AFC4-6F175D3DCCD1}">
-              <a14:hiddenFill xmlns:a14="http://schemas.microsoft.com/office/drawing/2010/main">
-                <a:solidFill>
-                  <a:srgbClr val="FFFFFF"/>
-                </a:solidFill>
-              </a14:hiddenFill>
-            </a:ext>
-          </a:extLst>
         </p:spPr>
-      </p:pic>
+        <p:txBody>
+          <a:bodyPr wrap="none" rtlCol="0">
+            <a:spAutoFit/>
+          </a:bodyPr>
+          <a:lstStyle/>
+          <a:p>
+            <a:r>
+              <a:rPr lang="ru-RU" dirty="0" smtClean="0"/>
+              <a:t>Анализ собранной статистики за день </a:t>
+            </a:r>
+          </a:p>
+          <a:p>
+            <a:r>
+              <a:rPr lang="ru-RU" dirty="0" smtClean="0"/>
+              <a:t>и  обновление статуса на её основе</a:t>
+            </a:r>
+            <a:endParaRPr lang="ru-RU" dirty="0"/>
+          </a:p>
+        </p:txBody>
+      </p:sp>
+      <p:sp>
+        <p:nvSpPr>
+          <p:cNvPr id="23" name="TextBox 22"/>
+          <p:cNvSpPr txBox="1"/>
+          <p:nvPr/>
+        </p:nvSpPr>
+        <p:spPr>
+          <a:xfrm>
+            <a:off x="635000" y="1396216"/>
+            <a:ext cx="1571777" cy="369332"/>
+          </a:xfrm>
+          <a:prstGeom prst="rect">
+            <a:avLst/>
+          </a:prstGeom>
+          <a:noFill/>
+        </p:spPr>
+        <p:txBody>
+          <a:bodyPr wrap="none" rtlCol="0">
+            <a:spAutoFit/>
+          </a:bodyPr>
+          <a:lstStyle/>
+          <a:p>
+            <a:r>
+              <a:rPr lang="en-US" dirty="0" smtClean="0"/>
+              <a:t>http endpoints</a:t>
+            </a:r>
+            <a:endParaRPr lang="ru-RU" dirty="0"/>
+          </a:p>
+        </p:txBody>
+      </p:sp>
+      <p:sp>
+        <p:nvSpPr>
+          <p:cNvPr id="24" name="TextBox 23"/>
+          <p:cNvSpPr txBox="1"/>
+          <p:nvPr/>
+        </p:nvSpPr>
+        <p:spPr>
+          <a:xfrm>
+            <a:off x="635000" y="1836201"/>
+            <a:ext cx="3005823" cy="1200329"/>
+          </a:xfrm>
+          <a:prstGeom prst="rect">
+            <a:avLst/>
+          </a:prstGeom>
+          <a:noFill/>
+        </p:spPr>
+        <p:txBody>
+          <a:bodyPr wrap="none" rtlCol="0">
+            <a:spAutoFit/>
+          </a:bodyPr>
+          <a:lstStyle/>
+          <a:p>
+            <a:r>
+              <a:rPr lang="ru-RU" dirty="0" smtClean="0"/>
+              <a:t>Регистрация</a:t>
+            </a:r>
+            <a:r>
+              <a:rPr lang="en-US" dirty="0" smtClean="0"/>
+              <a:t>:</a:t>
+            </a:r>
+            <a:endParaRPr lang="ru-RU" dirty="0" smtClean="0"/>
+          </a:p>
+          <a:p>
+            <a:r>
+              <a:rPr lang="en-US" dirty="0" smtClean="0"/>
+              <a:t> </a:t>
+            </a:r>
+            <a:r>
+              <a:rPr lang="ru-RU" dirty="0" smtClean="0"/>
+              <a:t>создание пользователя и </a:t>
+            </a:r>
+          </a:p>
+          <a:p>
+            <a:r>
+              <a:rPr lang="ru-RU" dirty="0" smtClean="0"/>
+              <a:t> публикация записи на стене</a:t>
+            </a:r>
+          </a:p>
+          <a:p>
+            <a:r>
+              <a:rPr lang="ru-RU" dirty="0" smtClean="0"/>
+              <a:t> о начале отказа от курения</a:t>
+            </a:r>
+            <a:endParaRPr lang="ru-RU" dirty="0"/>
+          </a:p>
+        </p:txBody>
+      </p:sp>
+      <p:cxnSp>
+        <p:nvCxnSpPr>
+          <p:cNvPr id="26" name="Прямая со стрелкой 25"/>
+          <p:cNvCxnSpPr>
+            <a:stCxn id="11" idx="3"/>
+          </p:cNvCxnSpPr>
+          <p:nvPr/>
+        </p:nvCxnSpPr>
+        <p:spPr>
+          <a:xfrm flipV="1">
+            <a:off x="4291147" y="2351068"/>
+            <a:ext cx="3921584" cy="463033"/>
+          </a:xfrm>
+          <a:prstGeom prst="straightConnector1">
+            <a:avLst/>
+          </a:prstGeom>
+          <a:ln>
+            <a:tailEnd type="triangle"/>
+          </a:ln>
+        </p:spPr>
+        <p:style>
+          <a:lnRef idx="3">
+            <a:schemeClr val="dk1"/>
+          </a:lnRef>
+          <a:fillRef idx="0">
+            <a:schemeClr val="dk1"/>
+          </a:fillRef>
+          <a:effectRef idx="2">
+            <a:schemeClr val="dk1"/>
+          </a:effectRef>
+          <a:fontRef idx="minor">
+            <a:schemeClr val="tx1"/>
+          </a:fontRef>
+        </p:style>
+      </p:cxnSp>
+      <p:cxnSp>
+        <p:nvCxnSpPr>
+          <p:cNvPr id="28" name="Прямая со стрелкой 27"/>
+          <p:cNvCxnSpPr>
+            <a:stCxn id="12" idx="3"/>
+          </p:cNvCxnSpPr>
+          <p:nvPr/>
+        </p:nvCxnSpPr>
+        <p:spPr>
+          <a:xfrm flipV="1">
+            <a:off x="4291148" y="2599510"/>
+            <a:ext cx="3966123" cy="2615168"/>
+          </a:xfrm>
+          <a:prstGeom prst="straightConnector1">
+            <a:avLst/>
+          </a:prstGeom>
+          <a:ln>
+            <a:tailEnd type="triangle"/>
+          </a:ln>
+        </p:spPr>
+        <p:style>
+          <a:lnRef idx="3">
+            <a:schemeClr val="dk1"/>
+          </a:lnRef>
+          <a:fillRef idx="0">
+            <a:schemeClr val="dk1"/>
+          </a:fillRef>
+          <a:effectRef idx="2">
+            <a:schemeClr val="dk1"/>
+          </a:effectRef>
+          <a:fontRef idx="minor">
+            <a:schemeClr val="tx1"/>
+          </a:fontRef>
+        </p:style>
+      </p:cxnSp>
+      <p:sp>
+        <p:nvSpPr>
+          <p:cNvPr id="32" name="TextBox 31"/>
+          <p:cNvSpPr txBox="1"/>
+          <p:nvPr/>
+        </p:nvSpPr>
+        <p:spPr>
+          <a:xfrm>
+            <a:off x="654013" y="4189749"/>
+            <a:ext cx="3557705" cy="1200329"/>
+          </a:xfrm>
+          <a:prstGeom prst="rect">
+            <a:avLst/>
+          </a:prstGeom>
+          <a:noFill/>
+        </p:spPr>
+        <p:txBody>
+          <a:bodyPr wrap="none" rtlCol="0">
+            <a:spAutoFit/>
+          </a:bodyPr>
+          <a:lstStyle/>
+          <a:p>
+            <a:r>
+              <a:rPr lang="ru-RU" dirty="0" smtClean="0"/>
+              <a:t>Анализ </a:t>
+            </a:r>
+            <a:r>
+              <a:rPr lang="en-US" dirty="0" err="1" smtClean="0"/>
+              <a:t>mio</a:t>
+            </a:r>
+            <a:r>
+              <a:rPr lang="en-US" dirty="0" smtClean="0"/>
+              <a:t> </a:t>
+            </a:r>
+            <a:r>
+              <a:rPr lang="ru-RU" dirty="0" smtClean="0"/>
+              <a:t>активности</a:t>
+            </a:r>
+            <a:r>
+              <a:rPr lang="en-US" dirty="0" smtClean="0"/>
+              <a:t>: </a:t>
+            </a:r>
+          </a:p>
+          <a:p>
+            <a:r>
+              <a:rPr lang="ru-RU" dirty="0" smtClean="0"/>
+              <a:t>Предсказание модели машинного</a:t>
+            </a:r>
+          </a:p>
+          <a:p>
+            <a:r>
+              <a:rPr lang="ru-RU" dirty="0" smtClean="0"/>
+              <a:t>обучения о классе денных и </a:t>
+            </a:r>
+          </a:p>
+          <a:p>
+            <a:r>
+              <a:rPr lang="ru-RU" dirty="0"/>
+              <a:t>с</a:t>
+            </a:r>
+            <a:r>
+              <a:rPr lang="ru-RU" dirty="0" smtClean="0"/>
+              <a:t>оздание записи </a:t>
+            </a:r>
+            <a:endParaRPr lang="ru-RU" dirty="0"/>
+          </a:p>
+        </p:txBody>
+      </p:sp>
     </p:spTree>
     <p:extLst>
       <p:ext uri="{BB962C8B-B14F-4D97-AF65-F5344CB8AC3E}">
-        <p14:creationId xmlns:p14="http://schemas.microsoft.com/office/powerpoint/2010/main" val="1447703345"/>
+        <p14:creationId xmlns:p14="http://schemas.microsoft.com/office/powerpoint/2010/main" val="1343397124"/>
       </p:ext>
     </p:extLst>
   </p:cSld>
   <p:clrMapOvr>
     <a:masterClrMapping/>
   </p:clrMapOvr>
-  <p:timing>
-    <p:tnLst>
-      <p:par>
-        <p:cTn id="1" dur="indefinite" restart="never" nodeType="tmRoot"/>
-      </p:par>
-    </p:tnLst>
-  </p:timing>
 </p:sld>
 </file>
 
@@ -4439,93 +4997,6 @@
       </p:grpSpPr>
       <p:sp>
         <p:nvSpPr>
-          <p:cNvPr id="2" name="Заголовок 1"/>
-          <p:cNvSpPr>
-            <a:spLocks noGrp="1"/>
-          </p:cNvSpPr>
-          <p:nvPr>
-            <p:ph type="title"/>
-          </p:nvPr>
-        </p:nvSpPr>
-        <p:spPr>
-          <a:xfrm>
-            <a:off x="539750" y="39687"/>
-            <a:ext cx="10515600" cy="1325563"/>
-          </a:xfrm>
-        </p:spPr>
-        <p:txBody>
-          <a:bodyPr/>
-          <a:lstStyle/>
-          <a:p>
-            <a:r>
-              <a:rPr lang="ru-RU" dirty="0" smtClean="0"/>
-              <a:t>Программирование серверной части</a:t>
-            </a:r>
-            <a:endParaRPr lang="ru-RU" dirty="0"/>
-          </a:p>
-        </p:txBody>
-      </p:sp>
-      <p:pic>
-        <p:nvPicPr>
-          <p:cNvPr id="4" name="Объект 3"/>
-          <p:cNvPicPr>
-            <a:picLocks noGrp="1" noChangeAspect="1"/>
-          </p:cNvPicPr>
-          <p:nvPr>
-            <p:ph idx="1"/>
-          </p:nvPr>
-        </p:nvPicPr>
-        <p:blipFill>
-          <a:blip r:embed="rId2" cstate="print">
-            <a:extLst>
-              <a:ext uri="{28A0092B-C50C-407E-A947-70E740481C1C}">
-                <a14:useLocalDpi xmlns:a14="http://schemas.microsoft.com/office/drawing/2010/main" val="0"/>
-              </a:ext>
-            </a:extLst>
-          </a:blip>
-          <a:stretch>
-            <a:fillRect/>
-          </a:stretch>
-        </p:blipFill>
-        <p:spPr>
-          <a:xfrm>
-            <a:off x="1524000" y="1250950"/>
-            <a:ext cx="9169400" cy="5403850"/>
-          </a:xfrm>
-        </p:spPr>
-      </p:pic>
-    </p:spTree>
-    <p:extLst>
-      <p:ext uri="{BB962C8B-B14F-4D97-AF65-F5344CB8AC3E}">
-        <p14:creationId xmlns:p14="http://schemas.microsoft.com/office/powerpoint/2010/main" val="1343397124"/>
-      </p:ext>
-    </p:extLst>
-  </p:cSld>
-  <p:clrMapOvr>
-    <a:masterClrMapping/>
-  </p:clrMapOvr>
-</p:sld>
-</file>
-
-<file path=ppt/slides/slide13.xml><?xml version="1.0" encoding="utf-8"?>
-<p:sld xmlns:a="http://schemas.openxmlformats.org/drawingml/2006/main" xmlns:r="http://schemas.openxmlformats.org/officeDocument/2006/relationships" xmlns:p="http://schemas.openxmlformats.org/presentationml/2006/main">
-  <p:cSld>
-    <p:spTree>
-      <p:nvGrpSpPr>
-        <p:cNvPr id="1" name=""/>
-        <p:cNvGrpSpPr/>
-        <p:nvPr/>
-      </p:nvGrpSpPr>
-      <p:grpSpPr>
-        <a:xfrm>
-          <a:off x="0" y="0"/>
-          <a:ext cx="0" cy="0"/>
-          <a:chOff x="0" y="0"/>
-          <a:chExt cx="0" cy="0"/>
-        </a:xfrm>
-      </p:grpSpPr>
-      <p:sp>
-        <p:nvSpPr>
           <p:cNvPr id="208" name="Заголовок 1"/>
           <p:cNvSpPr txBox="1">
             <a:spLocks noGrp="1"/>
@@ -4544,8 +5015,10 @@
           <a:lstStyle/>
           <a:p>
             <a:r>
-              <a:t>Конкуренты </a:t>
-            </a:r>
+              <a:rPr lang="ru-RU" dirty="0" smtClean="0"/>
+              <a:t>Приближенные аналоги</a:t>
+            </a:r>
+            <a:endParaRPr dirty="0"/>
           </a:p>
         </p:txBody>
       </p:sp>
@@ -4558,13 +5031,13 @@
           <p:nvPr>
             <p:extLst>
               <p:ext uri="{D42A27DB-BD31-4B8C-83A1-F6EECF244321}">
-                <p14:modId xmlns:p14="http://schemas.microsoft.com/office/powerpoint/2010/main" val="2831089561"/>
+                <p14:modId xmlns:p14="http://schemas.microsoft.com/office/powerpoint/2010/main" val="326459333"/>
               </p:ext>
             </p:extLst>
           </p:nvPr>
         </p:nvGraphicFramePr>
         <p:xfrm>
-          <a:off x="1943100" y="1631950"/>
+          <a:off x="1657350" y="2203450"/>
           <a:ext cx="8127999" cy="3733074"/>
         </p:xfrm>
         <a:graphic>
@@ -4963,7 +5436,7 @@
                       </a:r>
                       <a:r>
                         <a:rPr lang="ru-RU" baseline="0" dirty="0" smtClean="0"/>
-                        <a:t>нейронная сеть</a:t>
+                        <a:t>машинное обучение</a:t>
                       </a:r>
                       <a:endParaRPr lang="ru-RU" dirty="0"/>
                     </a:p>
@@ -5025,6 +5498,294 @@
 </p:sld>
 </file>
 
+<file path=ppt/slides/slide13.xml><?xml version="1.0" encoding="utf-8"?>
+<p:sld xmlns:a="http://schemas.openxmlformats.org/drawingml/2006/main" xmlns:r="http://schemas.openxmlformats.org/officeDocument/2006/relationships" xmlns:p="http://schemas.openxmlformats.org/presentationml/2006/main">
+  <p:cSld>
+    <p:spTree>
+      <p:nvGrpSpPr>
+        <p:cNvPr id="1" name=""/>
+        <p:cNvGrpSpPr/>
+        <p:nvPr/>
+      </p:nvGrpSpPr>
+      <p:grpSpPr>
+        <a:xfrm>
+          <a:off x="0" y="0"/>
+          <a:ext cx="0" cy="0"/>
+          <a:chOff x="0" y="0"/>
+          <a:chExt cx="0" cy="0"/>
+        </a:xfrm>
+      </p:grpSpPr>
+      <p:sp>
+        <p:nvSpPr>
+          <p:cNvPr id="2" name="Заголовок 1"/>
+          <p:cNvSpPr>
+            <a:spLocks noGrp="1"/>
+          </p:cNvSpPr>
+          <p:nvPr>
+            <p:ph type="title"/>
+          </p:nvPr>
+        </p:nvSpPr>
+        <p:spPr/>
+        <p:txBody>
+          <a:bodyPr/>
+          <a:lstStyle/>
+          <a:p>
+            <a:r>
+              <a:rPr lang="ru-RU" dirty="0" smtClean="0"/>
+              <a:t>Экономическое обоснование</a:t>
+            </a:r>
+            <a:endParaRPr lang="ru-RU" dirty="0"/>
+          </a:p>
+        </p:txBody>
+      </p:sp>
+      <p:graphicFrame>
+        <p:nvGraphicFramePr>
+          <p:cNvPr id="5" name="Объект 4"/>
+          <p:cNvGraphicFramePr>
+            <a:graphicFrameLocks noGrp="1"/>
+          </p:cNvGraphicFramePr>
+          <p:nvPr>
+            <p:ph idx="1"/>
+            <p:extLst>
+              <p:ext uri="{D42A27DB-BD31-4B8C-83A1-F6EECF244321}">
+                <p14:modId xmlns:p14="http://schemas.microsoft.com/office/powerpoint/2010/main" val="4259294831"/>
+              </p:ext>
+            </p:extLst>
+          </p:nvPr>
+        </p:nvGraphicFramePr>
+        <p:xfrm>
+          <a:off x="838200" y="1920875"/>
+          <a:ext cx="8832850" cy="3006726"/>
+        </p:xfrm>
+        <a:graphic>
+          <a:graphicData uri="http://schemas.openxmlformats.org/drawingml/2006/table">
+            <a:tbl>
+              <a:tblPr firstRow="1" bandRow="1">
+                <a:tableStyleId>{5940675A-B579-460E-94D1-54222C63F5DA}</a:tableStyleId>
+              </a:tblPr>
+              <a:tblGrid>
+                <a:gridCol w="4416425">
+                  <a:extLst>
+                    <a:ext uri="{9D8B030D-6E8A-4147-A177-3AD203B41FA5}">
+                      <a16:colId xmlns:a16="http://schemas.microsoft.com/office/drawing/2014/main" val="786834854"/>
+                    </a:ext>
+                  </a:extLst>
+                </a:gridCol>
+                <a:gridCol w="4416425">
+                  <a:extLst>
+                    <a:ext uri="{9D8B030D-6E8A-4147-A177-3AD203B41FA5}">
+                      <a16:colId xmlns:a16="http://schemas.microsoft.com/office/drawing/2014/main" val="2531161103"/>
+                    </a:ext>
+                  </a:extLst>
+                </a:gridCol>
+              </a:tblGrid>
+              <a:tr h="718759">
+                <a:tc>
+                  <a:txBody>
+                    <a:bodyPr/>
+                    <a:lstStyle/>
+                    <a:p>
+                      <a:r>
+                        <a:rPr lang="ru-RU" dirty="0" smtClean="0"/>
+                        <a:t>Наименование</a:t>
+                      </a:r>
+                      <a:endParaRPr lang="ru-RU" dirty="0"/>
+                    </a:p>
+                  </a:txBody>
+                  <a:tcPr/>
+                </a:tc>
+                <a:tc>
+                  <a:txBody>
+                    <a:bodyPr/>
+                    <a:lstStyle/>
+                    <a:p>
+                      <a:r>
+                        <a:rPr lang="ru-RU" dirty="0" smtClean="0"/>
+                        <a:t>Цена</a:t>
+                      </a:r>
+                      <a:endParaRPr lang="ru-RU" dirty="0"/>
+                    </a:p>
+                  </a:txBody>
+                  <a:tcPr/>
+                </a:tc>
+                <a:extLst>
+                  <a:ext uri="{0D108BD9-81ED-4DB2-BD59-A6C34878D82A}">
+                    <a16:rowId xmlns:a16="http://schemas.microsoft.com/office/drawing/2014/main" val="4008622840"/>
+                  </a:ext>
+                </a:extLst>
+              </a:tr>
+              <a:tr h="850449">
+                <a:tc>
+                  <a:txBody>
+                    <a:bodyPr/>
+                    <a:lstStyle/>
+                    <a:p>
+                      <a:r>
+                        <a:rPr lang="ru-RU" dirty="0" smtClean="0"/>
+                        <a:t>Электроника</a:t>
+                      </a:r>
+                      <a:endParaRPr lang="ru-RU" dirty="0"/>
+                    </a:p>
+                  </a:txBody>
+                  <a:tcPr/>
+                </a:tc>
+                <a:tc>
+                  <a:txBody>
+                    <a:bodyPr/>
+                    <a:lstStyle/>
+                    <a:p>
+                      <a:r>
+                        <a:rPr lang="ru-RU" dirty="0" smtClean="0"/>
+                        <a:t>2930р</a:t>
+                      </a:r>
+                      <a:endParaRPr lang="ru-RU" dirty="0"/>
+                    </a:p>
+                  </a:txBody>
+                  <a:tcPr/>
+                </a:tc>
+                <a:extLst>
+                  <a:ext uri="{0D108BD9-81ED-4DB2-BD59-A6C34878D82A}">
+                    <a16:rowId xmlns:a16="http://schemas.microsoft.com/office/drawing/2014/main" val="1066176811"/>
+                  </a:ext>
+                </a:extLst>
+              </a:tr>
+              <a:tr h="718759">
+                <a:tc>
+                  <a:txBody>
+                    <a:bodyPr/>
+                    <a:lstStyle/>
+                    <a:p>
+                      <a:r>
+                        <a:rPr lang="ru-RU" dirty="0" smtClean="0"/>
+                        <a:t>Аренда</a:t>
+                      </a:r>
+                      <a:r>
+                        <a:rPr lang="ru-RU" baseline="0" dirty="0" smtClean="0"/>
+                        <a:t> сервера</a:t>
+                      </a:r>
+                      <a:endParaRPr lang="ru-RU" dirty="0"/>
+                    </a:p>
+                  </a:txBody>
+                  <a:tcPr/>
+                </a:tc>
+                <a:tc>
+                  <a:txBody>
+                    <a:bodyPr/>
+                    <a:lstStyle/>
+                    <a:p>
+                      <a:r>
+                        <a:rPr lang="ru-RU" dirty="0" smtClean="0"/>
+                        <a:t>300р</a:t>
+                      </a:r>
+                      <a:r>
+                        <a:rPr lang="ru-RU" baseline="0" dirty="0" smtClean="0"/>
+                        <a:t>/месяц</a:t>
+                      </a:r>
+                      <a:endParaRPr lang="ru-RU" dirty="0"/>
+                    </a:p>
+                  </a:txBody>
+                  <a:tcPr/>
+                </a:tc>
+                <a:extLst>
+                  <a:ext uri="{0D108BD9-81ED-4DB2-BD59-A6C34878D82A}">
+                    <a16:rowId xmlns:a16="http://schemas.microsoft.com/office/drawing/2014/main" val="932814356"/>
+                  </a:ext>
+                </a:extLst>
+              </a:tr>
+              <a:tr h="718759">
+                <a:tc>
+                  <a:txBody>
+                    <a:bodyPr/>
+                    <a:lstStyle/>
+                    <a:p>
+                      <a:r>
+                        <a:rPr lang="ru-RU" dirty="0" smtClean="0"/>
+                        <a:t>Материал</a:t>
+                      </a:r>
+                      <a:r>
+                        <a:rPr lang="ru-RU" baseline="0" dirty="0" smtClean="0"/>
+                        <a:t> для корпуса</a:t>
+                      </a:r>
+                      <a:endParaRPr lang="ru-RU" dirty="0"/>
+                    </a:p>
+                  </a:txBody>
+                  <a:tcPr/>
+                </a:tc>
+                <a:tc>
+                  <a:txBody>
+                    <a:bodyPr/>
+                    <a:lstStyle/>
+                    <a:p>
+                      <a:r>
+                        <a:rPr lang="ru-RU" dirty="0" smtClean="0"/>
+                        <a:t>458р</a:t>
+                      </a:r>
+                      <a:endParaRPr lang="ru-RU" dirty="0"/>
+                    </a:p>
+                  </a:txBody>
+                  <a:tcPr/>
+                </a:tc>
+                <a:extLst>
+                  <a:ext uri="{0D108BD9-81ED-4DB2-BD59-A6C34878D82A}">
+                    <a16:rowId xmlns:a16="http://schemas.microsoft.com/office/drawing/2014/main" val="2312997298"/>
+                  </a:ext>
+                </a:extLst>
+              </a:tr>
+            </a:tbl>
+          </a:graphicData>
+        </a:graphic>
+      </p:graphicFrame>
+      <p:sp>
+        <p:nvSpPr>
+          <p:cNvPr id="6" name="TextBox 5"/>
+          <p:cNvSpPr txBox="1"/>
+          <p:nvPr/>
+        </p:nvSpPr>
+        <p:spPr>
+          <a:xfrm>
+            <a:off x="838200" y="5505450"/>
+            <a:ext cx="4902689" cy="369332"/>
+          </a:xfrm>
+          <a:prstGeom prst="rect">
+            <a:avLst/>
+          </a:prstGeom>
+          <a:noFill/>
+        </p:spPr>
+        <p:txBody>
+          <a:bodyPr wrap="none" rtlCol="0">
+            <a:spAutoFit/>
+          </a:bodyPr>
+          <a:lstStyle/>
+          <a:p>
+            <a:r>
+              <a:rPr lang="ru-RU" dirty="0" smtClean="0"/>
+              <a:t>Итог</a:t>
+            </a:r>
+            <a:r>
+              <a:rPr lang="en-US" dirty="0" smtClean="0"/>
+              <a:t>: 3388 </a:t>
+            </a:r>
+            <a:r>
+              <a:rPr lang="ru-RU" dirty="0" smtClean="0"/>
+              <a:t>без учета стоимости аренды сервера</a:t>
+            </a:r>
+            <a:endParaRPr lang="ru-RU" dirty="0"/>
+          </a:p>
+        </p:txBody>
+      </p:sp>
+    </p:spTree>
+    <p:extLst>
+      <p:ext uri="{BB962C8B-B14F-4D97-AF65-F5344CB8AC3E}">
+        <p14:creationId xmlns:p14="http://schemas.microsoft.com/office/powerpoint/2010/main" val="3205969866"/>
+      </p:ext>
+    </p:extLst>
+  </p:cSld>
+  <p:clrMapOvr>
+    <a:masterClrMapping/>
+  </p:clrMapOvr>
+</p:sld>
+</file>
+
 <file path=ppt/slides/slide14.xml><?xml version="1.0" encoding="utf-8"?>
 <p:sld xmlns:a="http://schemas.openxmlformats.org/drawingml/2006/main" xmlns:r="http://schemas.openxmlformats.org/officeDocument/2006/relationships" xmlns:p="http://schemas.openxmlformats.org/presentationml/2006/main">
   <p:cSld>
@@ -5044,1352 +5805,6 @@
       </p:grpSpPr>
       <p:sp>
         <p:nvSpPr>
-          <p:cNvPr id="2" name="Заголовок 1"/>
-          <p:cNvSpPr>
-            <a:spLocks noGrp="1"/>
-          </p:cNvSpPr>
-          <p:nvPr>
-            <p:ph type="title"/>
-          </p:nvPr>
-        </p:nvSpPr>
-        <p:spPr/>
-        <p:txBody>
-          <a:bodyPr/>
-          <a:lstStyle/>
-          <a:p>
-            <a:r>
-              <a:rPr lang="ru-RU" dirty="0" smtClean="0"/>
-              <a:t>Экономическое обоснование</a:t>
-            </a:r>
-            <a:endParaRPr lang="ru-RU" dirty="0"/>
-          </a:p>
-        </p:txBody>
-      </p:sp>
-      <p:graphicFrame>
-        <p:nvGraphicFramePr>
-          <p:cNvPr id="4" name="Объект 3"/>
-          <p:cNvGraphicFramePr>
-            <a:graphicFrameLocks noGrp="1"/>
-          </p:cNvGraphicFramePr>
-          <p:nvPr>
-            <p:ph idx="1"/>
-            <p:extLst>
-              <p:ext uri="{D42A27DB-BD31-4B8C-83A1-F6EECF244321}">
-                <p14:modId xmlns:p14="http://schemas.microsoft.com/office/powerpoint/2010/main" val="387002505"/>
-              </p:ext>
-            </p:extLst>
-          </p:nvPr>
-        </p:nvGraphicFramePr>
-        <p:xfrm>
-          <a:off x="1079500" y="1771648"/>
-          <a:ext cx="9404351" cy="4502152"/>
-        </p:xfrm>
-        <a:graphic>
-          <a:graphicData uri="http://schemas.openxmlformats.org/drawingml/2006/table">
-            <a:tbl>
-              <a:tblPr>
-                <a:tableStyleId>{5940675A-B579-460E-94D1-54222C63F5DA}</a:tableStyleId>
-              </a:tblPr>
-              <a:tblGrid>
-                <a:gridCol w="3687621">
-                  <a:extLst>
-                    <a:ext uri="{9D8B030D-6E8A-4147-A177-3AD203B41FA5}">
-                      <a16:colId xmlns:a16="http://schemas.microsoft.com/office/drawing/2014/main" val="479815511"/>
-                    </a:ext>
-                  </a:extLst>
-                </a:gridCol>
-                <a:gridCol w="1455908">
-                  <a:extLst>
-                    <a:ext uri="{9D8B030D-6E8A-4147-A177-3AD203B41FA5}">
-                      <a16:colId xmlns:a16="http://schemas.microsoft.com/office/drawing/2014/main" val="1491687464"/>
-                    </a:ext>
-                  </a:extLst>
-                </a:gridCol>
-                <a:gridCol w="1117893">
-                  <a:extLst>
-                    <a:ext uri="{9D8B030D-6E8A-4147-A177-3AD203B41FA5}">
-                      <a16:colId xmlns:a16="http://schemas.microsoft.com/office/drawing/2014/main" val="1494230875"/>
-                    </a:ext>
-                  </a:extLst>
-                </a:gridCol>
-                <a:gridCol w="2061688">
-                  <a:extLst>
-                    <a:ext uri="{9D8B030D-6E8A-4147-A177-3AD203B41FA5}">
-                      <a16:colId xmlns:a16="http://schemas.microsoft.com/office/drawing/2014/main" val="3580502951"/>
-                    </a:ext>
-                  </a:extLst>
-                </a:gridCol>
-                <a:gridCol w="1081241">
-                  <a:extLst>
-                    <a:ext uri="{9D8B030D-6E8A-4147-A177-3AD203B41FA5}">
-                      <a16:colId xmlns:a16="http://schemas.microsoft.com/office/drawing/2014/main" val="3971268869"/>
-                    </a:ext>
-                  </a:extLst>
-                </a:gridCol>
-              </a:tblGrid>
-              <a:tr h="849025">
-                <a:tc>
-                  <a:txBody>
-                    <a:bodyPr/>
-                    <a:lstStyle/>
-                    <a:p>
-                      <a:pPr indent="-1270" algn="just">
-                        <a:lnSpc>
-                          <a:spcPct val="150000"/>
-                        </a:lnSpc>
-                        <a:spcAft>
-                          <a:spcPts val="0"/>
-                        </a:spcAft>
-                      </a:pPr>
-                      <a:r>
-                        <a:rPr lang="ru-RU" sz="1200">
-                          <a:effectLst/>
-                        </a:rPr>
-                        <a:t>Наименование материала</a:t>
-                      </a:r>
-                      <a:endParaRPr lang="ru-RU" sz="1400">
-                        <a:effectLst/>
-                        <a:latin typeface="Times New Roman" panose="02020603050405020304" pitchFamily="18" charset="0"/>
-                        <a:ea typeface="Times New Roman" panose="02020603050405020304" pitchFamily="18" charset="0"/>
-                      </a:endParaRPr>
-                    </a:p>
-                  </a:txBody>
-                  <a:tcPr marL="68580" marR="68580" marT="0" marB="0"/>
-                </a:tc>
-                <a:tc>
-                  <a:txBody>
-                    <a:bodyPr/>
-                    <a:lstStyle/>
-                    <a:p>
-                      <a:pPr indent="-1270" algn="just">
-                        <a:lnSpc>
-                          <a:spcPct val="150000"/>
-                        </a:lnSpc>
-                        <a:spcAft>
-                          <a:spcPts val="0"/>
-                        </a:spcAft>
-                      </a:pPr>
-                      <a:r>
-                        <a:rPr lang="ru-RU" sz="1200">
-                          <a:effectLst/>
-                        </a:rPr>
-                        <a:t>Единица измерения</a:t>
-                      </a:r>
-                      <a:endParaRPr lang="ru-RU" sz="1400">
-                        <a:effectLst/>
-                        <a:latin typeface="Times New Roman" panose="02020603050405020304" pitchFamily="18" charset="0"/>
-                        <a:ea typeface="Times New Roman" panose="02020603050405020304" pitchFamily="18" charset="0"/>
-                      </a:endParaRPr>
-                    </a:p>
-                  </a:txBody>
-                  <a:tcPr marL="68580" marR="68580" marT="0" marB="0"/>
-                </a:tc>
-                <a:tc>
-                  <a:txBody>
-                    <a:bodyPr/>
-                    <a:lstStyle/>
-                    <a:p>
-                      <a:pPr indent="-1270" algn="just">
-                        <a:lnSpc>
-                          <a:spcPct val="150000"/>
-                        </a:lnSpc>
-                        <a:spcAft>
-                          <a:spcPts val="0"/>
-                        </a:spcAft>
-                      </a:pPr>
-                      <a:r>
-                        <a:rPr lang="ru-RU" sz="1200">
-                          <a:effectLst/>
-                        </a:rPr>
-                        <a:t>Норма расхода</a:t>
-                      </a:r>
-                      <a:endParaRPr lang="ru-RU" sz="1400">
-                        <a:effectLst/>
-                        <a:latin typeface="Times New Roman" panose="02020603050405020304" pitchFamily="18" charset="0"/>
-                        <a:ea typeface="Times New Roman" panose="02020603050405020304" pitchFamily="18" charset="0"/>
-                      </a:endParaRPr>
-                    </a:p>
-                  </a:txBody>
-                  <a:tcPr marL="68580" marR="68580" marT="0" marB="0"/>
-                </a:tc>
-                <a:tc>
-                  <a:txBody>
-                    <a:bodyPr/>
-                    <a:lstStyle/>
-                    <a:p>
-                      <a:pPr indent="-1270" algn="l">
-                        <a:lnSpc>
-                          <a:spcPct val="150000"/>
-                        </a:lnSpc>
-                        <a:spcAft>
-                          <a:spcPts val="0"/>
-                        </a:spcAft>
-                      </a:pPr>
-                      <a:r>
-                        <a:rPr lang="ru-RU" sz="1200">
-                          <a:effectLst/>
-                        </a:rPr>
-                        <a:t>Цена за единицу измерения</a:t>
-                      </a:r>
-                      <a:endParaRPr lang="ru-RU" sz="1400">
-                        <a:effectLst/>
-                        <a:latin typeface="Times New Roman" panose="02020603050405020304" pitchFamily="18" charset="0"/>
-                        <a:ea typeface="Times New Roman" panose="02020603050405020304" pitchFamily="18" charset="0"/>
-                      </a:endParaRPr>
-                    </a:p>
-                  </a:txBody>
-                  <a:tcPr marL="68580" marR="68580" marT="0" marB="0"/>
-                </a:tc>
-                <a:tc>
-                  <a:txBody>
-                    <a:bodyPr/>
-                    <a:lstStyle/>
-                    <a:p>
-                      <a:pPr indent="-1270" algn="l">
-                        <a:lnSpc>
-                          <a:spcPct val="150000"/>
-                        </a:lnSpc>
-                        <a:spcAft>
-                          <a:spcPts val="0"/>
-                        </a:spcAft>
-                      </a:pPr>
-                      <a:r>
-                        <a:rPr lang="ru-RU" sz="1200">
-                          <a:effectLst/>
-                        </a:rPr>
-                        <a:t>Сумма</a:t>
-                      </a:r>
-                      <a:endParaRPr lang="ru-RU" sz="1400">
-                        <a:effectLst/>
-                        <a:latin typeface="Times New Roman" panose="02020603050405020304" pitchFamily="18" charset="0"/>
-                        <a:ea typeface="Times New Roman" panose="02020603050405020304" pitchFamily="18" charset="0"/>
-                      </a:endParaRPr>
-                    </a:p>
-                  </a:txBody>
-                  <a:tcPr marL="68580" marR="68580" marT="0" marB="0"/>
-                </a:tc>
-                <a:extLst>
-                  <a:ext uri="{0D108BD9-81ED-4DB2-BD59-A6C34878D82A}">
-                    <a16:rowId xmlns:a16="http://schemas.microsoft.com/office/drawing/2014/main" val="3492750714"/>
-                  </a:ext>
-                </a:extLst>
-              </a:tr>
-              <a:tr h="400586">
-                <a:tc>
-                  <a:txBody>
-                    <a:bodyPr/>
-                    <a:lstStyle/>
-                    <a:p>
-                      <a:pPr indent="-1270" algn="just">
-                        <a:lnSpc>
-                          <a:spcPct val="150000"/>
-                        </a:lnSpc>
-                        <a:spcAft>
-                          <a:spcPts val="0"/>
-                        </a:spcAft>
-                      </a:pPr>
-                      <a:r>
-                        <a:rPr lang="ru-RU" sz="1200">
-                          <a:effectLst/>
-                        </a:rPr>
-                        <a:t>Микроконтроллер ESP32 dev kit</a:t>
-                      </a:r>
-                      <a:endParaRPr lang="ru-RU" sz="1400">
-                        <a:effectLst/>
-                        <a:latin typeface="Times New Roman" panose="02020603050405020304" pitchFamily="18" charset="0"/>
-                        <a:ea typeface="Times New Roman" panose="02020603050405020304" pitchFamily="18" charset="0"/>
-                      </a:endParaRPr>
-                    </a:p>
-                  </a:txBody>
-                  <a:tcPr marL="68580" marR="68580" marT="0" marB="0"/>
-                </a:tc>
-                <a:tc>
-                  <a:txBody>
-                    <a:bodyPr/>
-                    <a:lstStyle/>
-                    <a:p>
-                      <a:pPr indent="-1270" algn="just">
-                        <a:lnSpc>
-                          <a:spcPct val="150000"/>
-                        </a:lnSpc>
-                        <a:spcAft>
-                          <a:spcPts val="0"/>
-                        </a:spcAft>
-                      </a:pPr>
-                      <a:r>
-                        <a:rPr lang="ru-RU" sz="1200">
-                          <a:effectLst/>
-                        </a:rPr>
-                        <a:t>шт.</a:t>
-                      </a:r>
-                      <a:endParaRPr lang="ru-RU" sz="1400">
-                        <a:effectLst/>
-                        <a:latin typeface="Times New Roman" panose="02020603050405020304" pitchFamily="18" charset="0"/>
-                        <a:ea typeface="Times New Roman" panose="02020603050405020304" pitchFamily="18" charset="0"/>
-                      </a:endParaRPr>
-                    </a:p>
-                  </a:txBody>
-                  <a:tcPr marL="68580" marR="68580" marT="0" marB="0"/>
-                </a:tc>
-                <a:tc>
-                  <a:txBody>
-                    <a:bodyPr/>
-                    <a:lstStyle/>
-                    <a:p>
-                      <a:pPr indent="-1270" algn="just">
-                        <a:lnSpc>
-                          <a:spcPct val="150000"/>
-                        </a:lnSpc>
-                        <a:spcAft>
-                          <a:spcPts val="0"/>
-                        </a:spcAft>
-                      </a:pPr>
-                      <a:r>
-                        <a:rPr lang="en-US" sz="1200">
-                          <a:effectLst/>
-                        </a:rPr>
-                        <a:t>1</a:t>
-                      </a:r>
-                      <a:endParaRPr lang="ru-RU" sz="1400">
-                        <a:effectLst/>
-                        <a:latin typeface="Times New Roman" panose="02020603050405020304" pitchFamily="18" charset="0"/>
-                        <a:ea typeface="Times New Roman" panose="02020603050405020304" pitchFamily="18" charset="0"/>
-                      </a:endParaRPr>
-                    </a:p>
-                  </a:txBody>
-                  <a:tcPr marL="68580" marR="68580" marT="0" marB="0"/>
-                </a:tc>
-                <a:tc>
-                  <a:txBody>
-                    <a:bodyPr/>
-                    <a:lstStyle/>
-                    <a:p>
-                      <a:pPr indent="-1270" algn="just">
-                        <a:lnSpc>
-                          <a:spcPct val="150000"/>
-                        </a:lnSpc>
-                        <a:spcAft>
-                          <a:spcPts val="0"/>
-                        </a:spcAft>
-                      </a:pPr>
-                      <a:r>
-                        <a:rPr lang="en-US" sz="1200">
-                          <a:effectLst/>
-                        </a:rPr>
-                        <a:t>300 ₽</a:t>
-                      </a:r>
-                      <a:endParaRPr lang="ru-RU" sz="1400">
-                        <a:effectLst/>
-                        <a:latin typeface="Times New Roman" panose="02020603050405020304" pitchFamily="18" charset="0"/>
-                        <a:ea typeface="Times New Roman" panose="02020603050405020304" pitchFamily="18" charset="0"/>
-                      </a:endParaRPr>
-                    </a:p>
-                  </a:txBody>
-                  <a:tcPr marL="68580" marR="68580" marT="0" marB="0"/>
-                </a:tc>
-                <a:tc>
-                  <a:txBody>
-                    <a:bodyPr/>
-                    <a:lstStyle/>
-                    <a:p>
-                      <a:pPr indent="-1270" algn="just">
-                        <a:lnSpc>
-                          <a:spcPct val="150000"/>
-                        </a:lnSpc>
-                        <a:spcAft>
-                          <a:spcPts val="0"/>
-                        </a:spcAft>
-                      </a:pPr>
-                      <a:r>
-                        <a:rPr lang="en-US" sz="1200">
-                          <a:effectLst/>
-                        </a:rPr>
-                        <a:t>300₽</a:t>
-                      </a:r>
-                      <a:endParaRPr lang="ru-RU" sz="1400">
-                        <a:effectLst/>
-                        <a:latin typeface="Times New Roman" panose="02020603050405020304" pitchFamily="18" charset="0"/>
-                        <a:ea typeface="Times New Roman" panose="02020603050405020304" pitchFamily="18" charset="0"/>
-                      </a:endParaRPr>
-                    </a:p>
-                  </a:txBody>
-                  <a:tcPr marL="68580" marR="68580" marT="0" marB="0"/>
-                </a:tc>
-                <a:extLst>
-                  <a:ext uri="{0D108BD9-81ED-4DB2-BD59-A6C34878D82A}">
-                    <a16:rowId xmlns:a16="http://schemas.microsoft.com/office/drawing/2014/main" val="1655779599"/>
-                  </a:ext>
-                </a:extLst>
-              </a:tr>
-              <a:tr h="400586">
-                <a:tc>
-                  <a:txBody>
-                    <a:bodyPr/>
-                    <a:lstStyle/>
-                    <a:p>
-                      <a:pPr indent="-1270" algn="just">
-                        <a:lnSpc>
-                          <a:spcPct val="150000"/>
-                        </a:lnSpc>
-                        <a:spcAft>
-                          <a:spcPts val="0"/>
-                        </a:spcAft>
-                      </a:pPr>
-                      <a:r>
-                        <a:rPr lang="ru-RU" sz="1200">
-                          <a:effectLst/>
-                        </a:rPr>
-                        <a:t>Провода</a:t>
-                      </a:r>
-                      <a:endParaRPr lang="ru-RU" sz="1400">
-                        <a:effectLst/>
-                        <a:latin typeface="Times New Roman" panose="02020603050405020304" pitchFamily="18" charset="0"/>
-                        <a:ea typeface="Times New Roman" panose="02020603050405020304" pitchFamily="18" charset="0"/>
-                      </a:endParaRPr>
-                    </a:p>
-                  </a:txBody>
-                  <a:tcPr marL="68580" marR="68580" marT="0" marB="0"/>
-                </a:tc>
-                <a:tc>
-                  <a:txBody>
-                    <a:bodyPr/>
-                    <a:lstStyle/>
-                    <a:p>
-                      <a:pPr indent="-1270" algn="just">
-                        <a:lnSpc>
-                          <a:spcPct val="150000"/>
-                        </a:lnSpc>
-                        <a:spcAft>
-                          <a:spcPts val="0"/>
-                        </a:spcAft>
-                      </a:pPr>
-                      <a:r>
-                        <a:rPr lang="ru-RU" sz="1200">
-                          <a:effectLst/>
-                        </a:rPr>
-                        <a:t>см</a:t>
-                      </a:r>
-                      <a:endParaRPr lang="ru-RU" sz="1400">
-                        <a:effectLst/>
-                        <a:latin typeface="Times New Roman" panose="02020603050405020304" pitchFamily="18" charset="0"/>
-                        <a:ea typeface="Times New Roman" panose="02020603050405020304" pitchFamily="18" charset="0"/>
-                      </a:endParaRPr>
-                    </a:p>
-                  </a:txBody>
-                  <a:tcPr marL="68580" marR="68580" marT="0" marB="0"/>
-                </a:tc>
-                <a:tc>
-                  <a:txBody>
-                    <a:bodyPr/>
-                    <a:lstStyle/>
-                    <a:p>
-                      <a:pPr indent="-1270" algn="just">
-                        <a:lnSpc>
-                          <a:spcPct val="150000"/>
-                        </a:lnSpc>
-                        <a:spcAft>
-                          <a:spcPts val="0"/>
-                        </a:spcAft>
-                      </a:pPr>
-                      <a:r>
-                        <a:rPr lang="en-US" sz="1200">
-                          <a:effectLst/>
-                        </a:rPr>
-                        <a:t>10</a:t>
-                      </a:r>
-                      <a:endParaRPr lang="ru-RU" sz="1400">
-                        <a:effectLst/>
-                        <a:latin typeface="Times New Roman" panose="02020603050405020304" pitchFamily="18" charset="0"/>
-                        <a:ea typeface="Times New Roman" panose="02020603050405020304" pitchFamily="18" charset="0"/>
-                      </a:endParaRPr>
-                    </a:p>
-                  </a:txBody>
-                  <a:tcPr marL="68580" marR="68580" marT="0" marB="0"/>
-                </a:tc>
-                <a:tc>
-                  <a:txBody>
-                    <a:bodyPr/>
-                    <a:lstStyle/>
-                    <a:p>
-                      <a:pPr indent="-1270" algn="just">
-                        <a:lnSpc>
-                          <a:spcPct val="150000"/>
-                        </a:lnSpc>
-                        <a:spcAft>
-                          <a:spcPts val="0"/>
-                        </a:spcAft>
-                      </a:pPr>
-                      <a:r>
-                        <a:rPr lang="en-US" sz="1200">
-                          <a:effectLst/>
-                        </a:rPr>
-                        <a:t>4 ₽</a:t>
-                      </a:r>
-                      <a:endParaRPr lang="ru-RU" sz="1400">
-                        <a:effectLst/>
-                        <a:latin typeface="Times New Roman" panose="02020603050405020304" pitchFamily="18" charset="0"/>
-                        <a:ea typeface="Times New Roman" panose="02020603050405020304" pitchFamily="18" charset="0"/>
-                      </a:endParaRPr>
-                    </a:p>
-                  </a:txBody>
-                  <a:tcPr marL="68580" marR="68580" marT="0" marB="0"/>
-                </a:tc>
-                <a:tc>
-                  <a:txBody>
-                    <a:bodyPr/>
-                    <a:lstStyle/>
-                    <a:p>
-                      <a:pPr indent="-1270" algn="just">
-                        <a:lnSpc>
-                          <a:spcPct val="150000"/>
-                        </a:lnSpc>
-                        <a:spcAft>
-                          <a:spcPts val="0"/>
-                        </a:spcAft>
-                      </a:pPr>
-                      <a:r>
-                        <a:rPr lang="en-US" sz="1200">
-                          <a:effectLst/>
-                        </a:rPr>
-                        <a:t>40 ₽</a:t>
-                      </a:r>
-                      <a:endParaRPr lang="ru-RU" sz="1400">
-                        <a:effectLst/>
-                        <a:latin typeface="Times New Roman" panose="02020603050405020304" pitchFamily="18" charset="0"/>
-                        <a:ea typeface="Times New Roman" panose="02020603050405020304" pitchFamily="18" charset="0"/>
-                      </a:endParaRPr>
-                    </a:p>
-                  </a:txBody>
-                  <a:tcPr marL="68580" marR="68580" marT="0" marB="0"/>
-                </a:tc>
-                <a:extLst>
-                  <a:ext uri="{0D108BD9-81ED-4DB2-BD59-A6C34878D82A}">
-                    <a16:rowId xmlns:a16="http://schemas.microsoft.com/office/drawing/2014/main" val="1600772349"/>
-                  </a:ext>
-                </a:extLst>
-              </a:tr>
-              <a:tr h="400586">
-                <a:tc>
-                  <a:txBody>
-                    <a:bodyPr/>
-                    <a:lstStyle/>
-                    <a:p>
-                      <a:pPr indent="-1270" algn="just">
-                        <a:lnSpc>
-                          <a:spcPct val="150000"/>
-                        </a:lnSpc>
-                        <a:spcAft>
-                          <a:spcPts val="0"/>
-                        </a:spcAft>
-                      </a:pPr>
-                      <a:r>
-                        <a:rPr lang="ru-RU" sz="1200">
-                          <a:effectLst/>
-                        </a:rPr>
-                        <a:t>Переключатель движковый</a:t>
-                      </a:r>
-                      <a:endParaRPr lang="ru-RU" sz="1400">
-                        <a:effectLst/>
-                        <a:latin typeface="Times New Roman" panose="02020603050405020304" pitchFamily="18" charset="0"/>
-                        <a:ea typeface="Times New Roman" panose="02020603050405020304" pitchFamily="18" charset="0"/>
-                      </a:endParaRPr>
-                    </a:p>
-                  </a:txBody>
-                  <a:tcPr marL="68580" marR="68580" marT="0" marB="0"/>
-                </a:tc>
-                <a:tc>
-                  <a:txBody>
-                    <a:bodyPr/>
-                    <a:lstStyle/>
-                    <a:p>
-                      <a:pPr indent="-1270" algn="just">
-                        <a:lnSpc>
-                          <a:spcPct val="150000"/>
-                        </a:lnSpc>
-                        <a:spcAft>
-                          <a:spcPts val="0"/>
-                        </a:spcAft>
-                      </a:pPr>
-                      <a:r>
-                        <a:rPr lang="ru-RU" sz="1200">
-                          <a:effectLst/>
-                        </a:rPr>
-                        <a:t>шт.</a:t>
-                      </a:r>
-                      <a:endParaRPr lang="ru-RU" sz="1400">
-                        <a:effectLst/>
-                        <a:latin typeface="Times New Roman" panose="02020603050405020304" pitchFamily="18" charset="0"/>
-                        <a:ea typeface="Times New Roman" panose="02020603050405020304" pitchFamily="18" charset="0"/>
-                      </a:endParaRPr>
-                    </a:p>
-                  </a:txBody>
-                  <a:tcPr marL="68580" marR="68580" marT="0" marB="0"/>
-                </a:tc>
-                <a:tc>
-                  <a:txBody>
-                    <a:bodyPr/>
-                    <a:lstStyle/>
-                    <a:p>
-                      <a:pPr indent="-1270" algn="just">
-                        <a:lnSpc>
-                          <a:spcPct val="150000"/>
-                        </a:lnSpc>
-                        <a:spcAft>
-                          <a:spcPts val="0"/>
-                        </a:spcAft>
-                      </a:pPr>
-                      <a:r>
-                        <a:rPr lang="en-US" sz="1200">
-                          <a:effectLst/>
-                        </a:rPr>
-                        <a:t>1</a:t>
-                      </a:r>
-                      <a:endParaRPr lang="ru-RU" sz="1400">
-                        <a:effectLst/>
-                        <a:latin typeface="Times New Roman" panose="02020603050405020304" pitchFamily="18" charset="0"/>
-                        <a:ea typeface="Times New Roman" panose="02020603050405020304" pitchFamily="18" charset="0"/>
-                      </a:endParaRPr>
-                    </a:p>
-                  </a:txBody>
-                  <a:tcPr marL="68580" marR="68580" marT="0" marB="0"/>
-                </a:tc>
-                <a:tc>
-                  <a:txBody>
-                    <a:bodyPr/>
-                    <a:lstStyle/>
-                    <a:p>
-                      <a:pPr indent="-1270" algn="just">
-                        <a:lnSpc>
-                          <a:spcPct val="150000"/>
-                        </a:lnSpc>
-                        <a:spcAft>
-                          <a:spcPts val="0"/>
-                        </a:spcAft>
-                      </a:pPr>
-                      <a:r>
-                        <a:rPr lang="en-US" sz="1200">
-                          <a:effectLst/>
-                        </a:rPr>
-                        <a:t>10 ₽</a:t>
-                      </a:r>
-                      <a:endParaRPr lang="ru-RU" sz="1400">
-                        <a:effectLst/>
-                        <a:latin typeface="Times New Roman" panose="02020603050405020304" pitchFamily="18" charset="0"/>
-                        <a:ea typeface="Times New Roman" panose="02020603050405020304" pitchFamily="18" charset="0"/>
-                      </a:endParaRPr>
-                    </a:p>
-                  </a:txBody>
-                  <a:tcPr marL="68580" marR="68580" marT="0" marB="0"/>
-                </a:tc>
-                <a:tc>
-                  <a:txBody>
-                    <a:bodyPr/>
-                    <a:lstStyle/>
-                    <a:p>
-                      <a:pPr indent="-1270" algn="just">
-                        <a:lnSpc>
-                          <a:spcPct val="150000"/>
-                        </a:lnSpc>
-                        <a:spcAft>
-                          <a:spcPts val="0"/>
-                        </a:spcAft>
-                      </a:pPr>
-                      <a:r>
-                        <a:rPr lang="en-US" sz="1200">
-                          <a:effectLst/>
-                        </a:rPr>
-                        <a:t>10 ₽</a:t>
-                      </a:r>
-                      <a:endParaRPr lang="ru-RU" sz="1400">
-                        <a:effectLst/>
-                        <a:latin typeface="Times New Roman" panose="02020603050405020304" pitchFamily="18" charset="0"/>
-                        <a:ea typeface="Times New Roman" panose="02020603050405020304" pitchFamily="18" charset="0"/>
-                      </a:endParaRPr>
-                    </a:p>
-                  </a:txBody>
-                  <a:tcPr marL="68580" marR="68580" marT="0" marB="0"/>
-                </a:tc>
-                <a:extLst>
-                  <a:ext uri="{0D108BD9-81ED-4DB2-BD59-A6C34878D82A}">
-                    <a16:rowId xmlns:a16="http://schemas.microsoft.com/office/drawing/2014/main" val="261046144"/>
-                  </a:ext>
-                </a:extLst>
-              </a:tr>
-              <a:tr h="849025">
-                <a:tc>
-                  <a:txBody>
-                    <a:bodyPr/>
-                    <a:lstStyle/>
-                    <a:p>
-                      <a:pPr indent="-1270" algn="just">
-                        <a:lnSpc>
-                          <a:spcPct val="150000"/>
-                        </a:lnSpc>
-                        <a:spcAft>
-                          <a:spcPts val="0"/>
-                        </a:spcAft>
-                      </a:pPr>
-                      <a:r>
-                        <a:rPr lang="ru-RU" sz="1200" dirty="0">
-                          <a:effectLst/>
-                        </a:rPr>
-                        <a:t>Электромиографический датчик </a:t>
-                      </a:r>
-                      <a:r>
-                        <a:rPr lang="en-US" sz="1200" dirty="0">
-                          <a:effectLst/>
-                        </a:rPr>
-                        <a:t>MH-BPS102</a:t>
-                      </a:r>
-                      <a:endParaRPr lang="ru-RU" sz="1400" dirty="0">
-                        <a:effectLst/>
-                        <a:latin typeface="Times New Roman" panose="02020603050405020304" pitchFamily="18" charset="0"/>
-                        <a:ea typeface="Times New Roman" panose="02020603050405020304" pitchFamily="18" charset="0"/>
-                      </a:endParaRPr>
-                    </a:p>
-                  </a:txBody>
-                  <a:tcPr marL="68580" marR="68580" marT="0" marB="0"/>
-                </a:tc>
-                <a:tc>
-                  <a:txBody>
-                    <a:bodyPr/>
-                    <a:lstStyle/>
-                    <a:p>
-                      <a:pPr indent="-1270" algn="just">
-                        <a:lnSpc>
-                          <a:spcPct val="150000"/>
-                        </a:lnSpc>
-                        <a:spcAft>
-                          <a:spcPts val="0"/>
-                        </a:spcAft>
-                      </a:pPr>
-                      <a:r>
-                        <a:rPr lang="ru-RU" sz="1200">
-                          <a:effectLst/>
-                        </a:rPr>
-                        <a:t>шт.</a:t>
-                      </a:r>
-                      <a:endParaRPr lang="ru-RU" sz="1400">
-                        <a:effectLst/>
-                        <a:latin typeface="Times New Roman" panose="02020603050405020304" pitchFamily="18" charset="0"/>
-                        <a:ea typeface="Times New Roman" panose="02020603050405020304" pitchFamily="18" charset="0"/>
-                      </a:endParaRPr>
-                    </a:p>
-                  </a:txBody>
-                  <a:tcPr marL="68580" marR="68580" marT="0" marB="0"/>
-                </a:tc>
-                <a:tc>
-                  <a:txBody>
-                    <a:bodyPr/>
-                    <a:lstStyle/>
-                    <a:p>
-                      <a:pPr indent="-1270" algn="just">
-                        <a:lnSpc>
-                          <a:spcPct val="150000"/>
-                        </a:lnSpc>
-                        <a:spcAft>
-                          <a:spcPts val="0"/>
-                        </a:spcAft>
-                      </a:pPr>
-                      <a:r>
-                        <a:rPr lang="en-US" sz="1200">
-                          <a:effectLst/>
-                        </a:rPr>
-                        <a:t>1</a:t>
-                      </a:r>
-                      <a:endParaRPr lang="ru-RU" sz="1400">
-                        <a:effectLst/>
-                        <a:latin typeface="Times New Roman" panose="02020603050405020304" pitchFamily="18" charset="0"/>
-                        <a:ea typeface="Times New Roman" panose="02020603050405020304" pitchFamily="18" charset="0"/>
-                      </a:endParaRPr>
-                    </a:p>
-                  </a:txBody>
-                  <a:tcPr marL="68580" marR="68580" marT="0" marB="0"/>
-                </a:tc>
-                <a:tc>
-                  <a:txBody>
-                    <a:bodyPr/>
-                    <a:lstStyle/>
-                    <a:p>
-                      <a:pPr indent="-1270" algn="just">
-                        <a:lnSpc>
-                          <a:spcPct val="150000"/>
-                        </a:lnSpc>
-                        <a:spcAft>
-                          <a:spcPts val="0"/>
-                        </a:spcAft>
-                      </a:pPr>
-                      <a:r>
-                        <a:rPr lang="en-US" sz="1200">
-                          <a:effectLst/>
-                        </a:rPr>
-                        <a:t>1900 ₽</a:t>
-                      </a:r>
-                      <a:endParaRPr lang="ru-RU" sz="1400">
-                        <a:effectLst/>
-                        <a:latin typeface="Times New Roman" panose="02020603050405020304" pitchFamily="18" charset="0"/>
-                        <a:ea typeface="Times New Roman" panose="02020603050405020304" pitchFamily="18" charset="0"/>
-                      </a:endParaRPr>
-                    </a:p>
-                  </a:txBody>
-                  <a:tcPr marL="68580" marR="68580" marT="0" marB="0"/>
-                </a:tc>
-                <a:tc>
-                  <a:txBody>
-                    <a:bodyPr/>
-                    <a:lstStyle/>
-                    <a:p>
-                      <a:pPr indent="-1270" algn="just">
-                        <a:lnSpc>
-                          <a:spcPct val="150000"/>
-                        </a:lnSpc>
-                        <a:spcAft>
-                          <a:spcPts val="0"/>
-                        </a:spcAft>
-                      </a:pPr>
-                      <a:r>
-                        <a:rPr lang="en-US" sz="1200">
-                          <a:effectLst/>
-                        </a:rPr>
-                        <a:t>1900 ₽</a:t>
-                      </a:r>
-                      <a:endParaRPr lang="ru-RU" sz="1400">
-                        <a:effectLst/>
-                        <a:latin typeface="Times New Roman" panose="02020603050405020304" pitchFamily="18" charset="0"/>
-                        <a:ea typeface="Times New Roman" panose="02020603050405020304" pitchFamily="18" charset="0"/>
-                      </a:endParaRPr>
-                    </a:p>
-                  </a:txBody>
-                  <a:tcPr marL="68580" marR="68580" marT="0" marB="0"/>
-                </a:tc>
-                <a:extLst>
-                  <a:ext uri="{0D108BD9-81ED-4DB2-BD59-A6C34878D82A}">
-                    <a16:rowId xmlns:a16="http://schemas.microsoft.com/office/drawing/2014/main" val="1183047136"/>
-                  </a:ext>
-                </a:extLst>
-              </a:tr>
-              <a:tr h="400586">
-                <a:tc>
-                  <a:txBody>
-                    <a:bodyPr/>
-                    <a:lstStyle/>
-                    <a:p>
-                      <a:pPr indent="-1270" algn="just">
-                        <a:lnSpc>
-                          <a:spcPct val="150000"/>
-                        </a:lnSpc>
-                        <a:spcAft>
-                          <a:spcPts val="0"/>
-                        </a:spcAft>
-                      </a:pPr>
-                      <a:r>
-                        <a:rPr lang="ru-RU" sz="1200">
-                          <a:effectLst/>
-                        </a:rPr>
-                        <a:t>Датчик дыма </a:t>
-                      </a:r>
-                      <a:r>
-                        <a:rPr lang="en-US" sz="1200">
-                          <a:effectLst/>
-                        </a:rPr>
-                        <a:t>mq-2</a:t>
-                      </a:r>
-                      <a:endParaRPr lang="ru-RU" sz="1400">
-                        <a:effectLst/>
-                        <a:latin typeface="Times New Roman" panose="02020603050405020304" pitchFamily="18" charset="0"/>
-                        <a:ea typeface="Times New Roman" panose="02020603050405020304" pitchFamily="18" charset="0"/>
-                      </a:endParaRPr>
-                    </a:p>
-                  </a:txBody>
-                  <a:tcPr marL="68580" marR="68580" marT="0" marB="0"/>
-                </a:tc>
-                <a:tc>
-                  <a:txBody>
-                    <a:bodyPr/>
-                    <a:lstStyle/>
-                    <a:p>
-                      <a:pPr indent="-1270" algn="just">
-                        <a:lnSpc>
-                          <a:spcPct val="150000"/>
-                        </a:lnSpc>
-                        <a:spcAft>
-                          <a:spcPts val="0"/>
-                        </a:spcAft>
-                      </a:pPr>
-                      <a:r>
-                        <a:rPr lang="ru-RU" sz="1200">
-                          <a:effectLst/>
-                        </a:rPr>
-                        <a:t>шт.</a:t>
-                      </a:r>
-                      <a:endParaRPr lang="ru-RU" sz="1400">
-                        <a:effectLst/>
-                        <a:latin typeface="Times New Roman" panose="02020603050405020304" pitchFamily="18" charset="0"/>
-                        <a:ea typeface="Times New Roman" panose="02020603050405020304" pitchFamily="18" charset="0"/>
-                      </a:endParaRPr>
-                    </a:p>
-                  </a:txBody>
-                  <a:tcPr marL="68580" marR="68580" marT="0" marB="0"/>
-                </a:tc>
-                <a:tc>
-                  <a:txBody>
-                    <a:bodyPr/>
-                    <a:lstStyle/>
-                    <a:p>
-                      <a:pPr indent="-1270" algn="just">
-                        <a:lnSpc>
-                          <a:spcPct val="150000"/>
-                        </a:lnSpc>
-                        <a:spcAft>
-                          <a:spcPts val="0"/>
-                        </a:spcAft>
-                      </a:pPr>
-                      <a:r>
-                        <a:rPr lang="en-US" sz="1200">
-                          <a:effectLst/>
-                        </a:rPr>
-                        <a:t>1</a:t>
-                      </a:r>
-                      <a:endParaRPr lang="ru-RU" sz="1400">
-                        <a:effectLst/>
-                        <a:latin typeface="Times New Roman" panose="02020603050405020304" pitchFamily="18" charset="0"/>
-                        <a:ea typeface="Times New Roman" panose="02020603050405020304" pitchFamily="18" charset="0"/>
-                      </a:endParaRPr>
-                    </a:p>
-                  </a:txBody>
-                  <a:tcPr marL="68580" marR="68580" marT="0" marB="0"/>
-                </a:tc>
-                <a:tc>
-                  <a:txBody>
-                    <a:bodyPr/>
-                    <a:lstStyle/>
-                    <a:p>
-                      <a:pPr indent="-1270" algn="just">
-                        <a:lnSpc>
-                          <a:spcPct val="150000"/>
-                        </a:lnSpc>
-                        <a:spcAft>
-                          <a:spcPts val="0"/>
-                        </a:spcAft>
-                      </a:pPr>
-                      <a:r>
-                        <a:rPr lang="en-US" sz="1200">
-                          <a:effectLst/>
-                        </a:rPr>
-                        <a:t>380 ₽</a:t>
-                      </a:r>
-                      <a:endParaRPr lang="ru-RU" sz="1400">
-                        <a:effectLst/>
-                        <a:latin typeface="Times New Roman" panose="02020603050405020304" pitchFamily="18" charset="0"/>
-                        <a:ea typeface="Times New Roman" panose="02020603050405020304" pitchFamily="18" charset="0"/>
-                      </a:endParaRPr>
-                    </a:p>
-                  </a:txBody>
-                  <a:tcPr marL="68580" marR="68580" marT="0" marB="0"/>
-                </a:tc>
-                <a:tc>
-                  <a:txBody>
-                    <a:bodyPr/>
-                    <a:lstStyle/>
-                    <a:p>
-                      <a:pPr indent="-1270" algn="just">
-                        <a:lnSpc>
-                          <a:spcPct val="150000"/>
-                        </a:lnSpc>
-                        <a:spcAft>
-                          <a:spcPts val="0"/>
-                        </a:spcAft>
-                      </a:pPr>
-                      <a:r>
-                        <a:rPr lang="en-US" sz="1200">
-                          <a:effectLst/>
-                        </a:rPr>
-                        <a:t>380 ₽</a:t>
-                      </a:r>
-                      <a:endParaRPr lang="ru-RU" sz="1400">
-                        <a:effectLst/>
-                        <a:latin typeface="Times New Roman" panose="02020603050405020304" pitchFamily="18" charset="0"/>
-                        <a:ea typeface="Times New Roman" panose="02020603050405020304" pitchFamily="18" charset="0"/>
-                      </a:endParaRPr>
-                    </a:p>
-                  </a:txBody>
-                  <a:tcPr marL="68580" marR="68580" marT="0" marB="0"/>
-                </a:tc>
-                <a:extLst>
-                  <a:ext uri="{0D108BD9-81ED-4DB2-BD59-A6C34878D82A}">
-                    <a16:rowId xmlns:a16="http://schemas.microsoft.com/office/drawing/2014/main" val="1639979707"/>
-                  </a:ext>
-                </a:extLst>
-              </a:tr>
-              <a:tr h="400586">
-                <a:tc>
-                  <a:txBody>
-                    <a:bodyPr/>
-                    <a:lstStyle/>
-                    <a:p>
-                      <a:pPr indent="-1270" algn="just">
-                        <a:lnSpc>
-                          <a:spcPct val="150000"/>
-                        </a:lnSpc>
-                        <a:spcAft>
-                          <a:spcPts val="0"/>
-                        </a:spcAft>
-                      </a:pPr>
-                      <a:r>
-                        <a:rPr lang="ru-RU" sz="1200">
-                          <a:effectLst/>
-                        </a:rPr>
-                        <a:t>Аккумулятор Li-On</a:t>
-                      </a:r>
-                      <a:endParaRPr lang="ru-RU" sz="1400">
-                        <a:effectLst/>
-                        <a:latin typeface="Times New Roman" panose="02020603050405020304" pitchFamily="18" charset="0"/>
-                        <a:ea typeface="Times New Roman" panose="02020603050405020304" pitchFamily="18" charset="0"/>
-                      </a:endParaRPr>
-                    </a:p>
-                  </a:txBody>
-                  <a:tcPr marL="68580" marR="68580" marT="0" marB="0"/>
-                </a:tc>
-                <a:tc>
-                  <a:txBody>
-                    <a:bodyPr/>
-                    <a:lstStyle/>
-                    <a:p>
-                      <a:pPr indent="-1270" algn="just">
-                        <a:lnSpc>
-                          <a:spcPct val="150000"/>
-                        </a:lnSpc>
-                        <a:spcAft>
-                          <a:spcPts val="0"/>
-                        </a:spcAft>
-                      </a:pPr>
-                      <a:r>
-                        <a:rPr lang="ru-RU" sz="1200">
-                          <a:effectLst/>
-                        </a:rPr>
-                        <a:t>шт.</a:t>
-                      </a:r>
-                      <a:endParaRPr lang="ru-RU" sz="1400">
-                        <a:effectLst/>
-                        <a:latin typeface="Times New Roman" panose="02020603050405020304" pitchFamily="18" charset="0"/>
-                        <a:ea typeface="Times New Roman" panose="02020603050405020304" pitchFamily="18" charset="0"/>
-                      </a:endParaRPr>
-                    </a:p>
-                  </a:txBody>
-                  <a:tcPr marL="68580" marR="68580" marT="0" marB="0"/>
-                </a:tc>
-                <a:tc>
-                  <a:txBody>
-                    <a:bodyPr/>
-                    <a:lstStyle/>
-                    <a:p>
-                      <a:pPr indent="-1270" algn="just">
-                        <a:lnSpc>
-                          <a:spcPct val="150000"/>
-                        </a:lnSpc>
-                        <a:spcAft>
-                          <a:spcPts val="0"/>
-                        </a:spcAft>
-                      </a:pPr>
-                      <a:r>
-                        <a:rPr lang="en-US" sz="1200">
-                          <a:effectLst/>
-                        </a:rPr>
-                        <a:t>1</a:t>
-                      </a:r>
-                      <a:endParaRPr lang="ru-RU" sz="1400">
-                        <a:effectLst/>
-                        <a:latin typeface="Times New Roman" panose="02020603050405020304" pitchFamily="18" charset="0"/>
-                        <a:ea typeface="Times New Roman" panose="02020603050405020304" pitchFamily="18" charset="0"/>
-                      </a:endParaRPr>
-                    </a:p>
-                  </a:txBody>
-                  <a:tcPr marL="68580" marR="68580" marT="0" marB="0"/>
-                </a:tc>
-                <a:tc>
-                  <a:txBody>
-                    <a:bodyPr/>
-                    <a:lstStyle/>
-                    <a:p>
-                      <a:pPr indent="-1270" algn="just">
-                        <a:lnSpc>
-                          <a:spcPct val="150000"/>
-                        </a:lnSpc>
-                        <a:spcAft>
-                          <a:spcPts val="0"/>
-                        </a:spcAft>
-                      </a:pPr>
-                      <a:r>
-                        <a:rPr lang="en-US" sz="1200">
-                          <a:effectLst/>
-                        </a:rPr>
-                        <a:t>300 ₽</a:t>
-                      </a:r>
-                      <a:endParaRPr lang="ru-RU" sz="1400">
-                        <a:effectLst/>
-                        <a:latin typeface="Times New Roman" panose="02020603050405020304" pitchFamily="18" charset="0"/>
-                        <a:ea typeface="Times New Roman" panose="02020603050405020304" pitchFamily="18" charset="0"/>
-                      </a:endParaRPr>
-                    </a:p>
-                  </a:txBody>
-                  <a:tcPr marL="68580" marR="68580" marT="0" marB="0"/>
-                </a:tc>
-                <a:tc>
-                  <a:txBody>
-                    <a:bodyPr/>
-                    <a:lstStyle/>
-                    <a:p>
-                      <a:pPr indent="-1270" algn="just">
-                        <a:lnSpc>
-                          <a:spcPct val="150000"/>
-                        </a:lnSpc>
-                        <a:spcAft>
-                          <a:spcPts val="0"/>
-                        </a:spcAft>
-                      </a:pPr>
-                      <a:r>
-                        <a:rPr lang="en-US" sz="1200">
-                          <a:effectLst/>
-                        </a:rPr>
-                        <a:t>300 ₽</a:t>
-                      </a:r>
-                      <a:endParaRPr lang="ru-RU" sz="1400">
-                        <a:effectLst/>
-                        <a:latin typeface="Times New Roman" panose="02020603050405020304" pitchFamily="18" charset="0"/>
-                        <a:ea typeface="Times New Roman" panose="02020603050405020304" pitchFamily="18" charset="0"/>
-                      </a:endParaRPr>
-                    </a:p>
-                  </a:txBody>
-                  <a:tcPr marL="68580" marR="68580" marT="0" marB="0"/>
-                </a:tc>
-                <a:extLst>
-                  <a:ext uri="{0D108BD9-81ED-4DB2-BD59-A6C34878D82A}">
-                    <a16:rowId xmlns:a16="http://schemas.microsoft.com/office/drawing/2014/main" val="1242947028"/>
-                  </a:ext>
-                </a:extLst>
-              </a:tr>
-              <a:tr h="400586">
-                <a:tc gridSpan="4">
-                  <a:txBody>
-                    <a:bodyPr/>
-                    <a:lstStyle/>
-                    <a:p>
-                      <a:pPr indent="-1270" algn="r">
-                        <a:lnSpc>
-                          <a:spcPct val="150000"/>
-                        </a:lnSpc>
-                        <a:spcAft>
-                          <a:spcPts val="0"/>
-                        </a:spcAft>
-                      </a:pPr>
-                      <a:r>
-                        <a:rPr lang="ru-RU" sz="1200">
-                          <a:effectLst/>
-                        </a:rPr>
-                        <a:t>Всего</a:t>
-                      </a:r>
-                      <a:endParaRPr lang="ru-RU" sz="1400">
-                        <a:effectLst/>
-                        <a:latin typeface="Times New Roman" panose="02020603050405020304" pitchFamily="18" charset="0"/>
-                        <a:ea typeface="Times New Roman" panose="02020603050405020304" pitchFamily="18" charset="0"/>
-                      </a:endParaRPr>
-                    </a:p>
-                  </a:txBody>
-                  <a:tcPr marL="68580" marR="68580" marT="0" marB="0"/>
-                </a:tc>
-                <a:tc hMerge="1">
-                  <a:txBody>
-                    <a:bodyPr/>
-                    <a:lstStyle/>
-                    <a:p>
-                      <a:endParaRPr lang="ru-RU"/>
-                    </a:p>
-                  </a:txBody>
-                  <a:tcPr/>
-                </a:tc>
-                <a:tc hMerge="1">
-                  <a:txBody>
-                    <a:bodyPr/>
-                    <a:lstStyle/>
-                    <a:p>
-                      <a:endParaRPr lang="ru-RU"/>
-                    </a:p>
-                  </a:txBody>
-                  <a:tcPr/>
-                </a:tc>
-                <a:tc hMerge="1">
-                  <a:txBody>
-                    <a:bodyPr/>
-                    <a:lstStyle/>
-                    <a:p>
-                      <a:endParaRPr lang="ru-RU"/>
-                    </a:p>
-                  </a:txBody>
-                  <a:tcPr/>
-                </a:tc>
-                <a:tc>
-                  <a:txBody>
-                    <a:bodyPr/>
-                    <a:lstStyle/>
-                    <a:p>
-                      <a:pPr indent="-1270" algn="just">
-                        <a:lnSpc>
-                          <a:spcPct val="150000"/>
-                        </a:lnSpc>
-                        <a:spcAft>
-                          <a:spcPts val="0"/>
-                        </a:spcAft>
-                      </a:pPr>
-                      <a:r>
-                        <a:rPr lang="en-US" sz="1200">
-                          <a:effectLst/>
-                        </a:rPr>
-                        <a:t>2930₽</a:t>
-                      </a:r>
-                      <a:endParaRPr lang="ru-RU" sz="1400">
-                        <a:effectLst/>
-                        <a:latin typeface="Times New Roman" panose="02020603050405020304" pitchFamily="18" charset="0"/>
-                        <a:ea typeface="Times New Roman" panose="02020603050405020304" pitchFamily="18" charset="0"/>
-                      </a:endParaRPr>
-                    </a:p>
-                  </a:txBody>
-                  <a:tcPr marL="68580" marR="68580" marT="0" marB="0"/>
-                </a:tc>
-                <a:extLst>
-                  <a:ext uri="{0D108BD9-81ED-4DB2-BD59-A6C34878D82A}">
-                    <a16:rowId xmlns:a16="http://schemas.microsoft.com/office/drawing/2014/main" val="1930392103"/>
-                  </a:ext>
-                </a:extLst>
-              </a:tr>
-              <a:tr h="400586">
-                <a:tc gridSpan="4">
-                  <a:txBody>
-                    <a:bodyPr/>
-                    <a:lstStyle/>
-                    <a:p>
-                      <a:pPr indent="-1270" algn="r">
-                        <a:lnSpc>
-                          <a:spcPct val="150000"/>
-                        </a:lnSpc>
-                        <a:spcAft>
-                          <a:spcPts val="0"/>
-                        </a:spcAft>
-                      </a:pPr>
-                      <a:r>
-                        <a:rPr lang="ru-RU" sz="1200">
-                          <a:effectLst/>
-                        </a:rPr>
-                        <a:t>Всего с учетом транспортных расходов</a:t>
-                      </a:r>
-                      <a:endParaRPr lang="ru-RU" sz="1400">
-                        <a:effectLst/>
-                        <a:latin typeface="Times New Roman" panose="02020603050405020304" pitchFamily="18" charset="0"/>
-                        <a:ea typeface="Times New Roman" panose="02020603050405020304" pitchFamily="18" charset="0"/>
-                      </a:endParaRPr>
-                    </a:p>
-                  </a:txBody>
-                  <a:tcPr marL="68580" marR="68580" marT="0" marB="0"/>
-                </a:tc>
-                <a:tc hMerge="1">
-                  <a:txBody>
-                    <a:bodyPr/>
-                    <a:lstStyle/>
-                    <a:p>
-                      <a:endParaRPr lang="ru-RU"/>
-                    </a:p>
-                  </a:txBody>
-                  <a:tcPr/>
-                </a:tc>
-                <a:tc hMerge="1">
-                  <a:txBody>
-                    <a:bodyPr/>
-                    <a:lstStyle/>
-                    <a:p>
-                      <a:endParaRPr lang="ru-RU"/>
-                    </a:p>
-                  </a:txBody>
-                  <a:tcPr/>
-                </a:tc>
-                <a:tc hMerge="1">
-                  <a:txBody>
-                    <a:bodyPr/>
-                    <a:lstStyle/>
-                    <a:p>
-                      <a:endParaRPr lang="ru-RU"/>
-                    </a:p>
-                  </a:txBody>
-                  <a:tcPr/>
-                </a:tc>
-                <a:tc>
-                  <a:txBody>
-                    <a:bodyPr/>
-                    <a:lstStyle/>
-                    <a:p>
-                      <a:pPr indent="-1270" algn="just">
-                        <a:lnSpc>
-                          <a:spcPct val="150000"/>
-                        </a:lnSpc>
-                        <a:spcAft>
-                          <a:spcPts val="0"/>
-                        </a:spcAft>
-                      </a:pPr>
-                      <a:r>
-                        <a:rPr lang="en-US" sz="1200" dirty="0">
-                          <a:effectLst/>
-                        </a:rPr>
-                        <a:t>3100₽</a:t>
-                      </a:r>
-                      <a:endParaRPr lang="ru-RU" sz="1400" dirty="0">
-                        <a:effectLst/>
-                        <a:latin typeface="Times New Roman" panose="02020603050405020304" pitchFamily="18" charset="0"/>
-                        <a:ea typeface="Times New Roman" panose="02020603050405020304" pitchFamily="18" charset="0"/>
-                      </a:endParaRPr>
-                    </a:p>
-                  </a:txBody>
-                  <a:tcPr marL="68580" marR="68580" marT="0" marB="0"/>
-                </a:tc>
-                <a:extLst>
-                  <a:ext uri="{0D108BD9-81ED-4DB2-BD59-A6C34878D82A}">
-                    <a16:rowId xmlns:a16="http://schemas.microsoft.com/office/drawing/2014/main" val="3079072910"/>
-                  </a:ext>
-                </a:extLst>
-              </a:tr>
-            </a:tbl>
-          </a:graphicData>
-        </a:graphic>
-      </p:graphicFrame>
-    </p:spTree>
-    <p:extLst>
-      <p:ext uri="{BB962C8B-B14F-4D97-AF65-F5344CB8AC3E}">
-        <p14:creationId xmlns:p14="http://schemas.microsoft.com/office/powerpoint/2010/main" val="3205969866"/>
-      </p:ext>
-    </p:extLst>
-  </p:cSld>
-  <p:clrMapOvr>
-    <a:masterClrMapping/>
-  </p:clrMapOvr>
-</p:sld>
-</file>
-
-<file path=ppt/slides/slide15.xml><?xml version="1.0" encoding="utf-8"?>
-<p:sld xmlns:a="http://schemas.openxmlformats.org/drawingml/2006/main" xmlns:r="http://schemas.openxmlformats.org/officeDocument/2006/relationships" xmlns:p="http://schemas.openxmlformats.org/presentationml/2006/main">
-  <p:cSld>
-    <p:spTree>
-      <p:nvGrpSpPr>
-        <p:cNvPr id="1" name=""/>
-        <p:cNvGrpSpPr/>
-        <p:nvPr/>
-      </p:nvGrpSpPr>
-      <p:grpSpPr>
-        <a:xfrm>
-          <a:off x="0" y="0"/>
-          <a:ext cx="0" cy="0"/>
-          <a:chOff x="0" y="0"/>
-          <a:chExt cx="0" cy="0"/>
-        </a:xfrm>
-      </p:grpSpPr>
-      <p:sp>
-        <p:nvSpPr>
           <p:cNvPr id="212" name="Заголовок 1"/>
           <p:cNvSpPr txBox="1">
             <a:spLocks noGrp="1"/>
@@ -6414,7 +5829,7 @@
             <a:pPr algn="ctr"/>
             <a:r>
               <a:rPr lang="ru-RU" dirty="0" smtClean="0"/>
-              <a:t>Выводы</a:t>
+              <a:t>Заключение</a:t>
             </a:r>
             <a:endParaRPr dirty="0"/>
           </a:p>
@@ -6428,8 +5843,8 @@
         </p:nvSpPr>
         <p:spPr>
           <a:xfrm>
-            <a:off x="1098550" y="1924050"/>
-            <a:ext cx="10306050" cy="2215991"/>
+            <a:off x="1066800" y="1917700"/>
+            <a:ext cx="10306050" cy="3508653"/>
           </a:xfrm>
           <a:prstGeom prst="rect">
             <a:avLst/>
@@ -6442,54 +5857,73 @@
           </a:bodyPr>
           <a:lstStyle/>
           <a:p>
-            <a:pPr marL="285750" indent="-285750">
+            <a:pPr marL="285750" lvl="0" indent="-285750">
+              <a:lnSpc>
+                <a:spcPct val="150000"/>
+              </a:lnSpc>
               <a:buFont typeface="Arial" panose="020B0604020202020204" pitchFamily="34" charset="0"/>
               <a:buChar char="•"/>
             </a:pPr>
             <a:r>
               <a:rPr lang="ru-RU" sz="2400" dirty="0" smtClean="0"/>
-              <a:t>Увеличить продолжительность работы устройства</a:t>
-            </a:r>
+              <a:t>Проанализирована </a:t>
+            </a:r>
+            <a:r>
+              <a:rPr lang="ru-RU" sz="2400" dirty="0"/>
+              <a:t>и изучена возможность применения электромиографических датчиков для определения момента </a:t>
+            </a:r>
+            <a:r>
+              <a:rPr lang="ru-RU" sz="2400" dirty="0" smtClean="0"/>
+              <a:t>курения</a:t>
+            </a:r>
+            <a:endParaRPr lang="ru-RU" sz="2400" dirty="0"/>
           </a:p>
           <a:p>
             <a:pPr marL="285750" indent="-285750">
+              <a:lnSpc>
+                <a:spcPct val="150000"/>
+              </a:lnSpc>
               <a:buFont typeface="Arial" panose="020B0604020202020204" pitchFamily="34" charset="0"/>
               <a:buChar char="•"/>
             </a:pPr>
             <a:r>
               <a:rPr lang="ru-RU" sz="2400" dirty="0" smtClean="0"/>
-              <a:t>Реализовать ежемесячную подписку на использование устройства</a:t>
+              <a:t>Обучена модель машинного обучения</a:t>
             </a:r>
           </a:p>
           <a:p>
             <a:pPr marL="285750" indent="-285750">
+              <a:lnSpc>
+                <a:spcPct val="150000"/>
+              </a:lnSpc>
               <a:buFont typeface="Arial" panose="020B0604020202020204" pitchFamily="34" charset="0"/>
               <a:buChar char="•"/>
             </a:pPr>
             <a:r>
               <a:rPr lang="ru-RU" sz="2400" dirty="0" smtClean="0"/>
-              <a:t>Уменьшить размер устройства</a:t>
+              <a:t>Написана серверная ча</a:t>
+            </a:r>
+            <a:r>
+              <a:rPr lang="ru-RU" sz="2400" dirty="0" smtClean="0"/>
+              <a:t>сть проекта</a:t>
             </a:r>
           </a:p>
           <a:p>
             <a:pPr marL="285750" indent="-285750">
+              <a:lnSpc>
+                <a:spcPct val="150000"/>
+              </a:lnSpc>
               <a:buFont typeface="Arial" panose="020B0604020202020204" pitchFamily="34" charset="0"/>
               <a:buChar char="•"/>
             </a:pPr>
             <a:r>
               <a:rPr lang="ru-RU" sz="2400" dirty="0" smtClean="0"/>
-              <a:t>Разработать эргономичный корпус для устройства </a:t>
-            </a:r>
-          </a:p>
-          <a:p>
-            <a:pPr marL="285750" indent="-285750">
-              <a:buFont typeface="Arial" panose="020B0604020202020204" pitchFamily="34" charset="0"/>
-              <a:buChar char="•"/>
-            </a:pPr>
-            <a:r>
-              <a:rPr lang="ru-RU" sz="2400" dirty="0" smtClean="0"/>
-              <a:t>Внедрить визуальную составляющую в устройство</a:t>
-            </a:r>
+              <a:t>Написано программное обеспечение для устройства</a:t>
+            </a:r>
+            <a:endParaRPr lang="en-US" sz="2400" dirty="0" smtClean="0"/>
+          </a:p>
+          <a:p>
+            <a:endParaRPr lang="ru-RU" sz="2400" dirty="0" smtClean="0"/>
           </a:p>
           <a:p>
             <a:endParaRPr lang="ru-RU" dirty="0" smtClean="0"/>
@@ -6519,7 +5953,7 @@
 </p:sld>
 </file>
 
-<file path=ppt/slides/slide16.xml><?xml version="1.0" encoding="utf-8"?>
+<file path=ppt/slides/slide15.xml><?xml version="1.0" encoding="utf-8"?>
 <p:sld xmlns:a="http://schemas.openxmlformats.org/drawingml/2006/main" xmlns:r="http://schemas.openxmlformats.org/officeDocument/2006/relationships" xmlns:p="http://schemas.openxmlformats.org/presentationml/2006/main">
   <p:cSld>
     <p:spTree>
@@ -6555,7 +5989,7 @@
           </a:ln>
           <a:extLst>
             <a:ext uri="{C572A759-6A51-4108-AA02-DFA0A04FC94B}">
-              <ma14:wrappingTextBoxFlag xmlns:ma14="http://schemas.microsoft.com/office/mac/drawingml/2011/main" xmlns:a14="http://schemas.microsoft.com/office/drawing/2010/main" xmlns:m="http://schemas.openxmlformats.org/officeDocument/2006/math" xmlns="" val="1"/>
+              <ma14:wrappingTextBoxFlag xmlns="" xmlns:m="http://schemas.openxmlformats.org/officeDocument/2006/math" xmlns:a14="http://schemas.microsoft.com/office/drawing/2010/main" xmlns:ma14="http://schemas.microsoft.com/office/mac/drawingml/2011/main" val="1"/>
             </a:ext>
           </a:extLst>
         </p:spPr>
@@ -6668,8 +6102,8 @@
         </p:nvSpPr>
         <p:spPr>
           <a:xfrm>
-            <a:off x="996950" y="53975"/>
-            <a:ext cx="10515600" cy="1325563"/>
+            <a:off x="590550" y="0"/>
+            <a:ext cx="10300970" cy="1058863"/>
           </a:xfrm>
         </p:spPr>
         <p:txBody>
@@ -6707,8 +6141,8 @@
         </p:blipFill>
         <p:spPr bwMode="auto">
           <a:xfrm>
-            <a:off x="996950" y="958850"/>
-            <a:ext cx="8743950" cy="5289550"/>
+            <a:off x="590550" y="958850"/>
+            <a:ext cx="7302500" cy="5289550"/>
           </a:xfrm>
           <a:prstGeom prst="rect">
             <a:avLst/>
@@ -6733,7 +6167,7 @@
         </p:nvSpPr>
         <p:spPr>
           <a:xfrm>
-            <a:off x="946150" y="6248400"/>
+            <a:off x="590550" y="6248400"/>
             <a:ext cx="1300356" cy="307777"/>
           </a:xfrm>
           <a:prstGeom prst="rect">
@@ -6755,6 +6189,86 @@
           </a:p>
         </p:txBody>
       </p:sp>
+      <p:sp>
+        <p:nvSpPr>
+          <p:cNvPr id="3" name="TextBox 2"/>
+          <p:cNvSpPr txBox="1"/>
+          <p:nvPr/>
+        </p:nvSpPr>
+        <p:spPr>
+          <a:xfrm>
+            <a:off x="8062023" y="1506538"/>
+            <a:ext cx="4129977" cy="646331"/>
+          </a:xfrm>
+          <a:prstGeom prst="rect">
+            <a:avLst/>
+          </a:prstGeom>
+          <a:noFill/>
+        </p:spPr>
+        <p:txBody>
+          <a:bodyPr wrap="none" rtlCol="0">
+            <a:spAutoFit/>
+          </a:bodyPr>
+          <a:lstStyle/>
+          <a:p>
+            <a:r>
+              <a:rPr lang="ru-RU" dirty="0" smtClean="0"/>
+              <a:t>Проблема отказа от курения людей</a:t>
+            </a:r>
+          </a:p>
+          <a:p>
+            <a:r>
+              <a:rPr lang="ru-RU" dirty="0" smtClean="0"/>
+              <a:t> для которых важен социальный статус  </a:t>
+            </a:r>
+            <a:endParaRPr lang="ru-RU" dirty="0"/>
+          </a:p>
+        </p:txBody>
+      </p:sp>
+      <p:pic>
+        <p:nvPicPr>
+          <p:cNvPr id="1028" name="Picture 4" descr="Социальный статус и его влияние на различные категории населения - Общая  информация | МГППУ"/>
+          <p:cNvPicPr>
+            <a:picLocks noChangeAspect="1" noChangeArrowheads="1"/>
+          </p:cNvPicPr>
+          <p:nvPr/>
+        </p:nvPicPr>
+        <p:blipFill rotWithShape="1">
+          <a:blip r:embed="rId3">
+            <a:extLst>
+              <a:ext uri="{28A0092B-C50C-407E-A947-70E740481C1C}">
+                <a14:useLocalDpi xmlns:a14="http://schemas.microsoft.com/office/drawing/2010/main" val="0"/>
+              </a:ext>
+            </a:extLst>
+          </a:blip>
+          <a:srcRect l="25751" r="28027"/>
+          <a:stretch/>
+        </p:blipFill>
+        <p:spPr bwMode="auto">
+          <a:xfrm>
+            <a:off x="8009192" y="2316454"/>
+            <a:ext cx="3979608" cy="3042946"/>
+          </a:xfrm>
+          <a:prstGeom prst="rect">
+            <a:avLst/>
+          </a:prstGeom>
+          <a:ln>
+            <a:noFill/>
+          </a:ln>
+          <a:effectLst>
+            <a:softEdge rad="112500"/>
+          </a:effectLst>
+          <a:extLst>
+            <a:ext uri="{909E8E84-426E-40DD-AFC4-6F175D3DCCD1}">
+              <a14:hiddenFill xmlns:a14="http://schemas.microsoft.com/office/drawing/2010/main">
+                <a:solidFill>
+                  <a:srgbClr val="FFFFFF"/>
+                </a:solidFill>
+              </a14:hiddenFill>
+            </a:ext>
+          </a:extLst>
+        </p:spPr>
+      </p:pic>
     </p:spTree>
     <p:extLst>
       <p:ext uri="{BB962C8B-B14F-4D97-AF65-F5344CB8AC3E}">
@@ -6981,10 +6495,15 @@
             <p:ph idx="1"/>
           </p:nvPr>
         </p:nvSpPr>
-        <p:spPr/>
+        <p:spPr>
+          <a:xfrm>
+            <a:off x="361950" y="1690688"/>
+            <a:ext cx="5702300" cy="4351338"/>
+          </a:xfrm>
+        </p:spPr>
         <p:txBody>
           <a:bodyPr>
-            <a:normAutofit fontScale="40000" lnSpcReduction="20000"/>
+            <a:normAutofit fontScale="70000" lnSpcReduction="20000"/>
           </a:bodyPr>
           <a:lstStyle/>
           <a:p>
@@ -7051,67 +6570,203 @@
             </a:r>
           </a:p>
           <a:p>
-            <a:pPr lvl="0"/>
-            <a:r>
-              <a:rPr lang="ru-RU" dirty="0"/>
+            <a:endParaRPr lang="ru-RU" dirty="0"/>
+          </a:p>
+        </p:txBody>
+      </p:sp>
+      <p:sp>
+        <p:nvSpPr>
+          <p:cNvPr id="4" name="TextBox 3"/>
+          <p:cNvSpPr txBox="1"/>
+          <p:nvPr/>
+        </p:nvSpPr>
+        <p:spPr>
+          <a:xfrm>
+            <a:off x="6318250" y="1690688"/>
+            <a:ext cx="5746750" cy="4037003"/>
+          </a:xfrm>
+          <a:prstGeom prst="rect">
+            <a:avLst/>
+          </a:prstGeom>
+          <a:noFill/>
+        </p:spPr>
+        <p:txBody>
+          <a:bodyPr wrap="square" rtlCol="0">
+            <a:spAutoFit/>
+          </a:bodyPr>
+          <a:lstStyle/>
+          <a:p>
+            <a:pPr marL="228600" lvl="0" indent="-228600">
+              <a:lnSpc>
+                <a:spcPct val="90000"/>
+              </a:lnSpc>
+              <a:spcBef>
+                <a:spcPts val="1000"/>
+              </a:spcBef>
+              <a:buFont typeface="Arial" panose="020B0604020202020204" pitchFamily="34" charset="0"/>
+              <a:buChar char="•"/>
+            </a:pPr>
+            <a:r>
+              <a:rPr lang="ru-RU" sz="2000" dirty="0">
+                <a:solidFill>
+                  <a:prstClr val="black"/>
+                </a:solidFill>
+              </a:rPr>
               <a:t>Анализ и работа с полученными данными</a:t>
             </a:r>
           </a:p>
           <a:p>
-            <a:pPr lvl="0"/>
-            <a:r>
-              <a:rPr lang="ru-RU" dirty="0"/>
+            <a:pPr marL="228600" lvl="0" indent="-228600">
+              <a:lnSpc>
+                <a:spcPct val="90000"/>
+              </a:lnSpc>
+              <a:spcBef>
+                <a:spcPts val="1000"/>
+              </a:spcBef>
+              <a:buFont typeface="Arial" panose="020B0604020202020204" pitchFamily="34" charset="0"/>
+              <a:buChar char="•"/>
+            </a:pPr>
+            <a:r>
+              <a:rPr lang="ru-RU" sz="2000" dirty="0">
+                <a:solidFill>
+                  <a:prstClr val="black"/>
+                </a:solidFill>
+              </a:rPr>
               <a:t>Подбор оптимального алгоритма для обучения модели</a:t>
             </a:r>
           </a:p>
           <a:p>
-            <a:pPr lvl="0"/>
-            <a:r>
-              <a:rPr lang="ru-RU" dirty="0"/>
+            <a:pPr marL="228600" lvl="0" indent="-228600">
+              <a:lnSpc>
+                <a:spcPct val="90000"/>
+              </a:lnSpc>
+              <a:spcBef>
+                <a:spcPts val="1000"/>
+              </a:spcBef>
+              <a:buFont typeface="Arial" panose="020B0604020202020204" pitchFamily="34" charset="0"/>
+              <a:buChar char="•"/>
+            </a:pPr>
+            <a:r>
+              <a:rPr lang="ru-RU" sz="2000" dirty="0">
+                <a:solidFill>
+                  <a:prstClr val="black"/>
+                </a:solidFill>
+              </a:rPr>
               <a:t>Обучение модели</a:t>
             </a:r>
           </a:p>
           <a:p>
-            <a:pPr lvl="0"/>
-            <a:r>
-              <a:rPr lang="ru-RU" dirty="0"/>
+            <a:pPr marL="228600" lvl="0" indent="-228600">
+              <a:lnSpc>
+                <a:spcPct val="90000"/>
+              </a:lnSpc>
+              <a:spcBef>
+                <a:spcPts val="1000"/>
+              </a:spcBef>
+              <a:buFont typeface="Arial" panose="020B0604020202020204" pitchFamily="34" charset="0"/>
+              <a:buChar char="•"/>
+            </a:pPr>
+            <a:r>
+              <a:rPr lang="ru-RU" sz="2000" dirty="0">
+                <a:solidFill>
+                  <a:prstClr val="black"/>
+                </a:solidFill>
+              </a:rPr>
               <a:t> Написание API</a:t>
             </a:r>
           </a:p>
           <a:p>
-            <a:pPr lvl="0"/>
-            <a:r>
-              <a:rPr lang="ru-RU" dirty="0"/>
+            <a:pPr marL="228600" lvl="0" indent="-228600">
+              <a:lnSpc>
+                <a:spcPct val="90000"/>
+              </a:lnSpc>
+              <a:spcBef>
+                <a:spcPts val="1000"/>
+              </a:spcBef>
+              <a:buFont typeface="Arial" panose="020B0604020202020204" pitchFamily="34" charset="0"/>
+              <a:buChar char="•"/>
+            </a:pPr>
+            <a:r>
+              <a:rPr lang="ru-RU" sz="2000" dirty="0">
+                <a:solidFill>
+                  <a:prstClr val="black"/>
+                </a:solidFill>
+              </a:rPr>
               <a:t>Развертывание приложения на сервере</a:t>
             </a:r>
           </a:p>
           <a:p>
-            <a:pPr lvl="0"/>
-            <a:r>
-              <a:rPr lang="ru-RU" dirty="0"/>
+            <a:pPr marL="228600" lvl="0" indent="-228600">
+              <a:lnSpc>
+                <a:spcPct val="90000"/>
+              </a:lnSpc>
+              <a:spcBef>
+                <a:spcPts val="1000"/>
+              </a:spcBef>
+              <a:buFont typeface="Arial" panose="020B0604020202020204" pitchFamily="34" charset="0"/>
+              <a:buChar char="•"/>
+            </a:pPr>
+            <a:r>
+              <a:rPr lang="ru-RU" sz="2000" dirty="0">
+                <a:solidFill>
+                  <a:prstClr val="black"/>
+                </a:solidFill>
+              </a:rPr>
               <a:t>Разработать и написать документацию к проекту </a:t>
             </a:r>
           </a:p>
           <a:p>
-            <a:pPr lvl="0"/>
-            <a:r>
-              <a:rPr lang="ru-RU" dirty="0"/>
+            <a:pPr marL="228600" lvl="0" indent="-228600">
+              <a:lnSpc>
+                <a:spcPct val="90000"/>
+              </a:lnSpc>
+              <a:spcBef>
+                <a:spcPts val="1000"/>
+              </a:spcBef>
+              <a:buFont typeface="Arial" panose="020B0604020202020204" pitchFamily="34" charset="0"/>
+              <a:buChar char="•"/>
+            </a:pPr>
+            <a:r>
+              <a:rPr lang="ru-RU" sz="2000" dirty="0">
+                <a:solidFill>
+                  <a:prstClr val="black"/>
+                </a:solidFill>
+              </a:rPr>
               <a:t>Привести описание техники безопасности</a:t>
             </a:r>
           </a:p>
           <a:p>
-            <a:r>
-              <a:rPr lang="ru-RU" dirty="0"/>
-              <a:t>Устройство для получения данных с </a:t>
-            </a:r>
-            <a:r>
-              <a:rPr lang="ru-RU" dirty="0" err="1"/>
-              <a:t>электромиографических</a:t>
-            </a:r>
-            <a:r>
-              <a:rPr lang="ru-RU" dirty="0"/>
-              <a:t> датчиков.</a:t>
-            </a:r>
+            <a:pPr marL="228600" lvl="0" indent="-228600">
+              <a:lnSpc>
+                <a:spcPct val="90000"/>
+              </a:lnSpc>
+              <a:spcBef>
+                <a:spcPts val="1000"/>
+              </a:spcBef>
+              <a:buFont typeface="Arial" panose="020B0604020202020204" pitchFamily="34" charset="0"/>
+              <a:buChar char="•"/>
+            </a:pPr>
+            <a:r>
+              <a:rPr lang="ru-RU" sz="2000" dirty="0">
+                <a:solidFill>
+                  <a:prstClr val="black"/>
+                </a:solidFill>
+              </a:rPr>
+              <a:t>Устройство для получения данных с электромиографических </a:t>
+            </a:r>
+            <a:r>
+              <a:rPr lang="ru-RU" sz="2000" dirty="0" smtClean="0">
+                <a:solidFill>
+                  <a:prstClr val="black"/>
+                </a:solidFill>
+              </a:rPr>
+              <a:t>датчиков</a:t>
+            </a:r>
+            <a:endParaRPr lang="ru-RU" sz="1100" dirty="0">
+              <a:solidFill>
+                <a:prstClr val="black"/>
+              </a:solidFill>
+            </a:endParaRPr>
           </a:p>
           <a:p>
             <a:endParaRPr lang="ru-RU" dirty="0"/>
@@ -7166,6 +6821,10 @@
           </p:nvPr>
         </p:nvSpPr>
         <p:spPr>
+          <a:xfrm>
+            <a:off x="628657" y="51919"/>
+            <a:ext cx="10515600" cy="1325563"/>
+          </a:xfrm>
           <a:prstGeom prst="rect">
             <a:avLst/>
           </a:prstGeom>
@@ -7340,8 +6999,8 @@
         </p:blipFill>
         <p:spPr bwMode="auto">
           <a:xfrm>
-            <a:off x="2292350" y="3442453"/>
-            <a:ext cx="1092200" cy="1212850"/>
+            <a:off x="2183428" y="3365393"/>
+            <a:ext cx="1310043" cy="1389465"/>
           </a:xfrm>
           <a:prstGeom prst="rect">
             <a:avLst/>
@@ -7503,8 +7162,8 @@
         </p:nvSpPr>
         <p:spPr>
           <a:xfrm>
-            <a:off x="7844553" y="1789870"/>
-            <a:ext cx="4114800" cy="1984448"/>
+            <a:off x="7844553" y="1690688"/>
+            <a:ext cx="4114800" cy="2083630"/>
           </a:xfrm>
           <a:prstGeom prst="rect">
             <a:avLst/>
@@ -7718,8 +7377,12 @@
           <a:lstStyle/>
           <a:p>
             <a:r>
+              <a:rPr lang="ru-RU" dirty="0"/>
+              <a:t>Б</a:t>
+            </a:r>
+            <a:r>
               <a:rPr lang="ru-RU" dirty="0" smtClean="0"/>
-              <a:t>браслет</a:t>
+              <a:t>раслет</a:t>
             </a:r>
             <a:endParaRPr lang="ru-RU" dirty="0"/>
           </a:p>
@@ -7921,6 +7584,39 @@
           </a:p>
         </p:txBody>
       </p:sp>
+      <p:cxnSp>
+        <p:nvCxnSpPr>
+          <p:cNvPr id="9" name="Прямая со стрелкой 8"/>
+          <p:cNvCxnSpPr/>
+          <p:nvPr/>
+        </p:nvCxnSpPr>
+        <p:spPr>
+          <a:xfrm flipV="1">
+            <a:off x="10553700" y="3613150"/>
+            <a:ext cx="279414" cy="629682"/>
+          </a:xfrm>
+          <a:prstGeom prst="straightConnector1">
+            <a:avLst/>
+          </a:prstGeom>
+          <a:ln>
+            <a:tailEnd type="triangle"/>
+          </a:ln>
+        </p:spPr>
+        <p:style>
+          <a:lnRef idx="1">
+            <a:schemeClr val="dk1"/>
+          </a:lnRef>
+          <a:fillRef idx="0">
+            <a:schemeClr val="dk1"/>
+          </a:fillRef>
+          <a:effectRef idx="0">
+            <a:schemeClr val="dk1"/>
+          </a:effectRef>
+          <a:fontRef idx="minor">
+            <a:schemeClr val="tx1"/>
+          </a:fontRef>
+        </p:style>
+      </p:cxnSp>
     </p:spTree>
   </p:cSld>
   <p:clrMapOvr>
@@ -8373,7 +8069,7 @@
         </p:nvSpPr>
         <p:spPr>
           <a:xfrm>
-            <a:off x="742950" y="0"/>
+            <a:off x="514350" y="0"/>
             <a:ext cx="10515600" cy="1325563"/>
           </a:xfrm>
         </p:spPr>
@@ -8382,22 +8078,21 @@
           <a:lstStyle/>
           <a:p>
             <a:r>
-              <a:rPr lang="ru-RU" dirty="0" smtClean="0"/>
+              <a:rPr lang="ru-RU" dirty="0"/>
               <a:t>Выбор </a:t>
             </a:r>
             <a:r>
-              <a:rPr lang="en-US" dirty="0" err="1" smtClean="0"/>
+              <a:rPr lang="en-US" dirty="0" err="1"/>
               <a:t>mio</a:t>
             </a:r>
             <a:r>
-              <a:rPr lang="en-US" dirty="0" smtClean="0"/>
+              <a:rPr lang="en-US" dirty="0"/>
               <a:t> </a:t>
             </a:r>
             <a:r>
-              <a:rPr lang="ru-RU" dirty="0" smtClean="0"/>
+              <a:rPr lang="ru-RU" dirty="0"/>
               <a:t>датчика</a:t>
             </a:r>
-            <a:endParaRPr lang="ru-RU" dirty="0"/>
           </a:p>
         </p:txBody>
       </p:sp>
@@ -8411,883 +8106,1072 @@
             <p:ph idx="1"/>
             <p:extLst>
               <p:ext uri="{D42A27DB-BD31-4B8C-83A1-F6EECF244321}">
-                <p14:modId xmlns:p14="http://schemas.microsoft.com/office/powerpoint/2010/main" val="315323457"/>
+                <p14:modId xmlns:p14="http://schemas.microsoft.com/office/powerpoint/2010/main" val="4054898533"/>
               </p:ext>
             </p:extLst>
           </p:nvPr>
         </p:nvGraphicFramePr>
         <p:xfrm>
-          <a:off x="838200" y="1098550"/>
-          <a:ext cx="10661650" cy="5687767"/>
+          <a:off x="704850" y="1019175"/>
+          <a:ext cx="10515600" cy="5577840"/>
         </p:xfrm>
         <a:graphic>
           <a:graphicData uri="http://schemas.openxmlformats.org/drawingml/2006/table">
             <a:tbl>
-              <a:tblPr firstRow="1" firstCol="1" bandRow="1">
+              <a:tblPr firstRow="1" bandRow="1">
                 <a:tableStyleId>{5940675A-B579-460E-94D1-54222C63F5DA}</a:tableStyleId>
               </a:tblPr>
               <a:tblGrid>
-                <a:gridCol w="1498600">
+                <a:gridCol w="1752600">
                   <a:extLst>
                     <a:ext uri="{9D8B030D-6E8A-4147-A177-3AD203B41FA5}">
-                      <a16:colId xmlns:a16="http://schemas.microsoft.com/office/drawing/2014/main" val="1861406424"/>
+                      <a16:colId xmlns:a16="http://schemas.microsoft.com/office/drawing/2014/main" val="347814056"/>
                     </a:ext>
                   </a:extLst>
                 </a:gridCol>
-                <a:gridCol w="2056749">
+                <a:gridCol w="1752600">
                   <a:extLst>
                     <a:ext uri="{9D8B030D-6E8A-4147-A177-3AD203B41FA5}">
-                      <a16:colId xmlns:a16="http://schemas.microsoft.com/office/drawing/2014/main" val="1024974043"/>
+                      <a16:colId xmlns:a16="http://schemas.microsoft.com/office/drawing/2014/main" val="1745446504"/>
                     </a:ext>
                   </a:extLst>
                 </a:gridCol>
-                <a:gridCol w="1713257">
+                <a:gridCol w="1752600">
                   <a:extLst>
                     <a:ext uri="{9D8B030D-6E8A-4147-A177-3AD203B41FA5}">
-                      <a16:colId xmlns:a16="http://schemas.microsoft.com/office/drawing/2014/main" val="2243883847"/>
+                      <a16:colId xmlns:a16="http://schemas.microsoft.com/office/drawing/2014/main" val="1007890013"/>
                     </a:ext>
                   </a:extLst>
                 </a:gridCol>
-                <a:gridCol w="1837933">
+                <a:gridCol w="1752600">
                   <a:extLst>
                     <a:ext uri="{9D8B030D-6E8A-4147-A177-3AD203B41FA5}">
-                      <a16:colId xmlns:a16="http://schemas.microsoft.com/office/drawing/2014/main" val="301088478"/>
+                      <a16:colId xmlns:a16="http://schemas.microsoft.com/office/drawing/2014/main" val="3210359043"/>
                     </a:ext>
                   </a:extLst>
                 </a:gridCol>
-                <a:gridCol w="1758970">
+                <a:gridCol w="1752600">
                   <a:extLst>
                     <a:ext uri="{9D8B030D-6E8A-4147-A177-3AD203B41FA5}">
-                      <a16:colId xmlns:a16="http://schemas.microsoft.com/office/drawing/2014/main" val="4131636633"/>
+                      <a16:colId xmlns:a16="http://schemas.microsoft.com/office/drawing/2014/main" val="3200329195"/>
                     </a:ext>
                   </a:extLst>
                 </a:gridCol>
-                <a:gridCol w="1796141">
+                <a:gridCol w="1752600">
                   <a:extLst>
                     <a:ext uri="{9D8B030D-6E8A-4147-A177-3AD203B41FA5}">
-                      <a16:colId xmlns:a16="http://schemas.microsoft.com/office/drawing/2014/main" val="1820867874"/>
+                      <a16:colId xmlns:a16="http://schemas.microsoft.com/office/drawing/2014/main" val="1848636896"/>
                     </a:ext>
                   </a:extLst>
                 </a:gridCol>
               </a:tblGrid>
-              <a:tr h="396739">
+              <a:tr h="370840">
                 <a:tc>
                   <a:txBody>
                     <a:bodyPr/>
                     <a:lstStyle/>
                     <a:p>
-                      <a:pPr indent="450215" algn="l">
+                      <a:pPr marL="0" marR="0" indent="0" algn="l" defTabSz="914400" rtl="0" eaLnBrk="1" fontAlgn="auto" latinLnBrk="0" hangingPunct="1">
                         <a:lnSpc>
-                          <a:spcPct val="150000"/>
+                          <a:spcPct val="100000"/>
                         </a:lnSpc>
+                        <a:spcBef>
+                          <a:spcPts val="0"/>
+                        </a:spcBef>
                         <a:spcAft>
                           <a:spcPts val="0"/>
                         </a:spcAft>
+                        <a:buClrTx/>
+                        <a:buSzTx/>
+                        <a:buFontTx/>
+                        <a:buNone/>
+                        <a:tabLst/>
+                        <a:defRPr/>
                       </a:pPr>
                       <a:r>
-                        <a:rPr lang="ru-RU" sz="1400" dirty="0">
+                        <a:rPr lang="ru-RU" sz="1800" dirty="0" smtClean="0">
                           <a:effectLst/>
                         </a:rPr>
-                        <a:t>название</a:t>
-                      </a:r>
-                      <a:endParaRPr lang="ru-RU" sz="1400" dirty="0">
+                        <a:t>Название</a:t>
+                      </a:r>
+                      <a:endParaRPr lang="ru-RU" sz="1800" dirty="0" smtClean="0">
                         <a:effectLst/>
                         <a:latin typeface="Times New Roman" panose="02020603050405020304" pitchFamily="18" charset="0"/>
                         <a:ea typeface="Times New Roman" panose="02020603050405020304" pitchFamily="18" charset="0"/>
                         <a:cs typeface="Times New Roman" panose="02020603050405020304" pitchFamily="18" charset="0"/>
                       </a:endParaRPr>
                     </a:p>
+                    <a:p>
+                      <a:endParaRPr lang="ru-RU" dirty="0"/>
+                    </a:p>
                   </a:txBody>
-                  <a:tcPr marL="36261" marR="36261" marT="0" marB="0"/>
+                  <a:tcPr/>
                 </a:tc>
                 <a:tc>
                   <a:txBody>
                     <a:bodyPr/>
                     <a:lstStyle/>
                     <a:p>
-                      <a:pPr indent="450215" algn="l">
+                      <a:pPr marL="0" marR="0" indent="0" algn="l" defTabSz="914400" rtl="0" eaLnBrk="1" fontAlgn="auto" latinLnBrk="0" hangingPunct="1">
                         <a:lnSpc>
-                          <a:spcPct val="150000"/>
+                          <a:spcPct val="100000"/>
                         </a:lnSpc>
+                        <a:spcBef>
+                          <a:spcPts val="0"/>
+                        </a:spcBef>
                         <a:spcAft>
                           <a:spcPts val="0"/>
                         </a:spcAft>
+                        <a:buClrTx/>
+                        <a:buSzTx/>
+                        <a:buFontTx/>
+                        <a:buNone/>
+                        <a:tabLst/>
+                        <a:defRPr/>
                       </a:pPr>
                       <a:r>
-                        <a:rPr lang="ru-RU" sz="1400" dirty="0">
+                        <a:rPr lang="ru-RU" sz="1800" dirty="0" smtClean="0">
                           <a:effectLst/>
                         </a:rPr>
                         <a:t>Усиление</a:t>
                       </a:r>
-                      <a:endParaRPr lang="ru-RU" sz="1400" dirty="0">
+                      <a:endParaRPr lang="ru-RU" sz="1800" dirty="0" smtClean="0">
                         <a:effectLst/>
                         <a:latin typeface="Times New Roman" panose="02020603050405020304" pitchFamily="18" charset="0"/>
                         <a:ea typeface="Times New Roman" panose="02020603050405020304" pitchFamily="18" charset="0"/>
                         <a:cs typeface="Times New Roman" panose="02020603050405020304" pitchFamily="18" charset="0"/>
                       </a:endParaRPr>
                     </a:p>
+                    <a:p>
+                      <a:endParaRPr lang="ru-RU" dirty="0"/>
+                    </a:p>
                   </a:txBody>
-                  <a:tcPr marL="36261" marR="36261" marT="0" marB="0"/>
+                  <a:tcPr/>
                 </a:tc>
                 <a:tc>
                   <a:txBody>
                     <a:bodyPr/>
                     <a:lstStyle/>
                     <a:p>
-                      <a:pPr indent="450215" algn="l">
+                      <a:pPr marL="0" marR="0" indent="0" algn="l" defTabSz="914400" rtl="0" eaLnBrk="1" fontAlgn="auto" latinLnBrk="0" hangingPunct="1">
                         <a:lnSpc>
-                          <a:spcPct val="150000"/>
+                          <a:spcPct val="100000"/>
                         </a:lnSpc>
+                        <a:spcBef>
+                          <a:spcPts val="0"/>
+                        </a:spcBef>
                         <a:spcAft>
                           <a:spcPts val="0"/>
                         </a:spcAft>
+                        <a:buClrTx/>
+                        <a:buSzTx/>
+                        <a:buFontTx/>
+                        <a:buNone/>
+                        <a:tabLst/>
+                        <a:defRPr/>
                       </a:pPr>
                       <a:r>
-                        <a:rPr lang="ru-RU" sz="1400">
+                        <a:rPr lang="ru-RU" sz="1800" dirty="0" smtClean="0">
                           <a:effectLst/>
                         </a:rPr>
                         <a:t>Диапазон напряжения питания</a:t>
                       </a:r>
-                      <a:endParaRPr lang="ru-RU" sz="1400">
+                      <a:endParaRPr lang="ru-RU" sz="1800" dirty="0" smtClean="0">
                         <a:effectLst/>
                         <a:latin typeface="Times New Roman" panose="02020603050405020304" pitchFamily="18" charset="0"/>
                         <a:ea typeface="Times New Roman" panose="02020603050405020304" pitchFamily="18" charset="0"/>
                         <a:cs typeface="Times New Roman" panose="02020603050405020304" pitchFamily="18" charset="0"/>
                       </a:endParaRPr>
                     </a:p>
+                    <a:p>
+                      <a:endParaRPr lang="ru-RU" dirty="0"/>
+                    </a:p>
                   </a:txBody>
-                  <a:tcPr marL="36261" marR="36261" marT="0" marB="0"/>
+                  <a:tcPr/>
                 </a:tc>
                 <a:tc>
                   <a:txBody>
                     <a:bodyPr/>
                     <a:lstStyle/>
                     <a:p>
-                      <a:pPr indent="450215" algn="l">
+                      <a:pPr marL="0" marR="0" indent="0" algn="l" defTabSz="914400" rtl="0" eaLnBrk="1" fontAlgn="auto" latinLnBrk="0" hangingPunct="1">
                         <a:lnSpc>
-                          <a:spcPct val="150000"/>
+                          <a:spcPct val="100000"/>
                         </a:lnSpc>
+                        <a:spcBef>
+                          <a:spcPts val="0"/>
+                        </a:spcBef>
                         <a:spcAft>
                           <a:spcPts val="0"/>
                         </a:spcAft>
+                        <a:buClrTx/>
+                        <a:buSzTx/>
+                        <a:buFontTx/>
+                        <a:buNone/>
+                        <a:tabLst/>
+                        <a:defRPr/>
                       </a:pPr>
                       <a:r>
-                        <a:rPr lang="ru-RU" sz="1400">
+                        <a:rPr lang="ru-RU" sz="1800" dirty="0" smtClean="0">
                           <a:effectLst/>
                         </a:rPr>
-                        <a:t>размер</a:t>
-                      </a:r>
-                      <a:endParaRPr lang="ru-RU" sz="1400">
+                        <a:t>Размер</a:t>
+                      </a:r>
+                      <a:endParaRPr lang="ru-RU" sz="1800" dirty="0" smtClean="0">
                         <a:effectLst/>
                         <a:latin typeface="Times New Roman" panose="02020603050405020304" pitchFamily="18" charset="0"/>
                         <a:ea typeface="Times New Roman" panose="02020603050405020304" pitchFamily="18" charset="0"/>
                         <a:cs typeface="Times New Roman" panose="02020603050405020304" pitchFamily="18" charset="0"/>
                       </a:endParaRPr>
                     </a:p>
+                    <a:p>
+                      <a:endParaRPr lang="ru-RU" dirty="0"/>
+                    </a:p>
                   </a:txBody>
-                  <a:tcPr marL="36261" marR="36261" marT="0" marB="0"/>
+                  <a:tcPr/>
                 </a:tc>
                 <a:tc>
                   <a:txBody>
                     <a:bodyPr/>
                     <a:lstStyle/>
                     <a:p>
-                      <a:pPr indent="450215" algn="l">
+                      <a:pPr marL="0" marR="0" indent="0" algn="l" defTabSz="914400" rtl="0" eaLnBrk="1" fontAlgn="auto" latinLnBrk="0" hangingPunct="1">
                         <a:lnSpc>
-                          <a:spcPct val="150000"/>
+                          <a:spcPct val="100000"/>
                         </a:lnSpc>
+                        <a:spcBef>
+                          <a:spcPts val="0"/>
+                        </a:spcBef>
                         <a:spcAft>
                           <a:spcPts val="0"/>
                         </a:spcAft>
+                        <a:buClrTx/>
+                        <a:buSzTx/>
+                        <a:buFontTx/>
+                        <a:buNone/>
+                        <a:tabLst/>
+                        <a:defRPr/>
                       </a:pPr>
                       <a:r>
-                        <a:rPr lang="ru-RU" sz="1400">
+                        <a:rPr lang="ru-RU" sz="1800" dirty="0" smtClean="0">
                           <a:effectLst/>
                         </a:rPr>
                         <a:t>Диапазон пропускаемых частот</a:t>
                       </a:r>
-                      <a:endParaRPr lang="ru-RU" sz="1400">
+                      <a:endParaRPr lang="ru-RU" sz="1800" dirty="0" smtClean="0">
                         <a:effectLst/>
                         <a:latin typeface="Times New Roman" panose="02020603050405020304" pitchFamily="18" charset="0"/>
                         <a:ea typeface="Times New Roman" panose="02020603050405020304" pitchFamily="18" charset="0"/>
                         <a:cs typeface="Times New Roman" panose="02020603050405020304" pitchFamily="18" charset="0"/>
                       </a:endParaRPr>
                     </a:p>
+                    <a:p>
+                      <a:endParaRPr lang="ru-RU" dirty="0"/>
+                    </a:p>
                   </a:txBody>
-                  <a:tcPr marL="36261" marR="36261" marT="0" marB="0"/>
+                  <a:tcPr/>
                 </a:tc>
                 <a:tc>
                   <a:txBody>
                     <a:bodyPr/>
                     <a:lstStyle/>
                     <a:p>
-                      <a:pPr indent="450215" algn="l">
+                      <a:pPr marL="0" marR="0" indent="0" algn="l" defTabSz="914400" rtl="0" eaLnBrk="1" fontAlgn="auto" latinLnBrk="0" hangingPunct="1">
                         <a:lnSpc>
-                          <a:spcPct val="150000"/>
+                          <a:spcPct val="100000"/>
                         </a:lnSpc>
+                        <a:spcBef>
+                          <a:spcPts val="0"/>
+                        </a:spcBef>
                         <a:spcAft>
                           <a:spcPts val="0"/>
                         </a:spcAft>
+                        <a:buClrTx/>
+                        <a:buSzTx/>
+                        <a:buFontTx/>
+                        <a:buNone/>
+                        <a:tabLst/>
+                        <a:defRPr/>
                       </a:pPr>
                       <a:r>
-                        <a:rPr lang="ru-RU" sz="1400">
+                        <a:rPr lang="ru-RU" sz="1800" dirty="0" smtClean="0">
                           <a:effectLst/>
                         </a:rPr>
-                        <a:t>цена</a:t>
-                      </a:r>
-                      <a:endParaRPr lang="ru-RU" sz="1400">
+                        <a:t>Цена</a:t>
+                      </a:r>
+                      <a:endParaRPr lang="ru-RU" sz="1800" dirty="0" smtClean="0">
                         <a:effectLst/>
                         <a:latin typeface="Times New Roman" panose="02020603050405020304" pitchFamily="18" charset="0"/>
                         <a:ea typeface="Times New Roman" panose="02020603050405020304" pitchFamily="18" charset="0"/>
                         <a:cs typeface="Times New Roman" panose="02020603050405020304" pitchFamily="18" charset="0"/>
                       </a:endParaRPr>
                     </a:p>
+                    <a:p>
+                      <a:endParaRPr lang="ru-RU" dirty="0"/>
+                    </a:p>
                   </a:txBody>
-                  <a:tcPr marL="36261" marR="36261" marT="0" marB="0"/>
+                  <a:tcPr/>
                 </a:tc>
                 <a:extLst>
                   <a:ext uri="{0D108BD9-81ED-4DB2-BD59-A6C34878D82A}">
-                    <a16:rowId xmlns:a16="http://schemas.microsoft.com/office/drawing/2014/main" val="2623018025"/>
+                    <a16:rowId xmlns:a16="http://schemas.microsoft.com/office/drawing/2014/main" val="3457597536"/>
                   </a:ext>
                 </a:extLst>
               </a:tr>
-              <a:tr h="1018165">
+              <a:tr h="370840">
                 <a:tc>
                   <a:txBody>
                     <a:bodyPr/>
                     <a:lstStyle/>
                     <a:p>
-                      <a:pPr indent="450215" algn="l" fontAlgn="base">
+                      <a:pPr marL="0" marR="0" indent="0" algn="l" defTabSz="914400" rtl="0" eaLnBrk="1" fontAlgn="auto" latinLnBrk="0" hangingPunct="1">
                         <a:lnSpc>
-                          <a:spcPts val="1500"/>
+                          <a:spcPct val="100000"/>
                         </a:lnSpc>
                         <a:spcBef>
-                          <a:spcPts val="1200"/>
+                          <a:spcPts val="0"/>
                         </a:spcBef>
                         <a:spcAft>
                           <a:spcPts val="0"/>
                         </a:spcAft>
+                        <a:buClrTx/>
+                        <a:buSzTx/>
+                        <a:buFontTx/>
+                        <a:buNone/>
+                        <a:tabLst/>
+                        <a:defRPr/>
                       </a:pPr>
                       <a:r>
-                        <a:rPr lang="ru-RU" sz="1400" kern="0" spc="-10" dirty="0">
+                        <a:rPr lang="ru-RU" sz="1800" kern="0" spc="-10" dirty="0" smtClean="0">
                           <a:effectLst/>
                         </a:rPr>
                         <a:t>датчик EMG</a:t>
                       </a:r>
-                      <a:endParaRPr lang="ru-RU" sz="1400" kern="0" dirty="0">
+                      <a:endParaRPr lang="ru-RU" sz="1800" kern="0" dirty="0" smtClean="0">
                         <a:effectLst/>
                       </a:endParaRPr>
                     </a:p>
                     <a:p>
-                      <a:pPr indent="450215" algn="l">
+                      <a:endParaRPr lang="ru-RU" dirty="0"/>
+                    </a:p>
+                  </a:txBody>
+                  <a:tcPr/>
+                </a:tc>
+                <a:tc>
+                  <a:txBody>
+                    <a:bodyPr/>
+                    <a:lstStyle/>
+                    <a:p>
+                      <a:r>
+                        <a:rPr lang="ru-RU" dirty="0" smtClean="0"/>
+                        <a:t>-</a:t>
+                      </a:r>
+                      <a:endParaRPr lang="ru-RU" dirty="0"/>
+                    </a:p>
+                  </a:txBody>
+                  <a:tcPr/>
+                </a:tc>
+                <a:tc>
+                  <a:txBody>
+                    <a:bodyPr/>
+                    <a:lstStyle/>
+                    <a:p>
+                      <a:pPr marL="0" marR="0" indent="0" algn="l" defTabSz="914400" rtl="0" eaLnBrk="1" fontAlgn="auto" latinLnBrk="0" hangingPunct="1">
                         <a:lnSpc>
-                          <a:spcPct val="150000"/>
+                          <a:spcPct val="100000"/>
                         </a:lnSpc>
+                        <a:spcBef>
+                          <a:spcPts val="0"/>
+                        </a:spcBef>
                         <a:spcAft>
                           <a:spcPts val="0"/>
                         </a:spcAft>
+                        <a:buClrTx/>
+                        <a:buSzTx/>
+                        <a:buFontTx/>
+                        <a:buNone/>
+                        <a:tabLst/>
+                        <a:defRPr/>
                       </a:pPr>
                       <a:r>
-                        <a:rPr lang="ru-RU" sz="1400" dirty="0">
+                        <a:rPr lang="ru-RU" sz="1800" dirty="0" smtClean="0">
                           <a:effectLst/>
                         </a:rPr>
-                        <a:t> </a:t>
-                      </a:r>
-                      <a:endParaRPr lang="ru-RU" sz="1400" dirty="0">
+                        <a:t>+ -9 </a:t>
+                      </a:r>
+                      <a:r>
+                        <a:rPr lang="en-US" sz="1800" dirty="0" smtClean="0">
+                          <a:effectLst/>
+                        </a:rPr>
+                        <a:t>V</a:t>
+                      </a:r>
+                      <a:r>
+                        <a:rPr lang="ru-RU" sz="1800" dirty="0" smtClean="0">
+                          <a:effectLst/>
+                        </a:rPr>
+                        <a:t> Двойной источник питания, минимальный +-3,5 </a:t>
+                      </a:r>
+                      <a:r>
+                        <a:rPr lang="en-US" sz="1800" dirty="0" smtClean="0">
+                          <a:effectLst/>
+                        </a:rPr>
+                        <a:t>V</a:t>
+                      </a:r>
+                      <a:endParaRPr lang="ru-RU" sz="1800" dirty="0" smtClean="0">
                         <a:effectLst/>
                         <a:latin typeface="Times New Roman" panose="02020603050405020304" pitchFamily="18" charset="0"/>
                         <a:ea typeface="Times New Roman" panose="02020603050405020304" pitchFamily="18" charset="0"/>
                         <a:cs typeface="Times New Roman" panose="02020603050405020304" pitchFamily="18" charset="0"/>
                       </a:endParaRPr>
                     </a:p>
+                    <a:p>
+                      <a:endParaRPr lang="ru-RU" dirty="0"/>
+                    </a:p>
                   </a:txBody>
-                  <a:tcPr marL="36261" marR="36261" marT="0" marB="0"/>
+                  <a:tcPr/>
                 </a:tc>
                 <a:tc>
                   <a:txBody>
                     <a:bodyPr/>
                     <a:lstStyle/>
                     <a:p>
-                      <a:pPr indent="450215" algn="l">
+                      <a:pPr marL="0" marR="0" indent="0" algn="l" defTabSz="914400" rtl="0" eaLnBrk="1" fontAlgn="auto" latinLnBrk="0" hangingPunct="1">
                         <a:lnSpc>
-                          <a:spcPct val="150000"/>
+                          <a:spcPct val="100000"/>
                         </a:lnSpc>
+                        <a:spcBef>
+                          <a:spcPts val="0"/>
+                        </a:spcBef>
                         <a:spcAft>
                           <a:spcPts val="0"/>
                         </a:spcAft>
+                        <a:buClrTx/>
+                        <a:buSzTx/>
+                        <a:buFontTx/>
+                        <a:buNone/>
+                        <a:tabLst/>
+                        <a:defRPr/>
                       </a:pPr>
                       <a:r>
-                        <a:rPr lang="ru-RU" sz="1400" dirty="0">
+                        <a:rPr lang="ru-RU" sz="1800" dirty="0" smtClean="0">
                           <a:effectLst/>
                         </a:rPr>
-                        <a:t>-</a:t>
-                      </a:r>
-                      <a:endParaRPr lang="ru-RU" sz="1400" dirty="0">
+                        <a:t>25x26x10 мм</a:t>
+                      </a:r>
+                      <a:endParaRPr lang="ru-RU" sz="1800" dirty="0" smtClean="0">
                         <a:effectLst/>
                         <a:latin typeface="Times New Roman" panose="02020603050405020304" pitchFamily="18" charset="0"/>
                         <a:ea typeface="Times New Roman" panose="02020603050405020304" pitchFamily="18" charset="0"/>
                         <a:cs typeface="Times New Roman" panose="02020603050405020304" pitchFamily="18" charset="0"/>
                       </a:endParaRPr>
                     </a:p>
+                    <a:p>
+                      <a:endParaRPr lang="ru-RU" dirty="0"/>
+                    </a:p>
                   </a:txBody>
-                  <a:tcPr marL="36261" marR="36261" marT="0" marB="0"/>
+                  <a:tcPr/>
                 </a:tc>
                 <a:tc>
                   <a:txBody>
                     <a:bodyPr/>
                     <a:lstStyle/>
                     <a:p>
-                      <a:pPr indent="450215" algn="l">
+                      <a:r>
+                        <a:rPr lang="ru-RU" dirty="0" smtClean="0"/>
+                        <a:t>-</a:t>
+                      </a:r>
+                      <a:endParaRPr lang="ru-RU" dirty="0"/>
+                    </a:p>
+                  </a:txBody>
+                  <a:tcPr/>
+                </a:tc>
+                <a:tc>
+                  <a:txBody>
+                    <a:bodyPr/>
+                    <a:lstStyle/>
+                    <a:p>
+                      <a:pPr marL="0" marR="0" indent="0" algn="l" defTabSz="914400" rtl="0" eaLnBrk="1" fontAlgn="auto" latinLnBrk="0" hangingPunct="1">
                         <a:lnSpc>
-                          <a:spcPct val="150000"/>
+                          <a:spcPct val="100000"/>
                         </a:lnSpc>
+                        <a:spcBef>
+                          <a:spcPts val="0"/>
+                        </a:spcBef>
                         <a:spcAft>
                           <a:spcPts val="0"/>
                         </a:spcAft>
+                        <a:buClrTx/>
+                        <a:buSzTx/>
+                        <a:buFontTx/>
+                        <a:buNone/>
+                        <a:tabLst/>
+                        <a:defRPr/>
                       </a:pPr>
                       <a:r>
-                        <a:rPr lang="ru-RU" sz="1400" dirty="0">
+                        <a:rPr lang="en-US" sz="1800" dirty="0" smtClean="0">
                           <a:effectLst/>
                         </a:rPr>
-                        <a:t>+ -9 в Двойной источник питания, минимальный +-3,5 в</a:t>
-                      </a:r>
-                      <a:endParaRPr lang="ru-RU" sz="1400" dirty="0">
+                        <a:t>1981</a:t>
+                      </a:r>
+                      <a:r>
+                        <a:rPr lang="ru-RU" sz="1800" dirty="0" smtClean="0">
+                          <a:effectLst/>
+                        </a:rPr>
+                        <a:t>р</a:t>
+                      </a:r>
+                      <a:endParaRPr lang="ru-RU" sz="1800" dirty="0" smtClean="0">
                         <a:effectLst/>
                         <a:latin typeface="Times New Roman" panose="02020603050405020304" pitchFamily="18" charset="0"/>
                         <a:ea typeface="Times New Roman" panose="02020603050405020304" pitchFamily="18" charset="0"/>
                         <a:cs typeface="Times New Roman" panose="02020603050405020304" pitchFamily="18" charset="0"/>
                       </a:endParaRPr>
                     </a:p>
+                    <a:p>
+                      <a:endParaRPr lang="ru-RU" dirty="0"/>
+                    </a:p>
                   </a:txBody>
-                  <a:tcPr marL="36261" marR="36261" marT="0" marB="0"/>
+                  <a:tcPr/>
+                </a:tc>
+                <a:extLst>
+                  <a:ext uri="{0D108BD9-81ED-4DB2-BD59-A6C34878D82A}">
+                    <a16:rowId xmlns:a16="http://schemas.microsoft.com/office/drawing/2014/main" val="1724659086"/>
+                  </a:ext>
+                </a:extLst>
+              </a:tr>
+              <a:tr h="370840">
+                <a:tc>
+                  <a:txBody>
+                    <a:bodyPr/>
+                    <a:lstStyle/>
+                    <a:p>
+                      <a:pPr marL="0" marR="0" indent="0" algn="l" defTabSz="914400" rtl="0" eaLnBrk="1" fontAlgn="auto" latinLnBrk="0" hangingPunct="1">
+                        <a:lnSpc>
+                          <a:spcPct val="100000"/>
+                        </a:lnSpc>
+                        <a:spcBef>
+                          <a:spcPts val="0"/>
+                        </a:spcBef>
+                        <a:spcAft>
+                          <a:spcPts val="0"/>
+                        </a:spcAft>
+                        <a:buClrTx/>
+                        <a:buSzTx/>
+                        <a:buFontTx/>
+                        <a:buNone/>
+                        <a:tabLst/>
+                        <a:defRPr/>
+                      </a:pPr>
+                      <a:r>
+                        <a:rPr lang="en-US" sz="1800" dirty="0" smtClean="0">
+                          <a:effectLst/>
+                        </a:rPr>
+                        <a:t>MH</a:t>
+                      </a:r>
+                      <a:r>
+                        <a:rPr lang="ru-RU" sz="1800" dirty="0" smtClean="0">
+                          <a:effectLst/>
+                        </a:rPr>
+                        <a:t>-</a:t>
+                      </a:r>
+                      <a:r>
+                        <a:rPr lang="en-US" sz="1800" dirty="0" smtClean="0">
+                          <a:effectLst/>
+                        </a:rPr>
+                        <a:t>BPS</a:t>
+                      </a:r>
+                      <a:r>
+                        <a:rPr lang="ru-RU" sz="1800" dirty="0" smtClean="0">
+                          <a:effectLst/>
+                        </a:rPr>
+                        <a:t>101</a:t>
+                      </a:r>
+                      <a:endParaRPr lang="ru-RU" sz="1800" dirty="0" smtClean="0">
+                        <a:effectLst/>
+                        <a:latin typeface="Times New Roman" panose="02020603050405020304" pitchFamily="18" charset="0"/>
+                        <a:ea typeface="Times New Roman" panose="02020603050405020304" pitchFamily="18" charset="0"/>
+                        <a:cs typeface="Times New Roman" panose="02020603050405020304" pitchFamily="18" charset="0"/>
+                      </a:endParaRPr>
+                    </a:p>
+                    <a:p>
+                      <a:endParaRPr lang="ru-RU" dirty="0"/>
+                    </a:p>
+                  </a:txBody>
+                  <a:tcPr/>
                 </a:tc>
                 <a:tc>
                   <a:txBody>
                     <a:bodyPr/>
                     <a:lstStyle/>
                     <a:p>
-                      <a:pPr indent="450215" algn="l">
+                      <a:r>
+                        <a:rPr lang="ru-RU" dirty="0" smtClean="0"/>
+                        <a:t>-</a:t>
+                      </a:r>
+                      <a:endParaRPr lang="ru-RU" dirty="0"/>
+                    </a:p>
+                  </a:txBody>
+                  <a:tcPr/>
+                </a:tc>
+                <a:tc>
+                  <a:txBody>
+                    <a:bodyPr/>
+                    <a:lstStyle/>
+                    <a:p>
+                      <a:pPr marL="0" marR="0" indent="0" algn="l" defTabSz="914400" rtl="0" eaLnBrk="1" fontAlgn="auto" latinLnBrk="0" hangingPunct="1">
                         <a:lnSpc>
-                          <a:spcPct val="150000"/>
+                          <a:spcPct val="100000"/>
                         </a:lnSpc>
+                        <a:spcBef>
+                          <a:spcPts val="0"/>
+                        </a:spcBef>
                         <a:spcAft>
                           <a:spcPts val="0"/>
                         </a:spcAft>
+                        <a:buClrTx/>
+                        <a:buSzTx/>
+                        <a:buFontTx/>
+                        <a:buNone/>
+                        <a:tabLst/>
+                        <a:defRPr/>
                       </a:pPr>
                       <a:r>
-                        <a:rPr lang="ru-RU" sz="1400">
+                        <a:rPr lang="ru-RU" sz="1800" dirty="0" smtClean="0">
                           <a:effectLst/>
                         </a:rPr>
-                        <a:t>25x26x10 мм</a:t>
-                      </a:r>
-                      <a:endParaRPr lang="ru-RU" sz="1400">
+                        <a:t>3.3 – 5.5 V.</a:t>
+                      </a:r>
+                      <a:endParaRPr lang="ru-RU" sz="1800" dirty="0" smtClean="0">
                         <a:effectLst/>
                         <a:latin typeface="Times New Roman" panose="02020603050405020304" pitchFamily="18" charset="0"/>
                         <a:ea typeface="Times New Roman" panose="02020603050405020304" pitchFamily="18" charset="0"/>
                         <a:cs typeface="Times New Roman" panose="02020603050405020304" pitchFamily="18" charset="0"/>
                       </a:endParaRPr>
                     </a:p>
+                    <a:p>
+                      <a:endParaRPr lang="ru-RU" dirty="0"/>
+                    </a:p>
                   </a:txBody>
-                  <a:tcPr marL="36261" marR="36261" marT="0" marB="0"/>
+                  <a:tcPr/>
                 </a:tc>
                 <a:tc>
                   <a:txBody>
                     <a:bodyPr/>
                     <a:lstStyle/>
                     <a:p>
-                      <a:pPr indent="450215" algn="l">
+                      <a:pPr marL="0" marR="0" indent="0" algn="l" defTabSz="914400" rtl="0" eaLnBrk="1" fontAlgn="auto" latinLnBrk="0" hangingPunct="1">
                         <a:lnSpc>
-                          <a:spcPct val="150000"/>
+                          <a:spcPct val="100000"/>
                         </a:lnSpc>
+                        <a:spcBef>
+                          <a:spcPts val="0"/>
+                        </a:spcBef>
                         <a:spcAft>
                           <a:spcPts val="0"/>
                         </a:spcAft>
+                        <a:buClrTx/>
+                        <a:buSzTx/>
+                        <a:buFontTx/>
+                        <a:buNone/>
+                        <a:tabLst/>
+                        <a:defRPr/>
                       </a:pPr>
                       <a:r>
-                        <a:rPr lang="en-US" sz="1400">
+                        <a:rPr lang="ru-RU" sz="1800" dirty="0" smtClean="0">
                           <a:effectLst/>
                         </a:rPr>
-                        <a:t>-</a:t>
-                      </a:r>
-                      <a:endParaRPr lang="ru-RU" sz="1400">
+                        <a:t>6.8х32.1х3.0мм</a:t>
+                      </a:r>
+                      <a:endParaRPr lang="ru-RU" sz="1800" dirty="0" smtClean="0">
                         <a:effectLst/>
                         <a:latin typeface="Times New Roman" panose="02020603050405020304" pitchFamily="18" charset="0"/>
                         <a:ea typeface="Times New Roman" panose="02020603050405020304" pitchFamily="18" charset="0"/>
                         <a:cs typeface="Times New Roman" panose="02020603050405020304" pitchFamily="18" charset="0"/>
                       </a:endParaRPr>
                     </a:p>
+                    <a:p>
+                      <a:endParaRPr lang="ru-RU" dirty="0"/>
+                    </a:p>
                   </a:txBody>
-                  <a:tcPr marL="36261" marR="36261" marT="0" marB="0"/>
+                  <a:tcPr/>
                 </a:tc>
                 <a:tc>
                   <a:txBody>
                     <a:bodyPr/>
                     <a:lstStyle/>
                     <a:p>
-                      <a:pPr indent="450215" algn="l">
+                      <a:pPr marL="0" marR="0" indent="0" algn="l" defTabSz="914400" rtl="0" eaLnBrk="1" fontAlgn="auto" latinLnBrk="0" hangingPunct="1">
                         <a:lnSpc>
-                          <a:spcPct val="150000"/>
+                          <a:spcPct val="100000"/>
                         </a:lnSpc>
+                        <a:spcBef>
+                          <a:spcPts val="0"/>
+                        </a:spcBef>
                         <a:spcAft>
                           <a:spcPts val="0"/>
                         </a:spcAft>
+                        <a:buClrTx/>
+                        <a:buSzTx/>
+                        <a:buFontTx/>
+                        <a:buNone/>
+                        <a:tabLst/>
+                        <a:defRPr/>
                       </a:pPr>
                       <a:r>
-                        <a:rPr lang="en-US" sz="1400" dirty="0">
+                        <a:rPr lang="ru-RU" sz="1800" dirty="0" smtClean="0">
                           <a:effectLst/>
                         </a:rPr>
-                        <a:t>1981</a:t>
-                      </a:r>
-                      <a:r>
-                        <a:rPr lang="ru-RU" sz="1400" dirty="0">
-                          <a:effectLst/>
-                        </a:rPr>
-                        <a:t>р</a:t>
-                      </a:r>
-                      <a:endParaRPr lang="ru-RU" sz="1400" dirty="0">
+                        <a:t> 8 – 200 Гц.</a:t>
+                      </a:r>
+                      <a:endParaRPr lang="ru-RU" sz="1800" dirty="0" smtClean="0">
                         <a:effectLst/>
                         <a:latin typeface="Times New Roman" panose="02020603050405020304" pitchFamily="18" charset="0"/>
                         <a:ea typeface="Times New Roman" panose="02020603050405020304" pitchFamily="18" charset="0"/>
                         <a:cs typeface="Times New Roman" panose="02020603050405020304" pitchFamily="18" charset="0"/>
                       </a:endParaRPr>
                     </a:p>
+                    <a:p>
+                      <a:endParaRPr lang="ru-RU" dirty="0"/>
+                    </a:p>
                   </a:txBody>
-                  <a:tcPr marL="36261" marR="36261" marT="0" marB="0"/>
+                  <a:tcPr/>
                 </a:tc>
-                <a:extLst>
-                  <a:ext uri="{0D108BD9-81ED-4DB2-BD59-A6C34878D82A}">
-                    <a16:rowId xmlns:a16="http://schemas.microsoft.com/office/drawing/2014/main" val="2200322966"/>
-                  </a:ext>
-                </a:extLst>
-              </a:tr>
-              <a:tr h="509082">
                 <a:tc>
                   <a:txBody>
                     <a:bodyPr/>
                     <a:lstStyle/>
                     <a:p>
-                      <a:pPr indent="450215" algn="l">
+                      <a:pPr marL="0" marR="0" indent="0" algn="l" defTabSz="914400" rtl="0" eaLnBrk="1" fontAlgn="auto" latinLnBrk="0" hangingPunct="1">
                         <a:lnSpc>
-                          <a:spcPct val="150000"/>
+                          <a:spcPct val="100000"/>
                         </a:lnSpc>
+                        <a:spcBef>
+                          <a:spcPts val="0"/>
+                        </a:spcBef>
                         <a:spcAft>
                           <a:spcPts val="0"/>
                         </a:spcAft>
+                        <a:buClrTx/>
+                        <a:buSzTx/>
+                        <a:buFontTx/>
+                        <a:buNone/>
+                        <a:tabLst/>
+                        <a:defRPr/>
                       </a:pPr>
                       <a:r>
-                        <a:rPr lang="en-US" sz="1400" dirty="0">
+                        <a:rPr lang="ru-RU" sz="1800" dirty="0" smtClean="0">
                           <a:effectLst/>
                         </a:rPr>
-                        <a:t>MH</a:t>
-                      </a:r>
-                      <a:r>
-                        <a:rPr lang="ru-RU" sz="1400" dirty="0">
-                          <a:effectLst/>
-                        </a:rPr>
-                        <a:t>-</a:t>
-                      </a:r>
-                      <a:r>
-                        <a:rPr lang="en-US" sz="1400" dirty="0">
-                          <a:effectLst/>
-                        </a:rPr>
-                        <a:t>BPS</a:t>
-                      </a:r>
-                      <a:r>
-                        <a:rPr lang="ru-RU" sz="1400" dirty="0">
-                          <a:effectLst/>
-                        </a:rPr>
-                        <a:t>101</a:t>
-                      </a:r>
-                      <a:endParaRPr lang="ru-RU" sz="1400" dirty="0">
+                        <a:t>1600р</a:t>
+                      </a:r>
+                      <a:endParaRPr lang="ru-RU" sz="1800" dirty="0" smtClean="0">
                         <a:effectLst/>
                         <a:latin typeface="Times New Roman" panose="02020603050405020304" pitchFamily="18" charset="0"/>
                         <a:ea typeface="Times New Roman" panose="02020603050405020304" pitchFamily="18" charset="0"/>
                         <a:cs typeface="Times New Roman" panose="02020603050405020304" pitchFamily="18" charset="0"/>
                       </a:endParaRPr>
                     </a:p>
+                    <a:p>
+                      <a:endParaRPr lang="ru-RU" dirty="0"/>
+                    </a:p>
                   </a:txBody>
-                  <a:tcPr marL="36261" marR="36261" marT="0" marB="0"/>
+                  <a:tcPr/>
+                </a:tc>
+                <a:extLst>
+                  <a:ext uri="{0D108BD9-81ED-4DB2-BD59-A6C34878D82A}">
+                    <a16:rowId xmlns:a16="http://schemas.microsoft.com/office/drawing/2014/main" val="3485088578"/>
+                  </a:ext>
+                </a:extLst>
+              </a:tr>
+              <a:tr h="370840">
+                <a:tc>
+                  <a:txBody>
+                    <a:bodyPr/>
+                    <a:lstStyle/>
+                    <a:p>
+                      <a:pPr marL="0" marR="0" indent="0" algn="l" defTabSz="914400" rtl="0" eaLnBrk="1" fontAlgn="auto" latinLnBrk="0" hangingPunct="1">
+                        <a:lnSpc>
+                          <a:spcPct val="100000"/>
+                        </a:lnSpc>
+                        <a:spcBef>
+                          <a:spcPts val="0"/>
+                        </a:spcBef>
+                        <a:spcAft>
+                          <a:spcPts val="0"/>
+                        </a:spcAft>
+                        <a:buClrTx/>
+                        <a:buSzTx/>
+                        <a:buFontTx/>
+                        <a:buNone/>
+                        <a:tabLst/>
+                        <a:defRPr/>
+                      </a:pPr>
+                      <a:r>
+                        <a:rPr lang="en-US" sz="1800" dirty="0" smtClean="0">
+                          <a:effectLst/>
+                        </a:rPr>
+                        <a:t>MH</a:t>
+                      </a:r>
+                      <a:r>
+                        <a:rPr lang="ru-RU" sz="1800" dirty="0" smtClean="0">
+                          <a:effectLst/>
+                        </a:rPr>
+                        <a:t>-</a:t>
+                      </a:r>
+                      <a:r>
+                        <a:rPr lang="en-US" sz="1800" dirty="0" smtClean="0">
+                          <a:effectLst/>
+                        </a:rPr>
+                        <a:t>BPS</a:t>
+                      </a:r>
+                      <a:r>
+                        <a:rPr lang="ru-RU" sz="1800" dirty="0" smtClean="0">
+                          <a:effectLst/>
+                        </a:rPr>
+                        <a:t>102</a:t>
+                      </a:r>
+                      <a:endParaRPr lang="ru-RU" sz="1800" dirty="0" smtClean="0">
+                        <a:effectLst/>
+                        <a:latin typeface="Times New Roman" panose="02020603050405020304" pitchFamily="18" charset="0"/>
+                        <a:ea typeface="Times New Roman" panose="02020603050405020304" pitchFamily="18" charset="0"/>
+                        <a:cs typeface="Times New Roman" panose="02020603050405020304" pitchFamily="18" charset="0"/>
+                      </a:endParaRPr>
+                    </a:p>
+                    <a:p>
+                      <a:endParaRPr lang="ru-RU" dirty="0"/>
+                    </a:p>
+                  </a:txBody>
+                  <a:tcPr/>
                 </a:tc>
                 <a:tc>
                   <a:txBody>
                     <a:bodyPr/>
                     <a:lstStyle/>
                     <a:p>
-                      <a:pPr indent="450215" algn="l">
+                      <a:pPr marL="0" marR="0" indent="0" algn="l" defTabSz="914400" rtl="0" eaLnBrk="1" fontAlgn="auto" latinLnBrk="0" hangingPunct="1">
                         <a:lnSpc>
-                          <a:spcPct val="150000"/>
+                          <a:spcPct val="100000"/>
                         </a:lnSpc>
+                        <a:spcBef>
+                          <a:spcPts val="0"/>
+                        </a:spcBef>
                         <a:spcAft>
                           <a:spcPts val="0"/>
                         </a:spcAft>
+                        <a:buClrTx/>
+                        <a:buSzTx/>
+                        <a:buFontTx/>
+                        <a:buNone/>
+                        <a:tabLst/>
+                        <a:defRPr/>
                       </a:pPr>
                       <a:r>
-                        <a:rPr lang="ru-RU" sz="1400" dirty="0">
+                        <a:rPr lang="ru-RU" sz="1800" dirty="0" smtClean="0">
                           <a:effectLst/>
                         </a:rPr>
-                        <a:t>-</a:t>
-                      </a:r>
-                      <a:endParaRPr lang="ru-RU" sz="1400" dirty="0">
+                        <a:t>Базовый коэффициент усиления равен 500 V/V, может быть увеличен от</a:t>
+                      </a:r>
+                      <a:r>
+                        <a:rPr lang="ru-RU" sz="1800" baseline="0" dirty="0" smtClean="0">
+                          <a:effectLst/>
+                        </a:rPr>
+                        <a:t> </a:t>
+                      </a:r>
+                      <a:r>
+                        <a:rPr lang="ru-RU" sz="1800" dirty="0" smtClean="0">
+                          <a:effectLst/>
+                        </a:rPr>
+                        <a:t>⨯1</a:t>
+                      </a:r>
+                      <a:r>
+                        <a:rPr lang="ru-RU" sz="1800" baseline="0" dirty="0" smtClean="0">
+                          <a:effectLst/>
+                        </a:rPr>
+                        <a:t> до </a:t>
+                      </a:r>
+                      <a:r>
+                        <a:rPr lang="ru-RU" sz="1800" dirty="0" smtClean="0">
+                          <a:effectLst/>
+                        </a:rPr>
+                        <a:t>⨯32 раз.</a:t>
+                      </a:r>
+                      <a:endParaRPr lang="ru-RU" dirty="0"/>
+                    </a:p>
+                  </a:txBody>
+                  <a:tcPr/>
+                </a:tc>
+                <a:tc>
+                  <a:txBody>
+                    <a:bodyPr/>
+                    <a:lstStyle/>
+                    <a:p>
+                      <a:pPr marL="0" marR="0" indent="0" algn="l" defTabSz="914400" rtl="0" eaLnBrk="1" fontAlgn="auto" latinLnBrk="0" hangingPunct="1">
+                        <a:lnSpc>
+                          <a:spcPct val="100000"/>
+                        </a:lnSpc>
+                        <a:spcBef>
+                          <a:spcPts val="0"/>
+                        </a:spcBef>
+                        <a:spcAft>
+                          <a:spcPts val="0"/>
+                        </a:spcAft>
+                        <a:buClrTx/>
+                        <a:buSzTx/>
+                        <a:buFontTx/>
+                        <a:buNone/>
+                        <a:tabLst/>
+                        <a:defRPr/>
+                      </a:pPr>
+                      <a:r>
+                        <a:rPr lang="ru-RU" sz="1800" dirty="0" smtClean="0">
+                          <a:effectLst/>
+                        </a:rPr>
+                        <a:t>3.3 – 5.5 V.</a:t>
+                      </a:r>
+                      <a:endParaRPr lang="ru-RU" sz="1800" dirty="0" smtClean="0">
                         <a:effectLst/>
                         <a:latin typeface="Times New Roman" panose="02020603050405020304" pitchFamily="18" charset="0"/>
                         <a:ea typeface="Times New Roman" panose="02020603050405020304" pitchFamily="18" charset="0"/>
                         <a:cs typeface="Times New Roman" panose="02020603050405020304" pitchFamily="18" charset="0"/>
                       </a:endParaRPr>
                     </a:p>
+                    <a:p>
+                      <a:endParaRPr lang="ru-RU" dirty="0"/>
+                    </a:p>
                   </a:txBody>
-                  <a:tcPr marL="36261" marR="36261" marT="0" marB="0"/>
+                  <a:tcPr/>
                 </a:tc>
                 <a:tc>
                   <a:txBody>
                     <a:bodyPr/>
                     <a:lstStyle/>
                     <a:p>
-                      <a:pPr indent="450215" algn="l">
+                      <a:pPr marL="0" marR="0" indent="0" algn="l" defTabSz="914400" rtl="0" eaLnBrk="1" fontAlgn="auto" latinLnBrk="0" hangingPunct="1">
                         <a:lnSpc>
-                          <a:spcPct val="150000"/>
+                          <a:spcPct val="100000"/>
                         </a:lnSpc>
+                        <a:spcBef>
+                          <a:spcPts val="0"/>
+                        </a:spcBef>
                         <a:spcAft>
                           <a:spcPts val="0"/>
                         </a:spcAft>
+                        <a:buClrTx/>
+                        <a:buSzTx/>
+                        <a:buFontTx/>
+                        <a:buNone/>
+                        <a:tabLst/>
+                        <a:defRPr/>
                       </a:pPr>
                       <a:r>
-                        <a:rPr lang="ru-RU" sz="1400">
+                        <a:rPr lang="ru-RU" sz="1800" dirty="0" smtClean="0">
                           <a:effectLst/>
                         </a:rPr>
-                        <a:t>3.3 – 5.5 V.</a:t>
-                      </a:r>
-                      <a:endParaRPr lang="ru-RU" sz="1400">
+                        <a:t>19.1х14.9х3.0 ± 0.2 мм</a:t>
+                      </a:r>
+                      <a:endParaRPr lang="ru-RU" sz="1800" dirty="0" smtClean="0">
                         <a:effectLst/>
                         <a:latin typeface="Times New Roman" panose="02020603050405020304" pitchFamily="18" charset="0"/>
                         <a:ea typeface="Times New Roman" panose="02020603050405020304" pitchFamily="18" charset="0"/>
                         <a:cs typeface="Times New Roman" panose="02020603050405020304" pitchFamily="18" charset="0"/>
                       </a:endParaRPr>
                     </a:p>
+                    <a:p>
+                      <a:endParaRPr lang="ru-RU" dirty="0"/>
+                    </a:p>
                   </a:txBody>
-                  <a:tcPr marL="36261" marR="36261" marT="0" marB="0"/>
+                  <a:tcPr/>
                 </a:tc>
                 <a:tc>
                   <a:txBody>
                     <a:bodyPr/>
                     <a:lstStyle/>
                     <a:p>
-                      <a:pPr indent="450215" algn="l">
+                      <a:pPr marL="0" marR="0" indent="0" algn="l" defTabSz="914400" rtl="0" eaLnBrk="1" fontAlgn="auto" latinLnBrk="0" hangingPunct="1">
                         <a:lnSpc>
-                          <a:spcPct val="150000"/>
+                          <a:spcPct val="100000"/>
                         </a:lnSpc>
+                        <a:spcBef>
+                          <a:spcPts val="0"/>
+                        </a:spcBef>
                         <a:spcAft>
                           <a:spcPts val="0"/>
                         </a:spcAft>
+                        <a:buClrTx/>
+                        <a:buSzTx/>
+                        <a:buFontTx/>
+                        <a:buNone/>
+                        <a:tabLst/>
+                        <a:defRPr/>
                       </a:pPr>
                       <a:r>
-                        <a:rPr lang="ru-RU" sz="1400">
+                        <a:rPr lang="ru-RU" sz="1800" dirty="0" smtClean="0">
                           <a:effectLst/>
                         </a:rPr>
-                        <a:t>6.8х32.1х3.0мм</a:t>
-                      </a:r>
-                      <a:endParaRPr lang="ru-RU" sz="1400">
+                        <a:t>8 – 200 Гц</a:t>
+                      </a:r>
+                      <a:endParaRPr lang="ru-RU" sz="1800" dirty="0" smtClean="0">
                         <a:effectLst/>
                         <a:latin typeface="Times New Roman" panose="02020603050405020304" pitchFamily="18" charset="0"/>
                         <a:ea typeface="Times New Roman" panose="02020603050405020304" pitchFamily="18" charset="0"/>
                         <a:cs typeface="Times New Roman" panose="02020603050405020304" pitchFamily="18" charset="0"/>
                       </a:endParaRPr>
                     </a:p>
+                    <a:p>
+                      <a:endParaRPr lang="ru-RU" dirty="0"/>
+                    </a:p>
                   </a:txBody>
-                  <a:tcPr marL="36261" marR="36261" marT="0" marB="0"/>
+                  <a:tcPr/>
                 </a:tc>
                 <a:tc>
                   <a:txBody>
                     <a:bodyPr/>
                     <a:lstStyle/>
                     <a:p>
-                      <a:pPr indent="450215" algn="l">
+                      <a:pPr marL="0" marR="0" indent="0" algn="l" defTabSz="914400" rtl="0" eaLnBrk="1" fontAlgn="auto" latinLnBrk="0" hangingPunct="1">
                         <a:lnSpc>
-                          <a:spcPct val="150000"/>
+                          <a:spcPct val="100000"/>
                         </a:lnSpc>
+                        <a:spcBef>
+                          <a:spcPts val="0"/>
+                        </a:spcBef>
                         <a:spcAft>
                           <a:spcPts val="0"/>
                         </a:spcAft>
+                        <a:buClrTx/>
+                        <a:buSzTx/>
+                        <a:buFontTx/>
+                        <a:buNone/>
+                        <a:tabLst/>
+                        <a:defRPr/>
                       </a:pPr>
                       <a:r>
-                        <a:rPr lang="ru-RU" sz="1400">
+                        <a:rPr lang="en-US" sz="1800" dirty="0" smtClean="0">
                           <a:effectLst/>
                         </a:rPr>
-                        <a:t> 8 – 200 Гц.</a:t>
-                      </a:r>
-                      <a:endParaRPr lang="ru-RU" sz="1400">
+                        <a:t>1900</a:t>
+                      </a:r>
+                      <a:r>
+                        <a:rPr lang="ru-RU" sz="1800" dirty="0" smtClean="0">
+                          <a:effectLst/>
+                        </a:rPr>
+                        <a:t>р</a:t>
+                      </a:r>
+                      <a:endParaRPr lang="ru-RU" sz="1800" dirty="0" smtClean="0">
                         <a:effectLst/>
                         <a:latin typeface="Times New Roman" panose="02020603050405020304" pitchFamily="18" charset="0"/>
                         <a:ea typeface="Times New Roman" panose="02020603050405020304" pitchFamily="18" charset="0"/>
                         <a:cs typeface="Times New Roman" panose="02020603050405020304" pitchFamily="18" charset="0"/>
                       </a:endParaRPr>
                     </a:p>
+                    <a:p>
+                      <a:endParaRPr lang="ru-RU" dirty="0"/>
+                    </a:p>
                   </a:txBody>
-                  <a:tcPr marL="36261" marR="36261" marT="0" marB="0"/>
-                </a:tc>
-                <a:tc>
-                  <a:txBody>
-                    <a:bodyPr/>
-                    <a:lstStyle/>
-                    <a:p>
-                      <a:pPr indent="450215" algn="l">
-                        <a:lnSpc>
-                          <a:spcPct val="150000"/>
-                        </a:lnSpc>
-                        <a:spcAft>
-                          <a:spcPts val="0"/>
-                        </a:spcAft>
-                      </a:pPr>
-                      <a:r>
-                        <a:rPr lang="ru-RU" sz="1400">
-                          <a:effectLst/>
-                        </a:rPr>
-                        <a:t>1600р</a:t>
-                      </a:r>
-                      <a:endParaRPr lang="ru-RU" sz="1400">
-                        <a:effectLst/>
-                        <a:latin typeface="Times New Roman" panose="02020603050405020304" pitchFamily="18" charset="0"/>
-                        <a:ea typeface="Times New Roman" panose="02020603050405020304" pitchFamily="18" charset="0"/>
-                        <a:cs typeface="Times New Roman" panose="02020603050405020304" pitchFamily="18" charset="0"/>
-                      </a:endParaRPr>
-                    </a:p>
-                  </a:txBody>
-                  <a:tcPr marL="36261" marR="36261" marT="0" marB="0"/>
+                  <a:tcPr/>
                 </a:tc>
                 <a:extLst>
                   <a:ext uri="{0D108BD9-81ED-4DB2-BD59-A6C34878D82A}">
-                    <a16:rowId xmlns:a16="http://schemas.microsoft.com/office/drawing/2014/main" val="1665083673"/>
-                  </a:ext>
-                </a:extLst>
-              </a:tr>
-              <a:tr h="3197827">
-                <a:tc>
-                  <a:txBody>
-                    <a:bodyPr/>
-                    <a:lstStyle/>
-                    <a:p>
-                      <a:pPr indent="450215" algn="l">
-                        <a:lnSpc>
-                          <a:spcPct val="150000"/>
-                        </a:lnSpc>
-                        <a:spcAft>
-                          <a:spcPts val="0"/>
-                        </a:spcAft>
-                      </a:pPr>
-                      <a:r>
-                        <a:rPr lang="en-US" sz="1400" dirty="0">
-                          <a:effectLst/>
-                        </a:rPr>
-                        <a:t>MH</a:t>
-                      </a:r>
-                      <a:r>
-                        <a:rPr lang="ru-RU" sz="1400" dirty="0">
-                          <a:effectLst/>
-                        </a:rPr>
-                        <a:t>-</a:t>
-                      </a:r>
-                      <a:r>
-                        <a:rPr lang="en-US" sz="1400" dirty="0">
-                          <a:effectLst/>
-                        </a:rPr>
-                        <a:t>BPS</a:t>
-                      </a:r>
-                      <a:r>
-                        <a:rPr lang="ru-RU" sz="1400" dirty="0">
-                          <a:effectLst/>
-                        </a:rPr>
-                        <a:t>102</a:t>
-                      </a:r>
-                      <a:endParaRPr lang="ru-RU" sz="1400" dirty="0">
-                        <a:effectLst/>
-                        <a:latin typeface="Times New Roman" panose="02020603050405020304" pitchFamily="18" charset="0"/>
-                        <a:ea typeface="Times New Roman" panose="02020603050405020304" pitchFamily="18" charset="0"/>
-                        <a:cs typeface="Times New Roman" panose="02020603050405020304" pitchFamily="18" charset="0"/>
-                      </a:endParaRPr>
-                    </a:p>
-                  </a:txBody>
-                  <a:tcPr marL="36261" marR="36261" marT="0" marB="0"/>
-                </a:tc>
-                <a:tc>
-                  <a:txBody>
-                    <a:bodyPr/>
-                    <a:lstStyle/>
-                    <a:p>
-                      <a:pPr marL="457200" indent="450215" algn="l">
-                        <a:lnSpc>
-                          <a:spcPct val="150000"/>
-                        </a:lnSpc>
-                        <a:spcAft>
-                          <a:spcPts val="0"/>
-                        </a:spcAft>
-                      </a:pPr>
-                      <a:r>
-                        <a:rPr lang="ru-RU" sz="1400" dirty="0">
-                          <a:effectLst/>
-                        </a:rPr>
-                        <a:t>Базовый коэффициент усиления равен 500 V/V, может быть увеличен в ⨯1, ⨯2, ⨯4, ⨯5, ⨯8, ⨯10, ⨯16 или ⨯32 раз.</a:t>
-                      </a:r>
-                      <a:br>
-                        <a:rPr lang="ru-RU" sz="1400" dirty="0">
-                          <a:effectLst/>
-                        </a:rPr>
-                      </a:br>
-                      <a:r>
-                        <a:rPr lang="ru-RU" sz="1400" dirty="0">
-                          <a:effectLst/>
-                        </a:rPr>
-                        <a:t>Регулируется посредством SPI интерфейса.</a:t>
-                      </a:r>
-                    </a:p>
-                    <a:p>
-                      <a:pPr marL="457200" indent="450215" algn="l">
-                        <a:lnSpc>
-                          <a:spcPct val="150000"/>
-                        </a:lnSpc>
-                        <a:spcAft>
-                          <a:spcPts val="0"/>
-                        </a:spcAft>
-                      </a:pPr>
-                      <a:r>
-                        <a:rPr lang="ru-RU" sz="1400" dirty="0">
-                          <a:effectLst/>
-                        </a:rPr>
-                        <a:t> </a:t>
-                      </a:r>
-                      <a:endParaRPr lang="ru-RU" sz="1400" dirty="0">
-                        <a:effectLst/>
-                        <a:latin typeface="Times New Roman" panose="02020603050405020304" pitchFamily="18" charset="0"/>
-                        <a:ea typeface="Times New Roman" panose="02020603050405020304" pitchFamily="18" charset="0"/>
-                        <a:cs typeface="Times New Roman" panose="02020603050405020304" pitchFamily="18" charset="0"/>
-                      </a:endParaRPr>
-                    </a:p>
-                  </a:txBody>
-                  <a:tcPr marL="36261" marR="36261" marT="0" marB="0"/>
-                </a:tc>
-                <a:tc>
-                  <a:txBody>
-                    <a:bodyPr/>
-                    <a:lstStyle/>
-                    <a:p>
-                      <a:pPr indent="450215" algn="l">
-                        <a:lnSpc>
-                          <a:spcPct val="150000"/>
-                        </a:lnSpc>
-                        <a:spcAft>
-                          <a:spcPts val="0"/>
-                        </a:spcAft>
-                      </a:pPr>
-                      <a:r>
-                        <a:rPr lang="ru-RU" sz="1400" dirty="0">
-                          <a:effectLst/>
-                        </a:rPr>
-                        <a:t>3.3 – 5.5 V.</a:t>
-                      </a:r>
-                      <a:endParaRPr lang="ru-RU" sz="1400" dirty="0">
-                        <a:effectLst/>
-                        <a:latin typeface="Times New Roman" panose="02020603050405020304" pitchFamily="18" charset="0"/>
-                        <a:ea typeface="Times New Roman" panose="02020603050405020304" pitchFamily="18" charset="0"/>
-                        <a:cs typeface="Times New Roman" panose="02020603050405020304" pitchFamily="18" charset="0"/>
-                      </a:endParaRPr>
-                    </a:p>
-                  </a:txBody>
-                  <a:tcPr marL="36261" marR="36261" marT="0" marB="0"/>
-                </a:tc>
-                <a:tc>
-                  <a:txBody>
-                    <a:bodyPr/>
-                    <a:lstStyle/>
-                    <a:p>
-                      <a:pPr indent="450215" algn="l">
-                        <a:lnSpc>
-                          <a:spcPct val="150000"/>
-                        </a:lnSpc>
-                        <a:spcAft>
-                          <a:spcPts val="0"/>
-                        </a:spcAft>
-                      </a:pPr>
-                      <a:r>
-                        <a:rPr lang="ru-RU" sz="1400" dirty="0">
-                          <a:effectLst/>
-                        </a:rPr>
-                        <a:t>19.1х14.9х3.0 ± 0.2 мм</a:t>
-                      </a:r>
-                      <a:endParaRPr lang="ru-RU" sz="1400" dirty="0">
-                        <a:effectLst/>
-                        <a:latin typeface="Times New Roman" panose="02020603050405020304" pitchFamily="18" charset="0"/>
-                        <a:ea typeface="Times New Roman" panose="02020603050405020304" pitchFamily="18" charset="0"/>
-                        <a:cs typeface="Times New Roman" panose="02020603050405020304" pitchFamily="18" charset="0"/>
-                      </a:endParaRPr>
-                    </a:p>
-                  </a:txBody>
-                  <a:tcPr marL="36261" marR="36261" marT="0" marB="0"/>
-                </a:tc>
-                <a:tc>
-                  <a:txBody>
-                    <a:bodyPr/>
-                    <a:lstStyle/>
-                    <a:p>
-                      <a:pPr indent="450215" algn="l">
-                        <a:lnSpc>
-                          <a:spcPct val="150000"/>
-                        </a:lnSpc>
-                        <a:spcAft>
-                          <a:spcPts val="0"/>
-                        </a:spcAft>
-                      </a:pPr>
-                      <a:r>
-                        <a:rPr lang="ru-RU" sz="1400" dirty="0">
-                          <a:effectLst/>
-                        </a:rPr>
-                        <a:t>8 – 200 Гц</a:t>
-                      </a:r>
-                      <a:endParaRPr lang="ru-RU" sz="1400" dirty="0">
-                        <a:effectLst/>
-                        <a:latin typeface="Times New Roman" panose="02020603050405020304" pitchFamily="18" charset="0"/>
-                        <a:ea typeface="Times New Roman" panose="02020603050405020304" pitchFamily="18" charset="0"/>
-                        <a:cs typeface="Times New Roman" panose="02020603050405020304" pitchFamily="18" charset="0"/>
-                      </a:endParaRPr>
-                    </a:p>
-                  </a:txBody>
-                  <a:tcPr marL="36261" marR="36261" marT="0" marB="0"/>
-                </a:tc>
-                <a:tc>
-                  <a:txBody>
-                    <a:bodyPr/>
-                    <a:lstStyle/>
-                    <a:p>
-                      <a:pPr indent="450215" algn="l">
-                        <a:lnSpc>
-                          <a:spcPct val="150000"/>
-                        </a:lnSpc>
-                        <a:spcAft>
-                          <a:spcPts val="0"/>
-                        </a:spcAft>
-                      </a:pPr>
-                      <a:r>
-                        <a:rPr lang="en-US" sz="1400" dirty="0" smtClean="0">
-                          <a:effectLst/>
-                        </a:rPr>
-                        <a:t>1900</a:t>
-                      </a:r>
-                      <a:r>
-                        <a:rPr lang="ru-RU" sz="1400" dirty="0">
-                          <a:effectLst/>
-                        </a:rPr>
-                        <a:t>р</a:t>
-                      </a:r>
-                      <a:endParaRPr lang="ru-RU" sz="1400" dirty="0">
-                        <a:effectLst/>
-                        <a:latin typeface="Times New Roman" panose="02020603050405020304" pitchFamily="18" charset="0"/>
-                        <a:ea typeface="Times New Roman" panose="02020603050405020304" pitchFamily="18" charset="0"/>
-                        <a:cs typeface="Times New Roman" panose="02020603050405020304" pitchFamily="18" charset="0"/>
-                      </a:endParaRPr>
-                    </a:p>
-                  </a:txBody>
-                  <a:tcPr marL="36261" marR="36261" marT="0" marB="0"/>
-                </a:tc>
-                <a:extLst>
-                  <a:ext uri="{0D108BD9-81ED-4DB2-BD59-A6C34878D82A}">
-                    <a16:rowId xmlns:a16="http://schemas.microsoft.com/office/drawing/2014/main" val="1420263831"/>
+                    <a16:rowId xmlns:a16="http://schemas.microsoft.com/office/drawing/2014/main" val="3958358175"/>
                   </a:ext>
                 </a:extLst>
               </a:tr>
@@ -9298,7 +9182,7 @@
     </p:spTree>
     <p:extLst>
       <p:ext uri="{BB962C8B-B14F-4D97-AF65-F5344CB8AC3E}">
-        <p14:creationId xmlns:p14="http://schemas.microsoft.com/office/powerpoint/2010/main" val="138475452"/>
+        <p14:creationId xmlns:p14="http://schemas.microsoft.com/office/powerpoint/2010/main" val="4083485101"/>
       </p:ext>
     </p:extLst>
   </p:cSld>
@@ -9335,16 +9219,20 @@
             <p:ph type="title"/>
           </p:nvPr>
         </p:nvSpPr>
-        <p:spPr/>
+        <p:spPr>
+          <a:xfrm>
+            <a:off x="222250" y="47625"/>
+            <a:ext cx="10515600" cy="1325563"/>
+          </a:xfrm>
+        </p:spPr>
         <p:txBody>
           <a:bodyPr/>
           <a:lstStyle/>
           <a:p>
             <a:r>
-              <a:rPr lang="ru-RU" dirty="0" smtClean="0"/>
+              <a:rPr lang="ru-RU" dirty="0"/>
               <a:t>Выбор микроконтроллера</a:t>
             </a:r>
-            <a:endParaRPr lang="ru-RU" dirty="0"/>
           </a:p>
         </p:txBody>
       </p:sp>
@@ -9358,715 +9246,928 @@
             <p:ph idx="1"/>
             <p:extLst>
               <p:ext uri="{D42A27DB-BD31-4B8C-83A1-F6EECF244321}">
-                <p14:modId xmlns:p14="http://schemas.microsoft.com/office/powerpoint/2010/main" val="1318775763"/>
+                <p14:modId xmlns:p14="http://schemas.microsoft.com/office/powerpoint/2010/main" val="4045375262"/>
               </p:ext>
             </p:extLst>
           </p:nvPr>
         </p:nvGraphicFramePr>
         <p:xfrm>
-          <a:off x="895350" y="1454150"/>
-          <a:ext cx="9175749" cy="5264788"/>
+          <a:off x="838200" y="1825625"/>
+          <a:ext cx="10515600" cy="4846320"/>
         </p:xfrm>
         <a:graphic>
           <a:graphicData uri="http://schemas.openxmlformats.org/drawingml/2006/table">
             <a:tbl>
-              <a:tblPr firstRow="1" firstCol="1" bandRow="1">
+              <a:tblPr firstRow="1" bandRow="1">
                 <a:tableStyleId>{5940675A-B579-460E-94D1-54222C63F5DA}</a:tableStyleId>
               </a:tblPr>
               <a:tblGrid>
-                <a:gridCol w="1951041">
+                <a:gridCol w="2628900">
                   <a:extLst>
                     <a:ext uri="{9D8B030D-6E8A-4147-A177-3AD203B41FA5}">
-                      <a16:colId xmlns:a16="http://schemas.microsoft.com/office/drawing/2014/main" val="697996849"/>
+                      <a16:colId xmlns:a16="http://schemas.microsoft.com/office/drawing/2014/main" val="2983407757"/>
                     </a:ext>
                   </a:extLst>
                 </a:gridCol>
-                <a:gridCol w="2773425">
+                <a:gridCol w="2628900">
                   <a:extLst>
                     <a:ext uri="{9D8B030D-6E8A-4147-A177-3AD203B41FA5}">
-                      <a16:colId xmlns:a16="http://schemas.microsoft.com/office/drawing/2014/main" val="793052723"/>
+                      <a16:colId xmlns:a16="http://schemas.microsoft.com/office/drawing/2014/main" val="3877732418"/>
                     </a:ext>
                   </a:extLst>
                 </a:gridCol>
-                <a:gridCol w="2636363">
+                <a:gridCol w="2628900">
                   <a:extLst>
                     <a:ext uri="{9D8B030D-6E8A-4147-A177-3AD203B41FA5}">
-                      <a16:colId xmlns:a16="http://schemas.microsoft.com/office/drawing/2014/main" val="213932417"/>
+                      <a16:colId xmlns:a16="http://schemas.microsoft.com/office/drawing/2014/main" val="4116132237"/>
                     </a:ext>
                   </a:extLst>
                 </a:gridCol>
-                <a:gridCol w="1814920">
+                <a:gridCol w="2628900">
                   <a:extLst>
                     <a:ext uri="{9D8B030D-6E8A-4147-A177-3AD203B41FA5}">
-                      <a16:colId xmlns:a16="http://schemas.microsoft.com/office/drawing/2014/main" val="3142080127"/>
+                      <a16:colId xmlns:a16="http://schemas.microsoft.com/office/drawing/2014/main" val="46224837"/>
                     </a:ext>
                   </a:extLst>
                 </a:gridCol>
               </a:tblGrid>
-              <a:tr h="916147">
+              <a:tr h="370840">
                 <a:tc>
                   <a:txBody>
                     <a:bodyPr/>
                     <a:lstStyle/>
                     <a:p>
-                      <a:pPr indent="450215" algn="l">
+                      <a:pPr marL="0" marR="0" indent="0" algn="l" defTabSz="914400" rtl="0" eaLnBrk="1" fontAlgn="auto" latinLnBrk="0" hangingPunct="1">
                         <a:lnSpc>
-                          <a:spcPct val="150000"/>
+                          <a:spcPct val="100000"/>
                         </a:lnSpc>
+                        <a:spcBef>
+                          <a:spcPts val="0"/>
+                        </a:spcBef>
                         <a:spcAft>
                           <a:spcPts val="0"/>
                         </a:spcAft>
+                        <a:buClrTx/>
+                        <a:buSzTx/>
+                        <a:buFontTx/>
+                        <a:buNone/>
+                        <a:tabLst/>
+                        <a:defRPr/>
                       </a:pPr>
                       <a:r>
-                        <a:rPr lang="ru-RU" sz="1400" dirty="0">
+                        <a:rPr lang="ru-RU" sz="1800" dirty="0" smtClean="0">
                           <a:effectLst/>
                         </a:rPr>
-                        <a:t>название</a:t>
-                      </a:r>
-                      <a:endParaRPr lang="ru-RU" sz="1400" dirty="0">
+                        <a:t>Название</a:t>
+                      </a:r>
+                      <a:endParaRPr lang="ru-RU" sz="1800" dirty="0" smtClean="0">
                         <a:effectLst/>
                         <a:latin typeface="Times New Roman" panose="02020603050405020304" pitchFamily="18" charset="0"/>
                         <a:ea typeface="Times New Roman" panose="02020603050405020304" pitchFamily="18" charset="0"/>
                         <a:cs typeface="Times New Roman" panose="02020603050405020304" pitchFamily="18" charset="0"/>
                       </a:endParaRPr>
                     </a:p>
+                    <a:p>
+                      <a:endParaRPr lang="ru-RU" dirty="0"/>
+                    </a:p>
                   </a:txBody>
-                  <a:tcPr marL="40625" marR="40625" marT="0" marB="0"/>
+                  <a:tcPr/>
                 </a:tc>
                 <a:tc>
                   <a:txBody>
                     <a:bodyPr/>
                     <a:lstStyle/>
                     <a:p>
-                      <a:pPr indent="450215" algn="l">
+                      <a:pPr marL="0" marR="0" indent="0" algn="l" defTabSz="914400" rtl="0" eaLnBrk="1" fontAlgn="auto" latinLnBrk="0" hangingPunct="1">
                         <a:lnSpc>
-                          <a:spcPct val="150000"/>
+                          <a:spcPct val="100000"/>
                         </a:lnSpc>
+                        <a:spcBef>
+                          <a:spcPts val="0"/>
+                        </a:spcBef>
                         <a:spcAft>
                           <a:spcPts val="0"/>
                         </a:spcAft>
+                        <a:buClrTx/>
+                        <a:buSzTx/>
+                        <a:buFontTx/>
+                        <a:buNone/>
+                        <a:tabLst/>
+                        <a:defRPr/>
                       </a:pPr>
                       <a:r>
-                        <a:rPr lang="ru-RU" sz="1400" dirty="0">
+                        <a:rPr lang="ru-RU" sz="1800" dirty="0" smtClean="0">
                           <a:effectLst/>
                         </a:rPr>
-                        <a:t>производительность</a:t>
-                      </a:r>
-                      <a:endParaRPr lang="ru-RU" sz="1400" dirty="0">
+                        <a:t>Производительность</a:t>
+                      </a:r>
+                      <a:endParaRPr lang="ru-RU" sz="1800" dirty="0" smtClean="0">
                         <a:effectLst/>
                         <a:latin typeface="Times New Roman" panose="02020603050405020304" pitchFamily="18" charset="0"/>
                         <a:ea typeface="Times New Roman" panose="02020603050405020304" pitchFamily="18" charset="0"/>
                         <a:cs typeface="Times New Roman" panose="02020603050405020304" pitchFamily="18" charset="0"/>
                       </a:endParaRPr>
                     </a:p>
+                    <a:p>
+                      <a:endParaRPr lang="ru-RU" dirty="0"/>
+                    </a:p>
                   </a:txBody>
-                  <a:tcPr marL="40625" marR="40625" marT="0" marB="0"/>
+                  <a:tcPr/>
                 </a:tc>
                 <a:tc>
                   <a:txBody>
                     <a:bodyPr/>
                     <a:lstStyle/>
                     <a:p>
-                      <a:pPr indent="450215" algn="l">
+                      <a:pPr marL="0" marR="0" indent="0" algn="l" defTabSz="914400" rtl="0" eaLnBrk="1" fontAlgn="auto" latinLnBrk="0" hangingPunct="1">
                         <a:lnSpc>
-                          <a:spcPct val="150000"/>
+                          <a:spcPct val="100000"/>
                         </a:lnSpc>
+                        <a:spcBef>
+                          <a:spcPts val="0"/>
+                        </a:spcBef>
                         <a:spcAft>
                           <a:spcPts val="0"/>
                         </a:spcAft>
+                        <a:buClrTx/>
+                        <a:buSzTx/>
+                        <a:buFontTx/>
+                        <a:buNone/>
+                        <a:tabLst/>
+                        <a:defRPr/>
                       </a:pPr>
                       <a:r>
-                        <a:rPr lang="ru-RU" sz="1400">
+                        <a:rPr lang="ru-RU" sz="1800" dirty="0" smtClean="0">
                           <a:effectLst/>
                         </a:rPr>
-                        <a:t>энергопотребление</a:t>
-                      </a:r>
-                      <a:endParaRPr lang="ru-RU" sz="1400">
+                        <a:t>Энергопотребление</a:t>
+                      </a:r>
+                      <a:endParaRPr lang="ru-RU" sz="1800" dirty="0" smtClean="0">
                         <a:effectLst/>
                         <a:latin typeface="Times New Roman" panose="02020603050405020304" pitchFamily="18" charset="0"/>
                         <a:ea typeface="Times New Roman" panose="02020603050405020304" pitchFamily="18" charset="0"/>
                         <a:cs typeface="Times New Roman" panose="02020603050405020304" pitchFamily="18" charset="0"/>
                       </a:endParaRPr>
                     </a:p>
+                    <a:p>
+                      <a:endParaRPr lang="ru-RU" dirty="0"/>
+                    </a:p>
                   </a:txBody>
-                  <a:tcPr marL="40625" marR="40625" marT="0" marB="0"/>
+                  <a:tcPr/>
                 </a:tc>
                 <a:tc>
                   <a:txBody>
                     <a:bodyPr/>
                     <a:lstStyle/>
                     <a:p>
-                      <a:pPr indent="450215" algn="l">
+                      <a:pPr marL="0" marR="0" indent="0" algn="l" defTabSz="914400" rtl="0" eaLnBrk="1" fontAlgn="auto" latinLnBrk="0" hangingPunct="1">
                         <a:lnSpc>
-                          <a:spcPct val="150000"/>
+                          <a:spcPct val="100000"/>
                         </a:lnSpc>
+                        <a:spcBef>
+                          <a:spcPts val="0"/>
+                        </a:spcBef>
                         <a:spcAft>
                           <a:spcPts val="0"/>
                         </a:spcAft>
+                        <a:buClrTx/>
+                        <a:buSzTx/>
+                        <a:buFontTx/>
+                        <a:buNone/>
+                        <a:tabLst/>
+                        <a:defRPr/>
                       </a:pPr>
                       <a:r>
-                        <a:rPr lang="ru-RU" sz="1400">
+                        <a:rPr lang="ru-RU" sz="1800" dirty="0" smtClean="0">
                           <a:effectLst/>
                         </a:rPr>
-                        <a:t>цена</a:t>
-                      </a:r>
-                      <a:endParaRPr lang="ru-RU" sz="1400">
+                        <a:t>Цена</a:t>
+                      </a:r>
+                      <a:endParaRPr lang="ru-RU" sz="1800" dirty="0" smtClean="0">
                         <a:effectLst/>
                         <a:latin typeface="Times New Roman" panose="02020603050405020304" pitchFamily="18" charset="0"/>
                         <a:ea typeface="Times New Roman" panose="02020603050405020304" pitchFamily="18" charset="0"/>
                         <a:cs typeface="Times New Roman" panose="02020603050405020304" pitchFamily="18" charset="0"/>
                       </a:endParaRPr>
                     </a:p>
+                    <a:p>
+                      <a:endParaRPr lang="ru-RU" dirty="0"/>
+                    </a:p>
                   </a:txBody>
-                  <a:tcPr marL="40625" marR="40625" marT="0" marB="0"/>
+                  <a:tcPr/>
                 </a:tc>
                 <a:extLst>
                   <a:ext uri="{0D108BD9-81ED-4DB2-BD59-A6C34878D82A}">
-                    <a16:rowId xmlns:a16="http://schemas.microsoft.com/office/drawing/2014/main" val="1218601162"/>
+                    <a16:rowId xmlns:a16="http://schemas.microsoft.com/office/drawing/2014/main" val="438493976"/>
                   </a:ext>
                 </a:extLst>
               </a:tr>
-              <a:tr h="916147">
+              <a:tr h="370840">
                 <a:tc>
                   <a:txBody>
                     <a:bodyPr/>
                     <a:lstStyle/>
                     <a:p>
-                      <a:pPr indent="450215" algn="l">
+                      <a:pPr marL="0" marR="0" indent="0" algn="l" defTabSz="914400" rtl="0" eaLnBrk="1" fontAlgn="auto" latinLnBrk="0" hangingPunct="1">
                         <a:lnSpc>
-                          <a:spcPct val="150000"/>
+                          <a:spcPct val="100000"/>
                         </a:lnSpc>
+                        <a:spcBef>
+                          <a:spcPts val="0"/>
+                        </a:spcBef>
                         <a:spcAft>
                           <a:spcPts val="0"/>
                         </a:spcAft>
+                        <a:buClrTx/>
+                        <a:buSzTx/>
+                        <a:buFontTx/>
+                        <a:buNone/>
+                        <a:tabLst/>
+                        <a:defRPr/>
                       </a:pPr>
                       <a:r>
-                        <a:rPr lang="en-US" sz="1400">
+                        <a:rPr lang="en-US" sz="1800" dirty="0" smtClean="0">
                           <a:effectLst/>
                         </a:rPr>
-                        <a:t>Arduino nano</a:t>
-                      </a:r>
-                      <a:endParaRPr lang="ru-RU" sz="1400">
+                        <a:t>Arduino </a:t>
+                      </a:r>
+                      <a:r>
+                        <a:rPr lang="en-US" sz="1800" dirty="0" err="1" smtClean="0">
+                          <a:effectLst/>
+                        </a:rPr>
+                        <a:t>nano</a:t>
+                      </a:r>
+                      <a:endParaRPr lang="ru-RU" sz="1800" dirty="0" smtClean="0">
                         <a:effectLst/>
                         <a:latin typeface="Times New Roman" panose="02020603050405020304" pitchFamily="18" charset="0"/>
                         <a:ea typeface="Times New Roman" panose="02020603050405020304" pitchFamily="18" charset="0"/>
                         <a:cs typeface="Times New Roman" panose="02020603050405020304" pitchFamily="18" charset="0"/>
                       </a:endParaRPr>
                     </a:p>
+                    <a:p>
+                      <a:endParaRPr lang="ru-RU" dirty="0"/>
+                    </a:p>
                   </a:txBody>
-                  <a:tcPr marL="40625" marR="40625" marT="0" marB="0"/>
+                  <a:tcPr/>
                 </a:tc>
                 <a:tc>
                   <a:txBody>
                     <a:bodyPr/>
                     <a:lstStyle/>
                     <a:p>
-                      <a:pPr indent="450215" algn="l">
+                      <a:pPr marL="0" marR="0" indent="0" algn="l" defTabSz="914400" rtl="0" eaLnBrk="1" fontAlgn="auto" latinLnBrk="0" hangingPunct="1">
                         <a:lnSpc>
-                          <a:spcPct val="150000"/>
+                          <a:spcPct val="100000"/>
                         </a:lnSpc>
+                        <a:spcBef>
+                          <a:spcPts val="0"/>
+                        </a:spcBef>
                         <a:spcAft>
                           <a:spcPts val="0"/>
                         </a:spcAft>
+                        <a:buClrTx/>
+                        <a:buSzTx/>
+                        <a:buFontTx/>
+                        <a:buNone/>
+                        <a:tabLst/>
+                        <a:defRPr/>
                       </a:pPr>
                       <a:r>
-                        <a:rPr lang="ru-RU" sz="1400" dirty="0">
+                        <a:rPr lang="ru-RU" sz="1800" dirty="0" smtClean="0">
                           <a:effectLst/>
                         </a:rPr>
                         <a:t>Частота: 16 МГц</a:t>
                       </a:r>
-                      <a:endParaRPr lang="ru-RU" sz="1400" dirty="0">
+                      <a:endParaRPr lang="ru-RU" sz="1800" dirty="0" smtClean="0">
                         <a:effectLst/>
                         <a:latin typeface="Times New Roman" panose="02020603050405020304" pitchFamily="18" charset="0"/>
                         <a:ea typeface="Times New Roman" panose="02020603050405020304" pitchFamily="18" charset="0"/>
                         <a:cs typeface="Times New Roman" panose="02020603050405020304" pitchFamily="18" charset="0"/>
                       </a:endParaRPr>
                     </a:p>
+                    <a:p>
+                      <a:endParaRPr lang="ru-RU" dirty="0"/>
+                    </a:p>
                   </a:txBody>
-                  <a:tcPr marL="40625" marR="40625" marT="0" marB="0"/>
+                  <a:tcPr/>
                 </a:tc>
                 <a:tc>
                   <a:txBody>
                     <a:bodyPr/>
                     <a:lstStyle/>
                     <a:p>
-                      <a:pPr indent="450215" algn="l">
+                      <a:pPr marL="0" marR="0" indent="0" algn="l" defTabSz="914400" rtl="0" eaLnBrk="1" fontAlgn="auto" latinLnBrk="0" hangingPunct="1">
                         <a:lnSpc>
-                          <a:spcPct val="150000"/>
+                          <a:spcPct val="100000"/>
                         </a:lnSpc>
+                        <a:spcBef>
+                          <a:spcPts val="0"/>
+                        </a:spcBef>
                         <a:spcAft>
                           <a:spcPts val="0"/>
                         </a:spcAft>
+                        <a:buClrTx/>
+                        <a:buSzTx/>
+                        <a:buFontTx/>
+                        <a:buNone/>
+                        <a:tabLst/>
+                        <a:defRPr/>
                       </a:pPr>
                       <a:r>
-                        <a:rPr lang="ru-RU" sz="1400">
+                        <a:rPr lang="ru-RU" sz="1800" dirty="0" smtClean="0">
                           <a:effectLst/>
                         </a:rPr>
                         <a:t>24 мА в полном сне 5 мА</a:t>
                       </a:r>
-                      <a:endParaRPr lang="ru-RU" sz="1400">
+                      <a:endParaRPr lang="ru-RU" sz="1800" dirty="0" smtClean="0">
                         <a:effectLst/>
                         <a:latin typeface="Times New Roman" panose="02020603050405020304" pitchFamily="18" charset="0"/>
                         <a:ea typeface="Times New Roman" panose="02020603050405020304" pitchFamily="18" charset="0"/>
                         <a:cs typeface="Times New Roman" panose="02020603050405020304" pitchFamily="18" charset="0"/>
                       </a:endParaRPr>
                     </a:p>
+                    <a:p>
+                      <a:endParaRPr lang="ru-RU" dirty="0"/>
+                    </a:p>
                   </a:txBody>
-                  <a:tcPr marL="40625" marR="40625" marT="0" marB="0"/>
+                  <a:tcPr/>
                 </a:tc>
                 <a:tc>
                   <a:txBody>
                     <a:bodyPr/>
                     <a:lstStyle/>
                     <a:p>
-                      <a:pPr indent="450215" algn="l">
+                      <a:pPr marL="0" marR="0" indent="0" algn="l" defTabSz="914400" rtl="0" eaLnBrk="1" fontAlgn="auto" latinLnBrk="0" hangingPunct="1">
                         <a:lnSpc>
-                          <a:spcPct val="150000"/>
+                          <a:spcPct val="100000"/>
                         </a:lnSpc>
+                        <a:spcBef>
+                          <a:spcPts val="0"/>
+                        </a:spcBef>
                         <a:spcAft>
                           <a:spcPts val="0"/>
                         </a:spcAft>
+                        <a:buClrTx/>
+                        <a:buSzTx/>
+                        <a:buFontTx/>
+                        <a:buNone/>
+                        <a:tabLst/>
+                        <a:defRPr/>
                       </a:pPr>
                       <a:r>
-                        <a:rPr lang="ru-RU" sz="1400">
+                        <a:rPr lang="ru-RU" sz="1800" dirty="0" smtClean="0">
                           <a:effectLst/>
                         </a:rPr>
                         <a:t>250р</a:t>
                       </a:r>
-                      <a:endParaRPr lang="ru-RU" sz="1400">
+                      <a:endParaRPr lang="ru-RU" sz="1800" dirty="0" smtClean="0">
                         <a:effectLst/>
                         <a:latin typeface="Times New Roman" panose="02020603050405020304" pitchFamily="18" charset="0"/>
                         <a:ea typeface="Times New Roman" panose="02020603050405020304" pitchFamily="18" charset="0"/>
                         <a:cs typeface="Times New Roman" panose="02020603050405020304" pitchFamily="18" charset="0"/>
                       </a:endParaRPr>
                     </a:p>
+                    <a:p>
+                      <a:endParaRPr lang="ru-RU" dirty="0"/>
+                    </a:p>
                   </a:txBody>
-                  <a:tcPr marL="40625" marR="40625" marT="0" marB="0"/>
+                  <a:tcPr/>
                 </a:tc>
                 <a:extLst>
                   <a:ext uri="{0D108BD9-81ED-4DB2-BD59-A6C34878D82A}">
-                    <a16:rowId xmlns:a16="http://schemas.microsoft.com/office/drawing/2014/main" val="2881790107"/>
+                    <a16:rowId xmlns:a16="http://schemas.microsoft.com/office/drawing/2014/main" val="2938784311"/>
                   </a:ext>
                 </a:extLst>
               </a:tr>
-              <a:tr h="1058225">
+              <a:tr h="370840">
                 <a:tc>
                   <a:txBody>
                     <a:bodyPr/>
                     <a:lstStyle/>
                     <a:p>
-                      <a:pPr indent="450215" algn="l">
+                      <a:pPr marL="0" marR="0" indent="0" algn="l" defTabSz="914400" rtl="0" eaLnBrk="1" fontAlgn="auto" latinLnBrk="0" hangingPunct="1">
                         <a:lnSpc>
-                          <a:spcPct val="150000"/>
+                          <a:spcPct val="100000"/>
                         </a:lnSpc>
+                        <a:spcBef>
+                          <a:spcPts val="0"/>
+                        </a:spcBef>
                         <a:spcAft>
                           <a:spcPts val="0"/>
                         </a:spcAft>
+                        <a:buClrTx/>
+                        <a:buSzTx/>
+                        <a:buFontTx/>
+                        <a:buNone/>
+                        <a:tabLst/>
+                        <a:defRPr/>
                       </a:pPr>
                       <a:r>
-                        <a:rPr lang="en-US" sz="1400">
+                        <a:rPr lang="en-US" sz="1800" dirty="0" smtClean="0">
                           <a:effectLst/>
                         </a:rPr>
                         <a:t>Stm32F1</a:t>
                       </a:r>
-                      <a:endParaRPr lang="ru-RU" sz="1400">
+                      <a:endParaRPr lang="ru-RU" sz="1800" dirty="0" smtClean="0">
                         <a:effectLst/>
                         <a:latin typeface="Times New Roman" panose="02020603050405020304" pitchFamily="18" charset="0"/>
                         <a:ea typeface="Times New Roman" panose="02020603050405020304" pitchFamily="18" charset="0"/>
                         <a:cs typeface="Times New Roman" panose="02020603050405020304" pitchFamily="18" charset="0"/>
                       </a:endParaRPr>
                     </a:p>
+                    <a:p>
+                      <a:endParaRPr lang="ru-RU" dirty="0"/>
+                    </a:p>
                   </a:txBody>
-                  <a:tcPr marL="40625" marR="40625" marT="0" marB="0"/>
+                  <a:tcPr/>
                 </a:tc>
                 <a:tc>
                   <a:txBody>
                     <a:bodyPr/>
                     <a:lstStyle/>
                     <a:p>
-                      <a:pPr indent="450215" algn="l">
+                      <a:pPr marL="0" marR="0" indent="0" algn="l" defTabSz="914400" rtl="0" eaLnBrk="1" fontAlgn="auto" latinLnBrk="0" hangingPunct="1">
                         <a:lnSpc>
-                          <a:spcPct val="150000"/>
+                          <a:spcPct val="100000"/>
                         </a:lnSpc>
+                        <a:spcBef>
+                          <a:spcPts val="0"/>
+                        </a:spcBef>
                         <a:spcAft>
                           <a:spcPts val="0"/>
                         </a:spcAft>
+                        <a:buClrTx/>
+                        <a:buSzTx/>
+                        <a:buFontTx/>
+                        <a:buNone/>
+                        <a:tabLst/>
+                        <a:defRPr/>
                       </a:pPr>
                       <a:r>
-                        <a:rPr lang="ru-RU" sz="1400">
+                        <a:rPr lang="ru-RU" sz="1800" dirty="0" smtClean="0">
                           <a:effectLst/>
                         </a:rPr>
-                        <a:t>72 MHz</a:t>
-                      </a:r>
-                      <a:endParaRPr lang="ru-RU" sz="1400">
+                        <a:t>72 </a:t>
+                      </a:r>
+                      <a:r>
+                        <a:rPr lang="ru-RU" sz="1800" dirty="0" err="1" smtClean="0">
+                          <a:effectLst/>
+                        </a:rPr>
+                        <a:t>MHz</a:t>
+                      </a:r>
+                      <a:endParaRPr lang="ru-RU" sz="1800" dirty="0" smtClean="0">
                         <a:effectLst/>
                         <a:latin typeface="Times New Roman" panose="02020603050405020304" pitchFamily="18" charset="0"/>
                         <a:ea typeface="Times New Roman" panose="02020603050405020304" pitchFamily="18" charset="0"/>
                         <a:cs typeface="Times New Roman" panose="02020603050405020304" pitchFamily="18" charset="0"/>
                       </a:endParaRPr>
                     </a:p>
+                    <a:p>
+                      <a:endParaRPr lang="ru-RU" dirty="0"/>
+                    </a:p>
                   </a:txBody>
-                  <a:tcPr marL="40625" marR="40625" marT="0" marB="0"/>
+                  <a:tcPr/>
                 </a:tc>
                 <a:tc>
                   <a:txBody>
                     <a:bodyPr/>
                     <a:lstStyle/>
                     <a:p>
-                      <a:pPr indent="450215" algn="l">
+                      <a:pPr marL="0" marR="0" indent="0" algn="l" defTabSz="914400" rtl="0" eaLnBrk="1" fontAlgn="auto" latinLnBrk="0" hangingPunct="1">
                         <a:lnSpc>
-                          <a:spcPct val="150000"/>
+                          <a:spcPct val="100000"/>
                         </a:lnSpc>
+                        <a:spcBef>
+                          <a:spcPts val="0"/>
+                        </a:spcBef>
                         <a:spcAft>
                           <a:spcPts val="0"/>
                         </a:spcAft>
+                        <a:buClrTx/>
+                        <a:buSzTx/>
+                        <a:buFontTx/>
+                        <a:buNone/>
+                        <a:tabLst/>
+                        <a:defRPr/>
                       </a:pPr>
                       <a:r>
-                        <a:rPr lang="ru-RU" sz="1400" dirty="0">
+                        <a:rPr lang="ru-RU" sz="1800" dirty="0" smtClean="0">
                           <a:effectLst/>
                         </a:rPr>
                         <a:t>29.5 6.4 при всей включенной/ выключенной периферии, есть режимы пониженного энергопотребления</a:t>
                       </a:r>
-                      <a:endParaRPr lang="ru-RU" sz="1400" dirty="0">
+                      <a:endParaRPr lang="ru-RU" sz="1800" dirty="0" smtClean="0">
                         <a:effectLst/>
                         <a:latin typeface="Times New Roman" panose="02020603050405020304" pitchFamily="18" charset="0"/>
                         <a:ea typeface="Times New Roman" panose="02020603050405020304" pitchFamily="18" charset="0"/>
                         <a:cs typeface="Times New Roman" panose="02020603050405020304" pitchFamily="18" charset="0"/>
                       </a:endParaRPr>
                     </a:p>
+                    <a:p>
+                      <a:endParaRPr lang="ru-RU" dirty="0"/>
+                    </a:p>
                   </a:txBody>
-                  <a:tcPr marL="40625" marR="40625" marT="0" marB="0"/>
+                  <a:tcPr/>
                 </a:tc>
                 <a:tc>
                   <a:txBody>
                     <a:bodyPr/>
                     <a:lstStyle/>
                     <a:p>
-                      <a:pPr indent="450215" algn="l">
+                      <a:pPr marL="0" marR="0" indent="0" algn="l" defTabSz="914400" rtl="0" eaLnBrk="1" fontAlgn="auto" latinLnBrk="0" hangingPunct="1">
                         <a:lnSpc>
-                          <a:spcPct val="150000"/>
+                          <a:spcPct val="100000"/>
                         </a:lnSpc>
+                        <a:spcBef>
+                          <a:spcPts val="0"/>
+                        </a:spcBef>
                         <a:spcAft>
                           <a:spcPts val="0"/>
                         </a:spcAft>
+                        <a:buClrTx/>
+                        <a:buSzTx/>
+                        <a:buFontTx/>
+                        <a:buNone/>
+                        <a:tabLst/>
+                        <a:defRPr/>
                       </a:pPr>
                       <a:r>
-                        <a:rPr lang="en-US" sz="1400" dirty="0">
+                        <a:rPr lang="en-US" sz="1800" dirty="0" smtClean="0">
                           <a:effectLst/>
                         </a:rPr>
                         <a:t>200</a:t>
                       </a:r>
                       <a:r>
-                        <a:rPr lang="ru-RU" sz="1400" dirty="0">
+                        <a:rPr lang="ru-RU" sz="1800" dirty="0" smtClean="0">
                           <a:effectLst/>
                         </a:rPr>
                         <a:t>р</a:t>
                       </a:r>
-                      <a:endParaRPr lang="ru-RU" sz="1400" dirty="0">
+                      <a:endParaRPr lang="ru-RU" sz="1800" dirty="0" smtClean="0">
                         <a:effectLst/>
                         <a:latin typeface="Times New Roman" panose="02020603050405020304" pitchFamily="18" charset="0"/>
                         <a:ea typeface="Times New Roman" panose="02020603050405020304" pitchFamily="18" charset="0"/>
                         <a:cs typeface="Times New Roman" panose="02020603050405020304" pitchFamily="18" charset="0"/>
                       </a:endParaRPr>
                     </a:p>
+                    <a:p>
+                      <a:endParaRPr lang="ru-RU" dirty="0"/>
+                    </a:p>
                   </a:txBody>
-                  <a:tcPr marL="40625" marR="40625" marT="0" marB="0"/>
+                  <a:tcPr/>
                 </a:tc>
                 <a:extLst>
                   <a:ext uri="{0D108BD9-81ED-4DB2-BD59-A6C34878D82A}">
-                    <a16:rowId xmlns:a16="http://schemas.microsoft.com/office/drawing/2014/main" val="2092229250"/>
+                    <a16:rowId xmlns:a16="http://schemas.microsoft.com/office/drawing/2014/main" val="2716106902"/>
                   </a:ext>
                 </a:extLst>
               </a:tr>
-              <a:tr h="916147">
+              <a:tr h="370840">
                 <a:tc>
                   <a:txBody>
                     <a:bodyPr/>
                     <a:lstStyle/>
                     <a:p>
-                      <a:pPr indent="450215" algn="l">
+                      <a:pPr marL="0" marR="0" indent="0" algn="l" defTabSz="914400" rtl="0" eaLnBrk="1" fontAlgn="auto" latinLnBrk="0" hangingPunct="1">
                         <a:lnSpc>
-                          <a:spcPct val="150000"/>
+                          <a:spcPct val="100000"/>
                         </a:lnSpc>
+                        <a:spcBef>
+                          <a:spcPts val="0"/>
+                        </a:spcBef>
                         <a:spcAft>
                           <a:spcPts val="0"/>
                         </a:spcAft>
+                        <a:buClrTx/>
+                        <a:buSzTx/>
+                        <a:buFontTx/>
+                        <a:buNone/>
+                        <a:tabLst/>
+                        <a:defRPr/>
                       </a:pPr>
                       <a:r>
-                        <a:rPr lang="en-US" sz="1400">
+                        <a:rPr lang="en-US" sz="1800" dirty="0" smtClean="0">
                           <a:effectLst/>
                         </a:rPr>
                         <a:t>ESP</a:t>
                       </a:r>
                       <a:r>
-                        <a:rPr lang="ru-RU" sz="1400">
+                        <a:rPr lang="ru-RU" sz="1800" dirty="0" smtClean="0">
                           <a:effectLst/>
                         </a:rPr>
                         <a:t> 32</a:t>
                       </a:r>
                       <a:r>
-                        <a:rPr lang="en-US" sz="1400">
+                        <a:rPr lang="en-US" sz="1800" dirty="0" smtClean="0">
                           <a:effectLst/>
                         </a:rPr>
                         <a:t> micro</a:t>
                       </a:r>
-                      <a:endParaRPr lang="ru-RU" sz="1400">
+                      <a:endParaRPr lang="ru-RU" sz="1800" dirty="0" smtClean="0">
                         <a:effectLst/>
                         <a:latin typeface="Times New Roman" panose="02020603050405020304" pitchFamily="18" charset="0"/>
                         <a:ea typeface="Times New Roman" panose="02020603050405020304" pitchFamily="18" charset="0"/>
                         <a:cs typeface="Times New Roman" panose="02020603050405020304" pitchFamily="18" charset="0"/>
                       </a:endParaRPr>
                     </a:p>
+                    <a:p>
+                      <a:endParaRPr lang="ru-RU" dirty="0"/>
+                    </a:p>
                   </a:txBody>
-                  <a:tcPr marL="40625" marR="40625" marT="0" marB="0"/>
+                  <a:tcPr/>
                 </a:tc>
                 <a:tc>
                   <a:txBody>
                     <a:bodyPr/>
                     <a:lstStyle/>
                     <a:p>
-                      <a:pPr indent="450215" algn="l">
+                      <a:pPr marL="0" marR="0" indent="0" algn="l" defTabSz="914400" rtl="0" eaLnBrk="1" fontAlgn="auto" latinLnBrk="0" hangingPunct="1">
                         <a:lnSpc>
-                          <a:spcPct val="150000"/>
+                          <a:spcPct val="100000"/>
                         </a:lnSpc>
+                        <a:spcBef>
+                          <a:spcPts val="0"/>
+                        </a:spcBef>
                         <a:spcAft>
                           <a:spcPts val="0"/>
                         </a:spcAft>
+                        <a:buClrTx/>
+                        <a:buSzTx/>
+                        <a:buFontTx/>
+                        <a:buNone/>
+                        <a:tabLst/>
+                        <a:defRPr/>
                       </a:pPr>
                       <a:r>
-                        <a:rPr lang="ru-RU" sz="1400">
+                        <a:rPr lang="ru-RU" sz="1800" dirty="0" smtClean="0">
                           <a:effectLst/>
                         </a:rPr>
                         <a:t>160 или 240 МГц</a:t>
                       </a:r>
-                      <a:endParaRPr lang="ru-RU" sz="1400">
+                      <a:endParaRPr lang="ru-RU" sz="1800" dirty="0" smtClean="0">
                         <a:effectLst/>
                         <a:latin typeface="Times New Roman" panose="02020603050405020304" pitchFamily="18" charset="0"/>
                         <a:ea typeface="Times New Roman" panose="02020603050405020304" pitchFamily="18" charset="0"/>
                         <a:cs typeface="Times New Roman" panose="02020603050405020304" pitchFamily="18" charset="0"/>
                       </a:endParaRPr>
                     </a:p>
+                    <a:p>
+                      <a:endParaRPr lang="ru-RU" dirty="0"/>
+                    </a:p>
                   </a:txBody>
-                  <a:tcPr marL="40625" marR="40625" marT="0" marB="0"/>
+                  <a:tcPr/>
                 </a:tc>
                 <a:tc>
                   <a:txBody>
                     <a:bodyPr/>
                     <a:lstStyle/>
                     <a:p>
-                      <a:pPr indent="450215" algn="l">
+                      <a:pPr marL="0" marR="0" indent="0" algn="l" defTabSz="914400" rtl="0" eaLnBrk="1" fontAlgn="auto" latinLnBrk="0" hangingPunct="1">
                         <a:lnSpc>
-                          <a:spcPct val="150000"/>
+                          <a:spcPct val="100000"/>
                         </a:lnSpc>
+                        <a:spcBef>
+                          <a:spcPts val="0"/>
+                        </a:spcBef>
                         <a:spcAft>
                           <a:spcPts val="0"/>
                         </a:spcAft>
+                        <a:buClrTx/>
+                        <a:buSzTx/>
+                        <a:buFontTx/>
+                        <a:buNone/>
+                        <a:tabLst/>
+                        <a:defRPr/>
                       </a:pPr>
                       <a:r>
-                        <a:rPr lang="ru-RU" sz="1400" dirty="0">
+                        <a:rPr lang="ru-RU" sz="1800" dirty="0" smtClean="0">
                           <a:effectLst/>
                         </a:rPr>
                         <a:t>260 мА, в спящем режиме – 10 мА</a:t>
                       </a:r>
-                      <a:endParaRPr lang="ru-RU" sz="1400" dirty="0">
+                      <a:endParaRPr lang="ru-RU" sz="1800" dirty="0" smtClean="0">
                         <a:effectLst/>
                         <a:latin typeface="Times New Roman" panose="02020603050405020304" pitchFamily="18" charset="0"/>
                         <a:ea typeface="Times New Roman" panose="02020603050405020304" pitchFamily="18" charset="0"/>
                         <a:cs typeface="Times New Roman" panose="02020603050405020304" pitchFamily="18" charset="0"/>
                       </a:endParaRPr>
                     </a:p>
+                    <a:p>
+                      <a:endParaRPr lang="ru-RU" dirty="0"/>
+                    </a:p>
                   </a:txBody>
-                  <a:tcPr marL="40625" marR="40625" marT="0" marB="0"/>
+                  <a:tcPr/>
                 </a:tc>
                 <a:tc>
                   <a:txBody>
                     <a:bodyPr/>
                     <a:lstStyle/>
                     <a:p>
-                      <a:pPr indent="450215" algn="l">
+                      <a:pPr marL="0" marR="0" indent="0" algn="l" defTabSz="914400" rtl="0" eaLnBrk="1" fontAlgn="auto" latinLnBrk="0" hangingPunct="1">
                         <a:lnSpc>
-                          <a:spcPct val="150000"/>
+                          <a:spcPct val="100000"/>
                         </a:lnSpc>
+                        <a:spcBef>
+                          <a:spcPts val="0"/>
+                        </a:spcBef>
                         <a:spcAft>
                           <a:spcPts val="0"/>
                         </a:spcAft>
+                        <a:buClrTx/>
+                        <a:buSzTx/>
+                        <a:buFontTx/>
+                        <a:buNone/>
+                        <a:tabLst/>
+                        <a:defRPr/>
                       </a:pPr>
                       <a:r>
-                        <a:rPr lang="ru-RU" sz="1400">
+                        <a:rPr lang="ru-RU" sz="1800" dirty="0" smtClean="0">
                           <a:effectLst/>
                         </a:rPr>
                         <a:t>650р</a:t>
                       </a:r>
-                      <a:endParaRPr lang="ru-RU" sz="1400">
+                      <a:endParaRPr lang="ru-RU" sz="1800" dirty="0" smtClean="0">
                         <a:effectLst/>
                         <a:latin typeface="Times New Roman" panose="02020603050405020304" pitchFamily="18" charset="0"/>
                         <a:ea typeface="Times New Roman" panose="02020603050405020304" pitchFamily="18" charset="0"/>
                         <a:cs typeface="Times New Roman" panose="02020603050405020304" pitchFamily="18" charset="0"/>
                       </a:endParaRPr>
                     </a:p>
+                    <a:p>
+                      <a:endParaRPr lang="ru-RU" dirty="0"/>
+                    </a:p>
                   </a:txBody>
-                  <a:tcPr marL="40625" marR="40625" marT="0" marB="0"/>
+                  <a:tcPr/>
                 </a:tc>
                 <a:extLst>
                   <a:ext uri="{0D108BD9-81ED-4DB2-BD59-A6C34878D82A}">
-                    <a16:rowId xmlns:a16="http://schemas.microsoft.com/office/drawing/2014/main" val="1178177201"/>
+                    <a16:rowId xmlns:a16="http://schemas.microsoft.com/office/drawing/2014/main" val="3721251196"/>
                   </a:ext>
                 </a:extLst>
               </a:tr>
-              <a:tr h="916147">
+              <a:tr h="370840">
                 <a:tc>
                   <a:txBody>
                     <a:bodyPr/>
                     <a:lstStyle/>
                     <a:p>
-                      <a:pPr indent="450215" algn="l">
+                      <a:pPr marL="0" marR="0" indent="0" algn="l" defTabSz="914400" rtl="0" eaLnBrk="1" fontAlgn="auto" latinLnBrk="0" hangingPunct="1">
                         <a:lnSpc>
-                          <a:spcPct val="150000"/>
+                          <a:spcPct val="100000"/>
                         </a:lnSpc>
+                        <a:spcBef>
+                          <a:spcPts val="0"/>
+                        </a:spcBef>
                         <a:spcAft>
                           <a:spcPts val="0"/>
                         </a:spcAft>
+                        <a:buClrTx/>
+                        <a:buSzTx/>
+                        <a:buFontTx/>
+                        <a:buNone/>
+                        <a:tabLst/>
+                        <a:defRPr/>
                       </a:pPr>
                       <a:r>
-                        <a:rPr lang="en-US" sz="1400">
+                        <a:rPr lang="en-US" sz="1800" dirty="0" err="1" smtClean="0">
                           <a:effectLst/>
                         </a:rPr>
                         <a:t>Stm</a:t>
                       </a:r>
                       <a:r>
-                        <a:rPr lang="ru-RU" sz="1400">
+                        <a:rPr lang="ru-RU" sz="1800" dirty="0" smtClean="0">
                           <a:effectLst/>
                         </a:rPr>
                         <a:t>32</a:t>
                       </a:r>
                       <a:r>
-                        <a:rPr lang="en-US" sz="1400">
+                        <a:rPr lang="en-US" sz="1800" dirty="0" smtClean="0">
                           <a:effectLst/>
                         </a:rPr>
                         <a:t>F</a:t>
                       </a:r>
                       <a:r>
-                        <a:rPr lang="ru-RU" sz="1400">
+                        <a:rPr lang="ru-RU" sz="1800" dirty="0" smtClean="0">
                           <a:effectLst/>
                         </a:rPr>
                         <a:t>4</a:t>
                       </a:r>
-                      <a:endParaRPr lang="ru-RU" sz="1400">
+                      <a:endParaRPr lang="ru-RU" sz="1800" dirty="0" smtClean="0">
                         <a:effectLst/>
                         <a:latin typeface="Times New Roman" panose="02020603050405020304" pitchFamily="18" charset="0"/>
                         <a:ea typeface="Times New Roman" panose="02020603050405020304" pitchFamily="18" charset="0"/>
                         <a:cs typeface="Times New Roman" panose="02020603050405020304" pitchFamily="18" charset="0"/>
                       </a:endParaRPr>
                     </a:p>
+                    <a:p>
+                      <a:endParaRPr lang="ru-RU" dirty="0"/>
+                    </a:p>
                   </a:txBody>
-                  <a:tcPr marL="40625" marR="40625" marT="0" marB="0"/>
+                  <a:tcPr/>
                 </a:tc>
                 <a:tc>
                   <a:txBody>
                     <a:bodyPr/>
                     <a:lstStyle/>
                     <a:p>
-                      <a:pPr indent="450215" algn="l">
+                      <a:r>
+                        <a:rPr lang="ru-RU" dirty="0" smtClean="0"/>
+                        <a:t>168 МГц</a:t>
+                      </a:r>
+                      <a:r>
+                        <a:rPr lang="ru-RU" baseline="0" dirty="0" smtClean="0"/>
+                        <a:t> и низкоскоростной 42 МГц</a:t>
+                      </a:r>
+                      <a:endParaRPr lang="ru-RU" dirty="0"/>
+                    </a:p>
+                  </a:txBody>
+                  <a:tcPr/>
+                </a:tc>
+                <a:tc>
+                  <a:txBody>
+                    <a:bodyPr/>
+                    <a:lstStyle/>
+                    <a:p>
+                      <a:pPr marL="0" marR="0" indent="0" algn="l" defTabSz="914400" rtl="0" eaLnBrk="1" fontAlgn="auto" latinLnBrk="0" hangingPunct="1">
                         <a:lnSpc>
-                          <a:spcPct val="150000"/>
+                          <a:spcPct val="100000"/>
                         </a:lnSpc>
+                        <a:spcBef>
+                          <a:spcPts val="0"/>
+                        </a:spcBef>
                         <a:spcAft>
                           <a:spcPts val="0"/>
                         </a:spcAft>
+                        <a:buClrTx/>
+                        <a:buSzTx/>
+                        <a:buFontTx/>
+                        <a:buNone/>
+                        <a:tabLst/>
+                        <a:defRPr/>
                       </a:pPr>
                       <a:r>
-                        <a:rPr lang="ru-RU" sz="1400">
+                        <a:rPr lang="ru-RU" sz="1800" dirty="0" smtClean="0">
                           <a:effectLst/>
                         </a:rPr>
-                        <a:t>168 МГц</a:t>
-                      </a:r>
-                    </a:p>
-                    <a:p>
-                      <a:pPr indent="450215" algn="l">
-                        <a:lnSpc>
-                          <a:spcPct val="150000"/>
-                        </a:lnSpc>
-                        <a:spcAft>
-                          <a:spcPts val="0"/>
-                        </a:spcAft>
-                      </a:pPr>
-                      <a:r>
-                        <a:rPr lang="ru-RU" sz="1400">
-                          <a:effectLst/>
-                        </a:rPr>
-                        <a:t>Низкоскоростной 42 МГц</a:t>
-                      </a:r>
-                      <a:endParaRPr lang="ru-RU" sz="1400">
+                        <a:t>44мА</a:t>
+                      </a:r>
+                      <a:endParaRPr lang="ru-RU" sz="1800" dirty="0" smtClean="0">
                         <a:effectLst/>
                         <a:latin typeface="Times New Roman" panose="02020603050405020304" pitchFamily="18" charset="0"/>
                         <a:ea typeface="Times New Roman" panose="02020603050405020304" pitchFamily="18" charset="0"/>
                         <a:cs typeface="Times New Roman" panose="02020603050405020304" pitchFamily="18" charset="0"/>
                       </a:endParaRPr>
                     </a:p>
+                    <a:p>
+                      <a:endParaRPr lang="ru-RU" dirty="0"/>
+                    </a:p>
                   </a:txBody>
-                  <a:tcPr marL="40625" marR="40625" marT="0" marB="0"/>
+                  <a:tcPr/>
                 </a:tc>
                 <a:tc>
                   <a:txBody>
                     <a:bodyPr/>
                     <a:lstStyle/>
                     <a:p>
-                      <a:pPr indent="450215" algn="l">
+                      <a:pPr marL="0" marR="0" indent="0" algn="l" defTabSz="914400" rtl="0" eaLnBrk="1" fontAlgn="auto" latinLnBrk="0" hangingPunct="1">
                         <a:lnSpc>
-                          <a:spcPct val="150000"/>
+                          <a:spcPct val="100000"/>
                         </a:lnSpc>
+                        <a:spcBef>
+                          <a:spcPts val="0"/>
+                        </a:spcBef>
                         <a:spcAft>
                           <a:spcPts val="0"/>
                         </a:spcAft>
+                        <a:buClrTx/>
+                        <a:buSzTx/>
+                        <a:buFontTx/>
+                        <a:buNone/>
+                        <a:tabLst/>
+                        <a:defRPr/>
                       </a:pPr>
                       <a:r>
-                        <a:rPr lang="ru-RU" sz="1400" dirty="0">
+                        <a:rPr lang="ru-RU" sz="1800" dirty="0" smtClean="0">
                           <a:effectLst/>
                         </a:rPr>
-                        <a:t>44мА при 180</a:t>
-                      </a:r>
-                      <a:endParaRPr lang="ru-RU" sz="1400" dirty="0">
+                        <a:t>5000р</a:t>
+                      </a:r>
+                      <a:endParaRPr lang="ru-RU" sz="1800" dirty="0" smtClean="0">
                         <a:effectLst/>
                         <a:latin typeface="Times New Roman" panose="02020603050405020304" pitchFamily="18" charset="0"/>
                         <a:ea typeface="Times New Roman" panose="02020603050405020304" pitchFamily="18" charset="0"/>
                         <a:cs typeface="Times New Roman" panose="02020603050405020304" pitchFamily="18" charset="0"/>
                       </a:endParaRPr>
                     </a:p>
+                    <a:p>
+                      <a:endParaRPr lang="ru-RU" dirty="0"/>
+                    </a:p>
                   </a:txBody>
-                  <a:tcPr marL="40625" marR="40625" marT="0" marB="0"/>
-                </a:tc>
-                <a:tc>
-                  <a:txBody>
-                    <a:bodyPr/>
-                    <a:lstStyle/>
-                    <a:p>
-                      <a:pPr indent="450215" algn="l">
-                        <a:lnSpc>
-                          <a:spcPct val="150000"/>
-                        </a:lnSpc>
-                        <a:spcAft>
-                          <a:spcPts val="0"/>
-                        </a:spcAft>
-                      </a:pPr>
-                      <a:r>
-                        <a:rPr lang="ru-RU" sz="1400" dirty="0">
-                          <a:effectLst/>
-                        </a:rPr>
-                        <a:t>5000р</a:t>
-                      </a:r>
-                      <a:endParaRPr lang="ru-RU" sz="1400" dirty="0">
-                        <a:effectLst/>
-                        <a:latin typeface="Times New Roman" panose="02020603050405020304" pitchFamily="18" charset="0"/>
-                        <a:ea typeface="Times New Roman" panose="02020603050405020304" pitchFamily="18" charset="0"/>
-                        <a:cs typeface="Times New Roman" panose="02020603050405020304" pitchFamily="18" charset="0"/>
-                      </a:endParaRPr>
-                    </a:p>
-                  </a:txBody>
-                  <a:tcPr marL="40625" marR="40625" marT="0" marB="0"/>
+                  <a:tcPr/>
                 </a:tc>
                 <a:extLst>
                   <a:ext uri="{0D108BD9-81ED-4DB2-BD59-A6C34878D82A}">
-                    <a16:rowId xmlns:a16="http://schemas.microsoft.com/office/drawing/2014/main" val="3017245029"/>
+                    <a16:rowId xmlns:a16="http://schemas.microsoft.com/office/drawing/2014/main" val="3705261740"/>
                   </a:ext>
                 </a:extLst>
               </a:tr>
@@ -10077,7 +10178,7 @@
     </p:spTree>
     <p:extLst>
       <p:ext uri="{BB962C8B-B14F-4D97-AF65-F5344CB8AC3E}">
-        <p14:creationId xmlns:p14="http://schemas.microsoft.com/office/powerpoint/2010/main" val="3943902256"/>
+        <p14:creationId xmlns:p14="http://schemas.microsoft.com/office/powerpoint/2010/main" val="478880176"/>
       </p:ext>
     </p:extLst>
   </p:cSld>
@@ -10192,7 +10293,6 @@
               <a:rPr lang="ru-RU" dirty="0"/>
               <a:t> обычного положения руки </a:t>
             </a:r>
-            <a:endParaRPr lang="ru-RU" dirty="0"/>
           </a:p>
         </p:txBody>
       </p:sp>

--- a/presentation.pptx
+++ b/presentation.pptx
@@ -380,6 +380,72 @@
     </p:spTree>
     <p:extLst>
       <p:ext uri="{BB962C8B-B14F-4D97-AF65-F5344CB8AC3E}">
+        <p14:creationId xmlns:p14="http://schemas.microsoft.com/office/powerpoint/2010/main" val="1767720525"/>
+      </p:ext>
+    </p:extLst>
+  </p:cSld>
+  <p:clrMapOvr>
+    <a:masterClrMapping/>
+  </p:clrMapOvr>
+</p:notes>
+</file>
+
+<file path=ppt/notesSlides/notesSlide2.xml><?xml version="1.0" encoding="utf-8"?>
+<p:notes xmlns:a="http://schemas.openxmlformats.org/drawingml/2006/main" xmlns:r="http://schemas.openxmlformats.org/officeDocument/2006/relationships" xmlns:p="http://schemas.openxmlformats.org/presentationml/2006/main">
+  <p:cSld>
+    <p:spTree>
+      <p:nvGrpSpPr>
+        <p:cNvPr id="1" name=""/>
+        <p:cNvGrpSpPr/>
+        <p:nvPr/>
+      </p:nvGrpSpPr>
+      <p:grpSpPr>
+        <a:xfrm>
+          <a:off x="0" y="0"/>
+          <a:ext cx="0" cy="0"/>
+          <a:chOff x="0" y="0"/>
+          <a:chExt cx="0" cy="0"/>
+        </a:xfrm>
+      </p:grpSpPr>
+      <p:sp>
+        <p:nvSpPr>
+          <p:cNvPr id="2" name="Образ слайда 1"/>
+          <p:cNvSpPr>
+            <a:spLocks noGrp="1" noRot="1" noChangeAspect="1"/>
+          </p:cNvSpPr>
+          <p:nvPr>
+            <p:ph type="sldImg"/>
+          </p:nvPr>
+        </p:nvSpPr>
+        <p:spPr>
+          <a:xfrm>
+            <a:off x="381000" y="685800"/>
+            <a:ext cx="6096000" cy="3429000"/>
+          </a:xfrm>
+        </p:spPr>
+      </p:sp>
+      <p:sp>
+        <p:nvSpPr>
+          <p:cNvPr id="3" name="Заметки 2"/>
+          <p:cNvSpPr>
+            <a:spLocks noGrp="1"/>
+          </p:cNvSpPr>
+          <p:nvPr>
+            <p:ph type="body" idx="1"/>
+          </p:nvPr>
+        </p:nvSpPr>
+        <p:spPr/>
+        <p:txBody>
+          <a:bodyPr/>
+          <a:lstStyle/>
+          <a:p>
+            <a:endParaRPr lang="ru-RU" dirty="0"/>
+          </a:p>
+        </p:txBody>
+      </p:sp>
+    </p:spTree>
+    <p:extLst>
+      <p:ext uri="{BB962C8B-B14F-4D97-AF65-F5344CB8AC3E}">
         <p14:creationId xmlns:p14="http://schemas.microsoft.com/office/powerpoint/2010/main" val="3964789894"/>
       </p:ext>
     </p:extLst>
@@ -432,10 +498,9 @@
           </a:lstStyle>
           <a:p>
             <a:r>
-              <a:rPr lang="ru-RU" smtClean="0"/>
+              <a:rPr lang="ru-RU"/>
               <a:t>Образец заголовка</a:t>
             </a:r>
-            <a:endParaRPr lang="ru-RU"/>
           </a:p>
         </p:txBody>
       </p:sp>
@@ -497,10 +562,9 @@
           </a:lstStyle>
           <a:p>
             <a:r>
-              <a:rPr lang="ru-RU" smtClean="0"/>
+              <a:rPr lang="ru-RU"/>
               <a:t>Образец подзаголовка</a:t>
             </a:r>
-            <a:endParaRPr lang="ru-RU"/>
           </a:p>
         </p:txBody>
       </p:sp>
@@ -521,7 +585,7 @@
           <a:p>
             <a:fld id="{BDD16418-436B-48A9-AE2A-B17C35EEC8BC}" type="datetimeFigureOut">
               <a:rPr lang="ru-RU" smtClean="0"/>
-              <a:t>02.06.2022</a:t>
+              <a:t>09.06.2022</a:t>
             </a:fld>
             <a:endParaRPr lang="ru-RU"/>
           </a:p>
@@ -615,10 +679,9 @@
           <a:lstStyle/>
           <a:p>
             <a:r>
-              <a:rPr lang="ru-RU" smtClean="0"/>
+              <a:rPr lang="ru-RU"/>
               <a:t>Образец заголовка</a:t>
             </a:r>
-            <a:endParaRPr lang="ru-RU"/>
           </a:p>
         </p:txBody>
       </p:sp>
@@ -639,38 +702,37 @@
           <a:p>
             <a:pPr lvl="0"/>
             <a:r>
-              <a:rPr lang="ru-RU" smtClean="0"/>
+              <a:rPr lang="ru-RU"/>
               <a:t>Образец текста</a:t>
             </a:r>
           </a:p>
           <a:p>
             <a:pPr lvl="1"/>
             <a:r>
-              <a:rPr lang="ru-RU" smtClean="0"/>
+              <a:rPr lang="ru-RU"/>
               <a:t>Второй уровень</a:t>
             </a:r>
           </a:p>
           <a:p>
             <a:pPr lvl="2"/>
             <a:r>
-              <a:rPr lang="ru-RU" smtClean="0"/>
+              <a:rPr lang="ru-RU"/>
               <a:t>Третий уровень</a:t>
             </a:r>
           </a:p>
           <a:p>
             <a:pPr lvl="3"/>
             <a:r>
-              <a:rPr lang="ru-RU" smtClean="0"/>
+              <a:rPr lang="ru-RU"/>
               <a:t>Четвертый уровень</a:t>
             </a:r>
           </a:p>
           <a:p>
             <a:pPr lvl="4"/>
             <a:r>
-              <a:rPr lang="ru-RU" smtClean="0"/>
+              <a:rPr lang="ru-RU"/>
               <a:t>Пятый уровень</a:t>
             </a:r>
-            <a:endParaRPr lang="ru-RU"/>
           </a:p>
         </p:txBody>
       </p:sp>
@@ -691,7 +753,7 @@
           <a:p>
             <a:fld id="{BDD16418-436B-48A9-AE2A-B17C35EEC8BC}" type="datetimeFigureOut">
               <a:rPr lang="ru-RU" smtClean="0"/>
-              <a:t>02.06.2022</a:t>
+              <a:t>09.06.2022</a:t>
             </a:fld>
             <a:endParaRPr lang="ru-RU"/>
           </a:p>
@@ -790,10 +852,9 @@
           <a:lstStyle/>
           <a:p>
             <a:r>
-              <a:rPr lang="ru-RU" smtClean="0"/>
+              <a:rPr lang="ru-RU"/>
               <a:t>Образец заголовка</a:t>
             </a:r>
-            <a:endParaRPr lang="ru-RU"/>
           </a:p>
         </p:txBody>
       </p:sp>
@@ -819,38 +880,37 @@
           <a:p>
             <a:pPr lvl="0"/>
             <a:r>
-              <a:rPr lang="ru-RU" smtClean="0"/>
+              <a:rPr lang="ru-RU"/>
               <a:t>Образец текста</a:t>
             </a:r>
           </a:p>
           <a:p>
             <a:pPr lvl="1"/>
             <a:r>
-              <a:rPr lang="ru-RU" smtClean="0"/>
+              <a:rPr lang="ru-RU"/>
               <a:t>Второй уровень</a:t>
             </a:r>
           </a:p>
           <a:p>
             <a:pPr lvl="2"/>
             <a:r>
-              <a:rPr lang="ru-RU" smtClean="0"/>
+              <a:rPr lang="ru-RU"/>
               <a:t>Третий уровень</a:t>
             </a:r>
           </a:p>
           <a:p>
             <a:pPr lvl="3"/>
             <a:r>
-              <a:rPr lang="ru-RU" smtClean="0"/>
+              <a:rPr lang="ru-RU"/>
               <a:t>Четвертый уровень</a:t>
             </a:r>
           </a:p>
           <a:p>
             <a:pPr lvl="4"/>
             <a:r>
-              <a:rPr lang="ru-RU" smtClean="0"/>
+              <a:rPr lang="ru-RU"/>
               <a:t>Пятый уровень</a:t>
             </a:r>
-            <a:endParaRPr lang="ru-RU"/>
           </a:p>
         </p:txBody>
       </p:sp>
@@ -871,7 +931,7 @@
           <a:p>
             <a:fld id="{BDD16418-436B-48A9-AE2A-B17C35EEC8BC}" type="datetimeFigureOut">
               <a:rPr lang="ru-RU" smtClean="0"/>
-              <a:t>02.06.2022</a:t>
+              <a:t>09.06.2022</a:t>
             </a:fld>
             <a:endParaRPr lang="ru-RU"/>
           </a:p>
@@ -965,10 +1025,9 @@
           <a:lstStyle/>
           <a:p>
             <a:r>
-              <a:rPr lang="ru-RU" smtClean="0"/>
+              <a:rPr lang="ru-RU"/>
               <a:t>Образец заголовка</a:t>
             </a:r>
-            <a:endParaRPr lang="ru-RU"/>
           </a:p>
         </p:txBody>
       </p:sp>
@@ -989,38 +1048,37 @@
           <a:p>
             <a:pPr lvl="0"/>
             <a:r>
-              <a:rPr lang="ru-RU" smtClean="0"/>
+              <a:rPr lang="ru-RU"/>
               <a:t>Образец текста</a:t>
             </a:r>
           </a:p>
           <a:p>
             <a:pPr lvl="1"/>
             <a:r>
-              <a:rPr lang="ru-RU" smtClean="0"/>
+              <a:rPr lang="ru-RU"/>
               <a:t>Второй уровень</a:t>
             </a:r>
           </a:p>
           <a:p>
             <a:pPr lvl="2"/>
             <a:r>
-              <a:rPr lang="ru-RU" smtClean="0"/>
+              <a:rPr lang="ru-RU"/>
               <a:t>Третий уровень</a:t>
             </a:r>
           </a:p>
           <a:p>
             <a:pPr lvl="3"/>
             <a:r>
-              <a:rPr lang="ru-RU" smtClean="0"/>
+              <a:rPr lang="ru-RU"/>
               <a:t>Четвертый уровень</a:t>
             </a:r>
           </a:p>
           <a:p>
             <a:pPr lvl="4"/>
             <a:r>
-              <a:rPr lang="ru-RU" smtClean="0"/>
+              <a:rPr lang="ru-RU"/>
               <a:t>Пятый уровень</a:t>
             </a:r>
-            <a:endParaRPr lang="ru-RU"/>
           </a:p>
         </p:txBody>
       </p:sp>
@@ -1041,7 +1099,7 @@
           <a:p>
             <a:fld id="{BDD16418-436B-48A9-AE2A-B17C35EEC8BC}" type="datetimeFigureOut">
               <a:rPr lang="ru-RU" smtClean="0"/>
-              <a:t>02.06.2022</a:t>
+              <a:t>09.06.2022</a:t>
             </a:fld>
             <a:endParaRPr lang="ru-RU"/>
           </a:p>
@@ -1144,10 +1202,9 @@
           </a:lstStyle>
           <a:p>
             <a:r>
-              <a:rPr lang="ru-RU" smtClean="0"/>
+              <a:rPr lang="ru-RU"/>
               <a:t>Образец заголовка</a:t>
             </a:r>
-            <a:endParaRPr lang="ru-RU"/>
           </a:p>
         </p:txBody>
       </p:sp>
@@ -1264,7 +1321,7 @@
           <a:p>
             <a:pPr lvl="0"/>
             <a:r>
-              <a:rPr lang="ru-RU" smtClean="0"/>
+              <a:rPr lang="ru-RU"/>
               <a:t>Образец текста</a:t>
             </a:r>
           </a:p>
@@ -1287,7 +1344,7 @@
           <a:p>
             <a:fld id="{BDD16418-436B-48A9-AE2A-B17C35EEC8BC}" type="datetimeFigureOut">
               <a:rPr lang="ru-RU" smtClean="0"/>
-              <a:t>02.06.2022</a:t>
+              <a:t>09.06.2022</a:t>
             </a:fld>
             <a:endParaRPr lang="ru-RU"/>
           </a:p>
@@ -1381,10 +1438,9 @@
           <a:lstStyle/>
           <a:p>
             <a:r>
-              <a:rPr lang="ru-RU" smtClean="0"/>
+              <a:rPr lang="ru-RU"/>
               <a:t>Образец заголовка</a:t>
             </a:r>
-            <a:endParaRPr lang="ru-RU"/>
           </a:p>
         </p:txBody>
       </p:sp>
@@ -1410,38 +1466,37 @@
           <a:p>
             <a:pPr lvl="0"/>
             <a:r>
-              <a:rPr lang="ru-RU" smtClean="0"/>
+              <a:rPr lang="ru-RU"/>
               <a:t>Образец текста</a:t>
             </a:r>
           </a:p>
           <a:p>
             <a:pPr lvl="1"/>
             <a:r>
-              <a:rPr lang="ru-RU" smtClean="0"/>
+              <a:rPr lang="ru-RU"/>
               <a:t>Второй уровень</a:t>
             </a:r>
           </a:p>
           <a:p>
             <a:pPr lvl="2"/>
             <a:r>
-              <a:rPr lang="ru-RU" smtClean="0"/>
+              <a:rPr lang="ru-RU"/>
               <a:t>Третий уровень</a:t>
             </a:r>
           </a:p>
           <a:p>
             <a:pPr lvl="3"/>
             <a:r>
-              <a:rPr lang="ru-RU" smtClean="0"/>
+              <a:rPr lang="ru-RU"/>
               <a:t>Четвертый уровень</a:t>
             </a:r>
           </a:p>
           <a:p>
             <a:pPr lvl="4"/>
             <a:r>
-              <a:rPr lang="ru-RU" smtClean="0"/>
+              <a:rPr lang="ru-RU"/>
               <a:t>Пятый уровень</a:t>
             </a:r>
-            <a:endParaRPr lang="ru-RU"/>
           </a:p>
         </p:txBody>
       </p:sp>
@@ -1467,38 +1522,37 @@
           <a:p>
             <a:pPr lvl="0"/>
             <a:r>
-              <a:rPr lang="ru-RU" smtClean="0"/>
+              <a:rPr lang="ru-RU"/>
               <a:t>Образец текста</a:t>
             </a:r>
           </a:p>
           <a:p>
             <a:pPr lvl="1"/>
             <a:r>
-              <a:rPr lang="ru-RU" smtClean="0"/>
+              <a:rPr lang="ru-RU"/>
               <a:t>Второй уровень</a:t>
             </a:r>
           </a:p>
           <a:p>
             <a:pPr lvl="2"/>
             <a:r>
-              <a:rPr lang="ru-RU" smtClean="0"/>
+              <a:rPr lang="ru-RU"/>
               <a:t>Третий уровень</a:t>
             </a:r>
           </a:p>
           <a:p>
             <a:pPr lvl="3"/>
             <a:r>
-              <a:rPr lang="ru-RU" smtClean="0"/>
+              <a:rPr lang="ru-RU"/>
               <a:t>Четвертый уровень</a:t>
             </a:r>
           </a:p>
           <a:p>
             <a:pPr lvl="4"/>
             <a:r>
-              <a:rPr lang="ru-RU" smtClean="0"/>
+              <a:rPr lang="ru-RU"/>
               <a:t>Пятый уровень</a:t>
             </a:r>
-            <a:endParaRPr lang="ru-RU"/>
           </a:p>
         </p:txBody>
       </p:sp>
@@ -1519,7 +1573,7 @@
           <a:p>
             <a:fld id="{BDD16418-436B-48A9-AE2A-B17C35EEC8BC}" type="datetimeFigureOut">
               <a:rPr lang="ru-RU" smtClean="0"/>
-              <a:t>02.06.2022</a:t>
+              <a:t>09.06.2022</a:t>
             </a:fld>
             <a:endParaRPr lang="ru-RU"/>
           </a:p>
@@ -1618,10 +1672,9 @@
           <a:lstStyle/>
           <a:p>
             <a:r>
-              <a:rPr lang="ru-RU" smtClean="0"/>
+              <a:rPr lang="ru-RU"/>
               <a:t>Образец заголовка</a:t>
             </a:r>
-            <a:endParaRPr lang="ru-RU"/>
           </a:p>
         </p:txBody>
       </p:sp>
@@ -1684,7 +1737,7 @@
           <a:p>
             <a:pPr lvl="0"/>
             <a:r>
-              <a:rPr lang="ru-RU" smtClean="0"/>
+              <a:rPr lang="ru-RU"/>
               <a:t>Образец текста</a:t>
             </a:r>
           </a:p>
@@ -1712,38 +1765,37 @@
           <a:p>
             <a:pPr lvl="0"/>
             <a:r>
-              <a:rPr lang="ru-RU" smtClean="0"/>
+              <a:rPr lang="ru-RU"/>
               <a:t>Образец текста</a:t>
             </a:r>
           </a:p>
           <a:p>
             <a:pPr lvl="1"/>
             <a:r>
-              <a:rPr lang="ru-RU" smtClean="0"/>
+              <a:rPr lang="ru-RU"/>
               <a:t>Второй уровень</a:t>
             </a:r>
           </a:p>
           <a:p>
             <a:pPr lvl="2"/>
             <a:r>
-              <a:rPr lang="ru-RU" smtClean="0"/>
+              <a:rPr lang="ru-RU"/>
               <a:t>Третий уровень</a:t>
             </a:r>
           </a:p>
           <a:p>
             <a:pPr lvl="3"/>
             <a:r>
-              <a:rPr lang="ru-RU" smtClean="0"/>
+              <a:rPr lang="ru-RU"/>
               <a:t>Четвертый уровень</a:t>
             </a:r>
           </a:p>
           <a:p>
             <a:pPr lvl="4"/>
             <a:r>
-              <a:rPr lang="ru-RU" smtClean="0"/>
+              <a:rPr lang="ru-RU"/>
               <a:t>Пятый уровень</a:t>
             </a:r>
-            <a:endParaRPr lang="ru-RU"/>
           </a:p>
         </p:txBody>
       </p:sp>
@@ -1806,7 +1858,7 @@
           <a:p>
             <a:pPr lvl="0"/>
             <a:r>
-              <a:rPr lang="ru-RU" smtClean="0"/>
+              <a:rPr lang="ru-RU"/>
               <a:t>Образец текста</a:t>
             </a:r>
           </a:p>
@@ -1834,38 +1886,37 @@
           <a:p>
             <a:pPr lvl="0"/>
             <a:r>
-              <a:rPr lang="ru-RU" smtClean="0"/>
+              <a:rPr lang="ru-RU"/>
               <a:t>Образец текста</a:t>
             </a:r>
           </a:p>
           <a:p>
             <a:pPr lvl="1"/>
             <a:r>
-              <a:rPr lang="ru-RU" smtClean="0"/>
+              <a:rPr lang="ru-RU"/>
               <a:t>Второй уровень</a:t>
             </a:r>
           </a:p>
           <a:p>
             <a:pPr lvl="2"/>
             <a:r>
-              <a:rPr lang="ru-RU" smtClean="0"/>
+              <a:rPr lang="ru-RU"/>
               <a:t>Третий уровень</a:t>
             </a:r>
           </a:p>
           <a:p>
             <a:pPr lvl="3"/>
             <a:r>
-              <a:rPr lang="ru-RU" smtClean="0"/>
+              <a:rPr lang="ru-RU"/>
               <a:t>Четвертый уровень</a:t>
             </a:r>
           </a:p>
           <a:p>
             <a:pPr lvl="4"/>
             <a:r>
-              <a:rPr lang="ru-RU" smtClean="0"/>
+              <a:rPr lang="ru-RU"/>
               <a:t>Пятый уровень</a:t>
             </a:r>
-            <a:endParaRPr lang="ru-RU"/>
           </a:p>
         </p:txBody>
       </p:sp>
@@ -1886,7 +1937,7 @@
           <a:p>
             <a:fld id="{BDD16418-436B-48A9-AE2A-B17C35EEC8BC}" type="datetimeFigureOut">
               <a:rPr lang="ru-RU" smtClean="0"/>
-              <a:t>02.06.2022</a:t>
+              <a:t>09.06.2022</a:t>
             </a:fld>
             <a:endParaRPr lang="ru-RU"/>
           </a:p>
@@ -1980,10 +2031,9 @@
           <a:lstStyle/>
           <a:p>
             <a:r>
-              <a:rPr lang="ru-RU" smtClean="0"/>
+              <a:rPr lang="ru-RU"/>
               <a:t>Образец заголовка</a:t>
             </a:r>
-            <a:endParaRPr lang="ru-RU"/>
           </a:p>
         </p:txBody>
       </p:sp>
@@ -2004,7 +2054,7 @@
           <a:p>
             <a:fld id="{BDD16418-436B-48A9-AE2A-B17C35EEC8BC}" type="datetimeFigureOut">
               <a:rPr lang="ru-RU" smtClean="0"/>
-              <a:t>02.06.2022</a:t>
+              <a:t>09.06.2022</a:t>
             </a:fld>
             <a:endParaRPr lang="ru-RU"/>
           </a:p>
@@ -2099,7 +2149,7 @@
           <a:p>
             <a:fld id="{BDD16418-436B-48A9-AE2A-B17C35EEC8BC}" type="datetimeFigureOut">
               <a:rPr lang="ru-RU" smtClean="0"/>
-              <a:t>02.06.2022</a:t>
+              <a:t>09.06.2022</a:t>
             </a:fld>
             <a:endParaRPr lang="ru-RU"/>
           </a:p>
@@ -2202,10 +2252,9 @@
           </a:lstStyle>
           <a:p>
             <a:r>
-              <a:rPr lang="ru-RU" smtClean="0"/>
+              <a:rPr lang="ru-RU"/>
               <a:t>Образец заголовка</a:t>
             </a:r>
-            <a:endParaRPr lang="ru-RU"/>
           </a:p>
         </p:txBody>
       </p:sp>
@@ -2259,38 +2308,37 @@
           <a:p>
             <a:pPr lvl="0"/>
             <a:r>
-              <a:rPr lang="ru-RU" smtClean="0"/>
+              <a:rPr lang="ru-RU"/>
               <a:t>Образец текста</a:t>
             </a:r>
           </a:p>
           <a:p>
             <a:pPr lvl="1"/>
             <a:r>
-              <a:rPr lang="ru-RU" smtClean="0"/>
+              <a:rPr lang="ru-RU"/>
               <a:t>Второй уровень</a:t>
             </a:r>
           </a:p>
           <a:p>
             <a:pPr lvl="2"/>
             <a:r>
-              <a:rPr lang="ru-RU" smtClean="0"/>
+              <a:rPr lang="ru-RU"/>
               <a:t>Третий уровень</a:t>
             </a:r>
           </a:p>
           <a:p>
             <a:pPr lvl="3"/>
             <a:r>
-              <a:rPr lang="ru-RU" smtClean="0"/>
+              <a:rPr lang="ru-RU"/>
               <a:t>Четвертый уровень</a:t>
             </a:r>
           </a:p>
           <a:p>
             <a:pPr lvl="4"/>
             <a:r>
-              <a:rPr lang="ru-RU" smtClean="0"/>
+              <a:rPr lang="ru-RU"/>
               <a:t>Пятый уровень</a:t>
             </a:r>
-            <a:endParaRPr lang="ru-RU"/>
           </a:p>
         </p:txBody>
       </p:sp>
@@ -2353,7 +2401,7 @@
           <a:p>
             <a:pPr lvl="0"/>
             <a:r>
-              <a:rPr lang="ru-RU" smtClean="0"/>
+              <a:rPr lang="ru-RU"/>
               <a:t>Образец текста</a:t>
             </a:r>
           </a:p>
@@ -2376,7 +2424,7 @@
           <a:p>
             <a:fld id="{BDD16418-436B-48A9-AE2A-B17C35EEC8BC}" type="datetimeFigureOut">
               <a:rPr lang="ru-RU" smtClean="0"/>
-              <a:t>02.06.2022</a:t>
+              <a:t>09.06.2022</a:t>
             </a:fld>
             <a:endParaRPr lang="ru-RU"/>
           </a:p>
@@ -2479,10 +2527,9 @@
           </a:lstStyle>
           <a:p>
             <a:r>
-              <a:rPr lang="ru-RU" smtClean="0"/>
+              <a:rPr lang="ru-RU"/>
               <a:t>Образец заголовка</a:t>
             </a:r>
-            <a:endParaRPr lang="ru-RU"/>
           </a:p>
         </p:txBody>
       </p:sp>
@@ -2606,7 +2653,7 @@
           <a:p>
             <a:pPr lvl="0"/>
             <a:r>
-              <a:rPr lang="ru-RU" smtClean="0"/>
+              <a:rPr lang="ru-RU"/>
               <a:t>Образец текста</a:t>
             </a:r>
           </a:p>
@@ -2629,7 +2676,7 @@
           <a:p>
             <a:fld id="{BDD16418-436B-48A9-AE2A-B17C35EEC8BC}" type="datetimeFigureOut">
               <a:rPr lang="ru-RU" smtClean="0"/>
-              <a:t>02.06.2022</a:t>
+              <a:t>09.06.2022</a:t>
             </a:fld>
             <a:endParaRPr lang="ru-RU"/>
           </a:p>
@@ -2738,10 +2785,9 @@
           <a:lstStyle/>
           <a:p>
             <a:r>
-              <a:rPr lang="ru-RU" smtClean="0"/>
+              <a:rPr lang="ru-RU"/>
               <a:t>Образец заголовка</a:t>
             </a:r>
-            <a:endParaRPr lang="ru-RU"/>
           </a:p>
         </p:txBody>
       </p:sp>
@@ -2772,38 +2818,37 @@
           <a:p>
             <a:pPr lvl="0"/>
             <a:r>
-              <a:rPr lang="ru-RU" smtClean="0"/>
+              <a:rPr lang="ru-RU"/>
               <a:t>Образец текста</a:t>
             </a:r>
           </a:p>
           <a:p>
             <a:pPr lvl="1"/>
             <a:r>
-              <a:rPr lang="ru-RU" smtClean="0"/>
+              <a:rPr lang="ru-RU"/>
               <a:t>Второй уровень</a:t>
             </a:r>
           </a:p>
           <a:p>
             <a:pPr lvl="2"/>
             <a:r>
-              <a:rPr lang="ru-RU" smtClean="0"/>
+              <a:rPr lang="ru-RU"/>
               <a:t>Третий уровень</a:t>
             </a:r>
           </a:p>
           <a:p>
             <a:pPr lvl="3"/>
             <a:r>
-              <a:rPr lang="ru-RU" smtClean="0"/>
+              <a:rPr lang="ru-RU"/>
               <a:t>Четвертый уровень</a:t>
             </a:r>
           </a:p>
           <a:p>
             <a:pPr lvl="4"/>
             <a:r>
-              <a:rPr lang="ru-RU" smtClean="0"/>
+              <a:rPr lang="ru-RU"/>
               <a:t>Пятый уровень</a:t>
             </a:r>
-            <a:endParaRPr lang="ru-RU"/>
           </a:p>
         </p:txBody>
       </p:sp>
@@ -2842,7 +2887,7 @@
           <a:p>
             <a:fld id="{BDD16418-436B-48A9-AE2A-B17C35EEC8BC}" type="datetimeFigureOut">
               <a:rPr lang="ru-RU" smtClean="0"/>
-              <a:t>02.06.2022</a:t>
+              <a:t>09.06.2022</a:t>
             </a:fld>
             <a:endParaRPr lang="ru-RU"/>
           </a:p>
@@ -3273,27 +3318,27 @@
           </a:lstStyle>
           <a:p>
             <a:r>
-              <a:rPr lang="ru-RU" sz="3600" b="1" dirty="0" smtClean="0"/>
+              <a:rPr lang="ru-RU" sz="3600" b="1" dirty="0"/>
               <a:t>Разработка </a:t>
             </a:r>
             <a:r>
-              <a:rPr lang="en-US" sz="3600" b="1" dirty="0" smtClean="0">
+              <a:rPr lang="en-US" sz="3600" b="1" dirty="0">
                 <a:latin typeface="Ubuntu" panose="020B0504030602030204"/>
               </a:rPr>
               <a:t>“</a:t>
             </a:r>
             <a:r>
-              <a:rPr lang="ru-RU" sz="3600" b="1" dirty="0" smtClean="0"/>
+              <a:rPr lang="ru-RU" sz="3600" b="1" dirty="0"/>
               <a:t>умного</a:t>
             </a:r>
             <a:r>
-              <a:rPr lang="en-US" sz="3600" b="1" dirty="0" smtClean="0">
+              <a:rPr lang="en-US" sz="3600" b="1" dirty="0">
                 <a:latin typeface="Ubuntu" panose="020B0504030602030204"/>
               </a:rPr>
               <a:t>”</a:t>
             </a:r>
             <a:r>
-              <a:rPr lang="ru-RU" sz="3600" b="1" dirty="0" smtClean="0"/>
+              <a:rPr lang="ru-RU" sz="3600" b="1" dirty="0"/>
               <a:t> браслета для борьбы с курением </a:t>
             </a:r>
             <a:endParaRPr sz="3600" b="1" dirty="0">
@@ -3328,7 +3373,7 @@
           <a:lstStyle/>
           <a:p>
             <a:r>
-              <a:rPr lang="ru-RU" sz="1800" dirty="0" smtClean="0">
+              <a:rPr lang="ru-RU" sz="1800" dirty="0">
                 <a:ln w="0"/>
                 <a:effectLst>
                   <a:outerShdw blurRad="38100" dist="19050" dir="2700000" algn="tl" rotWithShape="0">
@@ -3347,7 +3392,7 @@
           </a:p>
           <a:p>
             <a:r>
-              <a:rPr lang="ru-RU" sz="1800" dirty="0" err="1" smtClean="0">
+              <a:rPr lang="ru-RU" sz="1800" dirty="0" err="1">
                 <a:ln w="0"/>
                 <a:effectLst>
                   <a:outerShdw blurRad="38100" dist="19050" dir="2700000" algn="tl" rotWithShape="0">
@@ -3364,7 +3409,7 @@
               <a:t>КСиК</a:t>
             </a:r>
             <a:r>
-              <a:rPr lang="en-US" sz="1800" dirty="0" smtClean="0">
+              <a:rPr lang="en-US" sz="1800" dirty="0">
                 <a:ln w="0"/>
                 <a:latin typeface="ubuntu" panose="020B0504030602030204" pitchFamily="34" charset="0"/>
                 <a:ea typeface="Times New Roman"/>
@@ -3374,7 +3419,7 @@
               <a:t>-41:</a:t>
             </a:r>
             <a:r>
-              <a:rPr lang="ru-RU" sz="1800" dirty="0" smtClean="0">
+              <a:rPr lang="ru-RU" sz="1800" dirty="0">
                 <a:ln w="0"/>
                 <a:effectLst>
                   <a:outerShdw blurRad="38100" dist="19050" dir="2700000" algn="tl" rotWithShape="0">
@@ -3390,7 +3435,7 @@
               </a:rPr>
               <a:t> </a:t>
             </a:r>
-            <a:endParaRPr lang="en-US" sz="1800" dirty="0" smtClean="0">
+            <a:endParaRPr lang="en-US" sz="1800" dirty="0">
               <a:ln w="0"/>
               <a:effectLst>
                 <a:outerShdw blurRad="38100" dist="19050" dir="2700000" algn="tl" rotWithShape="0">
@@ -3407,7 +3452,7 @@
           </a:p>
           <a:p>
             <a:r>
-              <a:rPr lang="ru-RU" sz="1800" dirty="0" smtClean="0">
+              <a:rPr lang="ru-RU" sz="1800" dirty="0">
                 <a:ln w="0"/>
                 <a:effectLst>
                   <a:outerShdw blurRad="38100" dist="19050" dir="2700000" algn="tl" rotWithShape="0">
@@ -3423,10 +3468,9 @@
           </a:p>
           <a:p>
             <a:r>
-              <a:rPr sz="1800" dirty="0" smtClean="0"/>
+              <a:rPr sz="1800" dirty="0"/>
               <a:t> </a:t>
             </a:r>
-            <a:endParaRPr sz="1800" dirty="0"/>
           </a:p>
         </p:txBody>
       </p:sp>
@@ -3493,7 +3537,7 @@
               <a:buSzPts val="1600"/>
             </a:pPr>
             <a:r>
-              <a:rPr lang="ru-RU" dirty="0" smtClean="0">
+              <a:rPr lang="ru-RU" dirty="0">
                 <a:ln w="0"/>
                 <a:effectLst>
                   <a:outerShdw blurRad="38100" dist="19050" dir="2700000" algn="tl" rotWithShape="0">
@@ -3510,7 +3554,7 @@
               <a:t>Дипломный руководитель</a:t>
             </a:r>
             <a:r>
-              <a:rPr lang="en-US" dirty="0" smtClean="0">
+              <a:rPr lang="en-US" dirty="0">
                 <a:ln w="0"/>
                 <a:effectLst>
                   <a:outerShdw blurRad="38100" dist="19050" dir="2700000" algn="tl" rotWithShape="0">
@@ -3549,23 +3593,6 @@
               <a:buSzPts val="1600"/>
             </a:pPr>
             <a:r>
-              <a:rPr lang="ru-RU" dirty="0" smtClean="0">
-                <a:ln w="0"/>
-                <a:effectLst>
-                  <a:outerShdw blurRad="38100" dist="19050" dir="2700000" algn="tl" rotWithShape="0">
-                    <a:schemeClr val="dk1">
-                      <a:alpha val="40000"/>
-                    </a:schemeClr>
-                  </a:outerShdw>
-                </a:effectLst>
-                <a:latin typeface="ubuntu" panose="020B0504030602030204" pitchFamily="34" charset="0"/>
-                <a:ea typeface="Times New Roman"/>
-                <a:cs typeface="Times New Roman"/>
-                <a:sym typeface="Times New Roman"/>
-              </a:rPr>
-              <a:t>Воронин </a:t>
-            </a:r>
-            <a:r>
               <a:rPr lang="ru-RU" dirty="0">
                 <a:ln w="0"/>
                 <a:effectLst>
@@ -3580,10 +3607,10 @@
                 <a:cs typeface="Times New Roman"/>
                 <a:sym typeface="Times New Roman"/>
               </a:rPr>
-              <a:t>В</a:t>
-            </a:r>
-            <a:r>
-              <a:rPr lang="en-US" dirty="0" smtClean="0">
+              <a:t>Воронин В</a:t>
+            </a:r>
+            <a:r>
+              <a:rPr lang="en-US" dirty="0">
                 <a:ln w="0"/>
                 <a:effectLst>
                   <a:outerShdw blurRad="38100" dist="19050" dir="2700000" algn="tl" rotWithShape="0">
@@ -3600,23 +3627,6 @@
               <a:t>.</a:t>
             </a:r>
             <a:r>
-              <a:rPr lang="ru-RU" dirty="0" smtClean="0">
-                <a:ln w="0"/>
-                <a:effectLst>
-                  <a:outerShdw blurRad="38100" dist="19050" dir="2700000" algn="tl" rotWithShape="0">
-                    <a:schemeClr val="dk1">
-                      <a:alpha val="40000"/>
-                    </a:schemeClr>
-                  </a:outerShdw>
-                </a:effectLst>
-                <a:latin typeface="ubuntu" panose="020B0504030602030204" pitchFamily="34" charset="0"/>
-                <a:ea typeface="Times New Roman"/>
-                <a:cs typeface="Times New Roman"/>
-                <a:sym typeface="Times New Roman"/>
-              </a:rPr>
-              <a:t> </a:t>
-            </a:r>
-            <a:r>
               <a:rPr lang="ru-RU" dirty="0">
                 <a:ln w="0"/>
                 <a:effectLst>
@@ -3631,39 +3641,8 @@
                 <a:cs typeface="Times New Roman"/>
                 <a:sym typeface="Times New Roman"/>
               </a:rPr>
-              <a:t>С</a:t>
-            </a:r>
-            <a:r>
-              <a:rPr lang="ru-RU" dirty="0" smtClean="0">
-                <a:ln w="0"/>
-                <a:effectLst>
-                  <a:outerShdw blurRad="38100" dist="19050" dir="2700000" algn="tl" rotWithShape="0">
-                    <a:schemeClr val="dk1">
-                      <a:alpha val="40000"/>
-                    </a:schemeClr>
-                  </a:outerShdw>
-                </a:effectLst>
-                <a:latin typeface="ubuntu" panose="020B0504030602030204" pitchFamily="34" charset="0"/>
-                <a:ea typeface="Times New Roman"/>
-                <a:cs typeface="Times New Roman"/>
-                <a:sym typeface="Times New Roman"/>
-              </a:rPr>
-              <a:t>.</a:t>
-            </a:r>
-            <a:endParaRPr lang="ru-RU" dirty="0">
-              <a:ln w="0"/>
-              <a:effectLst>
-                <a:outerShdw blurRad="38100" dist="19050" dir="2700000" algn="tl" rotWithShape="0">
-                  <a:schemeClr val="dk1">
-                    <a:alpha val="40000"/>
-                  </a:schemeClr>
-                </a:outerShdw>
-              </a:effectLst>
-              <a:latin typeface="ubuntu" panose="020B0504030602030204" pitchFamily="34" charset="0"/>
-              <a:ea typeface="Times New Roman"/>
-              <a:cs typeface="Times New Roman"/>
-              <a:sym typeface="Times New Roman"/>
-            </a:endParaRPr>
+              <a:t> С.</a:t>
+            </a:r>
           </a:p>
         </p:txBody>
       </p:sp>
@@ -3672,21 +3651,6 @@
   <p:clrMapOvr>
     <a:masterClrMapping/>
   </p:clrMapOvr>
-  <mc:AlternateContent xmlns:mc="http://schemas.openxmlformats.org/markup-compatibility/2006" xmlns:p14="http://schemas.microsoft.com/office/powerpoint/2010/main">
-    <mc:Choice Requires="p14">
-      <p:transition spd="slow" p14:dur="2000"/>
-    </mc:Choice>
-    <mc:Fallback xmlns="">
-      <p:transition spd="slow"/>
-    </mc:Fallback>
-  </mc:AlternateContent>
-  <p:timing>
-    <p:tnLst>
-      <p:par>
-        <p:cTn id="1" dur="indefinite" restart="never" nodeType="tmRoot"/>
-      </p:par>
-    </p:tnLst>
-  </p:timing>
 </p:sld>
 </file>
 
@@ -3777,10 +3741,9 @@
                     <a:lstStyle/>
                     <a:p>
                       <a:r>
-                        <a:rPr lang="ru-RU" sz="2000" dirty="0" smtClean="0"/>
+                        <a:rPr lang="ru-RU" sz="2000" dirty="0"/>
                         <a:t>Название</a:t>
                       </a:r>
-                      <a:endParaRPr lang="ru-RU" sz="2000" dirty="0"/>
                     </a:p>
                   </a:txBody>
                   <a:tcPr/>
@@ -3791,10 +3754,9 @@
                     <a:lstStyle/>
                     <a:p>
                       <a:r>
-                        <a:rPr lang="ru-RU" dirty="0" smtClean="0"/>
+                        <a:rPr lang="ru-RU" dirty="0"/>
                         <a:t>Аккуратность</a:t>
                       </a:r>
-                      <a:endParaRPr lang="ru-RU" dirty="0"/>
                     </a:p>
                   </a:txBody>
                   <a:tcPr/>
@@ -3829,12 +3791,12 @@
                         <a:defRPr/>
                       </a:pPr>
                       <a:r>
-                        <a:rPr lang="ru-RU" sz="1800" dirty="0" smtClean="0">
+                        <a:rPr lang="ru-RU" sz="1800" dirty="0">
                           <a:effectLst/>
                         </a:rPr>
                         <a:t>Логистическая регрессия</a:t>
                       </a:r>
-                      <a:endParaRPr lang="ru-RU" sz="1800" dirty="0" smtClean="0">
+                      <a:endParaRPr lang="ru-RU" sz="1800" dirty="0">
                         <a:effectLst/>
                         <a:latin typeface="Times New Roman" panose="02020603050405020304" pitchFamily="18" charset="0"/>
                         <a:ea typeface="Times New Roman" panose="02020603050405020304" pitchFamily="18" charset="0"/>
@@ -3870,12 +3832,12 @@
                         <a:defRPr/>
                       </a:pPr>
                       <a:r>
-                        <a:rPr lang="ru-RU" sz="1800" dirty="0" smtClean="0">
+                        <a:rPr lang="ru-RU" sz="1800" dirty="0">
                           <a:effectLst/>
                         </a:rPr>
                         <a:t>0.7692307692307693</a:t>
                       </a:r>
-                      <a:endParaRPr lang="ru-RU" sz="1800" dirty="0" smtClean="0">
+                      <a:endParaRPr lang="ru-RU" sz="1800" dirty="0">
                         <a:effectLst/>
                         <a:latin typeface="Times New Roman" panose="02020603050405020304" pitchFamily="18" charset="0"/>
                         <a:ea typeface="Times New Roman" panose="02020603050405020304" pitchFamily="18" charset="0"/>
@@ -3918,12 +3880,12 @@
                         <a:defRPr/>
                       </a:pPr>
                       <a:r>
-                        <a:rPr lang="ru-RU" sz="1800" dirty="0" smtClean="0">
+                        <a:rPr lang="ru-RU" sz="1800" dirty="0">
                           <a:effectLst/>
                         </a:rPr>
                         <a:t>Линейный дискриминантный анализ</a:t>
                       </a:r>
-                      <a:endParaRPr lang="ru-RU" sz="1800" dirty="0" smtClean="0">
+                      <a:endParaRPr lang="ru-RU" sz="1800" dirty="0">
                         <a:effectLst/>
                         <a:latin typeface="Times New Roman" panose="02020603050405020304" pitchFamily="18" charset="0"/>
                         <a:ea typeface="Times New Roman" panose="02020603050405020304" pitchFamily="18" charset="0"/>
@@ -3959,12 +3921,12 @@
                         <a:defRPr/>
                       </a:pPr>
                       <a:r>
-                        <a:rPr lang="ru-RU" sz="1800" dirty="0" smtClean="0">
+                        <a:rPr lang="ru-RU" sz="1800" dirty="0">
                           <a:effectLst/>
                         </a:rPr>
                         <a:t>0.7307692307692307</a:t>
                       </a:r>
-                      <a:endParaRPr lang="ru-RU" sz="1800" dirty="0" smtClean="0">
+                      <a:endParaRPr lang="ru-RU" sz="1800" dirty="0">
                         <a:effectLst/>
                         <a:latin typeface="Times New Roman" panose="02020603050405020304" pitchFamily="18" charset="0"/>
                         <a:ea typeface="Times New Roman" panose="02020603050405020304" pitchFamily="18" charset="0"/>
@@ -4007,12 +3969,12 @@
                         <a:defRPr/>
                       </a:pPr>
                       <a:r>
-                        <a:rPr lang="ru-RU" sz="1800" dirty="0" smtClean="0">
+                        <a:rPr lang="ru-RU" sz="1800" dirty="0">
                           <a:effectLst/>
                         </a:rPr>
                         <a:t>K-Ближайшие Соседи</a:t>
                       </a:r>
-                      <a:endParaRPr lang="ru-RU" sz="1800" dirty="0" smtClean="0">
+                      <a:endParaRPr lang="ru-RU" sz="1800" dirty="0">
                         <a:effectLst/>
                         <a:latin typeface="Times New Roman" panose="02020603050405020304" pitchFamily="18" charset="0"/>
                         <a:ea typeface="Times New Roman" panose="02020603050405020304" pitchFamily="18" charset="0"/>
@@ -4048,12 +4010,12 @@
                         <a:defRPr/>
                       </a:pPr>
                       <a:r>
-                        <a:rPr lang="ru-RU" sz="1800" dirty="0" smtClean="0">
+                        <a:rPr lang="ru-RU" sz="1800" dirty="0">
                           <a:effectLst/>
                         </a:rPr>
                         <a:t>0.5</a:t>
                       </a:r>
-                      <a:endParaRPr lang="ru-RU" sz="1800" dirty="0" smtClean="0">
+                      <a:endParaRPr lang="ru-RU" sz="1800" dirty="0">
                         <a:effectLst/>
                         <a:latin typeface="Times New Roman" panose="02020603050405020304" pitchFamily="18" charset="0"/>
                         <a:ea typeface="Times New Roman" panose="02020603050405020304" pitchFamily="18" charset="0"/>
@@ -4096,12 +4058,12 @@
                         <a:defRPr/>
                       </a:pPr>
                       <a:r>
-                        <a:rPr lang="ru-RU" sz="1800" dirty="0" smtClean="0">
+                        <a:rPr lang="ru-RU" sz="1800" dirty="0">
                           <a:effectLst/>
                         </a:rPr>
                         <a:t>Наивный Байес</a:t>
                       </a:r>
-                      <a:endParaRPr lang="ru-RU" sz="1800" dirty="0" smtClean="0">
+                      <a:endParaRPr lang="ru-RU" sz="1800" dirty="0">
                         <a:effectLst/>
                         <a:latin typeface="Times New Roman" panose="02020603050405020304" pitchFamily="18" charset="0"/>
                         <a:ea typeface="Times New Roman" panose="02020603050405020304" pitchFamily="18" charset="0"/>
@@ -4144,12 +4106,12 @@
                         <a:defRPr/>
                       </a:pPr>
                       <a:r>
-                        <a:rPr lang="ru-RU" sz="1800" dirty="0" smtClean="0">
+                        <a:rPr lang="ru-RU" sz="1800" dirty="0">
                           <a:effectLst/>
                         </a:rPr>
                         <a:t>0.9615384615384616</a:t>
                       </a:r>
-                      <a:endParaRPr lang="ru-RU" sz="1800" dirty="0" smtClean="0">
+                      <a:endParaRPr lang="ru-RU" sz="1800" dirty="0">
                         <a:effectLst/>
                         <a:latin typeface="Times New Roman" panose="02020603050405020304" pitchFamily="18" charset="0"/>
                         <a:ea typeface="Times New Roman" panose="02020603050405020304" pitchFamily="18" charset="0"/>
@@ -4199,12 +4161,12 @@
                         <a:defRPr/>
                       </a:pPr>
                       <a:r>
-                        <a:rPr lang="ru-RU" sz="1800" dirty="0" smtClean="0">
+                        <a:rPr lang="ru-RU" sz="1800" dirty="0">
                           <a:effectLst/>
                         </a:rPr>
                         <a:t>Деревья решений</a:t>
                       </a:r>
-                      <a:endParaRPr lang="ru-RU" sz="1800" dirty="0" smtClean="0">
+                      <a:endParaRPr lang="ru-RU" sz="1800" dirty="0">
                         <a:effectLst/>
                         <a:latin typeface="Times New Roman" panose="02020603050405020304" pitchFamily="18" charset="0"/>
                         <a:ea typeface="Times New Roman" panose="02020603050405020304" pitchFamily="18" charset="0"/>
@@ -4240,12 +4202,12 @@
                         <a:defRPr/>
                       </a:pPr>
                       <a:r>
-                        <a:rPr lang="ru-RU" sz="1800" dirty="0" smtClean="0">
+                        <a:rPr lang="ru-RU" sz="1800" dirty="0">
                           <a:effectLst/>
                         </a:rPr>
                         <a:t>0.7692307692307693</a:t>
                       </a:r>
-                      <a:endParaRPr lang="ru-RU" sz="1800" dirty="0" smtClean="0">
+                      <a:endParaRPr lang="ru-RU" sz="1800" dirty="0">
                         <a:effectLst/>
                         <a:latin typeface="Times New Roman" panose="02020603050405020304" pitchFamily="18" charset="0"/>
                         <a:ea typeface="Times New Roman" panose="02020603050405020304" pitchFamily="18" charset="0"/>
@@ -4291,10 +4253,9 @@
           <a:lstStyle/>
           <a:p>
             <a:r>
-              <a:rPr lang="ru-RU" dirty="0" smtClean="0"/>
+              <a:rPr lang="ru-RU" dirty="0"/>
               <a:t>Аккуратность это точность предсказания, 1 = 100%</a:t>
             </a:r>
-            <a:endParaRPr lang="ru-RU" dirty="0"/>
           </a:p>
         </p:txBody>
       </p:sp>
@@ -4349,10 +4310,9 @@
           <a:lstStyle/>
           <a:p>
             <a:r>
-              <a:rPr lang="ru-RU" dirty="0" smtClean="0"/>
+              <a:rPr lang="ru-RU" dirty="0"/>
               <a:t>Обзор серверной части</a:t>
             </a:r>
-            <a:endParaRPr lang="ru-RU" dirty="0"/>
           </a:p>
         </p:txBody>
       </p:sp>
@@ -4619,10 +4579,9 @@
           <a:lstStyle/>
           <a:p>
             <a:r>
-              <a:rPr lang="ru-RU" dirty="0" smtClean="0"/>
+              <a:rPr lang="ru-RU" dirty="0"/>
               <a:t>База данных</a:t>
             </a:r>
-            <a:endParaRPr lang="ru-RU" dirty="0"/>
           </a:p>
         </p:txBody>
       </p:sp>
@@ -4649,10 +4608,9 @@
           <a:lstStyle/>
           <a:p>
             <a:r>
-              <a:rPr lang="ru-RU" dirty="0" smtClean="0"/>
+              <a:rPr lang="ru-RU" dirty="0"/>
               <a:t>Планировщик задач</a:t>
             </a:r>
-            <a:endParaRPr lang="ru-RU" dirty="0"/>
           </a:p>
         </p:txBody>
       </p:sp>
@@ -4727,16 +4685,15 @@
           <a:lstStyle/>
           <a:p>
             <a:r>
-              <a:rPr lang="ru-RU" dirty="0" smtClean="0"/>
+              <a:rPr lang="ru-RU" dirty="0"/>
               <a:t>Анализ собранной статистики за день </a:t>
             </a:r>
           </a:p>
           <a:p>
             <a:r>
-              <a:rPr lang="ru-RU" dirty="0" smtClean="0"/>
+              <a:rPr lang="ru-RU" dirty="0"/>
               <a:t>и  обновление статуса на её основе</a:t>
             </a:r>
-            <a:endParaRPr lang="ru-RU" dirty="0"/>
           </a:p>
         </p:txBody>
       </p:sp>
@@ -4763,7 +4720,7 @@
           <a:lstStyle/>
           <a:p>
             <a:r>
-              <a:rPr lang="en-US" dirty="0" smtClean="0"/>
+              <a:rPr lang="en-US" dirty="0"/>
               <a:t>http endpoints</a:t>
             </a:r>
             <a:endParaRPr lang="ru-RU" dirty="0"/>
@@ -4793,37 +4750,36 @@
           <a:lstStyle/>
           <a:p>
             <a:r>
-              <a:rPr lang="ru-RU" dirty="0" smtClean="0"/>
+              <a:rPr lang="ru-RU" dirty="0"/>
               <a:t>Регистрация</a:t>
             </a:r>
             <a:r>
-              <a:rPr lang="en-US" dirty="0" smtClean="0"/>
+              <a:rPr lang="en-US" dirty="0"/>
               <a:t>:</a:t>
             </a:r>
-            <a:endParaRPr lang="ru-RU" dirty="0" smtClean="0"/>
-          </a:p>
-          <a:p>
-            <a:r>
-              <a:rPr lang="en-US" dirty="0" smtClean="0"/>
+            <a:endParaRPr lang="ru-RU" dirty="0"/>
+          </a:p>
+          <a:p>
+            <a:r>
+              <a:rPr lang="en-US" dirty="0"/>
               <a:t> </a:t>
             </a:r>
             <a:r>
-              <a:rPr lang="ru-RU" dirty="0" smtClean="0"/>
+              <a:rPr lang="ru-RU" dirty="0"/>
               <a:t>создание пользователя и </a:t>
             </a:r>
           </a:p>
           <a:p>
             <a:r>
-              <a:rPr lang="ru-RU" dirty="0" smtClean="0"/>
+              <a:rPr lang="ru-RU" dirty="0"/>
               <a:t> публикация записи на стене</a:t>
             </a:r>
           </a:p>
           <a:p>
             <a:r>
-              <a:rPr lang="ru-RU" dirty="0" smtClean="0"/>
+              <a:rPr lang="ru-RU" dirty="0"/>
               <a:t> о начале отказа от курения</a:t>
             </a:r>
-            <a:endParaRPr lang="ru-RU" dirty="0"/>
           </a:p>
         </p:txBody>
       </p:sp>
@@ -4920,48 +4876,43 @@
           <a:lstStyle/>
           <a:p>
             <a:r>
-              <a:rPr lang="ru-RU" dirty="0" smtClean="0"/>
+              <a:rPr lang="ru-RU" dirty="0"/>
               <a:t>Анализ </a:t>
             </a:r>
             <a:r>
-              <a:rPr lang="en-US" dirty="0" err="1" smtClean="0"/>
+              <a:rPr lang="en-US" dirty="0" err="1"/>
               <a:t>mio</a:t>
             </a:r>
             <a:r>
-              <a:rPr lang="en-US" dirty="0" smtClean="0"/>
+              <a:rPr lang="en-US" dirty="0"/>
               <a:t> </a:t>
             </a:r>
             <a:r>
-              <a:rPr lang="ru-RU" dirty="0" smtClean="0"/>
+              <a:rPr lang="ru-RU" dirty="0"/>
               <a:t>активности</a:t>
             </a:r>
             <a:r>
-              <a:rPr lang="en-US" dirty="0" smtClean="0"/>
+              <a:rPr lang="en-US" dirty="0"/>
               <a:t>: </a:t>
             </a:r>
           </a:p>
           <a:p>
             <a:r>
-              <a:rPr lang="ru-RU" dirty="0" smtClean="0"/>
+              <a:rPr lang="ru-RU" dirty="0"/>
               <a:t>Предсказание модели машинного</a:t>
             </a:r>
           </a:p>
           <a:p>
             <a:r>
-              <a:rPr lang="ru-RU" dirty="0" smtClean="0"/>
+              <a:rPr lang="ru-RU" dirty="0"/>
               <a:t>обучения о классе денных и </a:t>
             </a:r>
           </a:p>
           <a:p>
             <a:r>
               <a:rPr lang="ru-RU" dirty="0"/>
-              <a:t>с</a:t>
-            </a:r>
-            <a:r>
-              <a:rPr lang="ru-RU" dirty="0" smtClean="0"/>
-              <a:t>оздание записи </a:t>
-            </a:r>
-            <a:endParaRPr lang="ru-RU" dirty="0"/>
+              <a:t>создание записи </a:t>
+            </a:r>
           </a:p>
         </p:txBody>
       </p:sp>
@@ -5015,7 +4966,7 @@
           <a:lstStyle/>
           <a:p>
             <a:r>
-              <a:rPr lang="ru-RU" dirty="0" smtClean="0"/>
+              <a:rPr lang="ru-RU" dirty="0"/>
               <a:t>Приближенные аналоги</a:t>
             </a:r>
             <a:endParaRPr dirty="0"/>
@@ -5076,10 +5027,9 @@
                     <a:lstStyle/>
                     <a:p>
                       <a:r>
-                        <a:rPr lang="ru-RU" dirty="0" smtClean="0"/>
+                        <a:rPr lang="ru-RU" dirty="0"/>
                         <a:t>Наименование</a:t>
                       </a:r>
-                      <a:endParaRPr lang="ru-RU" dirty="0"/>
                     </a:p>
                   </a:txBody>
                   <a:tcPr/>
@@ -5090,10 +5040,9 @@
                     <a:lstStyle/>
                     <a:p>
                       <a:r>
-                        <a:rPr lang="ru-RU" dirty="0" smtClean="0"/>
+                        <a:rPr lang="ru-RU" dirty="0"/>
                         <a:t>Браслет для борьбы с курением </a:t>
                       </a:r>
-                      <a:endParaRPr lang="ru-RU" dirty="0"/>
                     </a:p>
                   </a:txBody>
                   <a:tcPr/>
@@ -5104,15 +5053,15 @@
                     <a:lstStyle/>
                     <a:p>
                       <a:r>
-                        <a:rPr lang="ru-RU" dirty="0" smtClean="0"/>
+                        <a:rPr lang="ru-RU" dirty="0"/>
                         <a:t>Браслет</a:t>
                       </a:r>
                       <a:r>
-                        <a:rPr lang="ru-RU" baseline="0" dirty="0" smtClean="0"/>
+                        <a:rPr lang="ru-RU" baseline="0" dirty="0"/>
                         <a:t> </a:t>
                       </a:r>
                       <a:r>
-                        <a:rPr lang="en-US" baseline="0" dirty="0" smtClean="0"/>
+                        <a:rPr lang="en-US" baseline="0" dirty="0"/>
                         <a:t>PAVLOK</a:t>
                       </a:r>
                       <a:endParaRPr lang="ru-RU" dirty="0"/>
@@ -5133,10 +5082,9 @@
                     <a:lstStyle/>
                     <a:p>
                       <a:r>
-                        <a:rPr lang="ru-RU" dirty="0" smtClean="0"/>
+                        <a:rPr lang="ru-RU" dirty="0"/>
                         <a:t>Автоматическое детектирование</a:t>
                       </a:r>
-                      <a:endParaRPr lang="ru-RU" dirty="0"/>
                     </a:p>
                   </a:txBody>
                   <a:tcPr/>
@@ -5147,10 +5095,9 @@
                     <a:lstStyle/>
                     <a:p>
                       <a:r>
-                        <a:rPr lang="ru-RU" dirty="0" smtClean="0"/>
+                        <a:rPr lang="ru-RU" dirty="0"/>
                         <a:t>да</a:t>
                       </a:r>
-                      <a:endParaRPr lang="ru-RU" dirty="0"/>
                     </a:p>
                   </a:txBody>
                   <a:tcPr>
@@ -5165,10 +5112,9 @@
                     <a:lstStyle/>
                     <a:p>
                       <a:r>
-                        <a:rPr lang="ru-RU" dirty="0" smtClean="0"/>
+                        <a:rPr lang="ru-RU" dirty="0"/>
                         <a:t>нет</a:t>
                       </a:r>
-                      <a:endParaRPr lang="ru-RU" dirty="0"/>
                     </a:p>
                   </a:txBody>
                   <a:tcPr>
@@ -5190,11 +5136,11 @@
                     <a:lstStyle/>
                     <a:p>
                       <a:r>
-                        <a:rPr lang="ru-RU" dirty="0" smtClean="0"/>
+                        <a:rPr lang="ru-RU" dirty="0"/>
                         <a:t>Имеет</a:t>
                       </a:r>
                       <a:r>
-                        <a:rPr lang="ru-RU" baseline="0" dirty="0" smtClean="0"/>
+                        <a:rPr lang="ru-RU" baseline="0" dirty="0"/>
                         <a:t> социальное воздействие</a:t>
                       </a:r>
                       <a:endParaRPr lang="ru-RU" dirty="0"/>
@@ -5208,10 +5154,9 @@
                     <a:lstStyle/>
                     <a:p>
                       <a:r>
-                        <a:rPr lang="ru-RU" dirty="0" smtClean="0"/>
+                        <a:rPr lang="ru-RU" dirty="0"/>
                         <a:t>да</a:t>
                       </a:r>
-                      <a:endParaRPr lang="ru-RU" dirty="0"/>
                     </a:p>
                   </a:txBody>
                   <a:tcPr>
@@ -5226,10 +5171,9 @@
                     <a:lstStyle/>
                     <a:p>
                       <a:r>
-                        <a:rPr lang="ru-RU" dirty="0" smtClean="0"/>
+                        <a:rPr lang="ru-RU" dirty="0"/>
                         <a:t>нет</a:t>
                       </a:r>
-                      <a:endParaRPr lang="ru-RU" dirty="0"/>
                     </a:p>
                   </a:txBody>
                   <a:tcPr>
@@ -5251,11 +5195,11 @@
                     <a:lstStyle/>
                     <a:p>
                       <a:r>
-                        <a:rPr lang="ru-RU" dirty="0" smtClean="0"/>
+                        <a:rPr lang="ru-RU" dirty="0"/>
                         <a:t>Удобно</a:t>
                       </a:r>
                       <a:r>
-                        <a:rPr lang="ru-RU" baseline="0" dirty="0" smtClean="0"/>
+                        <a:rPr lang="ru-RU" baseline="0" dirty="0"/>
                         <a:t> носить с собой</a:t>
                       </a:r>
                       <a:endParaRPr lang="ru-RU" dirty="0"/>
@@ -5269,19 +5213,19 @@
                     <a:lstStyle/>
                     <a:p>
                       <a:r>
-                        <a:rPr lang="ru-RU" dirty="0" smtClean="0"/>
+                        <a:rPr lang="ru-RU" dirty="0"/>
                         <a:t>Да</a:t>
                       </a:r>
                       <a:r>
-                        <a:rPr lang="en-US" dirty="0" smtClean="0"/>
+                        <a:rPr lang="en-US" dirty="0"/>
                         <a:t>, </a:t>
                       </a:r>
                       <a:r>
-                        <a:rPr lang="ru-RU" dirty="0" smtClean="0"/>
+                        <a:rPr lang="ru-RU" dirty="0"/>
                         <a:t>браслет</a:t>
                       </a:r>
                       <a:r>
-                        <a:rPr lang="ru-RU" baseline="0" dirty="0" smtClean="0"/>
+                        <a:rPr lang="ru-RU" baseline="0" dirty="0"/>
                         <a:t> </a:t>
                       </a:r>
                       <a:endParaRPr lang="ru-RU" dirty="0"/>
@@ -5299,18 +5243,17 @@
                     <a:lstStyle/>
                     <a:p>
                       <a:r>
-                        <a:rPr lang="ru-RU" dirty="0" smtClean="0"/>
+                        <a:rPr lang="ru-RU" dirty="0"/>
                         <a:t>Да</a:t>
                       </a:r>
                       <a:r>
-                        <a:rPr lang="en-US" dirty="0" smtClean="0"/>
+                        <a:rPr lang="en-US" dirty="0"/>
                         <a:t>, </a:t>
                       </a:r>
                       <a:r>
-                        <a:rPr lang="ru-RU" dirty="0" smtClean="0"/>
+                        <a:rPr lang="ru-RU" dirty="0"/>
                         <a:t>браслет</a:t>
                       </a:r>
-                      <a:endParaRPr lang="ru-RU" dirty="0"/>
                     </a:p>
                   </a:txBody>
                   <a:tcPr>
@@ -5332,10 +5275,9 @@
                     <a:lstStyle/>
                     <a:p>
                       <a:r>
-                        <a:rPr lang="ru-RU" dirty="0" smtClean="0"/>
+                        <a:rPr lang="ru-RU" dirty="0"/>
                         <a:t>Заряд</a:t>
                       </a:r>
-                      <a:endParaRPr lang="ru-RU" dirty="0"/>
                     </a:p>
                   </a:txBody>
                   <a:tcPr/>
@@ -5346,18 +5288,17 @@
                     <a:lstStyle/>
                     <a:p>
                       <a:r>
-                        <a:rPr lang="ru-RU" dirty="0" smtClean="0"/>
+                        <a:rPr lang="ru-RU" dirty="0"/>
                         <a:t>Да</a:t>
                       </a:r>
                       <a:r>
-                        <a:rPr lang="en-US" dirty="0" smtClean="0"/>
+                        <a:rPr lang="en-US" dirty="0"/>
                         <a:t>, </a:t>
                       </a:r>
                       <a:r>
-                        <a:rPr lang="ru-RU" dirty="0" smtClean="0"/>
+                        <a:rPr lang="ru-RU" dirty="0"/>
                         <a:t>на целый день</a:t>
                       </a:r>
-                      <a:endParaRPr lang="ru-RU" dirty="0"/>
                     </a:p>
                   </a:txBody>
                   <a:tcPr>
@@ -5372,19 +5313,19 @@
                     <a:lstStyle/>
                     <a:p>
                       <a:r>
-                        <a:rPr lang="ru-RU" dirty="0" smtClean="0"/>
+                        <a:rPr lang="ru-RU" dirty="0"/>
                         <a:t>Да</a:t>
                       </a:r>
                       <a:r>
-                        <a:rPr lang="en-US" dirty="0" smtClean="0"/>
+                        <a:rPr lang="en-US" dirty="0"/>
                         <a:t>,</a:t>
                       </a:r>
                       <a:r>
-                        <a:rPr lang="en-US" baseline="0" dirty="0" smtClean="0"/>
+                        <a:rPr lang="en-US" baseline="0" dirty="0"/>
                         <a:t> </a:t>
                       </a:r>
                       <a:r>
-                        <a:rPr lang="ru-RU" baseline="0" dirty="0" smtClean="0"/>
+                        <a:rPr lang="ru-RU" baseline="0" dirty="0"/>
                         <a:t>на целый день</a:t>
                       </a:r>
                       <a:endParaRPr lang="ru-RU" dirty="0"/>
@@ -5409,10 +5350,9 @@
                     <a:lstStyle/>
                     <a:p>
                       <a:r>
-                        <a:rPr lang="ru-RU" dirty="0" smtClean="0"/>
+                        <a:rPr lang="ru-RU" dirty="0"/>
                         <a:t>Высокие технологии</a:t>
                       </a:r>
-                      <a:endParaRPr lang="ru-RU" dirty="0"/>
                     </a:p>
                   </a:txBody>
                   <a:tcPr/>
@@ -5423,19 +5363,19 @@
                     <a:lstStyle/>
                     <a:p>
                       <a:r>
-                        <a:rPr lang="ru-RU" dirty="0" smtClean="0"/>
+                        <a:rPr lang="ru-RU" dirty="0"/>
                         <a:t>Да</a:t>
                       </a:r>
                       <a:r>
-                        <a:rPr lang="en-US" dirty="0" smtClean="0"/>
+                        <a:rPr lang="en-US" dirty="0"/>
                         <a:t>,</a:t>
                       </a:r>
                       <a:r>
-                        <a:rPr lang="en-US" baseline="0" dirty="0" smtClean="0"/>
+                        <a:rPr lang="en-US" baseline="0" dirty="0"/>
                         <a:t> </a:t>
                       </a:r>
                       <a:r>
-                        <a:rPr lang="ru-RU" baseline="0" dirty="0" smtClean="0"/>
+                        <a:rPr lang="ru-RU" baseline="0" dirty="0"/>
                         <a:t>машинное обучение</a:t>
                       </a:r>
                       <a:endParaRPr lang="ru-RU" dirty="0"/>
@@ -5453,10 +5393,9 @@
                     <a:lstStyle/>
                     <a:p>
                       <a:r>
-                        <a:rPr lang="ru-RU" dirty="0" smtClean="0"/>
+                        <a:rPr lang="ru-RU" dirty="0"/>
                         <a:t>Нет </a:t>
                       </a:r>
-                      <a:endParaRPr lang="ru-RU" dirty="0"/>
                     </a:p>
                   </a:txBody>
                   <a:tcPr>
@@ -5480,21 +5419,6 @@
   <p:clrMapOvr>
     <a:masterClrMapping/>
   </p:clrMapOvr>
-  <mc:AlternateContent xmlns:mc="http://schemas.openxmlformats.org/markup-compatibility/2006" xmlns:p14="http://schemas.microsoft.com/office/powerpoint/2010/main">
-    <mc:Choice Requires="p14">
-      <p:transition spd="slow" p14:dur="2000"/>
-    </mc:Choice>
-    <mc:Fallback xmlns="">
-      <p:transition spd="slow"/>
-    </mc:Fallback>
-  </mc:AlternateContent>
-  <p:timing>
-    <p:tnLst>
-      <p:par>
-        <p:cTn id="1" dur="indefinite" restart="never" nodeType="tmRoot"/>
-      </p:par>
-    </p:tnLst>
-  </p:timing>
 </p:sld>
 </file>
 
@@ -5531,10 +5455,9 @@
           <a:lstStyle/>
           <a:p>
             <a:r>
-              <a:rPr lang="ru-RU" dirty="0" smtClean="0"/>
+              <a:rPr lang="ru-RU" dirty="0"/>
               <a:t>Экономическое обоснование</a:t>
             </a:r>
-            <a:endParaRPr lang="ru-RU" dirty="0"/>
           </a:p>
         </p:txBody>
       </p:sp>
@@ -5586,10 +5509,9 @@
                     <a:lstStyle/>
                     <a:p>
                       <a:r>
-                        <a:rPr lang="ru-RU" dirty="0" smtClean="0"/>
+                        <a:rPr lang="ru-RU" dirty="0"/>
                         <a:t>Наименование</a:t>
                       </a:r>
-                      <a:endParaRPr lang="ru-RU" dirty="0"/>
                     </a:p>
                   </a:txBody>
                   <a:tcPr/>
@@ -5600,10 +5522,9 @@
                     <a:lstStyle/>
                     <a:p>
                       <a:r>
-                        <a:rPr lang="ru-RU" dirty="0" smtClean="0"/>
+                        <a:rPr lang="ru-RU" dirty="0"/>
                         <a:t>Цена</a:t>
                       </a:r>
-                      <a:endParaRPr lang="ru-RU" dirty="0"/>
                     </a:p>
                   </a:txBody>
                   <a:tcPr/>
@@ -5621,10 +5542,9 @@
                     <a:lstStyle/>
                     <a:p>
                       <a:r>
-                        <a:rPr lang="ru-RU" dirty="0" smtClean="0"/>
+                        <a:rPr lang="ru-RU" dirty="0"/>
                         <a:t>Электроника</a:t>
                       </a:r>
-                      <a:endParaRPr lang="ru-RU" dirty="0"/>
                     </a:p>
                   </a:txBody>
                   <a:tcPr/>
@@ -5635,10 +5555,9 @@
                     <a:lstStyle/>
                     <a:p>
                       <a:r>
-                        <a:rPr lang="ru-RU" dirty="0" smtClean="0"/>
+                        <a:rPr lang="ru-RU" dirty="0"/>
                         <a:t>2930р</a:t>
                       </a:r>
-                      <a:endParaRPr lang="ru-RU" dirty="0"/>
                     </a:p>
                   </a:txBody>
                   <a:tcPr/>
@@ -5656,11 +5575,11 @@
                     <a:lstStyle/>
                     <a:p>
                       <a:r>
-                        <a:rPr lang="ru-RU" dirty="0" smtClean="0"/>
+                        <a:rPr lang="ru-RU" dirty="0"/>
                         <a:t>Аренда</a:t>
                       </a:r>
                       <a:r>
-                        <a:rPr lang="ru-RU" baseline="0" dirty="0" smtClean="0"/>
+                        <a:rPr lang="ru-RU" baseline="0" dirty="0"/>
                         <a:t> сервера</a:t>
                       </a:r>
                       <a:endParaRPr lang="ru-RU" dirty="0"/>
@@ -5674,11 +5593,11 @@
                     <a:lstStyle/>
                     <a:p>
                       <a:r>
-                        <a:rPr lang="ru-RU" dirty="0" smtClean="0"/>
+                        <a:rPr lang="ru-RU" dirty="0"/>
                         <a:t>300р</a:t>
                       </a:r>
                       <a:r>
-                        <a:rPr lang="ru-RU" baseline="0" dirty="0" smtClean="0"/>
+                        <a:rPr lang="ru-RU" baseline="0" dirty="0"/>
                         <a:t>/месяц</a:t>
                       </a:r>
                       <a:endParaRPr lang="ru-RU" dirty="0"/>
@@ -5699,11 +5618,11 @@
                     <a:lstStyle/>
                     <a:p>
                       <a:r>
-                        <a:rPr lang="ru-RU" dirty="0" smtClean="0"/>
+                        <a:rPr lang="ru-RU" dirty="0"/>
                         <a:t>Материал</a:t>
                       </a:r>
                       <a:r>
-                        <a:rPr lang="ru-RU" baseline="0" dirty="0" smtClean="0"/>
+                        <a:rPr lang="ru-RU" baseline="0" dirty="0"/>
                         <a:t> для корпуса</a:t>
                       </a:r>
                       <a:endParaRPr lang="ru-RU" dirty="0"/>
@@ -5717,10 +5636,9 @@
                     <a:lstStyle/>
                     <a:p>
                       <a:r>
-                        <a:rPr lang="ru-RU" dirty="0" smtClean="0"/>
+                        <a:rPr lang="ru-RU" dirty="0"/>
                         <a:t>458р</a:t>
                       </a:r>
-                      <a:endParaRPr lang="ru-RU" dirty="0"/>
                     </a:p>
                   </a:txBody>
                   <a:tcPr/>
@@ -5758,18 +5676,17 @@
           <a:lstStyle/>
           <a:p>
             <a:r>
-              <a:rPr lang="ru-RU" dirty="0" smtClean="0"/>
+              <a:rPr lang="ru-RU" dirty="0"/>
               <a:t>Итог</a:t>
             </a:r>
             <a:r>
-              <a:rPr lang="en-US" dirty="0" smtClean="0"/>
+              <a:rPr lang="en-US" dirty="0"/>
               <a:t>: 3388 </a:t>
             </a:r>
             <a:r>
-              <a:rPr lang="ru-RU" dirty="0" smtClean="0"/>
+              <a:rPr lang="ru-RU" dirty="0"/>
               <a:t>без учета стоимости аренды сервера</a:t>
             </a:r>
-            <a:endParaRPr lang="ru-RU" dirty="0"/>
           </a:p>
         </p:txBody>
       </p:sp>
@@ -5828,7 +5745,7 @@
           <a:p>
             <a:pPr algn="ctr"/>
             <a:r>
-              <a:rPr lang="ru-RU" dirty="0" smtClean="0"/>
+              <a:rPr lang="ru-RU" dirty="0"/>
               <a:t>Заключение</a:t>
             </a:r>
             <a:endParaRPr dirty="0"/>
@@ -5865,18 +5782,9 @@
               <a:buChar char="•"/>
             </a:pPr>
             <a:r>
-              <a:rPr lang="ru-RU" sz="2400" dirty="0" smtClean="0"/>
-              <a:t>Проанализирована </a:t>
-            </a:r>
-            <a:r>
               <a:rPr lang="ru-RU" sz="2400" dirty="0"/>
-              <a:t>и изучена возможность применения электромиографических датчиков для определения момента </a:t>
-            </a:r>
-            <a:r>
-              <a:rPr lang="ru-RU" sz="2400" dirty="0" smtClean="0"/>
-              <a:t>курения</a:t>
-            </a:r>
-            <a:endParaRPr lang="ru-RU" sz="2400" dirty="0"/>
+              <a:t>Проанализирована и изучена возможность применения электромиографических датчиков для определения момента курения</a:t>
+            </a:r>
           </a:p>
           <a:p>
             <a:pPr marL="285750" indent="-285750">
@@ -5887,7 +5795,7 @@
               <a:buChar char="•"/>
             </a:pPr>
             <a:r>
-              <a:rPr lang="ru-RU" sz="2400" dirty="0" smtClean="0"/>
+              <a:rPr lang="ru-RU" sz="2400" dirty="0"/>
               <a:t>Обучена модель машинного обучения</a:t>
             </a:r>
           </a:p>
@@ -5900,12 +5808,8 @@
               <a:buChar char="•"/>
             </a:pPr>
             <a:r>
-              <a:rPr lang="ru-RU" sz="2400" dirty="0" smtClean="0"/>
-              <a:t>Написана серверная ча</a:t>
-            </a:r>
-            <a:r>
-              <a:rPr lang="ru-RU" sz="2400" dirty="0" smtClean="0"/>
-              <a:t>сть проекта</a:t>
+              <a:rPr lang="ru-RU" sz="2400" dirty="0"/>
+              <a:t>Написана серверная часть проекта</a:t>
             </a:r>
           </a:p>
           <a:p>
@@ -5917,16 +5821,16 @@
               <a:buChar char="•"/>
             </a:pPr>
             <a:r>
-              <a:rPr lang="ru-RU" sz="2400" dirty="0" smtClean="0"/>
+              <a:rPr lang="ru-RU" sz="2400" dirty="0"/>
               <a:t>Написано программное обеспечение для устройства</a:t>
             </a:r>
-            <a:endParaRPr lang="en-US" sz="2400" dirty="0" smtClean="0"/>
-          </a:p>
-          <a:p>
-            <a:endParaRPr lang="ru-RU" sz="2400" dirty="0" smtClean="0"/>
-          </a:p>
-          <a:p>
-            <a:endParaRPr lang="ru-RU" dirty="0" smtClean="0"/>
+            <a:endParaRPr lang="en-US" sz="2400" dirty="0"/>
+          </a:p>
+          <a:p>
+            <a:endParaRPr lang="ru-RU" sz="2400" dirty="0"/>
+          </a:p>
+          <a:p>
+            <a:endParaRPr lang="ru-RU" dirty="0"/>
           </a:p>
         </p:txBody>
       </p:sp>
@@ -5935,21 +5839,6 @@
   <p:clrMapOvr>
     <a:masterClrMapping/>
   </p:clrMapOvr>
-  <mc:AlternateContent xmlns:mc="http://schemas.openxmlformats.org/markup-compatibility/2006" xmlns:p14="http://schemas.microsoft.com/office/powerpoint/2010/main">
-    <mc:Choice Requires="p14">
-      <p:transition spd="slow" p14:dur="2000"/>
-    </mc:Choice>
-    <mc:Fallback xmlns="">
-      <p:transition spd="slow"/>
-    </mc:Fallback>
-  </mc:AlternateContent>
-  <p:timing>
-    <p:tnLst>
-      <p:par>
-        <p:cTn id="1" dur="indefinite" restart="never" nodeType="tmRoot"/>
-      </p:par>
-    </p:tnLst>
-  </p:timing>
 </p:sld>
 </file>
 
@@ -5989,7 +5878,7 @@
           </a:ln>
           <a:extLst>
             <a:ext uri="{C572A759-6A51-4108-AA02-DFA0A04FC94B}">
-              <ma14:wrappingTextBoxFlag xmlns="" xmlns:m="http://schemas.openxmlformats.org/officeDocument/2006/math" xmlns:a14="http://schemas.microsoft.com/office/drawing/2010/main" xmlns:ma14="http://schemas.microsoft.com/office/mac/drawingml/2011/main" val="1"/>
+              <ma14:wrappingTextBoxFlag xmlns:ma14="http://schemas.microsoft.com/office/mac/drawingml/2011/main" xmlns:a14="http://schemas.microsoft.com/office/drawing/2010/main" xmlns:m="http://schemas.openxmlformats.org/officeDocument/2006/math" xmlns="" val="1"/>
             </a:ext>
           </a:extLst>
         </p:spPr>
@@ -6043,10 +5932,9 @@
           <a:lstStyle/>
           <a:p>
             <a:r>
-              <a:rPr lang="ru-RU" sz="4400" dirty="0" smtClean="0"/>
+              <a:rPr lang="ru-RU" sz="4400" dirty="0"/>
               <a:t>Спасибо за внимание</a:t>
             </a:r>
-            <a:endParaRPr lang="ru-RU" sz="4400" dirty="0"/>
           </a:p>
         </p:txBody>
       </p:sp>
@@ -6055,21 +5943,6 @@
   <p:clrMapOvr>
     <a:masterClrMapping/>
   </p:clrMapOvr>
-  <mc:AlternateContent xmlns:mc="http://schemas.openxmlformats.org/markup-compatibility/2006" xmlns:p14="http://schemas.microsoft.com/office/powerpoint/2010/main">
-    <mc:Choice Requires="p14">
-      <p:transition spd="slow" p14:dur="2000"/>
-    </mc:Choice>
-    <mc:Fallback xmlns="">
-      <p:transition spd="slow"/>
-    </mc:Fallback>
-  </mc:AlternateContent>
-  <p:timing>
-    <p:tnLst>
-      <p:par>
-        <p:cTn id="1" dur="indefinite" restart="never" nodeType="tmRoot"/>
-      </p:par>
-    </p:tnLst>
-  </p:timing>
 </p:sld>
 </file>
 
@@ -6102,7 +5975,7 @@
         </p:nvSpPr>
         <p:spPr>
           <a:xfrm>
-            <a:off x="590550" y="0"/>
+            <a:off x="635000" y="0"/>
             <a:ext cx="10300970" cy="1058863"/>
           </a:xfrm>
         </p:spPr>
@@ -6111,10 +5984,9 @@
           <a:lstStyle/>
           <a:p>
             <a:r>
-              <a:rPr lang="ru-RU" dirty="0" smtClean="0"/>
+              <a:rPr lang="ru-RU" dirty="0"/>
               <a:t>Проблема</a:t>
             </a:r>
-            <a:endParaRPr lang="ru-RU" dirty="0"/>
           </a:p>
         </p:txBody>
       </p:sp>
@@ -6141,7 +6013,7 @@
         </p:blipFill>
         <p:spPr bwMode="auto">
           <a:xfrm>
-            <a:off x="590550" y="958850"/>
+            <a:off x="203200" y="958850"/>
             <a:ext cx="7302500" cy="5289550"/>
           </a:xfrm>
           <a:prstGeom prst="rect">
@@ -6182,10 +6054,9 @@
           <a:lstStyle/>
           <a:p>
             <a:r>
-              <a:rPr lang="ru-RU" sz="1400" dirty="0" smtClean="0"/>
+              <a:rPr lang="ru-RU" sz="1400" dirty="0"/>
               <a:t>Риски курения</a:t>
             </a:r>
-            <a:endParaRPr lang="ru-RU" sz="1400" dirty="0"/>
           </a:p>
         </p:txBody>
       </p:sp>
@@ -6197,8 +6068,8 @@
         </p:nvSpPr>
         <p:spPr>
           <a:xfrm>
-            <a:off x="8062023" y="1506538"/>
-            <a:ext cx="4129977" cy="646331"/>
+            <a:off x="7822214" y="1768108"/>
+            <a:ext cx="4050444" cy="1200329"/>
           </a:xfrm>
           <a:prstGeom prst="rect">
             <a:avLst/>
@@ -6206,22 +6077,39 @@
           <a:noFill/>
         </p:spPr>
         <p:txBody>
-          <a:bodyPr wrap="none" rtlCol="0">
+          <a:bodyPr wrap="square" rtlCol="0">
             <a:spAutoFit/>
           </a:bodyPr>
           <a:lstStyle/>
           <a:p>
+            <a:pPr algn="ctr"/>
+            <a:r>
+              <a:rPr lang="ru-RU" dirty="0"/>
+              <a:t>Проблема </a:t>
+            </a:r>
             <a:r>
               <a:rPr lang="ru-RU" dirty="0" smtClean="0"/>
-              <a:t>Проблема отказа от курения людей</a:t>
-            </a:r>
-          </a:p>
-          <a:p>
+              <a:t>отсутствия постоянной мотивации отказа от </a:t>
+            </a:r>
+            <a:r>
+              <a:rPr lang="ru-RU" dirty="0"/>
+              <a:t>курения у людей, </a:t>
+            </a:r>
+          </a:p>
+          <a:p>
+            <a:pPr algn="ctr"/>
+            <a:r>
+              <a:rPr lang="ru-RU" dirty="0"/>
+              <a:t>решивших избавиться </a:t>
+            </a:r>
             <a:r>
               <a:rPr lang="ru-RU" dirty="0" smtClean="0"/>
-              <a:t> для которых важен социальный статус  </a:t>
-            </a:r>
-            <a:endParaRPr lang="ru-RU" dirty="0"/>
+              <a:t>от этой вредной   </a:t>
+            </a:r>
+            <a:r>
+              <a:rPr lang="ru-RU" dirty="0"/>
+              <a:t>привычки.</a:t>
+            </a:r>
           </a:p>
         </p:txBody>
       </p:sp>
@@ -6246,7 +6134,7 @@
         </p:blipFill>
         <p:spPr bwMode="auto">
           <a:xfrm>
-            <a:off x="8009192" y="2316454"/>
+            <a:off x="7893050" y="3205454"/>
             <a:ext cx="3979608" cy="3042946"/>
           </a:xfrm>
           <a:prstGeom prst="rect">
@@ -6279,13 +6167,6 @@
   <p:clrMapOvr>
     <a:masterClrMapping/>
   </p:clrMapOvr>
-  <p:timing>
-    <p:tnLst>
-      <p:par>
-        <p:cTn id="1" dur="indefinite" restart="never" nodeType="tmRoot"/>
-      </p:par>
-    </p:tnLst>
-  </p:timing>
 </p:sld>
 </file>
 
@@ -6306,84 +6187,6 @@
           <a:chExt cx="0" cy="0"/>
         </a:xfrm>
       </p:grpSpPr>
-      <p:sp>
-        <p:nvSpPr>
-          <p:cNvPr id="2" name="Заголовок 1"/>
-          <p:cNvSpPr>
-            <a:spLocks noGrp="1"/>
-          </p:cNvSpPr>
-          <p:nvPr>
-            <p:ph type="title"/>
-          </p:nvPr>
-        </p:nvSpPr>
-        <p:spPr/>
-        <p:txBody>
-          <a:bodyPr/>
-          <a:lstStyle/>
-          <a:p>
-            <a:r>
-              <a:rPr lang="ru-RU" dirty="0" smtClean="0"/>
-              <a:t>Цель дипломной работы</a:t>
-            </a:r>
-            <a:endParaRPr lang="ru-RU" dirty="0"/>
-          </a:p>
-        </p:txBody>
-      </p:sp>
-      <p:sp>
-        <p:nvSpPr>
-          <p:cNvPr id="3" name="Объект 2"/>
-          <p:cNvSpPr>
-            <a:spLocks noGrp="1"/>
-          </p:cNvSpPr>
-          <p:nvPr>
-            <p:ph idx="1"/>
-          </p:nvPr>
-        </p:nvSpPr>
-        <p:spPr>
-          <a:xfrm>
-            <a:off x="838200" y="1524001"/>
-            <a:ext cx="10515600" cy="4652962"/>
-          </a:xfrm>
-        </p:spPr>
-        <p:txBody>
-          <a:bodyPr/>
-          <a:lstStyle/>
-          <a:p>
-            <a:pPr marL="0" indent="0">
-              <a:buNone/>
-            </a:pPr>
-            <a:r>
-              <a:rPr lang="ru-RU" dirty="0"/>
-              <a:t>Целью дипломной работы является исследование нового способа помощи курящим в борьбе с их привычкой на основе сокращений мышц и реализации устройства </a:t>
-            </a:r>
-            <a:r>
-              <a:rPr lang="en-US" dirty="0" smtClean="0"/>
-              <a:t>“</a:t>
-            </a:r>
-            <a:r>
-              <a:rPr lang="ru-RU" dirty="0" smtClean="0"/>
-              <a:t>умный </a:t>
-            </a:r>
-            <a:r>
-              <a:rPr lang="ru-RU" dirty="0"/>
-              <a:t>браслет от </a:t>
-            </a:r>
-            <a:r>
-              <a:rPr lang="ru-RU" dirty="0" smtClean="0"/>
-              <a:t>курения</a:t>
-            </a:r>
-            <a:r>
-              <a:rPr lang="en-US" dirty="0" smtClean="0"/>
-              <a:t>”</a:t>
-            </a:r>
-            <a:r>
-              <a:rPr lang="ru-RU" dirty="0" smtClean="0"/>
-              <a:t>. </a:t>
-            </a:r>
-            <a:endParaRPr lang="ru-RU" dirty="0"/>
-          </a:p>
-        </p:txBody>
-      </p:sp>
       <p:pic>
         <p:nvPicPr>
           <p:cNvPr id="3074" name="Picture 2" descr="Купить Pavlok Obsidian Black Deluxe Mindfulness Coach Shock Clock (Браслеты)  заказать с доставкой лот № 393875007150"/>
@@ -6392,23 +6195,21 @@
           </p:cNvPicPr>
           <p:nvPr/>
         </p:nvPicPr>
-        <p:blipFill>
-          <a:blip r:embed="rId2">
+        <p:blipFill rotWithShape="1">
+          <a:blip r:embed="rId3">
             <a:extLst>
               <a:ext uri="{28A0092B-C50C-407E-A947-70E740481C1C}">
                 <a14:useLocalDpi xmlns:a14="http://schemas.microsoft.com/office/drawing/2010/main" val="0"/>
               </a:ext>
             </a:extLst>
           </a:blip>
-          <a:srcRect/>
-          <a:stretch>
-            <a:fillRect/>
-          </a:stretch>
+          <a:srcRect t="19967"/>
+          <a:stretch/>
         </p:blipFill>
         <p:spPr bwMode="auto">
           <a:xfrm>
-            <a:off x="4756151" y="2961815"/>
-            <a:ext cx="2298700" cy="3032585"/>
+            <a:off x="9893300" y="2215469"/>
+            <a:ext cx="2298700" cy="2427061"/>
           </a:xfrm>
           <a:prstGeom prst="rect">
             <a:avLst/>
@@ -6425,6 +6226,114 @@
           </a:extLst>
         </p:spPr>
       </p:pic>
+      <p:sp>
+        <p:nvSpPr>
+          <p:cNvPr id="2" name="Заголовок 1"/>
+          <p:cNvSpPr>
+            <a:spLocks noGrp="1"/>
+          </p:cNvSpPr>
+          <p:nvPr>
+            <p:ph type="title"/>
+          </p:nvPr>
+        </p:nvSpPr>
+        <p:spPr/>
+        <p:txBody>
+          <a:bodyPr/>
+          <a:lstStyle/>
+          <a:p>
+            <a:r>
+              <a:rPr lang="ru-RU" dirty="0"/>
+              <a:t>Цель дипломной работы</a:t>
+            </a:r>
+          </a:p>
+        </p:txBody>
+      </p:sp>
+      <p:sp>
+        <p:nvSpPr>
+          <p:cNvPr id="3" name="Объект 2"/>
+          <p:cNvSpPr>
+            <a:spLocks noGrp="1"/>
+          </p:cNvSpPr>
+          <p:nvPr>
+            <p:ph idx="1"/>
+          </p:nvPr>
+        </p:nvSpPr>
+        <p:spPr>
+          <a:xfrm>
+            <a:off x="838200" y="1524001"/>
+            <a:ext cx="8918121" cy="4652962"/>
+          </a:xfrm>
+        </p:spPr>
+        <p:txBody>
+          <a:bodyPr/>
+          <a:lstStyle/>
+          <a:p>
+            <a:pPr marL="0" indent="0" algn="just">
+              <a:buNone/>
+            </a:pPr>
+            <a:r>
+              <a:rPr lang="ru-RU" b="1" dirty="0"/>
+              <a:t>Целью</a:t>
+            </a:r>
+            <a:r>
+              <a:rPr lang="ru-RU" dirty="0"/>
+              <a:t> дипломной работы является разработка устройства «умный браслет от курения» и алгоритма публикации данных в интернете для исследования нового способа помощи курящим в борьбе с их привычкой.</a:t>
+            </a:r>
+          </a:p>
+          <a:p>
+            <a:pPr marL="0" indent="0" algn="just">
+              <a:buNone/>
+            </a:pPr>
+            <a:r>
+              <a:rPr lang="ru-RU" dirty="0"/>
+              <a:t>_________________________________________________</a:t>
+            </a:r>
+            <a:r>
+              <a:rPr lang="ru-RU" sz="1800" dirty="0"/>
+              <a:t>Способ базируется на создании тренда в социальных сетях на отказ от курения. Устройство «умный браслет» подсчитывает количество </a:t>
+            </a:r>
+            <a:r>
+              <a:rPr lang="ru-RU" sz="1800" dirty="0" smtClean="0"/>
+              <a:t>дней</a:t>
+            </a:r>
+            <a:r>
+              <a:rPr lang="ru-RU" sz="1800" dirty="0" smtClean="0"/>
+              <a:t>, </a:t>
+            </a:r>
+            <a:r>
+              <a:rPr lang="ru-RU" sz="1800" dirty="0"/>
+              <a:t>которое человек </a:t>
+            </a:r>
+            <a:r>
+              <a:rPr lang="ru-RU" sz="1800" dirty="0" smtClean="0"/>
+              <a:t>не курил и </a:t>
+            </a:r>
+            <a:r>
+              <a:rPr lang="ru-RU" sz="1800" dirty="0"/>
+              <a:t>публикует прогресс </a:t>
+            </a:r>
+            <a:r>
+              <a:rPr lang="ru-RU" sz="1800" dirty="0" smtClean="0"/>
+              <a:t>– сколько дней человек держится без курения.</a:t>
+            </a:r>
+            <a:endParaRPr lang="ru-RU" sz="1800" dirty="0"/>
+          </a:p>
+          <a:p>
+            <a:pPr marL="0" indent="0" algn="just">
+              <a:buNone/>
+            </a:pPr>
+            <a:r>
+              <a:rPr lang="ru-RU" sz="1800" dirty="0"/>
+              <a:t>В дальнейшем возможно развитие проекта до аналитики групп людей и формирования коллективного рейтинга</a:t>
+            </a:r>
+            <a:r>
+              <a:rPr lang="ru-RU" sz="1800" dirty="0" smtClean="0"/>
+              <a:t>.</a:t>
+            </a:r>
+            <a:endParaRPr lang="ru-RU" sz="1800" dirty="0"/>
+          </a:p>
+        </p:txBody>
+      </p:sp>
     </p:spTree>
     <p:extLst>
       <p:ext uri="{BB962C8B-B14F-4D97-AF65-F5344CB8AC3E}">
@@ -6435,13 +6344,6 @@
   <p:clrMapOvr>
     <a:masterClrMapping/>
   </p:clrMapOvr>
-  <p:timing>
-    <p:tnLst>
-      <p:par>
-        <p:cTn id="1" dur="indefinite" restart="never" nodeType="tmRoot"/>
-      </p:par>
-    </p:tnLst>
-  </p:timing>
 </p:sld>
 </file>
 
@@ -6478,10 +6380,9 @@
           <a:lstStyle/>
           <a:p>
             <a:r>
-              <a:rPr lang="ru-RU" dirty="0" smtClean="0"/>
+              <a:rPr lang="ru-RU" dirty="0"/>
               <a:t>Задачи</a:t>
             </a:r>
-            <a:endParaRPr lang="ru-RU" dirty="0"/>
           </a:p>
         </p:txBody>
       </p:sp>
@@ -6517,14 +6418,14 @@
             <a:pPr lvl="0"/>
             <a:r>
               <a:rPr lang="ru-RU" dirty="0"/>
-              <a:t>Написать Описание требований к устройству</a:t>
+              <a:t>Составление описания требований к устройству</a:t>
             </a:r>
           </a:p>
           <a:p>
             <a:pPr lvl="0"/>
             <a:r>
               <a:rPr lang="ru-RU" dirty="0"/>
-              <a:t>Провести сравнительный анализ с аналогами на рынке </a:t>
+              <a:t>Сравнительный анализ с аналогами на рынке </a:t>
             </a:r>
           </a:p>
           <a:p>
@@ -6552,7 +6453,7 @@
             <a:pPr lvl="0"/>
             <a:r>
               <a:rPr lang="ru-RU" dirty="0"/>
-              <a:t>Написать Экономическое обоснование</a:t>
+              <a:t>Экономическое обоснование</a:t>
             </a:r>
           </a:p>
           <a:p>
@@ -6583,7 +6484,7 @@
         <p:spPr>
           <a:xfrm>
             <a:off x="6318250" y="1690688"/>
-            <a:ext cx="5746750" cy="4037003"/>
+            <a:ext cx="5746750" cy="3631763"/>
           </a:xfrm>
           <a:prstGeom prst="rect">
             <a:avLst/>
@@ -6712,7 +6613,7 @@
                   <a:prstClr val="black"/>
                 </a:solidFill>
               </a:rPr>
-              <a:t>Разработать и написать документацию к проекту </a:t>
+              <a:t>Разработка и составление документации к проекту </a:t>
             </a:r>
           </a:p>
           <a:p>
@@ -6732,41 +6633,8 @@
                   <a:prstClr val="black"/>
                 </a:solidFill>
               </a:rPr>
-              <a:t>Привести описание техники безопасности</a:t>
-            </a:r>
-          </a:p>
-          <a:p>
-            <a:pPr marL="228600" lvl="0" indent="-228600">
-              <a:lnSpc>
-                <a:spcPct val="90000"/>
-              </a:lnSpc>
-              <a:spcBef>
-                <a:spcPts val="1000"/>
-              </a:spcBef>
-              <a:buFont typeface="Arial" panose="020B0604020202020204" pitchFamily="34" charset="0"/>
-              <a:buChar char="•"/>
-            </a:pPr>
-            <a:r>
-              <a:rPr lang="ru-RU" sz="2000" dirty="0">
-                <a:solidFill>
-                  <a:prstClr val="black"/>
-                </a:solidFill>
-              </a:rPr>
-              <a:t>Устройство для получения данных с электромиографических </a:t>
-            </a:r>
-            <a:r>
-              <a:rPr lang="ru-RU" sz="2000" dirty="0" smtClean="0">
-                <a:solidFill>
-                  <a:prstClr val="black"/>
-                </a:solidFill>
-              </a:rPr>
-              <a:t>датчиков</a:t>
-            </a:r>
-            <a:endParaRPr lang="ru-RU" sz="1100" dirty="0">
-              <a:solidFill>
-                <a:prstClr val="black"/>
-              </a:solidFill>
-            </a:endParaRPr>
+              <a:t>Описание техники безопасности</a:t>
+            </a:r>
           </a:p>
           <a:p>
             <a:endParaRPr lang="ru-RU" dirty="0"/>
@@ -6783,13 +6651,6 @@
   <p:clrMapOvr>
     <a:masterClrMapping/>
   </p:clrMapOvr>
-  <p:timing>
-    <p:tnLst>
-      <p:par>
-        <p:cTn id="1" dur="indefinite" restart="never" nodeType="tmRoot"/>
-      </p:par>
-    </p:tnLst>
-  </p:timing>
 </p:sld>
 </file>
 
@@ -6834,7 +6695,7 @@
           <a:lstStyle/>
           <a:p>
             <a:r>
-              <a:rPr lang="ru-RU" dirty="0" smtClean="0"/>
+              <a:rPr lang="ru-RU" dirty="0"/>
               <a:t>Описание проекта устройства</a:t>
             </a:r>
             <a:endParaRPr dirty="0"/>
@@ -7378,13 +7239,8 @@
           <a:p>
             <a:r>
               <a:rPr lang="ru-RU" dirty="0"/>
-              <a:t>Б</a:t>
-            </a:r>
-            <a:r>
-              <a:rPr lang="ru-RU" dirty="0" smtClean="0"/>
-              <a:t>раслет</a:t>
-            </a:r>
-            <a:endParaRPr lang="ru-RU" dirty="0"/>
+              <a:t>Браслет</a:t>
+            </a:r>
           </a:p>
         </p:txBody>
       </p:sp>
@@ -7411,10 +7267,9 @@
           <a:lstStyle/>
           <a:p>
             <a:r>
-              <a:rPr lang="ru-RU" dirty="0" smtClean="0"/>
+              <a:rPr lang="ru-RU" dirty="0"/>
               <a:t>дым</a:t>
             </a:r>
-            <a:endParaRPr lang="ru-RU" dirty="0"/>
           </a:p>
         </p:txBody>
       </p:sp>
@@ -7513,10 +7368,9 @@
           <a:p>
             <a:pPr algn="ctr"/>
             <a:r>
-              <a:rPr lang="ru-RU" dirty="0" smtClean="0"/>
+              <a:rPr lang="ru-RU" dirty="0"/>
               <a:t>эл</a:t>
             </a:r>
-            <a:endParaRPr lang="ru-RU" dirty="0"/>
           </a:p>
         </p:txBody>
       </p:sp>
@@ -7543,14 +7397,13 @@
           <a:lstStyle/>
           <a:p>
             <a:r>
-              <a:rPr lang="en-US" dirty="0" smtClean="0"/>
+              <a:rPr lang="en-US" dirty="0"/>
               <a:t>MIO </a:t>
             </a:r>
             <a:r>
-              <a:rPr lang="ru-RU" dirty="0" smtClean="0"/>
+              <a:rPr lang="ru-RU" dirty="0"/>
               <a:t>датчик</a:t>
             </a:r>
-            <a:endParaRPr lang="ru-RU" dirty="0"/>
           </a:p>
         </p:txBody>
       </p:sp>
@@ -7577,10 +7430,9 @@
           <a:lstStyle/>
           <a:p>
             <a:r>
-              <a:rPr lang="ru-RU" dirty="0" smtClean="0"/>
+              <a:rPr lang="ru-RU" dirty="0"/>
               <a:t>Датчик дыма</a:t>
             </a:r>
-            <a:endParaRPr lang="ru-RU" dirty="0"/>
           </a:p>
         </p:txBody>
       </p:sp>
@@ -7622,21 +7474,6 @@
   <p:clrMapOvr>
     <a:masterClrMapping/>
   </p:clrMapOvr>
-  <mc:AlternateContent xmlns:mc="http://schemas.openxmlformats.org/markup-compatibility/2006" xmlns:p14="http://schemas.microsoft.com/office/powerpoint/2010/main">
-    <mc:Choice Requires="p14">
-      <p:transition spd="slow" p14:dur="2000"/>
-    </mc:Choice>
-    <mc:Fallback xmlns="">
-      <p:transition spd="slow"/>
-    </mc:Fallback>
-  </mc:AlternateContent>
-  <p:timing>
-    <p:tnLst>
-      <p:par>
-        <p:cTn id="1" dur="indefinite" restart="never" nodeType="tmRoot"/>
-      </p:par>
-    </p:tnLst>
-  </p:timing>
 </p:sld>
 </file>
 
@@ -7685,18 +7522,17 @@
               <a:t> </a:t>
             </a:r>
             <a:r>
-              <a:rPr dirty="0" err="1" smtClean="0"/>
+              <a:rPr dirty="0" err="1"/>
               <a:t>комп</a:t>
             </a:r>
             <a:r>
-              <a:rPr lang="ru-RU" dirty="0" err="1" smtClean="0"/>
+              <a:rPr lang="ru-RU" dirty="0" err="1"/>
               <a:t>лектующих</a:t>
             </a:r>
             <a:r>
-              <a:rPr dirty="0" smtClean="0"/>
+              <a:rPr dirty="0"/>
               <a:t> </a:t>
             </a:r>
-            <a:endParaRPr dirty="0"/>
           </a:p>
         </p:txBody>
       </p:sp>
@@ -7709,9 +7545,7 @@
           <p:nvPr/>
         </p:nvPicPr>
         <p:blipFill>
-          <a:blip r:embed="rId2">
-            <a:extLst/>
-          </a:blip>
+          <a:blip r:embed="rId2"/>
           <a:stretch>
             <a:fillRect/>
           </a:stretch>
@@ -7738,9 +7572,7 @@
           <p:nvPr/>
         </p:nvPicPr>
         <p:blipFill>
-          <a:blip r:embed="rId3">
-            <a:extLst/>
-          </a:blip>
+          <a:blip r:embed="rId3"/>
           <a:stretch>
             <a:fillRect/>
           </a:stretch>
@@ -7781,11 +7613,11 @@
           <a:lstStyle/>
           <a:p>
             <a:r>
-              <a:rPr lang="en-US" sz="1200" dirty="0" err="1" smtClean="0"/>
+              <a:rPr lang="en-US" sz="1200" dirty="0" err="1"/>
               <a:t>Esp</a:t>
             </a:r>
             <a:r>
-              <a:rPr lang="en-US" sz="1200" dirty="0" smtClean="0"/>
+              <a:rPr lang="en-US" sz="1200" dirty="0"/>
               <a:t> 32</a:t>
             </a:r>
             <a:endParaRPr lang="ru-RU" sz="1200" dirty="0"/>
@@ -7815,7 +7647,7 @@
           <a:lstStyle/>
           <a:p>
             <a:r>
-              <a:rPr lang="en-US" sz="1200" dirty="0" smtClean="0"/>
+              <a:rPr lang="en-US" sz="1200" dirty="0"/>
               <a:t>MH –BPS102</a:t>
             </a:r>
             <a:endParaRPr lang="ru-RU" sz="1200" dirty="0"/>
@@ -7845,7 +7677,7 @@
           <a:lstStyle/>
           <a:p>
             <a:r>
-              <a:rPr lang="en-US" sz="1200" dirty="0" smtClean="0"/>
+              <a:rPr lang="en-US" sz="1200" dirty="0"/>
               <a:t>MQ-2</a:t>
             </a:r>
             <a:endParaRPr lang="ru-RU" sz="1200" dirty="0"/>
@@ -7916,24 +7748,24 @@
           <a:lstStyle/>
           <a:p>
             <a:r>
-              <a:rPr lang="ru-RU" dirty="0" smtClean="0"/>
+              <a:rPr lang="ru-RU" dirty="0"/>
               <a:t>Наличие встроенного  модуля </a:t>
             </a:r>
             <a:r>
-              <a:rPr lang="en-US" dirty="0" smtClean="0"/>
+              <a:rPr lang="en-US" dirty="0"/>
               <a:t>Wi-Fi</a:t>
             </a:r>
-            <a:endParaRPr lang="ru-RU" dirty="0" smtClean="0"/>
-          </a:p>
-          <a:p>
-            <a:r>
-              <a:rPr lang="ru-RU" dirty="0" smtClean="0"/>
+            <a:endParaRPr lang="ru-RU" dirty="0"/>
+          </a:p>
+          <a:p>
+            <a:r>
+              <a:rPr lang="ru-RU" dirty="0"/>
               <a:t>Высокая чистота микроконтроллера</a:t>
             </a:r>
           </a:p>
           <a:p>
             <a:r>
-              <a:rPr lang="ru-RU" dirty="0" smtClean="0"/>
+              <a:rPr lang="ru-RU" dirty="0"/>
               <a:t>Низкая стоимость</a:t>
             </a:r>
           </a:p>
@@ -7962,22 +7794,21 @@
           <a:lstStyle/>
           <a:p>
             <a:r>
-              <a:rPr lang="ru-RU" dirty="0" smtClean="0"/>
+              <a:rPr lang="ru-RU" dirty="0"/>
               <a:t>Встроенный фильтр</a:t>
             </a:r>
           </a:p>
           <a:p>
             <a:r>
-              <a:rPr lang="ru-RU" dirty="0" smtClean="0"/>
+              <a:rPr lang="ru-RU" dirty="0"/>
               <a:t>Сухой контакт с кожей</a:t>
             </a:r>
           </a:p>
           <a:p>
             <a:r>
-              <a:rPr lang="ru-RU" dirty="0" smtClean="0"/>
+              <a:rPr lang="ru-RU" dirty="0"/>
               <a:t>Малый размер</a:t>
             </a:r>
-            <a:endParaRPr lang="ru-RU" dirty="0"/>
           </a:p>
         </p:txBody>
       </p:sp>
@@ -8004,16 +7835,15 @@
           <a:lstStyle/>
           <a:p>
             <a:r>
-              <a:rPr lang="ru-RU" dirty="0" smtClean="0"/>
+              <a:rPr lang="ru-RU" dirty="0"/>
               <a:t>Нужный диапазон газов</a:t>
             </a:r>
           </a:p>
           <a:p>
             <a:r>
-              <a:rPr lang="ru-RU" dirty="0" smtClean="0"/>
+              <a:rPr lang="ru-RU" dirty="0"/>
               <a:t>Низкая цена</a:t>
             </a:r>
-            <a:endParaRPr lang="ru-RU" dirty="0"/>
           </a:p>
         </p:txBody>
       </p:sp>
@@ -8022,21 +7852,6 @@
   <p:clrMapOvr>
     <a:masterClrMapping/>
   </p:clrMapOvr>
-  <mc:AlternateContent xmlns:mc="http://schemas.openxmlformats.org/markup-compatibility/2006" xmlns:p14="http://schemas.microsoft.com/office/powerpoint/2010/main">
-    <mc:Choice Requires="p14">
-      <p:transition spd="slow" p14:dur="2000"/>
-    </mc:Choice>
-    <mc:Fallback xmlns="">
-      <p:transition spd="slow"/>
-    </mc:Fallback>
-  </mc:AlternateContent>
-  <p:timing>
-    <p:tnLst>
-      <p:par>
-        <p:cTn id="1" dur="indefinite" restart="never" nodeType="tmRoot"/>
-      </p:par>
-    </p:tnLst>
-  </p:timing>
 </p:sld>
 </file>
 
@@ -8189,12 +8004,12 @@
                         <a:defRPr/>
                       </a:pPr>
                       <a:r>
-                        <a:rPr lang="ru-RU" sz="1800" dirty="0" smtClean="0">
+                        <a:rPr lang="ru-RU" sz="1800" dirty="0">
                           <a:effectLst/>
                         </a:rPr>
                         <a:t>Название</a:t>
                       </a:r>
-                      <a:endParaRPr lang="ru-RU" sz="1800" dirty="0" smtClean="0">
+                      <a:endParaRPr lang="ru-RU" sz="1800" dirty="0">
                         <a:effectLst/>
                         <a:latin typeface="Times New Roman" panose="02020603050405020304" pitchFamily="18" charset="0"/>
                         <a:ea typeface="Times New Roman" panose="02020603050405020304" pitchFamily="18" charset="0"/>
@@ -8230,12 +8045,12 @@
                         <a:defRPr/>
                       </a:pPr>
                       <a:r>
-                        <a:rPr lang="ru-RU" sz="1800" dirty="0" smtClean="0">
+                        <a:rPr lang="ru-RU" sz="1800" dirty="0">
                           <a:effectLst/>
                         </a:rPr>
                         <a:t>Усиление</a:t>
                       </a:r>
-                      <a:endParaRPr lang="ru-RU" sz="1800" dirty="0" smtClean="0">
+                      <a:endParaRPr lang="ru-RU" sz="1800" dirty="0">
                         <a:effectLst/>
                         <a:latin typeface="Times New Roman" panose="02020603050405020304" pitchFamily="18" charset="0"/>
                         <a:ea typeface="Times New Roman" panose="02020603050405020304" pitchFamily="18" charset="0"/>
@@ -8271,12 +8086,12 @@
                         <a:defRPr/>
                       </a:pPr>
                       <a:r>
-                        <a:rPr lang="ru-RU" sz="1800" dirty="0" smtClean="0">
+                        <a:rPr lang="ru-RU" sz="1800" dirty="0">
                           <a:effectLst/>
                         </a:rPr>
                         <a:t>Диапазон напряжения питания</a:t>
                       </a:r>
-                      <a:endParaRPr lang="ru-RU" sz="1800" dirty="0" smtClean="0">
+                      <a:endParaRPr lang="ru-RU" sz="1800" dirty="0">
                         <a:effectLst/>
                         <a:latin typeface="Times New Roman" panose="02020603050405020304" pitchFamily="18" charset="0"/>
                         <a:ea typeface="Times New Roman" panose="02020603050405020304" pitchFamily="18" charset="0"/>
@@ -8312,12 +8127,12 @@
                         <a:defRPr/>
                       </a:pPr>
                       <a:r>
-                        <a:rPr lang="ru-RU" sz="1800" dirty="0" smtClean="0">
+                        <a:rPr lang="ru-RU" sz="1800" dirty="0">
                           <a:effectLst/>
                         </a:rPr>
                         <a:t>Размер</a:t>
                       </a:r>
-                      <a:endParaRPr lang="ru-RU" sz="1800" dirty="0" smtClean="0">
+                      <a:endParaRPr lang="ru-RU" sz="1800" dirty="0">
                         <a:effectLst/>
                         <a:latin typeface="Times New Roman" panose="02020603050405020304" pitchFamily="18" charset="0"/>
                         <a:ea typeface="Times New Roman" panose="02020603050405020304" pitchFamily="18" charset="0"/>
@@ -8353,12 +8168,12 @@
                         <a:defRPr/>
                       </a:pPr>
                       <a:r>
-                        <a:rPr lang="ru-RU" sz="1800" dirty="0" smtClean="0">
+                        <a:rPr lang="ru-RU" sz="1800" dirty="0">
                           <a:effectLst/>
                         </a:rPr>
                         <a:t>Диапазон пропускаемых частот</a:t>
                       </a:r>
-                      <a:endParaRPr lang="ru-RU" sz="1800" dirty="0" smtClean="0">
+                      <a:endParaRPr lang="ru-RU" sz="1800" dirty="0">
                         <a:effectLst/>
                         <a:latin typeface="Times New Roman" panose="02020603050405020304" pitchFamily="18" charset="0"/>
                         <a:ea typeface="Times New Roman" panose="02020603050405020304" pitchFamily="18" charset="0"/>
@@ -8394,12 +8209,12 @@
                         <a:defRPr/>
                       </a:pPr>
                       <a:r>
-                        <a:rPr lang="ru-RU" sz="1800" dirty="0" smtClean="0">
+                        <a:rPr lang="ru-RU" sz="1800" dirty="0">
                           <a:effectLst/>
                         </a:rPr>
                         <a:t>Цена</a:t>
                       </a:r>
-                      <a:endParaRPr lang="ru-RU" sz="1800" dirty="0" smtClean="0">
+                      <a:endParaRPr lang="ru-RU" sz="1800" dirty="0">
                         <a:effectLst/>
                         <a:latin typeface="Times New Roman" panose="02020603050405020304" pitchFamily="18" charset="0"/>
                         <a:ea typeface="Times New Roman" panose="02020603050405020304" pitchFamily="18" charset="0"/>
@@ -8442,12 +8257,12 @@
                         <a:defRPr/>
                       </a:pPr>
                       <a:r>
-                        <a:rPr lang="ru-RU" sz="1800" kern="0" spc="-10" dirty="0" smtClean="0">
+                        <a:rPr lang="ru-RU" sz="1800" kern="0" spc="-10" dirty="0">
                           <a:effectLst/>
                         </a:rPr>
                         <a:t>датчик EMG</a:t>
                       </a:r>
-                      <a:endParaRPr lang="ru-RU" sz="1800" kern="0" dirty="0" smtClean="0">
+                      <a:endParaRPr lang="ru-RU" sz="1800" kern="0" dirty="0">
                         <a:effectLst/>
                       </a:endParaRPr>
                     </a:p>
@@ -8463,10 +8278,9 @@
                     <a:lstStyle/>
                     <a:p>
                       <a:r>
-                        <a:rPr lang="ru-RU" dirty="0" smtClean="0"/>
+                        <a:rPr lang="ru-RU" dirty="0"/>
                         <a:t>-</a:t>
                       </a:r>
-                      <a:endParaRPr lang="ru-RU" dirty="0"/>
                     </a:p>
                   </a:txBody>
                   <a:tcPr/>
@@ -8494,30 +8308,30 @@
                         <a:defRPr/>
                       </a:pPr>
                       <a:r>
-                        <a:rPr lang="ru-RU" sz="1800" dirty="0" smtClean="0">
+                        <a:rPr lang="ru-RU" sz="1800" dirty="0">
                           <a:effectLst/>
                         </a:rPr>
                         <a:t>+ -9 </a:t>
                       </a:r>
                       <a:r>
-                        <a:rPr lang="en-US" sz="1800" dirty="0" smtClean="0">
+                        <a:rPr lang="en-US" sz="1800" dirty="0">
                           <a:effectLst/>
                         </a:rPr>
                         <a:t>V</a:t>
                       </a:r>
                       <a:r>
-                        <a:rPr lang="ru-RU" sz="1800" dirty="0" smtClean="0">
+                        <a:rPr lang="ru-RU" sz="1800" dirty="0">
                           <a:effectLst/>
                         </a:rPr>
                         <a:t> Двойной источник питания, минимальный +-3,5 </a:t>
                       </a:r>
                       <a:r>
-                        <a:rPr lang="en-US" sz="1800" dirty="0" smtClean="0">
+                        <a:rPr lang="en-US" sz="1800" dirty="0">
                           <a:effectLst/>
                         </a:rPr>
                         <a:t>V</a:t>
                       </a:r>
-                      <a:endParaRPr lang="ru-RU" sz="1800" dirty="0" smtClean="0">
+                      <a:endParaRPr lang="ru-RU" sz="1800" dirty="0">
                         <a:effectLst/>
                         <a:latin typeface="Times New Roman" panose="02020603050405020304" pitchFamily="18" charset="0"/>
                         <a:ea typeface="Times New Roman" panose="02020603050405020304" pitchFamily="18" charset="0"/>
@@ -8553,12 +8367,12 @@
                         <a:defRPr/>
                       </a:pPr>
                       <a:r>
-                        <a:rPr lang="ru-RU" sz="1800" dirty="0" smtClean="0">
+                        <a:rPr lang="ru-RU" sz="1800" dirty="0">
                           <a:effectLst/>
                         </a:rPr>
                         <a:t>25x26x10 мм</a:t>
                       </a:r>
-                      <a:endParaRPr lang="ru-RU" sz="1800" dirty="0" smtClean="0">
+                      <a:endParaRPr lang="ru-RU" sz="1800" dirty="0">
                         <a:effectLst/>
                         <a:latin typeface="Times New Roman" panose="02020603050405020304" pitchFamily="18" charset="0"/>
                         <a:ea typeface="Times New Roman" panose="02020603050405020304" pitchFamily="18" charset="0"/>
@@ -8577,10 +8391,9 @@
                     <a:lstStyle/>
                     <a:p>
                       <a:r>
-                        <a:rPr lang="ru-RU" dirty="0" smtClean="0"/>
+                        <a:rPr lang="ru-RU" dirty="0"/>
                         <a:t>-</a:t>
                       </a:r>
-                      <a:endParaRPr lang="ru-RU" dirty="0"/>
                     </a:p>
                   </a:txBody>
                   <a:tcPr/>
@@ -8608,18 +8421,18 @@
                         <a:defRPr/>
                       </a:pPr>
                       <a:r>
-                        <a:rPr lang="en-US" sz="1800" dirty="0" smtClean="0">
+                        <a:rPr lang="en-US" sz="1800" dirty="0">
                           <a:effectLst/>
                         </a:rPr>
                         <a:t>1981</a:t>
                       </a:r>
                       <a:r>
-                        <a:rPr lang="ru-RU" sz="1800" dirty="0" smtClean="0">
+                        <a:rPr lang="ru-RU" sz="1800" dirty="0">
                           <a:effectLst/>
                         </a:rPr>
                         <a:t>р</a:t>
                       </a:r>
-                      <a:endParaRPr lang="ru-RU" sz="1800" dirty="0" smtClean="0">
+                      <a:endParaRPr lang="ru-RU" sz="1800" dirty="0">
                         <a:effectLst/>
                         <a:latin typeface="Times New Roman" panose="02020603050405020304" pitchFamily="18" charset="0"/>
                         <a:ea typeface="Times New Roman" panose="02020603050405020304" pitchFamily="18" charset="0"/>
@@ -8662,30 +8475,30 @@
                         <a:defRPr/>
                       </a:pPr>
                       <a:r>
-                        <a:rPr lang="en-US" sz="1800" dirty="0" smtClean="0">
+                        <a:rPr lang="en-US" sz="1800" dirty="0">
                           <a:effectLst/>
                         </a:rPr>
                         <a:t>MH</a:t>
                       </a:r>
                       <a:r>
-                        <a:rPr lang="ru-RU" sz="1800" dirty="0" smtClean="0">
+                        <a:rPr lang="ru-RU" sz="1800" dirty="0">
                           <a:effectLst/>
                         </a:rPr>
                         <a:t>-</a:t>
                       </a:r>
                       <a:r>
-                        <a:rPr lang="en-US" sz="1800" dirty="0" smtClean="0">
+                        <a:rPr lang="en-US" sz="1800" dirty="0">
                           <a:effectLst/>
                         </a:rPr>
                         <a:t>BPS</a:t>
                       </a:r>
                       <a:r>
-                        <a:rPr lang="ru-RU" sz="1800" dirty="0" smtClean="0">
+                        <a:rPr lang="ru-RU" sz="1800" dirty="0">
                           <a:effectLst/>
                         </a:rPr>
                         <a:t>101</a:t>
                       </a:r>
-                      <a:endParaRPr lang="ru-RU" sz="1800" dirty="0" smtClean="0">
+                      <a:endParaRPr lang="ru-RU" sz="1800" dirty="0">
                         <a:effectLst/>
                         <a:latin typeface="Times New Roman" panose="02020603050405020304" pitchFamily="18" charset="0"/>
                         <a:ea typeface="Times New Roman" panose="02020603050405020304" pitchFamily="18" charset="0"/>
@@ -8704,10 +8517,9 @@
                     <a:lstStyle/>
                     <a:p>
                       <a:r>
-                        <a:rPr lang="ru-RU" dirty="0" smtClean="0"/>
+                        <a:rPr lang="ru-RU" dirty="0"/>
                         <a:t>-</a:t>
                       </a:r>
-                      <a:endParaRPr lang="ru-RU" dirty="0"/>
                     </a:p>
                   </a:txBody>
                   <a:tcPr/>
@@ -8735,12 +8547,12 @@
                         <a:defRPr/>
                       </a:pPr>
                       <a:r>
-                        <a:rPr lang="ru-RU" sz="1800" dirty="0" smtClean="0">
+                        <a:rPr lang="ru-RU" sz="1800" dirty="0">
                           <a:effectLst/>
                         </a:rPr>
                         <a:t>3.3 – 5.5 V.</a:t>
                       </a:r>
-                      <a:endParaRPr lang="ru-RU" sz="1800" dirty="0" smtClean="0">
+                      <a:endParaRPr lang="ru-RU" sz="1800" dirty="0">
                         <a:effectLst/>
                         <a:latin typeface="Times New Roman" panose="02020603050405020304" pitchFamily="18" charset="0"/>
                         <a:ea typeface="Times New Roman" panose="02020603050405020304" pitchFamily="18" charset="0"/>
@@ -8776,12 +8588,12 @@
                         <a:defRPr/>
                       </a:pPr>
                       <a:r>
-                        <a:rPr lang="ru-RU" sz="1800" dirty="0" smtClean="0">
+                        <a:rPr lang="ru-RU" sz="1800" dirty="0">
                           <a:effectLst/>
                         </a:rPr>
                         <a:t>6.8х32.1х3.0мм</a:t>
                       </a:r>
-                      <a:endParaRPr lang="ru-RU" sz="1800" dirty="0" smtClean="0">
+                      <a:endParaRPr lang="ru-RU" sz="1800" dirty="0">
                         <a:effectLst/>
                         <a:latin typeface="Times New Roman" panose="02020603050405020304" pitchFamily="18" charset="0"/>
                         <a:ea typeface="Times New Roman" panose="02020603050405020304" pitchFamily="18" charset="0"/>
@@ -8817,12 +8629,12 @@
                         <a:defRPr/>
                       </a:pPr>
                       <a:r>
-                        <a:rPr lang="ru-RU" sz="1800" dirty="0" smtClean="0">
+                        <a:rPr lang="ru-RU" sz="1800" dirty="0">
                           <a:effectLst/>
                         </a:rPr>
                         <a:t> 8 – 200 Гц.</a:t>
                       </a:r>
-                      <a:endParaRPr lang="ru-RU" sz="1800" dirty="0" smtClean="0">
+                      <a:endParaRPr lang="ru-RU" sz="1800" dirty="0">
                         <a:effectLst/>
                         <a:latin typeface="Times New Roman" panose="02020603050405020304" pitchFamily="18" charset="0"/>
                         <a:ea typeface="Times New Roman" panose="02020603050405020304" pitchFamily="18" charset="0"/>
@@ -8858,12 +8670,12 @@
                         <a:defRPr/>
                       </a:pPr>
                       <a:r>
-                        <a:rPr lang="ru-RU" sz="1800" dirty="0" smtClean="0">
+                        <a:rPr lang="ru-RU" sz="1800" dirty="0">
                           <a:effectLst/>
                         </a:rPr>
                         <a:t>1600р</a:t>
                       </a:r>
-                      <a:endParaRPr lang="ru-RU" sz="1800" dirty="0" smtClean="0">
+                      <a:endParaRPr lang="ru-RU" sz="1800" dirty="0">
                         <a:effectLst/>
                         <a:latin typeface="Times New Roman" panose="02020603050405020304" pitchFamily="18" charset="0"/>
                         <a:ea typeface="Times New Roman" panose="02020603050405020304" pitchFamily="18" charset="0"/>
@@ -8906,30 +8718,30 @@
                         <a:defRPr/>
                       </a:pPr>
                       <a:r>
-                        <a:rPr lang="en-US" sz="1800" dirty="0" smtClean="0">
+                        <a:rPr lang="en-US" sz="1800" dirty="0">
                           <a:effectLst/>
                         </a:rPr>
                         <a:t>MH</a:t>
                       </a:r>
                       <a:r>
-                        <a:rPr lang="ru-RU" sz="1800" dirty="0" smtClean="0">
+                        <a:rPr lang="ru-RU" sz="1800" dirty="0">
                           <a:effectLst/>
                         </a:rPr>
                         <a:t>-</a:t>
                       </a:r>
                       <a:r>
-                        <a:rPr lang="en-US" sz="1800" dirty="0" smtClean="0">
+                        <a:rPr lang="en-US" sz="1800" dirty="0">
                           <a:effectLst/>
                         </a:rPr>
                         <a:t>BPS</a:t>
                       </a:r>
                       <a:r>
-                        <a:rPr lang="ru-RU" sz="1800" dirty="0" smtClean="0">
+                        <a:rPr lang="ru-RU" sz="1800" dirty="0">
                           <a:effectLst/>
                         </a:rPr>
                         <a:t>102</a:t>
                       </a:r>
-                      <a:endParaRPr lang="ru-RU" sz="1800" dirty="0" smtClean="0">
+                      <a:endParaRPr lang="ru-RU" sz="1800" dirty="0">
                         <a:effectLst/>
                         <a:latin typeface="Times New Roman" panose="02020603050405020304" pitchFamily="18" charset="0"/>
                         <a:ea typeface="Times New Roman" panose="02020603050405020304" pitchFamily="18" charset="0"/>
@@ -8965,31 +8777,31 @@
                         <a:defRPr/>
                       </a:pPr>
                       <a:r>
-                        <a:rPr lang="ru-RU" sz="1800" dirty="0" smtClean="0">
+                        <a:rPr lang="ru-RU" sz="1800" dirty="0">
                           <a:effectLst/>
                         </a:rPr>
                         <a:t>Базовый коэффициент усиления равен 500 V/V, может быть увеличен от</a:t>
                       </a:r>
                       <a:r>
-                        <a:rPr lang="ru-RU" sz="1800" baseline="0" dirty="0" smtClean="0">
+                        <a:rPr lang="ru-RU" sz="1800" baseline="0" dirty="0">
                           <a:effectLst/>
                         </a:rPr>
                         <a:t> </a:t>
                       </a:r>
                       <a:r>
-                        <a:rPr lang="ru-RU" sz="1800" dirty="0" smtClean="0">
+                        <a:rPr lang="ru-RU" sz="1800" dirty="0">
                           <a:effectLst/>
                         </a:rPr>
                         <a:t>⨯1</a:t>
                       </a:r>
                       <a:r>
-                        <a:rPr lang="ru-RU" sz="1800" baseline="0" dirty="0" smtClean="0">
+                        <a:rPr lang="ru-RU" sz="1800" baseline="0" dirty="0">
                           <a:effectLst/>
                         </a:rPr>
                         <a:t> до </a:t>
                       </a:r>
                       <a:r>
-                        <a:rPr lang="ru-RU" sz="1800" dirty="0" smtClean="0">
+                        <a:rPr lang="ru-RU" sz="1800" dirty="0">
                           <a:effectLst/>
                         </a:rPr>
                         <a:t>⨯32 раз.</a:t>
@@ -9022,12 +8834,12 @@
                         <a:defRPr/>
                       </a:pPr>
                       <a:r>
-                        <a:rPr lang="ru-RU" sz="1800" dirty="0" smtClean="0">
+                        <a:rPr lang="ru-RU" sz="1800" dirty="0">
                           <a:effectLst/>
                         </a:rPr>
                         <a:t>3.3 – 5.5 V.</a:t>
                       </a:r>
-                      <a:endParaRPr lang="ru-RU" sz="1800" dirty="0" smtClean="0">
+                      <a:endParaRPr lang="ru-RU" sz="1800" dirty="0">
                         <a:effectLst/>
                         <a:latin typeface="Times New Roman" panose="02020603050405020304" pitchFamily="18" charset="0"/>
                         <a:ea typeface="Times New Roman" panose="02020603050405020304" pitchFamily="18" charset="0"/>
@@ -9063,12 +8875,12 @@
                         <a:defRPr/>
                       </a:pPr>
                       <a:r>
-                        <a:rPr lang="ru-RU" sz="1800" dirty="0" smtClean="0">
+                        <a:rPr lang="ru-RU" sz="1800" dirty="0">
                           <a:effectLst/>
                         </a:rPr>
                         <a:t>19.1х14.9х3.0 ± 0.2 мм</a:t>
                       </a:r>
-                      <a:endParaRPr lang="ru-RU" sz="1800" dirty="0" smtClean="0">
+                      <a:endParaRPr lang="ru-RU" sz="1800" dirty="0">
                         <a:effectLst/>
                         <a:latin typeface="Times New Roman" panose="02020603050405020304" pitchFamily="18" charset="0"/>
                         <a:ea typeface="Times New Roman" panose="02020603050405020304" pitchFamily="18" charset="0"/>
@@ -9104,12 +8916,12 @@
                         <a:defRPr/>
                       </a:pPr>
                       <a:r>
-                        <a:rPr lang="ru-RU" sz="1800" dirty="0" smtClean="0">
+                        <a:rPr lang="ru-RU" sz="1800" dirty="0">
                           <a:effectLst/>
                         </a:rPr>
                         <a:t>8 – 200 Гц</a:t>
                       </a:r>
-                      <a:endParaRPr lang="ru-RU" sz="1800" dirty="0" smtClean="0">
+                      <a:endParaRPr lang="ru-RU" sz="1800" dirty="0">
                         <a:effectLst/>
                         <a:latin typeface="Times New Roman" panose="02020603050405020304" pitchFamily="18" charset="0"/>
                         <a:ea typeface="Times New Roman" panose="02020603050405020304" pitchFamily="18" charset="0"/>
@@ -9145,18 +8957,18 @@
                         <a:defRPr/>
                       </a:pPr>
                       <a:r>
-                        <a:rPr lang="en-US" sz="1800" dirty="0" smtClean="0">
+                        <a:rPr lang="en-US" sz="1800" dirty="0">
                           <a:effectLst/>
                         </a:rPr>
                         <a:t>1900</a:t>
                       </a:r>
                       <a:r>
-                        <a:rPr lang="ru-RU" sz="1800" dirty="0" smtClean="0">
+                        <a:rPr lang="ru-RU" sz="1800" dirty="0">
                           <a:effectLst/>
                         </a:rPr>
                         <a:t>р</a:t>
                       </a:r>
-                      <a:endParaRPr lang="ru-RU" sz="1800" dirty="0" smtClean="0">
+                      <a:endParaRPr lang="ru-RU" sz="1800" dirty="0">
                         <a:effectLst/>
                         <a:latin typeface="Times New Roman" panose="02020603050405020304" pitchFamily="18" charset="0"/>
                         <a:ea typeface="Times New Roman" panose="02020603050405020304" pitchFamily="18" charset="0"/>
@@ -9315,12 +9127,12 @@
                         <a:defRPr/>
                       </a:pPr>
                       <a:r>
-                        <a:rPr lang="ru-RU" sz="1800" dirty="0" smtClean="0">
+                        <a:rPr lang="ru-RU" sz="1800" dirty="0">
                           <a:effectLst/>
                         </a:rPr>
                         <a:t>Название</a:t>
                       </a:r>
-                      <a:endParaRPr lang="ru-RU" sz="1800" dirty="0" smtClean="0">
+                      <a:endParaRPr lang="ru-RU" sz="1800" dirty="0">
                         <a:effectLst/>
                         <a:latin typeface="Times New Roman" panose="02020603050405020304" pitchFamily="18" charset="0"/>
                         <a:ea typeface="Times New Roman" panose="02020603050405020304" pitchFamily="18" charset="0"/>
@@ -9356,12 +9168,12 @@
                         <a:defRPr/>
                       </a:pPr>
                       <a:r>
-                        <a:rPr lang="ru-RU" sz="1800" dirty="0" smtClean="0">
+                        <a:rPr lang="ru-RU" sz="1800" dirty="0">
                           <a:effectLst/>
                         </a:rPr>
                         <a:t>Производительность</a:t>
                       </a:r>
-                      <a:endParaRPr lang="ru-RU" sz="1800" dirty="0" smtClean="0">
+                      <a:endParaRPr lang="ru-RU" sz="1800" dirty="0">
                         <a:effectLst/>
                         <a:latin typeface="Times New Roman" panose="02020603050405020304" pitchFamily="18" charset="0"/>
                         <a:ea typeface="Times New Roman" panose="02020603050405020304" pitchFamily="18" charset="0"/>
@@ -9397,12 +9209,12 @@
                         <a:defRPr/>
                       </a:pPr>
                       <a:r>
-                        <a:rPr lang="ru-RU" sz="1800" dirty="0" smtClean="0">
+                        <a:rPr lang="ru-RU" sz="1800" dirty="0">
                           <a:effectLst/>
                         </a:rPr>
                         <a:t>Энергопотребление</a:t>
                       </a:r>
-                      <a:endParaRPr lang="ru-RU" sz="1800" dirty="0" smtClean="0">
+                      <a:endParaRPr lang="ru-RU" sz="1800" dirty="0">
                         <a:effectLst/>
                         <a:latin typeface="Times New Roman" panose="02020603050405020304" pitchFamily="18" charset="0"/>
                         <a:ea typeface="Times New Roman" panose="02020603050405020304" pitchFamily="18" charset="0"/>
@@ -9438,12 +9250,12 @@
                         <a:defRPr/>
                       </a:pPr>
                       <a:r>
-                        <a:rPr lang="ru-RU" sz="1800" dirty="0" smtClean="0">
+                        <a:rPr lang="ru-RU" sz="1800" dirty="0">
                           <a:effectLst/>
                         </a:rPr>
                         <a:t>Цена</a:t>
                       </a:r>
-                      <a:endParaRPr lang="ru-RU" sz="1800" dirty="0" smtClean="0">
+                      <a:endParaRPr lang="ru-RU" sz="1800" dirty="0">
                         <a:effectLst/>
                         <a:latin typeface="Times New Roman" panose="02020603050405020304" pitchFamily="18" charset="0"/>
                         <a:ea typeface="Times New Roman" panose="02020603050405020304" pitchFamily="18" charset="0"/>
@@ -9486,18 +9298,18 @@
                         <a:defRPr/>
                       </a:pPr>
                       <a:r>
-                        <a:rPr lang="en-US" sz="1800" dirty="0" smtClean="0">
+                        <a:rPr lang="en-US" sz="1800" dirty="0">
                           <a:effectLst/>
                         </a:rPr>
                         <a:t>Arduino </a:t>
                       </a:r>
                       <a:r>
-                        <a:rPr lang="en-US" sz="1800" dirty="0" err="1" smtClean="0">
+                        <a:rPr lang="en-US" sz="1800" dirty="0" err="1">
                           <a:effectLst/>
                         </a:rPr>
                         <a:t>nano</a:t>
                       </a:r>
-                      <a:endParaRPr lang="ru-RU" sz="1800" dirty="0" smtClean="0">
+                      <a:endParaRPr lang="ru-RU" sz="1800" dirty="0">
                         <a:effectLst/>
                         <a:latin typeface="Times New Roman" panose="02020603050405020304" pitchFamily="18" charset="0"/>
                         <a:ea typeface="Times New Roman" panose="02020603050405020304" pitchFamily="18" charset="0"/>
@@ -9533,12 +9345,12 @@
                         <a:defRPr/>
                       </a:pPr>
                       <a:r>
-                        <a:rPr lang="ru-RU" sz="1800" dirty="0" smtClean="0">
+                        <a:rPr lang="ru-RU" sz="1800" dirty="0">
                           <a:effectLst/>
                         </a:rPr>
                         <a:t>Частота: 16 МГц</a:t>
                       </a:r>
-                      <a:endParaRPr lang="ru-RU" sz="1800" dirty="0" smtClean="0">
+                      <a:endParaRPr lang="ru-RU" sz="1800" dirty="0">
                         <a:effectLst/>
                         <a:latin typeface="Times New Roman" panose="02020603050405020304" pitchFamily="18" charset="0"/>
                         <a:ea typeface="Times New Roman" panose="02020603050405020304" pitchFamily="18" charset="0"/>
@@ -9574,12 +9386,12 @@
                         <a:defRPr/>
                       </a:pPr>
                       <a:r>
-                        <a:rPr lang="ru-RU" sz="1800" dirty="0" smtClean="0">
+                        <a:rPr lang="ru-RU" sz="1800" dirty="0">
                           <a:effectLst/>
                         </a:rPr>
                         <a:t>24 мА в полном сне 5 мА</a:t>
                       </a:r>
-                      <a:endParaRPr lang="ru-RU" sz="1800" dirty="0" smtClean="0">
+                      <a:endParaRPr lang="ru-RU" sz="1800" dirty="0">
                         <a:effectLst/>
                         <a:latin typeface="Times New Roman" panose="02020603050405020304" pitchFamily="18" charset="0"/>
                         <a:ea typeface="Times New Roman" panose="02020603050405020304" pitchFamily="18" charset="0"/>
@@ -9615,12 +9427,12 @@
                         <a:defRPr/>
                       </a:pPr>
                       <a:r>
-                        <a:rPr lang="ru-RU" sz="1800" dirty="0" smtClean="0">
+                        <a:rPr lang="ru-RU" sz="1800" dirty="0">
                           <a:effectLst/>
                         </a:rPr>
                         <a:t>250р</a:t>
                       </a:r>
-                      <a:endParaRPr lang="ru-RU" sz="1800" dirty="0" smtClean="0">
+                      <a:endParaRPr lang="ru-RU" sz="1800" dirty="0">
                         <a:effectLst/>
                         <a:latin typeface="Times New Roman" panose="02020603050405020304" pitchFamily="18" charset="0"/>
                         <a:ea typeface="Times New Roman" panose="02020603050405020304" pitchFamily="18" charset="0"/>
@@ -9663,12 +9475,12 @@
                         <a:defRPr/>
                       </a:pPr>
                       <a:r>
-                        <a:rPr lang="en-US" sz="1800" dirty="0" smtClean="0">
+                        <a:rPr lang="en-US" sz="1800" dirty="0">
                           <a:effectLst/>
                         </a:rPr>
                         <a:t>Stm32F1</a:t>
                       </a:r>
-                      <a:endParaRPr lang="ru-RU" sz="1800" dirty="0" smtClean="0">
+                      <a:endParaRPr lang="ru-RU" sz="1800" dirty="0">
                         <a:effectLst/>
                         <a:latin typeface="Times New Roman" panose="02020603050405020304" pitchFamily="18" charset="0"/>
                         <a:ea typeface="Times New Roman" panose="02020603050405020304" pitchFamily="18" charset="0"/>
@@ -9704,18 +9516,18 @@
                         <a:defRPr/>
                       </a:pPr>
                       <a:r>
-                        <a:rPr lang="ru-RU" sz="1800" dirty="0" smtClean="0">
+                        <a:rPr lang="ru-RU" sz="1800" dirty="0">
                           <a:effectLst/>
                         </a:rPr>
                         <a:t>72 </a:t>
                       </a:r>
                       <a:r>
-                        <a:rPr lang="ru-RU" sz="1800" dirty="0" err="1" smtClean="0">
+                        <a:rPr lang="ru-RU" sz="1800" dirty="0" err="1">
                           <a:effectLst/>
                         </a:rPr>
                         <a:t>MHz</a:t>
                       </a:r>
-                      <a:endParaRPr lang="ru-RU" sz="1800" dirty="0" smtClean="0">
+                      <a:endParaRPr lang="ru-RU" sz="1800" dirty="0">
                         <a:effectLst/>
                         <a:latin typeface="Times New Roman" panose="02020603050405020304" pitchFamily="18" charset="0"/>
                         <a:ea typeface="Times New Roman" panose="02020603050405020304" pitchFamily="18" charset="0"/>
@@ -9751,12 +9563,12 @@
                         <a:defRPr/>
                       </a:pPr>
                       <a:r>
-                        <a:rPr lang="ru-RU" sz="1800" dirty="0" smtClean="0">
+                        <a:rPr lang="ru-RU" sz="1800" dirty="0">
                           <a:effectLst/>
                         </a:rPr>
                         <a:t>29.5 6.4 при всей включенной/ выключенной периферии, есть режимы пониженного энергопотребления</a:t>
                       </a:r>
-                      <a:endParaRPr lang="ru-RU" sz="1800" dirty="0" smtClean="0">
+                      <a:endParaRPr lang="ru-RU" sz="1800" dirty="0">
                         <a:effectLst/>
                         <a:latin typeface="Times New Roman" panose="02020603050405020304" pitchFamily="18" charset="0"/>
                         <a:ea typeface="Times New Roman" panose="02020603050405020304" pitchFamily="18" charset="0"/>
@@ -9792,18 +9604,18 @@
                         <a:defRPr/>
                       </a:pPr>
                       <a:r>
-                        <a:rPr lang="en-US" sz="1800" dirty="0" smtClean="0">
+                        <a:rPr lang="en-US" sz="1800" dirty="0">
                           <a:effectLst/>
                         </a:rPr>
                         <a:t>200</a:t>
                       </a:r>
                       <a:r>
-                        <a:rPr lang="ru-RU" sz="1800" dirty="0" smtClean="0">
+                        <a:rPr lang="ru-RU" sz="1800" dirty="0">
                           <a:effectLst/>
                         </a:rPr>
                         <a:t>р</a:t>
                       </a:r>
-                      <a:endParaRPr lang="ru-RU" sz="1800" dirty="0" smtClean="0">
+                      <a:endParaRPr lang="ru-RU" sz="1800" dirty="0">
                         <a:effectLst/>
                         <a:latin typeface="Times New Roman" panose="02020603050405020304" pitchFamily="18" charset="0"/>
                         <a:ea typeface="Times New Roman" panose="02020603050405020304" pitchFamily="18" charset="0"/>
@@ -9846,24 +9658,24 @@
                         <a:defRPr/>
                       </a:pPr>
                       <a:r>
-                        <a:rPr lang="en-US" sz="1800" dirty="0" smtClean="0">
+                        <a:rPr lang="en-US" sz="1800" dirty="0">
                           <a:effectLst/>
                         </a:rPr>
                         <a:t>ESP</a:t>
                       </a:r>
                       <a:r>
-                        <a:rPr lang="ru-RU" sz="1800" dirty="0" smtClean="0">
+                        <a:rPr lang="ru-RU" sz="1800" dirty="0">
                           <a:effectLst/>
                         </a:rPr>
                         <a:t> 32</a:t>
                       </a:r>
                       <a:r>
-                        <a:rPr lang="en-US" sz="1800" dirty="0" smtClean="0">
+                        <a:rPr lang="en-US" sz="1800" dirty="0">
                           <a:effectLst/>
                         </a:rPr>
                         <a:t> micro</a:t>
                       </a:r>
-                      <a:endParaRPr lang="ru-RU" sz="1800" dirty="0" smtClean="0">
+                      <a:endParaRPr lang="ru-RU" sz="1800" dirty="0">
                         <a:effectLst/>
                         <a:latin typeface="Times New Roman" panose="02020603050405020304" pitchFamily="18" charset="0"/>
                         <a:ea typeface="Times New Roman" panose="02020603050405020304" pitchFamily="18" charset="0"/>
@@ -9899,12 +9711,12 @@
                         <a:defRPr/>
                       </a:pPr>
                       <a:r>
-                        <a:rPr lang="ru-RU" sz="1800" dirty="0" smtClean="0">
+                        <a:rPr lang="ru-RU" sz="1800" dirty="0">
                           <a:effectLst/>
                         </a:rPr>
                         <a:t>160 или 240 МГц</a:t>
                       </a:r>
-                      <a:endParaRPr lang="ru-RU" sz="1800" dirty="0" smtClean="0">
+                      <a:endParaRPr lang="ru-RU" sz="1800" dirty="0">
                         <a:effectLst/>
                         <a:latin typeface="Times New Roman" panose="02020603050405020304" pitchFamily="18" charset="0"/>
                         <a:ea typeface="Times New Roman" panose="02020603050405020304" pitchFamily="18" charset="0"/>
@@ -9940,12 +9752,12 @@
                         <a:defRPr/>
                       </a:pPr>
                       <a:r>
-                        <a:rPr lang="ru-RU" sz="1800" dirty="0" smtClean="0">
+                        <a:rPr lang="ru-RU" sz="1800" dirty="0">
                           <a:effectLst/>
                         </a:rPr>
                         <a:t>260 мА, в спящем режиме – 10 мА</a:t>
                       </a:r>
-                      <a:endParaRPr lang="ru-RU" sz="1800" dirty="0" smtClean="0">
+                      <a:endParaRPr lang="ru-RU" sz="1800" dirty="0">
                         <a:effectLst/>
                         <a:latin typeface="Times New Roman" panose="02020603050405020304" pitchFamily="18" charset="0"/>
                         <a:ea typeface="Times New Roman" panose="02020603050405020304" pitchFamily="18" charset="0"/>
@@ -9981,12 +9793,12 @@
                         <a:defRPr/>
                       </a:pPr>
                       <a:r>
-                        <a:rPr lang="ru-RU" sz="1800" dirty="0" smtClean="0">
+                        <a:rPr lang="ru-RU" sz="1800" dirty="0">
                           <a:effectLst/>
                         </a:rPr>
                         <a:t>650р</a:t>
                       </a:r>
-                      <a:endParaRPr lang="ru-RU" sz="1800" dirty="0" smtClean="0">
+                      <a:endParaRPr lang="ru-RU" sz="1800" dirty="0">
                         <a:effectLst/>
                         <a:latin typeface="Times New Roman" panose="02020603050405020304" pitchFamily="18" charset="0"/>
                         <a:ea typeface="Times New Roman" panose="02020603050405020304" pitchFamily="18" charset="0"/>
@@ -10029,30 +9841,30 @@
                         <a:defRPr/>
                       </a:pPr>
                       <a:r>
-                        <a:rPr lang="en-US" sz="1800" dirty="0" err="1" smtClean="0">
+                        <a:rPr lang="en-US" sz="1800" dirty="0" err="1">
                           <a:effectLst/>
                         </a:rPr>
                         <a:t>Stm</a:t>
                       </a:r>
                       <a:r>
-                        <a:rPr lang="ru-RU" sz="1800" dirty="0" smtClean="0">
+                        <a:rPr lang="ru-RU" sz="1800" dirty="0">
                           <a:effectLst/>
                         </a:rPr>
                         <a:t>32</a:t>
                       </a:r>
                       <a:r>
-                        <a:rPr lang="en-US" sz="1800" dirty="0" smtClean="0">
+                        <a:rPr lang="en-US" sz="1800" dirty="0">
                           <a:effectLst/>
                         </a:rPr>
                         <a:t>F</a:t>
                       </a:r>
                       <a:r>
-                        <a:rPr lang="ru-RU" sz="1800" dirty="0" smtClean="0">
+                        <a:rPr lang="ru-RU" sz="1800" dirty="0">
                           <a:effectLst/>
                         </a:rPr>
                         <a:t>4</a:t>
                       </a:r>
-                      <a:endParaRPr lang="ru-RU" sz="1800" dirty="0" smtClean="0">
+                      <a:endParaRPr lang="ru-RU" sz="1800" dirty="0">
                         <a:effectLst/>
                         <a:latin typeface="Times New Roman" panose="02020603050405020304" pitchFamily="18" charset="0"/>
                         <a:ea typeface="Times New Roman" panose="02020603050405020304" pitchFamily="18" charset="0"/>
@@ -10071,11 +9883,11 @@
                     <a:lstStyle/>
                     <a:p>
                       <a:r>
-                        <a:rPr lang="ru-RU" dirty="0" smtClean="0"/>
+                        <a:rPr lang="ru-RU" dirty="0"/>
                         <a:t>168 МГц</a:t>
                       </a:r>
                       <a:r>
-                        <a:rPr lang="ru-RU" baseline="0" dirty="0" smtClean="0"/>
+                        <a:rPr lang="ru-RU" baseline="0" dirty="0"/>
                         <a:t> и низкоскоростной 42 МГц</a:t>
                       </a:r>
                       <a:endParaRPr lang="ru-RU" dirty="0"/>
@@ -10106,12 +9918,12 @@
                         <a:defRPr/>
                       </a:pPr>
                       <a:r>
-                        <a:rPr lang="ru-RU" sz="1800" dirty="0" smtClean="0">
+                        <a:rPr lang="ru-RU" sz="1800" dirty="0">
                           <a:effectLst/>
                         </a:rPr>
                         <a:t>44мА</a:t>
                       </a:r>
-                      <a:endParaRPr lang="ru-RU" sz="1800" dirty="0" smtClean="0">
+                      <a:endParaRPr lang="ru-RU" sz="1800" dirty="0">
                         <a:effectLst/>
                         <a:latin typeface="Times New Roman" panose="02020603050405020304" pitchFamily="18" charset="0"/>
                         <a:ea typeface="Times New Roman" panose="02020603050405020304" pitchFamily="18" charset="0"/>
@@ -10147,12 +9959,12 @@
                         <a:defRPr/>
                       </a:pPr>
                       <a:r>
-                        <a:rPr lang="ru-RU" sz="1800" dirty="0" smtClean="0">
+                        <a:rPr lang="ru-RU" sz="1800" dirty="0">
                           <a:effectLst/>
                         </a:rPr>
                         <a:t>5000р</a:t>
                       </a:r>
-                      <a:endParaRPr lang="ru-RU" sz="1800" dirty="0" smtClean="0">
+                      <a:endParaRPr lang="ru-RU" sz="1800" dirty="0">
                         <a:effectLst/>
                         <a:latin typeface="Times New Roman" panose="02020603050405020304" pitchFamily="18" charset="0"/>
                         <a:ea typeface="Times New Roman" panose="02020603050405020304" pitchFamily="18" charset="0"/>
@@ -10221,7 +10033,7 @@
           <a:lstStyle/>
           <a:p>
             <a:r>
-              <a:rPr lang="ru-RU" dirty="0" err="1" smtClean="0"/>
+              <a:rPr lang="ru-RU" dirty="0" err="1"/>
               <a:t>Электромиограмма</a:t>
             </a:r>
             <a:endParaRPr lang="ru-RU" dirty="0"/>
@@ -10350,14 +10162,13 @@
           <a:lstStyle/>
           <a:p>
             <a:r>
-              <a:rPr lang="ru-RU" dirty="0" err="1" smtClean="0"/>
+              <a:rPr lang="ru-RU" dirty="0" err="1"/>
               <a:t>Элекромиограмма</a:t>
             </a:r>
             <a:r>
-              <a:rPr lang="ru-RU" dirty="0" smtClean="0"/>
+              <a:rPr lang="ru-RU" dirty="0"/>
               <a:t> при напряженных пальцах</a:t>
             </a:r>
-            <a:endParaRPr lang="ru-RU" dirty="0"/>
           </a:p>
         </p:txBody>
       </p:sp>
